--- a/lectures3/Pythonlearn-11-Regex.pptx
+++ b/lectures3/Pythonlearn-11-Regex.pptx
@@ -596,8 +596,8 @@
         </p:nvSpPr>
         <p:spPr>
           <a:xfrm>
-            <a:off x="1143225" y="685800"/>
-            <a:ext cx="4572225" cy="3429000"/>
+            <a:off x="381000" y="685800"/>
+            <a:ext cx="6096000" cy="3429000"/>
           </a:xfrm>
           <a:custGeom>
             <a:avLst/>
@@ -706,8 +706,8 @@
         </p:nvSpPr>
         <p:spPr>
           <a:xfrm>
-            <a:off x="1143225" y="685800"/>
-            <a:ext cx="4572225" cy="3429000"/>
+            <a:off x="381000" y="685800"/>
+            <a:ext cx="6096000" cy="3429000"/>
           </a:xfrm>
           <a:custGeom>
             <a:avLst/>
@@ -816,8 +816,8 @@
         </p:nvSpPr>
         <p:spPr>
           <a:xfrm>
-            <a:off x="1143225" y="685800"/>
-            <a:ext cx="4572225" cy="3429000"/>
+            <a:off x="381000" y="685800"/>
+            <a:ext cx="6096000" cy="3429000"/>
           </a:xfrm>
           <a:custGeom>
             <a:avLst/>
@@ -926,8 +926,8 @@
         </p:nvSpPr>
         <p:spPr>
           <a:xfrm>
-            <a:off x="1143225" y="685800"/>
-            <a:ext cx="4572225" cy="3429000"/>
+            <a:off x="381000" y="685800"/>
+            <a:ext cx="6096000" cy="3429000"/>
           </a:xfrm>
           <a:custGeom>
             <a:avLst/>
@@ -1036,8 +1036,8 @@
         </p:nvSpPr>
         <p:spPr>
           <a:xfrm>
-            <a:off x="1143225" y="685800"/>
-            <a:ext cx="4572225" cy="3429000"/>
+            <a:off x="381000" y="685800"/>
+            <a:ext cx="6096000" cy="3429000"/>
           </a:xfrm>
           <a:custGeom>
             <a:avLst/>
@@ -1146,8 +1146,8 @@
         </p:nvSpPr>
         <p:spPr>
           <a:xfrm>
-            <a:off x="1143225" y="685800"/>
-            <a:ext cx="4572225" cy="3429000"/>
+            <a:off x="381000" y="685800"/>
+            <a:ext cx="6096000" cy="3429000"/>
           </a:xfrm>
           <a:custGeom>
             <a:avLst/>
@@ -1256,8 +1256,8 @@
         </p:nvSpPr>
         <p:spPr>
           <a:xfrm>
-            <a:off x="1143225" y="685800"/>
-            <a:ext cx="4572225" cy="3429000"/>
+            <a:off x="381000" y="685800"/>
+            <a:ext cx="6096000" cy="3429000"/>
           </a:xfrm>
           <a:custGeom>
             <a:avLst/>
@@ -1366,8 +1366,8 @@
         </p:nvSpPr>
         <p:spPr>
           <a:xfrm>
-            <a:off x="1143225" y="685800"/>
-            <a:ext cx="4572225" cy="3429000"/>
+            <a:off x="381000" y="685800"/>
+            <a:ext cx="6096000" cy="3429000"/>
           </a:xfrm>
           <a:custGeom>
             <a:avLst/>
@@ -1476,8 +1476,8 @@
         </p:nvSpPr>
         <p:spPr>
           <a:xfrm>
-            <a:off x="1143225" y="685800"/>
-            <a:ext cx="4572225" cy="3429000"/>
+            <a:off x="381000" y="685800"/>
+            <a:ext cx="6096000" cy="3429000"/>
           </a:xfrm>
           <a:custGeom>
             <a:avLst/>
@@ -1586,8 +1586,8 @@
         </p:nvSpPr>
         <p:spPr>
           <a:xfrm>
-            <a:off x="1143225" y="685800"/>
-            <a:ext cx="4572225" cy="3429000"/>
+            <a:off x="381000" y="685800"/>
+            <a:ext cx="6096000" cy="3429000"/>
           </a:xfrm>
           <a:custGeom>
             <a:avLst/>
@@ -1696,8 +1696,8 @@
         </p:nvSpPr>
         <p:spPr>
           <a:xfrm>
-            <a:off x="1143225" y="685800"/>
-            <a:ext cx="4572225" cy="3429000"/>
+            <a:off x="381000" y="685800"/>
+            <a:ext cx="6096000" cy="3429000"/>
           </a:xfrm>
           <a:custGeom>
             <a:avLst/>
@@ -1806,8 +1806,8 @@
         </p:nvSpPr>
         <p:spPr>
           <a:xfrm>
-            <a:off x="1143225" y="685800"/>
-            <a:ext cx="4572225" cy="3429000"/>
+            <a:off x="381000" y="685800"/>
+            <a:ext cx="6096000" cy="3429000"/>
           </a:xfrm>
           <a:custGeom>
             <a:avLst/>
@@ -1916,8 +1916,8 @@
         </p:nvSpPr>
         <p:spPr>
           <a:xfrm>
-            <a:off x="1143225" y="685800"/>
-            <a:ext cx="4572225" cy="3429000"/>
+            <a:off x="381000" y="685800"/>
+            <a:ext cx="6096000" cy="3429000"/>
           </a:xfrm>
           <a:custGeom>
             <a:avLst/>
@@ -2026,8 +2026,8 @@
         </p:nvSpPr>
         <p:spPr>
           <a:xfrm>
-            <a:off x="1143225" y="685800"/>
-            <a:ext cx="4572225" cy="3429000"/>
+            <a:off x="381000" y="685800"/>
+            <a:ext cx="6096000" cy="3429000"/>
           </a:xfrm>
           <a:custGeom>
             <a:avLst/>
@@ -2136,8 +2136,8 @@
         </p:nvSpPr>
         <p:spPr>
           <a:xfrm>
-            <a:off x="1143225" y="685800"/>
-            <a:ext cx="4572299" cy="3429000"/>
+            <a:off x="381000" y="685800"/>
+            <a:ext cx="6096000" cy="3429000"/>
           </a:xfrm>
           <a:custGeom>
             <a:avLst/>
@@ -2246,8 +2246,8 @@
         </p:nvSpPr>
         <p:spPr>
           <a:xfrm>
-            <a:off x="1143225" y="685800"/>
-            <a:ext cx="4572225" cy="3429000"/>
+            <a:off x="381000" y="685800"/>
+            <a:ext cx="6096000" cy="3429000"/>
           </a:xfrm>
           <a:custGeom>
             <a:avLst/>
@@ -2356,8 +2356,8 @@
         </p:nvSpPr>
         <p:spPr>
           <a:xfrm>
-            <a:off x="1143225" y="685800"/>
-            <a:ext cx="4572225" cy="3429000"/>
+            <a:off x="381000" y="685800"/>
+            <a:ext cx="6096000" cy="3429000"/>
           </a:xfrm>
           <a:custGeom>
             <a:avLst/>
@@ -2466,8 +2466,8 @@
         </p:nvSpPr>
         <p:spPr>
           <a:xfrm>
-            <a:off x="1143225" y="685800"/>
-            <a:ext cx="4572225" cy="3429000"/>
+            <a:off x="381000" y="685800"/>
+            <a:ext cx="6096000" cy="3429000"/>
           </a:xfrm>
           <a:custGeom>
             <a:avLst/>
@@ -2576,8 +2576,8 @@
         </p:nvSpPr>
         <p:spPr>
           <a:xfrm>
-            <a:off x="1143225" y="685800"/>
-            <a:ext cx="4572225" cy="3429000"/>
+            <a:off x="381000" y="685800"/>
+            <a:ext cx="6096000" cy="3429000"/>
           </a:xfrm>
           <a:custGeom>
             <a:avLst/>
@@ -2686,8 +2686,8 @@
         </p:nvSpPr>
         <p:spPr>
           <a:xfrm>
-            <a:off x="1143225" y="685800"/>
-            <a:ext cx="4572225" cy="3429000"/>
+            <a:off x="381000" y="685800"/>
+            <a:ext cx="6096000" cy="3429000"/>
           </a:xfrm>
           <a:custGeom>
             <a:avLst/>
@@ -2796,8 +2796,8 @@
         </p:nvSpPr>
         <p:spPr>
           <a:xfrm>
-            <a:off x="1143225" y="685800"/>
-            <a:ext cx="4572225" cy="3429000"/>
+            <a:off x="381000" y="685800"/>
+            <a:ext cx="6096000" cy="3429000"/>
           </a:xfrm>
           <a:custGeom>
             <a:avLst/>
@@ -2906,8 +2906,8 @@
         </p:nvSpPr>
         <p:spPr>
           <a:xfrm>
-            <a:off x="1143225" y="685800"/>
-            <a:ext cx="4572225" cy="3429000"/>
+            <a:off x="381000" y="685800"/>
+            <a:ext cx="6096000" cy="3429000"/>
           </a:xfrm>
           <a:custGeom>
             <a:avLst/>
@@ -3016,8 +3016,8 @@
         </p:nvSpPr>
         <p:spPr>
           <a:xfrm>
-            <a:off x="1143225" y="685800"/>
-            <a:ext cx="4572225" cy="3429000"/>
+            <a:off x="381000" y="685800"/>
+            <a:ext cx="6096000" cy="3429000"/>
           </a:xfrm>
           <a:custGeom>
             <a:avLst/>
@@ -3126,8 +3126,8 @@
         </p:nvSpPr>
         <p:spPr>
           <a:xfrm>
-            <a:off x="1143225" y="685800"/>
-            <a:ext cx="4572225" cy="3429000"/>
+            <a:off x="381000" y="685800"/>
+            <a:ext cx="6096000" cy="3429000"/>
           </a:xfrm>
           <a:custGeom>
             <a:avLst/>
@@ -3236,8 +3236,8 @@
         </p:nvSpPr>
         <p:spPr>
           <a:xfrm>
-            <a:off x="1143225" y="685800"/>
-            <a:ext cx="4572225" cy="3429000"/>
+            <a:off x="381000" y="685800"/>
+            <a:ext cx="6096000" cy="3429000"/>
           </a:xfrm>
           <a:custGeom>
             <a:avLst/>
@@ -3346,8 +3346,8 @@
         </p:nvSpPr>
         <p:spPr>
           <a:xfrm>
-            <a:off x="1143225" y="685800"/>
-            <a:ext cx="4572225" cy="3429000"/>
+            <a:off x="381000" y="685800"/>
+            <a:ext cx="6096000" cy="3429000"/>
           </a:xfrm>
           <a:custGeom>
             <a:avLst/>
@@ -3456,8 +3456,8 @@
         </p:nvSpPr>
         <p:spPr>
           <a:xfrm>
-            <a:off x="1143225" y="685800"/>
-            <a:ext cx="4572225" cy="3429000"/>
+            <a:off x="381000" y="685800"/>
+            <a:ext cx="6096000" cy="3429000"/>
           </a:xfrm>
           <a:custGeom>
             <a:avLst/>
@@ -3676,8 +3676,8 @@
         </p:nvSpPr>
         <p:spPr>
           <a:xfrm>
-            <a:off x="1143225" y="685800"/>
-            <a:ext cx="4572225" cy="3429000"/>
+            <a:off x="381000" y="685800"/>
+            <a:ext cx="6096000" cy="3429000"/>
           </a:xfrm>
           <a:custGeom>
             <a:avLst/>
@@ -3786,8 +3786,8 @@
         </p:nvSpPr>
         <p:spPr>
           <a:xfrm>
-            <a:off x="1143225" y="685800"/>
-            <a:ext cx="4572225" cy="3429000"/>
+            <a:off x="381000" y="685800"/>
+            <a:ext cx="6096000" cy="3429000"/>
           </a:xfrm>
           <a:custGeom>
             <a:avLst/>
@@ -3896,8 +3896,8 @@
         </p:nvSpPr>
         <p:spPr>
           <a:xfrm>
-            <a:off x="1143225" y="685800"/>
-            <a:ext cx="4572225" cy="3429000"/>
+            <a:off x="381000" y="685800"/>
+            <a:ext cx="6096000" cy="3429000"/>
           </a:xfrm>
           <a:custGeom>
             <a:avLst/>
@@ -4006,8 +4006,8 @@
         </p:nvSpPr>
         <p:spPr>
           <a:xfrm>
-            <a:off x="1143225" y="685800"/>
-            <a:ext cx="4572225" cy="3429000"/>
+            <a:off x="381000" y="685800"/>
+            <a:ext cx="6096000" cy="3429000"/>
           </a:xfrm>
           <a:custGeom>
             <a:avLst/>
@@ -4116,8 +4116,8 @@
         </p:nvSpPr>
         <p:spPr>
           <a:xfrm>
-            <a:off x="1143225" y="685800"/>
-            <a:ext cx="4572225" cy="3429000"/>
+            <a:off x="381000" y="685800"/>
+            <a:ext cx="6096000" cy="3429000"/>
           </a:xfrm>
           <a:custGeom>
             <a:avLst/>
@@ -4226,8 +4226,8 @@
         </p:nvSpPr>
         <p:spPr>
           <a:xfrm>
-            <a:off x="1143225" y="685800"/>
-            <a:ext cx="4572225" cy="3429000"/>
+            <a:off x="381000" y="685800"/>
+            <a:ext cx="6096000" cy="3429000"/>
           </a:xfrm>
           <a:custGeom>
             <a:avLst/>
@@ -22447,13 +22447,13 @@
               <a:buNone/>
             </a:pPr>
             <a:r>
-              <a:rPr lang="en-US" sz="7600" b="1" i="0" u="none" strike="noStrike" cap="none">
+              <a:rPr lang="en-US" sz="7600" u="none" strike="noStrike" cap="none">
                 <a:solidFill>
                   <a:srgbClr val="FFD966"/>
                 </a:solidFill>
-                <a:latin typeface="Cabin"/>
-                <a:ea typeface="Cabin"/>
-                <a:cs typeface="Cabin"/>
+                <a:latin typeface="Arial Regular" charset="0"/>
+                <a:ea typeface="Arial Regular" charset="0"/>
+                <a:cs typeface="Arial Regular" charset="0"/>
                 <a:sym typeface="Cabin"/>
               </a:rPr>
               <a:t>Regular Expressions</a:t>
@@ -22508,13 +22508,13 @@
               <a:buNone/>
             </a:pPr>
             <a:r>
-              <a:rPr lang="en-US" sz="4800" b="0" i="0" u="none" strike="noStrike" cap="none">
+              <a:rPr lang="en-US" sz="4800" u="none" strike="noStrike" cap="none">
                 <a:solidFill>
                   <a:schemeClr val="lt1"/>
                 </a:solidFill>
-                <a:latin typeface="Cabin"/>
-                <a:ea typeface="Cabin"/>
-                <a:cs typeface="Cabin"/>
+                <a:latin typeface="Arial Regular" charset="0"/>
+                <a:ea typeface="Arial Regular" charset="0"/>
+                <a:cs typeface="Arial Regular" charset="0"/>
                 <a:sym typeface="Cabin"/>
               </a:rPr>
               <a:t>Chapter 11</a:t>
@@ -22565,13 +22565,13 @@
               <a:buNone/>
             </a:pPr>
             <a:r>
-              <a:rPr lang="en-US" sz="3200" b="0" i="0" u="none" strike="noStrike" cap="none">
+              <a:rPr lang="en-US" sz="3200" u="none" strike="noStrike" cap="none">
                 <a:solidFill>
                   <a:srgbClr val="FFFF00"/>
                 </a:solidFill>
-                <a:latin typeface="Cabin"/>
-                <a:ea typeface="Cabin"/>
-                <a:cs typeface="Cabin"/>
+                <a:latin typeface="Arial Regular" charset="0"/>
+                <a:ea typeface="Arial Regular" charset="0"/>
+                <a:cs typeface="Arial Regular" charset="0"/>
                 <a:sym typeface="Cabin"/>
               </a:rPr>
               <a:t>Python for Informatics: Exploring Information</a:t>
@@ -22596,13 +22596,13 @@
               <a:buNone/>
             </a:pPr>
             <a:r>
-              <a:rPr lang="en-US" sz="3200" b="0" i="0" u="sng" strike="noStrike" cap="none">
+              <a:rPr lang="en-US" sz="3200" u="sng" strike="noStrike" cap="none">
                 <a:solidFill>
                   <a:srgbClr val="FFFF00"/>
                 </a:solidFill>
-                <a:latin typeface="Cabin"/>
-                <a:ea typeface="Cabin"/>
-                <a:cs typeface="Cabin"/>
+                <a:latin typeface="Arial Regular" charset="0"/>
+                <a:ea typeface="Arial Regular" charset="0"/>
+                <a:cs typeface="Arial Regular" charset="0"/>
                 <a:sym typeface="Cabin"/>
                 <a:hlinkClick r:id="rId3"/>
               </a:rPr>
@@ -22737,49 +22737,49 @@
               <a:buNone/>
             </a:pPr>
             <a:r>
-              <a:rPr lang="en-US" sz="7600" b="1" i="0" u="none" strike="noStrike" cap="none">
+              <a:rPr lang="en-US" sz="7600" u="none" strike="noStrike" cap="none">
                 <a:solidFill>
                   <a:srgbClr val="FFD966"/>
                 </a:solidFill>
-                <a:latin typeface="Cabin"/>
-                <a:ea typeface="Cabin"/>
-                <a:cs typeface="Cabin"/>
+                <a:latin typeface="Arial Regular" charset="0"/>
+                <a:ea typeface="Arial Regular" charset="0"/>
+                <a:cs typeface="Arial Regular" charset="0"/>
                 <a:sym typeface="Cabin"/>
               </a:rPr>
               <a:t>Using </a:t>
             </a:r>
             <a:r>
-              <a:rPr lang="en-US" sz="7600" b="1" i="0" u="none" strike="noStrike" cap="none">
+              <a:rPr lang="en-US" sz="7600" u="none" strike="noStrike" cap="none">
                 <a:solidFill>
                   <a:srgbClr val="00FF00"/>
                 </a:solidFill>
-                <a:latin typeface="Cabin"/>
-                <a:ea typeface="Cabin"/>
-                <a:cs typeface="Cabin"/>
+                <a:latin typeface="Arial Regular" charset="0"/>
+                <a:ea typeface="Arial Regular" charset="0"/>
+                <a:cs typeface="Arial Regular" charset="0"/>
                 <a:sym typeface="Cabin"/>
               </a:rPr>
               <a:t>re.search()</a:t>
             </a:r>
             <a:r>
-              <a:rPr lang="en-US" sz="7600" b="1" i="0" u="none" strike="noStrike" cap="none">
+              <a:rPr lang="en-US" sz="7600" u="none" strike="noStrike" cap="none">
                 <a:solidFill>
                   <a:srgbClr val="FFD966"/>
                 </a:solidFill>
-                <a:latin typeface="Cabin"/>
-                <a:ea typeface="Cabin"/>
-                <a:cs typeface="Cabin"/>
+                <a:latin typeface="Arial Regular" charset="0"/>
+                <a:ea typeface="Arial Regular" charset="0"/>
+                <a:cs typeface="Arial Regular" charset="0"/>
                 <a:sym typeface="Cabin"/>
               </a:rPr>
               <a:t> like </a:t>
             </a:r>
             <a:r>
-              <a:rPr lang="en-US" sz="7600" b="1" i="0" u="none" strike="noStrike" cap="none">
+              <a:rPr lang="en-US" sz="7600" u="none" strike="noStrike" cap="none">
                 <a:solidFill>
                   <a:srgbClr val="FF00FF"/>
                 </a:solidFill>
-                <a:latin typeface="Cabin"/>
-                <a:ea typeface="Cabin"/>
-                <a:cs typeface="Cabin"/>
+                <a:latin typeface="Arial Regular" charset="0"/>
+                <a:ea typeface="Arial Regular" charset="0"/>
+                <a:cs typeface="Arial Regular" charset="0"/>
                 <a:sym typeface="Cabin"/>
               </a:rPr>
               <a:t>startswith()</a:t>
@@ -23318,13 +23318,13 @@
               <a:buNone/>
             </a:pPr>
             <a:r>
-              <a:rPr lang="en-US" sz="3600" b="0" i="0" u="none" strike="noStrike" cap="none">
+              <a:rPr lang="en-US" sz="3600" u="none" strike="noStrike" cap="none">
                 <a:solidFill>
                   <a:srgbClr val="FFD966"/>
                 </a:solidFill>
-                <a:latin typeface="Cabin"/>
-                <a:ea typeface="Cabin"/>
-                <a:cs typeface="Cabin"/>
+                <a:latin typeface="Arial Regular" charset="0"/>
+                <a:ea typeface="Arial Regular" charset="0"/>
+                <a:cs typeface="Arial Regular" charset="0"/>
                 <a:sym typeface="Cabin"/>
               </a:rPr>
               <a:t>We fine-tune what is matched by adding special characters to the string</a:t>
@@ -23404,13 +23404,13 @@
               <a:buNone/>
             </a:pPr>
             <a:r>
-              <a:rPr lang="en-US" sz="7600" b="1" i="0" u="none" strike="noStrike" cap="none">
+              <a:rPr lang="en-US" sz="7600" u="none" strike="noStrike" cap="none">
                 <a:solidFill>
                   <a:srgbClr val="FFD966"/>
                 </a:solidFill>
-                <a:latin typeface="Cabin"/>
-                <a:ea typeface="Cabin"/>
-                <a:cs typeface="Cabin"/>
+                <a:latin typeface="Arial Regular" charset="0"/>
+                <a:ea typeface="Arial Regular" charset="0"/>
+                <a:cs typeface="Arial Regular" charset="0"/>
                 <a:sym typeface="Cabin"/>
               </a:rPr>
               <a:t>Wild-Card Characters</a:t>
@@ -23465,37 +23465,37 @@
               <a:buChar char="•"/>
             </a:pPr>
             <a:r>
-              <a:rPr lang="en-US" sz="3600" b="0" i="0" u="none" strike="noStrike" cap="none">
+              <a:rPr lang="en-US" sz="3600" u="none" strike="noStrike" cap="none">
                 <a:solidFill>
                   <a:schemeClr val="lt1"/>
                 </a:solidFill>
-                <a:latin typeface="Cabin"/>
-                <a:ea typeface="Cabin"/>
-                <a:cs typeface="Cabin"/>
+                <a:latin typeface="Arial Regular" charset="0"/>
+                <a:ea typeface="Arial Regular" charset="0"/>
+                <a:cs typeface="Arial Regular" charset="0"/>
                 <a:sym typeface="Cabin"/>
               </a:rPr>
               <a:t>The </a:t>
             </a:r>
             <a:r>
-              <a:rPr lang="en-US" sz="3600" b="0" i="0" u="none" strike="noStrike" cap="none">
+              <a:rPr lang="en-US" sz="3600" u="none" strike="noStrike" cap="none">
                 <a:solidFill>
                   <a:srgbClr val="00FF00"/>
                 </a:solidFill>
-                <a:latin typeface="Cabin"/>
-                <a:ea typeface="Cabin"/>
-                <a:cs typeface="Cabin"/>
+                <a:latin typeface="Arial Regular" charset="0"/>
+                <a:ea typeface="Arial Regular" charset="0"/>
+                <a:cs typeface="Arial Regular" charset="0"/>
                 <a:sym typeface="Cabin"/>
               </a:rPr>
               <a:t>dot</a:t>
             </a:r>
             <a:r>
-              <a:rPr lang="en-US" sz="3600" b="0" i="0" u="none" strike="noStrike" cap="none">
+              <a:rPr lang="en-US" sz="3600" u="none" strike="noStrike" cap="none">
                 <a:solidFill>
                   <a:schemeClr val="lt1"/>
                 </a:solidFill>
-                <a:latin typeface="Cabin"/>
-                <a:ea typeface="Cabin"/>
-                <a:cs typeface="Cabin"/>
+                <a:latin typeface="Arial Regular" charset="0"/>
+                <a:ea typeface="Arial Regular" charset="0"/>
+                <a:cs typeface="Arial Regular" charset="0"/>
                 <a:sym typeface="Cabin"/>
               </a:rPr>
               <a:t> character matches any character</a:t>
@@ -23520,37 +23520,37 @@
               <a:buChar char="•"/>
             </a:pPr>
             <a:r>
-              <a:rPr lang="en-US" sz="3600" b="0" i="0" u="none" strike="noStrike" cap="none">
+              <a:rPr lang="en-US" sz="3600" u="none" strike="noStrike" cap="none">
                 <a:solidFill>
                   <a:schemeClr val="lt1"/>
                 </a:solidFill>
-                <a:latin typeface="Cabin"/>
-                <a:ea typeface="Cabin"/>
-                <a:cs typeface="Cabin"/>
+                <a:latin typeface="Arial Regular" charset="0"/>
+                <a:ea typeface="Arial Regular" charset="0"/>
+                <a:cs typeface="Arial Regular" charset="0"/>
                 <a:sym typeface="Cabin"/>
               </a:rPr>
               <a:t>If you add the </a:t>
             </a:r>
             <a:r>
-              <a:rPr lang="en-US" sz="3600" b="0" i="0" u="none" strike="noStrike" cap="none">
+              <a:rPr lang="en-US" sz="3600" u="none" strike="noStrike" cap="none">
                 <a:solidFill>
                   <a:srgbClr val="FF9900"/>
                 </a:solidFill>
-                <a:latin typeface="Cabin"/>
-                <a:ea typeface="Cabin"/>
-                <a:cs typeface="Cabin"/>
+                <a:latin typeface="Arial Regular" charset="0"/>
+                <a:ea typeface="Arial Regular" charset="0"/>
+                <a:cs typeface="Arial Regular" charset="0"/>
                 <a:sym typeface="Cabin"/>
               </a:rPr>
               <a:t>asterisk</a:t>
             </a:r>
             <a:r>
-              <a:rPr lang="en-US" sz="3600" b="0" i="0" u="none" strike="noStrike" cap="none">
+              <a:rPr lang="en-US" sz="3600" u="none" strike="noStrike" cap="none">
                 <a:solidFill>
                   <a:schemeClr val="lt1"/>
                 </a:solidFill>
-                <a:latin typeface="Cabin"/>
-                <a:ea typeface="Cabin"/>
-                <a:cs typeface="Cabin"/>
+                <a:latin typeface="Arial Regular" charset="0"/>
+                <a:ea typeface="Arial Regular" charset="0"/>
+                <a:cs typeface="Arial Regular" charset="0"/>
                 <a:sym typeface="Cabin"/>
               </a:rPr>
               <a:t> character, the character is </a:t>
@@ -23560,21 +23560,21 @@
                 <a:solidFill>
                   <a:schemeClr val="lt1"/>
                 </a:solidFill>
-                <a:latin typeface="Cabin"/>
-                <a:ea typeface="Cabin"/>
-                <a:cs typeface="Cabin"/>
+                <a:latin typeface="Arial Regular" charset="0"/>
+                <a:ea typeface="Arial Regular" charset="0"/>
+                <a:cs typeface="Arial Regular" charset="0"/>
                 <a:sym typeface="Cabin"/>
               </a:rPr>
               <a:t>“</a:t>
             </a:r>
             <a:r>
-              <a:rPr lang="en-US" sz="3600" b="0" i="0" u="none" strike="noStrike" cap="none">
+              <a:rPr lang="en-US" sz="3600" u="none" strike="noStrike" cap="none">
                 <a:solidFill>
                   <a:schemeClr val="lt1"/>
                 </a:solidFill>
-                <a:latin typeface="Cabin"/>
-                <a:ea typeface="Cabin"/>
-                <a:cs typeface="Cabin"/>
+                <a:latin typeface="Arial Regular" charset="0"/>
+                <a:ea typeface="Arial Regular" charset="0"/>
+                <a:cs typeface="Arial Regular" charset="0"/>
                 <a:sym typeface="Cabin"/>
               </a:rPr>
               <a:t>any number of times</a:t>
@@ -23584,9 +23584,9 @@
                 <a:solidFill>
                   <a:schemeClr val="lt1"/>
                 </a:solidFill>
-                <a:latin typeface="Cabin"/>
-                <a:ea typeface="Cabin"/>
-                <a:cs typeface="Cabin"/>
+                <a:latin typeface="Arial Regular" charset="0"/>
+                <a:ea typeface="Arial Regular" charset="0"/>
+                <a:cs typeface="Arial Regular" charset="0"/>
                 <a:sym typeface="Cabin"/>
               </a:rPr>
               <a:t>”</a:t>
@@ -23957,13 +23957,13 @@
               <a:buNone/>
             </a:pPr>
             <a:r>
-              <a:rPr lang="en-US" sz="7600" b="1" i="0" u="none" strike="noStrike" cap="none">
+              <a:rPr lang="en-US" sz="7600" u="none" strike="noStrike" cap="none">
                 <a:solidFill>
                   <a:srgbClr val="FFD966"/>
                 </a:solidFill>
-                <a:latin typeface="Cabin"/>
-                <a:ea typeface="Cabin"/>
-                <a:cs typeface="Cabin"/>
+                <a:latin typeface="Arial Regular" charset="0"/>
+                <a:ea typeface="Arial Regular" charset="0"/>
+                <a:cs typeface="Arial Regular" charset="0"/>
                 <a:sym typeface="Cabin"/>
               </a:rPr>
               <a:t>Wild-Card Characters</a:t>
@@ -24018,37 +24018,37 @@
               <a:buChar char="•"/>
             </a:pPr>
             <a:r>
-              <a:rPr lang="en-US" sz="3600" b="0" i="0" u="none" strike="noStrike" cap="none">
+              <a:rPr lang="en-US" sz="3600" u="none" strike="noStrike" cap="none">
                 <a:solidFill>
                   <a:schemeClr val="lt1"/>
                 </a:solidFill>
-                <a:latin typeface="Cabin"/>
-                <a:ea typeface="Cabin"/>
-                <a:cs typeface="Cabin"/>
+                <a:latin typeface="Arial Regular" charset="0"/>
+                <a:ea typeface="Arial Regular" charset="0"/>
+                <a:cs typeface="Arial Regular" charset="0"/>
                 <a:sym typeface="Cabin"/>
               </a:rPr>
               <a:t>The </a:t>
             </a:r>
             <a:r>
-              <a:rPr lang="en-US" sz="3600" b="0" i="0" u="none" strike="noStrike" cap="none">
+              <a:rPr lang="en-US" sz="3600" u="none" strike="noStrike" cap="none">
                 <a:solidFill>
                   <a:srgbClr val="00FF00"/>
                 </a:solidFill>
-                <a:latin typeface="Cabin"/>
-                <a:ea typeface="Cabin"/>
-                <a:cs typeface="Cabin"/>
+                <a:latin typeface="Arial Regular" charset="0"/>
+                <a:ea typeface="Arial Regular" charset="0"/>
+                <a:cs typeface="Arial Regular" charset="0"/>
                 <a:sym typeface="Cabin"/>
               </a:rPr>
               <a:t>dot</a:t>
             </a:r>
             <a:r>
-              <a:rPr lang="en-US" sz="3600" b="0" i="0" u="none" strike="noStrike" cap="none">
+              <a:rPr lang="en-US" sz="3600" u="none" strike="noStrike" cap="none">
                 <a:solidFill>
                   <a:schemeClr val="lt1"/>
                 </a:solidFill>
-                <a:latin typeface="Cabin"/>
-                <a:ea typeface="Cabin"/>
-                <a:cs typeface="Cabin"/>
+                <a:latin typeface="Arial Regular" charset="0"/>
+                <a:ea typeface="Arial Regular" charset="0"/>
+                <a:cs typeface="Arial Regular" charset="0"/>
                 <a:sym typeface="Cabin"/>
               </a:rPr>
               <a:t> character matches any character</a:t>
@@ -24073,37 +24073,37 @@
               <a:buChar char="•"/>
             </a:pPr>
             <a:r>
-              <a:rPr lang="en-US" sz="3600" b="0" i="0" u="none" strike="noStrike" cap="none">
+              <a:rPr lang="en-US" sz="3600" u="none" strike="noStrike" cap="none">
                 <a:solidFill>
                   <a:schemeClr val="lt1"/>
                 </a:solidFill>
-                <a:latin typeface="Cabin"/>
-                <a:ea typeface="Cabin"/>
-                <a:cs typeface="Cabin"/>
+                <a:latin typeface="Arial Regular" charset="0"/>
+                <a:ea typeface="Arial Regular" charset="0"/>
+                <a:cs typeface="Arial Regular" charset="0"/>
                 <a:sym typeface="Cabin"/>
               </a:rPr>
               <a:t>If you add the </a:t>
             </a:r>
             <a:r>
-              <a:rPr lang="en-US" sz="3600" b="0" i="0" u="none" strike="noStrike" cap="none">
+              <a:rPr lang="en-US" sz="3600" u="none" strike="noStrike" cap="none">
                 <a:solidFill>
                   <a:srgbClr val="FF7F00"/>
                 </a:solidFill>
-                <a:latin typeface="Cabin"/>
-                <a:ea typeface="Cabin"/>
-                <a:cs typeface="Cabin"/>
+                <a:latin typeface="Arial Regular" charset="0"/>
+                <a:ea typeface="Arial Regular" charset="0"/>
+                <a:cs typeface="Arial Regular" charset="0"/>
                 <a:sym typeface="Cabin"/>
               </a:rPr>
               <a:t>asterisk</a:t>
             </a:r>
             <a:r>
-              <a:rPr lang="en-US" sz="3600" b="0" i="0" u="none" strike="noStrike" cap="none">
+              <a:rPr lang="en-US" sz="3600" u="none" strike="noStrike" cap="none">
                 <a:solidFill>
                   <a:schemeClr val="lt1"/>
                 </a:solidFill>
-                <a:latin typeface="Cabin"/>
-                <a:ea typeface="Cabin"/>
-                <a:cs typeface="Cabin"/>
+                <a:latin typeface="Arial Regular" charset="0"/>
+                <a:ea typeface="Arial Regular" charset="0"/>
+                <a:cs typeface="Arial Regular" charset="0"/>
                 <a:sym typeface="Cabin"/>
               </a:rPr>
               <a:t> character, the character is </a:t>
@@ -24113,21 +24113,21 @@
                 <a:solidFill>
                   <a:schemeClr val="lt1"/>
                 </a:solidFill>
-                <a:latin typeface="Cabin"/>
-                <a:ea typeface="Cabin"/>
-                <a:cs typeface="Cabin"/>
+                <a:latin typeface="Arial Regular" charset="0"/>
+                <a:ea typeface="Arial Regular" charset="0"/>
+                <a:cs typeface="Arial Regular" charset="0"/>
                 <a:sym typeface="Cabin"/>
               </a:rPr>
               <a:t>“</a:t>
             </a:r>
             <a:r>
-              <a:rPr lang="en-US" sz="3600" b="0" i="0" u="none" strike="noStrike" cap="none">
+              <a:rPr lang="en-US" sz="3600" u="none" strike="noStrike" cap="none">
                 <a:solidFill>
                   <a:schemeClr val="lt1"/>
                 </a:solidFill>
-                <a:latin typeface="Cabin"/>
-                <a:ea typeface="Cabin"/>
-                <a:cs typeface="Cabin"/>
+                <a:latin typeface="Arial Regular" charset="0"/>
+                <a:ea typeface="Arial Regular" charset="0"/>
+                <a:cs typeface="Arial Regular" charset="0"/>
                 <a:sym typeface="Cabin"/>
               </a:rPr>
               <a:t>any number of times</a:t>
@@ -24137,9 +24137,9 @@
                 <a:solidFill>
                   <a:schemeClr val="lt1"/>
                 </a:solidFill>
-                <a:latin typeface="Cabin"/>
-                <a:ea typeface="Cabin"/>
-                <a:cs typeface="Cabin"/>
+                <a:latin typeface="Arial Regular" charset="0"/>
+                <a:ea typeface="Arial Regular" charset="0"/>
+                <a:cs typeface="Arial Regular" charset="0"/>
                 <a:sym typeface="Cabin"/>
               </a:rPr>
               <a:t>”</a:t>
@@ -24589,13 +24589,13 @@
               <a:buNone/>
             </a:pPr>
             <a:r>
-              <a:rPr lang="en-US" sz="3600" b="0" i="0" u="none" strike="noStrike" cap="none">
+              <a:rPr lang="en-US" sz="3600" u="none" strike="noStrike" cap="none">
                 <a:solidFill>
                   <a:srgbClr val="FF00FF"/>
                 </a:solidFill>
-                <a:latin typeface="Cabin"/>
-                <a:ea typeface="Cabin"/>
-                <a:cs typeface="Cabin"/>
+                <a:latin typeface="Arial Regular" charset="0"/>
+                <a:ea typeface="Arial Regular" charset="0"/>
+                <a:cs typeface="Arial Regular" charset="0"/>
                 <a:sym typeface="Cabin"/>
               </a:rPr>
               <a:t>Match the start of the line</a:t>
@@ -24646,13 +24646,13 @@
               <a:buNone/>
             </a:pPr>
             <a:r>
-              <a:rPr lang="en-US" sz="3600" b="0" i="0" u="none" strike="noStrike" cap="none">
+              <a:rPr lang="en-US" sz="3600" u="none" strike="noStrike" cap="none">
                 <a:solidFill>
                   <a:srgbClr val="00FF00"/>
                 </a:solidFill>
-                <a:latin typeface="Cabin"/>
-                <a:ea typeface="Cabin"/>
-                <a:cs typeface="Cabin"/>
+                <a:latin typeface="Arial Regular" charset="0"/>
+                <a:ea typeface="Arial Regular" charset="0"/>
+                <a:cs typeface="Arial Regular" charset="0"/>
                 <a:sym typeface="Cabin"/>
               </a:rPr>
               <a:t>Match any character</a:t>
@@ -24703,13 +24703,13 @@
               <a:buNone/>
             </a:pPr>
             <a:r>
-              <a:rPr lang="en-US" sz="3600" b="0" i="0" u="none" strike="noStrike" cap="none">
+              <a:rPr lang="en-US" sz="3600" u="none" strike="noStrike" cap="none">
                 <a:solidFill>
                   <a:srgbClr val="FF7F00"/>
                 </a:solidFill>
-                <a:latin typeface="Cabin"/>
-                <a:ea typeface="Cabin"/>
-                <a:cs typeface="Cabin"/>
+                <a:latin typeface="Arial Regular" charset="0"/>
+                <a:ea typeface="Arial Regular" charset="0"/>
+                <a:cs typeface="Arial Regular" charset="0"/>
                 <a:sym typeface="Cabin"/>
               </a:rPr>
               <a:t>Many times</a:t>
@@ -24869,13 +24869,13 @@
               <a:buNone/>
             </a:pPr>
             <a:r>
-              <a:rPr lang="en-US" sz="7600" b="1" i="0" u="none" strike="noStrike" cap="none">
+              <a:rPr lang="en-US" sz="7600" u="none" strike="noStrike" cap="none">
                 <a:solidFill>
                   <a:srgbClr val="FFD966"/>
                 </a:solidFill>
-                <a:latin typeface="Cabin"/>
-                <a:ea typeface="Cabin"/>
-                <a:cs typeface="Cabin"/>
+                <a:latin typeface="Arial Regular" charset="0"/>
+                <a:ea typeface="Arial Regular" charset="0"/>
+                <a:cs typeface="Arial Regular" charset="0"/>
                 <a:sym typeface="Cabin"/>
               </a:rPr>
               <a:t>Fine-Tuning Your Match</a:t>
@@ -25258,13 +25258,13 @@
               <a:buNone/>
             </a:pPr>
             <a:r>
-              <a:rPr lang="en-US" sz="3600" b="0" i="0" u="none" strike="noStrike" cap="none">
+              <a:rPr lang="en-US" sz="3600" u="none" strike="noStrike" cap="none">
                 <a:solidFill>
                   <a:srgbClr val="FF00FF"/>
                 </a:solidFill>
-                <a:latin typeface="Cabin"/>
-                <a:ea typeface="Cabin"/>
-                <a:cs typeface="Cabin"/>
+                <a:latin typeface="Arial Regular" charset="0"/>
+                <a:ea typeface="Arial Regular" charset="0"/>
+                <a:cs typeface="Arial Regular" charset="0"/>
                 <a:sym typeface="Cabin"/>
               </a:rPr>
               <a:t>Match the start of the line</a:t>
@@ -25315,13 +25315,13 @@
               <a:buNone/>
             </a:pPr>
             <a:r>
-              <a:rPr lang="en-US" sz="3600" b="0" i="0" u="none" strike="noStrike" cap="none">
+              <a:rPr lang="en-US" sz="3600" u="none" strike="noStrike" cap="none">
                 <a:solidFill>
                   <a:srgbClr val="00FF00"/>
                 </a:solidFill>
-                <a:latin typeface="Cabin"/>
-                <a:ea typeface="Cabin"/>
-                <a:cs typeface="Cabin"/>
+                <a:latin typeface="Arial Regular" charset="0"/>
+                <a:ea typeface="Arial Regular" charset="0"/>
+                <a:cs typeface="Arial Regular" charset="0"/>
                 <a:sym typeface="Cabin"/>
               </a:rPr>
               <a:t>Match any character</a:t>
@@ -25372,13 +25372,13 @@
               <a:buNone/>
             </a:pPr>
             <a:r>
-              <a:rPr lang="en-US" sz="3600" b="0" i="0" u="none" strike="noStrike" cap="none">
+              <a:rPr lang="en-US" sz="3600" u="none" strike="noStrike" cap="none">
                 <a:solidFill>
                   <a:srgbClr val="FF7F00"/>
                 </a:solidFill>
-                <a:latin typeface="Cabin"/>
-                <a:ea typeface="Cabin"/>
-                <a:cs typeface="Cabin"/>
+                <a:latin typeface="Arial Regular" charset="0"/>
+                <a:ea typeface="Arial Regular" charset="0"/>
+                <a:cs typeface="Arial Regular" charset="0"/>
                 <a:sym typeface="Cabin"/>
               </a:rPr>
               <a:t>Many times</a:t>
@@ -25509,13 +25509,13 @@
               <a:buFont typeface="Cabin"/>
             </a:pPr>
             <a:r>
-              <a:rPr lang="en-US" sz="3600" b="0" i="0" u="none" strike="noStrike" cap="none">
+              <a:rPr lang="en-US" sz="3600" u="none" strike="noStrike" cap="none">
                 <a:solidFill>
                   <a:schemeClr val="lt1"/>
                 </a:solidFill>
-                <a:latin typeface="Cabin"/>
-                <a:ea typeface="Cabin"/>
-                <a:cs typeface="Cabin"/>
+                <a:latin typeface="Arial Regular" charset="0"/>
+                <a:ea typeface="Arial Regular" charset="0"/>
+                <a:cs typeface="Arial Regular" charset="0"/>
                 <a:sym typeface="Cabin"/>
               </a:rPr>
               <a:t>Depending on how </a:t>
@@ -25525,21 +25525,21 @@
                 <a:solidFill>
                   <a:schemeClr val="lt1"/>
                 </a:solidFill>
-                <a:latin typeface="Cabin"/>
-                <a:ea typeface="Cabin"/>
-                <a:cs typeface="Cabin"/>
+                <a:latin typeface="Arial Regular" charset="0"/>
+                <a:ea typeface="Arial Regular" charset="0"/>
+                <a:cs typeface="Arial Regular" charset="0"/>
                 <a:sym typeface="Cabin"/>
               </a:rPr>
               <a:t>“</a:t>
             </a:r>
             <a:r>
-              <a:rPr lang="en-US" sz="3600" b="0" i="0" u="none" strike="noStrike" cap="none">
+              <a:rPr lang="en-US" sz="3600" u="none" strike="noStrike" cap="none">
                 <a:solidFill>
                   <a:schemeClr val="lt1"/>
                 </a:solidFill>
-                <a:latin typeface="Cabin"/>
-                <a:ea typeface="Cabin"/>
-                <a:cs typeface="Cabin"/>
+                <a:latin typeface="Arial Regular" charset="0"/>
+                <a:ea typeface="Arial Regular" charset="0"/>
+                <a:cs typeface="Arial Regular" charset="0"/>
                 <a:sym typeface="Cabin"/>
               </a:rPr>
               <a:t>clean</a:t>
@@ -25549,21 +25549,21 @@
                 <a:solidFill>
                   <a:schemeClr val="lt1"/>
                 </a:solidFill>
-                <a:latin typeface="Cabin"/>
-                <a:ea typeface="Cabin"/>
-                <a:cs typeface="Cabin"/>
+                <a:latin typeface="Arial Regular" charset="0"/>
+                <a:ea typeface="Arial Regular" charset="0"/>
+                <a:cs typeface="Arial Regular" charset="0"/>
                 <a:sym typeface="Cabin"/>
               </a:rPr>
               <a:t>”</a:t>
             </a:r>
             <a:r>
-              <a:rPr lang="en-US" sz="3600" b="0" i="0" u="none" strike="noStrike" cap="none">
+              <a:rPr lang="en-US" sz="3600" u="none" strike="noStrike" cap="none">
                 <a:solidFill>
                   <a:schemeClr val="lt1"/>
                 </a:solidFill>
-                <a:latin typeface="Cabin"/>
-                <a:ea typeface="Cabin"/>
-                <a:cs typeface="Cabin"/>
+                <a:latin typeface="Arial Regular" charset="0"/>
+                <a:ea typeface="Arial Regular" charset="0"/>
+                <a:cs typeface="Arial Regular" charset="0"/>
                 <a:sym typeface="Cabin"/>
               </a:rPr>
               <a:t> your data is and the purpose of your application, you may want to narrow your match down a bit</a:t>
@@ -25643,13 +25643,13 @@
               <a:buNone/>
             </a:pPr>
             <a:r>
-              <a:rPr lang="en-US" sz="7600" b="1" i="0" u="none" strike="noStrike" cap="none">
+              <a:rPr lang="en-US" sz="7600" u="none" strike="noStrike" cap="none">
                 <a:solidFill>
                   <a:srgbClr val="FFD966"/>
                 </a:solidFill>
-                <a:latin typeface="Cabin"/>
-                <a:ea typeface="Cabin"/>
-                <a:cs typeface="Cabin"/>
+                <a:latin typeface="Arial Regular" charset="0"/>
+                <a:ea typeface="Arial Regular" charset="0"/>
+                <a:cs typeface="Arial Regular" charset="0"/>
                 <a:sym typeface="Cabin"/>
               </a:rPr>
               <a:t>Fine-Tuning Your Match</a:t>
@@ -25700,13 +25700,13 @@
               <a:buFont typeface="Cabin"/>
             </a:pPr>
             <a:r>
-              <a:rPr lang="en-US" sz="3600" b="0" i="0" u="none" strike="noStrike" cap="none">
+              <a:rPr lang="en-US" sz="3600" u="none" strike="noStrike" cap="none">
                 <a:solidFill>
                   <a:schemeClr val="lt1"/>
                 </a:solidFill>
-                <a:latin typeface="Cabin"/>
-                <a:ea typeface="Cabin"/>
-                <a:cs typeface="Cabin"/>
+                <a:latin typeface="Arial Regular" charset="0"/>
+                <a:ea typeface="Arial Regular" charset="0"/>
+                <a:cs typeface="Arial Regular" charset="0"/>
                 <a:sym typeface="Cabin"/>
               </a:rPr>
               <a:t>Depending on how </a:t>
@@ -25716,21 +25716,21 @@
                 <a:solidFill>
                   <a:schemeClr val="lt1"/>
                 </a:solidFill>
-                <a:latin typeface="Cabin"/>
-                <a:ea typeface="Cabin"/>
-                <a:cs typeface="Cabin"/>
+                <a:latin typeface="Arial Regular" charset="0"/>
+                <a:ea typeface="Arial Regular" charset="0"/>
+                <a:cs typeface="Arial Regular" charset="0"/>
                 <a:sym typeface="Cabin"/>
               </a:rPr>
               <a:t>“</a:t>
             </a:r>
             <a:r>
-              <a:rPr lang="en-US" sz="3600" b="0" i="0" u="none" strike="noStrike" cap="none">
+              <a:rPr lang="en-US" sz="3600" u="none" strike="noStrike" cap="none">
                 <a:solidFill>
                   <a:schemeClr val="lt1"/>
                 </a:solidFill>
-                <a:latin typeface="Cabin"/>
-                <a:ea typeface="Cabin"/>
-                <a:cs typeface="Cabin"/>
+                <a:latin typeface="Arial Regular" charset="0"/>
+                <a:ea typeface="Arial Regular" charset="0"/>
+                <a:cs typeface="Arial Regular" charset="0"/>
                 <a:sym typeface="Cabin"/>
               </a:rPr>
               <a:t>clean</a:t>
@@ -25740,21 +25740,21 @@
                 <a:solidFill>
                   <a:schemeClr val="lt1"/>
                 </a:solidFill>
-                <a:latin typeface="Cabin"/>
-                <a:ea typeface="Cabin"/>
-                <a:cs typeface="Cabin"/>
+                <a:latin typeface="Arial Regular" charset="0"/>
+                <a:ea typeface="Arial Regular" charset="0"/>
+                <a:cs typeface="Arial Regular" charset="0"/>
                 <a:sym typeface="Cabin"/>
               </a:rPr>
               <a:t>”</a:t>
             </a:r>
             <a:r>
-              <a:rPr lang="en-US" sz="3600" b="0" i="0" u="none" strike="noStrike" cap="none">
+              <a:rPr lang="en-US" sz="3600" u="none" strike="noStrike" cap="none">
                 <a:solidFill>
                   <a:schemeClr val="lt1"/>
                 </a:solidFill>
-                <a:latin typeface="Cabin"/>
-                <a:ea typeface="Cabin"/>
-                <a:cs typeface="Cabin"/>
+                <a:latin typeface="Arial Regular" charset="0"/>
+                <a:ea typeface="Arial Regular" charset="0"/>
+                <a:cs typeface="Arial Regular" charset="0"/>
                 <a:sym typeface="Cabin"/>
               </a:rPr>
               <a:t> your data is and the purpose of your application, you may want to narrow your match down a bit</a:t>
@@ -26101,13 +26101,13 @@
               <a:buNone/>
             </a:pPr>
             <a:r>
-              <a:rPr lang="en-US" sz="3600" b="0" i="0" u="none" strike="noStrike" cap="none">
+              <a:rPr lang="en-US" sz="3600" u="none" strike="noStrike" cap="none">
                 <a:solidFill>
                   <a:srgbClr val="FF00FF"/>
                 </a:solidFill>
-                <a:latin typeface="Cabin"/>
-                <a:ea typeface="Cabin"/>
-                <a:cs typeface="Cabin"/>
+                <a:latin typeface="Arial Regular" charset="0"/>
+                <a:ea typeface="Arial Regular" charset="0"/>
+                <a:cs typeface="Arial Regular" charset="0"/>
                 <a:sym typeface="Cabin"/>
               </a:rPr>
               <a:t>Match the start of the line</a:t>
@@ -26158,13 +26158,13 @@
               <a:buNone/>
             </a:pPr>
             <a:r>
-              <a:rPr lang="en-US" sz="3600" b="0" i="0" u="none" strike="noStrike" cap="none">
+              <a:rPr lang="en-US" sz="3600" u="none" strike="noStrike" cap="none">
                 <a:solidFill>
                   <a:srgbClr val="00FF00"/>
                 </a:solidFill>
-                <a:latin typeface="Cabin"/>
-                <a:ea typeface="Cabin"/>
-                <a:cs typeface="Cabin"/>
+                <a:latin typeface="Arial Regular" charset="0"/>
+                <a:ea typeface="Arial Regular" charset="0"/>
+                <a:cs typeface="Arial Regular" charset="0"/>
                 <a:sym typeface="Cabin"/>
               </a:rPr>
               <a:t>Match any non-whitespace character</a:t>
@@ -26215,13 +26215,13 @@
               <a:buNone/>
             </a:pPr>
             <a:r>
-              <a:rPr lang="en-US" sz="3600" b="0" i="0" u="none" strike="noStrike" cap="none">
+              <a:rPr lang="en-US" sz="3600" u="none" strike="noStrike" cap="none">
                 <a:solidFill>
                   <a:srgbClr val="FF7F00"/>
                 </a:solidFill>
-                <a:latin typeface="Cabin"/>
-                <a:ea typeface="Cabin"/>
-                <a:cs typeface="Cabin"/>
+                <a:latin typeface="Arial Regular" charset="0"/>
+                <a:ea typeface="Arial Regular" charset="0"/>
+                <a:cs typeface="Arial Regular" charset="0"/>
                 <a:sym typeface="Cabin"/>
               </a:rPr>
               <a:t>One or more times</a:t>
@@ -26383,13 +26383,13 @@
               <a:buNone/>
             </a:pPr>
             <a:r>
-              <a:rPr lang="en-US" sz="7600" b="1" i="0" u="none" strike="noStrike" cap="none">
+              <a:rPr lang="en-US" sz="7600" u="none" strike="noStrike" cap="none">
                 <a:solidFill>
                   <a:srgbClr val="FFD966"/>
                 </a:solidFill>
-                <a:latin typeface="Cabin"/>
-                <a:ea typeface="Cabin"/>
-                <a:cs typeface="Cabin"/>
+                <a:latin typeface="Arial Regular" charset="0"/>
+                <a:ea typeface="Arial Regular" charset="0"/>
+                <a:cs typeface="Arial Regular" charset="0"/>
                 <a:sym typeface="Cabin"/>
               </a:rPr>
               <a:t>Matching and Extracting Data</a:t>
@@ -26444,37 +26444,37 @@
               <a:buChar char="•"/>
             </a:pPr>
             <a:r>
-              <a:rPr lang="en-US" sz="3600" b="0" i="0" u="none" strike="noStrike" cap="none">
+              <a:rPr lang="en-US" sz="3600" u="none" strike="noStrike" cap="none">
                 <a:solidFill>
                   <a:schemeClr val="lt1"/>
                 </a:solidFill>
-                <a:latin typeface="Cabin"/>
-                <a:ea typeface="Cabin"/>
-                <a:cs typeface="Cabin"/>
+                <a:latin typeface="Arial Regular" charset="0"/>
+                <a:ea typeface="Arial Regular" charset="0"/>
+                <a:cs typeface="Arial Regular" charset="0"/>
                 <a:sym typeface="Cabin"/>
               </a:rPr>
               <a:t>The </a:t>
             </a:r>
             <a:r>
-              <a:rPr lang="en-US" sz="3600" b="0" i="0" u="none" strike="noStrike" cap="none">
+              <a:rPr lang="en-US" sz="3600" u="none" strike="noStrike" cap="none">
                 <a:solidFill>
                   <a:srgbClr val="FF00FF"/>
                 </a:solidFill>
-                <a:latin typeface="Cabin"/>
-                <a:ea typeface="Cabin"/>
-                <a:cs typeface="Cabin"/>
+                <a:latin typeface="Arial Regular" charset="0"/>
+                <a:ea typeface="Arial Regular" charset="0"/>
+                <a:cs typeface="Arial Regular" charset="0"/>
                 <a:sym typeface="Cabin"/>
               </a:rPr>
               <a:t>re.search()</a:t>
             </a:r>
             <a:r>
-              <a:rPr lang="en-US" sz="3600" b="0" i="0" u="none" strike="noStrike" cap="none">
+              <a:rPr lang="en-US" sz="3600" u="none" strike="noStrike" cap="none">
                 <a:solidFill>
                   <a:schemeClr val="lt1"/>
                 </a:solidFill>
-                <a:latin typeface="Cabin"/>
-                <a:ea typeface="Cabin"/>
-                <a:cs typeface="Cabin"/>
+                <a:latin typeface="Arial Regular" charset="0"/>
+                <a:ea typeface="Arial Regular" charset="0"/>
+                <a:cs typeface="Arial Regular" charset="0"/>
                 <a:sym typeface="Cabin"/>
               </a:rPr>
               <a:t> returns a True/False depending on whether the string matches  the regular expression</a:t>
@@ -26499,25 +26499,25 @@
               <a:buChar char="•"/>
             </a:pPr>
             <a:r>
-              <a:rPr lang="en-US" sz="3600" b="0" i="0" u="none" strike="noStrike" cap="none">
+              <a:rPr lang="en-US" sz="3600" u="none" strike="noStrike" cap="none">
                 <a:solidFill>
                   <a:schemeClr val="lt1"/>
                 </a:solidFill>
-                <a:latin typeface="Cabin"/>
-                <a:ea typeface="Cabin"/>
-                <a:cs typeface="Cabin"/>
+                <a:latin typeface="Arial Regular" charset="0"/>
+                <a:ea typeface="Arial Regular" charset="0"/>
+                <a:cs typeface="Arial Regular" charset="0"/>
                 <a:sym typeface="Cabin"/>
               </a:rPr>
               <a:t>If we actually want the matching strings to be extracted, we use </a:t>
             </a:r>
             <a:r>
-              <a:rPr lang="en-US" sz="3600" b="0" i="0" u="none" strike="noStrike" cap="none">
+              <a:rPr lang="en-US" sz="3600" u="none" strike="noStrike" cap="none">
                 <a:solidFill>
                   <a:srgbClr val="FF00FF"/>
                 </a:solidFill>
-                <a:latin typeface="Cabin"/>
-                <a:ea typeface="Cabin"/>
-                <a:cs typeface="Cabin"/>
+                <a:latin typeface="Arial Regular" charset="0"/>
+                <a:ea typeface="Arial Regular" charset="0"/>
+                <a:cs typeface="Arial Regular" charset="0"/>
                 <a:sym typeface="Cabin"/>
               </a:rPr>
               <a:t>re.findall()</a:t>
@@ -26854,13 +26854,13 @@
               <a:buNone/>
             </a:pPr>
             <a:r>
-              <a:rPr lang="en-US" sz="3600" b="0" i="0" u="none" strike="noStrike" cap="none">
+              <a:rPr lang="en-US" sz="3600" u="none" strike="noStrike" cap="none">
                 <a:solidFill>
                   <a:srgbClr val="FFFF00"/>
                 </a:solidFill>
-                <a:latin typeface="Cabin"/>
-                <a:ea typeface="Cabin"/>
-                <a:cs typeface="Cabin"/>
+                <a:latin typeface="Arial Regular" charset="0"/>
+                <a:ea typeface="Arial Regular" charset="0"/>
+                <a:cs typeface="Arial Regular" charset="0"/>
                 <a:sym typeface="Cabin"/>
               </a:rPr>
               <a:t>One or more digits</a:t>
@@ -26966,13 +26966,13 @@
               <a:buNone/>
             </a:pPr>
             <a:r>
-              <a:rPr lang="en-US" sz="7600" b="1" i="0" u="none" strike="noStrike" cap="none">
+              <a:rPr lang="en-US" sz="7600" u="none" strike="noStrike" cap="none">
                 <a:solidFill>
                   <a:srgbClr val="FFD966"/>
                 </a:solidFill>
-                <a:latin typeface="Cabin"/>
-                <a:ea typeface="Cabin"/>
-                <a:cs typeface="Cabin"/>
+                <a:latin typeface="Arial Regular" charset="0"/>
+                <a:ea typeface="Arial Regular" charset="0"/>
+                <a:cs typeface="Arial Regular" charset="0"/>
                 <a:sym typeface="Cabin"/>
               </a:rPr>
               <a:t>Matching and Extracting Data</a:t>
@@ -27023,37 +27023,37 @@
               <a:buFont typeface="Cabin"/>
             </a:pPr>
             <a:r>
-              <a:rPr lang="en-US" sz="3600" b="0" i="0" u="none" strike="noStrike" cap="none">
+              <a:rPr lang="en-US" sz="3600" u="none" strike="noStrike" cap="none">
                 <a:solidFill>
                   <a:schemeClr val="lt1"/>
                 </a:solidFill>
-                <a:latin typeface="Cabin"/>
-                <a:ea typeface="Cabin"/>
-                <a:cs typeface="Cabin"/>
+                <a:latin typeface="Arial Regular" charset="0"/>
+                <a:ea typeface="Arial Regular" charset="0"/>
+                <a:cs typeface="Arial Regular" charset="0"/>
                 <a:sym typeface="Cabin"/>
               </a:rPr>
               <a:t>When we use </a:t>
             </a:r>
             <a:r>
-              <a:rPr lang="en-US" sz="3600" b="0" i="0" u="none" strike="noStrike" cap="none">
+              <a:rPr lang="en-US" sz="3600" u="none" strike="noStrike" cap="none">
                 <a:solidFill>
                   <a:srgbClr val="FF00FF"/>
                 </a:solidFill>
-                <a:latin typeface="Cabin"/>
-                <a:ea typeface="Cabin"/>
-                <a:cs typeface="Cabin"/>
+                <a:latin typeface="Arial Regular" charset="0"/>
+                <a:ea typeface="Arial Regular" charset="0"/>
+                <a:cs typeface="Arial Regular" charset="0"/>
                 <a:sym typeface="Cabin"/>
               </a:rPr>
               <a:t>re.findall()</a:t>
             </a:r>
             <a:r>
-              <a:rPr lang="en-US" sz="3600" b="0" i="0" u="none" strike="noStrike" cap="none">
+              <a:rPr lang="en-US" sz="3600" u="none" strike="noStrike" cap="none">
                 <a:solidFill>
                   <a:schemeClr val="lt1"/>
                 </a:solidFill>
-                <a:latin typeface="Cabin"/>
-                <a:ea typeface="Cabin"/>
-                <a:cs typeface="Cabin"/>
+                <a:latin typeface="Arial Regular" charset="0"/>
+                <a:ea typeface="Arial Regular" charset="0"/>
+                <a:cs typeface="Arial Regular" charset="0"/>
                 <a:sym typeface="Cabin"/>
               </a:rPr>
               <a:t>, it returns a list of zero or more sub-strings that match the regular expression</a:t>
@@ -27503,37 +27503,37 @@
               <a:buNone/>
             </a:pPr>
             <a:r>
-              <a:rPr lang="en-US" sz="7600" b="1" i="0" u="none" strike="noStrike" cap="none">
+              <a:rPr lang="en-US" sz="7600" u="none" strike="noStrike" cap="none">
                 <a:solidFill>
                   <a:srgbClr val="FFD966"/>
                 </a:solidFill>
-                <a:latin typeface="Cabin"/>
-                <a:ea typeface="Cabin"/>
-                <a:cs typeface="Cabin"/>
+                <a:latin typeface="Arial Regular" charset="0"/>
+                <a:ea typeface="Arial Regular" charset="0"/>
+                <a:cs typeface="Arial Regular" charset="0"/>
                 <a:sym typeface="Cabin"/>
               </a:rPr>
               <a:t>Warning: </a:t>
             </a:r>
             <a:r>
-              <a:rPr lang="en-US" sz="7600" b="1" i="0" u="none" strike="noStrike" cap="none">
+              <a:rPr lang="en-US" sz="7600" u="none" strike="noStrike" cap="none">
                 <a:solidFill>
                   <a:srgbClr val="FF00FF"/>
                 </a:solidFill>
-                <a:latin typeface="Cabin"/>
-                <a:ea typeface="Cabin"/>
-                <a:cs typeface="Cabin"/>
+                <a:latin typeface="Arial Regular" charset="0"/>
+                <a:ea typeface="Arial Regular" charset="0"/>
+                <a:cs typeface="Arial Regular" charset="0"/>
                 <a:sym typeface="Cabin"/>
               </a:rPr>
               <a:t>Greedy</a:t>
             </a:r>
             <a:r>
-              <a:rPr lang="en-US" sz="7600" b="1" i="0" u="none" strike="noStrike" cap="none">
+              <a:rPr lang="en-US" sz="7600" u="none" strike="noStrike" cap="none">
                 <a:solidFill>
                   <a:srgbClr val="FFD966"/>
                 </a:solidFill>
-                <a:latin typeface="Cabin"/>
-                <a:ea typeface="Cabin"/>
-                <a:cs typeface="Cabin"/>
+                <a:latin typeface="Arial Regular" charset="0"/>
+                <a:ea typeface="Arial Regular" charset="0"/>
+                <a:cs typeface="Arial Regular" charset="0"/>
                 <a:sym typeface="Cabin"/>
               </a:rPr>
               <a:t> Matching</a:t>
@@ -27588,109 +27588,109 @@
               <a:buChar char="•"/>
             </a:pPr>
             <a:r>
-              <a:rPr lang="en-US" sz="3600" b="0" i="0" u="none" strike="noStrike" cap="none">
+              <a:rPr lang="en-US" sz="3600" u="none" strike="noStrike" cap="none">
                 <a:solidFill>
                   <a:schemeClr val="lt1"/>
                 </a:solidFill>
-                <a:latin typeface="Cabin"/>
-                <a:ea typeface="Cabin"/>
-                <a:cs typeface="Cabin"/>
+                <a:latin typeface="Arial Regular" charset="0"/>
+                <a:ea typeface="Arial Regular" charset="0"/>
+                <a:cs typeface="Arial Regular" charset="0"/>
                 <a:sym typeface="Cabin"/>
               </a:rPr>
               <a:t>The </a:t>
             </a:r>
             <a:r>
-              <a:rPr lang="en-US" sz="3600" b="0" i="0" u="none" strike="noStrike" cap="none">
+              <a:rPr lang="en-US" sz="3600" u="none" strike="noStrike" cap="none">
                 <a:solidFill>
                   <a:srgbClr val="FF7F00"/>
                 </a:solidFill>
-                <a:latin typeface="Cabin"/>
-                <a:ea typeface="Cabin"/>
-                <a:cs typeface="Cabin"/>
+                <a:latin typeface="Arial Regular" charset="0"/>
+                <a:ea typeface="Arial Regular" charset="0"/>
+                <a:cs typeface="Arial Regular" charset="0"/>
                 <a:sym typeface="Cabin"/>
               </a:rPr>
               <a:t>repeat</a:t>
             </a:r>
             <a:r>
-              <a:rPr lang="en-US" sz="3600" b="0" i="0" u="none" strike="noStrike" cap="none">
+              <a:rPr lang="en-US" sz="3600" u="none" strike="noStrike" cap="none">
                 <a:solidFill>
                   <a:schemeClr val="lt1"/>
                 </a:solidFill>
-                <a:latin typeface="Cabin"/>
-                <a:ea typeface="Cabin"/>
-                <a:cs typeface="Cabin"/>
+                <a:latin typeface="Arial Regular" charset="0"/>
+                <a:ea typeface="Arial Regular" charset="0"/>
+                <a:cs typeface="Arial Regular" charset="0"/>
                 <a:sym typeface="Cabin"/>
               </a:rPr>
               <a:t> characters (</a:t>
             </a:r>
             <a:r>
-              <a:rPr lang="en-US" sz="3600" b="0" i="0" u="none" strike="noStrike" cap="none">
+              <a:rPr lang="en-US" sz="3600" u="none" strike="noStrike" cap="none">
                 <a:solidFill>
                   <a:srgbClr val="FF7F00"/>
                 </a:solidFill>
-                <a:latin typeface="Cabin"/>
-                <a:ea typeface="Cabin"/>
-                <a:cs typeface="Cabin"/>
+                <a:latin typeface="Arial Regular" charset="0"/>
+                <a:ea typeface="Arial Regular" charset="0"/>
+                <a:cs typeface="Arial Regular" charset="0"/>
                 <a:sym typeface="Cabin"/>
               </a:rPr>
               <a:t>*</a:t>
             </a:r>
             <a:r>
-              <a:rPr lang="en-US" sz="3600" b="0" i="0" u="none" strike="noStrike" cap="none">
+              <a:rPr lang="en-US" sz="3600" u="none" strike="noStrike" cap="none">
                 <a:solidFill>
                   <a:schemeClr val="lt1"/>
                 </a:solidFill>
-                <a:latin typeface="Cabin"/>
-                <a:ea typeface="Cabin"/>
-                <a:cs typeface="Cabin"/>
+                <a:latin typeface="Arial Regular" charset="0"/>
+                <a:ea typeface="Arial Regular" charset="0"/>
+                <a:cs typeface="Arial Regular" charset="0"/>
                 <a:sym typeface="Cabin"/>
               </a:rPr>
               <a:t> and </a:t>
             </a:r>
             <a:r>
-              <a:rPr lang="en-US" sz="3600" b="0" i="0" u="none" strike="noStrike" cap="none">
+              <a:rPr lang="en-US" sz="3600" u="none" strike="noStrike" cap="none">
                 <a:solidFill>
                   <a:srgbClr val="FF7F00"/>
                 </a:solidFill>
-                <a:latin typeface="Cabin"/>
-                <a:ea typeface="Cabin"/>
-                <a:cs typeface="Cabin"/>
+                <a:latin typeface="Arial Regular" charset="0"/>
+                <a:ea typeface="Arial Regular" charset="0"/>
+                <a:cs typeface="Arial Regular" charset="0"/>
                 <a:sym typeface="Cabin"/>
               </a:rPr>
               <a:t>+</a:t>
             </a:r>
             <a:r>
-              <a:rPr lang="en-US" sz="3600" b="0" i="0" u="none" strike="noStrike" cap="none">
+              <a:rPr lang="en-US" sz="3600" u="none" strike="noStrike" cap="none">
                 <a:solidFill>
                   <a:schemeClr val="lt1"/>
                 </a:solidFill>
-                <a:latin typeface="Cabin"/>
-                <a:ea typeface="Cabin"/>
-                <a:cs typeface="Cabin"/>
+                <a:latin typeface="Arial Regular" charset="0"/>
+                <a:ea typeface="Arial Regular" charset="0"/>
+                <a:cs typeface="Arial Regular" charset="0"/>
                 <a:sym typeface="Cabin"/>
               </a:rPr>
               <a:t>) push </a:t>
             </a:r>
             <a:r>
-              <a:rPr lang="en-US" sz="3600" b="0" i="0" u="none" strike="noStrike" cap="none">
+              <a:rPr lang="en-US" sz="3600" u="none" strike="noStrike" cap="none">
                 <a:solidFill>
                   <a:srgbClr val="FF00FF"/>
                 </a:solidFill>
-                <a:latin typeface="Cabin"/>
-                <a:ea typeface="Cabin"/>
-                <a:cs typeface="Cabin"/>
+                <a:latin typeface="Arial Regular" charset="0"/>
+                <a:ea typeface="Arial Regular" charset="0"/>
+                <a:cs typeface="Arial Regular" charset="0"/>
                 <a:sym typeface="Cabin"/>
               </a:rPr>
               <a:t>outward</a:t>
             </a:r>
             <a:r>
-              <a:rPr lang="en-US" sz="3600" b="0" i="0" u="none" strike="noStrike" cap="none">
+              <a:rPr lang="en-US" sz="3600" u="none" strike="noStrike" cap="none">
                 <a:solidFill>
                   <a:schemeClr val="lt1"/>
                 </a:solidFill>
-                <a:latin typeface="Cabin"/>
-                <a:ea typeface="Cabin"/>
-                <a:cs typeface="Cabin"/>
+                <a:latin typeface="Arial Regular" charset="0"/>
+                <a:ea typeface="Arial Regular" charset="0"/>
+                <a:cs typeface="Arial Regular" charset="0"/>
                 <a:sym typeface="Cabin"/>
               </a:rPr>
               <a:t> in both directions (greedy) to match the largest possible string</a:t>
@@ -28075,13 +28075,13 @@
               <a:buNone/>
             </a:pPr>
             <a:r>
-              <a:rPr lang="en-US" sz="3600" b="0" i="0" u="none" strike="noStrike" cap="none">
+              <a:rPr lang="en-US" sz="3600" u="none" strike="noStrike" cap="none">
                 <a:solidFill>
                   <a:srgbClr val="FF7F00"/>
                 </a:solidFill>
-                <a:latin typeface="Cabin"/>
-                <a:ea typeface="Cabin"/>
-                <a:cs typeface="Cabin"/>
+                <a:latin typeface="Arial Regular" charset="0"/>
+                <a:ea typeface="Arial Regular" charset="0"/>
+                <a:cs typeface="Arial Regular" charset="0"/>
                 <a:sym typeface="Cabin"/>
               </a:rPr>
               <a:t>One or more characters</a:t>
@@ -28158,13 +28158,13 @@
               <a:buNone/>
             </a:pPr>
             <a:r>
-              <a:rPr lang="en-US" sz="3600" b="0" i="0" u="none" strike="noStrike" cap="none">
+              <a:rPr lang="en-US" sz="3600" u="none" strike="noStrike" cap="none">
                 <a:solidFill>
                   <a:srgbClr val="00FF00"/>
                 </a:solidFill>
-                <a:latin typeface="Cabin"/>
-                <a:ea typeface="Cabin"/>
-                <a:cs typeface="Cabin"/>
+                <a:latin typeface="Arial Regular" charset="0"/>
+                <a:ea typeface="Arial Regular" charset="0"/>
+                <a:cs typeface="Arial Regular" charset="0"/>
                 <a:sym typeface="Cabin"/>
               </a:rPr>
               <a:t>First character in the match is an F</a:t>
@@ -28241,13 +28241,13 @@
               <a:buNone/>
             </a:pPr>
             <a:r>
-              <a:rPr lang="en-US" sz="3600" b="0" i="0" u="none" strike="noStrike" cap="none">
+              <a:rPr lang="en-US" sz="3600" u="none" strike="noStrike" cap="none">
                 <a:solidFill>
                   <a:srgbClr val="FFFF00"/>
                 </a:solidFill>
-                <a:latin typeface="Cabin"/>
-                <a:ea typeface="Cabin"/>
-                <a:cs typeface="Cabin"/>
+                <a:latin typeface="Arial Regular" charset="0"/>
+                <a:ea typeface="Arial Regular" charset="0"/>
+                <a:cs typeface="Arial Regular" charset="0"/>
                 <a:sym typeface="Cabin"/>
               </a:rPr>
               <a:t>Last character in the match is a :</a:t>
@@ -28324,13 +28324,13 @@
               <a:buNone/>
             </a:pPr>
             <a:r>
-              <a:rPr lang="en-US" sz="3600" b="0" i="0" u="none" strike="noStrike" cap="none">
+              <a:rPr lang="en-US" sz="3600" u="none" strike="noStrike" cap="none">
                 <a:solidFill>
                   <a:srgbClr val="FFFF00"/>
                 </a:solidFill>
-                <a:latin typeface="Cabin"/>
-                <a:ea typeface="Cabin"/>
-                <a:cs typeface="Cabin"/>
+                <a:latin typeface="Arial Regular" charset="0"/>
+                <a:ea typeface="Arial Regular" charset="0"/>
+                <a:cs typeface="Arial Regular" charset="0"/>
                 <a:sym typeface="Cabin"/>
               </a:rPr>
               <a:t>Why not 'From:' ?</a:t>
@@ -28410,25 +28410,25 @@
               <a:buNone/>
             </a:pPr>
             <a:r>
-              <a:rPr lang="en-US" sz="7600" b="1" i="0" u="none" strike="noStrike" cap="none">
+              <a:rPr lang="en-US" sz="7600" u="none" strike="noStrike" cap="none">
                 <a:solidFill>
                   <a:srgbClr val="00FFFF"/>
                 </a:solidFill>
-                <a:latin typeface="Cabin"/>
-                <a:ea typeface="Cabin"/>
-                <a:cs typeface="Cabin"/>
+                <a:latin typeface="Arial Regular" charset="0"/>
+                <a:ea typeface="Arial Regular" charset="0"/>
+                <a:cs typeface="Arial Regular" charset="0"/>
                 <a:sym typeface="Cabin"/>
               </a:rPr>
               <a:t>Non-Greedy</a:t>
             </a:r>
             <a:r>
-              <a:rPr lang="en-US" sz="7600" b="1" i="0" u="none" strike="noStrike" cap="none">
+              <a:rPr lang="en-US" sz="7600" u="none" strike="noStrike" cap="none">
                 <a:solidFill>
                   <a:srgbClr val="FFD966"/>
                 </a:solidFill>
-                <a:latin typeface="Cabin"/>
-                <a:ea typeface="Cabin"/>
-                <a:cs typeface="Cabin"/>
+                <a:latin typeface="Arial Regular" charset="0"/>
+                <a:ea typeface="Arial Regular" charset="0"/>
+                <a:cs typeface="Arial Regular" charset="0"/>
                 <a:sym typeface="Cabin"/>
               </a:rPr>
               <a:t> Matching</a:t>
@@ -28483,37 +28483,37 @@
               <a:buChar char="•"/>
             </a:pPr>
             <a:r>
-              <a:rPr lang="en-US" sz="3600" b="0" i="0" u="none" strike="noStrike" cap="none">
+              <a:rPr lang="en-US" sz="3600" u="none" strike="noStrike" cap="none">
                 <a:solidFill>
                   <a:schemeClr val="lt1"/>
                 </a:solidFill>
-                <a:latin typeface="Cabin"/>
-                <a:ea typeface="Cabin"/>
-                <a:cs typeface="Cabin"/>
+                <a:latin typeface="Arial Regular" charset="0"/>
+                <a:ea typeface="Arial Regular" charset="0"/>
+                <a:cs typeface="Arial Regular" charset="0"/>
                 <a:sym typeface="Cabin"/>
               </a:rPr>
               <a:t>Not all regular expression repeat codes are greedy!  If you add a </a:t>
             </a:r>
             <a:r>
-              <a:rPr lang="en-US" sz="3600" b="0" i="0" u="none" strike="noStrike" cap="none">
+              <a:rPr lang="en-US" sz="3600" u="none" strike="noStrike" cap="none">
                 <a:solidFill>
                   <a:srgbClr val="00FFFF"/>
                 </a:solidFill>
-                <a:latin typeface="Cabin"/>
-                <a:ea typeface="Cabin"/>
-                <a:cs typeface="Cabin"/>
+                <a:latin typeface="Arial Regular" charset="0"/>
+                <a:ea typeface="Arial Regular" charset="0"/>
+                <a:cs typeface="Arial Regular" charset="0"/>
                 <a:sym typeface="Cabin"/>
               </a:rPr>
               <a:t>?</a:t>
             </a:r>
             <a:r>
-              <a:rPr lang="en-US" sz="3600" b="0" i="0" u="none" strike="noStrike" cap="none">
+              <a:rPr lang="en-US" sz="3600" u="none" strike="noStrike" cap="none">
                 <a:solidFill>
                   <a:schemeClr val="lt1"/>
                 </a:solidFill>
-                <a:latin typeface="Cabin"/>
-                <a:ea typeface="Cabin"/>
-                <a:cs typeface="Cabin"/>
+                <a:latin typeface="Arial Regular" charset="0"/>
+                <a:ea typeface="Arial Regular" charset="0"/>
+                <a:cs typeface="Arial Regular" charset="0"/>
                 <a:sym typeface="Cabin"/>
               </a:rPr>
               <a:t> character, the + and * chill out a bit...</a:t>
@@ -28910,13 +28910,13 @@
               <a:buNone/>
             </a:pPr>
             <a:r>
-              <a:rPr lang="en-US" sz="3600" b="0" i="0" u="none" strike="noStrike" cap="none">
+              <a:rPr lang="en-US" sz="3600" u="none" strike="noStrike" cap="none">
                 <a:solidFill>
                   <a:srgbClr val="FF7F00"/>
                 </a:solidFill>
-                <a:latin typeface="Cabin"/>
-                <a:ea typeface="Cabin"/>
-                <a:cs typeface="Cabin"/>
+                <a:latin typeface="Arial Regular" charset="0"/>
+                <a:ea typeface="Arial Regular" charset="0"/>
+                <a:cs typeface="Arial Regular" charset="0"/>
                 <a:sym typeface="Cabin"/>
               </a:rPr>
               <a:t>One or more characters but not greedy</a:t>
@@ -28995,13 +28995,13 @@
               <a:buNone/>
             </a:pPr>
             <a:r>
-              <a:rPr lang="en-US" sz="3600" b="0" i="0" u="none" strike="noStrike" cap="none">
+              <a:rPr lang="en-US" sz="3600" u="none" strike="noStrike" cap="none">
                 <a:solidFill>
                   <a:srgbClr val="00FF00"/>
                 </a:solidFill>
-                <a:latin typeface="Cabin"/>
-                <a:ea typeface="Cabin"/>
-                <a:cs typeface="Cabin"/>
+                <a:latin typeface="Arial Regular" charset="0"/>
+                <a:ea typeface="Arial Regular" charset="0"/>
+                <a:cs typeface="Arial Regular" charset="0"/>
                 <a:sym typeface="Cabin"/>
               </a:rPr>
               <a:t>First character in the match is an F</a:t>
@@ -29078,13 +29078,13 @@
               <a:buNone/>
             </a:pPr>
             <a:r>
-              <a:rPr lang="en-US" sz="3600" b="0" i="0" u="none" strike="noStrike" cap="none">
+              <a:rPr lang="en-US" sz="3600" u="none" strike="noStrike" cap="none">
                 <a:solidFill>
                   <a:srgbClr val="FFFF00"/>
                 </a:solidFill>
-                <a:latin typeface="Cabin"/>
-                <a:ea typeface="Cabin"/>
-                <a:cs typeface="Cabin"/>
+                <a:latin typeface="Arial Regular" charset="0"/>
+                <a:ea typeface="Arial Regular" charset="0"/>
+                <a:cs typeface="Arial Regular" charset="0"/>
                 <a:sym typeface="Cabin"/>
               </a:rPr>
               <a:t>Last character in the match is a :</a:t>
@@ -29192,37 +29192,37 @@
               <a:buNone/>
             </a:pPr>
             <a:r>
-              <a:rPr lang="en-US" sz="7600" b="1" i="0" u="none" strike="noStrike" cap="none">
+              <a:rPr lang="en-US" sz="7600" u="none" strike="noStrike" cap="none">
                 <a:solidFill>
                   <a:srgbClr val="FFD966"/>
                 </a:solidFill>
-                <a:latin typeface="Cabin"/>
-                <a:ea typeface="Cabin"/>
-                <a:cs typeface="Cabin"/>
+                <a:latin typeface="Arial Regular" charset="0"/>
+                <a:ea typeface="Arial Regular" charset="0"/>
+                <a:cs typeface="Arial Regular" charset="0"/>
                 <a:sym typeface="Cabin"/>
               </a:rPr>
               <a:t>Fine</a:t>
             </a:r>
             <a:r>
-              <a:rPr lang="en-US" sz="7600" b="1">
+              <a:rPr lang="en-US" sz="7600">
                 <a:solidFill>
                   <a:srgbClr val="FFD966"/>
                 </a:solidFill>
-                <a:latin typeface="Cabin"/>
-                <a:ea typeface="Cabin"/>
-                <a:cs typeface="Cabin"/>
+                <a:latin typeface="Arial Regular" charset="0"/>
+                <a:ea typeface="Arial Regular" charset="0"/>
+                <a:cs typeface="Arial Regular" charset="0"/>
                 <a:sym typeface="Cabin"/>
               </a:rPr>
               <a:t>-</a:t>
             </a:r>
             <a:r>
-              <a:rPr lang="en-US" sz="7600" b="1" i="0" u="none" strike="noStrike" cap="none">
+              <a:rPr lang="en-US" sz="7600" u="none" strike="noStrike" cap="none">
                 <a:solidFill>
                   <a:srgbClr val="FFD966"/>
                 </a:solidFill>
-                <a:latin typeface="Cabin"/>
-                <a:ea typeface="Cabin"/>
-                <a:cs typeface="Cabin"/>
+                <a:latin typeface="Arial Regular" charset="0"/>
+                <a:ea typeface="Arial Regular" charset="0"/>
+                <a:cs typeface="Arial Regular" charset="0"/>
                 <a:sym typeface="Cabin"/>
               </a:rPr>
               <a:t>Tuning String Extraction</a:t>
@@ -29273,37 +29273,37 @@
               <a:buFont typeface="Cabin"/>
             </a:pPr>
             <a:r>
-              <a:rPr lang="en-US" sz="3600" b="0" i="0" u="none" strike="noStrike" cap="none">
+              <a:rPr lang="en-US" sz="3600" u="none" strike="noStrike" cap="none">
                 <a:solidFill>
                   <a:schemeClr val="lt1"/>
                 </a:solidFill>
-                <a:latin typeface="Cabin"/>
-                <a:ea typeface="Cabin"/>
-                <a:cs typeface="Cabin"/>
+                <a:latin typeface="Arial Regular" charset="0"/>
+                <a:ea typeface="Arial Regular" charset="0"/>
+                <a:cs typeface="Arial Regular" charset="0"/>
                 <a:sym typeface="Cabin"/>
               </a:rPr>
               <a:t>You can refine the match for </a:t>
             </a:r>
             <a:r>
-              <a:rPr lang="en-US" sz="3600" b="0" i="0" u="none" strike="noStrike" cap="none">
+              <a:rPr lang="en-US" sz="3600" u="none" strike="noStrike" cap="none">
                 <a:solidFill>
                   <a:srgbClr val="FF00FF"/>
                 </a:solidFill>
-                <a:latin typeface="Cabin"/>
-                <a:ea typeface="Cabin"/>
-                <a:cs typeface="Cabin"/>
+                <a:latin typeface="Arial Regular" charset="0"/>
+                <a:ea typeface="Arial Regular" charset="0"/>
+                <a:cs typeface="Arial Regular" charset="0"/>
                 <a:sym typeface="Cabin"/>
               </a:rPr>
               <a:t>re.findall() </a:t>
             </a:r>
             <a:r>
-              <a:rPr lang="en-US" sz="3600" b="0" i="0" u="none" strike="noStrike" cap="none">
+              <a:rPr lang="en-US" sz="3600" u="none" strike="noStrike" cap="none">
                 <a:solidFill>
                   <a:schemeClr val="lt1"/>
                 </a:solidFill>
-                <a:latin typeface="Cabin"/>
-                <a:ea typeface="Cabin"/>
-                <a:cs typeface="Cabin"/>
+                <a:latin typeface="Arial Regular" charset="0"/>
+                <a:ea typeface="Arial Regular" charset="0"/>
+                <a:cs typeface="Arial Regular" charset="0"/>
                 <a:sym typeface="Cabin"/>
               </a:rPr>
               <a:t>and separately determine which portion of the match is to be extracted by using parenthes</a:t>
@@ -29313,21 +29313,21 @@
                 <a:solidFill>
                   <a:schemeClr val="lt1"/>
                 </a:solidFill>
-                <a:latin typeface="Cabin"/>
-                <a:ea typeface="Cabin"/>
-                <a:cs typeface="Cabin"/>
+                <a:latin typeface="Arial Regular" charset="0"/>
+                <a:ea typeface="Arial Regular" charset="0"/>
+                <a:cs typeface="Arial Regular" charset="0"/>
                 <a:sym typeface="Cabin"/>
               </a:rPr>
               <a:t>e</a:t>
             </a:r>
             <a:r>
-              <a:rPr lang="en-US" sz="3600" b="0" i="0" u="none" strike="noStrike" cap="none">
+              <a:rPr lang="en-US" sz="3600" u="none" strike="noStrike" cap="none">
                 <a:solidFill>
                   <a:schemeClr val="lt1"/>
                 </a:solidFill>
-                <a:latin typeface="Cabin"/>
-                <a:ea typeface="Cabin"/>
-                <a:cs typeface="Cabin"/>
+                <a:latin typeface="Arial Regular" charset="0"/>
+                <a:ea typeface="Arial Regular" charset="0"/>
+                <a:cs typeface="Arial Regular" charset="0"/>
                 <a:sym typeface="Cabin"/>
               </a:rPr>
               <a:t>s</a:t>
@@ -29764,13 +29764,13 @@
               <a:buNone/>
             </a:pPr>
             <a:r>
-              <a:rPr lang="en-US" sz="3600" b="0" i="0" u="none" strike="noStrike" cap="none">
+              <a:rPr lang="en-US" sz="3600" u="none" strike="noStrike" cap="none">
                 <a:solidFill>
                   <a:srgbClr val="00FF00"/>
                 </a:solidFill>
-                <a:latin typeface="Cabin"/>
-                <a:ea typeface="Cabin"/>
-                <a:cs typeface="Cabin"/>
+                <a:latin typeface="Arial Regular" charset="0"/>
+                <a:ea typeface="Arial Regular" charset="0"/>
+                <a:cs typeface="Arial Regular" charset="0"/>
                 <a:sym typeface="Cabin"/>
               </a:rPr>
               <a:t>At least one non-whitespace character</a:t>
@@ -29902,13 +29902,13 @@
               <a:buNone/>
             </a:pPr>
             <a:r>
-              <a:rPr lang="en-US" sz="7800" b="1" i="0" u="none" strike="noStrike" cap="none">
+              <a:rPr lang="en-US" sz="7800" u="none" strike="noStrike" cap="none">
                 <a:solidFill>
                   <a:srgbClr val="FFD966"/>
                 </a:solidFill>
-                <a:latin typeface="Cabin"/>
-                <a:ea typeface="Cabin"/>
-                <a:cs typeface="Cabin"/>
+                <a:latin typeface="Arial Regular" charset="0"/>
+                <a:ea typeface="Arial Regular" charset="0"/>
+                <a:cs typeface="Arial Regular" charset="0"/>
                 <a:sym typeface="Cabin"/>
               </a:rPr>
               <a:t>Regular Expressions</a:t>
@@ -29959,13 +29959,13 @@
               <a:buNone/>
             </a:pPr>
             <a:r>
-              <a:rPr lang="en-US" sz="3000" b="0" i="0" u="sng" strike="noStrike" cap="none">
+              <a:rPr lang="en-US" sz="3000" u="sng" strike="noStrike" cap="none">
                 <a:solidFill>
                   <a:srgbClr val="FFFF00"/>
                 </a:solidFill>
-                <a:latin typeface="Cabin"/>
-                <a:ea typeface="Cabin"/>
-                <a:cs typeface="Cabin"/>
+                <a:latin typeface="Arial Regular" charset="0"/>
+                <a:ea typeface="Arial Regular" charset="0"/>
+                <a:cs typeface="Arial Regular" charset="0"/>
                 <a:sym typeface="Cabin"/>
                 <a:hlinkClick r:id="rId3"/>
               </a:rPr>
@@ -30017,13 +30017,13 @@
               <a:buNone/>
             </a:pPr>
             <a:r>
-              <a:rPr lang="en-US" sz="3600" b="0" i="0" u="none" strike="noStrike" cap="none">
+              <a:rPr lang="en-US" sz="3600" u="none" strike="noStrike" cap="none">
                 <a:solidFill>
                   <a:schemeClr val="lt1"/>
                 </a:solidFill>
-                <a:latin typeface="Cabin"/>
-                <a:ea typeface="Cabin"/>
-                <a:cs typeface="Cabin"/>
+                <a:latin typeface="Arial Regular" charset="0"/>
+                <a:ea typeface="Arial Regular" charset="0"/>
+                <a:cs typeface="Arial Regular" charset="0"/>
                 <a:sym typeface="Cabin"/>
               </a:rPr>
               <a:t>In computing, a regular expression, also referred to as </a:t>
@@ -30033,21 +30033,21 @@
                 <a:solidFill>
                   <a:schemeClr val="lt1"/>
                 </a:solidFill>
-                <a:latin typeface="Cabin"/>
-                <a:ea typeface="Cabin"/>
-                <a:cs typeface="Cabin"/>
+                <a:latin typeface="Arial Regular" charset="0"/>
+                <a:ea typeface="Arial Regular" charset="0"/>
+                <a:cs typeface="Arial Regular" charset="0"/>
                 <a:sym typeface="Cabin"/>
               </a:rPr>
               <a:t>“</a:t>
             </a:r>
             <a:r>
-              <a:rPr lang="en-US" sz="3600" b="0" i="0" u="none" strike="noStrike" cap="none">
+              <a:rPr lang="en-US" sz="3600" u="none" strike="noStrike" cap="none">
                 <a:solidFill>
                   <a:schemeClr val="lt1"/>
                 </a:solidFill>
-                <a:latin typeface="Cabin"/>
-                <a:ea typeface="Cabin"/>
-                <a:cs typeface="Cabin"/>
+                <a:latin typeface="Arial Regular" charset="0"/>
+                <a:ea typeface="Arial Regular" charset="0"/>
+                <a:cs typeface="Arial Regular" charset="0"/>
                 <a:sym typeface="Cabin"/>
               </a:rPr>
               <a:t>regex</a:t>
@@ -30057,21 +30057,21 @@
                 <a:solidFill>
                   <a:schemeClr val="lt1"/>
                 </a:solidFill>
-                <a:latin typeface="Cabin"/>
-                <a:ea typeface="Cabin"/>
-                <a:cs typeface="Cabin"/>
+                <a:latin typeface="Arial Regular" charset="0"/>
+                <a:ea typeface="Arial Regular" charset="0"/>
+                <a:cs typeface="Arial Regular" charset="0"/>
                 <a:sym typeface="Cabin"/>
               </a:rPr>
               <a:t>”</a:t>
             </a:r>
             <a:r>
-              <a:rPr lang="en-US" sz="3600" b="0" i="0" u="none" strike="noStrike" cap="none">
+              <a:rPr lang="en-US" sz="3600" u="none" strike="noStrike" cap="none">
                 <a:solidFill>
                   <a:schemeClr val="lt1"/>
                 </a:solidFill>
-                <a:latin typeface="Cabin"/>
-                <a:ea typeface="Cabin"/>
-                <a:cs typeface="Cabin"/>
+                <a:latin typeface="Arial Regular" charset="0"/>
+                <a:ea typeface="Arial Regular" charset="0"/>
+                <a:cs typeface="Arial Regular" charset="0"/>
                 <a:sym typeface="Cabin"/>
               </a:rPr>
               <a:t> or </a:t>
@@ -30081,21 +30081,21 @@
                 <a:solidFill>
                   <a:schemeClr val="lt1"/>
                 </a:solidFill>
-                <a:latin typeface="Cabin"/>
-                <a:ea typeface="Cabin"/>
-                <a:cs typeface="Cabin"/>
+                <a:latin typeface="Arial Regular" charset="0"/>
+                <a:ea typeface="Arial Regular" charset="0"/>
+                <a:cs typeface="Arial Regular" charset="0"/>
                 <a:sym typeface="Cabin"/>
               </a:rPr>
               <a:t>“</a:t>
             </a:r>
             <a:r>
-              <a:rPr lang="en-US" sz="3600" b="0" i="0" u="none" strike="noStrike" cap="none">
+              <a:rPr lang="en-US" sz="3600" u="none" strike="noStrike" cap="none">
                 <a:solidFill>
                   <a:schemeClr val="lt1"/>
                 </a:solidFill>
-                <a:latin typeface="Cabin"/>
-                <a:ea typeface="Cabin"/>
-                <a:cs typeface="Cabin"/>
+                <a:latin typeface="Arial Regular" charset="0"/>
+                <a:ea typeface="Arial Regular" charset="0"/>
+                <a:cs typeface="Arial Regular" charset="0"/>
                 <a:sym typeface="Cabin"/>
               </a:rPr>
               <a:t>regexp</a:t>
@@ -30105,45 +30105,45 @@
                 <a:solidFill>
                   <a:schemeClr val="lt1"/>
                 </a:solidFill>
-                <a:latin typeface="Cabin"/>
-                <a:ea typeface="Cabin"/>
-                <a:cs typeface="Cabin"/>
+                <a:latin typeface="Arial Regular" charset="0"/>
+                <a:ea typeface="Arial Regular" charset="0"/>
+                <a:cs typeface="Arial Regular" charset="0"/>
                 <a:sym typeface="Cabin"/>
               </a:rPr>
               <a:t>”</a:t>
             </a:r>
             <a:r>
-              <a:rPr lang="en-US" sz="3600" b="0" i="0" u="none" strike="noStrike" cap="none">
+              <a:rPr lang="en-US" sz="3600" u="none" strike="noStrike" cap="none">
                 <a:solidFill>
                   <a:schemeClr val="lt1"/>
                 </a:solidFill>
-                <a:latin typeface="Cabin"/>
-                <a:ea typeface="Cabin"/>
-                <a:cs typeface="Cabin"/>
+                <a:latin typeface="Arial Regular" charset="0"/>
+                <a:ea typeface="Arial Regular" charset="0"/>
+                <a:cs typeface="Arial Regular" charset="0"/>
                 <a:sym typeface="Cabin"/>
               </a:rPr>
               <a:t>, provides a concise and flexible means for matching strings of text, such as particular characters, words, or patterns of characters. A regular expression is written in a formal language </a:t>
             </a:r>
             <a:r>
-              <a:rPr lang="en-US" sz="3600" b="0" i="0" strike="noStrike" cap="none">
+              <a:rPr lang="en-US" sz="3600" strike="noStrike" cap="none">
                 <a:solidFill>
                   <a:schemeClr val="lt1"/>
                 </a:solidFill>
-                <a:latin typeface="Cabin"/>
-                <a:ea typeface="Cabin"/>
-                <a:cs typeface="Cabin"/>
+                <a:latin typeface="Arial Regular" charset="0"/>
+                <a:ea typeface="Arial Regular" charset="0"/>
+                <a:cs typeface="Arial Regular" charset="0"/>
                 <a:sym typeface="Cabin"/>
               </a:rPr>
               <a:t>that can be int</a:t>
             </a:r>
             <a:r>
-              <a:rPr lang="en-US" sz="3600" b="0" i="0" u="none" strike="noStrike" cap="none">
+              <a:rPr lang="en-US" sz="3600" u="none" strike="noStrike" cap="none">
                 <a:solidFill>
                   <a:schemeClr val="lt1"/>
                 </a:solidFill>
-                <a:latin typeface="Cabin"/>
-                <a:ea typeface="Cabin"/>
-                <a:cs typeface="Cabin"/>
+                <a:latin typeface="Arial Regular" charset="0"/>
+                <a:ea typeface="Arial Regular" charset="0"/>
+                <a:cs typeface="Arial Regular" charset="0"/>
                 <a:sym typeface="Cabin"/>
               </a:rPr>
               <a:t>erpreted by a regular expression processor.</a:t>
@@ -30223,37 +30223,37 @@
               <a:buNone/>
             </a:pPr>
             <a:r>
-              <a:rPr lang="en-US" sz="7600" b="1" i="0" u="none" strike="noStrike" cap="none">
+              <a:rPr lang="en-US" sz="7600" u="none" strike="noStrike" cap="none">
                 <a:solidFill>
                   <a:srgbClr val="FFD966"/>
                 </a:solidFill>
-                <a:latin typeface="Cabin"/>
-                <a:ea typeface="Cabin"/>
-                <a:cs typeface="Cabin"/>
+                <a:latin typeface="Arial Regular" charset="0"/>
+                <a:ea typeface="Arial Regular" charset="0"/>
+                <a:cs typeface="Arial Regular" charset="0"/>
                 <a:sym typeface="Cabin"/>
               </a:rPr>
               <a:t>Fine</a:t>
             </a:r>
             <a:r>
-              <a:rPr lang="en-US" sz="7600" b="1">
+              <a:rPr lang="en-US" sz="7600">
                 <a:solidFill>
                   <a:srgbClr val="FFD966"/>
                 </a:solidFill>
-                <a:latin typeface="Cabin"/>
-                <a:ea typeface="Cabin"/>
-                <a:cs typeface="Cabin"/>
+                <a:latin typeface="Arial Regular" charset="0"/>
+                <a:ea typeface="Arial Regular" charset="0"/>
+                <a:cs typeface="Arial Regular" charset="0"/>
                 <a:sym typeface="Cabin"/>
               </a:rPr>
               <a:t>-</a:t>
             </a:r>
             <a:r>
-              <a:rPr lang="en-US" sz="7600" b="1" i="0" u="none" strike="noStrike" cap="none">
+              <a:rPr lang="en-US" sz="7600" u="none" strike="noStrike" cap="none">
                 <a:solidFill>
                   <a:srgbClr val="FFD966"/>
                 </a:solidFill>
-                <a:latin typeface="Cabin"/>
-                <a:ea typeface="Cabin"/>
-                <a:cs typeface="Cabin"/>
+                <a:latin typeface="Arial Regular" charset="0"/>
+                <a:ea typeface="Arial Regular" charset="0"/>
+                <a:cs typeface="Arial Regular" charset="0"/>
                 <a:sym typeface="Cabin"/>
               </a:rPr>
               <a:t>Tuning String Extraction</a:t>
@@ -30304,13 +30304,13 @@
               <a:buFont typeface="Cabin"/>
             </a:pPr>
             <a:r>
-              <a:rPr lang="en-US" sz="3600" b="0" i="0" u="none" strike="noStrike" cap="none">
+              <a:rPr lang="en-US" sz="3600" u="none" strike="noStrike" cap="none">
                 <a:solidFill>
                   <a:srgbClr val="FF00FF"/>
                 </a:solidFill>
-                <a:latin typeface="Cabin"/>
-                <a:ea typeface="Cabin"/>
-                <a:cs typeface="Cabin"/>
+                <a:latin typeface="Arial Regular" charset="0"/>
+                <a:ea typeface="Arial Regular" charset="0"/>
+                <a:cs typeface="Arial Regular" charset="0"/>
                 <a:sym typeface="Cabin"/>
               </a:rPr>
               <a:t>Parenthes</a:t>
@@ -30320,81 +30320,81 @@
                 <a:solidFill>
                   <a:srgbClr val="FF00FF"/>
                 </a:solidFill>
-                <a:latin typeface="Cabin"/>
-                <a:ea typeface="Cabin"/>
-                <a:cs typeface="Cabin"/>
+                <a:latin typeface="Arial Regular" charset="0"/>
+                <a:ea typeface="Arial Regular" charset="0"/>
+                <a:cs typeface="Arial Regular" charset="0"/>
                 <a:sym typeface="Cabin"/>
               </a:rPr>
               <a:t>e</a:t>
             </a:r>
             <a:r>
-              <a:rPr lang="en-US" sz="3600" b="0" i="0" u="none" strike="noStrike" cap="none">
+              <a:rPr lang="en-US" sz="3600" u="none" strike="noStrike" cap="none">
                 <a:solidFill>
                   <a:srgbClr val="FF00FF"/>
                 </a:solidFill>
-                <a:latin typeface="Cabin"/>
-                <a:ea typeface="Cabin"/>
-                <a:cs typeface="Cabin"/>
+                <a:latin typeface="Arial Regular" charset="0"/>
+                <a:ea typeface="Arial Regular" charset="0"/>
+                <a:cs typeface="Arial Regular" charset="0"/>
                 <a:sym typeface="Cabin"/>
               </a:rPr>
               <a:t>s</a:t>
             </a:r>
             <a:r>
-              <a:rPr lang="en-US" sz="3600" b="0" i="0" u="none" strike="noStrike" cap="none">
+              <a:rPr lang="en-US" sz="3600" u="none" strike="noStrike" cap="none">
                 <a:solidFill>
                   <a:schemeClr val="lt1"/>
                 </a:solidFill>
-                <a:latin typeface="Cabin"/>
-                <a:ea typeface="Cabin"/>
-                <a:cs typeface="Cabin"/>
+                <a:latin typeface="Arial Regular" charset="0"/>
+                <a:ea typeface="Arial Regular" charset="0"/>
+                <a:cs typeface="Arial Regular" charset="0"/>
                 <a:sym typeface="Cabin"/>
               </a:rPr>
               <a:t> are not part of the match - but they tell where to </a:t>
             </a:r>
             <a:r>
-              <a:rPr lang="en-US" sz="3600" b="0" i="0" u="none" strike="noStrike" cap="none">
+              <a:rPr lang="en-US" sz="3600" u="none" strike="noStrike" cap="none">
                 <a:solidFill>
                   <a:srgbClr val="FF00FF"/>
                 </a:solidFill>
-                <a:latin typeface="Cabin"/>
-                <a:ea typeface="Cabin"/>
-                <a:cs typeface="Cabin"/>
+                <a:latin typeface="Arial Regular" charset="0"/>
+                <a:ea typeface="Arial Regular" charset="0"/>
+                <a:cs typeface="Arial Regular" charset="0"/>
                 <a:sym typeface="Cabin"/>
               </a:rPr>
               <a:t>start</a:t>
             </a:r>
             <a:r>
-              <a:rPr lang="en-US" sz="3600" b="0" i="0" u="none" strike="noStrike" cap="none">
+              <a:rPr lang="en-US" sz="3600" u="none" strike="noStrike" cap="none">
                 <a:solidFill>
                   <a:schemeClr val="lt1"/>
                 </a:solidFill>
-                <a:latin typeface="Cabin"/>
-                <a:ea typeface="Cabin"/>
-                <a:cs typeface="Cabin"/>
+                <a:latin typeface="Arial Regular" charset="0"/>
+                <a:ea typeface="Arial Regular" charset="0"/>
+                <a:cs typeface="Arial Regular" charset="0"/>
                 <a:sym typeface="Cabin"/>
               </a:rPr>
               <a:t> and </a:t>
             </a:r>
             <a:r>
-              <a:rPr lang="en-US" sz="3600" b="0" i="0" u="none" strike="noStrike" cap="none">
+              <a:rPr lang="en-US" sz="3600" u="none" strike="noStrike" cap="none">
                 <a:solidFill>
                   <a:srgbClr val="FF00FF"/>
                 </a:solidFill>
-                <a:latin typeface="Cabin"/>
-                <a:ea typeface="Cabin"/>
-                <a:cs typeface="Cabin"/>
+                <a:latin typeface="Arial Regular" charset="0"/>
+                <a:ea typeface="Arial Regular" charset="0"/>
+                <a:cs typeface="Arial Regular" charset="0"/>
                 <a:sym typeface="Cabin"/>
               </a:rPr>
               <a:t>stop</a:t>
             </a:r>
             <a:r>
-              <a:rPr lang="en-US" sz="3600" b="0" i="0" u="none" strike="noStrike" cap="none">
+              <a:rPr lang="en-US" sz="3600" u="none" strike="noStrike" cap="none">
                 <a:solidFill>
                   <a:schemeClr val="lt1"/>
                 </a:solidFill>
-                <a:latin typeface="Cabin"/>
-                <a:ea typeface="Cabin"/>
-                <a:cs typeface="Cabin"/>
+                <a:latin typeface="Arial Regular" charset="0"/>
+                <a:ea typeface="Arial Regular" charset="0"/>
+                <a:cs typeface="Arial Regular" charset="0"/>
                 <a:sym typeface="Cabin"/>
               </a:rPr>
               <a:t> what string to extract</a:t>
@@ -31889,13 +31889,13 @@
               <a:buNone/>
             </a:pPr>
             <a:r>
-              <a:rPr lang="en-US" sz="3600" b="0" i="0" u="none" strike="noStrike" cap="none">
+              <a:rPr lang="en-US" sz="3600" u="none" strike="noStrike" cap="none">
                 <a:solidFill>
                   <a:srgbClr val="00FF00"/>
                 </a:solidFill>
-                <a:latin typeface="Cabin"/>
-                <a:ea typeface="Cabin"/>
-                <a:cs typeface="Cabin"/>
+                <a:latin typeface="Arial Regular" charset="0"/>
+                <a:ea typeface="Arial Regular" charset="0"/>
+                <a:cs typeface="Arial Regular" charset="0"/>
                 <a:sym typeface="Cabin"/>
               </a:rPr>
               <a:t>21</a:t>
@@ -31946,13 +31946,13 @@
               <a:buNone/>
             </a:pPr>
             <a:r>
-              <a:rPr lang="en-US" sz="3600" b="0" i="0" u="none" strike="noStrike" cap="none">
+              <a:rPr lang="en-US" sz="3600" u="none" strike="noStrike" cap="none">
                 <a:solidFill>
                   <a:srgbClr val="00FF00"/>
                 </a:solidFill>
-                <a:latin typeface="Cabin"/>
-                <a:ea typeface="Cabin"/>
-                <a:cs typeface="Cabin"/>
+                <a:latin typeface="Arial Regular" charset="0"/>
+                <a:ea typeface="Arial Regular" charset="0"/>
+                <a:cs typeface="Arial Regular" charset="0"/>
                 <a:sym typeface="Cabin"/>
               </a:rPr>
               <a:t>31</a:t>
@@ -32081,13 +32081,13 @@
               <a:buNone/>
             </a:pPr>
             <a:r>
-              <a:rPr lang="en-US" sz="4100" b="0" i="0" u="none" strike="noStrike" cap="none">
+              <a:rPr lang="en-US" sz="4100" u="none" strike="noStrike" cap="none">
                 <a:solidFill>
                   <a:srgbClr val="00FF00"/>
                 </a:solidFill>
-                <a:latin typeface="Cabin"/>
-                <a:ea typeface="Cabin"/>
-                <a:cs typeface="Cabin"/>
+                <a:latin typeface="Arial Regular" charset="0"/>
+                <a:ea typeface="Arial Regular" charset="0"/>
+                <a:cs typeface="Arial Regular" charset="0"/>
                 <a:sym typeface="Cabin"/>
               </a:rPr>
               <a:t>Extracting a host name - using find and string slicing</a:t>
@@ -32167,13 +32167,13 @@
               <a:buNone/>
             </a:pPr>
             <a:r>
-              <a:rPr lang="en-US" sz="7600" b="1" i="0" u="none" strike="noStrike" cap="none">
+              <a:rPr lang="en-US" sz="7600" u="none" strike="noStrike" cap="none">
                 <a:solidFill>
                   <a:srgbClr val="FFD966"/>
                 </a:solidFill>
-                <a:latin typeface="Cabin"/>
-                <a:ea typeface="Cabin"/>
-                <a:cs typeface="Cabin"/>
+                <a:latin typeface="Arial Regular" charset="0"/>
+                <a:ea typeface="Arial Regular" charset="0"/>
+                <a:cs typeface="Arial Regular" charset="0"/>
                 <a:sym typeface="Cabin"/>
               </a:rPr>
               <a:t>The Double Split Pattern</a:t>
@@ -32224,13 +32224,13 @@
               <a:buFont typeface="Cabin"/>
             </a:pPr>
             <a:r>
-              <a:rPr lang="en-US" sz="3600" b="0" i="0" u="none" strike="noStrike" cap="none">
+              <a:rPr lang="en-US" sz="3600" u="none" strike="noStrike" cap="none">
                 <a:solidFill>
                   <a:schemeClr val="lt1"/>
                 </a:solidFill>
-                <a:latin typeface="Cabin"/>
-                <a:ea typeface="Cabin"/>
-                <a:cs typeface="Cabin"/>
+                <a:latin typeface="Arial Regular" charset="0"/>
+                <a:ea typeface="Arial Regular" charset="0"/>
+                <a:cs typeface="Arial Regular" charset="0"/>
                 <a:sym typeface="Cabin"/>
               </a:rPr>
               <a:t>Sometimes we split a line one way, and then grab one of the pieces of the line and split that piece again</a:t>
@@ -32784,13 +32784,13 @@
               <a:buNone/>
             </a:pPr>
             <a:r>
-              <a:rPr lang="en-US" sz="7600" b="1" i="0" u="none" strike="noStrike" cap="none">
+              <a:rPr lang="en-US" sz="7600" u="none" strike="noStrike" cap="none">
                 <a:solidFill>
                   <a:srgbClr val="FFD966"/>
                 </a:solidFill>
-                <a:latin typeface="Cabin"/>
-                <a:ea typeface="Cabin"/>
-                <a:cs typeface="Cabin"/>
+                <a:latin typeface="Arial Regular" charset="0"/>
+                <a:ea typeface="Arial Regular" charset="0"/>
+                <a:cs typeface="Arial Regular" charset="0"/>
                 <a:sym typeface="Cabin"/>
               </a:rPr>
               <a:t>The Regex Version</a:t>
@@ -32922,13 +32922,13 @@
               <a:buNone/>
             </a:pPr>
             <a:r>
-              <a:rPr lang="en-US" sz="3600" b="0" i="0" u="none" strike="noStrike" cap="none">
+              <a:rPr lang="en-US" sz="3600" u="none" strike="noStrike" cap="none">
                 <a:solidFill>
                   <a:srgbClr val="00FF00"/>
                 </a:solidFill>
-                <a:latin typeface="Cabin"/>
-                <a:ea typeface="Cabin"/>
-                <a:cs typeface="Cabin"/>
+                <a:latin typeface="Arial Regular" charset="0"/>
+                <a:ea typeface="Arial Regular" charset="0"/>
+                <a:cs typeface="Arial Regular" charset="0"/>
                 <a:sym typeface="Cabin"/>
               </a:rPr>
               <a:t>Look through the string until you find an at</a:t>
@@ -32938,21 +32938,21 @@
                 <a:solidFill>
                   <a:srgbClr val="00FF00"/>
                 </a:solidFill>
-                <a:latin typeface="Cabin"/>
-                <a:ea typeface="Cabin"/>
-                <a:cs typeface="Cabin"/>
+                <a:latin typeface="Arial Regular" charset="0"/>
+                <a:ea typeface="Arial Regular" charset="0"/>
+                <a:cs typeface="Arial Regular" charset="0"/>
                 <a:sym typeface="Cabin"/>
               </a:rPr>
               <a:t> </a:t>
             </a:r>
             <a:r>
-              <a:rPr lang="en-US" sz="3600" b="0" i="0" u="none" strike="noStrike" cap="none">
+              <a:rPr lang="en-US" sz="3600" u="none" strike="noStrike" cap="none">
                 <a:solidFill>
                   <a:srgbClr val="00FF00"/>
                 </a:solidFill>
-                <a:latin typeface="Cabin"/>
-                <a:ea typeface="Cabin"/>
-                <a:cs typeface="Cabin"/>
+                <a:latin typeface="Arial Regular" charset="0"/>
+                <a:ea typeface="Arial Regular" charset="0"/>
+                <a:cs typeface="Arial Regular" charset="0"/>
                 <a:sym typeface="Cabin"/>
               </a:rPr>
               <a:t>sign</a:t>
@@ -33344,13 +33344,13 @@
               <a:buNone/>
             </a:pPr>
             <a:r>
-              <a:rPr lang="en-US" sz="7600" b="1" i="0" u="none" strike="noStrike" cap="none">
+              <a:rPr lang="en-US" sz="7600" u="none" strike="noStrike" cap="none">
                 <a:solidFill>
                   <a:srgbClr val="FFD966"/>
                 </a:solidFill>
-                <a:latin typeface="Cabin"/>
-                <a:ea typeface="Cabin"/>
-                <a:cs typeface="Cabin"/>
+                <a:latin typeface="Arial Regular" charset="0"/>
+                <a:ea typeface="Arial Regular" charset="0"/>
+                <a:cs typeface="Arial Regular" charset="0"/>
                 <a:sym typeface="Cabin"/>
               </a:rPr>
               <a:t>The Regex Version</a:t>
@@ -33494,13 +33494,13 @@
               <a:buNone/>
             </a:pPr>
             <a:r>
-              <a:rPr lang="en-US" sz="3600" b="0" i="0" u="none" strike="noStrike" cap="none">
+              <a:rPr lang="en-US" sz="3600" u="none" strike="noStrike" cap="none">
                 <a:solidFill>
                   <a:srgbClr val="FF00FF"/>
                 </a:solidFill>
-                <a:latin typeface="Cabin"/>
-                <a:ea typeface="Cabin"/>
-                <a:cs typeface="Cabin"/>
+                <a:latin typeface="Arial Regular" charset="0"/>
+                <a:ea typeface="Arial Regular" charset="0"/>
+                <a:cs typeface="Arial Regular" charset="0"/>
                 <a:sym typeface="Cabin"/>
               </a:rPr>
               <a:t>Match non-blank character</a:t>
@@ -33629,13 +33629,13 @@
               <a:buNone/>
             </a:pPr>
             <a:r>
-              <a:rPr lang="en-US" sz="3600" b="0" i="0" u="none" strike="noStrike" cap="none">
+              <a:rPr lang="en-US" sz="3600" u="none" strike="noStrike" cap="none">
                 <a:solidFill>
                   <a:srgbClr val="00FF00"/>
                 </a:solidFill>
-                <a:latin typeface="Cabin"/>
-                <a:ea typeface="Cabin"/>
-                <a:cs typeface="Cabin"/>
+                <a:latin typeface="Arial Regular" charset="0"/>
+                <a:ea typeface="Arial Regular" charset="0"/>
+                <a:cs typeface="Arial Regular" charset="0"/>
                 <a:sym typeface="Cabin"/>
               </a:rPr>
               <a:t>Match many of them</a:t>
@@ -34001,13 +34001,13 @@
               <a:buNone/>
             </a:pPr>
             <a:r>
-              <a:rPr lang="en-US" sz="7600" b="1" i="0" u="none" strike="noStrike" cap="none">
+              <a:rPr lang="en-US" sz="7600" u="none" strike="noStrike" cap="none">
                 <a:solidFill>
                   <a:srgbClr val="FFD966"/>
                 </a:solidFill>
-                <a:latin typeface="Cabin"/>
-                <a:ea typeface="Cabin"/>
-                <a:cs typeface="Cabin"/>
+                <a:latin typeface="Arial Regular" charset="0"/>
+                <a:ea typeface="Arial Regular" charset="0"/>
+                <a:cs typeface="Arial Regular" charset="0"/>
                 <a:sym typeface="Cabin"/>
               </a:rPr>
               <a:t>The Regex Version</a:t>
@@ -34163,25 +34163,25 @@
               <a:buNone/>
             </a:pPr>
             <a:r>
-              <a:rPr lang="en-US" sz="3600" b="0" i="0" u="none" strike="noStrike" cap="none">
+              <a:rPr lang="en-US" sz="3600" u="none" strike="noStrike" cap="none">
                 <a:solidFill>
                   <a:srgbClr val="00FF00"/>
                 </a:solidFill>
-                <a:latin typeface="Cabin"/>
-                <a:ea typeface="Cabin"/>
-                <a:cs typeface="Cabin"/>
+                <a:latin typeface="Arial Regular" charset="0"/>
+                <a:ea typeface="Arial Regular" charset="0"/>
+                <a:cs typeface="Arial Regular" charset="0"/>
                 <a:sym typeface="Cabin"/>
               </a:rPr>
               <a:t>Extract</a:t>
             </a:r>
             <a:r>
-              <a:rPr lang="en-US" sz="3600" b="0" i="0" u="none" strike="noStrike" cap="none">
+              <a:rPr lang="en-US" sz="3600" u="none" strike="noStrike" cap="none">
                 <a:solidFill>
                   <a:srgbClr val="FF00FF"/>
                 </a:solidFill>
-                <a:latin typeface="Cabin"/>
-                <a:ea typeface="Cabin"/>
-                <a:cs typeface="Cabin"/>
+                <a:latin typeface="Arial Regular" charset="0"/>
+                <a:ea typeface="Arial Regular" charset="0"/>
+                <a:cs typeface="Arial Regular" charset="0"/>
                 <a:sym typeface="Cabin"/>
               </a:rPr>
               <a:t> the non-blank characters</a:t>
@@ -34626,13 +34626,13 @@
               <a:buNone/>
             </a:pPr>
             <a:r>
-              <a:rPr lang="en-US" sz="7600" b="1" i="0" u="none" strike="noStrike" cap="none">
+              <a:rPr lang="en-US" sz="7600" u="none" strike="noStrike" cap="none">
                 <a:solidFill>
                   <a:srgbClr val="FFD966"/>
                 </a:solidFill>
-                <a:latin typeface="Cabin"/>
-                <a:ea typeface="Cabin"/>
-                <a:cs typeface="Cabin"/>
+                <a:latin typeface="Arial Regular" charset="0"/>
+                <a:ea typeface="Arial Regular" charset="0"/>
+                <a:cs typeface="Arial Regular" charset="0"/>
                 <a:sym typeface="Cabin"/>
               </a:rPr>
               <a:t>Even Cooler Regex Version</a:t>
@@ -34776,25 +34776,25 @@
               <a:buNone/>
             </a:pPr>
             <a:r>
-              <a:rPr lang="en-US" sz="3600" b="0" i="0" u="none" strike="noStrike" cap="none">
+              <a:rPr lang="en-US" sz="3600" u="none" strike="noStrike" cap="none">
                 <a:solidFill>
                   <a:srgbClr val="00FF00"/>
                 </a:solidFill>
-                <a:latin typeface="Cabin"/>
-                <a:ea typeface="Cabin"/>
-                <a:cs typeface="Cabin"/>
+                <a:latin typeface="Arial Regular" charset="0"/>
+                <a:ea typeface="Arial Regular" charset="0"/>
+                <a:cs typeface="Arial Regular" charset="0"/>
                 <a:sym typeface="Cabin"/>
               </a:rPr>
               <a:t>Starting at the beginning of the line, </a:t>
             </a:r>
             <a:r>
-              <a:rPr lang="en-US" sz="3600" b="0" i="0" u="none" strike="noStrike" cap="none">
+              <a:rPr lang="en-US" sz="3600" u="none" strike="noStrike" cap="none">
                 <a:solidFill>
                   <a:srgbClr val="FF00FF"/>
                 </a:solidFill>
-                <a:latin typeface="Cabin"/>
-                <a:ea typeface="Cabin"/>
-                <a:cs typeface="Cabin"/>
+                <a:latin typeface="Arial Regular" charset="0"/>
+                <a:ea typeface="Arial Regular" charset="0"/>
+                <a:cs typeface="Arial Regular" charset="0"/>
                 <a:sym typeface="Cabin"/>
               </a:rPr>
               <a:t>look for the string 'From ' </a:t>
@@ -35236,13 +35236,13 @@
               <a:buNone/>
             </a:pPr>
             <a:r>
-              <a:rPr lang="en-US" sz="7600" b="1" i="0" u="none" strike="noStrike" cap="none">
+              <a:rPr lang="en-US" sz="7600" u="none" strike="noStrike" cap="none">
                 <a:solidFill>
                   <a:srgbClr val="FFD966"/>
                 </a:solidFill>
-                <a:latin typeface="Cabin"/>
-                <a:ea typeface="Cabin"/>
-                <a:cs typeface="Cabin"/>
+                <a:latin typeface="Arial Regular" charset="0"/>
+                <a:ea typeface="Arial Regular" charset="0"/>
+                <a:cs typeface="Arial Regular" charset="0"/>
                 <a:sym typeface="Cabin"/>
               </a:rPr>
               <a:t>Even Cooler Regex Version</a:t>
@@ -35386,25 +35386,25 @@
               <a:buNone/>
             </a:pPr>
             <a:r>
-              <a:rPr lang="en-US" sz="3600" b="0" i="0" u="none" strike="noStrike" cap="none">
+              <a:rPr lang="en-US" sz="3600" u="none" strike="noStrike" cap="none">
                 <a:solidFill>
                   <a:srgbClr val="00FF00"/>
                 </a:solidFill>
-                <a:latin typeface="Cabin"/>
-                <a:ea typeface="Cabin"/>
-                <a:cs typeface="Cabin"/>
+                <a:latin typeface="Arial Regular" charset="0"/>
+                <a:ea typeface="Arial Regular" charset="0"/>
+                <a:cs typeface="Arial Regular" charset="0"/>
                 <a:sym typeface="Cabin"/>
               </a:rPr>
               <a:t>Skip a bunch of characters, </a:t>
             </a:r>
             <a:r>
-              <a:rPr lang="en-US" sz="3600" b="0" i="0" u="none" strike="noStrike" cap="none">
+              <a:rPr lang="en-US" sz="3600" u="none" strike="noStrike" cap="none">
                 <a:solidFill>
                   <a:srgbClr val="FF00FF"/>
                 </a:solidFill>
-                <a:latin typeface="Cabin"/>
-                <a:ea typeface="Cabin"/>
-                <a:cs typeface="Cabin"/>
+                <a:latin typeface="Arial Regular" charset="0"/>
+                <a:ea typeface="Arial Regular" charset="0"/>
+                <a:cs typeface="Arial Regular" charset="0"/>
                 <a:sym typeface="Cabin"/>
               </a:rPr>
               <a:t>looking for an at</a:t>
@@ -35414,21 +35414,21 @@
                 <a:solidFill>
                   <a:srgbClr val="FF00FF"/>
                 </a:solidFill>
-                <a:latin typeface="Cabin"/>
-                <a:ea typeface="Cabin"/>
-                <a:cs typeface="Cabin"/>
+                <a:latin typeface="Arial Regular" charset="0"/>
+                <a:ea typeface="Arial Regular" charset="0"/>
+                <a:cs typeface="Arial Regular" charset="0"/>
                 <a:sym typeface="Cabin"/>
               </a:rPr>
               <a:t> </a:t>
             </a:r>
             <a:r>
-              <a:rPr lang="en-US" sz="3600" b="0" i="0" u="none" strike="noStrike" cap="none">
+              <a:rPr lang="en-US" sz="3600" u="none" strike="noStrike" cap="none">
                 <a:solidFill>
                   <a:srgbClr val="FF00FF"/>
                 </a:solidFill>
-                <a:latin typeface="Cabin"/>
-                <a:ea typeface="Cabin"/>
-                <a:cs typeface="Cabin"/>
+                <a:latin typeface="Arial Regular" charset="0"/>
+                <a:ea typeface="Arial Regular" charset="0"/>
+                <a:cs typeface="Arial Regular" charset="0"/>
                 <a:sym typeface="Cabin"/>
               </a:rPr>
               <a:t>sign</a:t>
@@ -35870,13 +35870,13 @@
               <a:buNone/>
             </a:pPr>
             <a:r>
-              <a:rPr lang="en-US" sz="7600" b="1" i="0" u="none" strike="noStrike" cap="none">
+              <a:rPr lang="en-US" sz="7600" u="none" strike="noStrike" cap="none">
                 <a:solidFill>
                   <a:srgbClr val="FFD966"/>
                 </a:solidFill>
-                <a:latin typeface="Cabin"/>
-                <a:ea typeface="Cabin"/>
-                <a:cs typeface="Cabin"/>
+                <a:latin typeface="Arial Regular" charset="0"/>
+                <a:ea typeface="Arial Regular" charset="0"/>
+                <a:cs typeface="Arial Regular" charset="0"/>
                 <a:sym typeface="Cabin"/>
               </a:rPr>
               <a:t>Even Cooler Regex Version</a:t>
@@ -36008,13 +36008,13 @@
               <a:buNone/>
             </a:pPr>
             <a:r>
-              <a:rPr lang="en-US" sz="3600" b="0" i="0" u="none" strike="noStrike" cap="none">
+              <a:rPr lang="en-US" sz="3600" u="none" strike="noStrike" cap="none">
                 <a:solidFill>
                   <a:srgbClr val="00FF00"/>
                 </a:solidFill>
-                <a:latin typeface="Cabin"/>
-                <a:ea typeface="Cabin"/>
-                <a:cs typeface="Cabin"/>
+                <a:latin typeface="Arial Regular" charset="0"/>
+                <a:ea typeface="Arial Regular" charset="0"/>
+                <a:cs typeface="Arial Regular" charset="0"/>
                 <a:sym typeface="Cabin"/>
               </a:rPr>
               <a:t>Start extracting</a:t>
@@ -36430,13 +36430,13 @@
               <a:buNone/>
             </a:pPr>
             <a:r>
-              <a:rPr lang="en-US" sz="7600" b="1" i="0" u="none" strike="noStrike" cap="none">
+              <a:rPr lang="en-US" sz="7600" u="none" strike="noStrike" cap="none">
                 <a:solidFill>
                   <a:srgbClr val="FFD966"/>
                 </a:solidFill>
-                <a:latin typeface="Cabin"/>
-                <a:ea typeface="Cabin"/>
-                <a:cs typeface="Cabin"/>
+                <a:latin typeface="Arial Regular" charset="0"/>
+                <a:ea typeface="Arial Regular" charset="0"/>
+                <a:cs typeface="Arial Regular" charset="0"/>
                 <a:sym typeface="Cabin"/>
               </a:rPr>
               <a:t>Even Cooler Regex Version</a:t>
@@ -36580,37 +36580,37 @@
               <a:buNone/>
             </a:pPr>
             <a:r>
-              <a:rPr lang="en-US" sz="3600" b="0" i="0" u="none" strike="noStrike" cap="none">
+              <a:rPr lang="en-US" sz="3600" u="none" strike="noStrike" cap="none">
                 <a:solidFill>
                   <a:srgbClr val="FF00FF"/>
                 </a:solidFill>
-                <a:latin typeface="Cabin"/>
-                <a:ea typeface="Cabin"/>
-                <a:cs typeface="Cabin"/>
+                <a:latin typeface="Arial Regular" charset="0"/>
+                <a:ea typeface="Arial Regular" charset="0"/>
+                <a:cs typeface="Arial Regular" charset="0"/>
                 <a:sym typeface="Cabin"/>
               </a:rPr>
               <a:t>Match</a:t>
             </a:r>
             <a:r>
-              <a:rPr lang="en-US" sz="3600" b="0" i="0" u="none" strike="noStrike" cap="none">
+              <a:rPr lang="en-US" sz="3600" u="none" strike="noStrike" cap="none">
                 <a:solidFill>
                   <a:srgbClr val="00FF00"/>
                 </a:solidFill>
-                <a:latin typeface="Cabin"/>
-                <a:ea typeface="Cabin"/>
-                <a:cs typeface="Cabin"/>
+                <a:latin typeface="Arial Regular" charset="0"/>
+                <a:ea typeface="Arial Regular" charset="0"/>
+                <a:cs typeface="Arial Regular" charset="0"/>
                 <a:sym typeface="Cabin"/>
               </a:rPr>
               <a:t> </a:t>
             </a:r>
             <a:r>
-              <a:rPr lang="en-US" sz="3600" b="0" i="0" u="none" strike="noStrike" cap="none">
+              <a:rPr lang="en-US" sz="3600" u="none" strike="noStrike" cap="none">
                 <a:solidFill>
                   <a:srgbClr val="FF00FF"/>
                 </a:solidFill>
-                <a:latin typeface="Cabin"/>
-                <a:ea typeface="Cabin"/>
-                <a:cs typeface="Cabin"/>
+                <a:latin typeface="Arial Regular" charset="0"/>
+                <a:ea typeface="Arial Regular" charset="0"/>
+                <a:cs typeface="Arial Regular" charset="0"/>
                 <a:sym typeface="Cabin"/>
               </a:rPr>
               <a:t>non-blank character</a:t>
@@ -36739,13 +36739,13 @@
               <a:buNone/>
             </a:pPr>
             <a:r>
-              <a:rPr lang="en-US" sz="3600" b="0" i="0" u="none" strike="noStrike" cap="none">
+              <a:rPr lang="en-US" sz="3600" u="none" strike="noStrike" cap="none">
                 <a:solidFill>
                   <a:srgbClr val="00FF00"/>
                 </a:solidFill>
-                <a:latin typeface="Cabin"/>
-                <a:ea typeface="Cabin"/>
-                <a:cs typeface="Cabin"/>
+                <a:latin typeface="Arial Regular" charset="0"/>
+                <a:ea typeface="Arial Regular" charset="0"/>
+                <a:cs typeface="Arial Regular" charset="0"/>
                 <a:sym typeface="Cabin"/>
               </a:rPr>
               <a:t>Match many of them</a:t>
@@ -37135,13 +37135,13 @@
               <a:buNone/>
             </a:pPr>
             <a:r>
-              <a:rPr lang="en-US" sz="7800" b="1" i="0" u="none" strike="noStrike" cap="none">
+              <a:rPr lang="en-US" sz="7800" u="none" strike="noStrike" cap="none">
                 <a:solidFill>
                   <a:srgbClr val="FFD966"/>
                 </a:solidFill>
-                <a:latin typeface="Cabin"/>
-                <a:ea typeface="Cabin"/>
-                <a:cs typeface="Cabin"/>
+                <a:latin typeface="Arial Regular" charset="0"/>
+                <a:ea typeface="Arial Regular" charset="0"/>
+                <a:cs typeface="Arial Regular" charset="0"/>
                 <a:sym typeface="Cabin"/>
               </a:rPr>
               <a:t>Regular Expressions</a:t>
@@ -37192,13 +37192,13 @@
               <a:buNone/>
             </a:pPr>
             <a:r>
-              <a:rPr lang="en-US" sz="3800" b="0" i="0" u="none" strike="noStrike" cap="none">
+              <a:rPr lang="en-US" sz="3800" u="none" strike="noStrike" cap="none">
                 <a:solidFill>
                   <a:schemeClr val="lt1"/>
                 </a:solidFill>
-                <a:latin typeface="Cabin"/>
-                <a:ea typeface="Cabin"/>
-                <a:cs typeface="Cabin"/>
+                <a:latin typeface="Arial Regular" charset="0"/>
+                <a:ea typeface="Arial Regular" charset="0"/>
+                <a:cs typeface="Arial Regular" charset="0"/>
                 <a:sym typeface="Cabin"/>
               </a:rPr>
               <a:t>Really clever </a:t>
@@ -37208,21 +37208,21 @@
                 <a:solidFill>
                   <a:schemeClr val="lt1"/>
                 </a:solidFill>
-                <a:latin typeface="Cabin"/>
-                <a:ea typeface="Cabin"/>
-                <a:cs typeface="Cabin"/>
+                <a:latin typeface="Arial Regular" charset="0"/>
+                <a:ea typeface="Arial Regular" charset="0"/>
+                <a:cs typeface="Arial Regular" charset="0"/>
                 <a:sym typeface="Cabin"/>
               </a:rPr>
               <a:t>“</a:t>
             </a:r>
             <a:r>
-              <a:rPr lang="en-US" sz="3800" b="0" i="0" u="none" strike="noStrike" cap="none">
+              <a:rPr lang="en-US" sz="3800" u="none" strike="noStrike" cap="none">
                 <a:solidFill>
                   <a:schemeClr val="lt1"/>
                 </a:solidFill>
-                <a:latin typeface="Cabin"/>
-                <a:ea typeface="Cabin"/>
-                <a:cs typeface="Cabin"/>
+                <a:latin typeface="Arial Regular" charset="0"/>
+                <a:ea typeface="Arial Regular" charset="0"/>
+                <a:cs typeface="Arial Regular" charset="0"/>
                 <a:sym typeface="Cabin"/>
               </a:rPr>
               <a:t>wild card</a:t>
@@ -37232,21 +37232,21 @@
                 <a:solidFill>
                   <a:schemeClr val="lt1"/>
                 </a:solidFill>
-                <a:latin typeface="Cabin"/>
-                <a:ea typeface="Cabin"/>
-                <a:cs typeface="Cabin"/>
+                <a:latin typeface="Arial Regular" charset="0"/>
+                <a:ea typeface="Arial Regular" charset="0"/>
+                <a:cs typeface="Arial Regular" charset="0"/>
                 <a:sym typeface="Cabin"/>
               </a:rPr>
               <a:t>”</a:t>
             </a:r>
             <a:r>
-              <a:rPr lang="en-US" sz="3800" b="0" i="0" u="none" strike="noStrike" cap="none">
+              <a:rPr lang="en-US" sz="3800" u="none" strike="noStrike" cap="none">
                 <a:solidFill>
                   <a:schemeClr val="lt1"/>
                 </a:solidFill>
-                <a:latin typeface="Cabin"/>
-                <a:ea typeface="Cabin"/>
-                <a:cs typeface="Cabin"/>
+                <a:latin typeface="Arial Regular" charset="0"/>
+                <a:ea typeface="Arial Regular" charset="0"/>
+                <a:cs typeface="Arial Regular" charset="0"/>
                 <a:sym typeface="Cabin"/>
               </a:rPr>
               <a:t> expressions for matching and parsing strings</a:t>
@@ -37297,13 +37297,13 @@
               <a:buNone/>
             </a:pPr>
             <a:r>
-              <a:rPr lang="en-US" sz="3000" b="0" i="0" u="sng" strike="noStrike" cap="none">
+              <a:rPr lang="en-US" sz="3000" u="sng" strike="noStrike" cap="none">
                 <a:solidFill>
                   <a:srgbClr val="FFFF00"/>
                 </a:solidFill>
-                <a:latin typeface="Cabin"/>
-                <a:ea typeface="Cabin"/>
-                <a:cs typeface="Cabin"/>
+                <a:latin typeface="Arial Regular" charset="0"/>
+                <a:ea typeface="Arial Regular" charset="0"/>
+                <a:cs typeface="Arial Regular" charset="0"/>
                 <a:sym typeface="Cabin"/>
                 <a:hlinkClick r:id="rId3"/>
               </a:rPr>
@@ -37384,13 +37384,13 @@
               <a:buNone/>
             </a:pPr>
             <a:r>
-              <a:rPr lang="en-US" sz="7600" b="1" i="0" u="none" strike="noStrike" cap="none">
+              <a:rPr lang="en-US" sz="7600" u="none" strike="noStrike" cap="none">
                 <a:solidFill>
                   <a:srgbClr val="FFD966"/>
                 </a:solidFill>
-                <a:latin typeface="Cabin"/>
-                <a:ea typeface="Cabin"/>
-                <a:cs typeface="Cabin"/>
+                <a:latin typeface="Arial Regular" charset="0"/>
+                <a:ea typeface="Arial Regular" charset="0"/>
+                <a:cs typeface="Arial Regular" charset="0"/>
                 <a:sym typeface="Cabin"/>
               </a:rPr>
               <a:t>Even Cooler Regex Version</a:t>
@@ -37522,13 +37522,13 @@
               <a:buNone/>
             </a:pPr>
             <a:r>
-              <a:rPr lang="en-US" sz="3600" b="0" i="0" u="none" strike="noStrike" cap="none">
+              <a:rPr lang="en-US" sz="3600" u="none" strike="noStrike" cap="none">
                 <a:solidFill>
                   <a:srgbClr val="00FF00"/>
                 </a:solidFill>
-                <a:latin typeface="Cabin"/>
-                <a:ea typeface="Cabin"/>
-                <a:cs typeface="Cabin"/>
+                <a:latin typeface="Arial Regular" charset="0"/>
+                <a:ea typeface="Arial Regular" charset="0"/>
+                <a:cs typeface="Arial Regular" charset="0"/>
                 <a:sym typeface="Cabin"/>
               </a:rPr>
               <a:t>Stop extracting</a:t>
@@ -37944,13 +37944,13 @@
               <a:buNone/>
             </a:pPr>
             <a:r>
-              <a:rPr lang="en-US" sz="7600" b="1" i="0" u="none" strike="noStrike" cap="none">
+              <a:rPr lang="en-US" sz="7600" u="none" strike="noStrike" cap="none">
                 <a:solidFill>
                   <a:srgbClr val="FFD966"/>
                 </a:solidFill>
-                <a:latin typeface="Cabin"/>
-                <a:ea typeface="Cabin"/>
-                <a:cs typeface="Cabin"/>
+                <a:latin typeface="Arial Regular" charset="0"/>
+                <a:ea typeface="Arial Regular" charset="0"/>
+                <a:cs typeface="Arial Regular" charset="0"/>
                 <a:sym typeface="Cabin"/>
               </a:rPr>
               <a:t>Spam Confidence</a:t>
@@ -38515,21 +38515,21 @@
                 <a:solidFill>
                   <a:srgbClr val="FFFF00"/>
                 </a:solidFill>
-                <a:latin typeface="Cabin"/>
-                <a:ea typeface="Cabin"/>
-                <a:cs typeface="Cabin"/>
+                <a:latin typeface="Arial Regular" charset="0"/>
+                <a:ea typeface="Arial Regular" charset="0"/>
+                <a:cs typeface="Arial Regular" charset="0"/>
                 <a:sym typeface="Cabin"/>
               </a:rPr>
               <a:t> </a:t>
             </a:r>
             <a:r>
-              <a:rPr lang="en-US" sz="3900" b="0" i="0" u="none" strike="noStrike" cap="none">
+              <a:rPr lang="en-US" sz="3900" u="none" strike="noStrike" cap="none">
                 <a:solidFill>
                   <a:srgbClr val="FFFF00"/>
                 </a:solidFill>
-                <a:latin typeface="Cabin"/>
-                <a:ea typeface="Cabin"/>
-                <a:cs typeface="Cabin"/>
+                <a:latin typeface="Arial Regular" charset="0"/>
+                <a:ea typeface="Arial Regular" charset="0"/>
+                <a:cs typeface="Arial Regular" charset="0"/>
                 <a:sym typeface="Cabin"/>
               </a:rPr>
               <a:t>python ds.py </a:t>
@@ -38558,21 +38558,21 @@
                 <a:solidFill>
                   <a:schemeClr val="lt1"/>
                 </a:solidFill>
-                <a:latin typeface="Cabin"/>
-                <a:ea typeface="Cabin"/>
-                <a:cs typeface="Cabin"/>
+                <a:latin typeface="Arial Regular" charset="0"/>
+                <a:ea typeface="Arial Regular" charset="0"/>
+                <a:cs typeface="Arial Regular" charset="0"/>
                 <a:sym typeface="Cabin"/>
               </a:rPr>
               <a:t> </a:t>
             </a:r>
             <a:r>
-              <a:rPr lang="en-US" sz="3900" b="0" i="0" u="none" strike="noStrike" cap="none">
+              <a:rPr lang="en-US" sz="3900" u="none" strike="noStrike" cap="none">
                 <a:solidFill>
                   <a:schemeClr val="lt1"/>
                 </a:solidFill>
-                <a:latin typeface="Cabin"/>
-                <a:ea typeface="Cabin"/>
-                <a:cs typeface="Cabin"/>
+                <a:latin typeface="Arial Regular" charset="0"/>
+                <a:ea typeface="Arial Regular" charset="0"/>
+                <a:cs typeface="Arial Regular" charset="0"/>
                 <a:sym typeface="Cabin"/>
               </a:rPr>
               <a:t>Maximum: 0.9907</a:t>
@@ -38698,13 +38698,13 @@
               <a:buNone/>
             </a:pPr>
             <a:r>
-              <a:rPr lang="en-US" sz="7800" b="1" i="0" u="none" strike="noStrike" cap="none">
+              <a:rPr lang="en-US" sz="7800" u="none" strike="noStrike" cap="none">
                 <a:solidFill>
                   <a:srgbClr val="FFD966"/>
                 </a:solidFill>
-                <a:latin typeface="Cabin"/>
-                <a:ea typeface="Cabin"/>
-                <a:cs typeface="Cabin"/>
+                <a:latin typeface="Arial Regular" charset="0"/>
+                <a:ea typeface="Arial Regular" charset="0"/>
+                <a:cs typeface="Arial Regular" charset="0"/>
                 <a:sym typeface="Cabin"/>
               </a:rPr>
               <a:t>Escape Character</a:t>
@@ -38759,49 +38759,49 @@
               <a:buChar char="•"/>
             </a:pPr>
             <a:r>
-              <a:rPr lang="en-US" sz="3600" b="0" i="0" u="none" strike="noStrike" cap="none">
+              <a:rPr lang="en-US" sz="3600" u="none" strike="noStrike" cap="none">
                 <a:solidFill>
                   <a:schemeClr val="lt1"/>
                 </a:solidFill>
-                <a:latin typeface="Cabin"/>
-                <a:ea typeface="Cabin"/>
-                <a:cs typeface="Cabin"/>
+                <a:latin typeface="Arial Regular" charset="0"/>
+                <a:ea typeface="Arial Regular" charset="0"/>
+                <a:cs typeface="Arial Regular" charset="0"/>
                 <a:sym typeface="Cabin"/>
               </a:rPr>
               <a:t>If you want a special regular expression character to just behave </a:t>
             </a:r>
             <a:r>
-              <a:rPr lang="en-US" sz="3600" b="0" i="0" u="none" strike="noStrike" cap="none">
+              <a:rPr lang="en-US" sz="3600" u="none" strike="noStrike" cap="none">
                 <a:solidFill>
                   <a:srgbClr val="FFFF00"/>
                 </a:solidFill>
-                <a:latin typeface="Cabin"/>
-                <a:ea typeface="Cabin"/>
-                <a:cs typeface="Cabin"/>
+                <a:latin typeface="Arial Regular" charset="0"/>
+                <a:ea typeface="Arial Regular" charset="0"/>
+                <a:cs typeface="Arial Regular" charset="0"/>
                 <a:sym typeface="Cabin"/>
               </a:rPr>
               <a:t>normally</a:t>
             </a:r>
             <a:r>
-              <a:rPr lang="en-US" sz="3600" b="0" i="0" u="none" strike="noStrike" cap="none">
+              <a:rPr lang="en-US" sz="3600" u="none" strike="noStrike" cap="none">
                 <a:solidFill>
                   <a:schemeClr val="lt1"/>
                 </a:solidFill>
-                <a:latin typeface="Cabin"/>
-                <a:ea typeface="Cabin"/>
-                <a:cs typeface="Cabin"/>
+                <a:latin typeface="Arial Regular" charset="0"/>
+                <a:ea typeface="Arial Regular" charset="0"/>
+                <a:cs typeface="Arial Regular" charset="0"/>
                 <a:sym typeface="Cabin"/>
               </a:rPr>
               <a:t> (most of the time) you prefix it with </a:t>
             </a:r>
             <a:r>
-              <a:rPr lang="en-US" sz="3600" b="0" i="0" u="none" strike="noStrike" cap="none">
+              <a:rPr lang="en-US" sz="3600" u="none" strike="noStrike" cap="none">
                 <a:solidFill>
                   <a:srgbClr val="FFFF00"/>
                 </a:solidFill>
-                <a:latin typeface="Cabin"/>
-                <a:ea typeface="Cabin"/>
-                <a:cs typeface="Cabin"/>
+                <a:latin typeface="Arial Regular" charset="0"/>
+                <a:ea typeface="Arial Regular" charset="0"/>
+                <a:cs typeface="Arial Regular" charset="0"/>
                 <a:sym typeface="Cabin"/>
               </a:rPr>
               <a:t>'\'</a:t>
@@ -39186,13 +39186,13 @@
               <a:buNone/>
             </a:pPr>
             <a:r>
-              <a:rPr lang="en-US" sz="3800" b="0" i="0" u="none" strike="noStrike" cap="none">
+              <a:rPr lang="en-US" sz="3800" u="none" strike="noStrike" cap="none">
                 <a:solidFill>
                   <a:srgbClr val="00FF00"/>
                 </a:solidFill>
-                <a:latin typeface="Cabin"/>
-                <a:ea typeface="Cabin"/>
-                <a:cs typeface="Cabin"/>
+                <a:latin typeface="Arial Regular" charset="0"/>
+                <a:ea typeface="Arial Regular" charset="0"/>
+                <a:cs typeface="Arial Regular" charset="0"/>
                 <a:sym typeface="Cabin"/>
               </a:rPr>
               <a:t>A digit or period</a:t>
@@ -39243,13 +39243,13 @@
               <a:buNone/>
             </a:pPr>
             <a:r>
-              <a:rPr lang="en-US" sz="3800" b="0" i="0" u="none" strike="noStrike" cap="none">
+              <a:rPr lang="en-US" sz="3800" u="none" strike="noStrike" cap="none">
                 <a:solidFill>
                   <a:srgbClr val="FFFF00"/>
                 </a:solidFill>
-                <a:latin typeface="Cabin"/>
-                <a:ea typeface="Cabin"/>
-                <a:cs typeface="Cabin"/>
+                <a:latin typeface="Arial Regular" charset="0"/>
+                <a:ea typeface="Arial Regular" charset="0"/>
+                <a:cs typeface="Arial Regular" charset="0"/>
                 <a:sym typeface="Cabin"/>
               </a:rPr>
               <a:t>A real dollar sign</a:t>
@@ -39378,13 +39378,13 @@
               <a:buNone/>
             </a:pPr>
             <a:r>
-              <a:rPr lang="en-US" sz="3800" b="0" i="0" u="none" strike="noStrike" cap="none">
+              <a:rPr lang="en-US" sz="3800" u="none" strike="noStrike" cap="none">
                 <a:solidFill>
                   <a:srgbClr val="FF7F00"/>
                 </a:solidFill>
-                <a:latin typeface="Cabin"/>
-                <a:ea typeface="Cabin"/>
-                <a:cs typeface="Cabin"/>
+                <a:latin typeface="Arial Regular" charset="0"/>
+                <a:ea typeface="Arial Regular" charset="0"/>
+                <a:cs typeface="Arial Regular" charset="0"/>
                 <a:sym typeface="Cabin"/>
               </a:rPr>
               <a:t>At least one or more</a:t>
@@ -39490,13 +39490,13 @@
               <a:buNone/>
             </a:pPr>
             <a:r>
-              <a:rPr lang="en-US" sz="7800" b="1" i="0" u="none" strike="noStrike" cap="none">
+              <a:rPr lang="en-US" sz="7800" u="none" strike="noStrike" cap="none">
                 <a:solidFill>
                   <a:srgbClr val="FFD966"/>
                 </a:solidFill>
-                <a:latin typeface="Cabin"/>
-                <a:ea typeface="Cabin"/>
-                <a:cs typeface="Cabin"/>
+                <a:latin typeface="Arial Regular" charset="0"/>
+                <a:ea typeface="Arial Regular" charset="0"/>
+                <a:cs typeface="Arial Regular" charset="0"/>
                 <a:sym typeface="Cabin"/>
               </a:rPr>
               <a:t>Summary</a:t>
@@ -39551,13 +39551,13 @@
               <a:buChar char="•"/>
             </a:pPr>
             <a:r>
-              <a:rPr lang="en-US" sz="3600" b="0" i="0" u="none" strike="noStrike" cap="none">
+              <a:rPr lang="en-US" sz="3600" u="none" strike="noStrike" cap="none">
                 <a:solidFill>
                   <a:schemeClr val="lt1"/>
                 </a:solidFill>
-                <a:latin typeface="Cabin"/>
-                <a:ea typeface="Cabin"/>
-                <a:cs typeface="Cabin"/>
+                <a:latin typeface="Arial Regular" charset="0"/>
+                <a:ea typeface="Arial Regular" charset="0"/>
+                <a:cs typeface="Arial Regular" charset="0"/>
                 <a:sym typeface="Cabin"/>
               </a:rPr>
               <a:t>Regular expressions are a cryptic but powerful language for matching strings and extracting elements from those strings</a:t>
@@ -39582,13 +39582,13 @@
               <a:buChar char="•"/>
             </a:pPr>
             <a:r>
-              <a:rPr lang="en-US" sz="3600" b="0" i="0" u="none" strike="noStrike" cap="none">
+              <a:rPr lang="en-US" sz="3600" u="none" strike="noStrike" cap="none">
                 <a:solidFill>
                   <a:schemeClr val="lt1"/>
                 </a:solidFill>
-                <a:latin typeface="Cabin"/>
-                <a:ea typeface="Cabin"/>
-                <a:cs typeface="Cabin"/>
+                <a:latin typeface="Arial Regular" charset="0"/>
+                <a:ea typeface="Arial Regular" charset="0"/>
+                <a:cs typeface="Arial Regular" charset="0"/>
                 <a:sym typeface="Cabin"/>
               </a:rPr>
               <a:t>Regular expressions have special characters that indicate intent</a:t>
@@ -40023,13 +40023,13 @@
               <a:buNone/>
             </a:pPr>
             <a:r>
-              <a:rPr lang="en-US" sz="3800" b="0" i="0" u="none" strike="noStrike" cap="none">
+              <a:rPr lang="en-US" sz="3800" u="none" strike="noStrike" cap="none">
                 <a:solidFill>
                   <a:srgbClr val="FFD966"/>
                 </a:solidFill>
-                <a:latin typeface="Cabin"/>
-                <a:ea typeface="Cabin"/>
-                <a:cs typeface="Cabin"/>
+                <a:latin typeface="Arial Regular" charset="0"/>
+                <a:ea typeface="Arial Regular" charset="0"/>
+                <a:cs typeface="Arial Regular" charset="0"/>
                 <a:sym typeface="Cabin"/>
               </a:rPr>
               <a:t>Really smart "Find" or "Search"</a:t>
@@ -40155,13 +40155,13 @@
               <a:buNone/>
             </a:pPr>
             <a:r>
-              <a:rPr lang="en-US" sz="7800" b="1" i="0" u="none" strike="noStrike" cap="none">
+              <a:rPr lang="en-US" sz="7800" u="none" strike="noStrike" cap="none">
                 <a:solidFill>
                   <a:srgbClr val="FFD966"/>
                 </a:solidFill>
-                <a:latin typeface="Cabin"/>
-                <a:ea typeface="Cabin"/>
-                <a:cs typeface="Cabin"/>
+                <a:latin typeface="Arial Regular" charset="0"/>
+                <a:ea typeface="Arial Regular" charset="0"/>
+                <a:cs typeface="Arial Regular" charset="0"/>
                 <a:sym typeface="Cabin"/>
               </a:rPr>
               <a:t>Understanding Regular Expressions</a:t>
@@ -40216,13 +40216,13 @@
               <a:buChar char="•"/>
             </a:pPr>
             <a:r>
-              <a:rPr lang="en-US" sz="3600" b="0" i="0" u="none" strike="noStrike" cap="none">
+              <a:rPr lang="en-US" sz="3600" u="none" strike="noStrike" cap="none">
                 <a:solidFill>
                   <a:schemeClr val="lt1"/>
                 </a:solidFill>
-                <a:latin typeface="Cabin"/>
-                <a:ea typeface="Cabin"/>
-                <a:cs typeface="Cabin"/>
+                <a:latin typeface="Arial Regular" charset="0"/>
+                <a:ea typeface="Arial Regular" charset="0"/>
+                <a:cs typeface="Arial Regular" charset="0"/>
                 <a:sym typeface="Cabin"/>
               </a:rPr>
               <a:t>Very powerful and quite cryptic</a:t>
@@ -40247,13 +40247,13 @@
               <a:buChar char="•"/>
             </a:pPr>
             <a:r>
-              <a:rPr lang="en-US" sz="3600" b="0" i="0" u="none" strike="noStrike" cap="none">
+              <a:rPr lang="en-US" sz="3600" u="none" strike="noStrike" cap="none">
                 <a:solidFill>
                   <a:schemeClr val="lt1"/>
                 </a:solidFill>
-                <a:latin typeface="Cabin"/>
-                <a:ea typeface="Cabin"/>
-                <a:cs typeface="Cabin"/>
+                <a:latin typeface="Arial Regular" charset="0"/>
+                <a:ea typeface="Arial Regular" charset="0"/>
+                <a:cs typeface="Arial Regular" charset="0"/>
                 <a:sym typeface="Cabin"/>
               </a:rPr>
               <a:t>Fun once you understand them</a:t>
@@ -40278,13 +40278,13 @@
               <a:buChar char="•"/>
             </a:pPr>
             <a:r>
-              <a:rPr lang="en-US" sz="3600" b="0" i="0" u="none" strike="noStrike" cap="none">
+              <a:rPr lang="en-US" sz="3600" u="none" strike="noStrike" cap="none">
                 <a:solidFill>
                   <a:schemeClr val="lt1"/>
                 </a:solidFill>
-                <a:latin typeface="Cabin"/>
-                <a:ea typeface="Cabin"/>
-                <a:cs typeface="Cabin"/>
+                <a:latin typeface="Arial Regular" charset="0"/>
+                <a:ea typeface="Arial Regular" charset="0"/>
+                <a:cs typeface="Arial Regular" charset="0"/>
                 <a:sym typeface="Cabin"/>
               </a:rPr>
               <a:t>Regular expressions are a language unto themselves</a:t>
@@ -40309,13 +40309,13 @@
               <a:buChar char="•"/>
             </a:pPr>
             <a:r>
-              <a:rPr lang="en-US" sz="3600" b="0" i="0" u="none" strike="noStrike" cap="none">
+              <a:rPr lang="en-US" sz="3600" u="none" strike="noStrike" cap="none">
                 <a:solidFill>
                   <a:schemeClr val="lt1"/>
                 </a:solidFill>
-                <a:latin typeface="Cabin"/>
-                <a:ea typeface="Cabin"/>
-                <a:cs typeface="Cabin"/>
+                <a:latin typeface="Arial Regular" charset="0"/>
+                <a:ea typeface="Arial Regular" charset="0"/>
+                <a:cs typeface="Arial Regular" charset="0"/>
                 <a:sym typeface="Cabin"/>
               </a:rPr>
               <a:t>A language of </a:t>
@@ -40325,21 +40325,21 @@
                 <a:solidFill>
                   <a:schemeClr val="lt1"/>
                 </a:solidFill>
-                <a:latin typeface="Cabin"/>
-                <a:ea typeface="Cabin"/>
-                <a:cs typeface="Cabin"/>
+                <a:latin typeface="Arial Regular" charset="0"/>
+                <a:ea typeface="Arial Regular" charset="0"/>
+                <a:cs typeface="Arial Regular" charset="0"/>
                 <a:sym typeface="Cabin"/>
               </a:rPr>
               <a:t>“</a:t>
             </a:r>
             <a:r>
-              <a:rPr lang="en-US" sz="3600" b="0" i="0" u="none" strike="noStrike" cap="none">
+              <a:rPr lang="en-US" sz="3600" u="none" strike="noStrike" cap="none">
                 <a:solidFill>
                   <a:schemeClr val="lt1"/>
                 </a:solidFill>
-                <a:latin typeface="Cabin"/>
-                <a:ea typeface="Cabin"/>
-                <a:cs typeface="Cabin"/>
+                <a:latin typeface="Arial Regular" charset="0"/>
+                <a:ea typeface="Arial Regular" charset="0"/>
+                <a:cs typeface="Arial Regular" charset="0"/>
                 <a:sym typeface="Cabin"/>
               </a:rPr>
               <a:t>marker characters</a:t>
@@ -40349,21 +40349,21 @@
                 <a:solidFill>
                   <a:schemeClr val="lt1"/>
                 </a:solidFill>
-                <a:latin typeface="Cabin"/>
-                <a:ea typeface="Cabin"/>
-                <a:cs typeface="Cabin"/>
+                <a:latin typeface="Arial Regular" charset="0"/>
+                <a:ea typeface="Arial Regular" charset="0"/>
+                <a:cs typeface="Arial Regular" charset="0"/>
                 <a:sym typeface="Cabin"/>
               </a:rPr>
               <a:t>”</a:t>
             </a:r>
             <a:r>
-              <a:rPr lang="en-US" sz="3600" b="0" i="0" u="none" strike="noStrike" cap="none">
+              <a:rPr lang="en-US" sz="3600" u="none" strike="noStrike" cap="none">
                 <a:solidFill>
                   <a:schemeClr val="lt1"/>
                 </a:solidFill>
-                <a:latin typeface="Cabin"/>
-                <a:ea typeface="Cabin"/>
-                <a:cs typeface="Cabin"/>
+                <a:latin typeface="Arial Regular" charset="0"/>
+                <a:ea typeface="Arial Regular" charset="0"/>
+                <a:cs typeface="Arial Regular" charset="0"/>
                 <a:sym typeface="Cabin"/>
               </a:rPr>
               <a:t> - programming with characters</a:t>
@@ -40388,13 +40388,13 @@
               <a:buChar char="•"/>
             </a:pPr>
             <a:r>
-              <a:rPr lang="en-US" sz="3600" b="0" i="0" u="none" strike="noStrike" cap="none">
+              <a:rPr lang="en-US" sz="3600" u="none" strike="noStrike" cap="none">
                 <a:solidFill>
                   <a:schemeClr val="lt1"/>
                 </a:solidFill>
-                <a:latin typeface="Cabin"/>
-                <a:ea typeface="Cabin"/>
-                <a:cs typeface="Cabin"/>
+                <a:latin typeface="Arial Regular" charset="0"/>
+                <a:ea typeface="Arial Regular" charset="0"/>
+                <a:cs typeface="Arial Regular" charset="0"/>
                 <a:sym typeface="Cabin"/>
               </a:rPr>
               <a:t>It is kind of an </a:t>
@@ -40404,21 +40404,21 @@
                 <a:solidFill>
                   <a:schemeClr val="lt1"/>
                 </a:solidFill>
-                <a:latin typeface="Cabin"/>
-                <a:ea typeface="Cabin"/>
-                <a:cs typeface="Cabin"/>
+                <a:latin typeface="Arial Regular" charset="0"/>
+                <a:ea typeface="Arial Regular" charset="0"/>
+                <a:cs typeface="Arial Regular" charset="0"/>
                 <a:sym typeface="Cabin"/>
               </a:rPr>
               <a:t>“</a:t>
             </a:r>
             <a:r>
-              <a:rPr lang="en-US" sz="3600" b="0" i="0" u="none" strike="noStrike" cap="none">
+              <a:rPr lang="en-US" sz="3600" u="none" strike="noStrike" cap="none">
                 <a:solidFill>
                   <a:schemeClr val="lt1"/>
                 </a:solidFill>
-                <a:latin typeface="Cabin"/>
-                <a:ea typeface="Cabin"/>
-                <a:cs typeface="Cabin"/>
+                <a:latin typeface="Arial Regular" charset="0"/>
+                <a:ea typeface="Arial Regular" charset="0"/>
+                <a:cs typeface="Arial Regular" charset="0"/>
                 <a:sym typeface="Cabin"/>
               </a:rPr>
               <a:t>old school</a:t>
@@ -40428,21 +40428,21 @@
                 <a:solidFill>
                   <a:schemeClr val="lt1"/>
                 </a:solidFill>
-                <a:latin typeface="Cabin"/>
-                <a:ea typeface="Cabin"/>
-                <a:cs typeface="Cabin"/>
+                <a:latin typeface="Arial Regular" charset="0"/>
+                <a:ea typeface="Arial Regular" charset="0"/>
+                <a:cs typeface="Arial Regular" charset="0"/>
                 <a:sym typeface="Cabin"/>
               </a:rPr>
               <a:t>”</a:t>
             </a:r>
             <a:r>
-              <a:rPr lang="en-US" sz="3600" b="0" i="0" u="none" strike="noStrike" cap="none">
+              <a:rPr lang="en-US" sz="3600" u="none" strike="noStrike" cap="none">
                 <a:solidFill>
                   <a:schemeClr val="lt1"/>
                 </a:solidFill>
-                <a:latin typeface="Cabin"/>
-                <a:ea typeface="Cabin"/>
-                <a:cs typeface="Cabin"/>
+                <a:latin typeface="Arial Regular" charset="0"/>
+                <a:ea typeface="Arial Regular" charset="0"/>
+                <a:cs typeface="Arial Regular" charset="0"/>
                 <a:sym typeface="Cabin"/>
               </a:rPr>
               <a:t> language - compact</a:t>
@@ -40545,13 +40545,13 @@
               <a:buNone/>
             </a:pPr>
             <a:r>
-              <a:rPr lang="en-US" sz="3800" b="0" i="0" u="sng" strike="noStrike" cap="none">
+              <a:rPr lang="en-US" sz="3800" u="sng" strike="noStrike" cap="none">
                 <a:solidFill>
                   <a:srgbClr val="FFD966"/>
                 </a:solidFill>
-                <a:latin typeface="Cabin"/>
-                <a:ea typeface="Cabin"/>
-                <a:cs typeface="Cabin"/>
+                <a:latin typeface="Arial Regular" charset="0"/>
+                <a:ea typeface="Arial Regular" charset="0"/>
+                <a:cs typeface="Arial Regular" charset="0"/>
                 <a:sym typeface="Cabin"/>
                 <a:hlinkClick r:id="rId4"/>
               </a:rPr>
@@ -40632,13 +40632,13 @@
               <a:buNone/>
             </a:pPr>
             <a:r>
-              <a:rPr lang="en-US" sz="7800" b="1" i="0" u="none" strike="noStrike" cap="none">
+              <a:rPr lang="en-US" sz="7800" u="none" strike="noStrike" cap="none">
                 <a:solidFill>
                   <a:srgbClr val="FFD966"/>
                 </a:solidFill>
-                <a:latin typeface="Cabin"/>
-                <a:ea typeface="Cabin"/>
-                <a:cs typeface="Cabin"/>
+                <a:latin typeface="Arial Regular" charset="0"/>
+                <a:ea typeface="Arial Regular" charset="0"/>
+                <a:cs typeface="Arial Regular" charset="0"/>
                 <a:sym typeface="Cabin"/>
               </a:rPr>
               <a:t>Regular Expression Quick Guide</a:t>
@@ -41658,13 +41658,13 @@
               <a:buNone/>
             </a:pPr>
             <a:r>
-              <a:rPr lang="en-US" sz="7600" b="1" i="0" u="none" strike="noStrike" cap="none">
+              <a:rPr lang="en-US" sz="7600" u="none" strike="noStrike" cap="none">
                 <a:solidFill>
                   <a:srgbClr val="FFD966"/>
                 </a:solidFill>
-                <a:latin typeface="Cabin"/>
-                <a:ea typeface="Cabin"/>
-                <a:cs typeface="Cabin"/>
+                <a:latin typeface="Arial Regular" charset="0"/>
+                <a:ea typeface="Arial Regular" charset="0"/>
+                <a:cs typeface="Arial Regular" charset="0"/>
                 <a:sym typeface="Cabin"/>
               </a:rPr>
               <a:t>The Regular Expression Module</a:t>
@@ -41719,37 +41719,37 @@
               <a:buChar char="•"/>
             </a:pPr>
             <a:r>
-              <a:rPr lang="en-US" sz="3600" b="0" i="0" u="none" strike="noStrike" cap="none">
+              <a:rPr lang="en-US" sz="3600" u="none" strike="noStrike" cap="none">
                 <a:solidFill>
                   <a:schemeClr val="lt1"/>
                 </a:solidFill>
-                <a:latin typeface="Cabin"/>
-                <a:ea typeface="Cabin"/>
-                <a:cs typeface="Cabin"/>
+                <a:latin typeface="Arial Regular" charset="0"/>
+                <a:ea typeface="Arial Regular" charset="0"/>
+                <a:cs typeface="Arial Regular" charset="0"/>
                 <a:sym typeface="Cabin"/>
               </a:rPr>
               <a:t>Before you can use regular expressions in your program, you must import the library using "</a:t>
             </a:r>
             <a:r>
-              <a:rPr lang="en-US" sz="3600" b="0" i="0" u="none" strike="noStrike" cap="none">
+              <a:rPr lang="en-US" sz="3600" u="none" strike="noStrike" cap="none">
                 <a:solidFill>
                   <a:srgbClr val="00FF00"/>
                 </a:solidFill>
-                <a:latin typeface="Cabin"/>
-                <a:ea typeface="Cabin"/>
-                <a:cs typeface="Cabin"/>
+                <a:latin typeface="Arial Regular" charset="0"/>
+                <a:ea typeface="Arial Regular" charset="0"/>
+                <a:cs typeface="Arial Regular" charset="0"/>
                 <a:sym typeface="Cabin"/>
               </a:rPr>
               <a:t>import re</a:t>
             </a:r>
             <a:r>
-              <a:rPr lang="en-US" sz="3600" b="0" i="0" u="none" strike="noStrike" cap="none">
+              <a:rPr lang="en-US" sz="3600" u="none" strike="noStrike" cap="none">
                 <a:solidFill>
                   <a:schemeClr val="lt1"/>
                 </a:solidFill>
-                <a:latin typeface="Cabin"/>
-                <a:ea typeface="Cabin"/>
-                <a:cs typeface="Cabin"/>
+                <a:latin typeface="Arial Regular" charset="0"/>
+                <a:ea typeface="Arial Regular" charset="0"/>
+                <a:cs typeface="Arial Regular" charset="0"/>
                 <a:sym typeface="Cabin"/>
               </a:rPr>
               <a:t>"</a:t>
@@ -41774,61 +41774,61 @@
               <a:buChar char="•"/>
             </a:pPr>
             <a:r>
-              <a:rPr lang="en-US" sz="3600" b="0" i="0" u="none" strike="noStrike" cap="none">
+              <a:rPr lang="en-US" sz="3600" u="none" strike="noStrike" cap="none">
                 <a:solidFill>
                   <a:schemeClr val="lt1"/>
                 </a:solidFill>
-                <a:latin typeface="Cabin"/>
-                <a:ea typeface="Cabin"/>
-                <a:cs typeface="Cabin"/>
+                <a:latin typeface="Arial Regular" charset="0"/>
+                <a:ea typeface="Arial Regular" charset="0"/>
+                <a:cs typeface="Arial Regular" charset="0"/>
                 <a:sym typeface="Cabin"/>
               </a:rPr>
               <a:t>You can use </a:t>
             </a:r>
             <a:r>
-              <a:rPr lang="en-US" sz="3600" b="0" i="0" u="none" strike="noStrike" cap="none">
+              <a:rPr lang="en-US" sz="3600" u="none" strike="noStrike" cap="none">
                 <a:solidFill>
                   <a:srgbClr val="00FF00"/>
                 </a:solidFill>
-                <a:latin typeface="Cabin"/>
-                <a:ea typeface="Cabin"/>
-                <a:cs typeface="Cabin"/>
+                <a:latin typeface="Arial Regular" charset="0"/>
+                <a:ea typeface="Arial Regular" charset="0"/>
+                <a:cs typeface="Arial Regular" charset="0"/>
                 <a:sym typeface="Cabin"/>
               </a:rPr>
               <a:t>re.search()</a:t>
             </a:r>
             <a:r>
-              <a:rPr lang="en-US" sz="3600" b="0" i="0" u="none" strike="noStrike" cap="none">
+              <a:rPr lang="en-US" sz="3600" u="none" strike="noStrike" cap="none">
                 <a:solidFill>
                   <a:schemeClr val="lt1"/>
                 </a:solidFill>
-                <a:latin typeface="Cabin"/>
-                <a:ea typeface="Cabin"/>
-                <a:cs typeface="Cabin"/>
+                <a:latin typeface="Arial Regular" charset="0"/>
+                <a:ea typeface="Arial Regular" charset="0"/>
+                <a:cs typeface="Arial Regular" charset="0"/>
                 <a:sym typeface="Cabin"/>
               </a:rPr>
               <a:t> to see if a string matches a regular expression,  similar to using the </a:t>
             </a:r>
             <a:r>
-              <a:rPr lang="en-US" sz="3600" b="0" i="0" u="none" strike="noStrike" cap="none">
+              <a:rPr lang="en-US" sz="3600" u="none" strike="noStrike" cap="none">
                 <a:solidFill>
                   <a:srgbClr val="FF00FF"/>
                 </a:solidFill>
-                <a:latin typeface="Cabin"/>
-                <a:ea typeface="Cabin"/>
-                <a:cs typeface="Cabin"/>
+                <a:latin typeface="Arial Regular" charset="0"/>
+                <a:ea typeface="Arial Regular" charset="0"/>
+                <a:cs typeface="Arial Regular" charset="0"/>
                 <a:sym typeface="Cabin"/>
               </a:rPr>
               <a:t>find() </a:t>
             </a:r>
             <a:r>
-              <a:rPr lang="en-US" sz="3600" b="0" i="0" u="none" strike="noStrike" cap="none">
+              <a:rPr lang="en-US" sz="3600" u="none" strike="noStrike" cap="none">
                 <a:solidFill>
                   <a:schemeClr val="lt1"/>
                 </a:solidFill>
-                <a:latin typeface="Cabin"/>
-                <a:ea typeface="Cabin"/>
-                <a:cs typeface="Cabin"/>
+                <a:latin typeface="Arial Regular" charset="0"/>
+                <a:ea typeface="Arial Regular" charset="0"/>
+                <a:cs typeface="Arial Regular" charset="0"/>
                 <a:sym typeface="Cabin"/>
               </a:rPr>
               <a:t>method for strings</a:t>
@@ -41853,85 +41853,85 @@
               <a:buChar char="•"/>
             </a:pPr>
             <a:r>
-              <a:rPr lang="en-US" sz="3600" b="0" i="0" u="none" strike="noStrike" cap="none">
+              <a:rPr lang="en-US" sz="3600" u="none" strike="noStrike" cap="none">
                 <a:solidFill>
                   <a:schemeClr val="lt1"/>
                 </a:solidFill>
-                <a:latin typeface="Cabin"/>
-                <a:ea typeface="Cabin"/>
-                <a:cs typeface="Cabin"/>
+                <a:latin typeface="Arial Regular" charset="0"/>
+                <a:ea typeface="Arial Regular" charset="0"/>
+                <a:cs typeface="Arial Regular" charset="0"/>
                 <a:sym typeface="Cabin"/>
               </a:rPr>
               <a:t>You can use </a:t>
             </a:r>
             <a:r>
-              <a:rPr lang="en-US" sz="3600" b="0" i="0" u="none" strike="noStrike" cap="none">
+              <a:rPr lang="en-US" sz="3600" u="none" strike="noStrike" cap="none">
                 <a:solidFill>
                   <a:srgbClr val="00FF00"/>
                 </a:solidFill>
-                <a:latin typeface="Cabin"/>
-                <a:ea typeface="Cabin"/>
-                <a:cs typeface="Cabin"/>
+                <a:latin typeface="Arial Regular" charset="0"/>
+                <a:ea typeface="Arial Regular" charset="0"/>
+                <a:cs typeface="Arial Regular" charset="0"/>
                 <a:sym typeface="Cabin"/>
               </a:rPr>
               <a:t>re.findall()</a:t>
             </a:r>
             <a:r>
-              <a:rPr lang="en-US" sz="3600" b="0" i="0" u="none" strike="noStrike" cap="none">
+              <a:rPr lang="en-US" sz="3600" u="none" strike="noStrike" cap="none">
                 <a:solidFill>
                   <a:schemeClr val="lt1"/>
                 </a:solidFill>
-                <a:latin typeface="Cabin"/>
-                <a:ea typeface="Cabin"/>
-                <a:cs typeface="Cabin"/>
+                <a:latin typeface="Arial Regular" charset="0"/>
+                <a:ea typeface="Arial Regular" charset="0"/>
+                <a:cs typeface="Arial Regular" charset="0"/>
                 <a:sym typeface="Cabin"/>
               </a:rPr>
               <a:t> extract portions of a string that match your regular expression similar to a combination of </a:t>
             </a:r>
             <a:r>
-              <a:rPr lang="en-US" sz="3600" b="0" i="0" u="none" strike="noStrike" cap="none">
+              <a:rPr lang="en-US" sz="3600" u="none" strike="noStrike" cap="none">
                 <a:solidFill>
                   <a:srgbClr val="FF00FF"/>
                 </a:solidFill>
-                <a:latin typeface="Cabin"/>
-                <a:ea typeface="Cabin"/>
-                <a:cs typeface="Cabin"/>
+                <a:latin typeface="Arial Regular" charset="0"/>
+                <a:ea typeface="Arial Regular" charset="0"/>
+                <a:cs typeface="Arial Regular" charset="0"/>
                 <a:sym typeface="Cabin"/>
               </a:rPr>
               <a:t>find()</a:t>
             </a:r>
             <a:r>
-              <a:rPr lang="en-US" sz="3600" b="0" i="0" u="none" strike="noStrike" cap="none">
+              <a:rPr lang="en-US" sz="3600" u="none" strike="noStrike" cap="none">
                 <a:solidFill>
                   <a:schemeClr val="lt1"/>
                 </a:solidFill>
-                <a:latin typeface="Cabin"/>
-                <a:ea typeface="Cabin"/>
-                <a:cs typeface="Cabin"/>
+                <a:latin typeface="Arial Regular" charset="0"/>
+                <a:ea typeface="Arial Regular" charset="0"/>
+                <a:cs typeface="Arial Regular" charset="0"/>
                 <a:sym typeface="Cabin"/>
               </a:rPr>
               <a:t> and slicing:       </a:t>
             </a:r>
             <a:r>
-              <a:rPr lang="en-US" sz="3600" b="0" i="0" u="none" strike="noStrike" cap="none">
+              <a:rPr lang="en-US" sz="3600" u="none" strike="noStrike" cap="none">
                 <a:solidFill>
                   <a:srgbClr val="FF00FF"/>
                 </a:solidFill>
-                <a:latin typeface="Cabin"/>
-                <a:ea typeface="Cabin"/>
-                <a:cs typeface="Cabin"/>
+                <a:latin typeface="Arial Regular" charset="0"/>
+                <a:ea typeface="Arial Regular" charset="0"/>
+                <a:cs typeface="Arial Regular" charset="0"/>
                 <a:sym typeface="Cabin"/>
               </a:rPr>
               <a:t>var[5:10]</a:t>
             </a:r>
             <a:r>
-              <a:rPr lang="en-US" sz="3600" b="0" i="0" u="none" strike="noStrike" cap="none">
+              <a:rPr lang="en-US" sz="3600" u="none" strike="noStrike" cap="none">
                 <a:solidFill>
                   <a:srgbClr val="FFFF00"/>
                 </a:solidFill>
-                <a:latin typeface="Cabin"/>
-                <a:ea typeface="Cabin"/>
-                <a:cs typeface="Cabin"/>
+                <a:latin typeface="Arial Regular" charset="0"/>
+                <a:ea typeface="Arial Regular" charset="0"/>
+                <a:cs typeface="Arial Regular" charset="0"/>
                 <a:sym typeface="Cabin"/>
               </a:rPr>
               <a:t> </a:t>
@@ -42011,49 +42011,49 @@
               <a:buNone/>
             </a:pPr>
             <a:r>
-              <a:rPr lang="en-US" sz="7600" b="1" i="0" u="none" strike="noStrike" cap="none">
+              <a:rPr lang="en-US" sz="7600" u="none" strike="noStrike" cap="none">
                 <a:solidFill>
                   <a:srgbClr val="FFD966"/>
                 </a:solidFill>
-                <a:latin typeface="Cabin"/>
-                <a:ea typeface="Cabin"/>
-                <a:cs typeface="Cabin"/>
+                <a:latin typeface="Arial Regular" charset="0"/>
+                <a:ea typeface="Arial Regular" charset="0"/>
+                <a:cs typeface="Arial Regular" charset="0"/>
                 <a:sym typeface="Cabin"/>
               </a:rPr>
               <a:t>Using </a:t>
             </a:r>
             <a:r>
-              <a:rPr lang="en-US" sz="7600" b="1" i="0" u="none" strike="noStrike" cap="none">
+              <a:rPr lang="en-US" sz="7600" u="none" strike="noStrike" cap="none">
                 <a:solidFill>
                   <a:srgbClr val="00FF00"/>
                 </a:solidFill>
-                <a:latin typeface="Cabin"/>
-                <a:ea typeface="Cabin"/>
-                <a:cs typeface="Cabin"/>
+                <a:latin typeface="Arial Regular" charset="0"/>
+                <a:ea typeface="Arial Regular" charset="0"/>
+                <a:cs typeface="Arial Regular" charset="0"/>
                 <a:sym typeface="Cabin"/>
               </a:rPr>
               <a:t>re.search()</a:t>
             </a:r>
             <a:r>
-              <a:rPr lang="en-US" sz="7600" b="1" i="0" u="none" strike="noStrike" cap="none">
+              <a:rPr lang="en-US" sz="7600" u="none" strike="noStrike" cap="none">
                 <a:solidFill>
                   <a:srgbClr val="FFD966"/>
                 </a:solidFill>
-                <a:latin typeface="Cabin"/>
-                <a:ea typeface="Cabin"/>
-                <a:cs typeface="Cabin"/>
+                <a:latin typeface="Arial Regular" charset="0"/>
+                <a:ea typeface="Arial Regular" charset="0"/>
+                <a:cs typeface="Arial Regular" charset="0"/>
                 <a:sym typeface="Cabin"/>
               </a:rPr>
               <a:t> like </a:t>
             </a:r>
             <a:r>
-              <a:rPr lang="en-US" sz="7600" b="1" i="0" u="none" strike="noStrike" cap="none">
+              <a:rPr lang="en-US" sz="7600" u="none" strike="noStrike" cap="none">
                 <a:solidFill>
                   <a:srgbClr val="FF00FF"/>
                 </a:solidFill>
-                <a:latin typeface="Cabin"/>
-                <a:ea typeface="Cabin"/>
-                <a:cs typeface="Cabin"/>
+                <a:latin typeface="Arial Regular" charset="0"/>
+                <a:ea typeface="Arial Regular" charset="0"/>
+                <a:cs typeface="Arial Regular" charset="0"/>
                 <a:sym typeface="Cabin"/>
               </a:rPr>
               <a:t>find()</a:t>

--- a/lectures3/Pythonlearn-11-Regex.pptx
+++ b/lectures3/Pythonlearn-11-Regex.pptx
@@ -4266,7 +4266,7 @@
 
 <file path=ppt/slideLayouts/slideLayout1.xml><?xml version="1.0" encoding="utf-8"?>
 <p:sldLayout xmlns:a="http://schemas.openxmlformats.org/drawingml/2006/main" xmlns:r="http://schemas.openxmlformats.org/officeDocument/2006/relationships" xmlns:p="http://schemas.openxmlformats.org/presentationml/2006/main" type="obj">
-  <p:cSld name="Title and Content">
+  <p:cSld name="Title Open">
     <p:spTree>
       <p:nvGrpSpPr>
         <p:cNvPr id="1" name="Shape 38"/>
@@ -4517,7 +4517,7 @@
 
 <file path=ppt/slideLayouts/slideLayout2.xml><?xml version="1.0" encoding="utf-8"?>
 <p:sldLayout xmlns:a="http://schemas.openxmlformats.org/drawingml/2006/main" xmlns:r="http://schemas.openxmlformats.org/officeDocument/2006/relationships" xmlns:p="http://schemas.openxmlformats.org/presentationml/2006/main" type="obj">
-  <p:cSld name="1_Title and Content">
+  <p:cSld name="Title and Content">
     <p:spTree>
       <p:nvGrpSpPr>
         <p:cNvPr id="1" name="Shape 155"/>
@@ -4544,8 +4544,8 @@
         </p:nvSpPr>
         <p:spPr>
           <a:xfrm>
-            <a:off x="1155700" y="241300"/>
-            <a:ext cx="13932000" cy="2298600"/>
+            <a:off x="1155700" y="814388"/>
+            <a:ext cx="13932000" cy="1725512"/>
           </a:xfrm>
           <a:prstGeom prst="rect">
             <a:avLst/>
@@ -4669,7 +4669,7 @@
           </a:ln>
         </p:spPr>
         <p:txBody>
-          <a:bodyPr lIns="91425" tIns="91425" rIns="91425" bIns="91425" anchor="ctr" anchorCtr="0"/>
+          <a:bodyPr lIns="91425" tIns="91425" rIns="91425" bIns="91425" anchor="t" anchorCtr="0"/>
           <a:lstStyle>
             <a:lvl1pPr marL="711200" lvl="0" indent="-142494" algn="l" rtl="0">
               <a:spcBef>
@@ -4683,7 +4683,7 @@
               </a:buClr>
               <a:buFont typeface="Cabin"/>
               <a:buChar char="•"/>
-              <a:defRPr/>
+              <a:defRPr sz="3200"/>
             </a:lvl1pPr>
             <a:lvl2pPr marL="1003300" lvl="1" indent="-142494" algn="l" rtl="0">
               <a:spcBef>
@@ -4799,11 +4799,184 @@
             </a:lvl9pPr>
           </a:lstStyle>
           <a:p>
-            <a:endParaRPr/>
+            <a:endParaRPr dirty="0"/>
           </a:p>
         </p:txBody>
       </p:sp>
     </p:spTree>
+  </p:cSld>
+  <p:clrMapOvr>
+    <a:masterClrMapping/>
+  </p:clrMapOvr>
+</p:sldLayout>
+</file>
+
+<file path=ppt/slideLayouts/slideLayout3.xml><?xml version="1.0" encoding="utf-8"?>
+<p:sldLayout xmlns:a="http://schemas.openxmlformats.org/drawingml/2006/main" xmlns:r="http://schemas.openxmlformats.org/officeDocument/2006/relationships" xmlns:p="http://schemas.openxmlformats.org/presentationml/2006/main" preserve="1" userDrawn="1">
+  <p:cSld name="Title">
+    <p:spTree>
+      <p:nvGrpSpPr>
+        <p:cNvPr id="1" name="Shape 155"/>
+        <p:cNvGrpSpPr/>
+        <p:nvPr/>
+      </p:nvGrpSpPr>
+      <p:grpSpPr>
+        <a:xfrm>
+          <a:off x="0" y="0"/>
+          <a:ext cx="0" cy="0"/>
+          <a:chOff x="0" y="0"/>
+          <a:chExt cx="0" cy="0"/>
+        </a:xfrm>
+      </p:grpSpPr>
+      <p:sp>
+        <p:nvSpPr>
+          <p:cNvPr id="156" name="Shape 156"/>
+          <p:cNvSpPr txBox="1">
+            <a:spLocks noGrp="1"/>
+          </p:cNvSpPr>
+          <p:nvPr>
+            <p:ph type="title"/>
+          </p:nvPr>
+        </p:nvSpPr>
+        <p:spPr>
+          <a:xfrm>
+            <a:off x="1155700" y="814388"/>
+            <a:ext cx="13932000" cy="1725512"/>
+          </a:xfrm>
+          <a:prstGeom prst="rect">
+            <a:avLst/>
+          </a:prstGeom>
+          <a:noFill/>
+          <a:ln>
+            <a:noFill/>
+          </a:ln>
+        </p:spPr>
+        <p:txBody>
+          <a:bodyPr lIns="91425" tIns="91425" rIns="91425" bIns="91425" anchor="ctr" anchorCtr="0"/>
+          <a:lstStyle>
+            <a:lvl1pPr lvl="0" algn="ctr" rtl="0">
+              <a:spcBef>
+                <a:spcPts val="0"/>
+              </a:spcBef>
+              <a:spcAft>
+                <a:spcPts val="0"/>
+              </a:spcAft>
+              <a:defRPr/>
+            </a:lvl1pPr>
+            <a:lvl2pPr lvl="1" algn="ctr" rtl="0">
+              <a:spcBef>
+                <a:spcPts val="0"/>
+              </a:spcBef>
+              <a:spcAft>
+                <a:spcPts val="0"/>
+              </a:spcAft>
+              <a:defRPr/>
+            </a:lvl2pPr>
+            <a:lvl3pPr lvl="2" algn="ctr" rtl="0">
+              <a:spcBef>
+                <a:spcPts val="0"/>
+              </a:spcBef>
+              <a:spcAft>
+                <a:spcPts val="0"/>
+              </a:spcAft>
+              <a:defRPr/>
+            </a:lvl3pPr>
+            <a:lvl4pPr lvl="3" algn="ctr" rtl="0">
+              <a:spcBef>
+                <a:spcPts val="0"/>
+              </a:spcBef>
+              <a:spcAft>
+                <a:spcPts val="0"/>
+              </a:spcAft>
+              <a:defRPr/>
+            </a:lvl4pPr>
+            <a:lvl5pPr lvl="4" algn="ctr" rtl="0">
+              <a:spcBef>
+                <a:spcPts val="0"/>
+              </a:spcBef>
+              <a:spcAft>
+                <a:spcPts val="0"/>
+              </a:spcAft>
+              <a:defRPr/>
+            </a:lvl5pPr>
+            <a:lvl6pPr marL="457200" lvl="5" algn="ctr" rtl="0">
+              <a:spcBef>
+                <a:spcPts val="0"/>
+              </a:spcBef>
+              <a:spcAft>
+                <a:spcPts val="0"/>
+              </a:spcAft>
+              <a:defRPr/>
+            </a:lvl6pPr>
+            <a:lvl7pPr marL="914400" lvl="6" algn="ctr" rtl="0">
+              <a:spcBef>
+                <a:spcPts val="0"/>
+              </a:spcBef>
+              <a:spcAft>
+                <a:spcPts val="0"/>
+              </a:spcAft>
+              <a:defRPr/>
+            </a:lvl7pPr>
+            <a:lvl8pPr marL="1371600" lvl="7" algn="ctr" rtl="0">
+              <a:spcBef>
+                <a:spcPts val="0"/>
+              </a:spcBef>
+              <a:spcAft>
+                <a:spcPts val="0"/>
+              </a:spcAft>
+              <a:defRPr/>
+            </a:lvl8pPr>
+            <a:lvl9pPr marL="1828800" lvl="8" algn="ctr" rtl="0">
+              <a:spcBef>
+                <a:spcPts val="0"/>
+              </a:spcBef>
+              <a:spcAft>
+                <a:spcPts val="0"/>
+              </a:spcAft>
+              <a:defRPr/>
+            </a:lvl9pPr>
+          </a:lstStyle>
+          <a:p>
+            <a:endParaRPr/>
+          </a:p>
+        </p:txBody>
+      </p:sp>
+    </p:spTree>
+    <p:extLst>
+      <p:ext uri="{BB962C8B-B14F-4D97-AF65-F5344CB8AC3E}">
+        <p14:creationId xmlns:p14="http://schemas.microsoft.com/office/powerpoint/2010/main" val="1112833540"/>
+      </p:ext>
+    </p:extLst>
+  </p:cSld>
+  <p:clrMapOvr>
+    <a:masterClrMapping/>
+  </p:clrMapOvr>
+</p:sldLayout>
+</file>
+
+<file path=ppt/slideLayouts/slideLayout4.xml><?xml version="1.0" encoding="utf-8"?>
+<p:sldLayout xmlns:a="http://schemas.openxmlformats.org/drawingml/2006/main" xmlns:r="http://schemas.openxmlformats.org/officeDocument/2006/relationships" xmlns:p="http://schemas.openxmlformats.org/presentationml/2006/main" preserve="1" userDrawn="1">
+  <p:cSld name="Blank">
+    <p:spTree>
+      <p:nvGrpSpPr>
+        <p:cNvPr id="1" name="Shape 155"/>
+        <p:cNvGrpSpPr/>
+        <p:nvPr/>
+      </p:nvGrpSpPr>
+      <p:grpSpPr>
+        <a:xfrm>
+          <a:off x="0" y="0"/>
+          <a:ext cx="0" cy="0"/>
+          <a:chOff x="0" y="0"/>
+          <a:chExt cx="0" cy="0"/>
+        </a:xfrm>
+      </p:grpSpPr>
+    </p:spTree>
+    <p:extLst>
+      <p:ext uri="{BB962C8B-B14F-4D97-AF65-F5344CB8AC3E}">
+        <p14:creationId xmlns:p14="http://schemas.microsoft.com/office/powerpoint/2010/main" val="908664146"/>
+      </p:ext>
+    </p:extLst>
   </p:cSld>
   <p:clrMapOvr>
     <a:masterClrMapping/>
@@ -5079,9 +5252,7 @@
             <a:avLst/>
           </a:prstGeom>
           <a:solidFill>
-            <a:schemeClr val="tx1">
-              <a:lumMod val="75000"/>
-            </a:schemeClr>
+            <a:schemeClr val="bg2"/>
           </a:solidFill>
           <a:ln>
             <a:noFill/>
@@ -5231,9 +5402,7 @@
             <a:avLst/>
           </a:prstGeom>
           <a:solidFill>
-            <a:schemeClr val="tx1">
-              <a:lumMod val="75000"/>
-            </a:schemeClr>
+            <a:schemeClr val="bg2"/>
           </a:solidFill>
           <a:ln>
             <a:noFill/>
@@ -5372,6 +5541,8 @@
   <p:sldLayoutIdLst>
     <p:sldLayoutId id="2147483657" r:id="rId1"/>
     <p:sldLayoutId id="2147483690" r:id="rId2"/>
+    <p:sldLayoutId id="2147483704" r:id="rId3"/>
+    <p:sldLayoutId id="2147483705" r:id="rId4"/>
   </p:sldLayoutIdLst>
   <p:hf sldNum="0" hdr="0" ftr="0" dt="0"/>
   <p:txStyles>
@@ -5964,7 +6135,7 @@
         </p:nvSpPr>
         <p:spPr>
           <a:xfrm>
-            <a:off x="2990025" y="7759700"/>
+            <a:off x="2990025" y="6988169"/>
             <a:ext cx="9985799" cy="1016099"/>
           </a:xfrm>
           <a:prstGeom prst="rect">
@@ -5999,7 +6170,7 @@
               <a:buNone/>
             </a:pPr>
             <a:r>
-              <a:rPr lang="en-US" sz="3200" u="none" strike="noStrike" cap="none">
+              <a:rPr lang="en-US" sz="3200" u="none" strike="noStrike" cap="none" dirty="0" smtClean="0">
                 <a:solidFill>
                   <a:srgbClr val="FFFF00"/>
                 </a:solidFill>
@@ -6008,7 +6179,7 @@
                 <a:cs typeface="Arial Regular" charset="0"/>
                 <a:sym typeface="Cabin"/>
               </a:rPr>
-              <a:t>Python for Informatics: Exploring Information</a:t>
+              <a:t>Python for Everybody</a:t>
             </a:r>
           </a:p>
           <a:p>
@@ -6030,7 +6201,7 @@
               <a:buNone/>
             </a:pPr>
             <a:r>
-              <a:rPr lang="en-US" sz="3200" u="sng" strike="noStrike" cap="none">
+              <a:rPr lang="en-US" sz="3200" dirty="0" smtClean="0">
                 <a:solidFill>
                   <a:srgbClr val="FFFF00"/>
                 </a:solidFill>
@@ -6038,10 +6209,18 @@
                 <a:ea typeface="Arial Regular" charset="0"/>
                 <a:cs typeface="Arial Regular" charset="0"/>
                 <a:sym typeface="Cabin"/>
-                <a:hlinkClick r:id="rId3"/>
-              </a:rPr>
-              <a:t>www.pythonlearn.com</a:t>
-            </a:r>
+              </a:rPr>
+              <a:t>www.py4e.com</a:t>
+            </a:r>
+            <a:endParaRPr lang="en-US" sz="3200" u="none" strike="noStrike" cap="none" dirty="0">
+              <a:solidFill>
+                <a:srgbClr val="FFFF00"/>
+              </a:solidFill>
+              <a:latin typeface="Arial Regular" charset="0"/>
+              <a:ea typeface="Arial Regular" charset="0"/>
+              <a:cs typeface="Arial Regular" charset="0"/>
+              <a:sym typeface="Cabin"/>
+            </a:endParaRPr>
           </a:p>
         </p:txBody>
       </p:sp>
@@ -6052,7 +6231,7 @@
           <p:nvPr/>
         </p:nvPicPr>
         <p:blipFill rotWithShape="1">
-          <a:blip r:embed="rId4">
+          <a:blip r:embed="rId3">
             <a:alphaModFix/>
           </a:blip>
           <a:srcRect/>
@@ -6060,7 +6239,7 @@
         </p:blipFill>
         <p:spPr>
           <a:xfrm>
-            <a:off x="13130212" y="8118475"/>
+            <a:off x="13130212" y="7346944"/>
             <a:ext cx="1968500" cy="668337"/>
           </a:xfrm>
           <a:prstGeom prst="rect">
@@ -6079,7 +6258,7 @@
           <p:nvPr/>
         </p:nvPicPr>
         <p:blipFill rotWithShape="1">
-          <a:blip r:embed="rId5">
+          <a:blip r:embed="rId4">
             <a:alphaModFix/>
           </a:blip>
           <a:srcRect/>
@@ -6087,7 +6266,7 @@
         </p:blipFill>
         <p:spPr>
           <a:xfrm>
-            <a:off x="526325" y="7440700"/>
+            <a:off x="526325" y="6669169"/>
             <a:ext cx="1346100" cy="1346100"/>
           </a:xfrm>
           <a:prstGeom prst="rect">
@@ -6219,25 +6398,6 @@
       </p:sp>
       <p:sp>
         <p:nvSpPr>
-          <p:cNvPr id="4" name="Text Placeholder 3"/>
-          <p:cNvSpPr>
-            <a:spLocks noGrp="1"/>
-          </p:cNvSpPr>
-          <p:nvPr>
-            <p:ph type="body" idx="1"/>
-          </p:nvPr>
-        </p:nvSpPr>
-        <p:spPr/>
-        <p:txBody>
-          <a:bodyPr/>
-          <a:lstStyle/>
-          <a:p>
-            <a:endParaRPr lang="en-US"/>
-          </a:p>
-        </p:txBody>
-      </p:sp>
-      <p:sp>
-        <p:nvSpPr>
           <p:cNvPr id="266" name="Shape 266"/>
           <p:cNvSpPr txBox="1"/>
           <p:nvPr/>
@@ -6279,7 +6439,7 @@
               <a:buNone/>
             </a:pPr>
             <a:r>
-              <a:rPr lang="en-US" sz="2400" b="1" i="0" u="none" strike="noStrike" cap="none">
+              <a:rPr lang="en-US" sz="2400" b="1" i="0" u="none" strike="noStrike" cap="none" dirty="0">
                 <a:solidFill>
                   <a:srgbClr val="00FF00"/>
                 </a:solidFill>
@@ -6304,7 +6464,7 @@
               </a:spcAft>
               <a:buNone/>
             </a:pPr>
-            <a:endParaRPr sz="2400" b="1" i="0" u="none" strike="noStrike" cap="none">
+            <a:endParaRPr sz="2400" b="1" i="0" u="none" strike="noStrike" cap="none" dirty="0">
               <a:solidFill>
                 <a:srgbClr val="00FF00"/>
               </a:solidFill>
@@ -6333,16 +6493,40 @@
               <a:buNone/>
             </a:pPr>
             <a:r>
-              <a:rPr lang="en-US" sz="2400" b="1" i="0" u="none" strike="noStrike" cap="none">
-                <a:solidFill>
-                  <a:schemeClr val="lt1"/>
-                </a:solidFill>
-                <a:latin typeface="Courier New"/>
-                <a:ea typeface="Courier New"/>
-                <a:cs typeface="Courier New"/>
-                <a:sym typeface="Courier New"/>
-              </a:rPr>
-              <a:t>hand = open('mbox-short.txt')</a:t>
+              <a:rPr lang="en-US" sz="2400" b="1" i="0" u="none" strike="noStrike" cap="none" dirty="0">
+                <a:solidFill>
+                  <a:schemeClr val="lt1"/>
+                </a:solidFill>
+                <a:latin typeface="Courier New"/>
+                <a:ea typeface="Courier New"/>
+                <a:cs typeface="Courier New"/>
+                <a:sym typeface="Courier New"/>
+              </a:rPr>
+              <a:t>hand = open('</a:t>
+            </a:r>
+            <a:r>
+              <a:rPr lang="en-US" sz="2400" b="1" i="0" u="none" strike="noStrike" cap="none" dirty="0" err="1">
+                <a:solidFill>
+                  <a:schemeClr val="lt1"/>
+                </a:solidFill>
+                <a:latin typeface="Courier New"/>
+                <a:ea typeface="Courier New"/>
+                <a:cs typeface="Courier New"/>
+                <a:sym typeface="Courier New"/>
+              </a:rPr>
+              <a:t>mbox-short.txt</a:t>
+            </a:r>
+            <a:r>
+              <a:rPr lang="en-US" sz="2400" b="1" i="0" u="none" strike="noStrike" cap="none" dirty="0">
+                <a:solidFill>
+                  <a:schemeClr val="lt1"/>
+                </a:solidFill>
+                <a:latin typeface="Courier New"/>
+                <a:ea typeface="Courier New"/>
+                <a:cs typeface="Courier New"/>
+                <a:sym typeface="Courier New"/>
+              </a:rPr>
+              <a:t>')</a:t>
             </a:r>
           </a:p>
           <a:p>
@@ -6364,7 +6548,7 @@
               <a:buNone/>
             </a:pPr>
             <a:r>
-              <a:rPr lang="en-US" sz="2400" b="1" i="0" u="none" strike="noStrike" cap="none">
+              <a:rPr lang="en-US" sz="2400" b="1" i="0" u="none" strike="noStrike" cap="none" dirty="0">
                 <a:solidFill>
                   <a:schemeClr val="lt1"/>
                 </a:solidFill>
@@ -6395,16 +6579,40 @@
               <a:buNone/>
             </a:pPr>
             <a:r>
-              <a:rPr lang="en-US" sz="2400" b="1" i="0" u="none" strike="noStrike" cap="none">
-                <a:solidFill>
-                  <a:schemeClr val="lt1"/>
-                </a:solidFill>
-                <a:latin typeface="Courier New"/>
-                <a:ea typeface="Courier New"/>
-                <a:cs typeface="Courier New"/>
-                <a:sym typeface="Courier New"/>
-              </a:rPr>
-              <a:t>    line = line.rstrip()</a:t>
+              <a:rPr lang="en-US" sz="2400" b="1" i="0" u="none" strike="noStrike" cap="none" dirty="0">
+                <a:solidFill>
+                  <a:schemeClr val="lt1"/>
+                </a:solidFill>
+                <a:latin typeface="Courier New"/>
+                <a:ea typeface="Courier New"/>
+                <a:cs typeface="Courier New"/>
+                <a:sym typeface="Courier New"/>
+              </a:rPr>
+              <a:t>    line = </a:t>
+            </a:r>
+            <a:r>
+              <a:rPr lang="en-US" sz="2400" b="1" i="0" u="none" strike="noStrike" cap="none" dirty="0" err="1">
+                <a:solidFill>
+                  <a:schemeClr val="lt1"/>
+                </a:solidFill>
+                <a:latin typeface="Courier New"/>
+                <a:ea typeface="Courier New"/>
+                <a:cs typeface="Courier New"/>
+                <a:sym typeface="Courier New"/>
+              </a:rPr>
+              <a:t>line.rstrip</a:t>
+            </a:r>
+            <a:r>
+              <a:rPr lang="en-US" sz="2400" b="1" i="0" u="none" strike="noStrike" cap="none" dirty="0">
+                <a:solidFill>
+                  <a:schemeClr val="lt1"/>
+                </a:solidFill>
+                <a:latin typeface="Courier New"/>
+                <a:ea typeface="Courier New"/>
+                <a:cs typeface="Courier New"/>
+                <a:sym typeface="Courier New"/>
+              </a:rPr>
+              <a:t>()</a:t>
             </a:r>
           </a:p>
           <a:p>
@@ -6426,7 +6634,7 @@
               <a:buNone/>
             </a:pPr>
             <a:r>
-              <a:rPr lang="en-US" sz="2400" b="1" i="0" u="none" strike="noStrike" cap="none">
+              <a:rPr lang="en-US" sz="2400" b="1" i="0" u="none" strike="noStrike" cap="none" dirty="0">
                 <a:solidFill>
                   <a:schemeClr val="lt1"/>
                 </a:solidFill>
@@ -6438,7 +6646,7 @@
               <a:t>    if </a:t>
             </a:r>
             <a:r>
-              <a:rPr lang="en-US" sz="2400" b="1" i="0" u="none" strike="noStrike" cap="none">
+              <a:rPr lang="en-US" sz="2400" b="1" i="0" u="none" strike="noStrike" cap="none" dirty="0" err="1">
                 <a:solidFill>
                   <a:srgbClr val="00FF00"/>
                 </a:solidFill>
@@ -6447,10 +6655,22 @@
                 <a:cs typeface="Courier New"/>
                 <a:sym typeface="Courier New"/>
               </a:rPr>
-              <a:t>re.search('</a:t>
-            </a:r>
-            <a:r>
-              <a:rPr lang="en-US" sz="2400" b="1" i="0" u="none" strike="noStrike" cap="none">
+              <a:t>re.search</a:t>
+            </a:r>
+            <a:r>
+              <a:rPr lang="en-US" sz="2400" b="1" i="0" u="none" strike="noStrike" cap="none" dirty="0">
+                <a:solidFill>
+                  <a:srgbClr val="00FF00"/>
+                </a:solidFill>
+                <a:latin typeface="Courier New"/>
+                <a:ea typeface="Courier New"/>
+                <a:cs typeface="Courier New"/>
+                <a:sym typeface="Courier New"/>
+              </a:rPr>
+              <a:t>('</a:t>
+            </a:r>
+            <a:r>
+              <a:rPr lang="en-US" sz="2400" b="1" i="0" u="none" strike="noStrike" cap="none" dirty="0">
                 <a:solidFill>
                   <a:srgbClr val="FFFF00"/>
                 </a:solidFill>
@@ -6462,7 +6682,7 @@
               <a:t>^</a:t>
             </a:r>
             <a:r>
-              <a:rPr lang="en-US" sz="2400" b="1" i="0" u="none" strike="noStrike" cap="none">
+              <a:rPr lang="en-US" sz="2400" b="1" i="0" u="none" strike="noStrike" cap="none" dirty="0">
                 <a:solidFill>
                   <a:srgbClr val="00FF00"/>
                 </a:solidFill>
@@ -6474,7 +6694,7 @@
               <a:t>From:', line)</a:t>
             </a:r>
             <a:r>
-              <a:rPr lang="en-US" sz="2400" b="1" i="0" u="none" strike="noStrike" cap="none">
+              <a:rPr lang="en-US" sz="2400" b="1" i="0" u="none" strike="noStrike" cap="none" dirty="0">
                 <a:solidFill>
                   <a:schemeClr val="lt1"/>
                 </a:solidFill>
@@ -6505,17 +6725,38 @@
               <a:buNone/>
             </a:pPr>
             <a:r>
-              <a:rPr lang="en-US" sz="2400" b="1" i="0" u="none" strike="noStrike" cap="none">
-                <a:solidFill>
-                  <a:schemeClr val="lt1"/>
-                </a:solidFill>
-                <a:latin typeface="Courier New"/>
-                <a:ea typeface="Courier New"/>
-                <a:cs typeface="Courier New"/>
-                <a:sym typeface="Courier New"/>
-              </a:rPr>
-              <a:t>        print line</a:t>
-            </a:r>
+              <a:rPr lang="en-US" sz="2400" b="1" i="0" u="none" strike="noStrike" cap="none" dirty="0">
+                <a:solidFill>
+                  <a:schemeClr val="lt1"/>
+                </a:solidFill>
+                <a:latin typeface="Courier New"/>
+                <a:ea typeface="Courier New"/>
+                <a:cs typeface="Courier New"/>
+                <a:sym typeface="Courier New"/>
+              </a:rPr>
+              <a:t>        </a:t>
+            </a:r>
+            <a:r>
+              <a:rPr lang="en-US" sz="2400" b="1" i="0" u="none" strike="noStrike" cap="none" dirty="0" smtClean="0">
+                <a:solidFill>
+                  <a:schemeClr val="lt1"/>
+                </a:solidFill>
+                <a:latin typeface="Courier New"/>
+                <a:ea typeface="Courier New"/>
+                <a:cs typeface="Courier New"/>
+                <a:sym typeface="Courier New"/>
+              </a:rPr>
+              <a:t>print(line)</a:t>
+            </a:r>
+            <a:endParaRPr lang="en-US" sz="2400" b="1" i="0" u="none" strike="noStrike" cap="none" dirty="0">
+              <a:solidFill>
+                <a:schemeClr val="lt1"/>
+              </a:solidFill>
+              <a:latin typeface="Courier New"/>
+              <a:ea typeface="Courier New"/>
+              <a:cs typeface="Courier New"/>
+              <a:sym typeface="Courier New"/>
+            </a:endParaRPr>
           </a:p>
         </p:txBody>
       </p:sp>
@@ -6562,16 +6803,40 @@
               <a:buNone/>
             </a:pPr>
             <a:r>
-              <a:rPr lang="en-US" sz="2400" b="1" i="0" u="none" strike="noStrike" cap="none">
-                <a:solidFill>
-                  <a:schemeClr val="lt1"/>
-                </a:solidFill>
-                <a:latin typeface="Courier New"/>
-                <a:ea typeface="Courier New"/>
-                <a:cs typeface="Courier New"/>
-                <a:sym typeface="Courier New"/>
-              </a:rPr>
-              <a:t>hand = open('mbox-short.txt')</a:t>
+              <a:rPr lang="en-US" sz="2400" b="1" i="0" u="none" strike="noStrike" cap="none" dirty="0">
+                <a:solidFill>
+                  <a:schemeClr val="lt1"/>
+                </a:solidFill>
+                <a:latin typeface="Courier New"/>
+                <a:ea typeface="Courier New"/>
+                <a:cs typeface="Courier New"/>
+                <a:sym typeface="Courier New"/>
+              </a:rPr>
+              <a:t>hand = open('</a:t>
+            </a:r>
+            <a:r>
+              <a:rPr lang="en-US" sz="2400" b="1" i="0" u="none" strike="noStrike" cap="none" dirty="0" err="1">
+                <a:solidFill>
+                  <a:schemeClr val="lt1"/>
+                </a:solidFill>
+                <a:latin typeface="Courier New"/>
+                <a:ea typeface="Courier New"/>
+                <a:cs typeface="Courier New"/>
+                <a:sym typeface="Courier New"/>
+              </a:rPr>
+              <a:t>mbox-short.txt</a:t>
+            </a:r>
+            <a:r>
+              <a:rPr lang="en-US" sz="2400" b="1" i="0" u="none" strike="noStrike" cap="none" dirty="0">
+                <a:solidFill>
+                  <a:schemeClr val="lt1"/>
+                </a:solidFill>
+                <a:latin typeface="Courier New"/>
+                <a:ea typeface="Courier New"/>
+                <a:cs typeface="Courier New"/>
+                <a:sym typeface="Courier New"/>
+              </a:rPr>
+              <a:t>')</a:t>
             </a:r>
           </a:p>
           <a:p>
@@ -6593,7 +6858,7 @@
               <a:buNone/>
             </a:pPr>
             <a:r>
-              <a:rPr lang="en-US" sz="2400" b="1" i="0" u="none" strike="noStrike" cap="none">
+              <a:rPr lang="en-US" sz="2400" b="1" i="0" u="none" strike="noStrike" cap="none" dirty="0">
                 <a:solidFill>
                   <a:schemeClr val="lt1"/>
                 </a:solidFill>
@@ -6624,16 +6889,40 @@
               <a:buNone/>
             </a:pPr>
             <a:r>
-              <a:rPr lang="en-US" sz="2400" b="1" i="0" u="none" strike="noStrike" cap="none">
-                <a:solidFill>
-                  <a:schemeClr val="lt1"/>
-                </a:solidFill>
-                <a:latin typeface="Courier New"/>
-                <a:ea typeface="Courier New"/>
-                <a:cs typeface="Courier New"/>
-                <a:sym typeface="Courier New"/>
-              </a:rPr>
-              <a:t>    line = line.rstrip()</a:t>
+              <a:rPr lang="en-US" sz="2400" b="1" i="0" u="none" strike="noStrike" cap="none" dirty="0">
+                <a:solidFill>
+                  <a:schemeClr val="lt1"/>
+                </a:solidFill>
+                <a:latin typeface="Courier New"/>
+                <a:ea typeface="Courier New"/>
+                <a:cs typeface="Courier New"/>
+                <a:sym typeface="Courier New"/>
+              </a:rPr>
+              <a:t>    line = </a:t>
+            </a:r>
+            <a:r>
+              <a:rPr lang="en-US" sz="2400" b="1" i="0" u="none" strike="noStrike" cap="none" dirty="0" err="1">
+                <a:solidFill>
+                  <a:schemeClr val="lt1"/>
+                </a:solidFill>
+                <a:latin typeface="Courier New"/>
+                <a:ea typeface="Courier New"/>
+                <a:cs typeface="Courier New"/>
+                <a:sym typeface="Courier New"/>
+              </a:rPr>
+              <a:t>line.rstrip</a:t>
+            </a:r>
+            <a:r>
+              <a:rPr lang="en-US" sz="2400" b="1" i="0" u="none" strike="noStrike" cap="none" dirty="0">
+                <a:solidFill>
+                  <a:schemeClr val="lt1"/>
+                </a:solidFill>
+                <a:latin typeface="Courier New"/>
+                <a:ea typeface="Courier New"/>
+                <a:cs typeface="Courier New"/>
+                <a:sym typeface="Courier New"/>
+              </a:rPr>
+              <a:t>()</a:t>
             </a:r>
           </a:p>
           <a:p>
@@ -6655,7 +6944,7 @@
               <a:buNone/>
             </a:pPr>
             <a:r>
-              <a:rPr lang="en-US" sz="2400" b="1" i="0" u="none" strike="noStrike" cap="none">
+              <a:rPr lang="en-US" sz="2400" b="1" i="0" u="none" strike="noStrike" cap="none" dirty="0">
                 <a:solidFill>
                   <a:schemeClr val="lt1"/>
                 </a:solidFill>
@@ -6667,7 +6956,7 @@
               <a:t>    if </a:t>
             </a:r>
             <a:r>
-              <a:rPr lang="en-US" sz="2400" b="1" i="0" u="none" strike="noStrike" cap="none">
+              <a:rPr lang="en-US" sz="2400" b="1" i="0" u="none" strike="noStrike" cap="none" dirty="0" err="1">
                 <a:solidFill>
                   <a:srgbClr val="FF00FF"/>
                 </a:solidFill>
@@ -6676,10 +6965,22 @@
                 <a:cs typeface="Courier New"/>
                 <a:sym typeface="Courier New"/>
               </a:rPr>
-              <a:t>line.startswith('From:')</a:t>
-            </a:r>
-            <a:r>
-              <a:rPr lang="en-US" sz="2400" b="1" i="0" u="none" strike="noStrike" cap="none">
+              <a:t>line.startswith</a:t>
+            </a:r>
+            <a:r>
+              <a:rPr lang="en-US" sz="2400" b="1" i="0" u="none" strike="noStrike" cap="none" dirty="0">
+                <a:solidFill>
+                  <a:srgbClr val="FF00FF"/>
+                </a:solidFill>
+                <a:latin typeface="Courier New"/>
+                <a:ea typeface="Courier New"/>
+                <a:cs typeface="Courier New"/>
+                <a:sym typeface="Courier New"/>
+              </a:rPr>
+              <a:t>('From:')</a:t>
+            </a:r>
+            <a:r>
+              <a:rPr lang="en-US" sz="2400" b="1" i="0" u="none" strike="noStrike" cap="none" dirty="0">
                 <a:solidFill>
                   <a:schemeClr val="lt1"/>
                 </a:solidFill>
@@ -6710,17 +7011,38 @@
               <a:buNone/>
             </a:pPr>
             <a:r>
-              <a:rPr lang="en-US" sz="2400" b="1" i="0" u="none" strike="noStrike" cap="none">
-                <a:solidFill>
-                  <a:schemeClr val="lt1"/>
-                </a:solidFill>
-                <a:latin typeface="Courier New"/>
-                <a:ea typeface="Courier New"/>
-                <a:cs typeface="Courier New"/>
-                <a:sym typeface="Courier New"/>
-              </a:rPr>
-              <a:t>        print line</a:t>
-            </a:r>
+              <a:rPr lang="en-US" sz="2400" b="1" i="0" u="none" strike="noStrike" cap="none" dirty="0">
+                <a:solidFill>
+                  <a:schemeClr val="lt1"/>
+                </a:solidFill>
+                <a:latin typeface="Courier New"/>
+                <a:ea typeface="Courier New"/>
+                <a:cs typeface="Courier New"/>
+                <a:sym typeface="Courier New"/>
+              </a:rPr>
+              <a:t>        </a:t>
+            </a:r>
+            <a:r>
+              <a:rPr lang="en-US" sz="2400" b="1" i="0" u="none" strike="noStrike" cap="none" dirty="0" smtClean="0">
+                <a:solidFill>
+                  <a:schemeClr val="lt1"/>
+                </a:solidFill>
+                <a:latin typeface="Courier New"/>
+                <a:ea typeface="Courier New"/>
+                <a:cs typeface="Courier New"/>
+                <a:sym typeface="Courier New"/>
+              </a:rPr>
+              <a:t>print(line)</a:t>
+            </a:r>
+            <a:endParaRPr lang="en-US" sz="2400" b="1" i="0" u="none" strike="noStrike" cap="none" dirty="0">
+              <a:solidFill>
+                <a:schemeClr val="lt1"/>
+              </a:solidFill>
+              <a:latin typeface="Courier New"/>
+              <a:ea typeface="Courier New"/>
+              <a:cs typeface="Courier New"/>
+              <a:sym typeface="Courier New"/>
+            </a:endParaRPr>
           </a:p>
         </p:txBody>
       </p:sp>
@@ -6732,7 +7054,7 @@
         </p:nvSpPr>
         <p:spPr>
           <a:xfrm>
-            <a:off x="188775" y="8140700"/>
+            <a:off x="240550" y="7454900"/>
             <a:ext cx="15762299" cy="622199"/>
           </a:xfrm>
           <a:prstGeom prst="rect">
@@ -6874,6 +7196,10 @@
           </p:nvPr>
         </p:nvSpPr>
         <p:spPr>
+          <a:xfrm>
+            <a:off x="1155700" y="2603500"/>
+            <a:ext cx="13932000" cy="2154237"/>
+          </a:xfrm>
           <a:prstGeom prst="rect">
             <a:avLst/>
           </a:prstGeom>
@@ -6906,7 +7232,7 @@
               <a:buChar char="•"/>
             </a:pPr>
             <a:r>
-              <a:rPr lang="en-US" sz="3600" u="none" strike="noStrike" cap="none">
+              <a:rPr lang="en-US" sz="3600" u="none" strike="noStrike" cap="none" dirty="0">
                 <a:solidFill>
                   <a:schemeClr val="lt1"/>
                 </a:solidFill>
@@ -6918,7 +7244,7 @@
               <a:t>The </a:t>
             </a:r>
             <a:r>
-              <a:rPr lang="en-US" sz="3600" u="none" strike="noStrike" cap="none">
+              <a:rPr lang="en-US" sz="3600" u="none" strike="noStrike" cap="none" dirty="0">
                 <a:solidFill>
                   <a:srgbClr val="00FF00"/>
                 </a:solidFill>
@@ -6930,7 +7256,7 @@
               <a:t>dot</a:t>
             </a:r>
             <a:r>
-              <a:rPr lang="en-US" sz="3600" u="none" strike="noStrike" cap="none">
+              <a:rPr lang="en-US" sz="3600" u="none" strike="noStrike" cap="none" dirty="0">
                 <a:solidFill>
                   <a:schemeClr val="lt1"/>
                 </a:solidFill>
@@ -6961,7 +7287,7 @@
               <a:buChar char="•"/>
             </a:pPr>
             <a:r>
-              <a:rPr lang="en-US" sz="3600" u="none" strike="noStrike" cap="none">
+              <a:rPr lang="en-US" sz="3600" u="none" strike="noStrike" cap="none" dirty="0">
                 <a:solidFill>
                   <a:schemeClr val="lt1"/>
                 </a:solidFill>
@@ -6973,7 +7299,7 @@
               <a:t>If you add the </a:t>
             </a:r>
             <a:r>
-              <a:rPr lang="en-US" sz="3600" u="none" strike="noStrike" cap="none">
+              <a:rPr lang="en-US" sz="3600" u="none" strike="noStrike" cap="none" dirty="0">
                 <a:solidFill>
                   <a:srgbClr val="FF9900"/>
                 </a:solidFill>
@@ -6985,7 +7311,7 @@
               <a:t>asterisk</a:t>
             </a:r>
             <a:r>
-              <a:rPr lang="en-US" sz="3600" u="none" strike="noStrike" cap="none">
+              <a:rPr lang="en-US" sz="3600" u="none" strike="noStrike" cap="none" dirty="0">
                 <a:solidFill>
                   <a:schemeClr val="lt1"/>
                 </a:solidFill>
@@ -6997,7 +7323,7 @@
               <a:t> character, the character is </a:t>
             </a:r>
             <a:r>
-              <a:rPr lang="en-US" sz="3600">
+              <a:rPr lang="en-US" sz="3600" dirty="0">
                 <a:solidFill>
                   <a:schemeClr val="lt1"/>
                 </a:solidFill>
@@ -7009,7 +7335,7 @@
               <a:t>“</a:t>
             </a:r>
             <a:r>
-              <a:rPr lang="en-US" sz="3600" u="none" strike="noStrike" cap="none">
+              <a:rPr lang="en-US" sz="3600" u="none" strike="noStrike" cap="none" dirty="0">
                 <a:solidFill>
                   <a:schemeClr val="lt1"/>
                 </a:solidFill>
@@ -7021,7 +7347,7 @@
               <a:t>any number of times</a:t>
             </a:r>
             <a:r>
-              <a:rPr lang="en-US" sz="3600">
+              <a:rPr lang="en-US" sz="3600" dirty="0">
                 <a:solidFill>
                   <a:schemeClr val="lt1"/>
                 </a:solidFill>
@@ -7419,6 +7745,10 @@
           </p:nvPr>
         </p:nvSpPr>
         <p:spPr>
+          <a:xfrm>
+            <a:off x="1155700" y="2603500"/>
+            <a:ext cx="13932000" cy="2256511"/>
+          </a:xfrm>
           <a:prstGeom prst="rect">
             <a:avLst/>
           </a:prstGeom>
@@ -7506,7 +7836,7 @@
               <a:buChar char="•"/>
             </a:pPr>
             <a:r>
-              <a:rPr lang="en-US" sz="3600" u="none" strike="noStrike" cap="none">
+              <a:rPr lang="en-US" sz="3600" u="none" strike="noStrike" cap="none" dirty="0">
                 <a:solidFill>
                   <a:schemeClr val="lt1"/>
                 </a:solidFill>
@@ -7518,7 +7848,7 @@
               <a:t>If you add the </a:t>
             </a:r>
             <a:r>
-              <a:rPr lang="en-US" sz="3600" u="none" strike="noStrike" cap="none">
+              <a:rPr lang="en-US" sz="3600" u="none" strike="noStrike" cap="none" dirty="0">
                 <a:solidFill>
                   <a:srgbClr val="FF7F00"/>
                 </a:solidFill>
@@ -7530,7 +7860,7 @@
               <a:t>asterisk</a:t>
             </a:r>
             <a:r>
-              <a:rPr lang="en-US" sz="3600" u="none" strike="noStrike" cap="none">
+              <a:rPr lang="en-US" sz="3600" u="none" strike="noStrike" cap="none" dirty="0">
                 <a:solidFill>
                   <a:schemeClr val="lt1"/>
                 </a:solidFill>
@@ -7542,7 +7872,7 @@
               <a:t> character, the character is </a:t>
             </a:r>
             <a:r>
-              <a:rPr lang="en-US" sz="3600">
+              <a:rPr lang="en-US" sz="3600" dirty="0">
                 <a:solidFill>
                   <a:schemeClr val="lt1"/>
                 </a:solidFill>
@@ -7554,7 +7884,7 @@
               <a:t>“</a:t>
             </a:r>
             <a:r>
-              <a:rPr lang="en-US" sz="3600" u="none" strike="noStrike" cap="none">
+              <a:rPr lang="en-US" sz="3600" u="none" strike="noStrike" cap="none" dirty="0">
                 <a:solidFill>
                   <a:schemeClr val="lt1"/>
                 </a:solidFill>
@@ -7566,7 +7896,7 @@
               <a:t>any number of times</a:t>
             </a:r>
             <a:r>
-              <a:rPr lang="en-US" sz="3600">
+              <a:rPr lang="en-US" sz="3600" dirty="0">
                 <a:solidFill>
                   <a:schemeClr val="lt1"/>
                 </a:solidFill>
@@ -8323,6 +8653,10 @@
           </p:nvPr>
         </p:nvSpPr>
         <p:spPr>
+          <a:xfrm>
+            <a:off x="1155700" y="2603500"/>
+            <a:ext cx="13932000" cy="1508649"/>
+          </a:xfrm>
           <a:prstGeom prst="rect">
             <a:avLst/>
           </a:prstGeom>
@@ -8332,7 +8666,7 @@
           </a:ln>
         </p:spPr>
         <p:txBody>
-          <a:bodyPr lIns="38100" tIns="38100" rIns="38100" bIns="38100" anchor="ctr" anchorCtr="0">
+          <a:bodyPr lIns="38100" tIns="38100" rIns="38100" bIns="38100" anchor="t" anchorCtr="0">
             <a:noAutofit/>
           </a:bodyPr>
           <a:lstStyle/>
@@ -8351,7 +8685,7 @@
               <a:buFont typeface="Cabin"/>
             </a:pPr>
             <a:r>
-              <a:rPr lang="en-US" sz="3600" u="none" strike="noStrike" cap="none">
+              <a:rPr lang="en-US" sz="3600" u="none" strike="noStrike" cap="none" dirty="0">
                 <a:solidFill>
                   <a:schemeClr val="lt1"/>
                 </a:solidFill>
@@ -8363,7 +8697,7 @@
               <a:t>Depending on how </a:t>
             </a:r>
             <a:r>
-              <a:rPr lang="en-US" sz="3600">
+              <a:rPr lang="en-US" sz="3600" dirty="0">
                 <a:solidFill>
                   <a:schemeClr val="lt1"/>
                 </a:solidFill>
@@ -8375,7 +8709,7 @@
               <a:t>“</a:t>
             </a:r>
             <a:r>
-              <a:rPr lang="en-US" sz="3600" u="none" strike="noStrike" cap="none">
+              <a:rPr lang="en-US" sz="3600" u="none" strike="noStrike" cap="none" dirty="0">
                 <a:solidFill>
                   <a:schemeClr val="lt1"/>
                 </a:solidFill>
@@ -8387,7 +8721,7 @@
               <a:t>clean</a:t>
             </a:r>
             <a:r>
-              <a:rPr lang="en-US" sz="3600">
+              <a:rPr lang="en-US" sz="3600" dirty="0">
                 <a:solidFill>
                   <a:schemeClr val="lt1"/>
                 </a:solidFill>
@@ -8399,7 +8733,7 @@
               <a:t>”</a:t>
             </a:r>
             <a:r>
-              <a:rPr lang="en-US" sz="3600" u="none" strike="noStrike" cap="none">
+              <a:rPr lang="en-US" sz="3600" u="none" strike="noStrike" cap="none" dirty="0">
                 <a:solidFill>
                   <a:schemeClr val="lt1"/>
                 </a:solidFill>
@@ -9089,6 +9423,10 @@
           </p:nvPr>
         </p:nvSpPr>
         <p:spPr>
+          <a:xfrm>
+            <a:off x="1155700" y="2603501"/>
+            <a:ext cx="13932000" cy="1562100"/>
+          </a:xfrm>
           <a:prstGeom prst="rect">
             <a:avLst/>
           </a:prstGeom>
@@ -9098,7 +9436,7 @@
           </a:ln>
         </p:spPr>
         <p:txBody>
-          <a:bodyPr lIns="38100" tIns="38100" rIns="38100" bIns="38100" anchor="ctr" anchorCtr="0">
+          <a:bodyPr lIns="38100" tIns="38100" rIns="38100" bIns="38100" anchor="t" anchorCtr="0">
             <a:noAutofit/>
           </a:bodyPr>
           <a:lstStyle/>
@@ -9540,8 +9878,8 @@
         </p:nvSpPr>
         <p:spPr>
           <a:xfrm>
-            <a:off x="8431211" y="7937500"/>
-            <a:ext cx="7365999" cy="622299"/>
+            <a:off x="7529513" y="7651745"/>
+            <a:ext cx="8267697" cy="622299"/>
           </a:xfrm>
           <a:prstGeom prst="rect">
             <a:avLst/>
@@ -9575,7 +9913,7 @@
               <a:buNone/>
             </a:pPr>
             <a:r>
-              <a:rPr lang="en-US" sz="3600" u="none" strike="noStrike" cap="none">
+              <a:rPr lang="en-US" sz="3600" u="none" strike="noStrike" cap="none" dirty="0">
                 <a:solidFill>
                   <a:srgbClr val="00FF00"/>
                 </a:solidFill>
@@ -9656,8 +9994,8 @@
         </p:nvCxnSpPr>
         <p:spPr>
           <a:xfrm flipH="1">
-            <a:off x="12898300" y="7264500"/>
-            <a:ext cx="421800" cy="792000"/>
+            <a:off x="13065125" y="7264500"/>
+            <a:ext cx="254975" cy="387245"/>
           </a:xfrm>
           <a:prstGeom prst="straightConnector1">
             <a:avLst/>
@@ -9821,6 +10159,10 @@
           </p:nvPr>
         </p:nvSpPr>
         <p:spPr>
+          <a:xfrm>
+            <a:off x="1155700" y="2603501"/>
+            <a:ext cx="13932000" cy="2940050"/>
+          </a:xfrm>
           <a:prstGeom prst="rect">
             <a:avLst/>
           </a:prstGeom>
@@ -9830,7 +10172,7 @@
           </a:ln>
         </p:spPr>
         <p:txBody>
-          <a:bodyPr lIns="38100" tIns="38100" rIns="38100" bIns="38100" anchor="ctr" anchorCtr="0">
+          <a:bodyPr lIns="38100" tIns="38100" rIns="38100" bIns="38100" anchor="t" anchorCtr="0">
             <a:noAutofit/>
           </a:bodyPr>
           <a:lstStyle/>
@@ -9966,7 +10308,7 @@
         </p:nvSpPr>
         <p:spPr>
           <a:xfrm>
-            <a:off x="5692825" y="5950850"/>
+            <a:off x="6378625" y="5382026"/>
             <a:ext cx="10330799" cy="2462999"/>
           </a:xfrm>
           <a:prstGeom prst="rect">
@@ -10001,7 +10343,7 @@
               <a:buNone/>
             </a:pPr>
             <a:r>
-              <a:rPr lang="en-US" sz="2600" b="1" i="0" u="none" strike="noStrike" cap="none">
+              <a:rPr lang="en-US" sz="2600" b="1" i="0" u="none" strike="noStrike" cap="none" dirty="0">
                 <a:solidFill>
                   <a:schemeClr val="lt1"/>
                 </a:solidFill>
@@ -10032,7 +10374,7 @@
               <a:buNone/>
             </a:pPr>
             <a:r>
-              <a:rPr lang="en-US" sz="2600" b="1" i="0" u="none" strike="noStrike" cap="none">
+              <a:rPr lang="en-US" sz="2600" b="1" i="0" u="none" strike="noStrike" cap="none" dirty="0">
                 <a:solidFill>
                   <a:schemeClr val="lt1"/>
                 </a:solidFill>
@@ -10063,7 +10405,7 @@
               <a:buNone/>
             </a:pPr>
             <a:r>
-              <a:rPr lang="en-US" sz="2600" b="1" i="0" u="none" strike="noStrike" cap="none">
+              <a:rPr lang="en-US" sz="2600" b="1" i="0" u="none" strike="noStrike" cap="none" dirty="0">
                 <a:solidFill>
                   <a:schemeClr val="lt1"/>
                 </a:solidFill>
@@ -10075,7 +10417,7 @@
               <a:t>&gt;&gt;&gt; y = </a:t>
             </a:r>
             <a:r>
-              <a:rPr lang="en-US" sz="2600" b="1" i="0" u="none" strike="noStrike" cap="none">
+              <a:rPr lang="en-US" sz="2600" b="1" i="0" u="none" strike="noStrike" cap="none" dirty="0" err="1">
                 <a:solidFill>
                   <a:srgbClr val="FF00FF"/>
                 </a:solidFill>
@@ -10087,7 +10429,7 @@
               <a:t>re.findall</a:t>
             </a:r>
             <a:r>
-              <a:rPr lang="en-US" sz="2600" b="1" i="0" u="none" strike="noStrike" cap="none">
+              <a:rPr lang="en-US" sz="2600" b="1" i="0" u="none" strike="noStrike" cap="none" dirty="0">
                 <a:solidFill>
                   <a:schemeClr val="lt1"/>
                 </a:solidFill>
@@ -10099,7 +10441,7 @@
               <a:t>('</a:t>
             </a:r>
             <a:r>
-              <a:rPr lang="en-US" sz="2600" b="1" i="0" u="none" strike="noStrike" cap="none">
+              <a:rPr lang="en-US" sz="2600" b="1" i="0" u="none" strike="noStrike" cap="none" dirty="0">
                 <a:solidFill>
                   <a:srgbClr val="FFFF00"/>
                 </a:solidFill>
@@ -10111,7 +10453,7 @@
               <a:t>[0-9]+</a:t>
             </a:r>
             <a:r>
-              <a:rPr lang="en-US" sz="2600" b="1" i="0" u="none" strike="noStrike" cap="none">
+              <a:rPr lang="en-US" sz="2600" b="1" i="0" u="none" strike="noStrike" cap="none" dirty="0">
                 <a:solidFill>
                   <a:schemeClr val="lt1"/>
                 </a:solidFill>
@@ -10142,17 +10484,38 @@
               <a:buNone/>
             </a:pPr>
             <a:r>
-              <a:rPr lang="en-US" sz="2600" b="1" i="0" u="none" strike="noStrike" cap="none">
-                <a:solidFill>
-                  <a:schemeClr val="lt1"/>
-                </a:solidFill>
-                <a:latin typeface="Courier New"/>
-                <a:ea typeface="Courier New"/>
-                <a:cs typeface="Courier New"/>
-                <a:sym typeface="Courier New"/>
-              </a:rPr>
-              <a:t>&gt;&gt;&gt; print y</a:t>
-            </a:r>
+              <a:rPr lang="en-US" sz="2600" b="1" i="0" u="none" strike="noStrike" cap="none" dirty="0">
+                <a:solidFill>
+                  <a:schemeClr val="lt1"/>
+                </a:solidFill>
+                <a:latin typeface="Courier New"/>
+                <a:ea typeface="Courier New"/>
+                <a:cs typeface="Courier New"/>
+                <a:sym typeface="Courier New"/>
+              </a:rPr>
+              <a:t>&gt;&gt;&gt; </a:t>
+            </a:r>
+            <a:r>
+              <a:rPr lang="en-US" sz="2600" b="1" i="0" u="none" strike="noStrike" cap="none" dirty="0" smtClean="0">
+                <a:solidFill>
+                  <a:schemeClr val="lt1"/>
+                </a:solidFill>
+                <a:latin typeface="Courier New"/>
+                <a:ea typeface="Courier New"/>
+                <a:cs typeface="Courier New"/>
+                <a:sym typeface="Courier New"/>
+              </a:rPr>
+              <a:t>print(y)</a:t>
+            </a:r>
+            <a:endParaRPr lang="en-US" sz="2600" b="1" i="0" u="none" strike="noStrike" cap="none" dirty="0">
+              <a:solidFill>
+                <a:schemeClr val="lt1"/>
+              </a:solidFill>
+              <a:latin typeface="Courier New"/>
+              <a:ea typeface="Courier New"/>
+              <a:cs typeface="Courier New"/>
+              <a:sym typeface="Courier New"/>
+            </a:endParaRPr>
           </a:p>
           <a:p>
             <a:pPr marL="0" marR="0" lvl="0" indent="0" algn="l" rtl="0">
@@ -10173,7 +10536,7 @@
               <a:buNone/>
             </a:pPr>
             <a:r>
-              <a:rPr lang="en-US" sz="2600" b="1" i="0" u="none" strike="noStrike" cap="none">
+              <a:rPr lang="en-US" sz="2600" b="1" i="0" u="none" strike="noStrike" cap="none" dirty="0" smtClean="0">
                 <a:solidFill>
                   <a:srgbClr val="FF7F00"/>
                 </a:solidFill>
@@ -10182,7 +10545,19 @@
                 <a:cs typeface="Courier New"/>
                 <a:sym typeface="Courier New"/>
               </a:rPr>
-              <a:t>['2', '19', '42']</a:t>
+              <a:t>[</a:t>
+            </a:r>
+            <a:r>
+              <a:rPr lang="en-US" sz="2600" b="1" i="0" u="none" strike="noStrike" cap="none" dirty="0">
+                <a:solidFill>
+                  <a:srgbClr val="FF7F00"/>
+                </a:solidFill>
+                <a:latin typeface="Courier New"/>
+                <a:ea typeface="Courier New"/>
+                <a:cs typeface="Courier New"/>
+                <a:sym typeface="Courier New"/>
+              </a:rPr>
+              <a:t>'2', '19', '42']</a:t>
             </a:r>
           </a:p>
         </p:txBody>
@@ -10195,7 +10570,7 @@
         </p:nvSpPr>
         <p:spPr>
           <a:xfrm>
-            <a:off x="1727200" y="6096000"/>
+            <a:off x="1798638" y="5699125"/>
             <a:ext cx="2772299" cy="914400"/>
           </a:xfrm>
           <a:prstGeom prst="rect">
@@ -10252,8 +10627,8 @@
         </p:nvSpPr>
         <p:spPr>
           <a:xfrm>
-            <a:off x="931862" y="7683500"/>
-            <a:ext cx="3705300" cy="622199"/>
+            <a:off x="1003300" y="7286625"/>
+            <a:ext cx="4154488" cy="622199"/>
           </a:xfrm>
           <a:prstGeom prst="rect">
             <a:avLst/>
@@ -10309,7 +10684,7 @@
         </p:nvCxnSpPr>
         <p:spPr>
           <a:xfrm>
-            <a:off x="3097212" y="7026275"/>
+            <a:off x="3168650" y="6629400"/>
             <a:ext cx="81000" cy="590699"/>
           </a:xfrm>
           <a:prstGeom prst="straightConnector1">
@@ -10420,6 +10795,10 @@
           </p:nvPr>
         </p:nvSpPr>
         <p:spPr>
+          <a:xfrm>
+            <a:off x="1155700" y="2603501"/>
+            <a:ext cx="13932000" cy="2082800"/>
+          </a:xfrm>
           <a:prstGeom prst="rect">
             <a:avLst/>
           </a:prstGeom>
@@ -10429,7 +10808,7 @@
           </a:ln>
         </p:spPr>
         <p:txBody>
-          <a:bodyPr lIns="38100" tIns="38100" rIns="38100" bIns="38100" anchor="ctr" anchorCtr="0">
+          <a:bodyPr lIns="38100" tIns="38100" rIns="38100" bIns="38100" anchor="t" anchorCtr="0">
             <a:noAutofit/>
           </a:bodyPr>
           <a:lstStyle/>
@@ -10506,7 +10885,7 @@
         </p:nvSpPr>
         <p:spPr>
           <a:xfrm>
-            <a:off x="3091625" y="4864050"/>
+            <a:off x="3120200" y="4378428"/>
             <a:ext cx="11680500" cy="3575099"/>
           </a:xfrm>
           <a:prstGeom prst="rect">
@@ -10691,8 +11070,29 @@
                 <a:cs typeface="Courier New"/>
                 <a:sym typeface="Courier New"/>
               </a:rPr>
-              <a:t>&gt;&gt;&gt; print y</a:t>
-            </a:r>
+              <a:t>&gt;&gt;&gt; </a:t>
+            </a:r>
+            <a:r>
+              <a:rPr lang="en-US" sz="3000" b="1" i="0" u="none" strike="noStrike" cap="none" dirty="0" smtClean="0">
+                <a:solidFill>
+                  <a:schemeClr val="lt1"/>
+                </a:solidFill>
+                <a:latin typeface="Courier New"/>
+                <a:ea typeface="Courier New"/>
+                <a:cs typeface="Courier New"/>
+                <a:sym typeface="Courier New"/>
+              </a:rPr>
+              <a:t>print(y)</a:t>
+            </a:r>
+            <a:endParaRPr lang="en-US" sz="3000" b="1" i="0" u="none" strike="noStrike" cap="none" dirty="0">
+              <a:solidFill>
+                <a:schemeClr val="lt1"/>
+              </a:solidFill>
+              <a:latin typeface="Courier New"/>
+              <a:ea typeface="Courier New"/>
+              <a:cs typeface="Courier New"/>
+              <a:sym typeface="Courier New"/>
+            </a:endParaRPr>
           </a:p>
           <a:p>
             <a:pPr marL="0" marR="0" lvl="0" indent="0" algn="l" rtl="0">
@@ -10713,6 +11113,18 @@
               <a:buNone/>
             </a:pPr>
             <a:r>
+              <a:rPr lang="en-US" sz="3000" b="1" i="0" u="none" strike="noStrike" cap="none" dirty="0" smtClean="0">
+                <a:solidFill>
+                  <a:srgbClr val="FF7F00"/>
+                </a:solidFill>
+                <a:latin typeface="Courier New"/>
+                <a:ea typeface="Courier New"/>
+                <a:cs typeface="Courier New"/>
+                <a:sym typeface="Courier New"/>
+              </a:rPr>
+              <a:t>[</a:t>
+            </a:r>
+            <a:r>
               <a:rPr lang="en-US" sz="3000" b="1" i="0" u="none" strike="noStrike" cap="none" dirty="0">
                 <a:solidFill>
                   <a:srgbClr val="FF7F00"/>
@@ -10722,7 +11134,7 @@
                 <a:cs typeface="Courier New"/>
                 <a:sym typeface="Courier New"/>
               </a:rPr>
-              <a:t>['2', '19', '42']</a:t>
+              <a:t>'2', '19', '42']</a:t>
             </a:r>
           </a:p>
           <a:p>
@@ -10832,8 +11244,29 @@
                 <a:cs typeface="Courier New"/>
                 <a:sym typeface="Courier New"/>
               </a:rPr>
-              <a:t>&gt;&gt;&gt; print y</a:t>
-            </a:r>
+              <a:t>&gt;&gt;&gt; </a:t>
+            </a:r>
+            <a:r>
+              <a:rPr lang="en-US" sz="3000" b="1" i="0" u="none" strike="noStrike" cap="none" dirty="0" smtClean="0">
+                <a:solidFill>
+                  <a:schemeClr val="lt1"/>
+                </a:solidFill>
+                <a:latin typeface="Courier New"/>
+                <a:ea typeface="Courier New"/>
+                <a:cs typeface="Courier New"/>
+                <a:sym typeface="Courier New"/>
+              </a:rPr>
+              <a:t>print(y)</a:t>
+            </a:r>
+            <a:endParaRPr lang="en-US" sz="3000" b="1" i="0" u="none" strike="noStrike" cap="none" dirty="0">
+              <a:solidFill>
+                <a:schemeClr val="lt1"/>
+              </a:solidFill>
+              <a:latin typeface="Courier New"/>
+              <a:ea typeface="Courier New"/>
+              <a:cs typeface="Courier New"/>
+              <a:sym typeface="Courier New"/>
+            </a:endParaRPr>
           </a:p>
           <a:p>
             <a:pPr marL="0" marR="0" lvl="0" indent="0" algn="l" rtl="0">
@@ -10994,7 +11427,7 @@
           </a:ln>
         </p:spPr>
         <p:txBody>
-          <a:bodyPr lIns="38100" tIns="38100" rIns="38100" bIns="38100" anchor="ctr" anchorCtr="0">
+          <a:bodyPr lIns="38100" tIns="38100" rIns="38100" bIns="38100" anchor="t" anchorCtr="0">
             <a:noAutofit/>
           </a:bodyPr>
           <a:lstStyle/>
@@ -11017,7 +11450,7 @@
               <a:buChar char="•"/>
             </a:pPr>
             <a:r>
-              <a:rPr lang="en-US" sz="3600" u="none" strike="noStrike" cap="none">
+              <a:rPr lang="en-US" sz="3600" u="none" strike="noStrike" cap="none" dirty="0">
                 <a:solidFill>
                   <a:schemeClr val="lt1"/>
                 </a:solidFill>
@@ -11029,7 +11462,7 @@
               <a:t>The </a:t>
             </a:r>
             <a:r>
-              <a:rPr lang="en-US" sz="3600" u="none" strike="noStrike" cap="none">
+              <a:rPr lang="en-US" sz="3600" u="none" strike="noStrike" cap="none" dirty="0">
                 <a:solidFill>
                   <a:srgbClr val="FF7F00"/>
                 </a:solidFill>
@@ -11041,7 +11474,7 @@
               <a:t>repeat</a:t>
             </a:r>
             <a:r>
-              <a:rPr lang="en-US" sz="3600" u="none" strike="noStrike" cap="none">
+              <a:rPr lang="en-US" sz="3600" u="none" strike="noStrike" cap="none" dirty="0">
                 <a:solidFill>
                   <a:schemeClr val="lt1"/>
                 </a:solidFill>
@@ -11053,7 +11486,7 @@
               <a:t> characters (</a:t>
             </a:r>
             <a:r>
-              <a:rPr lang="en-US" sz="3600" u="none" strike="noStrike" cap="none">
+              <a:rPr lang="en-US" sz="3600" u="none" strike="noStrike" cap="none" dirty="0">
                 <a:solidFill>
                   <a:srgbClr val="FF7F00"/>
                 </a:solidFill>
@@ -11065,7 +11498,7 @@
               <a:t>*</a:t>
             </a:r>
             <a:r>
-              <a:rPr lang="en-US" sz="3600" u="none" strike="noStrike" cap="none">
+              <a:rPr lang="en-US" sz="3600" u="none" strike="noStrike" cap="none" dirty="0">
                 <a:solidFill>
                   <a:schemeClr val="lt1"/>
                 </a:solidFill>
@@ -11077,7 +11510,7 @@
               <a:t> and </a:t>
             </a:r>
             <a:r>
-              <a:rPr lang="en-US" sz="3600" u="none" strike="noStrike" cap="none">
+              <a:rPr lang="en-US" sz="3600" u="none" strike="noStrike" cap="none" dirty="0">
                 <a:solidFill>
                   <a:srgbClr val="FF7F00"/>
                 </a:solidFill>
@@ -11089,7 +11522,7 @@
               <a:t>+</a:t>
             </a:r>
             <a:r>
-              <a:rPr lang="en-US" sz="3600" u="none" strike="noStrike" cap="none">
+              <a:rPr lang="en-US" sz="3600" u="none" strike="noStrike" cap="none" dirty="0">
                 <a:solidFill>
                   <a:schemeClr val="lt1"/>
                 </a:solidFill>
@@ -11101,7 +11534,7 @@
               <a:t>) push </a:t>
             </a:r>
             <a:r>
-              <a:rPr lang="en-US" sz="3600" u="none" strike="noStrike" cap="none">
+              <a:rPr lang="en-US" sz="3600" u="none" strike="noStrike" cap="none" dirty="0">
                 <a:solidFill>
                   <a:srgbClr val="FF00FF"/>
                 </a:solidFill>
@@ -11113,7 +11546,7 @@
               <a:t>outward</a:t>
             </a:r>
             <a:r>
-              <a:rPr lang="en-US" sz="3600" u="none" strike="noStrike" cap="none">
+              <a:rPr lang="en-US" sz="3600" u="none" strike="noStrike" cap="none" dirty="0">
                 <a:solidFill>
                   <a:schemeClr val="lt1"/>
                 </a:solidFill>
@@ -11135,7 +11568,7 @@
         </p:nvSpPr>
         <p:spPr>
           <a:xfrm>
-            <a:off x="987425" y="4597400"/>
+            <a:off x="987425" y="4168770"/>
             <a:ext cx="10033000" cy="2705100"/>
           </a:xfrm>
           <a:prstGeom prst="rect">
@@ -11170,7 +11603,7 @@
               <a:buNone/>
             </a:pPr>
             <a:r>
-              <a:rPr lang="en-US" sz="3000" b="1" i="0" u="none" strike="noStrike" cap="none">
+              <a:rPr lang="en-US" sz="3000" b="1" i="0" u="none" strike="noStrike" cap="none" dirty="0">
                 <a:solidFill>
                   <a:schemeClr val="lt1"/>
                 </a:solidFill>
@@ -11201,7 +11634,7 @@
               <a:buNone/>
             </a:pPr>
             <a:r>
-              <a:rPr lang="en-US" sz="3000" b="1" i="0" u="none" strike="noStrike" cap="none">
+              <a:rPr lang="en-US" sz="3000" b="1" i="0" u="none" strike="noStrike" cap="none" dirty="0">
                 <a:solidFill>
                   <a:schemeClr val="lt1"/>
                 </a:solidFill>
@@ -11213,7 +11646,7 @@
               <a:t>&gt;&gt;&gt; x = '</a:t>
             </a:r>
             <a:r>
-              <a:rPr lang="en-US" sz="3000" b="1" i="0" u="none" strike="noStrike" cap="none">
+              <a:rPr lang="en-US" sz="3000" b="1" i="0" u="none" strike="noStrike" cap="none" dirty="0">
                 <a:solidFill>
                   <a:srgbClr val="FF00FF"/>
                 </a:solidFill>
@@ -11225,7 +11658,7 @@
               <a:t>From: Using the :</a:t>
             </a:r>
             <a:r>
-              <a:rPr lang="en-US" sz="3000" b="1" i="0" u="none" strike="noStrike" cap="none">
+              <a:rPr lang="en-US" sz="3000" b="1" i="0" u="none" strike="noStrike" cap="none" dirty="0">
                 <a:solidFill>
                   <a:schemeClr val="lt1"/>
                 </a:solidFill>
@@ -11256,19 +11689,43 @@
               <a:buNone/>
             </a:pPr>
             <a:r>
-              <a:rPr lang="en-US" sz="3000" b="1" i="0" u="none" strike="noStrike" cap="none">
-                <a:solidFill>
-                  <a:schemeClr val="lt1"/>
-                </a:solidFill>
-                <a:latin typeface="Courier New"/>
-                <a:ea typeface="Courier New"/>
-                <a:cs typeface="Courier New"/>
-                <a:sym typeface="Courier New"/>
-              </a:rPr>
-              <a:t>&gt;&gt;&gt; y = re.findall('</a:t>
-            </a:r>
-            <a:r>
-              <a:rPr lang="en-US" sz="3000" b="1" i="0" u="none" strike="noStrike" cap="none">
+              <a:rPr lang="en-US" sz="3000" b="1" i="0" u="none" strike="noStrike" cap="none" dirty="0">
+                <a:solidFill>
+                  <a:schemeClr val="lt1"/>
+                </a:solidFill>
+                <a:latin typeface="Courier New"/>
+                <a:ea typeface="Courier New"/>
+                <a:cs typeface="Courier New"/>
+                <a:sym typeface="Courier New"/>
+              </a:rPr>
+              <a:t>&gt;&gt;&gt; y = </a:t>
+            </a:r>
+            <a:r>
+              <a:rPr lang="en-US" sz="3000" b="1" i="0" u="none" strike="noStrike" cap="none" dirty="0" err="1">
+                <a:solidFill>
+                  <a:schemeClr val="lt1"/>
+                </a:solidFill>
+                <a:latin typeface="Courier New"/>
+                <a:ea typeface="Courier New"/>
+                <a:cs typeface="Courier New"/>
+                <a:sym typeface="Courier New"/>
+              </a:rPr>
+              <a:t>re.findall</a:t>
+            </a:r>
+            <a:r>
+              <a:rPr lang="en-US" sz="3000" b="1" i="0" u="none" strike="noStrike" cap="none" dirty="0">
+                <a:solidFill>
+                  <a:schemeClr val="lt1"/>
+                </a:solidFill>
+                <a:latin typeface="Courier New"/>
+                <a:ea typeface="Courier New"/>
+                <a:cs typeface="Courier New"/>
+                <a:sym typeface="Courier New"/>
+              </a:rPr>
+              <a:t>('</a:t>
+            </a:r>
+            <a:r>
+              <a:rPr lang="en-US" sz="3000" b="1" i="0" u="none" strike="noStrike" cap="none" dirty="0">
                 <a:solidFill>
                   <a:srgbClr val="FFFF00"/>
                 </a:solidFill>
@@ -11280,7 +11737,7 @@
               <a:t>^F.+:</a:t>
             </a:r>
             <a:r>
-              <a:rPr lang="en-US" sz="3000" b="1" i="0" u="none" strike="noStrike" cap="none">
+              <a:rPr lang="en-US" sz="3000" b="1" i="0" u="none" strike="noStrike" cap="none" dirty="0">
                 <a:solidFill>
                   <a:schemeClr val="lt1"/>
                 </a:solidFill>
@@ -11311,17 +11768,38 @@
               <a:buNone/>
             </a:pPr>
             <a:r>
-              <a:rPr lang="en-US" sz="3000" b="1" i="0" u="none" strike="noStrike" cap="none">
-                <a:solidFill>
-                  <a:schemeClr val="lt1"/>
-                </a:solidFill>
-                <a:latin typeface="Courier New"/>
-                <a:ea typeface="Courier New"/>
-                <a:cs typeface="Courier New"/>
-                <a:sym typeface="Courier New"/>
-              </a:rPr>
-              <a:t>&gt;&gt;&gt; print y</a:t>
-            </a:r>
+              <a:rPr lang="en-US" sz="3000" b="1" i="0" u="none" strike="noStrike" cap="none" dirty="0">
+                <a:solidFill>
+                  <a:schemeClr val="lt1"/>
+                </a:solidFill>
+                <a:latin typeface="Courier New"/>
+                <a:ea typeface="Courier New"/>
+                <a:cs typeface="Courier New"/>
+                <a:sym typeface="Courier New"/>
+              </a:rPr>
+              <a:t>&gt;&gt;&gt; </a:t>
+            </a:r>
+            <a:r>
+              <a:rPr lang="en-US" sz="3000" b="1" i="0" u="none" strike="noStrike" cap="none" dirty="0" smtClean="0">
+                <a:solidFill>
+                  <a:schemeClr val="lt1"/>
+                </a:solidFill>
+                <a:latin typeface="Courier New"/>
+                <a:ea typeface="Courier New"/>
+                <a:cs typeface="Courier New"/>
+                <a:sym typeface="Courier New"/>
+              </a:rPr>
+              <a:t>print(y)</a:t>
+            </a:r>
+            <a:endParaRPr lang="en-US" sz="3000" b="1" i="0" u="none" strike="noStrike" cap="none" dirty="0">
+              <a:solidFill>
+                <a:schemeClr val="lt1"/>
+              </a:solidFill>
+              <a:latin typeface="Courier New"/>
+              <a:ea typeface="Courier New"/>
+              <a:cs typeface="Courier New"/>
+              <a:sym typeface="Courier New"/>
+            </a:endParaRPr>
           </a:p>
           <a:p>
             <a:pPr marL="0" marR="0" lvl="0" indent="0" algn="l" rtl="0">
@@ -11342,7 +11820,7 @@
               <a:buNone/>
             </a:pPr>
             <a:r>
-              <a:rPr lang="en-US" sz="3000" b="1" i="0" u="none" strike="noStrike" cap="none">
+              <a:rPr lang="en-US" sz="3000" b="1" i="0" u="none" strike="noStrike" cap="none" dirty="0">
                 <a:solidFill>
                   <a:schemeClr val="lt1"/>
                 </a:solidFill>
@@ -11354,7 +11832,7 @@
               <a:t>['</a:t>
             </a:r>
             <a:r>
-              <a:rPr lang="en-US" sz="3000" b="1" i="0" u="none" strike="noStrike" cap="none">
+              <a:rPr lang="en-US" sz="3000" b="1" i="0" u="none" strike="noStrike" cap="none" dirty="0">
                 <a:solidFill>
                   <a:srgbClr val="00FF00"/>
                 </a:solidFill>
@@ -11366,7 +11844,7 @@
               <a:t>From: Using the :</a:t>
             </a:r>
             <a:r>
-              <a:rPr lang="en-US" sz="3000" b="1" i="0" u="none" strike="noStrike" cap="none">
+              <a:rPr lang="en-US" sz="3000" b="1" i="0" u="none" strike="noStrike" cap="none" dirty="0">
                 <a:solidFill>
                   <a:schemeClr val="lt1"/>
                 </a:solidFill>
@@ -11388,7 +11866,7 @@
         </p:nvSpPr>
         <p:spPr>
           <a:xfrm>
-            <a:off x="10909300" y="5581650"/>
+            <a:off x="10909300" y="5153020"/>
             <a:ext cx="2588999" cy="1028700"/>
           </a:xfrm>
           <a:prstGeom prst="rect">
@@ -11469,7 +11947,7 @@
         </p:nvSpPr>
         <p:spPr>
           <a:xfrm>
-            <a:off x="11757025" y="3854450"/>
+            <a:off x="11757025" y="3425820"/>
             <a:ext cx="3238499" cy="1143000"/>
           </a:xfrm>
           <a:prstGeom prst="rect">
@@ -11526,7 +12004,7 @@
         </p:nvCxnSpPr>
         <p:spPr>
           <a:xfrm rot="10800000" flipH="1">
-            <a:off x="12652975" y="4997449"/>
+            <a:off x="12652975" y="4568819"/>
             <a:ext cx="799499" cy="793800"/>
           </a:xfrm>
           <a:prstGeom prst="straightConnector1">
@@ -11552,7 +12030,7 @@
         </p:nvSpPr>
         <p:spPr>
           <a:xfrm>
-            <a:off x="7289800" y="7480300"/>
+            <a:off x="7289800" y="7051670"/>
             <a:ext cx="4165499" cy="1143000"/>
           </a:xfrm>
           <a:prstGeom prst="rect">
@@ -11609,7 +12087,7 @@
         </p:nvCxnSpPr>
         <p:spPr>
           <a:xfrm flipH="1">
-            <a:off x="10720236" y="6611936"/>
+            <a:off x="10720236" y="6183306"/>
             <a:ext cx="514499" cy="935099"/>
           </a:xfrm>
           <a:prstGeom prst="straightConnector1">
@@ -11635,7 +12113,7 @@
         </p:nvSpPr>
         <p:spPr>
           <a:xfrm>
-            <a:off x="11785600" y="7493000"/>
+            <a:off x="11785600" y="7064370"/>
             <a:ext cx="4165499" cy="1143000"/>
           </a:xfrm>
           <a:prstGeom prst="rect">
@@ -11692,7 +12170,7 @@
         </p:nvCxnSpPr>
         <p:spPr>
           <a:xfrm>
-            <a:off x="13004875" y="6502475"/>
+            <a:off x="13004875" y="6073845"/>
             <a:ext cx="863400" cy="990599"/>
           </a:xfrm>
           <a:prstGeom prst="straightConnector1">
@@ -11718,7 +12196,7 @@
         </p:nvSpPr>
         <p:spPr>
           <a:xfrm>
-            <a:off x="1155696" y="7788350"/>
+            <a:off x="1155696" y="7359720"/>
             <a:ext cx="4030200" cy="552300"/>
           </a:xfrm>
           <a:prstGeom prst="rect">
@@ -11753,7 +12231,7 @@
               <a:buNone/>
             </a:pPr>
             <a:r>
-              <a:rPr lang="en-US" sz="3600" u="none" strike="noStrike" cap="none">
+              <a:rPr lang="en-US" sz="3600" u="none" strike="noStrike" cap="none" dirty="0">
                 <a:solidFill>
                   <a:srgbClr val="FFFF00"/>
                 </a:solidFill>
@@ -11881,7 +12359,7 @@
           </a:ln>
         </p:spPr>
         <p:txBody>
-          <a:bodyPr lIns="38100" tIns="38100" rIns="38100" bIns="38100" anchor="ctr" anchorCtr="0">
+          <a:bodyPr lIns="38100" tIns="38100" rIns="38100" bIns="38100" anchor="t" anchorCtr="0">
             <a:noAutofit/>
           </a:bodyPr>
           <a:lstStyle/>
@@ -11904,7 +12382,7 @@
               <a:buChar char="•"/>
             </a:pPr>
             <a:r>
-              <a:rPr lang="en-US" sz="3600" u="none" strike="noStrike" cap="none">
+              <a:rPr lang="en-US" sz="3600" u="none" strike="noStrike" cap="none" dirty="0">
                 <a:solidFill>
                   <a:schemeClr val="lt1"/>
                 </a:solidFill>
@@ -11913,19 +12391,7 @@
                 <a:cs typeface="Arial Regular" charset="0"/>
                 <a:sym typeface="Cabin"/>
               </a:rPr>
-              <a:t>Not all regular expression repeat codes are greedy!  </a:t>
-            </a:r>
-            <a:r>
-              <a:rPr lang="en-US" sz="3600" u="none" strike="noStrike" cap="none" dirty="0">
-                <a:solidFill>
-                  <a:schemeClr val="lt1"/>
-                </a:solidFill>
-                <a:latin typeface="Arial Regular" charset="0"/>
-                <a:ea typeface="Arial Regular" charset="0"/>
-                <a:cs typeface="Arial Regular" charset="0"/>
-                <a:sym typeface="Cabin"/>
-              </a:rPr>
-              <a:t>If you add a </a:t>
+              <a:t>Not all regular expression repeat codes are greedy!  If you add a </a:t>
             </a:r>
             <a:r>
               <a:rPr lang="en-US" sz="3600" u="none" strike="noStrike" cap="none" dirty="0">
@@ -12183,8 +12649,29 @@
                 <a:cs typeface="Courier New"/>
                 <a:sym typeface="Courier New"/>
               </a:rPr>
-              <a:t>&gt;&gt;&gt; print y</a:t>
-            </a:r>
+              <a:t>&gt;&gt;&gt; </a:t>
+            </a:r>
+            <a:r>
+              <a:rPr lang="en-US" sz="3000" b="1" i="0" u="none" strike="noStrike" cap="none" dirty="0" smtClean="0">
+                <a:solidFill>
+                  <a:schemeClr val="lt1"/>
+                </a:solidFill>
+                <a:latin typeface="Courier New"/>
+                <a:ea typeface="Courier New"/>
+                <a:cs typeface="Courier New"/>
+                <a:sym typeface="Courier New"/>
+              </a:rPr>
+              <a:t>print(y)</a:t>
+            </a:r>
+            <a:endParaRPr lang="en-US" sz="3000" b="1" i="0" u="none" strike="noStrike" cap="none" dirty="0">
+              <a:solidFill>
+                <a:schemeClr val="lt1"/>
+              </a:solidFill>
+              <a:latin typeface="Courier New"/>
+              <a:ea typeface="Courier New"/>
+              <a:cs typeface="Courier New"/>
+              <a:sym typeface="Courier New"/>
+            </a:endParaRPr>
           </a:p>
           <a:p>
             <a:pPr marL="0" marR="0" lvl="0" indent="0" algn="l" rtl="0">
@@ -12205,6 +12692,18 @@
               <a:buNone/>
             </a:pPr>
             <a:r>
+              <a:rPr lang="en-US" sz="3000" b="1" i="0" u="none" strike="noStrike" cap="none" dirty="0" smtClean="0">
+                <a:solidFill>
+                  <a:schemeClr val="lt1"/>
+                </a:solidFill>
+                <a:latin typeface="Courier New"/>
+                <a:ea typeface="Courier New"/>
+                <a:cs typeface="Courier New"/>
+                <a:sym typeface="Courier New"/>
+              </a:rPr>
+              <a:t>[</a:t>
+            </a:r>
+            <a:r>
               <a:rPr lang="en-US" sz="3000" b="1" i="0" u="none" strike="noStrike" cap="none" dirty="0">
                 <a:solidFill>
                   <a:schemeClr val="lt1"/>
@@ -12214,7 +12713,7 @@
                 <a:cs typeface="Courier New"/>
                 <a:sym typeface="Courier New"/>
               </a:rPr>
-              <a:t>['</a:t>
+              <a:t>'</a:t>
             </a:r>
             <a:r>
               <a:rPr lang="en-US" sz="3000" b="1" i="0" u="none" strike="noStrike" cap="none" dirty="0">
@@ -12251,7 +12750,7 @@
         </p:nvSpPr>
         <p:spPr>
           <a:xfrm>
-            <a:off x="10833100" y="5581650"/>
+            <a:off x="10833100" y="5281604"/>
             <a:ext cx="2966399" cy="1028700"/>
           </a:xfrm>
           <a:prstGeom prst="rect">
@@ -12332,7 +12831,7 @@
         </p:nvSpPr>
         <p:spPr>
           <a:xfrm>
-            <a:off x="12747625" y="3644900"/>
+            <a:off x="12747625" y="3344854"/>
             <a:ext cx="3238499" cy="1663800"/>
           </a:xfrm>
           <a:prstGeom prst="rect">
@@ -12391,7 +12890,7 @@
         </p:nvCxnSpPr>
         <p:spPr>
           <a:xfrm rot="10800000" flipH="1">
-            <a:off x="12316299" y="4772250"/>
+            <a:off x="12316299" y="4472204"/>
             <a:ext cx="547800" cy="809400"/>
           </a:xfrm>
           <a:prstGeom prst="straightConnector1">
@@ -12417,7 +12916,7 @@
         </p:nvSpPr>
         <p:spPr>
           <a:xfrm>
-            <a:off x="7289800" y="7480300"/>
+            <a:off x="7289800" y="7180254"/>
             <a:ext cx="4165499" cy="1143000"/>
           </a:xfrm>
           <a:prstGeom prst="rect">
@@ -12474,7 +12973,7 @@
         </p:nvCxnSpPr>
         <p:spPr>
           <a:xfrm flipH="1">
-            <a:off x="10644036" y="6611936"/>
+            <a:off x="10644036" y="6311890"/>
             <a:ext cx="514499" cy="935099"/>
           </a:xfrm>
           <a:prstGeom prst="straightConnector1">
@@ -12500,7 +12999,7 @@
         </p:nvSpPr>
         <p:spPr>
           <a:xfrm>
-            <a:off x="11785600" y="7493000"/>
+            <a:off x="11785600" y="7192954"/>
             <a:ext cx="4165499" cy="1143000"/>
           </a:xfrm>
           <a:prstGeom prst="rect">
@@ -12559,7 +13058,7 @@
         </p:nvCxnSpPr>
         <p:spPr>
           <a:xfrm>
-            <a:off x="13483749" y="6517100"/>
+            <a:off x="13483749" y="6217054"/>
             <a:ext cx="384600" cy="975900"/>
           </a:xfrm>
           <a:prstGeom prst="straightConnector1">
@@ -12694,6 +13193,10 @@
           </p:nvPr>
         </p:nvSpPr>
         <p:spPr>
+          <a:xfrm>
+            <a:off x="1155700" y="2603501"/>
+            <a:ext cx="13932000" cy="1642986"/>
+          </a:xfrm>
           <a:prstGeom prst="rect">
             <a:avLst/>
           </a:prstGeom>
@@ -12703,7 +13206,7 @@
           </a:ln>
         </p:spPr>
         <p:txBody>
-          <a:bodyPr lIns="38100" tIns="38100" rIns="38100" bIns="38100" anchor="ctr" anchorCtr="0">
+          <a:bodyPr lIns="38100" tIns="38100" rIns="38100" bIns="38100" anchor="t" anchorCtr="0">
             <a:noAutofit/>
           </a:bodyPr>
           <a:lstStyle/>
@@ -12722,7 +13225,7 @@
               <a:buFont typeface="Cabin"/>
             </a:pPr>
             <a:r>
-              <a:rPr lang="en-US" sz="3600" u="none" strike="noStrike" cap="none" dirty="0">
+              <a:rPr lang="en-US" u="none" strike="noStrike" cap="none" dirty="0">
                 <a:solidFill>
                   <a:schemeClr val="lt1"/>
                 </a:solidFill>
@@ -12734,7 +13237,7 @@
               <a:t>You can refine the match for </a:t>
             </a:r>
             <a:r>
-              <a:rPr lang="en-US" sz="3600" u="none" strike="noStrike" cap="none" dirty="0" err="1">
+              <a:rPr lang="en-US" u="none" strike="noStrike" cap="none" dirty="0" err="1">
                 <a:solidFill>
                   <a:srgbClr val="FF00FF"/>
                 </a:solidFill>
@@ -12746,7 +13249,7 @@
               <a:t>re.findall</a:t>
             </a:r>
             <a:r>
-              <a:rPr lang="en-US" sz="3600" u="none" strike="noStrike" cap="none" dirty="0">
+              <a:rPr lang="en-US" u="none" strike="noStrike" cap="none" dirty="0">
                 <a:solidFill>
                   <a:srgbClr val="FF00FF"/>
                 </a:solidFill>
@@ -12758,7 +13261,7 @@
               <a:t>() </a:t>
             </a:r>
             <a:r>
-              <a:rPr lang="en-US" sz="3600" u="none" strike="noStrike" cap="none" dirty="0">
+              <a:rPr lang="en-US" u="none" strike="noStrike" cap="none" dirty="0">
                 <a:solidFill>
                   <a:schemeClr val="lt1"/>
                 </a:solidFill>
@@ -12770,7 +13273,7 @@
               <a:t>and separately determine which portion of the match is to be extracted by using parenthes</a:t>
             </a:r>
             <a:r>
-              <a:rPr lang="en-US" sz="3600" dirty="0">
+              <a:rPr lang="en-US" dirty="0">
                 <a:solidFill>
                   <a:schemeClr val="lt1"/>
                 </a:solidFill>
@@ -12782,7 +13285,7 @@
               <a:t>e</a:t>
             </a:r>
             <a:r>
-              <a:rPr lang="en-US" sz="3600" u="none" strike="noStrike" cap="none" dirty="0">
+              <a:rPr lang="en-US" u="none" strike="noStrike" cap="none" dirty="0">
                 <a:solidFill>
                   <a:schemeClr val="lt1"/>
                 </a:solidFill>
@@ -12804,8 +13307,8 @@
         </p:nvSpPr>
         <p:spPr>
           <a:xfrm>
-            <a:off x="482600" y="4184650"/>
-            <a:ext cx="15478125" cy="673099"/>
+            <a:off x="959775" y="3924386"/>
+            <a:ext cx="14409602" cy="673099"/>
           </a:xfrm>
           <a:prstGeom prst="rect">
             <a:avLst/>
@@ -12839,7 +13342,7 @@
               <a:buNone/>
             </a:pPr>
             <a:r>
-              <a:rPr lang="en-US" sz="3000" b="1" i="0" u="none" strike="noStrike" cap="none">
+              <a:rPr lang="en-US" sz="3000" b="1" i="0" u="none" strike="noStrike" cap="none" dirty="0">
                 <a:solidFill>
                   <a:srgbClr val="FF7F00"/>
                 </a:solidFill>
@@ -12851,7 +13354,7 @@
               <a:t>From </a:t>
             </a:r>
             <a:r>
-              <a:rPr lang="en-US" sz="3000" b="1" i="0" u="none" strike="noStrike" cap="none">
+              <a:rPr lang="en-US" sz="3000" b="1" i="0" u="none" strike="noStrike" cap="none" dirty="0" err="1">
                 <a:solidFill>
                   <a:srgbClr val="00FF00"/>
                 </a:solidFill>
@@ -12863,7 +13366,7 @@
               <a:t>stephen.marquard@uct.ac.za</a:t>
             </a:r>
             <a:r>
-              <a:rPr lang="en-US" sz="3000" b="1" i="0" u="none" strike="noStrike" cap="none">
+              <a:rPr lang="en-US" sz="3000" b="1" i="0" u="none" strike="noStrike" cap="none" dirty="0">
                 <a:solidFill>
                   <a:srgbClr val="FF7F00"/>
                 </a:solidFill>
@@ -12885,8 +13388,8 @@
         </p:nvSpPr>
         <p:spPr>
           <a:xfrm>
-            <a:off x="959775" y="5405414"/>
-            <a:ext cx="21907499" cy="3027299"/>
+            <a:off x="1670718" y="5141016"/>
+            <a:ext cx="11107074" cy="3027299"/>
           </a:xfrm>
           <a:prstGeom prst="rect">
             <a:avLst/>
@@ -12920,19 +13423,43 @@
               <a:buNone/>
             </a:pPr>
             <a:r>
-              <a:rPr lang="en-US" sz="3000" b="1" i="0" u="none" strike="noStrike" cap="none">
-                <a:solidFill>
-                  <a:schemeClr val="lt1"/>
-                </a:solidFill>
-                <a:latin typeface="Courier New"/>
-                <a:ea typeface="Courier New"/>
-                <a:cs typeface="Courier New"/>
-                <a:sym typeface="Courier New"/>
-              </a:rPr>
-              <a:t>&gt;&gt;&gt; y = re.findall('</a:t>
-            </a:r>
-            <a:r>
-              <a:rPr lang="en-US" sz="3000" b="1" i="0" u="none" strike="noStrike" cap="none">
+              <a:rPr lang="en-US" sz="3000" b="1" i="0" u="none" strike="noStrike" cap="none" dirty="0">
+                <a:solidFill>
+                  <a:schemeClr val="lt1"/>
+                </a:solidFill>
+                <a:latin typeface="Courier New"/>
+                <a:ea typeface="Courier New"/>
+                <a:cs typeface="Courier New"/>
+                <a:sym typeface="Courier New"/>
+              </a:rPr>
+              <a:t>&gt;&gt;&gt; y = </a:t>
+            </a:r>
+            <a:r>
+              <a:rPr lang="en-US" sz="3000" b="1" i="0" u="none" strike="noStrike" cap="none" dirty="0" err="1">
+                <a:solidFill>
+                  <a:schemeClr val="lt1"/>
+                </a:solidFill>
+                <a:latin typeface="Courier New"/>
+                <a:ea typeface="Courier New"/>
+                <a:cs typeface="Courier New"/>
+                <a:sym typeface="Courier New"/>
+              </a:rPr>
+              <a:t>re.findall</a:t>
+            </a:r>
+            <a:r>
+              <a:rPr lang="en-US" sz="3000" b="1" i="0" u="none" strike="noStrike" cap="none" dirty="0">
+                <a:solidFill>
+                  <a:schemeClr val="lt1"/>
+                </a:solidFill>
+                <a:latin typeface="Courier New"/>
+                <a:ea typeface="Courier New"/>
+                <a:cs typeface="Courier New"/>
+                <a:sym typeface="Courier New"/>
+              </a:rPr>
+              <a:t>('</a:t>
+            </a:r>
+            <a:r>
+              <a:rPr lang="en-US" sz="3000" b="1" i="0" u="none" strike="noStrike" cap="none" dirty="0">
                 <a:solidFill>
                   <a:srgbClr val="FFFF00"/>
                 </a:solidFill>
@@ -12941,19 +13468,43 @@
                 <a:cs typeface="Courier New"/>
                 <a:sym typeface="Courier New"/>
               </a:rPr>
-              <a:t>\S+@\S+</a:t>
-            </a:r>
-            <a:r>
-              <a:rPr lang="en-US" sz="3000" b="1" i="0" u="none" strike="noStrike" cap="none">
-                <a:solidFill>
-                  <a:schemeClr val="lt1"/>
-                </a:solidFill>
-                <a:latin typeface="Courier New"/>
-                <a:ea typeface="Courier New"/>
-                <a:cs typeface="Courier New"/>
-                <a:sym typeface="Courier New"/>
-              </a:rPr>
-              <a:t>',x)</a:t>
+              <a:t>\S+@\</a:t>
+            </a:r>
+            <a:r>
+              <a:rPr lang="en-US" sz="3000" b="1" i="0" u="none" strike="noStrike" cap="none" dirty="0" err="1">
+                <a:solidFill>
+                  <a:srgbClr val="FFFF00"/>
+                </a:solidFill>
+                <a:latin typeface="Courier New"/>
+                <a:ea typeface="Courier New"/>
+                <a:cs typeface="Courier New"/>
+                <a:sym typeface="Courier New"/>
+              </a:rPr>
+              <a:t>S+</a:t>
+            </a:r>
+            <a:r>
+              <a:rPr lang="en-US" sz="3000" b="1" i="0" u="none" strike="noStrike" cap="none" dirty="0" err="1">
+                <a:solidFill>
+                  <a:schemeClr val="lt1"/>
+                </a:solidFill>
+                <a:latin typeface="Courier New"/>
+                <a:ea typeface="Courier New"/>
+                <a:cs typeface="Courier New"/>
+                <a:sym typeface="Courier New"/>
+              </a:rPr>
+              <a:t>',x</a:t>
+            </a:r>
+            <a:r>
+              <a:rPr lang="en-US" sz="3000" b="1" i="0" u="none" strike="noStrike" cap="none" dirty="0">
+                <a:solidFill>
+                  <a:schemeClr val="lt1"/>
+                </a:solidFill>
+                <a:latin typeface="Courier New"/>
+                <a:ea typeface="Courier New"/>
+                <a:cs typeface="Courier New"/>
+                <a:sym typeface="Courier New"/>
+              </a:rPr>
+              <a:t>)</a:t>
             </a:r>
           </a:p>
           <a:p>
@@ -12975,67 +13526,30 @@
               <a:buNone/>
             </a:pPr>
             <a:r>
-              <a:rPr lang="en-US" sz="3000" b="1" i="0" u="none" strike="noStrike" cap="none">
-                <a:solidFill>
-                  <a:schemeClr val="lt1"/>
-                </a:solidFill>
-                <a:latin typeface="Courier New"/>
-                <a:ea typeface="Courier New"/>
-                <a:cs typeface="Courier New"/>
-                <a:sym typeface="Courier New"/>
-              </a:rPr>
-              <a:t>&gt;&gt;&gt; print y</a:t>
-            </a:r>
-          </a:p>
-          <a:p>
-            <a:pPr marL="0" marR="0" lvl="0" indent="0" algn="l" rtl="0">
-              <a:lnSpc>
-                <a:spcPct val="100000"/>
-              </a:lnSpc>
-              <a:spcBef>
-                <a:spcPts val="0"/>
-              </a:spcBef>
-              <a:spcAft>
-                <a:spcPts val="0"/>
-              </a:spcAft>
-              <a:buClr>
-                <a:srgbClr val="FFFF00"/>
-              </a:buClr>
-              <a:buSzPct val="25000"/>
-              <a:buFont typeface="Cabin"/>
-              <a:buNone/>
-            </a:pPr>
-            <a:r>
-              <a:rPr lang="en-US" sz="3000" b="1" i="0" u="none" strike="noStrike" cap="none">
-                <a:solidFill>
-                  <a:srgbClr val="FFFF00"/>
-                </a:solidFill>
-                <a:latin typeface="Courier New"/>
-                <a:ea typeface="Courier New"/>
-                <a:cs typeface="Courier New"/>
-                <a:sym typeface="Courier New"/>
-              </a:rPr>
-              <a:t>['stephen.marquard@uct.ac.za']</a:t>
-            </a:r>
-          </a:p>
-          <a:p>
-            <a:pPr marL="0" marR="0" lvl="0" indent="0" algn="l" rtl="0">
-              <a:lnSpc>
-                <a:spcPct val="100000"/>
-              </a:lnSpc>
-              <a:spcBef>
-                <a:spcPts val="0"/>
-              </a:spcBef>
-              <a:spcAft>
-                <a:spcPts val="0"/>
-              </a:spcAft>
-              <a:buClr>
-                <a:srgbClr val="FFFF00"/>
-              </a:buClr>
-              <a:buFont typeface="Cabin"/>
-              <a:buNone/>
-            </a:pPr>
-            <a:endParaRPr sz="3000" b="1">
+              <a:rPr lang="en-US" sz="3000" b="1" i="0" u="none" strike="noStrike" cap="none" dirty="0">
+                <a:solidFill>
+                  <a:schemeClr val="lt1"/>
+                </a:solidFill>
+                <a:latin typeface="Courier New"/>
+                <a:ea typeface="Courier New"/>
+                <a:cs typeface="Courier New"/>
+                <a:sym typeface="Courier New"/>
+              </a:rPr>
+              <a:t>&gt;&gt;&gt; </a:t>
+            </a:r>
+            <a:r>
+              <a:rPr lang="en-US" sz="3000" b="1" i="0" u="none" strike="noStrike" cap="none" dirty="0" smtClean="0">
+                <a:solidFill>
+                  <a:schemeClr val="lt1"/>
+                </a:solidFill>
+                <a:latin typeface="Courier New"/>
+                <a:ea typeface="Courier New"/>
+                <a:cs typeface="Courier New"/>
+                <a:sym typeface="Courier New"/>
+              </a:rPr>
+              <a:t>print(y)</a:t>
+            </a:r>
+            <a:endParaRPr lang="en-US" sz="3000" b="1" i="0" u="none" strike="noStrike" cap="none" dirty="0">
               <a:solidFill>
                 <a:schemeClr val="lt1"/>
               </a:solidFill>
@@ -13059,10 +13573,65 @@
               <a:buClr>
                 <a:srgbClr val="FFFF00"/>
               </a:buClr>
+              <a:buSzPct val="25000"/>
               <a:buFont typeface="Cabin"/>
               <a:buNone/>
             </a:pPr>
-            <a:endParaRPr sz="3000" b="1">
+            <a:r>
+              <a:rPr lang="en-US" sz="3000" b="1" i="0" u="none" strike="noStrike" cap="none" dirty="0">
+                <a:solidFill>
+                  <a:srgbClr val="FFFF00"/>
+                </a:solidFill>
+                <a:latin typeface="Courier New"/>
+                <a:ea typeface="Courier New"/>
+                <a:cs typeface="Courier New"/>
+                <a:sym typeface="Courier New"/>
+              </a:rPr>
+              <a:t>['</a:t>
+            </a:r>
+            <a:r>
+              <a:rPr lang="en-US" sz="3000" b="1" i="0" u="none" strike="noStrike" cap="none" dirty="0" err="1">
+                <a:solidFill>
+                  <a:srgbClr val="FFFF00"/>
+                </a:solidFill>
+                <a:latin typeface="Courier New"/>
+                <a:ea typeface="Courier New"/>
+                <a:cs typeface="Courier New"/>
+                <a:sym typeface="Courier New"/>
+              </a:rPr>
+              <a:t>stephen.marquard@uct.ac.za</a:t>
+            </a:r>
+            <a:r>
+              <a:rPr lang="en-US" sz="3000" b="1" i="0" u="none" strike="noStrike" cap="none" dirty="0">
+                <a:solidFill>
+                  <a:srgbClr val="FFFF00"/>
+                </a:solidFill>
+                <a:latin typeface="Courier New"/>
+                <a:ea typeface="Courier New"/>
+                <a:cs typeface="Courier New"/>
+                <a:sym typeface="Courier New"/>
+              </a:rPr>
+              <a:t>']</a:t>
+            </a:r>
+          </a:p>
+          <a:p>
+            <a:pPr marL="0" marR="0" lvl="0" indent="0" algn="l" rtl="0">
+              <a:lnSpc>
+                <a:spcPct val="100000"/>
+              </a:lnSpc>
+              <a:spcBef>
+                <a:spcPts val="0"/>
+              </a:spcBef>
+              <a:spcAft>
+                <a:spcPts val="0"/>
+              </a:spcAft>
+              <a:buClr>
+                <a:srgbClr val="FFFF00"/>
+              </a:buClr>
+              <a:buFont typeface="Cabin"/>
+              <a:buNone/>
+            </a:pPr>
+            <a:endParaRPr sz="3000" b="1" dirty="0">
               <a:solidFill>
                 <a:schemeClr val="lt1"/>
               </a:solidFill>
@@ -13089,7 +13658,34 @@
               <a:buFont typeface="Cabin"/>
               <a:buNone/>
             </a:pPr>
-            <a:endParaRPr sz="3000" b="1">
+            <a:endParaRPr sz="3000" b="1" dirty="0">
+              <a:solidFill>
+                <a:schemeClr val="lt1"/>
+              </a:solidFill>
+              <a:latin typeface="Courier New"/>
+              <a:ea typeface="Courier New"/>
+              <a:cs typeface="Courier New"/>
+              <a:sym typeface="Courier New"/>
+            </a:endParaRPr>
+          </a:p>
+          <a:p>
+            <a:pPr marL="0" marR="0" lvl="0" indent="0" algn="l" rtl="0">
+              <a:lnSpc>
+                <a:spcPct val="100000"/>
+              </a:lnSpc>
+              <a:spcBef>
+                <a:spcPts val="0"/>
+              </a:spcBef>
+              <a:spcAft>
+                <a:spcPts val="0"/>
+              </a:spcAft>
+              <a:buClr>
+                <a:srgbClr val="FFFF00"/>
+              </a:buClr>
+              <a:buFont typeface="Cabin"/>
+              <a:buNone/>
+            </a:pPr>
+            <a:endParaRPr sz="3000" b="1" dirty="0">
               <a:solidFill>
                 <a:schemeClr val="lt1"/>
               </a:solidFill>
@@ -13109,7 +13705,7 @@
         </p:nvSpPr>
         <p:spPr>
           <a:xfrm>
-            <a:off x="12192000" y="5349975"/>
+            <a:off x="12777792" y="4878481"/>
             <a:ext cx="3238499" cy="926999"/>
           </a:xfrm>
           <a:prstGeom prst="rect">
@@ -13190,7 +13786,7 @@
         </p:nvSpPr>
         <p:spPr>
           <a:xfrm>
-            <a:off x="12176125" y="7112000"/>
+            <a:off x="12761917" y="6640506"/>
             <a:ext cx="3238499" cy="1663800"/>
           </a:xfrm>
           <a:prstGeom prst="rect">
@@ -13225,7 +13821,7 @@
               <a:buNone/>
             </a:pPr>
             <a:r>
-              <a:rPr lang="en-US" sz="3600" u="none" strike="noStrike" cap="none">
+              <a:rPr lang="en-US" sz="3600" u="none" strike="noStrike" cap="none" dirty="0">
                 <a:solidFill>
                   <a:srgbClr val="00FF00"/>
                 </a:solidFill>
@@ -13247,7 +13843,7 @@
         </p:nvCxnSpPr>
         <p:spPr>
           <a:xfrm>
-            <a:off x="12979400" y="6353175"/>
+            <a:off x="13565192" y="5881681"/>
             <a:ext cx="177900" cy="689099"/>
           </a:xfrm>
           <a:prstGeom prst="straightConnector1">
@@ -13273,7 +13869,7 @@
         </p:nvCxnSpPr>
         <p:spPr>
           <a:xfrm flipH="1">
-            <a:off x="14363562" y="6291261"/>
+            <a:off x="14949354" y="5819767"/>
             <a:ext cx="182699" cy="834899"/>
           </a:xfrm>
           <a:prstGeom prst="straightConnector1">
@@ -13375,32 +13971,13 @@
       </p:sp>
       <p:sp>
         <p:nvSpPr>
-          <p:cNvPr id="4" name="Text Placeholder 3"/>
-          <p:cNvSpPr>
-            <a:spLocks noGrp="1"/>
-          </p:cNvSpPr>
-          <p:nvPr>
-            <p:ph type="body" idx="1"/>
-          </p:nvPr>
-        </p:nvSpPr>
-        <p:spPr/>
-        <p:txBody>
-          <a:bodyPr/>
-          <a:lstStyle/>
-          <a:p>
-            <a:endParaRPr lang="en-US"/>
-          </a:p>
-        </p:txBody>
-      </p:sp>
-      <p:sp>
-        <p:nvSpPr>
           <p:cNvPr id="214" name="Shape 214"/>
           <p:cNvSpPr txBox="1"/>
           <p:nvPr/>
         </p:nvSpPr>
         <p:spPr>
           <a:xfrm>
-            <a:off x="2540075" y="8115300"/>
+            <a:off x="2417650" y="7304649"/>
             <a:ext cx="11408100" cy="660300"/>
           </a:xfrm>
           <a:prstGeom prst="rect">
@@ -13744,6 +14321,10 @@
           </p:nvPr>
         </p:nvSpPr>
         <p:spPr>
+          <a:xfrm>
+            <a:off x="1155700" y="2603501"/>
+            <a:ext cx="13932000" cy="1345648"/>
+          </a:xfrm>
           <a:prstGeom prst="rect">
             <a:avLst/>
           </a:prstGeom>
@@ -13753,7 +14334,7 @@
           </a:ln>
         </p:spPr>
         <p:txBody>
-          <a:bodyPr lIns="38100" tIns="38100" rIns="38100" bIns="38100" anchor="ctr" anchorCtr="0">
+          <a:bodyPr lIns="38100" tIns="38100" rIns="38100" bIns="38100" anchor="t" anchorCtr="0">
             <a:noAutofit/>
           </a:bodyPr>
           <a:lstStyle/>
@@ -14140,7 +14721,7 @@
         </p:nvSpPr>
         <p:spPr>
           <a:xfrm>
-            <a:off x="944250" y="5465000"/>
+            <a:off x="414163" y="5120500"/>
             <a:ext cx="10471499" cy="3027299"/>
           </a:xfrm>
           <a:prstGeom prst="rect">
@@ -14175,19 +14756,43 @@
               <a:buNone/>
             </a:pPr>
             <a:r>
-              <a:rPr lang="en-US" sz="3000" b="1" i="0" u="none" strike="noStrike" cap="none">
-                <a:solidFill>
-                  <a:schemeClr val="lt1"/>
-                </a:solidFill>
-                <a:latin typeface="Courier New"/>
-                <a:ea typeface="Courier New"/>
-                <a:cs typeface="Courier New"/>
-                <a:sym typeface="Courier New"/>
-              </a:rPr>
-              <a:t>&gt;&gt;&gt; y = re.findall('</a:t>
-            </a:r>
-            <a:r>
-              <a:rPr lang="en-US" sz="3000" b="1" i="0" u="none" strike="noStrike" cap="none">
+              <a:rPr lang="en-US" sz="2800" b="1" i="0" u="none" strike="noStrike" cap="none" dirty="0">
+                <a:solidFill>
+                  <a:schemeClr val="lt1"/>
+                </a:solidFill>
+                <a:latin typeface="Courier New"/>
+                <a:ea typeface="Courier New"/>
+                <a:cs typeface="Courier New"/>
+                <a:sym typeface="Courier New"/>
+              </a:rPr>
+              <a:t>&gt;&gt;&gt; y = </a:t>
+            </a:r>
+            <a:r>
+              <a:rPr lang="en-US" sz="2800" b="1" i="0" u="none" strike="noStrike" cap="none" dirty="0" err="1">
+                <a:solidFill>
+                  <a:schemeClr val="lt1"/>
+                </a:solidFill>
+                <a:latin typeface="Courier New"/>
+                <a:ea typeface="Courier New"/>
+                <a:cs typeface="Courier New"/>
+                <a:sym typeface="Courier New"/>
+              </a:rPr>
+              <a:t>re.findall</a:t>
+            </a:r>
+            <a:r>
+              <a:rPr lang="en-US" sz="2800" b="1" i="0" u="none" strike="noStrike" cap="none" dirty="0">
+                <a:solidFill>
+                  <a:schemeClr val="lt1"/>
+                </a:solidFill>
+                <a:latin typeface="Courier New"/>
+                <a:ea typeface="Courier New"/>
+                <a:cs typeface="Courier New"/>
+                <a:sym typeface="Courier New"/>
+              </a:rPr>
+              <a:t>('</a:t>
+            </a:r>
+            <a:r>
+              <a:rPr lang="en-US" sz="2800" b="1" i="0" u="none" strike="noStrike" cap="none" dirty="0">
                 <a:solidFill>
                   <a:srgbClr val="FFFF00"/>
                 </a:solidFill>
@@ -14196,19 +14801,43 @@
                 <a:cs typeface="Courier New"/>
                 <a:sym typeface="Courier New"/>
               </a:rPr>
-              <a:t>\S+@\S+</a:t>
-            </a:r>
-            <a:r>
-              <a:rPr lang="en-US" sz="3000" b="1" i="0" u="none" strike="noStrike" cap="none">
-                <a:solidFill>
-                  <a:schemeClr val="lt1"/>
-                </a:solidFill>
-                <a:latin typeface="Courier New"/>
-                <a:ea typeface="Courier New"/>
-                <a:cs typeface="Courier New"/>
-                <a:sym typeface="Courier New"/>
-              </a:rPr>
-              <a:t>',x)</a:t>
+              <a:t>\S+@\</a:t>
+            </a:r>
+            <a:r>
+              <a:rPr lang="en-US" sz="2800" b="1" i="0" u="none" strike="noStrike" cap="none" dirty="0" err="1">
+                <a:solidFill>
+                  <a:srgbClr val="FFFF00"/>
+                </a:solidFill>
+                <a:latin typeface="Courier New"/>
+                <a:ea typeface="Courier New"/>
+                <a:cs typeface="Courier New"/>
+                <a:sym typeface="Courier New"/>
+              </a:rPr>
+              <a:t>S+</a:t>
+            </a:r>
+            <a:r>
+              <a:rPr lang="en-US" sz="2800" b="1" i="0" u="none" strike="noStrike" cap="none" dirty="0" err="1">
+                <a:solidFill>
+                  <a:schemeClr val="lt1"/>
+                </a:solidFill>
+                <a:latin typeface="Courier New"/>
+                <a:ea typeface="Courier New"/>
+                <a:cs typeface="Courier New"/>
+                <a:sym typeface="Courier New"/>
+              </a:rPr>
+              <a:t>',x</a:t>
+            </a:r>
+            <a:r>
+              <a:rPr lang="en-US" sz="2800" b="1" i="0" u="none" strike="noStrike" cap="none" dirty="0">
+                <a:solidFill>
+                  <a:schemeClr val="lt1"/>
+                </a:solidFill>
+                <a:latin typeface="Courier New"/>
+                <a:ea typeface="Courier New"/>
+                <a:cs typeface="Courier New"/>
+                <a:sym typeface="Courier New"/>
+              </a:rPr>
+              <a:t>)</a:t>
             </a:r>
           </a:p>
           <a:p>
@@ -14230,17 +14859,38 @@
               <a:buNone/>
             </a:pPr>
             <a:r>
-              <a:rPr lang="en-US" sz="3000" b="1" i="0" u="none" strike="noStrike" cap="none">
-                <a:solidFill>
-                  <a:schemeClr val="lt1"/>
-                </a:solidFill>
-                <a:latin typeface="Courier New"/>
-                <a:ea typeface="Courier New"/>
-                <a:cs typeface="Courier New"/>
-                <a:sym typeface="Courier New"/>
-              </a:rPr>
-              <a:t>&gt;&gt;&gt; print y</a:t>
-            </a:r>
+              <a:rPr lang="en-US" sz="2800" b="1" i="0" u="none" strike="noStrike" cap="none" dirty="0">
+                <a:solidFill>
+                  <a:schemeClr val="lt1"/>
+                </a:solidFill>
+                <a:latin typeface="Courier New"/>
+                <a:ea typeface="Courier New"/>
+                <a:cs typeface="Courier New"/>
+                <a:sym typeface="Courier New"/>
+              </a:rPr>
+              <a:t>&gt;&gt;&gt; </a:t>
+            </a:r>
+            <a:r>
+              <a:rPr lang="en-US" sz="2800" b="1" i="0" u="none" strike="noStrike" cap="none" dirty="0" smtClean="0">
+                <a:solidFill>
+                  <a:schemeClr val="lt1"/>
+                </a:solidFill>
+                <a:latin typeface="Courier New"/>
+                <a:ea typeface="Courier New"/>
+                <a:cs typeface="Courier New"/>
+                <a:sym typeface="Courier New"/>
+              </a:rPr>
+              <a:t>print(y)</a:t>
+            </a:r>
+            <a:endParaRPr lang="en-US" sz="2800" b="1" i="0" u="none" strike="noStrike" cap="none" dirty="0">
+              <a:solidFill>
+                <a:schemeClr val="lt1"/>
+              </a:solidFill>
+              <a:latin typeface="Courier New"/>
+              <a:ea typeface="Courier New"/>
+              <a:cs typeface="Courier New"/>
+              <a:sym typeface="Courier New"/>
+            </a:endParaRPr>
           </a:p>
           <a:p>
             <a:pPr marL="0" marR="0" lvl="0" indent="0" algn="l" rtl="0">
@@ -14261,7 +14911,7 @@
               <a:buNone/>
             </a:pPr>
             <a:r>
-              <a:rPr lang="en-US" sz="3000" b="1" i="0" u="none" strike="noStrike" cap="none">
+              <a:rPr lang="en-US" sz="2800" b="1" i="0" u="none" strike="noStrike" cap="none" dirty="0">
                 <a:solidFill>
                   <a:srgbClr val="FFFF00"/>
                 </a:solidFill>
@@ -14270,7 +14920,31 @@
                 <a:cs typeface="Courier New"/>
                 <a:sym typeface="Courier New"/>
               </a:rPr>
-              <a:t>['stephen.marquard@uct.ac.za']</a:t>
+              <a:t>['</a:t>
+            </a:r>
+            <a:r>
+              <a:rPr lang="en-US" sz="2800" b="1" i="0" u="none" strike="noStrike" cap="none" dirty="0" err="1">
+                <a:solidFill>
+                  <a:srgbClr val="FFFF00"/>
+                </a:solidFill>
+                <a:latin typeface="Courier New"/>
+                <a:ea typeface="Courier New"/>
+                <a:cs typeface="Courier New"/>
+                <a:sym typeface="Courier New"/>
+              </a:rPr>
+              <a:t>stephen.marquard@uct.ac.za</a:t>
+            </a:r>
+            <a:r>
+              <a:rPr lang="en-US" sz="2800" b="1" i="0" u="none" strike="noStrike" cap="none" dirty="0">
+                <a:solidFill>
+                  <a:srgbClr val="FFFF00"/>
+                </a:solidFill>
+                <a:latin typeface="Courier New"/>
+                <a:ea typeface="Courier New"/>
+                <a:cs typeface="Courier New"/>
+                <a:sym typeface="Courier New"/>
+              </a:rPr>
+              <a:t>']</a:t>
             </a:r>
           </a:p>
           <a:p>
@@ -14292,19 +14966,43 @@
               <a:buNone/>
             </a:pPr>
             <a:r>
-              <a:rPr lang="en-US" sz="3000" b="1" i="0" u="none" strike="noStrike" cap="none">
-                <a:solidFill>
-                  <a:schemeClr val="lt1"/>
-                </a:solidFill>
-                <a:latin typeface="Courier New"/>
-                <a:ea typeface="Courier New"/>
-                <a:cs typeface="Courier New"/>
-                <a:sym typeface="Courier New"/>
-              </a:rPr>
-              <a:t>&gt;&gt;&gt; y = re.findall('</a:t>
-            </a:r>
-            <a:r>
-              <a:rPr lang="en-US" sz="3000" b="1" i="0" u="none" strike="noStrike" cap="none">
+              <a:rPr lang="en-US" sz="2800" b="1" i="0" u="none" strike="noStrike" cap="none" dirty="0">
+                <a:solidFill>
+                  <a:schemeClr val="lt1"/>
+                </a:solidFill>
+                <a:latin typeface="Courier New"/>
+                <a:ea typeface="Courier New"/>
+                <a:cs typeface="Courier New"/>
+                <a:sym typeface="Courier New"/>
+              </a:rPr>
+              <a:t>&gt;&gt;&gt; y = </a:t>
+            </a:r>
+            <a:r>
+              <a:rPr lang="en-US" sz="2800" b="1" i="0" u="none" strike="noStrike" cap="none" dirty="0" err="1">
+                <a:solidFill>
+                  <a:schemeClr val="lt1"/>
+                </a:solidFill>
+                <a:latin typeface="Courier New"/>
+                <a:ea typeface="Courier New"/>
+                <a:cs typeface="Courier New"/>
+                <a:sym typeface="Courier New"/>
+              </a:rPr>
+              <a:t>re.findall</a:t>
+            </a:r>
+            <a:r>
+              <a:rPr lang="en-US" sz="2800" b="1" i="0" u="none" strike="noStrike" cap="none" dirty="0">
+                <a:solidFill>
+                  <a:schemeClr val="lt1"/>
+                </a:solidFill>
+                <a:latin typeface="Courier New"/>
+                <a:ea typeface="Courier New"/>
+                <a:cs typeface="Courier New"/>
+                <a:sym typeface="Courier New"/>
+              </a:rPr>
+              <a:t>('</a:t>
+            </a:r>
+            <a:r>
+              <a:rPr lang="en-US" sz="2800" b="1" i="0" u="none" strike="noStrike" cap="none" dirty="0">
                 <a:solidFill>
                   <a:srgbClr val="00FF00"/>
                 </a:solidFill>
@@ -14316,7 +15014,7 @@
               <a:t>^From:.*? (\S+@\S+</a:t>
             </a:r>
             <a:r>
-              <a:rPr lang="en-US" sz="3000" b="1" i="0" u="none" strike="noStrike" cap="none">
+              <a:rPr lang="en-US" sz="2800" b="1" i="0" u="none" strike="noStrike" cap="none" dirty="0">
                 <a:solidFill>
                   <a:schemeClr val="lt1"/>
                 </a:solidFill>
@@ -14347,17 +15045,38 @@
               <a:buNone/>
             </a:pPr>
             <a:r>
-              <a:rPr lang="en-US" sz="3000" b="1" i="0" u="none" strike="noStrike" cap="none">
-                <a:solidFill>
-                  <a:schemeClr val="lt1"/>
-                </a:solidFill>
-                <a:latin typeface="Courier New"/>
-                <a:ea typeface="Courier New"/>
-                <a:cs typeface="Courier New"/>
-                <a:sym typeface="Courier New"/>
-              </a:rPr>
-              <a:t>&gt;&gt;&gt; print y</a:t>
-            </a:r>
+              <a:rPr lang="en-US" sz="2800" b="1" i="0" u="none" strike="noStrike" cap="none" dirty="0">
+                <a:solidFill>
+                  <a:schemeClr val="lt1"/>
+                </a:solidFill>
+                <a:latin typeface="Courier New"/>
+                <a:ea typeface="Courier New"/>
+                <a:cs typeface="Courier New"/>
+                <a:sym typeface="Courier New"/>
+              </a:rPr>
+              <a:t>&gt;&gt;&gt; </a:t>
+            </a:r>
+            <a:r>
+              <a:rPr lang="en-US" sz="2800" b="1" i="0" u="none" strike="noStrike" cap="none" dirty="0" smtClean="0">
+                <a:solidFill>
+                  <a:schemeClr val="lt1"/>
+                </a:solidFill>
+                <a:latin typeface="Courier New"/>
+                <a:ea typeface="Courier New"/>
+                <a:cs typeface="Courier New"/>
+                <a:sym typeface="Courier New"/>
+              </a:rPr>
+              <a:t>print(y)</a:t>
+            </a:r>
+            <a:endParaRPr lang="en-US" sz="2800" b="1" i="0" u="none" strike="noStrike" cap="none" dirty="0">
+              <a:solidFill>
+                <a:schemeClr val="lt1"/>
+              </a:solidFill>
+              <a:latin typeface="Courier New"/>
+              <a:ea typeface="Courier New"/>
+              <a:cs typeface="Courier New"/>
+              <a:sym typeface="Courier New"/>
+            </a:endParaRPr>
           </a:p>
           <a:p>
             <a:pPr marL="0" marR="0" lvl="0" indent="0" algn="l" rtl="0">
@@ -14378,7 +15097,7 @@
               <a:buNone/>
             </a:pPr>
             <a:r>
-              <a:rPr lang="en-US" sz="3000" b="1" i="0" u="none" strike="noStrike" cap="none">
+              <a:rPr lang="en-US" sz="2800" b="1" i="0" u="none" strike="noStrike" cap="none" dirty="0">
                 <a:solidFill>
                   <a:schemeClr val="lt1"/>
                 </a:solidFill>
@@ -14390,7 +15109,7 @@
               <a:t>['</a:t>
             </a:r>
             <a:r>
-              <a:rPr lang="en-US" sz="3000" b="1" i="0" u="none" strike="noStrike" cap="none">
+              <a:rPr lang="en-US" sz="2800" b="1" i="0" u="none" strike="noStrike" cap="none" dirty="0" err="1">
                 <a:solidFill>
                   <a:srgbClr val="00FF00"/>
                 </a:solidFill>
@@ -14402,7 +15121,7 @@
               <a:t>stephen.marquard@uct.ac.za</a:t>
             </a:r>
             <a:r>
-              <a:rPr lang="en-US" sz="3000" b="1" i="0" u="none" strike="noStrike" cap="none">
+              <a:rPr lang="en-US" sz="2800" b="1" i="0" u="none" strike="noStrike" cap="none" dirty="0">
                 <a:solidFill>
                   <a:schemeClr val="lt1"/>
                 </a:solidFill>
@@ -14449,8 +15168,8 @@
         </p:nvSpPr>
         <p:spPr>
           <a:xfrm>
-            <a:off x="787475" y="3154350"/>
-            <a:ext cx="15182700" cy="5540399"/>
+            <a:off x="787475" y="3154351"/>
+            <a:ext cx="15182700" cy="4783702"/>
           </a:xfrm>
           <a:prstGeom prst="rect">
             <a:avLst/>
@@ -14484,7 +15203,7 @@
               <a:buNone/>
             </a:pPr>
             <a:r>
-              <a:rPr lang="en-US" sz="2800" b="1" i="0" u="none" strike="noStrike" cap="none">
+              <a:rPr lang="en-US" sz="2800" b="1" i="0" u="none" strike="noStrike" cap="none" dirty="0">
                 <a:solidFill>
                   <a:schemeClr val="lt1"/>
                 </a:solidFill>
@@ -14496,7 +15215,7 @@
               <a:t>&gt;&gt;&gt; </a:t>
             </a:r>
             <a:r>
-              <a:rPr lang="en-US" sz="2800" b="1" i="0" u="none" strike="noStrike" cap="none">
+              <a:rPr lang="en-US" sz="2800" b="1" i="0" u="none" strike="noStrike" cap="none" dirty="0">
                 <a:solidFill>
                   <a:srgbClr val="00FF00"/>
                 </a:solidFill>
@@ -14508,7 +15227,7 @@
               <a:t>data</a:t>
             </a:r>
             <a:r>
-              <a:rPr lang="en-US" sz="2800" b="1" i="0" u="none" strike="noStrike" cap="none">
+              <a:rPr lang="en-US" sz="2800" b="1" i="0" u="none" strike="noStrike" cap="none" dirty="0">
                 <a:solidFill>
                   <a:schemeClr val="lt1"/>
                 </a:solidFill>
@@ -14520,7 +15239,7 @@
               <a:t> = </a:t>
             </a:r>
             <a:r>
-              <a:rPr lang="en-US" sz="2800" b="1" i="0" u="none" strike="noStrike" cap="none">
+              <a:rPr lang="en-US" sz="2800" b="1" i="0" u="none" strike="noStrike" cap="none" dirty="0">
                 <a:solidFill>
                   <a:srgbClr val="FF7F00"/>
                 </a:solidFill>
@@ -14529,7 +15248,31 @@
                 <a:cs typeface="Courier New"/>
                 <a:sym typeface="Courier New"/>
               </a:rPr>
-              <a:t>'From stephen.marquard@uct.ac.za Sat Jan  5 09:14:16 2008'</a:t>
+              <a:t>'From </a:t>
+            </a:r>
+            <a:r>
+              <a:rPr lang="en-US" sz="2800" b="1" i="0" u="none" strike="noStrike" cap="none" dirty="0" err="1">
+                <a:solidFill>
+                  <a:srgbClr val="FF7F00"/>
+                </a:solidFill>
+                <a:latin typeface="Courier New"/>
+                <a:ea typeface="Courier New"/>
+                <a:cs typeface="Courier New"/>
+                <a:sym typeface="Courier New"/>
+              </a:rPr>
+              <a:t>stephen.marquard@uct.ac.za</a:t>
+            </a:r>
+            <a:r>
+              <a:rPr lang="en-US" sz="2800" b="1" i="0" u="none" strike="noStrike" cap="none" dirty="0">
+                <a:solidFill>
+                  <a:srgbClr val="FF7F00"/>
+                </a:solidFill>
+                <a:latin typeface="Courier New"/>
+                <a:ea typeface="Courier New"/>
+                <a:cs typeface="Courier New"/>
+                <a:sym typeface="Courier New"/>
+              </a:rPr>
+              <a:t> Sat Jan  5 09:14:16 2008'</a:t>
             </a:r>
           </a:p>
           <a:p>
@@ -14551,7 +15294,7 @@
               <a:buNone/>
             </a:pPr>
             <a:r>
-              <a:rPr lang="en-US" sz="2800" b="1" i="0" u="none" strike="noStrike" cap="none">
+              <a:rPr lang="en-US" sz="2800" b="1" i="0" u="none" strike="noStrike" cap="none" dirty="0">
                 <a:solidFill>
                   <a:schemeClr val="lt1"/>
                 </a:solidFill>
@@ -14563,7 +15306,7 @@
               <a:t>&gt;&gt;&gt; </a:t>
             </a:r>
             <a:r>
-              <a:rPr lang="en-US" sz="2800" b="1" i="0" u="none" strike="noStrike" cap="none">
+              <a:rPr lang="en-US" sz="2800" b="1" i="0" u="none" strike="noStrike" cap="none" dirty="0" err="1">
                 <a:solidFill>
                   <a:srgbClr val="00FF00"/>
                 </a:solidFill>
@@ -14575,7 +15318,7 @@
               <a:t>atpos</a:t>
             </a:r>
             <a:r>
-              <a:rPr lang="en-US" sz="2800" b="1" i="0" u="none" strike="noStrike" cap="none">
+              <a:rPr lang="en-US" sz="2800" b="1" i="0" u="none" strike="noStrike" cap="none" dirty="0">
                 <a:solidFill>
                   <a:schemeClr val="lt1"/>
                 </a:solidFill>
@@ -14587,7 +15330,7 @@
               <a:t> = </a:t>
             </a:r>
             <a:r>
-              <a:rPr lang="en-US" sz="2800" b="1" i="0" u="none" strike="noStrike" cap="none">
+              <a:rPr lang="en-US" sz="2800" b="1" i="0" u="none" strike="noStrike" cap="none" dirty="0" err="1">
                 <a:solidFill>
                   <a:srgbClr val="00FF00"/>
                 </a:solidFill>
@@ -14599,7 +15342,7 @@
               <a:t>data</a:t>
             </a:r>
             <a:r>
-              <a:rPr lang="en-US" sz="2800" b="1" i="0" u="none" strike="noStrike" cap="none">
+              <a:rPr lang="en-US" sz="2800" b="1" i="0" u="none" strike="noStrike" cap="none" dirty="0" err="1">
                 <a:solidFill>
                   <a:srgbClr val="FF00FF"/>
                 </a:solidFill>
@@ -14611,7 +15354,7 @@
               <a:t>.find</a:t>
             </a:r>
             <a:r>
-              <a:rPr lang="en-US" sz="2800" b="1" i="0" u="none" strike="noStrike" cap="none">
+              <a:rPr lang="en-US" sz="2800" b="1" i="0" u="none" strike="noStrike" cap="none" dirty="0">
                 <a:solidFill>
                   <a:schemeClr val="lt1"/>
                 </a:solidFill>
@@ -14623,7 +15366,7 @@
               <a:t>(</a:t>
             </a:r>
             <a:r>
-              <a:rPr lang="en-US" sz="2800" b="1" i="0" u="none" strike="noStrike" cap="none">
+              <a:rPr lang="en-US" sz="2800" b="1" i="0" u="none" strike="noStrike" cap="none" dirty="0">
                 <a:solidFill>
                   <a:srgbClr val="FF7F00"/>
                 </a:solidFill>
@@ -14635,7 +15378,7 @@
               <a:t>'@</a:t>
             </a:r>
             <a:r>
-              <a:rPr lang="en-US" sz="2800" b="1" i="0" u="none" strike="noStrike" cap="none">
+              <a:rPr lang="en-US" sz="2800" b="1" i="0" u="none" strike="noStrike" cap="none" dirty="0">
                 <a:solidFill>
                   <a:schemeClr val="lt1"/>
                 </a:solidFill>
@@ -14666,7 +15409,7 @@
               <a:buNone/>
             </a:pPr>
             <a:r>
-              <a:rPr lang="en-US" sz="2800" b="1" i="0" u="none" strike="noStrike" cap="none">
+              <a:rPr lang="en-US" sz="2800" b="1" i="0" u="none" strike="noStrike" cap="none" dirty="0">
                 <a:solidFill>
                   <a:schemeClr val="lt1"/>
                 </a:solidFill>
@@ -14678,7 +15421,7 @@
               <a:t>&gt;&gt;&gt; </a:t>
             </a:r>
             <a:r>
-              <a:rPr lang="en-US" sz="2800" b="1" i="0" u="none" strike="noStrike" cap="none">
+              <a:rPr lang="en-US" sz="2800" b="1" i="0" u="none" strike="noStrike" cap="none" dirty="0">
                 <a:solidFill>
                   <a:srgbClr val="FFFF00"/>
                 </a:solidFill>
@@ -14690,7 +15433,7 @@
               <a:t>print</a:t>
             </a:r>
             <a:r>
-              <a:rPr lang="en-US" sz="2800" b="1" i="0" u="none" strike="noStrike" cap="none">
+              <a:rPr lang="en-US" sz="2800" b="1" i="0" u="none" strike="noStrike" cap="none" dirty="0">
                 <a:solidFill>
                   <a:schemeClr val="lt1"/>
                 </a:solidFill>
@@ -14702,7 +15445,7 @@
               <a:t> </a:t>
             </a:r>
             <a:r>
-              <a:rPr lang="en-US" sz="2800" b="1" i="0" u="none" strike="noStrike" cap="none">
+              <a:rPr lang="en-US" sz="2800" b="1" i="0" u="none" strike="noStrike" cap="none" dirty="0" err="1">
                 <a:solidFill>
                   <a:srgbClr val="00FF00"/>
                 </a:solidFill>
@@ -14713,6 +15456,15 @@
               </a:rPr>
               <a:t>atpos</a:t>
             </a:r>
+            <a:endParaRPr lang="en-US" sz="2800" b="1" i="0" u="none" strike="noStrike" cap="none" dirty="0">
+              <a:solidFill>
+                <a:srgbClr val="00FF00"/>
+              </a:solidFill>
+              <a:latin typeface="Courier New"/>
+              <a:ea typeface="Courier New"/>
+              <a:cs typeface="Courier New"/>
+              <a:sym typeface="Courier New"/>
+            </a:endParaRPr>
           </a:p>
           <a:p>
             <a:pPr marL="0" marR="0" lvl="0" indent="0" algn="l" rtl="0">
@@ -14733,7 +15485,7 @@
               <a:buNone/>
             </a:pPr>
             <a:r>
-              <a:rPr lang="en-US" sz="2800" b="1" i="0" u="none" strike="noStrike" cap="none">
+              <a:rPr lang="en-US" sz="2800" b="1" i="0" u="none" strike="noStrike" cap="none" dirty="0">
                 <a:solidFill>
                   <a:schemeClr val="lt1"/>
                 </a:solidFill>
@@ -14764,7 +15516,7 @@
               <a:buNone/>
             </a:pPr>
             <a:r>
-              <a:rPr lang="en-US" sz="2800" b="1" i="0" u="none" strike="noStrike" cap="none">
+              <a:rPr lang="en-US" sz="2800" b="1" i="0" u="none" strike="noStrike" cap="none" dirty="0">
                 <a:solidFill>
                   <a:schemeClr val="lt1"/>
                 </a:solidFill>
@@ -14776,7 +15528,7 @@
               <a:t>&gt;&gt;&gt; </a:t>
             </a:r>
             <a:r>
-              <a:rPr lang="en-US" sz="2800" b="1" i="0" u="none" strike="noStrike" cap="none">
+              <a:rPr lang="en-US" sz="2800" b="1" i="0" u="none" strike="noStrike" cap="none" dirty="0" err="1">
                 <a:solidFill>
                   <a:srgbClr val="00FF00"/>
                 </a:solidFill>
@@ -14788,7 +15540,7 @@
               <a:t>sppos</a:t>
             </a:r>
             <a:r>
-              <a:rPr lang="en-US" sz="2800" b="1" i="0" u="none" strike="noStrike" cap="none">
+              <a:rPr lang="en-US" sz="2800" b="1" i="0" u="none" strike="noStrike" cap="none" dirty="0">
                 <a:solidFill>
                   <a:schemeClr val="lt1"/>
                 </a:solidFill>
@@ -14800,7 +15552,7 @@
               <a:t> = </a:t>
             </a:r>
             <a:r>
-              <a:rPr lang="en-US" sz="2800" b="1" i="0" u="none" strike="noStrike" cap="none">
+              <a:rPr lang="en-US" sz="2800" b="1" i="0" u="none" strike="noStrike" cap="none" dirty="0" err="1">
                 <a:solidFill>
                   <a:srgbClr val="00FF00"/>
                 </a:solidFill>
@@ -14812,7 +15564,7 @@
               <a:t>data</a:t>
             </a:r>
             <a:r>
-              <a:rPr lang="en-US" sz="2800" b="1" i="0" u="none" strike="noStrike" cap="none">
+              <a:rPr lang="en-US" sz="2800" b="1" i="0" u="none" strike="noStrike" cap="none" dirty="0" err="1">
                 <a:solidFill>
                   <a:srgbClr val="FF00FF"/>
                 </a:solidFill>
@@ -14824,7 +15576,7 @@
               <a:t>.find</a:t>
             </a:r>
             <a:r>
-              <a:rPr lang="en-US" sz="2800" b="1" i="0" u="none" strike="noStrike" cap="none">
+              <a:rPr lang="en-US" sz="2800" b="1" i="0" u="none" strike="noStrike" cap="none" dirty="0">
                 <a:solidFill>
                   <a:schemeClr val="lt1"/>
                 </a:solidFill>
@@ -14836,7 +15588,7 @@
               <a:t>(</a:t>
             </a:r>
             <a:r>
-              <a:rPr lang="en-US" sz="2800" b="1" i="0" u="none" strike="noStrike" cap="none">
+              <a:rPr lang="en-US" sz="2800" b="1" i="0" u="none" strike="noStrike" cap="none" dirty="0">
                 <a:solidFill>
                   <a:srgbClr val="FF7F00"/>
                 </a:solidFill>
@@ -14848,7 +15600,7 @@
               <a:t>' '</a:t>
             </a:r>
             <a:r>
-              <a:rPr lang="en-US" sz="2800" b="1" i="0" u="none" strike="noStrike" cap="none">
+              <a:rPr lang="en-US" sz="2800" b="1" i="0" u="none" strike="noStrike" cap="none" dirty="0">
                 <a:solidFill>
                   <a:schemeClr val="lt1"/>
                 </a:solidFill>
@@ -14860,7 +15612,7 @@
               <a:t>,</a:t>
             </a:r>
             <a:r>
-              <a:rPr lang="en-US" sz="2800" b="1" i="0" u="none" strike="noStrike" cap="none">
+              <a:rPr lang="en-US" sz="2800" b="1" i="0" u="none" strike="noStrike" cap="none" dirty="0" err="1">
                 <a:solidFill>
                   <a:srgbClr val="00FF00"/>
                 </a:solidFill>
@@ -14872,7 +15624,7 @@
               <a:t>atpos</a:t>
             </a:r>
             <a:r>
-              <a:rPr lang="en-US" sz="2800" b="1" i="0" u="none" strike="noStrike" cap="none">
+              <a:rPr lang="en-US" sz="2800" b="1" i="0" u="none" strike="noStrike" cap="none" dirty="0">
                 <a:solidFill>
                   <a:schemeClr val="lt1"/>
                 </a:solidFill>
@@ -14903,7 +15655,7 @@
               <a:buNone/>
             </a:pPr>
             <a:r>
-              <a:rPr lang="en-US" sz="2800" b="1" i="0" u="none" strike="noStrike" cap="none">
+              <a:rPr lang="en-US" sz="2800" b="1" i="0" u="none" strike="noStrike" cap="none" dirty="0">
                 <a:solidFill>
                   <a:schemeClr val="lt1"/>
                 </a:solidFill>
@@ -14915,7 +15667,7 @@
               <a:t>&gt;&gt;&gt; </a:t>
             </a:r>
             <a:r>
-              <a:rPr lang="en-US" sz="2800" b="1" i="0" u="none" strike="noStrike" cap="none">
+              <a:rPr lang="en-US" sz="2800" b="1" i="0" u="none" strike="noStrike" cap="none" dirty="0">
                 <a:solidFill>
                   <a:srgbClr val="FFFF00"/>
                 </a:solidFill>
@@ -14927,7 +15679,7 @@
               <a:t>print</a:t>
             </a:r>
             <a:r>
-              <a:rPr lang="en-US" sz="2800" b="1" i="0" u="none" strike="noStrike" cap="none">
+              <a:rPr lang="en-US" sz="2800" b="1" i="0" u="none" strike="noStrike" cap="none" dirty="0">
                 <a:solidFill>
                   <a:schemeClr val="lt1"/>
                 </a:solidFill>
@@ -14939,7 +15691,7 @@
               <a:t> </a:t>
             </a:r>
             <a:r>
-              <a:rPr lang="en-US" sz="2800" b="1" i="0" u="none" strike="noStrike" cap="none">
+              <a:rPr lang="en-US" sz="2800" b="1" i="0" u="none" strike="noStrike" cap="none" dirty="0" err="1">
                 <a:solidFill>
                   <a:srgbClr val="00FF00"/>
                 </a:solidFill>
@@ -14950,6 +15702,15 @@
               </a:rPr>
               <a:t>sppos</a:t>
             </a:r>
+            <a:endParaRPr lang="en-US" sz="2800" b="1" i="0" u="none" strike="noStrike" cap="none" dirty="0">
+              <a:solidFill>
+                <a:srgbClr val="00FF00"/>
+              </a:solidFill>
+              <a:latin typeface="Courier New"/>
+              <a:ea typeface="Courier New"/>
+              <a:cs typeface="Courier New"/>
+              <a:sym typeface="Courier New"/>
+            </a:endParaRPr>
           </a:p>
           <a:p>
             <a:pPr marL="0" marR="0" lvl="0" indent="0" algn="l" rtl="0">
@@ -14970,7 +15731,7 @@
               <a:buNone/>
             </a:pPr>
             <a:r>
-              <a:rPr lang="en-US" sz="2800" b="1" i="0" u="none" strike="noStrike" cap="none">
+              <a:rPr lang="en-US" sz="2800" b="1" i="0" u="none" strike="noStrike" cap="none" dirty="0">
                 <a:solidFill>
                   <a:schemeClr val="lt1"/>
                 </a:solidFill>
@@ -15001,7 +15762,7 @@
               <a:buNone/>
             </a:pPr>
             <a:r>
-              <a:rPr lang="en-US" sz="2800" b="1" i="0" u="none" strike="noStrike" cap="none">
+              <a:rPr lang="en-US" sz="2800" b="1" i="0" u="none" strike="noStrike" cap="none" dirty="0">
                 <a:solidFill>
                   <a:schemeClr val="lt1"/>
                 </a:solidFill>
@@ -15013,7 +15774,7 @@
               <a:t>&gt;&gt;&gt; </a:t>
             </a:r>
             <a:r>
-              <a:rPr lang="en-US" sz="2800" b="1" i="0" u="none" strike="noStrike" cap="none">
+              <a:rPr lang="en-US" sz="2800" b="1" i="0" u="none" strike="noStrike" cap="none" dirty="0">
                 <a:solidFill>
                   <a:srgbClr val="00FF00"/>
                 </a:solidFill>
@@ -15025,7 +15786,7 @@
               <a:t>host</a:t>
             </a:r>
             <a:r>
-              <a:rPr lang="en-US" sz="2800" b="1" i="0" u="none" strike="noStrike" cap="none">
+              <a:rPr lang="en-US" sz="2800" b="1" i="0" u="none" strike="noStrike" cap="none" dirty="0">
                 <a:solidFill>
                   <a:schemeClr val="lt1"/>
                 </a:solidFill>
@@ -15037,7 +15798,7 @@
               <a:t> = </a:t>
             </a:r>
             <a:r>
-              <a:rPr lang="en-US" sz="2800" b="1" i="0" u="none" strike="noStrike" cap="none">
+              <a:rPr lang="en-US" sz="2800" b="1" i="0" u="none" strike="noStrike" cap="none" dirty="0">
                 <a:solidFill>
                   <a:srgbClr val="00FF00"/>
                 </a:solidFill>
@@ -15049,7 +15810,7 @@
               <a:t>data</a:t>
             </a:r>
             <a:r>
-              <a:rPr lang="en-US" sz="2800" b="1" i="0" u="none" strike="noStrike" cap="none">
+              <a:rPr lang="en-US" sz="2800" b="1" i="0" u="none" strike="noStrike" cap="none" dirty="0">
                 <a:solidFill>
                   <a:srgbClr val="00FFFF"/>
                 </a:solidFill>
@@ -15061,7 +15822,7 @@
               <a:t>[</a:t>
             </a:r>
             <a:r>
-              <a:rPr lang="en-US" sz="2800" b="1" i="0" u="none" strike="noStrike" cap="none">
+              <a:rPr lang="en-US" sz="2800" b="1" i="0" u="none" strike="noStrike" cap="none" dirty="0">
                 <a:solidFill>
                   <a:srgbClr val="00FF00"/>
                 </a:solidFill>
@@ -15073,7 +15834,7 @@
               <a:t>atpos</a:t>
             </a:r>
             <a:r>
-              <a:rPr lang="en-US" sz="2800" b="1" i="0" u="none" strike="noStrike" cap="none">
+              <a:rPr lang="en-US" sz="2800" b="1" i="0" u="none" strike="noStrike" cap="none" dirty="0">
                 <a:solidFill>
                   <a:srgbClr val="00FFFF"/>
                 </a:solidFill>
@@ -15085,7 +15846,7 @@
               <a:t>+</a:t>
             </a:r>
             <a:r>
-              <a:rPr lang="en-US" sz="2800" b="1" i="0" u="none" strike="noStrike" cap="none">
+              <a:rPr lang="en-US" sz="2800" b="1" i="0" u="none" strike="noStrike" cap="none" dirty="0">
                 <a:solidFill>
                   <a:srgbClr val="FF7F00"/>
                 </a:solidFill>
@@ -15097,7 +15858,7 @@
               <a:t>1</a:t>
             </a:r>
             <a:r>
-              <a:rPr lang="en-US" sz="2800" b="1" i="0" u="none" strike="noStrike" cap="none">
+              <a:rPr lang="en-US" sz="2800" b="1" i="0" u="none" strike="noStrike" cap="none" dirty="0">
                 <a:solidFill>
                   <a:srgbClr val="00FFFF"/>
                 </a:solidFill>
@@ -15109,7 +15870,7 @@
               <a:t> : </a:t>
             </a:r>
             <a:r>
-              <a:rPr lang="en-US" sz="2800" b="1" i="0" u="none" strike="noStrike" cap="none">
+              <a:rPr lang="en-US" sz="2800" b="1" i="0" u="none" strike="noStrike" cap="none" dirty="0" err="1">
                 <a:solidFill>
                   <a:srgbClr val="00FF00"/>
                 </a:solidFill>
@@ -15121,7 +15882,7 @@
               <a:t>sppos</a:t>
             </a:r>
             <a:r>
-              <a:rPr lang="en-US" sz="2800" b="1" i="0" u="none" strike="noStrike" cap="none">
+              <a:rPr lang="en-US" sz="2800" b="1" i="0" u="none" strike="noStrike" cap="none" dirty="0">
                 <a:solidFill>
                   <a:srgbClr val="00FFFF"/>
                 </a:solidFill>
@@ -15152,7 +15913,7 @@
               <a:buNone/>
             </a:pPr>
             <a:r>
-              <a:rPr lang="en-US" sz="2800" b="1" i="0" u="none" strike="noStrike" cap="none">
+              <a:rPr lang="en-US" sz="2800" b="1" i="0" u="none" strike="noStrike" cap="none" dirty="0">
                 <a:solidFill>
                   <a:schemeClr val="lt1"/>
                 </a:solidFill>
@@ -15164,7 +15925,7 @@
               <a:t>&gt;&gt;&gt; </a:t>
             </a:r>
             <a:r>
-              <a:rPr lang="en-US" sz="2800" b="1" i="0" u="none" strike="noStrike" cap="none">
+              <a:rPr lang="en-US" sz="2800" b="1" i="0" u="none" strike="noStrike" cap="none" dirty="0">
                 <a:solidFill>
                   <a:srgbClr val="FFFF00"/>
                 </a:solidFill>
@@ -15176,7 +15937,7 @@
               <a:t>print</a:t>
             </a:r>
             <a:r>
-              <a:rPr lang="en-US" sz="2800" b="1" i="0" u="none" strike="noStrike" cap="none">
+              <a:rPr lang="en-US" sz="2800" b="1" i="0" u="none" strike="noStrike" cap="none" dirty="0">
                 <a:solidFill>
                   <a:schemeClr val="lt1"/>
                 </a:solidFill>
@@ -15188,7 +15949,7 @@
               <a:t> </a:t>
             </a:r>
             <a:r>
-              <a:rPr lang="en-US" sz="2800" b="1" i="0" u="none" strike="noStrike" cap="none">
+              <a:rPr lang="en-US" sz="2800" b="1" i="0" u="none" strike="noStrike" cap="none" dirty="0">
                 <a:solidFill>
                   <a:srgbClr val="00FF00"/>
                 </a:solidFill>
@@ -15219,7 +15980,7 @@
               <a:buNone/>
             </a:pPr>
             <a:r>
-              <a:rPr lang="en-US" sz="2800" b="1" i="0" u="none" strike="noStrike" cap="none">
+              <a:rPr lang="en-US" sz="2800" b="1" i="0" u="none" strike="noStrike" cap="none" dirty="0" err="1">
                 <a:solidFill>
                   <a:schemeClr val="lt1"/>
                 </a:solidFill>
@@ -15230,6 +15991,15 @@
               </a:rPr>
               <a:t>uct.ac.za</a:t>
             </a:r>
+            <a:endParaRPr lang="en-US" sz="2800" b="1" i="0" u="none" strike="noStrike" cap="none" dirty="0">
+              <a:solidFill>
+                <a:schemeClr val="lt1"/>
+              </a:solidFill>
+              <a:latin typeface="Courier New"/>
+              <a:ea typeface="Courier New"/>
+              <a:cs typeface="Courier New"/>
+              <a:sym typeface="Courier New"/>
+            </a:endParaRPr>
           </a:p>
         </p:txBody>
       </p:sp>
@@ -15563,44 +16333,6 @@
           </a:p>
         </p:txBody>
       </p:sp>
-      <p:sp>
-        <p:nvSpPr>
-          <p:cNvPr id="6" name="Title 5"/>
-          <p:cNvSpPr>
-            <a:spLocks noGrp="1"/>
-          </p:cNvSpPr>
-          <p:nvPr>
-            <p:ph type="title"/>
-          </p:nvPr>
-        </p:nvSpPr>
-        <p:spPr/>
-        <p:txBody>
-          <a:bodyPr/>
-          <a:lstStyle/>
-          <a:p>
-            <a:endParaRPr lang="en-US"/>
-          </a:p>
-        </p:txBody>
-      </p:sp>
-      <p:sp>
-        <p:nvSpPr>
-          <p:cNvPr id="7" name="Text Placeholder 6"/>
-          <p:cNvSpPr>
-            <a:spLocks noGrp="1"/>
-          </p:cNvSpPr>
-          <p:nvPr>
-            <p:ph type="body" idx="1"/>
-          </p:nvPr>
-        </p:nvSpPr>
-        <p:spPr/>
-        <p:txBody>
-          <a:bodyPr/>
-          <a:lstStyle/>
-          <a:p>
-            <a:endParaRPr lang="en-US"/>
-          </a:p>
-        </p:txBody>
-      </p:sp>
     </p:spTree>
   </p:cSld>
   <p:clrMapOvr>
@@ -15669,7 +16401,7 @@
               <a:buNone/>
             </a:pPr>
             <a:r>
-              <a:rPr lang="en-US" sz="7600" u="none" strike="noStrike" cap="none">
+              <a:rPr lang="en-US" sz="7600" u="none" strike="noStrike" cap="none" dirty="0">
                 <a:solidFill>
                   <a:srgbClr val="FFD966"/>
                 </a:solidFill>
@@ -15703,7 +16435,7 @@
           </a:ln>
         </p:spPr>
         <p:txBody>
-          <a:bodyPr lIns="38100" tIns="38100" rIns="38100" bIns="38100" anchor="ctr" anchorCtr="0">
+          <a:bodyPr lIns="38100" tIns="38100" rIns="38100" bIns="38100" anchor="t" anchorCtr="0">
             <a:noAutofit/>
           </a:bodyPr>
           <a:lstStyle/>
@@ -15722,7 +16454,7 @@
               <a:buFont typeface="Cabin"/>
             </a:pPr>
             <a:r>
-              <a:rPr lang="en-US" sz="3600" u="none" strike="noStrike" cap="none">
+              <a:rPr lang="en-US" sz="3600" u="none" strike="noStrike" cap="none" dirty="0">
                 <a:solidFill>
                   <a:schemeClr val="lt1"/>
                 </a:solidFill>
@@ -15929,7 +16661,7 @@
               <a:buNone/>
             </a:pPr>
             <a:r>
-              <a:rPr lang="en-US" sz="2600" b="1" i="0" u="none" strike="noStrike" cap="none">
+              <a:rPr lang="en-US" sz="2600" b="1" i="0" u="none" strike="noStrike" cap="none" dirty="0">
                 <a:solidFill>
                   <a:schemeClr val="lt1"/>
                 </a:solidFill>
@@ -15941,7 +16673,7 @@
               <a:t>words = </a:t>
             </a:r>
             <a:r>
-              <a:rPr lang="en-US" sz="2600" b="1" i="0" u="none" strike="noStrike" cap="none">
+              <a:rPr lang="en-US" sz="2600" b="1" i="0" u="none" strike="noStrike" cap="none" dirty="0" err="1">
                 <a:solidFill>
                   <a:srgbClr val="FF7F00"/>
                 </a:solidFill>
@@ -15953,16 +16685,28 @@
               <a:t>line</a:t>
             </a:r>
             <a:r>
-              <a:rPr lang="en-US" sz="2600" b="1" i="0" u="none" strike="noStrike" cap="none">
-                <a:solidFill>
-                  <a:schemeClr val="lt1"/>
-                </a:solidFill>
-                <a:latin typeface="Courier New"/>
-                <a:ea typeface="Courier New"/>
-                <a:cs typeface="Courier New"/>
-                <a:sym typeface="Courier New"/>
-              </a:rPr>
-              <a:t>.split()</a:t>
+              <a:rPr lang="en-US" sz="2600" b="1" i="0" u="none" strike="noStrike" cap="none" dirty="0" err="1">
+                <a:solidFill>
+                  <a:schemeClr val="lt1"/>
+                </a:solidFill>
+                <a:latin typeface="Courier New"/>
+                <a:ea typeface="Courier New"/>
+                <a:cs typeface="Courier New"/>
+                <a:sym typeface="Courier New"/>
+              </a:rPr>
+              <a:t>.split</a:t>
+            </a:r>
+            <a:r>
+              <a:rPr lang="en-US" sz="2600" b="1" i="0" u="none" strike="noStrike" cap="none" dirty="0">
+                <a:solidFill>
+                  <a:schemeClr val="lt1"/>
+                </a:solidFill>
+                <a:latin typeface="Courier New"/>
+                <a:ea typeface="Courier New"/>
+                <a:cs typeface="Courier New"/>
+                <a:sym typeface="Courier New"/>
+              </a:rPr>
+              <a:t>()</a:t>
             </a:r>
           </a:p>
           <a:p>
@@ -15984,7 +16728,7 @@
               <a:buNone/>
             </a:pPr>
             <a:r>
-              <a:rPr lang="en-US" sz="2600" b="1" i="0" u="none" strike="noStrike" cap="none">
+              <a:rPr lang="en-US" sz="2600" b="1" i="0" u="none" strike="noStrike" cap="none" dirty="0">
                 <a:solidFill>
                   <a:srgbClr val="FF00FF"/>
                 </a:solidFill>
@@ -15996,7 +16740,7 @@
               <a:t>email</a:t>
             </a:r>
             <a:r>
-              <a:rPr lang="en-US" sz="2600" b="1" i="0" u="none" strike="noStrike" cap="none">
+              <a:rPr lang="en-US" sz="2600" b="1" i="0" u="none" strike="noStrike" cap="none" dirty="0">
                 <a:solidFill>
                   <a:schemeClr val="lt1"/>
                 </a:solidFill>
@@ -16027,7 +16771,7 @@
               <a:buNone/>
             </a:pPr>
             <a:r>
-              <a:rPr lang="en-US" sz="2600" b="1">
+              <a:rPr lang="en-US" sz="2600" b="1" dirty="0">
                 <a:solidFill>
                   <a:srgbClr val="FFFF00"/>
                 </a:solidFill>
@@ -16039,16 +16783,40 @@
               <a:t>pieces</a:t>
             </a:r>
             <a:r>
-              <a:rPr lang="en-US" sz="2600" b="1">
-                <a:solidFill>
-                  <a:schemeClr val="lt1"/>
-                </a:solidFill>
-                <a:latin typeface="Courier New"/>
-                <a:ea typeface="Courier New"/>
-                <a:cs typeface="Courier New"/>
-                <a:sym typeface="Courier New"/>
-              </a:rPr>
-              <a:t> = email.split('@')</a:t>
+              <a:rPr lang="en-US" sz="2600" b="1" dirty="0">
+                <a:solidFill>
+                  <a:schemeClr val="lt1"/>
+                </a:solidFill>
+                <a:latin typeface="Courier New"/>
+                <a:ea typeface="Courier New"/>
+                <a:cs typeface="Courier New"/>
+                <a:sym typeface="Courier New"/>
+              </a:rPr>
+              <a:t> = </a:t>
+            </a:r>
+            <a:r>
+              <a:rPr lang="en-US" sz="2600" b="1" dirty="0" err="1">
+                <a:solidFill>
+                  <a:schemeClr val="lt1"/>
+                </a:solidFill>
+                <a:latin typeface="Courier New"/>
+                <a:ea typeface="Courier New"/>
+                <a:cs typeface="Courier New"/>
+                <a:sym typeface="Courier New"/>
+              </a:rPr>
+              <a:t>email.split</a:t>
+            </a:r>
+            <a:r>
+              <a:rPr lang="en-US" sz="2600" b="1" dirty="0">
+                <a:solidFill>
+                  <a:schemeClr val="lt1"/>
+                </a:solidFill>
+                <a:latin typeface="Courier New"/>
+                <a:ea typeface="Courier New"/>
+                <a:cs typeface="Courier New"/>
+                <a:sym typeface="Courier New"/>
+              </a:rPr>
+              <a:t>('@')</a:t>
             </a:r>
           </a:p>
           <a:p>
@@ -16070,19 +16838,19 @@
               <a:buNone/>
             </a:pPr>
             <a:r>
-              <a:rPr lang="en-US" sz="2600" b="1">
-                <a:solidFill>
-                  <a:schemeClr val="lt1"/>
-                </a:solidFill>
-                <a:latin typeface="Courier New"/>
-                <a:ea typeface="Courier New"/>
-                <a:cs typeface="Courier New"/>
-                <a:sym typeface="Courier New"/>
-              </a:rPr>
-              <a:t>print </a:t>
-            </a:r>
-            <a:r>
-              <a:rPr lang="en-US" sz="2600" b="1">
+              <a:rPr lang="en-US" sz="2600" b="1" dirty="0" smtClean="0">
+                <a:solidFill>
+                  <a:schemeClr val="lt1"/>
+                </a:solidFill>
+                <a:latin typeface="Courier New"/>
+                <a:ea typeface="Courier New"/>
+                <a:cs typeface="Courier New"/>
+                <a:sym typeface="Courier New"/>
+              </a:rPr>
+              <a:t>print(</a:t>
+            </a:r>
+            <a:r>
+              <a:rPr lang="en-US" sz="2600" b="1" dirty="0" smtClean="0">
                 <a:solidFill>
                   <a:srgbClr val="00FF00"/>
                 </a:solidFill>
@@ -16093,6 +16861,27 @@
               </a:rPr>
               <a:t>pieces[1]</a:t>
             </a:r>
+            <a:r>
+              <a:rPr lang="en-US" sz="2600" b="1" dirty="0" smtClean="0">
+                <a:solidFill>
+                  <a:schemeClr val="bg1"/>
+                </a:solidFill>
+                <a:latin typeface="Courier New"/>
+                <a:ea typeface="Courier New"/>
+                <a:cs typeface="Courier New"/>
+                <a:sym typeface="Courier New"/>
+              </a:rPr>
+              <a:t>)</a:t>
+            </a:r>
+            <a:endParaRPr lang="en-US" sz="2600" b="1" dirty="0">
+              <a:solidFill>
+                <a:schemeClr val="bg1"/>
+              </a:solidFill>
+              <a:latin typeface="Courier New"/>
+              <a:ea typeface="Courier New"/>
+              <a:cs typeface="Courier New"/>
+              <a:sym typeface="Courier New"/>
+            </a:endParaRPr>
           </a:p>
         </p:txBody>
       </p:sp>
@@ -16301,25 +17090,6 @@
               </a:rPr>
               <a:t>The Regex Version</a:t>
             </a:r>
-          </a:p>
-        </p:txBody>
-      </p:sp>
-      <p:sp>
-        <p:nvSpPr>
-          <p:cNvPr id="4" name="Text Placeholder 3"/>
-          <p:cNvSpPr>
-            <a:spLocks noGrp="1"/>
-          </p:cNvSpPr>
-          <p:nvPr>
-            <p:ph type="body" idx="1"/>
-          </p:nvPr>
-        </p:nvSpPr>
-        <p:spPr/>
-        <p:txBody>
-          <a:bodyPr/>
-          <a:lstStyle/>
-          <a:p>
-            <a:endParaRPr lang="en-US"/>
           </a:p>
         </p:txBody>
       </p:sp>
@@ -16600,8 +17370,8 @@
         </p:nvSpPr>
         <p:spPr>
           <a:xfrm>
-            <a:off x="466725" y="3841750"/>
-            <a:ext cx="15760800" cy="2260499"/>
+            <a:off x="466725" y="3505400"/>
+            <a:ext cx="14919049" cy="2596850"/>
           </a:xfrm>
           <a:prstGeom prst="rect">
             <a:avLst/>
@@ -16635,7 +17405,7 @@
               <a:buNone/>
             </a:pPr>
             <a:r>
-              <a:rPr lang="en-US" sz="3000" b="1" i="0" u="none" strike="noStrike" cap="none">
+              <a:rPr lang="en-US" sz="3000" b="1" i="0" u="none" strike="noStrike" cap="none" dirty="0">
                 <a:solidFill>
                   <a:schemeClr val="lt1"/>
                 </a:solidFill>
@@ -16666,16 +17436,52 @@
               <a:buNone/>
             </a:pPr>
             <a:r>
-              <a:rPr lang="en-US" sz="3000" b="1" i="0" u="none" strike="noStrike" cap="none">
-                <a:solidFill>
-                  <a:schemeClr val="lt1"/>
-                </a:solidFill>
-                <a:latin typeface="Courier New"/>
-                <a:ea typeface="Courier New"/>
-                <a:cs typeface="Courier New"/>
-                <a:sym typeface="Courier New"/>
-              </a:rPr>
-              <a:t>lin = 'From stephen.marquard@uct.ac.za Sat Jan  5 09:14:16 2008'</a:t>
+              <a:rPr lang="en-US" sz="3000" b="1" i="0" u="none" strike="noStrike" cap="none" dirty="0" err="1">
+                <a:solidFill>
+                  <a:schemeClr val="lt1"/>
+                </a:solidFill>
+                <a:latin typeface="Courier New"/>
+                <a:ea typeface="Courier New"/>
+                <a:cs typeface="Courier New"/>
+                <a:sym typeface="Courier New"/>
+              </a:rPr>
+              <a:t>lin</a:t>
+            </a:r>
+            <a:r>
+              <a:rPr lang="en-US" sz="3000" b="1" i="0" u="none" strike="noStrike" cap="none" dirty="0">
+                <a:solidFill>
+                  <a:schemeClr val="lt1"/>
+                </a:solidFill>
+                <a:latin typeface="Courier New"/>
+                <a:ea typeface="Courier New"/>
+                <a:cs typeface="Courier New"/>
+                <a:sym typeface="Courier New"/>
+              </a:rPr>
+              <a:t> = 'From </a:t>
+            </a:r>
+            <a:r>
+              <a:rPr lang="en-US" sz="3000" b="1" i="0" u="none" strike="noStrike" cap="none" dirty="0" err="1">
+                <a:solidFill>
+                  <a:schemeClr val="lt1"/>
+                </a:solidFill>
+                <a:latin typeface="Courier New"/>
+                <a:ea typeface="Courier New"/>
+                <a:cs typeface="Courier New"/>
+                <a:sym typeface="Courier New"/>
+              </a:rPr>
+              <a:t>stephen.marquard@uct.ac.za</a:t>
+            </a:r>
+            <a:r>
+              <a:rPr lang="en-US" sz="3000" b="1" i="0" u="none" strike="noStrike" cap="none" dirty="0">
+                <a:solidFill>
+                  <a:schemeClr val="lt1"/>
+                </a:solidFill>
+                <a:latin typeface="Courier New"/>
+                <a:ea typeface="Courier New"/>
+                <a:cs typeface="Courier New"/>
+                <a:sym typeface="Courier New"/>
+              </a:rPr>
+              <a:t> Sat Jan  5 09:14:16 2008'</a:t>
             </a:r>
           </a:p>
           <a:p>
@@ -16697,19 +17503,43 @@
               <a:buNone/>
             </a:pPr>
             <a:r>
-              <a:rPr lang="en-US" sz="3000" b="1" i="0" u="none" strike="noStrike" cap="none">
-                <a:solidFill>
-                  <a:schemeClr val="lt1"/>
-                </a:solidFill>
-                <a:latin typeface="Courier New"/>
-                <a:ea typeface="Courier New"/>
-                <a:cs typeface="Courier New"/>
-                <a:sym typeface="Courier New"/>
-              </a:rPr>
-              <a:t>y = re.findall(</a:t>
-            </a:r>
-            <a:r>
-              <a:rPr lang="en-US" sz="3000" b="1" i="0" u="none" strike="noStrike" cap="none">
+              <a:rPr lang="en-US" sz="3000" b="1" i="0" u="none" strike="noStrike" cap="none" dirty="0">
+                <a:solidFill>
+                  <a:schemeClr val="lt1"/>
+                </a:solidFill>
+                <a:latin typeface="Courier New"/>
+                <a:ea typeface="Courier New"/>
+                <a:cs typeface="Courier New"/>
+                <a:sym typeface="Courier New"/>
+              </a:rPr>
+              <a:t>y = </a:t>
+            </a:r>
+            <a:r>
+              <a:rPr lang="en-US" sz="3000" b="1" i="0" u="none" strike="noStrike" cap="none" dirty="0" err="1">
+                <a:solidFill>
+                  <a:schemeClr val="lt1"/>
+                </a:solidFill>
+                <a:latin typeface="Courier New"/>
+                <a:ea typeface="Courier New"/>
+                <a:cs typeface="Courier New"/>
+                <a:sym typeface="Courier New"/>
+              </a:rPr>
+              <a:t>re.findall</a:t>
+            </a:r>
+            <a:r>
+              <a:rPr lang="en-US" sz="3000" b="1" i="0" u="none" strike="noStrike" cap="none" dirty="0">
+                <a:solidFill>
+                  <a:schemeClr val="lt1"/>
+                </a:solidFill>
+                <a:latin typeface="Courier New"/>
+                <a:ea typeface="Courier New"/>
+                <a:cs typeface="Courier New"/>
+                <a:sym typeface="Courier New"/>
+              </a:rPr>
+              <a:t>(</a:t>
+            </a:r>
+            <a:r>
+              <a:rPr lang="en-US" sz="3000" b="1" i="0" u="none" strike="noStrike" cap="none" dirty="0">
                 <a:solidFill>
                   <a:srgbClr val="FFFF00"/>
                 </a:solidFill>
@@ -16721,16 +17551,40 @@
               <a:t>'@([^ ]*)'</a:t>
             </a:r>
             <a:r>
-              <a:rPr lang="en-US" sz="3000" b="1" i="0" u="none" strike="noStrike" cap="none">
-                <a:solidFill>
-                  <a:schemeClr val="lt1"/>
-                </a:solidFill>
-                <a:latin typeface="Courier New"/>
-                <a:ea typeface="Courier New"/>
-                <a:cs typeface="Courier New"/>
-                <a:sym typeface="Courier New"/>
-              </a:rPr>
-              <a:t>,lin)</a:t>
+              <a:rPr lang="en-US" sz="3000" b="1" i="0" u="none" strike="noStrike" cap="none" dirty="0">
+                <a:solidFill>
+                  <a:schemeClr val="lt1"/>
+                </a:solidFill>
+                <a:latin typeface="Courier New"/>
+                <a:ea typeface="Courier New"/>
+                <a:cs typeface="Courier New"/>
+                <a:sym typeface="Courier New"/>
+              </a:rPr>
+              <a:t>,</a:t>
+            </a:r>
+            <a:r>
+              <a:rPr lang="en-US" sz="3000" b="1" i="0" u="none" strike="noStrike" cap="none" dirty="0" err="1">
+                <a:solidFill>
+                  <a:schemeClr val="lt1"/>
+                </a:solidFill>
+                <a:latin typeface="Courier New"/>
+                <a:ea typeface="Courier New"/>
+                <a:cs typeface="Courier New"/>
+                <a:sym typeface="Courier New"/>
+              </a:rPr>
+              <a:t>lin</a:t>
+            </a:r>
+            <a:r>
+              <a:rPr lang="en-US" sz="3000" b="1" i="0" u="none" strike="noStrike" cap="none" dirty="0">
+                <a:solidFill>
+                  <a:schemeClr val="lt1"/>
+                </a:solidFill>
+                <a:latin typeface="Courier New"/>
+                <a:ea typeface="Courier New"/>
+                <a:cs typeface="Courier New"/>
+                <a:sym typeface="Courier New"/>
+              </a:rPr>
+              <a:t>)</a:t>
             </a:r>
           </a:p>
           <a:p>
@@ -16752,16 +17606,16 @@
               <a:buNone/>
             </a:pPr>
             <a:r>
-              <a:rPr lang="en-US" sz="3000" b="1" i="0" u="none" strike="noStrike" cap="none">
-                <a:solidFill>
-                  <a:schemeClr val="lt1"/>
-                </a:solidFill>
-                <a:latin typeface="Courier New"/>
-                <a:ea typeface="Courier New"/>
-                <a:cs typeface="Courier New"/>
-                <a:sym typeface="Courier New"/>
-              </a:rPr>
-              <a:t>print y</a:t>
+              <a:rPr lang="en-US" sz="3000" b="1" i="0" u="none" strike="noStrike" cap="none" dirty="0" smtClean="0">
+                <a:solidFill>
+                  <a:schemeClr val="lt1"/>
+                </a:solidFill>
+                <a:latin typeface="Courier New"/>
+                <a:ea typeface="Courier New"/>
+                <a:cs typeface="Courier New"/>
+                <a:sym typeface="Courier New"/>
+              </a:rPr>
+              <a:t>print(y)</a:t>
             </a:r>
           </a:p>
           <a:p>
@@ -16782,17 +17636,69 @@
               <a:buFont typeface="Courier New"/>
               <a:buNone/>
             </a:pPr>
-            <a:r>
-              <a:rPr lang="en-US" sz="3000" b="1" i="0" u="none" strike="noStrike" cap="none">
-                <a:solidFill>
-                  <a:schemeClr val="lt1"/>
-                </a:solidFill>
-                <a:latin typeface="Courier New"/>
-                <a:ea typeface="Courier New"/>
-                <a:cs typeface="Courier New"/>
-                <a:sym typeface="Courier New"/>
-              </a:rPr>
-              <a:t>['uct.ac.za']</a:t>
+            <a:endParaRPr lang="en-US" sz="3000" b="1" i="0" u="none" strike="noStrike" cap="none" dirty="0">
+              <a:solidFill>
+                <a:schemeClr val="lt1"/>
+              </a:solidFill>
+              <a:latin typeface="Courier New"/>
+              <a:ea typeface="Courier New"/>
+              <a:cs typeface="Courier New"/>
+              <a:sym typeface="Courier New"/>
+            </a:endParaRPr>
+          </a:p>
+          <a:p>
+            <a:pPr marL="0" marR="0" lvl="0" indent="0" algn="l" rtl="0">
+              <a:lnSpc>
+                <a:spcPct val="100000"/>
+              </a:lnSpc>
+              <a:spcBef>
+                <a:spcPts val="0"/>
+              </a:spcBef>
+              <a:spcAft>
+                <a:spcPts val="0"/>
+              </a:spcAft>
+              <a:buClr>
+                <a:schemeClr val="lt1"/>
+              </a:buClr>
+              <a:buSzPct val="25000"/>
+              <a:buFont typeface="Courier New"/>
+              <a:buNone/>
+            </a:pPr>
+            <a:r>
+              <a:rPr lang="en-US" sz="3000" b="1" i="0" u="none" strike="noStrike" cap="none" dirty="0">
+                <a:solidFill>
+                  <a:schemeClr val="lt1"/>
+                </a:solidFill>
+                <a:latin typeface="Courier New"/>
+                <a:ea typeface="Courier New"/>
+                <a:cs typeface="Courier New"/>
+                <a:sym typeface="Courier New"/>
+              </a:rPr>
+              <a:t>['</a:t>
+            </a:r>
+            <a:r>
+              <a:rPr lang="en-US" sz="3000" b="1" i="0" u="none" strike="noStrike" cap="none" dirty="0" err="1">
+                <a:solidFill>
+                  <a:schemeClr val="lt1"/>
+                </a:solidFill>
+                <a:latin typeface="Courier New"/>
+                <a:ea typeface="Courier New"/>
+                <a:cs typeface="Courier New"/>
+                <a:sym typeface="Courier New"/>
+              </a:rPr>
+              <a:t>uct.ac.za</a:t>
+            </a:r>
+            <a:r>
+              <a:rPr lang="en-US" sz="3000" b="1" i="0" u="none" strike="noStrike" cap="none" dirty="0">
+                <a:solidFill>
+                  <a:schemeClr val="lt1"/>
+                </a:solidFill>
+                <a:latin typeface="Courier New"/>
+                <a:ea typeface="Courier New"/>
+                <a:cs typeface="Courier New"/>
+                <a:sym typeface="Courier New"/>
+              </a:rPr>
+              <a:t>']</a:t>
             </a:r>
           </a:p>
         </p:txBody>
@@ -16876,25 +17782,6 @@
               </a:rPr>
               <a:t>The Regex Version</a:t>
             </a:r>
-          </a:p>
-        </p:txBody>
-      </p:sp>
-      <p:sp>
-        <p:nvSpPr>
-          <p:cNvPr id="4" name="Text Placeholder 3"/>
-          <p:cNvSpPr>
-            <a:spLocks noGrp="1"/>
-          </p:cNvSpPr>
-          <p:nvPr>
-            <p:ph type="body" idx="1"/>
-          </p:nvPr>
-        </p:nvSpPr>
-        <p:spPr/>
-        <p:txBody>
-          <a:bodyPr/>
-          <a:lstStyle/>
-          <a:p>
-            <a:endParaRPr lang="en-US"/>
           </a:p>
         </p:txBody>
       </p:sp>
@@ -17266,14 +18153,14 @@
       </p:sp>
       <p:sp>
         <p:nvSpPr>
-          <p:cNvPr id="433" name="Shape 433"/>
+          <p:cNvPr id="12" name="Shape 420"/>
           <p:cNvSpPr txBox="1"/>
           <p:nvPr/>
         </p:nvSpPr>
         <p:spPr>
           <a:xfrm>
-            <a:off x="466725" y="3841750"/>
-            <a:ext cx="15760800" cy="2260499"/>
+            <a:off x="466725" y="3505400"/>
+            <a:ext cx="14919049" cy="2596850"/>
           </a:xfrm>
           <a:prstGeom prst="rect">
             <a:avLst/>
@@ -17307,7 +18194,7 @@
               <a:buNone/>
             </a:pPr>
             <a:r>
-              <a:rPr lang="en-US" sz="3000" b="1" i="0" u="none" strike="noStrike" cap="none">
+              <a:rPr lang="en-US" sz="3000" b="1" i="0" u="none" strike="noStrike" cap="none" dirty="0">
                 <a:solidFill>
                   <a:schemeClr val="lt1"/>
                 </a:solidFill>
@@ -17338,16 +18225,52 @@
               <a:buNone/>
             </a:pPr>
             <a:r>
-              <a:rPr lang="en-US" sz="3000" b="1" i="0" u="none" strike="noStrike" cap="none">
-                <a:solidFill>
-                  <a:schemeClr val="lt1"/>
-                </a:solidFill>
-                <a:latin typeface="Courier New"/>
-                <a:ea typeface="Courier New"/>
-                <a:cs typeface="Courier New"/>
-                <a:sym typeface="Courier New"/>
-              </a:rPr>
-              <a:t>lin = 'From stephen.marquard@uct.ac.za Sat Jan  5 09:14:16 2008'</a:t>
+              <a:rPr lang="en-US" sz="3000" b="1" i="0" u="none" strike="noStrike" cap="none" dirty="0" err="1">
+                <a:solidFill>
+                  <a:schemeClr val="lt1"/>
+                </a:solidFill>
+                <a:latin typeface="Courier New"/>
+                <a:ea typeface="Courier New"/>
+                <a:cs typeface="Courier New"/>
+                <a:sym typeface="Courier New"/>
+              </a:rPr>
+              <a:t>lin</a:t>
+            </a:r>
+            <a:r>
+              <a:rPr lang="en-US" sz="3000" b="1" i="0" u="none" strike="noStrike" cap="none" dirty="0">
+                <a:solidFill>
+                  <a:schemeClr val="lt1"/>
+                </a:solidFill>
+                <a:latin typeface="Courier New"/>
+                <a:ea typeface="Courier New"/>
+                <a:cs typeface="Courier New"/>
+                <a:sym typeface="Courier New"/>
+              </a:rPr>
+              <a:t> = 'From </a:t>
+            </a:r>
+            <a:r>
+              <a:rPr lang="en-US" sz="3000" b="1" i="0" u="none" strike="noStrike" cap="none" dirty="0" err="1">
+                <a:solidFill>
+                  <a:schemeClr val="lt1"/>
+                </a:solidFill>
+                <a:latin typeface="Courier New"/>
+                <a:ea typeface="Courier New"/>
+                <a:cs typeface="Courier New"/>
+                <a:sym typeface="Courier New"/>
+              </a:rPr>
+              <a:t>stephen.marquard@uct.ac.za</a:t>
+            </a:r>
+            <a:r>
+              <a:rPr lang="en-US" sz="3000" b="1" i="0" u="none" strike="noStrike" cap="none" dirty="0">
+                <a:solidFill>
+                  <a:schemeClr val="lt1"/>
+                </a:solidFill>
+                <a:latin typeface="Courier New"/>
+                <a:ea typeface="Courier New"/>
+                <a:cs typeface="Courier New"/>
+                <a:sym typeface="Courier New"/>
+              </a:rPr>
+              <a:t> Sat Jan  5 09:14:16 2008'</a:t>
             </a:r>
           </a:p>
           <a:p>
@@ -17369,19 +18292,43 @@
               <a:buNone/>
             </a:pPr>
             <a:r>
-              <a:rPr lang="en-US" sz="3000" b="1" i="0" u="none" strike="noStrike" cap="none">
-                <a:solidFill>
-                  <a:schemeClr val="lt1"/>
-                </a:solidFill>
-                <a:latin typeface="Courier New"/>
-                <a:ea typeface="Courier New"/>
-                <a:cs typeface="Courier New"/>
-                <a:sym typeface="Courier New"/>
-              </a:rPr>
-              <a:t>y = re.findall(</a:t>
-            </a:r>
-            <a:r>
-              <a:rPr lang="en-US" sz="3000" b="1" i="0" u="none" strike="noStrike" cap="none">
+              <a:rPr lang="en-US" sz="3000" b="1" i="0" u="none" strike="noStrike" cap="none" dirty="0">
+                <a:solidFill>
+                  <a:schemeClr val="lt1"/>
+                </a:solidFill>
+                <a:latin typeface="Courier New"/>
+                <a:ea typeface="Courier New"/>
+                <a:cs typeface="Courier New"/>
+                <a:sym typeface="Courier New"/>
+              </a:rPr>
+              <a:t>y = </a:t>
+            </a:r>
+            <a:r>
+              <a:rPr lang="en-US" sz="3000" b="1" i="0" u="none" strike="noStrike" cap="none" dirty="0" err="1">
+                <a:solidFill>
+                  <a:schemeClr val="lt1"/>
+                </a:solidFill>
+                <a:latin typeface="Courier New"/>
+                <a:ea typeface="Courier New"/>
+                <a:cs typeface="Courier New"/>
+                <a:sym typeface="Courier New"/>
+              </a:rPr>
+              <a:t>re.findall</a:t>
+            </a:r>
+            <a:r>
+              <a:rPr lang="en-US" sz="3000" b="1" i="0" u="none" strike="noStrike" cap="none" dirty="0">
+                <a:solidFill>
+                  <a:schemeClr val="lt1"/>
+                </a:solidFill>
+                <a:latin typeface="Courier New"/>
+                <a:ea typeface="Courier New"/>
+                <a:cs typeface="Courier New"/>
+                <a:sym typeface="Courier New"/>
+              </a:rPr>
+              <a:t>(</a:t>
+            </a:r>
+            <a:r>
+              <a:rPr lang="en-US" sz="3000" b="1" i="0" u="none" strike="noStrike" cap="none" dirty="0">
                 <a:solidFill>
                   <a:srgbClr val="FFFF00"/>
                 </a:solidFill>
@@ -17393,16 +18340,40 @@
               <a:t>'@([^ ]*)'</a:t>
             </a:r>
             <a:r>
-              <a:rPr lang="en-US" sz="3000" b="1" i="0" u="none" strike="noStrike" cap="none">
-                <a:solidFill>
-                  <a:schemeClr val="lt1"/>
-                </a:solidFill>
-                <a:latin typeface="Courier New"/>
-                <a:ea typeface="Courier New"/>
-                <a:cs typeface="Courier New"/>
-                <a:sym typeface="Courier New"/>
-              </a:rPr>
-              <a:t>,lin)</a:t>
+              <a:rPr lang="en-US" sz="3000" b="1" i="0" u="none" strike="noStrike" cap="none" dirty="0">
+                <a:solidFill>
+                  <a:schemeClr val="lt1"/>
+                </a:solidFill>
+                <a:latin typeface="Courier New"/>
+                <a:ea typeface="Courier New"/>
+                <a:cs typeface="Courier New"/>
+                <a:sym typeface="Courier New"/>
+              </a:rPr>
+              <a:t>,</a:t>
+            </a:r>
+            <a:r>
+              <a:rPr lang="en-US" sz="3000" b="1" i="0" u="none" strike="noStrike" cap="none" dirty="0" err="1">
+                <a:solidFill>
+                  <a:schemeClr val="lt1"/>
+                </a:solidFill>
+                <a:latin typeface="Courier New"/>
+                <a:ea typeface="Courier New"/>
+                <a:cs typeface="Courier New"/>
+                <a:sym typeface="Courier New"/>
+              </a:rPr>
+              <a:t>lin</a:t>
+            </a:r>
+            <a:r>
+              <a:rPr lang="en-US" sz="3000" b="1" i="0" u="none" strike="noStrike" cap="none" dirty="0">
+                <a:solidFill>
+                  <a:schemeClr val="lt1"/>
+                </a:solidFill>
+                <a:latin typeface="Courier New"/>
+                <a:ea typeface="Courier New"/>
+                <a:cs typeface="Courier New"/>
+                <a:sym typeface="Courier New"/>
+              </a:rPr>
+              <a:t>)</a:t>
             </a:r>
           </a:p>
           <a:p>
@@ -17424,16 +18395,16 @@
               <a:buNone/>
             </a:pPr>
             <a:r>
-              <a:rPr lang="en-US" sz="3000" b="1" i="0" u="none" strike="noStrike" cap="none">
-                <a:solidFill>
-                  <a:schemeClr val="lt1"/>
-                </a:solidFill>
-                <a:latin typeface="Courier New"/>
-                <a:ea typeface="Courier New"/>
-                <a:cs typeface="Courier New"/>
-                <a:sym typeface="Courier New"/>
-              </a:rPr>
-              <a:t>print y</a:t>
+              <a:rPr lang="en-US" sz="3000" b="1" i="0" u="none" strike="noStrike" cap="none" dirty="0" smtClean="0">
+                <a:solidFill>
+                  <a:schemeClr val="lt1"/>
+                </a:solidFill>
+                <a:latin typeface="Courier New"/>
+                <a:ea typeface="Courier New"/>
+                <a:cs typeface="Courier New"/>
+                <a:sym typeface="Courier New"/>
+              </a:rPr>
+              <a:t>print(y)</a:t>
             </a:r>
           </a:p>
           <a:p>
@@ -17454,17 +18425,69 @@
               <a:buFont typeface="Courier New"/>
               <a:buNone/>
             </a:pPr>
-            <a:r>
-              <a:rPr lang="en-US" sz="3000" b="1" i="0" u="none" strike="noStrike" cap="none">
-                <a:solidFill>
-                  <a:schemeClr val="lt1"/>
-                </a:solidFill>
-                <a:latin typeface="Courier New"/>
-                <a:ea typeface="Courier New"/>
-                <a:cs typeface="Courier New"/>
-                <a:sym typeface="Courier New"/>
-              </a:rPr>
-              <a:t>['uct.ac.za']</a:t>
+            <a:endParaRPr lang="en-US" sz="3000" b="1" i="0" u="none" strike="noStrike" cap="none" dirty="0">
+              <a:solidFill>
+                <a:schemeClr val="lt1"/>
+              </a:solidFill>
+              <a:latin typeface="Courier New"/>
+              <a:ea typeface="Courier New"/>
+              <a:cs typeface="Courier New"/>
+              <a:sym typeface="Courier New"/>
+            </a:endParaRPr>
+          </a:p>
+          <a:p>
+            <a:pPr marL="0" marR="0" lvl="0" indent="0" algn="l" rtl="0">
+              <a:lnSpc>
+                <a:spcPct val="100000"/>
+              </a:lnSpc>
+              <a:spcBef>
+                <a:spcPts val="0"/>
+              </a:spcBef>
+              <a:spcAft>
+                <a:spcPts val="0"/>
+              </a:spcAft>
+              <a:buClr>
+                <a:schemeClr val="lt1"/>
+              </a:buClr>
+              <a:buSzPct val="25000"/>
+              <a:buFont typeface="Courier New"/>
+              <a:buNone/>
+            </a:pPr>
+            <a:r>
+              <a:rPr lang="en-US" sz="3000" b="1" i="0" u="none" strike="noStrike" cap="none" dirty="0">
+                <a:solidFill>
+                  <a:schemeClr val="lt1"/>
+                </a:solidFill>
+                <a:latin typeface="Courier New"/>
+                <a:ea typeface="Courier New"/>
+                <a:cs typeface="Courier New"/>
+                <a:sym typeface="Courier New"/>
+              </a:rPr>
+              <a:t>['</a:t>
+            </a:r>
+            <a:r>
+              <a:rPr lang="en-US" sz="3000" b="1" i="0" u="none" strike="noStrike" cap="none" dirty="0" err="1">
+                <a:solidFill>
+                  <a:schemeClr val="lt1"/>
+                </a:solidFill>
+                <a:latin typeface="Courier New"/>
+                <a:ea typeface="Courier New"/>
+                <a:cs typeface="Courier New"/>
+                <a:sym typeface="Courier New"/>
+              </a:rPr>
+              <a:t>uct.ac.za</a:t>
+            </a:r>
+            <a:r>
+              <a:rPr lang="en-US" sz="3000" b="1" i="0" u="none" strike="noStrike" cap="none" dirty="0">
+                <a:solidFill>
+                  <a:schemeClr val="lt1"/>
+                </a:solidFill>
+                <a:latin typeface="Courier New"/>
+                <a:ea typeface="Courier New"/>
+                <a:cs typeface="Courier New"/>
+                <a:sym typeface="Courier New"/>
+              </a:rPr>
+              <a:t>']</a:t>
             </a:r>
           </a:p>
         </p:txBody>
@@ -17548,25 +18571,6 @@
               </a:rPr>
               <a:t>The Regex Version</a:t>
             </a:r>
-          </a:p>
-        </p:txBody>
-      </p:sp>
-      <p:sp>
-        <p:nvSpPr>
-          <p:cNvPr id="4" name="Text Placeholder 3"/>
-          <p:cNvSpPr>
-            <a:spLocks noGrp="1"/>
-          </p:cNvSpPr>
-          <p:nvPr>
-            <p:ph type="body" idx="1"/>
-          </p:nvPr>
-        </p:nvSpPr>
-        <p:spPr/>
-        <p:txBody>
-          <a:bodyPr/>
-          <a:lstStyle/>
-          <a:p>
-            <a:endParaRPr lang="en-US"/>
           </a:p>
         </p:txBody>
       </p:sp>
@@ -17879,14 +18883,14 @@
       </p:sp>
       <p:sp>
         <p:nvSpPr>
-          <p:cNvPr id="444" name="Shape 444"/>
+          <p:cNvPr id="10" name="Shape 420"/>
           <p:cNvSpPr txBox="1"/>
           <p:nvPr/>
         </p:nvSpPr>
         <p:spPr>
           <a:xfrm>
-            <a:off x="466725" y="3689350"/>
-            <a:ext cx="15760800" cy="3059999"/>
+            <a:off x="466725" y="3505400"/>
+            <a:ext cx="14919049" cy="2596850"/>
           </a:xfrm>
           <a:prstGeom prst="rect">
             <a:avLst/>
@@ -17920,7 +18924,7 @@
               <a:buNone/>
             </a:pPr>
             <a:r>
-              <a:rPr lang="en-US" sz="3000" b="1" i="0" u="none" strike="noStrike" cap="none">
+              <a:rPr lang="en-US" sz="3000" b="1" i="0" u="none" strike="noStrike" cap="none" dirty="0">
                 <a:solidFill>
                   <a:schemeClr val="lt1"/>
                 </a:solidFill>
@@ -17951,16 +18955,52 @@
               <a:buNone/>
             </a:pPr>
             <a:r>
-              <a:rPr lang="en-US" sz="3000" b="1" i="0" u="none" strike="noStrike" cap="none">
-                <a:solidFill>
-                  <a:schemeClr val="lt1"/>
-                </a:solidFill>
-                <a:latin typeface="Courier New"/>
-                <a:ea typeface="Courier New"/>
-                <a:cs typeface="Courier New"/>
-                <a:sym typeface="Courier New"/>
-              </a:rPr>
-              <a:t>lin = 'From stephen.marquard@uct.ac.za Sat Jan  5 09:14:16 2008'</a:t>
+              <a:rPr lang="en-US" sz="3000" b="1" i="0" u="none" strike="noStrike" cap="none" dirty="0" err="1">
+                <a:solidFill>
+                  <a:schemeClr val="lt1"/>
+                </a:solidFill>
+                <a:latin typeface="Courier New"/>
+                <a:ea typeface="Courier New"/>
+                <a:cs typeface="Courier New"/>
+                <a:sym typeface="Courier New"/>
+              </a:rPr>
+              <a:t>lin</a:t>
+            </a:r>
+            <a:r>
+              <a:rPr lang="en-US" sz="3000" b="1" i="0" u="none" strike="noStrike" cap="none" dirty="0">
+                <a:solidFill>
+                  <a:schemeClr val="lt1"/>
+                </a:solidFill>
+                <a:latin typeface="Courier New"/>
+                <a:ea typeface="Courier New"/>
+                <a:cs typeface="Courier New"/>
+                <a:sym typeface="Courier New"/>
+              </a:rPr>
+              <a:t> = 'From </a:t>
+            </a:r>
+            <a:r>
+              <a:rPr lang="en-US" sz="3000" b="1" i="0" u="none" strike="noStrike" cap="none" dirty="0" err="1">
+                <a:solidFill>
+                  <a:schemeClr val="lt1"/>
+                </a:solidFill>
+                <a:latin typeface="Courier New"/>
+                <a:ea typeface="Courier New"/>
+                <a:cs typeface="Courier New"/>
+                <a:sym typeface="Courier New"/>
+              </a:rPr>
+              <a:t>stephen.marquard@uct.ac.za</a:t>
+            </a:r>
+            <a:r>
+              <a:rPr lang="en-US" sz="3000" b="1" i="0" u="none" strike="noStrike" cap="none" dirty="0">
+                <a:solidFill>
+                  <a:schemeClr val="lt1"/>
+                </a:solidFill>
+                <a:latin typeface="Courier New"/>
+                <a:ea typeface="Courier New"/>
+                <a:cs typeface="Courier New"/>
+                <a:sym typeface="Courier New"/>
+              </a:rPr>
+              <a:t> Sat Jan  5 09:14:16 2008'</a:t>
             </a:r>
           </a:p>
           <a:p>
@@ -17982,19 +19022,43 @@
               <a:buNone/>
             </a:pPr>
             <a:r>
-              <a:rPr lang="en-US" sz="3000" b="1" i="0" u="none" strike="noStrike" cap="none">
-                <a:solidFill>
-                  <a:schemeClr val="lt1"/>
-                </a:solidFill>
-                <a:latin typeface="Courier New"/>
-                <a:ea typeface="Courier New"/>
-                <a:cs typeface="Courier New"/>
-                <a:sym typeface="Courier New"/>
-              </a:rPr>
-              <a:t>y = re.findall(</a:t>
-            </a:r>
-            <a:r>
-              <a:rPr lang="en-US" sz="3000" b="1" i="0" u="none" strike="noStrike" cap="none">
+              <a:rPr lang="en-US" sz="3000" b="1" i="0" u="none" strike="noStrike" cap="none" dirty="0">
+                <a:solidFill>
+                  <a:schemeClr val="lt1"/>
+                </a:solidFill>
+                <a:latin typeface="Courier New"/>
+                <a:ea typeface="Courier New"/>
+                <a:cs typeface="Courier New"/>
+                <a:sym typeface="Courier New"/>
+              </a:rPr>
+              <a:t>y = </a:t>
+            </a:r>
+            <a:r>
+              <a:rPr lang="en-US" sz="3000" b="1" i="0" u="none" strike="noStrike" cap="none" dirty="0" err="1">
+                <a:solidFill>
+                  <a:schemeClr val="lt1"/>
+                </a:solidFill>
+                <a:latin typeface="Courier New"/>
+                <a:ea typeface="Courier New"/>
+                <a:cs typeface="Courier New"/>
+                <a:sym typeface="Courier New"/>
+              </a:rPr>
+              <a:t>re.findall</a:t>
+            </a:r>
+            <a:r>
+              <a:rPr lang="en-US" sz="3000" b="1" i="0" u="none" strike="noStrike" cap="none" dirty="0">
+                <a:solidFill>
+                  <a:schemeClr val="lt1"/>
+                </a:solidFill>
+                <a:latin typeface="Courier New"/>
+                <a:ea typeface="Courier New"/>
+                <a:cs typeface="Courier New"/>
+                <a:sym typeface="Courier New"/>
+              </a:rPr>
+              <a:t>(</a:t>
+            </a:r>
+            <a:r>
+              <a:rPr lang="en-US" sz="3000" b="1" i="0" u="none" strike="noStrike" cap="none" dirty="0">
                 <a:solidFill>
                   <a:srgbClr val="FFFF00"/>
                 </a:solidFill>
@@ -18006,16 +19070,40 @@
               <a:t>'@([^ ]*)'</a:t>
             </a:r>
             <a:r>
-              <a:rPr lang="en-US" sz="3000" b="1" i="0" u="none" strike="noStrike" cap="none">
-                <a:solidFill>
-                  <a:schemeClr val="lt1"/>
-                </a:solidFill>
-                <a:latin typeface="Courier New"/>
-                <a:ea typeface="Courier New"/>
-                <a:cs typeface="Courier New"/>
-                <a:sym typeface="Courier New"/>
-              </a:rPr>
-              <a:t>,lin)</a:t>
+              <a:rPr lang="en-US" sz="3000" b="1" i="0" u="none" strike="noStrike" cap="none" dirty="0">
+                <a:solidFill>
+                  <a:schemeClr val="lt1"/>
+                </a:solidFill>
+                <a:latin typeface="Courier New"/>
+                <a:ea typeface="Courier New"/>
+                <a:cs typeface="Courier New"/>
+                <a:sym typeface="Courier New"/>
+              </a:rPr>
+              <a:t>,</a:t>
+            </a:r>
+            <a:r>
+              <a:rPr lang="en-US" sz="3000" b="1" i="0" u="none" strike="noStrike" cap="none" dirty="0" err="1">
+                <a:solidFill>
+                  <a:schemeClr val="lt1"/>
+                </a:solidFill>
+                <a:latin typeface="Courier New"/>
+                <a:ea typeface="Courier New"/>
+                <a:cs typeface="Courier New"/>
+                <a:sym typeface="Courier New"/>
+              </a:rPr>
+              <a:t>lin</a:t>
+            </a:r>
+            <a:r>
+              <a:rPr lang="en-US" sz="3000" b="1" i="0" u="none" strike="noStrike" cap="none" dirty="0">
+                <a:solidFill>
+                  <a:schemeClr val="lt1"/>
+                </a:solidFill>
+                <a:latin typeface="Courier New"/>
+                <a:ea typeface="Courier New"/>
+                <a:cs typeface="Courier New"/>
+                <a:sym typeface="Courier New"/>
+              </a:rPr>
+              <a:t>)</a:t>
             </a:r>
           </a:p>
           <a:p>
@@ -18037,16 +19125,16 @@
               <a:buNone/>
             </a:pPr>
             <a:r>
-              <a:rPr lang="en-US" sz="3000" b="1" i="0" u="none" strike="noStrike" cap="none">
-                <a:solidFill>
-                  <a:schemeClr val="lt1"/>
-                </a:solidFill>
-                <a:latin typeface="Courier New"/>
-                <a:ea typeface="Courier New"/>
-                <a:cs typeface="Courier New"/>
-                <a:sym typeface="Courier New"/>
-              </a:rPr>
-              <a:t>print y</a:t>
+              <a:rPr lang="en-US" sz="3000" b="1" i="0" u="none" strike="noStrike" cap="none" dirty="0" smtClean="0">
+                <a:solidFill>
+                  <a:schemeClr val="lt1"/>
+                </a:solidFill>
+                <a:latin typeface="Courier New"/>
+                <a:ea typeface="Courier New"/>
+                <a:cs typeface="Courier New"/>
+                <a:sym typeface="Courier New"/>
+              </a:rPr>
+              <a:t>print(y)</a:t>
             </a:r>
           </a:p>
           <a:p>
@@ -18063,10 +19151,11 @@
               <a:buClr>
                 <a:schemeClr val="lt1"/>
               </a:buClr>
+              <a:buSzPct val="25000"/>
               <a:buFont typeface="Courier New"/>
               <a:buNone/>
             </a:pPr>
-            <a:endParaRPr sz="3000" b="1">
+            <a:endParaRPr lang="en-US" sz="3000" b="1" i="0" u="none" strike="noStrike" cap="none" dirty="0">
               <a:solidFill>
                 <a:schemeClr val="lt1"/>
               </a:solidFill>
@@ -18095,16 +19184,40 @@
               <a:buNone/>
             </a:pPr>
             <a:r>
-              <a:rPr lang="en-US" sz="3000" b="1" i="0" u="none" strike="noStrike" cap="none">
-                <a:solidFill>
-                  <a:schemeClr val="lt1"/>
-                </a:solidFill>
-                <a:latin typeface="Courier New"/>
-                <a:ea typeface="Courier New"/>
-                <a:cs typeface="Courier New"/>
-                <a:sym typeface="Courier New"/>
-              </a:rPr>
-              <a:t>['uct.ac.za']</a:t>
+              <a:rPr lang="en-US" sz="3000" b="1" i="0" u="none" strike="noStrike" cap="none" dirty="0">
+                <a:solidFill>
+                  <a:schemeClr val="lt1"/>
+                </a:solidFill>
+                <a:latin typeface="Courier New"/>
+                <a:ea typeface="Courier New"/>
+                <a:cs typeface="Courier New"/>
+                <a:sym typeface="Courier New"/>
+              </a:rPr>
+              <a:t>['</a:t>
+            </a:r>
+            <a:r>
+              <a:rPr lang="en-US" sz="3000" b="1" i="0" u="none" strike="noStrike" cap="none" dirty="0" err="1">
+                <a:solidFill>
+                  <a:schemeClr val="lt1"/>
+                </a:solidFill>
+                <a:latin typeface="Courier New"/>
+                <a:ea typeface="Courier New"/>
+                <a:cs typeface="Courier New"/>
+                <a:sym typeface="Courier New"/>
+              </a:rPr>
+              <a:t>uct.ac.za</a:t>
+            </a:r>
+            <a:r>
+              <a:rPr lang="en-US" sz="3000" b="1" i="0" u="none" strike="noStrike" cap="none" dirty="0">
+                <a:solidFill>
+                  <a:schemeClr val="lt1"/>
+                </a:solidFill>
+                <a:latin typeface="Courier New"/>
+                <a:ea typeface="Courier New"/>
+                <a:cs typeface="Courier New"/>
+                <a:sym typeface="Courier New"/>
+              </a:rPr>
+              <a:t>']</a:t>
             </a:r>
           </a:p>
         </p:txBody>
@@ -18193,25 +19306,6 @@
       </p:sp>
       <p:sp>
         <p:nvSpPr>
-          <p:cNvPr id="4" name="Text Placeholder 3"/>
-          <p:cNvSpPr>
-            <a:spLocks noGrp="1"/>
-          </p:cNvSpPr>
-          <p:nvPr>
-            <p:ph type="body" idx="1"/>
-          </p:nvPr>
-        </p:nvSpPr>
-        <p:spPr/>
-        <p:txBody>
-          <a:bodyPr/>
-          <a:lstStyle/>
-          <a:p>
-            <a:endParaRPr lang="en-US"/>
-          </a:p>
-        </p:txBody>
-      </p:sp>
-      <p:sp>
-        <p:nvSpPr>
           <p:cNvPr id="450" name="Shape 450"/>
           <p:cNvSpPr txBox="1"/>
           <p:nvPr/>
@@ -18311,8 +19405,8 @@
         </p:nvSpPr>
         <p:spPr>
           <a:xfrm>
-            <a:off x="3806825" y="8013700"/>
-            <a:ext cx="11798400" cy="622199"/>
+            <a:off x="1775792" y="7719599"/>
+            <a:ext cx="13736668" cy="622199"/>
           </a:xfrm>
           <a:prstGeom prst="rect">
             <a:avLst/>
@@ -18380,8 +19474,8 @@
         </p:nvCxnSpPr>
         <p:spPr>
           <a:xfrm flipH="1">
-            <a:off x="6852186" y="6591300"/>
-            <a:ext cx="858300" cy="1439399"/>
+            <a:off x="7035800" y="6591300"/>
+            <a:ext cx="674686" cy="1128299"/>
           </a:xfrm>
           <a:prstGeom prst="straightConnector1">
             <a:avLst/>
@@ -18407,7 +19501,7 @@
         <p:spPr>
           <a:xfrm>
             <a:off x="9501186" y="6692900"/>
-            <a:ext cx="2319337" cy="1343024"/>
+            <a:ext cx="1683649" cy="1026699"/>
           </a:xfrm>
           <a:prstGeom prst="straightConnector1">
             <a:avLst/>
@@ -18548,7 +19642,7 @@
               <a:buNone/>
             </a:pPr>
             <a:r>
-              <a:rPr lang="en-US" sz="3000" b="1" i="0" u="none" strike="noStrike" cap="none">
+              <a:rPr lang="en-US" sz="3000" b="1" i="0" u="none" strike="noStrike" cap="none" dirty="0">
                 <a:solidFill>
                   <a:schemeClr val="lt1"/>
                 </a:solidFill>
@@ -18579,16 +19673,52 @@
               <a:buNone/>
             </a:pPr>
             <a:r>
-              <a:rPr lang="en-US" sz="3000" b="1" i="0" u="none" strike="noStrike" cap="none">
-                <a:solidFill>
-                  <a:schemeClr val="lt1"/>
-                </a:solidFill>
-                <a:latin typeface="Courier New"/>
-                <a:ea typeface="Courier New"/>
-                <a:cs typeface="Courier New"/>
-                <a:sym typeface="Courier New"/>
-              </a:rPr>
-              <a:t>lin = 'From stephen.marquard@uct.ac.za Sat Jan  5 09:14:16 2008'</a:t>
+              <a:rPr lang="en-US" sz="3000" b="1" i="0" u="none" strike="noStrike" cap="none" dirty="0" err="1">
+                <a:solidFill>
+                  <a:schemeClr val="lt1"/>
+                </a:solidFill>
+                <a:latin typeface="Courier New"/>
+                <a:ea typeface="Courier New"/>
+                <a:cs typeface="Courier New"/>
+                <a:sym typeface="Courier New"/>
+              </a:rPr>
+              <a:t>lin</a:t>
+            </a:r>
+            <a:r>
+              <a:rPr lang="en-US" sz="3000" b="1" i="0" u="none" strike="noStrike" cap="none" dirty="0">
+                <a:solidFill>
+                  <a:schemeClr val="lt1"/>
+                </a:solidFill>
+                <a:latin typeface="Courier New"/>
+                <a:ea typeface="Courier New"/>
+                <a:cs typeface="Courier New"/>
+                <a:sym typeface="Courier New"/>
+              </a:rPr>
+              <a:t> = 'From </a:t>
+            </a:r>
+            <a:r>
+              <a:rPr lang="en-US" sz="3000" b="1" i="0" u="none" strike="noStrike" cap="none" dirty="0" err="1">
+                <a:solidFill>
+                  <a:schemeClr val="lt1"/>
+                </a:solidFill>
+                <a:latin typeface="Courier New"/>
+                <a:ea typeface="Courier New"/>
+                <a:cs typeface="Courier New"/>
+                <a:sym typeface="Courier New"/>
+              </a:rPr>
+              <a:t>stephen.marquard@uct.ac.za</a:t>
+            </a:r>
+            <a:r>
+              <a:rPr lang="en-US" sz="3000" b="1" i="0" u="none" strike="noStrike" cap="none" dirty="0">
+                <a:solidFill>
+                  <a:schemeClr val="lt1"/>
+                </a:solidFill>
+                <a:latin typeface="Courier New"/>
+                <a:ea typeface="Courier New"/>
+                <a:cs typeface="Courier New"/>
+                <a:sym typeface="Courier New"/>
+              </a:rPr>
+              <a:t> Sat Jan  5 09:14:16 2008'</a:t>
             </a:r>
           </a:p>
           <a:p>
@@ -18610,19 +19740,43 @@
               <a:buNone/>
             </a:pPr>
             <a:r>
-              <a:rPr lang="en-US" sz="3000" b="1" i="0" u="none" strike="noStrike" cap="none">
-                <a:solidFill>
-                  <a:schemeClr val="lt1"/>
-                </a:solidFill>
-                <a:latin typeface="Courier New"/>
-                <a:ea typeface="Courier New"/>
-                <a:cs typeface="Courier New"/>
-                <a:sym typeface="Courier New"/>
-              </a:rPr>
-              <a:t>y = re.findall(</a:t>
-            </a:r>
-            <a:r>
-              <a:rPr lang="en-US" sz="3000" b="1" i="0" u="none" strike="noStrike" cap="none">
+              <a:rPr lang="en-US" sz="3000" b="1" i="0" u="none" strike="noStrike" cap="none" dirty="0">
+                <a:solidFill>
+                  <a:schemeClr val="lt1"/>
+                </a:solidFill>
+                <a:latin typeface="Courier New"/>
+                <a:ea typeface="Courier New"/>
+                <a:cs typeface="Courier New"/>
+                <a:sym typeface="Courier New"/>
+              </a:rPr>
+              <a:t>y = </a:t>
+            </a:r>
+            <a:r>
+              <a:rPr lang="en-US" sz="3000" b="1" i="0" u="none" strike="noStrike" cap="none" dirty="0" err="1">
+                <a:solidFill>
+                  <a:schemeClr val="lt1"/>
+                </a:solidFill>
+                <a:latin typeface="Courier New"/>
+                <a:ea typeface="Courier New"/>
+                <a:cs typeface="Courier New"/>
+                <a:sym typeface="Courier New"/>
+              </a:rPr>
+              <a:t>re.findall</a:t>
+            </a:r>
+            <a:r>
+              <a:rPr lang="en-US" sz="3000" b="1" i="0" u="none" strike="noStrike" cap="none" dirty="0">
+                <a:solidFill>
+                  <a:schemeClr val="lt1"/>
+                </a:solidFill>
+                <a:latin typeface="Courier New"/>
+                <a:ea typeface="Courier New"/>
+                <a:cs typeface="Courier New"/>
+                <a:sym typeface="Courier New"/>
+              </a:rPr>
+              <a:t>(</a:t>
+            </a:r>
+            <a:r>
+              <a:rPr lang="en-US" sz="3000" b="1" i="0" u="none" strike="noStrike" cap="none" dirty="0">
                 <a:solidFill>
                   <a:srgbClr val="FFFF00"/>
                 </a:solidFill>
@@ -18634,7 +19788,7 @@
               <a:t>'</a:t>
             </a:r>
             <a:r>
-              <a:rPr lang="en-US" sz="3000" b="1">
+              <a:rPr lang="en-US" sz="3000" b="1" dirty="0">
                 <a:solidFill>
                   <a:srgbClr val="FFFF00"/>
                 </a:solidFill>
@@ -18646,7 +19800,7 @@
               <a:t>^From .*@([^ ]*)</a:t>
             </a:r>
             <a:r>
-              <a:rPr lang="en-US" sz="3000" b="1" i="0" u="none" strike="noStrike" cap="none">
+              <a:rPr lang="en-US" sz="3000" b="1" i="0" u="none" strike="noStrike" cap="none" dirty="0">
                 <a:solidFill>
                   <a:srgbClr val="FFFF00"/>
                 </a:solidFill>
@@ -18658,16 +19812,40 @@
               <a:t>'</a:t>
             </a:r>
             <a:r>
-              <a:rPr lang="en-US" sz="3000" b="1" i="0" u="none" strike="noStrike" cap="none">
-                <a:solidFill>
-                  <a:schemeClr val="lt1"/>
-                </a:solidFill>
-                <a:latin typeface="Courier New"/>
-                <a:ea typeface="Courier New"/>
-                <a:cs typeface="Courier New"/>
-                <a:sym typeface="Courier New"/>
-              </a:rPr>
-              <a:t>,lin)</a:t>
+              <a:rPr lang="en-US" sz="3000" b="1" i="0" u="none" strike="noStrike" cap="none" dirty="0">
+                <a:solidFill>
+                  <a:schemeClr val="lt1"/>
+                </a:solidFill>
+                <a:latin typeface="Courier New"/>
+                <a:ea typeface="Courier New"/>
+                <a:cs typeface="Courier New"/>
+                <a:sym typeface="Courier New"/>
+              </a:rPr>
+              <a:t>,</a:t>
+            </a:r>
+            <a:r>
+              <a:rPr lang="en-US" sz="3000" b="1" i="0" u="none" strike="noStrike" cap="none" dirty="0" err="1">
+                <a:solidFill>
+                  <a:schemeClr val="lt1"/>
+                </a:solidFill>
+                <a:latin typeface="Courier New"/>
+                <a:ea typeface="Courier New"/>
+                <a:cs typeface="Courier New"/>
+                <a:sym typeface="Courier New"/>
+              </a:rPr>
+              <a:t>lin</a:t>
+            </a:r>
+            <a:r>
+              <a:rPr lang="en-US" sz="3000" b="1" i="0" u="none" strike="noStrike" cap="none" dirty="0">
+                <a:solidFill>
+                  <a:schemeClr val="lt1"/>
+                </a:solidFill>
+                <a:latin typeface="Courier New"/>
+                <a:ea typeface="Courier New"/>
+                <a:cs typeface="Courier New"/>
+                <a:sym typeface="Courier New"/>
+              </a:rPr>
+              <a:t>)</a:t>
             </a:r>
           </a:p>
           <a:p>
@@ -18689,16 +19867,16 @@
               <a:buNone/>
             </a:pPr>
             <a:r>
-              <a:rPr lang="en-US" sz="3000" b="1" i="0" u="none" strike="noStrike" cap="none">
-                <a:solidFill>
-                  <a:schemeClr val="lt1"/>
-                </a:solidFill>
-                <a:latin typeface="Courier New"/>
-                <a:ea typeface="Courier New"/>
-                <a:cs typeface="Courier New"/>
-                <a:sym typeface="Courier New"/>
-              </a:rPr>
-              <a:t>print y</a:t>
+              <a:rPr lang="en-US" sz="3000" b="1" i="0" u="none" strike="noStrike" cap="none" dirty="0" smtClean="0">
+                <a:solidFill>
+                  <a:schemeClr val="lt1"/>
+                </a:solidFill>
+                <a:latin typeface="Courier New"/>
+                <a:ea typeface="Courier New"/>
+                <a:cs typeface="Courier New"/>
+                <a:sym typeface="Courier New"/>
+              </a:rPr>
+              <a:t>print(y)</a:t>
             </a:r>
           </a:p>
           <a:p>
@@ -18719,17 +19897,69 @@
               <a:buFont typeface="Courier New"/>
               <a:buNone/>
             </a:pPr>
-            <a:r>
-              <a:rPr lang="en-US" sz="3000" b="1" i="0" u="none" strike="noStrike" cap="none">
-                <a:solidFill>
-                  <a:schemeClr val="lt1"/>
-                </a:solidFill>
-                <a:latin typeface="Courier New"/>
-                <a:ea typeface="Courier New"/>
-                <a:cs typeface="Courier New"/>
-                <a:sym typeface="Courier New"/>
-              </a:rPr>
-              <a:t>['uct.ac.za']</a:t>
+            <a:endParaRPr lang="en-US" sz="3000" b="1" i="0" u="none" strike="noStrike" cap="none" dirty="0">
+              <a:solidFill>
+                <a:schemeClr val="lt1"/>
+              </a:solidFill>
+              <a:latin typeface="Courier New"/>
+              <a:ea typeface="Courier New"/>
+              <a:cs typeface="Courier New"/>
+              <a:sym typeface="Courier New"/>
+            </a:endParaRPr>
+          </a:p>
+          <a:p>
+            <a:pPr marL="0" marR="0" lvl="0" indent="0" algn="l" rtl="0">
+              <a:lnSpc>
+                <a:spcPct val="100000"/>
+              </a:lnSpc>
+              <a:spcBef>
+                <a:spcPts val="0"/>
+              </a:spcBef>
+              <a:spcAft>
+                <a:spcPts val="0"/>
+              </a:spcAft>
+              <a:buClr>
+                <a:schemeClr val="lt1"/>
+              </a:buClr>
+              <a:buSzPct val="25000"/>
+              <a:buFont typeface="Courier New"/>
+              <a:buNone/>
+            </a:pPr>
+            <a:r>
+              <a:rPr lang="en-US" sz="3000" b="1" i="0" u="none" strike="noStrike" cap="none" dirty="0">
+                <a:solidFill>
+                  <a:schemeClr val="lt1"/>
+                </a:solidFill>
+                <a:latin typeface="Courier New"/>
+                <a:ea typeface="Courier New"/>
+                <a:cs typeface="Courier New"/>
+                <a:sym typeface="Courier New"/>
+              </a:rPr>
+              <a:t>['</a:t>
+            </a:r>
+            <a:r>
+              <a:rPr lang="en-US" sz="3000" b="1" i="0" u="none" strike="noStrike" cap="none" dirty="0" err="1">
+                <a:solidFill>
+                  <a:schemeClr val="lt1"/>
+                </a:solidFill>
+                <a:latin typeface="Courier New"/>
+                <a:ea typeface="Courier New"/>
+                <a:cs typeface="Courier New"/>
+                <a:sym typeface="Courier New"/>
+              </a:rPr>
+              <a:t>uct.ac.za</a:t>
+            </a:r>
+            <a:r>
+              <a:rPr lang="en-US" sz="3000" b="1" i="0" u="none" strike="noStrike" cap="none" dirty="0">
+                <a:solidFill>
+                  <a:schemeClr val="lt1"/>
+                </a:solidFill>
+                <a:latin typeface="Courier New"/>
+                <a:ea typeface="Courier New"/>
+                <a:cs typeface="Courier New"/>
+                <a:sym typeface="Courier New"/>
+              </a:rPr>
+              <a:t>']</a:t>
             </a:r>
           </a:p>
         </p:txBody>
@@ -18818,25 +20048,6 @@
       </p:sp>
       <p:sp>
         <p:nvSpPr>
-          <p:cNvPr id="4" name="Text Placeholder 3"/>
-          <p:cNvSpPr>
-            <a:spLocks noGrp="1"/>
-          </p:cNvSpPr>
-          <p:nvPr>
-            <p:ph type="body" idx="1"/>
-          </p:nvPr>
-        </p:nvSpPr>
-        <p:spPr/>
-        <p:txBody>
-          <a:bodyPr/>
-          <a:lstStyle/>
-          <a:p>
-            <a:endParaRPr lang="en-US"/>
-          </a:p>
-        </p:txBody>
-      </p:sp>
-      <p:sp>
-        <p:nvSpPr>
           <p:cNvPr id="461" name="Shape 461"/>
           <p:cNvSpPr txBox="1"/>
           <p:nvPr/>
@@ -18936,7 +20147,7 @@
         </p:nvSpPr>
         <p:spPr>
           <a:xfrm>
-            <a:off x="4695825" y="8026400"/>
+            <a:off x="4709077" y="7662862"/>
             <a:ext cx="11798300" cy="622299"/>
           </a:xfrm>
           <a:prstGeom prst="rect">
@@ -19029,8 +20240,8 @@
         </p:nvCxnSpPr>
         <p:spPr>
           <a:xfrm flipH="1">
-            <a:off x="10110786" y="6629400"/>
-            <a:ext cx="330200" cy="1344612"/>
+            <a:off x="10204174" y="6629400"/>
+            <a:ext cx="236812" cy="1033462"/>
           </a:xfrm>
           <a:prstGeom prst="straightConnector1">
             <a:avLst/>
@@ -19056,7 +20267,7 @@
         <p:spPr>
           <a:xfrm>
             <a:off x="11352211" y="6651625"/>
-            <a:ext cx="468311" cy="1384299"/>
+            <a:ext cx="415719" cy="1322386"/>
           </a:xfrm>
           <a:prstGeom prst="straightConnector1">
             <a:avLst/>
@@ -19162,8 +20373,8 @@
         </p:nvSpPr>
         <p:spPr>
           <a:xfrm>
-            <a:off x="466725" y="3841750"/>
-            <a:ext cx="15760800" cy="2260499"/>
+            <a:off x="466725" y="3503512"/>
+            <a:ext cx="15760800" cy="2814738"/>
           </a:xfrm>
           <a:prstGeom prst="rect">
             <a:avLst/>
@@ -19197,7 +20408,7 @@
               <a:buNone/>
             </a:pPr>
             <a:r>
-              <a:rPr lang="en-US" sz="3000" b="1" i="0" u="none" strike="noStrike" cap="none">
+              <a:rPr lang="en-US" sz="3000" b="1" i="0" u="none" strike="noStrike" cap="none" dirty="0">
                 <a:solidFill>
                   <a:schemeClr val="lt1"/>
                 </a:solidFill>
@@ -19228,16 +20439,52 @@
               <a:buNone/>
             </a:pPr>
             <a:r>
-              <a:rPr lang="en-US" sz="3000" b="1" i="0" u="none" strike="noStrike" cap="none">
-                <a:solidFill>
-                  <a:schemeClr val="lt1"/>
-                </a:solidFill>
-                <a:latin typeface="Courier New"/>
-                <a:ea typeface="Courier New"/>
-                <a:cs typeface="Courier New"/>
-                <a:sym typeface="Courier New"/>
-              </a:rPr>
-              <a:t>lin = 'From stephen.marquard@uct.ac.za Sat Jan  5 09:14:16 2008'</a:t>
+              <a:rPr lang="en-US" sz="3000" b="1" i="0" u="none" strike="noStrike" cap="none" dirty="0" err="1">
+                <a:solidFill>
+                  <a:schemeClr val="lt1"/>
+                </a:solidFill>
+                <a:latin typeface="Courier New"/>
+                <a:ea typeface="Courier New"/>
+                <a:cs typeface="Courier New"/>
+                <a:sym typeface="Courier New"/>
+              </a:rPr>
+              <a:t>lin</a:t>
+            </a:r>
+            <a:r>
+              <a:rPr lang="en-US" sz="3000" b="1" i="0" u="none" strike="noStrike" cap="none" dirty="0">
+                <a:solidFill>
+                  <a:schemeClr val="lt1"/>
+                </a:solidFill>
+                <a:latin typeface="Courier New"/>
+                <a:ea typeface="Courier New"/>
+                <a:cs typeface="Courier New"/>
+                <a:sym typeface="Courier New"/>
+              </a:rPr>
+              <a:t> = 'From </a:t>
+            </a:r>
+            <a:r>
+              <a:rPr lang="en-US" sz="3000" b="1" i="0" u="none" strike="noStrike" cap="none" dirty="0" err="1">
+                <a:solidFill>
+                  <a:schemeClr val="lt1"/>
+                </a:solidFill>
+                <a:latin typeface="Courier New"/>
+                <a:ea typeface="Courier New"/>
+                <a:cs typeface="Courier New"/>
+                <a:sym typeface="Courier New"/>
+              </a:rPr>
+              <a:t>stephen.marquard@uct.ac.za</a:t>
+            </a:r>
+            <a:r>
+              <a:rPr lang="en-US" sz="3000" b="1" i="0" u="none" strike="noStrike" cap="none" dirty="0">
+                <a:solidFill>
+                  <a:schemeClr val="lt1"/>
+                </a:solidFill>
+                <a:latin typeface="Courier New"/>
+                <a:ea typeface="Courier New"/>
+                <a:cs typeface="Courier New"/>
+                <a:sym typeface="Courier New"/>
+              </a:rPr>
+              <a:t> Sat Jan  5 09:14:16 2008'</a:t>
             </a:r>
           </a:p>
           <a:p>
@@ -19259,19 +20506,43 @@
               <a:buNone/>
             </a:pPr>
             <a:r>
-              <a:rPr lang="en-US" sz="3000" b="1" i="0" u="none" strike="noStrike" cap="none">
-                <a:solidFill>
-                  <a:schemeClr val="lt1"/>
-                </a:solidFill>
-                <a:latin typeface="Courier New"/>
-                <a:ea typeface="Courier New"/>
-                <a:cs typeface="Courier New"/>
-                <a:sym typeface="Courier New"/>
-              </a:rPr>
-              <a:t>y = re.findall(</a:t>
-            </a:r>
-            <a:r>
-              <a:rPr lang="en-US" sz="3000" b="1" i="0" u="none" strike="noStrike" cap="none">
+              <a:rPr lang="en-US" sz="3000" b="1" i="0" u="none" strike="noStrike" cap="none" dirty="0">
+                <a:solidFill>
+                  <a:schemeClr val="lt1"/>
+                </a:solidFill>
+                <a:latin typeface="Courier New"/>
+                <a:ea typeface="Courier New"/>
+                <a:cs typeface="Courier New"/>
+                <a:sym typeface="Courier New"/>
+              </a:rPr>
+              <a:t>y = </a:t>
+            </a:r>
+            <a:r>
+              <a:rPr lang="en-US" sz="3000" b="1" i="0" u="none" strike="noStrike" cap="none" dirty="0" err="1">
+                <a:solidFill>
+                  <a:schemeClr val="lt1"/>
+                </a:solidFill>
+                <a:latin typeface="Courier New"/>
+                <a:ea typeface="Courier New"/>
+                <a:cs typeface="Courier New"/>
+                <a:sym typeface="Courier New"/>
+              </a:rPr>
+              <a:t>re.findall</a:t>
+            </a:r>
+            <a:r>
+              <a:rPr lang="en-US" sz="3000" b="1" i="0" u="none" strike="noStrike" cap="none" dirty="0">
+                <a:solidFill>
+                  <a:schemeClr val="lt1"/>
+                </a:solidFill>
+                <a:latin typeface="Courier New"/>
+                <a:ea typeface="Courier New"/>
+                <a:cs typeface="Courier New"/>
+                <a:sym typeface="Courier New"/>
+              </a:rPr>
+              <a:t>(</a:t>
+            </a:r>
+            <a:r>
+              <a:rPr lang="en-US" sz="3000" b="1" i="0" u="none" strike="noStrike" cap="none" dirty="0">
                 <a:solidFill>
                   <a:srgbClr val="FFFF00"/>
                 </a:solidFill>
@@ -19283,7 +20554,7 @@
               <a:t>'</a:t>
             </a:r>
             <a:r>
-              <a:rPr lang="en-US" sz="3000" b="1">
+              <a:rPr lang="en-US" sz="3000" b="1" dirty="0">
                 <a:solidFill>
                   <a:srgbClr val="FFFF00"/>
                 </a:solidFill>
@@ -19295,7 +20566,7 @@
               <a:t>^From .*@([^ ]*)</a:t>
             </a:r>
             <a:r>
-              <a:rPr lang="en-US" sz="3000" b="1" i="0" u="none" strike="noStrike" cap="none">
+              <a:rPr lang="en-US" sz="3000" b="1" i="0" u="none" strike="noStrike" cap="none" dirty="0">
                 <a:solidFill>
                   <a:srgbClr val="FFFF00"/>
                 </a:solidFill>
@@ -19307,16 +20578,40 @@
               <a:t>'</a:t>
             </a:r>
             <a:r>
-              <a:rPr lang="en-US" sz="3000" b="1" i="0" u="none" strike="noStrike" cap="none">
-                <a:solidFill>
-                  <a:schemeClr val="lt1"/>
-                </a:solidFill>
-                <a:latin typeface="Courier New"/>
-                <a:ea typeface="Courier New"/>
-                <a:cs typeface="Courier New"/>
-                <a:sym typeface="Courier New"/>
-              </a:rPr>
-              <a:t>,lin)</a:t>
+              <a:rPr lang="en-US" sz="3000" b="1" i="0" u="none" strike="noStrike" cap="none" dirty="0">
+                <a:solidFill>
+                  <a:schemeClr val="lt1"/>
+                </a:solidFill>
+                <a:latin typeface="Courier New"/>
+                <a:ea typeface="Courier New"/>
+                <a:cs typeface="Courier New"/>
+                <a:sym typeface="Courier New"/>
+              </a:rPr>
+              <a:t>,</a:t>
+            </a:r>
+            <a:r>
+              <a:rPr lang="en-US" sz="3000" b="1" i="0" u="none" strike="noStrike" cap="none" dirty="0" err="1">
+                <a:solidFill>
+                  <a:schemeClr val="lt1"/>
+                </a:solidFill>
+                <a:latin typeface="Courier New"/>
+                <a:ea typeface="Courier New"/>
+                <a:cs typeface="Courier New"/>
+                <a:sym typeface="Courier New"/>
+              </a:rPr>
+              <a:t>lin</a:t>
+            </a:r>
+            <a:r>
+              <a:rPr lang="en-US" sz="3000" b="1" i="0" u="none" strike="noStrike" cap="none" dirty="0">
+                <a:solidFill>
+                  <a:schemeClr val="lt1"/>
+                </a:solidFill>
+                <a:latin typeface="Courier New"/>
+                <a:ea typeface="Courier New"/>
+                <a:cs typeface="Courier New"/>
+                <a:sym typeface="Courier New"/>
+              </a:rPr>
+              <a:t>)</a:t>
             </a:r>
           </a:p>
           <a:p>
@@ -19338,16 +20633,16 @@
               <a:buNone/>
             </a:pPr>
             <a:r>
-              <a:rPr lang="en-US" sz="3000" b="1" i="0" u="none" strike="noStrike" cap="none">
-                <a:solidFill>
-                  <a:schemeClr val="lt1"/>
-                </a:solidFill>
-                <a:latin typeface="Courier New"/>
-                <a:ea typeface="Courier New"/>
-                <a:cs typeface="Courier New"/>
-                <a:sym typeface="Courier New"/>
-              </a:rPr>
-              <a:t>print y</a:t>
+              <a:rPr lang="en-US" sz="3000" b="1" i="0" u="none" strike="noStrike" cap="none" dirty="0" smtClean="0">
+                <a:solidFill>
+                  <a:schemeClr val="lt1"/>
+                </a:solidFill>
+                <a:latin typeface="Courier New"/>
+                <a:ea typeface="Courier New"/>
+                <a:cs typeface="Courier New"/>
+                <a:sym typeface="Courier New"/>
+              </a:rPr>
+              <a:t>print(y)</a:t>
             </a:r>
           </a:p>
           <a:p>
@@ -19368,17 +20663,69 @@
               <a:buFont typeface="Courier New"/>
               <a:buNone/>
             </a:pPr>
-            <a:r>
-              <a:rPr lang="en-US" sz="3000" b="1" i="0" u="none" strike="noStrike" cap="none">
-                <a:solidFill>
-                  <a:schemeClr val="lt1"/>
-                </a:solidFill>
-                <a:latin typeface="Courier New"/>
-                <a:ea typeface="Courier New"/>
-                <a:cs typeface="Courier New"/>
-                <a:sym typeface="Courier New"/>
-              </a:rPr>
-              <a:t>['uct.ac.za']</a:t>
+            <a:endParaRPr lang="en-US" sz="3000" b="1" i="0" u="none" strike="noStrike" cap="none" dirty="0">
+              <a:solidFill>
+                <a:schemeClr val="lt1"/>
+              </a:solidFill>
+              <a:latin typeface="Courier New"/>
+              <a:ea typeface="Courier New"/>
+              <a:cs typeface="Courier New"/>
+              <a:sym typeface="Courier New"/>
+            </a:endParaRPr>
+          </a:p>
+          <a:p>
+            <a:pPr marL="0" marR="0" lvl="0" indent="0" algn="l" rtl="0">
+              <a:lnSpc>
+                <a:spcPct val="100000"/>
+              </a:lnSpc>
+              <a:spcBef>
+                <a:spcPts val="0"/>
+              </a:spcBef>
+              <a:spcAft>
+                <a:spcPts val="0"/>
+              </a:spcAft>
+              <a:buClr>
+                <a:schemeClr val="lt1"/>
+              </a:buClr>
+              <a:buSzPct val="25000"/>
+              <a:buFont typeface="Courier New"/>
+              <a:buNone/>
+            </a:pPr>
+            <a:r>
+              <a:rPr lang="en-US" sz="3000" b="1" i="0" u="none" strike="noStrike" cap="none" dirty="0">
+                <a:solidFill>
+                  <a:schemeClr val="lt1"/>
+                </a:solidFill>
+                <a:latin typeface="Courier New"/>
+                <a:ea typeface="Courier New"/>
+                <a:cs typeface="Courier New"/>
+                <a:sym typeface="Courier New"/>
+              </a:rPr>
+              <a:t>['</a:t>
+            </a:r>
+            <a:r>
+              <a:rPr lang="en-US" sz="3000" b="1" i="0" u="none" strike="noStrike" cap="none" dirty="0" err="1">
+                <a:solidFill>
+                  <a:schemeClr val="lt1"/>
+                </a:solidFill>
+                <a:latin typeface="Courier New"/>
+                <a:ea typeface="Courier New"/>
+                <a:cs typeface="Courier New"/>
+                <a:sym typeface="Courier New"/>
+              </a:rPr>
+              <a:t>uct.ac.za</a:t>
+            </a:r>
+            <a:r>
+              <a:rPr lang="en-US" sz="3000" b="1" i="0" u="none" strike="noStrike" cap="none" dirty="0">
+                <a:solidFill>
+                  <a:schemeClr val="lt1"/>
+                </a:solidFill>
+                <a:latin typeface="Courier New"/>
+                <a:ea typeface="Courier New"/>
+                <a:cs typeface="Courier New"/>
+                <a:sym typeface="Courier New"/>
+              </a:rPr>
+              <a:t>']</a:t>
             </a:r>
           </a:p>
         </p:txBody>
@@ -19462,25 +20809,6 @@
               </a:rPr>
               <a:t>Even Cooler Regex Version</a:t>
             </a:r>
-          </a:p>
-        </p:txBody>
-      </p:sp>
-      <p:sp>
-        <p:nvSpPr>
-          <p:cNvPr id="4" name="Text Placeholder 3"/>
-          <p:cNvSpPr>
-            <a:spLocks noGrp="1"/>
-          </p:cNvSpPr>
-          <p:nvPr>
-            <p:ph type="body" idx="1"/>
-          </p:nvPr>
-        </p:nvSpPr>
-        <p:spPr/>
-        <p:txBody>
-          <a:bodyPr/>
-          <a:lstStyle/>
-          <a:p>
-            <a:endParaRPr lang="en-US"/>
           </a:p>
         </p:txBody>
       </p:sp>
@@ -19731,14 +21059,14 @@
       </p:sp>
       <p:sp>
         <p:nvSpPr>
-          <p:cNvPr id="476" name="Shape 476"/>
+          <p:cNvPr id="9" name="Shape 466"/>
           <p:cNvSpPr txBox="1"/>
           <p:nvPr/>
         </p:nvSpPr>
         <p:spPr>
           <a:xfrm>
-            <a:off x="466725" y="3841750"/>
-            <a:ext cx="15760800" cy="2260499"/>
+            <a:off x="466725" y="3503512"/>
+            <a:ext cx="15760800" cy="2814738"/>
           </a:xfrm>
           <a:prstGeom prst="rect">
             <a:avLst/>
@@ -19772,7 +21100,7 @@
               <a:buNone/>
             </a:pPr>
             <a:r>
-              <a:rPr lang="en-US" sz="3000" b="1" i="0" u="none" strike="noStrike" cap="none">
+              <a:rPr lang="en-US" sz="3000" b="1" i="0" u="none" strike="noStrike" cap="none" dirty="0">
                 <a:solidFill>
                   <a:schemeClr val="lt1"/>
                 </a:solidFill>
@@ -19803,16 +21131,52 @@
               <a:buNone/>
             </a:pPr>
             <a:r>
-              <a:rPr lang="en-US" sz="3000" b="1" i="0" u="none" strike="noStrike" cap="none">
-                <a:solidFill>
-                  <a:schemeClr val="lt1"/>
-                </a:solidFill>
-                <a:latin typeface="Courier New"/>
-                <a:ea typeface="Courier New"/>
-                <a:cs typeface="Courier New"/>
-                <a:sym typeface="Courier New"/>
-              </a:rPr>
-              <a:t>lin = 'From stephen.marquard@uct.ac.za Sat Jan  5 09:14:16 2008'</a:t>
+              <a:rPr lang="en-US" sz="3000" b="1" i="0" u="none" strike="noStrike" cap="none" dirty="0" err="1">
+                <a:solidFill>
+                  <a:schemeClr val="lt1"/>
+                </a:solidFill>
+                <a:latin typeface="Courier New"/>
+                <a:ea typeface="Courier New"/>
+                <a:cs typeface="Courier New"/>
+                <a:sym typeface="Courier New"/>
+              </a:rPr>
+              <a:t>lin</a:t>
+            </a:r>
+            <a:r>
+              <a:rPr lang="en-US" sz="3000" b="1" i="0" u="none" strike="noStrike" cap="none" dirty="0">
+                <a:solidFill>
+                  <a:schemeClr val="lt1"/>
+                </a:solidFill>
+                <a:latin typeface="Courier New"/>
+                <a:ea typeface="Courier New"/>
+                <a:cs typeface="Courier New"/>
+                <a:sym typeface="Courier New"/>
+              </a:rPr>
+              <a:t> = 'From </a:t>
+            </a:r>
+            <a:r>
+              <a:rPr lang="en-US" sz="3000" b="1" i="0" u="none" strike="noStrike" cap="none" dirty="0" err="1">
+                <a:solidFill>
+                  <a:schemeClr val="lt1"/>
+                </a:solidFill>
+                <a:latin typeface="Courier New"/>
+                <a:ea typeface="Courier New"/>
+                <a:cs typeface="Courier New"/>
+                <a:sym typeface="Courier New"/>
+              </a:rPr>
+              <a:t>stephen.marquard@uct.ac.za</a:t>
+            </a:r>
+            <a:r>
+              <a:rPr lang="en-US" sz="3000" b="1" i="0" u="none" strike="noStrike" cap="none" dirty="0">
+                <a:solidFill>
+                  <a:schemeClr val="lt1"/>
+                </a:solidFill>
+                <a:latin typeface="Courier New"/>
+                <a:ea typeface="Courier New"/>
+                <a:cs typeface="Courier New"/>
+                <a:sym typeface="Courier New"/>
+              </a:rPr>
+              <a:t> Sat Jan  5 09:14:16 2008'</a:t>
             </a:r>
           </a:p>
           <a:p>
@@ -19834,19 +21198,43 @@
               <a:buNone/>
             </a:pPr>
             <a:r>
-              <a:rPr lang="en-US" sz="3000" b="1" i="0" u="none" strike="noStrike" cap="none">
-                <a:solidFill>
-                  <a:schemeClr val="lt1"/>
-                </a:solidFill>
-                <a:latin typeface="Courier New"/>
-                <a:ea typeface="Courier New"/>
-                <a:cs typeface="Courier New"/>
-                <a:sym typeface="Courier New"/>
-              </a:rPr>
-              <a:t>y = re.findall(</a:t>
-            </a:r>
-            <a:r>
-              <a:rPr lang="en-US" sz="3000" b="1" i="0" u="none" strike="noStrike" cap="none">
+              <a:rPr lang="en-US" sz="3000" b="1" i="0" u="none" strike="noStrike" cap="none" dirty="0">
+                <a:solidFill>
+                  <a:schemeClr val="lt1"/>
+                </a:solidFill>
+                <a:latin typeface="Courier New"/>
+                <a:ea typeface="Courier New"/>
+                <a:cs typeface="Courier New"/>
+                <a:sym typeface="Courier New"/>
+              </a:rPr>
+              <a:t>y = </a:t>
+            </a:r>
+            <a:r>
+              <a:rPr lang="en-US" sz="3000" b="1" i="0" u="none" strike="noStrike" cap="none" dirty="0" err="1">
+                <a:solidFill>
+                  <a:schemeClr val="lt1"/>
+                </a:solidFill>
+                <a:latin typeface="Courier New"/>
+                <a:ea typeface="Courier New"/>
+                <a:cs typeface="Courier New"/>
+                <a:sym typeface="Courier New"/>
+              </a:rPr>
+              <a:t>re.findall</a:t>
+            </a:r>
+            <a:r>
+              <a:rPr lang="en-US" sz="3000" b="1" i="0" u="none" strike="noStrike" cap="none" dirty="0">
+                <a:solidFill>
+                  <a:schemeClr val="lt1"/>
+                </a:solidFill>
+                <a:latin typeface="Courier New"/>
+                <a:ea typeface="Courier New"/>
+                <a:cs typeface="Courier New"/>
+                <a:sym typeface="Courier New"/>
+              </a:rPr>
+              <a:t>(</a:t>
+            </a:r>
+            <a:r>
+              <a:rPr lang="en-US" sz="3000" b="1" i="0" u="none" strike="noStrike" cap="none" dirty="0">
                 <a:solidFill>
                   <a:srgbClr val="FFFF00"/>
                 </a:solidFill>
@@ -19858,7 +21246,7 @@
               <a:t>'</a:t>
             </a:r>
             <a:r>
-              <a:rPr lang="en-US" sz="3000" b="1">
+              <a:rPr lang="en-US" sz="3000" b="1" dirty="0">
                 <a:solidFill>
                   <a:srgbClr val="FFFF00"/>
                 </a:solidFill>
@@ -19870,7 +21258,7 @@
               <a:t>^From .*@([^ ]*)</a:t>
             </a:r>
             <a:r>
-              <a:rPr lang="en-US" sz="3000" b="1" i="0" u="none" strike="noStrike" cap="none">
+              <a:rPr lang="en-US" sz="3000" b="1" i="0" u="none" strike="noStrike" cap="none" dirty="0">
                 <a:solidFill>
                   <a:srgbClr val="FFFF00"/>
                 </a:solidFill>
@@ -19882,16 +21270,40 @@
               <a:t>'</a:t>
             </a:r>
             <a:r>
-              <a:rPr lang="en-US" sz="3000" b="1" i="0" u="none" strike="noStrike" cap="none">
-                <a:solidFill>
-                  <a:schemeClr val="lt1"/>
-                </a:solidFill>
-                <a:latin typeface="Courier New"/>
-                <a:ea typeface="Courier New"/>
-                <a:cs typeface="Courier New"/>
-                <a:sym typeface="Courier New"/>
-              </a:rPr>
-              <a:t>,lin)</a:t>
+              <a:rPr lang="en-US" sz="3000" b="1" i="0" u="none" strike="noStrike" cap="none" dirty="0">
+                <a:solidFill>
+                  <a:schemeClr val="lt1"/>
+                </a:solidFill>
+                <a:latin typeface="Courier New"/>
+                <a:ea typeface="Courier New"/>
+                <a:cs typeface="Courier New"/>
+                <a:sym typeface="Courier New"/>
+              </a:rPr>
+              <a:t>,</a:t>
+            </a:r>
+            <a:r>
+              <a:rPr lang="en-US" sz="3000" b="1" i="0" u="none" strike="noStrike" cap="none" dirty="0" err="1">
+                <a:solidFill>
+                  <a:schemeClr val="lt1"/>
+                </a:solidFill>
+                <a:latin typeface="Courier New"/>
+                <a:ea typeface="Courier New"/>
+                <a:cs typeface="Courier New"/>
+                <a:sym typeface="Courier New"/>
+              </a:rPr>
+              <a:t>lin</a:t>
+            </a:r>
+            <a:r>
+              <a:rPr lang="en-US" sz="3000" b="1" i="0" u="none" strike="noStrike" cap="none" dirty="0">
+                <a:solidFill>
+                  <a:schemeClr val="lt1"/>
+                </a:solidFill>
+                <a:latin typeface="Courier New"/>
+                <a:ea typeface="Courier New"/>
+                <a:cs typeface="Courier New"/>
+                <a:sym typeface="Courier New"/>
+              </a:rPr>
+              <a:t>)</a:t>
             </a:r>
           </a:p>
           <a:p>
@@ -19913,16 +21325,16 @@
               <a:buNone/>
             </a:pPr>
             <a:r>
-              <a:rPr lang="en-US" sz="3000" b="1" i="0" u="none" strike="noStrike" cap="none">
-                <a:solidFill>
-                  <a:schemeClr val="lt1"/>
-                </a:solidFill>
-                <a:latin typeface="Courier New"/>
-                <a:ea typeface="Courier New"/>
-                <a:cs typeface="Courier New"/>
-                <a:sym typeface="Courier New"/>
-              </a:rPr>
-              <a:t>print y</a:t>
+              <a:rPr lang="en-US" sz="3000" b="1" i="0" u="none" strike="noStrike" cap="none" dirty="0" smtClean="0">
+                <a:solidFill>
+                  <a:schemeClr val="lt1"/>
+                </a:solidFill>
+                <a:latin typeface="Courier New"/>
+                <a:ea typeface="Courier New"/>
+                <a:cs typeface="Courier New"/>
+                <a:sym typeface="Courier New"/>
+              </a:rPr>
+              <a:t>print(y)</a:t>
             </a:r>
           </a:p>
           <a:p>
@@ -19943,17 +21355,69 @@
               <a:buFont typeface="Courier New"/>
               <a:buNone/>
             </a:pPr>
-            <a:r>
-              <a:rPr lang="en-US" sz="3000" b="1" i="0" u="none" strike="noStrike" cap="none">
-                <a:solidFill>
-                  <a:schemeClr val="lt1"/>
-                </a:solidFill>
-                <a:latin typeface="Courier New"/>
-                <a:ea typeface="Courier New"/>
-                <a:cs typeface="Courier New"/>
-                <a:sym typeface="Courier New"/>
-              </a:rPr>
-              <a:t>['uct.ac.za']</a:t>
+            <a:endParaRPr lang="en-US" sz="3000" b="1" i="0" u="none" strike="noStrike" cap="none" dirty="0">
+              <a:solidFill>
+                <a:schemeClr val="lt1"/>
+              </a:solidFill>
+              <a:latin typeface="Courier New"/>
+              <a:ea typeface="Courier New"/>
+              <a:cs typeface="Courier New"/>
+              <a:sym typeface="Courier New"/>
+            </a:endParaRPr>
+          </a:p>
+          <a:p>
+            <a:pPr marL="0" marR="0" lvl="0" indent="0" algn="l" rtl="0">
+              <a:lnSpc>
+                <a:spcPct val="100000"/>
+              </a:lnSpc>
+              <a:spcBef>
+                <a:spcPts val="0"/>
+              </a:spcBef>
+              <a:spcAft>
+                <a:spcPts val="0"/>
+              </a:spcAft>
+              <a:buClr>
+                <a:schemeClr val="lt1"/>
+              </a:buClr>
+              <a:buSzPct val="25000"/>
+              <a:buFont typeface="Courier New"/>
+              <a:buNone/>
+            </a:pPr>
+            <a:r>
+              <a:rPr lang="en-US" sz="3000" b="1" i="0" u="none" strike="noStrike" cap="none" dirty="0">
+                <a:solidFill>
+                  <a:schemeClr val="lt1"/>
+                </a:solidFill>
+                <a:latin typeface="Courier New"/>
+                <a:ea typeface="Courier New"/>
+                <a:cs typeface="Courier New"/>
+                <a:sym typeface="Courier New"/>
+              </a:rPr>
+              <a:t>['</a:t>
+            </a:r>
+            <a:r>
+              <a:rPr lang="en-US" sz="3000" b="1" i="0" u="none" strike="noStrike" cap="none" dirty="0" err="1">
+                <a:solidFill>
+                  <a:schemeClr val="lt1"/>
+                </a:solidFill>
+                <a:latin typeface="Courier New"/>
+                <a:ea typeface="Courier New"/>
+                <a:cs typeface="Courier New"/>
+                <a:sym typeface="Courier New"/>
+              </a:rPr>
+              <a:t>uct.ac.za</a:t>
+            </a:r>
+            <a:r>
+              <a:rPr lang="en-US" sz="3000" b="1" i="0" u="none" strike="noStrike" cap="none" dirty="0">
+                <a:solidFill>
+                  <a:schemeClr val="lt1"/>
+                </a:solidFill>
+                <a:latin typeface="Courier New"/>
+                <a:ea typeface="Courier New"/>
+                <a:cs typeface="Courier New"/>
+                <a:sym typeface="Courier New"/>
+              </a:rPr>
+              <a:t>']</a:t>
             </a:r>
           </a:p>
         </p:txBody>
@@ -20037,25 +21501,6 @@
               </a:rPr>
               <a:t>Even Cooler Regex Version</a:t>
             </a:r>
-          </a:p>
-        </p:txBody>
-      </p:sp>
-      <p:sp>
-        <p:nvSpPr>
-          <p:cNvPr id="4" name="Text Placeholder 3"/>
-          <p:cNvSpPr>
-            <a:spLocks noGrp="1"/>
-          </p:cNvSpPr>
-          <p:nvPr>
-            <p:ph type="body" idx="1"/>
-          </p:nvPr>
-        </p:nvSpPr>
-        <p:spPr/>
-        <p:txBody>
-          <a:bodyPr/>
-          <a:lstStyle/>
-          <a:p>
-            <a:endParaRPr lang="en-US"/>
           </a:p>
         </p:txBody>
       </p:sp>
@@ -20451,14 +21896,14 @@
       </p:sp>
       <p:sp>
         <p:nvSpPr>
-          <p:cNvPr id="489" name="Shape 489"/>
+          <p:cNvPr id="12" name="Shape 466"/>
           <p:cNvSpPr txBox="1"/>
           <p:nvPr/>
         </p:nvSpPr>
         <p:spPr>
           <a:xfrm>
-            <a:off x="466725" y="3841750"/>
-            <a:ext cx="15760800" cy="2260499"/>
+            <a:off x="466725" y="3503512"/>
+            <a:ext cx="15760800" cy="2814738"/>
           </a:xfrm>
           <a:prstGeom prst="rect">
             <a:avLst/>
@@ -20492,7 +21937,7 @@
               <a:buNone/>
             </a:pPr>
             <a:r>
-              <a:rPr lang="en-US" sz="3000" b="1" i="0" u="none" strike="noStrike" cap="none">
+              <a:rPr lang="en-US" sz="3000" b="1" i="0" u="none" strike="noStrike" cap="none" dirty="0">
                 <a:solidFill>
                   <a:schemeClr val="lt1"/>
                 </a:solidFill>
@@ -20523,16 +21968,52 @@
               <a:buNone/>
             </a:pPr>
             <a:r>
-              <a:rPr lang="en-US" sz="3000" b="1" i="0" u="none" strike="noStrike" cap="none">
-                <a:solidFill>
-                  <a:schemeClr val="lt1"/>
-                </a:solidFill>
-                <a:latin typeface="Courier New"/>
-                <a:ea typeface="Courier New"/>
-                <a:cs typeface="Courier New"/>
-                <a:sym typeface="Courier New"/>
-              </a:rPr>
-              <a:t>lin = 'From stephen.marquard@uct.ac.za Sat Jan  5 09:14:16 2008'</a:t>
+              <a:rPr lang="en-US" sz="3000" b="1" i="0" u="none" strike="noStrike" cap="none" dirty="0" err="1">
+                <a:solidFill>
+                  <a:schemeClr val="lt1"/>
+                </a:solidFill>
+                <a:latin typeface="Courier New"/>
+                <a:ea typeface="Courier New"/>
+                <a:cs typeface="Courier New"/>
+                <a:sym typeface="Courier New"/>
+              </a:rPr>
+              <a:t>lin</a:t>
+            </a:r>
+            <a:r>
+              <a:rPr lang="en-US" sz="3000" b="1" i="0" u="none" strike="noStrike" cap="none" dirty="0">
+                <a:solidFill>
+                  <a:schemeClr val="lt1"/>
+                </a:solidFill>
+                <a:latin typeface="Courier New"/>
+                <a:ea typeface="Courier New"/>
+                <a:cs typeface="Courier New"/>
+                <a:sym typeface="Courier New"/>
+              </a:rPr>
+              <a:t> = 'From </a:t>
+            </a:r>
+            <a:r>
+              <a:rPr lang="en-US" sz="3000" b="1" i="0" u="none" strike="noStrike" cap="none" dirty="0" err="1">
+                <a:solidFill>
+                  <a:schemeClr val="lt1"/>
+                </a:solidFill>
+                <a:latin typeface="Courier New"/>
+                <a:ea typeface="Courier New"/>
+                <a:cs typeface="Courier New"/>
+                <a:sym typeface="Courier New"/>
+              </a:rPr>
+              <a:t>stephen.marquard@uct.ac.za</a:t>
+            </a:r>
+            <a:r>
+              <a:rPr lang="en-US" sz="3000" b="1" i="0" u="none" strike="noStrike" cap="none" dirty="0">
+                <a:solidFill>
+                  <a:schemeClr val="lt1"/>
+                </a:solidFill>
+                <a:latin typeface="Courier New"/>
+                <a:ea typeface="Courier New"/>
+                <a:cs typeface="Courier New"/>
+                <a:sym typeface="Courier New"/>
+              </a:rPr>
+              <a:t> Sat Jan  5 09:14:16 2008'</a:t>
             </a:r>
           </a:p>
           <a:p>
@@ -20554,19 +22035,43 @@
               <a:buNone/>
             </a:pPr>
             <a:r>
-              <a:rPr lang="en-US" sz="3000" b="1" i="0" u="none" strike="noStrike" cap="none">
-                <a:solidFill>
-                  <a:schemeClr val="lt1"/>
-                </a:solidFill>
-                <a:latin typeface="Courier New"/>
-                <a:ea typeface="Courier New"/>
-                <a:cs typeface="Courier New"/>
-                <a:sym typeface="Courier New"/>
-              </a:rPr>
-              <a:t>y = re.findall(</a:t>
-            </a:r>
-            <a:r>
-              <a:rPr lang="en-US" sz="3000" b="1" i="0" u="none" strike="noStrike" cap="none">
+              <a:rPr lang="en-US" sz="3000" b="1" i="0" u="none" strike="noStrike" cap="none" dirty="0">
+                <a:solidFill>
+                  <a:schemeClr val="lt1"/>
+                </a:solidFill>
+                <a:latin typeface="Courier New"/>
+                <a:ea typeface="Courier New"/>
+                <a:cs typeface="Courier New"/>
+                <a:sym typeface="Courier New"/>
+              </a:rPr>
+              <a:t>y = </a:t>
+            </a:r>
+            <a:r>
+              <a:rPr lang="en-US" sz="3000" b="1" i="0" u="none" strike="noStrike" cap="none" dirty="0" err="1">
+                <a:solidFill>
+                  <a:schemeClr val="lt1"/>
+                </a:solidFill>
+                <a:latin typeface="Courier New"/>
+                <a:ea typeface="Courier New"/>
+                <a:cs typeface="Courier New"/>
+                <a:sym typeface="Courier New"/>
+              </a:rPr>
+              <a:t>re.findall</a:t>
+            </a:r>
+            <a:r>
+              <a:rPr lang="en-US" sz="3000" b="1" i="0" u="none" strike="noStrike" cap="none" dirty="0">
+                <a:solidFill>
+                  <a:schemeClr val="lt1"/>
+                </a:solidFill>
+                <a:latin typeface="Courier New"/>
+                <a:ea typeface="Courier New"/>
+                <a:cs typeface="Courier New"/>
+                <a:sym typeface="Courier New"/>
+              </a:rPr>
+              <a:t>(</a:t>
+            </a:r>
+            <a:r>
+              <a:rPr lang="en-US" sz="3000" b="1" i="0" u="none" strike="noStrike" cap="none" dirty="0">
                 <a:solidFill>
                   <a:srgbClr val="FFFF00"/>
                 </a:solidFill>
@@ -20578,7 +22083,7 @@
               <a:t>'</a:t>
             </a:r>
             <a:r>
-              <a:rPr lang="en-US" sz="3000" b="1">
+              <a:rPr lang="en-US" sz="3000" b="1" dirty="0">
                 <a:solidFill>
                   <a:srgbClr val="FFFF00"/>
                 </a:solidFill>
@@ -20590,7 +22095,7 @@
               <a:t>^From .*@([^ ]*)</a:t>
             </a:r>
             <a:r>
-              <a:rPr lang="en-US" sz="3000" b="1" i="0" u="none" strike="noStrike" cap="none">
+              <a:rPr lang="en-US" sz="3000" b="1" i="0" u="none" strike="noStrike" cap="none" dirty="0">
                 <a:solidFill>
                   <a:srgbClr val="FFFF00"/>
                 </a:solidFill>
@@ -20602,16 +22107,40 @@
               <a:t>'</a:t>
             </a:r>
             <a:r>
-              <a:rPr lang="en-US" sz="3000" b="1" i="0" u="none" strike="noStrike" cap="none">
-                <a:solidFill>
-                  <a:schemeClr val="lt1"/>
-                </a:solidFill>
-                <a:latin typeface="Courier New"/>
-                <a:ea typeface="Courier New"/>
-                <a:cs typeface="Courier New"/>
-                <a:sym typeface="Courier New"/>
-              </a:rPr>
-              <a:t>,lin)</a:t>
+              <a:rPr lang="en-US" sz="3000" b="1" i="0" u="none" strike="noStrike" cap="none" dirty="0">
+                <a:solidFill>
+                  <a:schemeClr val="lt1"/>
+                </a:solidFill>
+                <a:latin typeface="Courier New"/>
+                <a:ea typeface="Courier New"/>
+                <a:cs typeface="Courier New"/>
+                <a:sym typeface="Courier New"/>
+              </a:rPr>
+              <a:t>,</a:t>
+            </a:r>
+            <a:r>
+              <a:rPr lang="en-US" sz="3000" b="1" i="0" u="none" strike="noStrike" cap="none" dirty="0" err="1">
+                <a:solidFill>
+                  <a:schemeClr val="lt1"/>
+                </a:solidFill>
+                <a:latin typeface="Courier New"/>
+                <a:ea typeface="Courier New"/>
+                <a:cs typeface="Courier New"/>
+                <a:sym typeface="Courier New"/>
+              </a:rPr>
+              <a:t>lin</a:t>
+            </a:r>
+            <a:r>
+              <a:rPr lang="en-US" sz="3000" b="1" i="0" u="none" strike="noStrike" cap="none" dirty="0">
+                <a:solidFill>
+                  <a:schemeClr val="lt1"/>
+                </a:solidFill>
+                <a:latin typeface="Courier New"/>
+                <a:ea typeface="Courier New"/>
+                <a:cs typeface="Courier New"/>
+                <a:sym typeface="Courier New"/>
+              </a:rPr>
+              <a:t>)</a:t>
             </a:r>
           </a:p>
           <a:p>
@@ -20633,16 +22162,16 @@
               <a:buNone/>
             </a:pPr>
             <a:r>
-              <a:rPr lang="en-US" sz="3000" b="1" i="0" u="none" strike="noStrike" cap="none">
-                <a:solidFill>
-                  <a:schemeClr val="lt1"/>
-                </a:solidFill>
-                <a:latin typeface="Courier New"/>
-                <a:ea typeface="Courier New"/>
-                <a:cs typeface="Courier New"/>
-                <a:sym typeface="Courier New"/>
-              </a:rPr>
-              <a:t>print y</a:t>
+              <a:rPr lang="en-US" sz="3000" b="1" i="0" u="none" strike="noStrike" cap="none" dirty="0" smtClean="0">
+                <a:solidFill>
+                  <a:schemeClr val="lt1"/>
+                </a:solidFill>
+                <a:latin typeface="Courier New"/>
+                <a:ea typeface="Courier New"/>
+                <a:cs typeface="Courier New"/>
+                <a:sym typeface="Courier New"/>
+              </a:rPr>
+              <a:t>print(y)</a:t>
             </a:r>
           </a:p>
           <a:p>
@@ -20663,17 +22192,69 @@
               <a:buFont typeface="Courier New"/>
               <a:buNone/>
             </a:pPr>
-            <a:r>
-              <a:rPr lang="en-US" sz="3000" b="1" i="0" u="none" strike="noStrike" cap="none">
-                <a:solidFill>
-                  <a:schemeClr val="lt1"/>
-                </a:solidFill>
-                <a:latin typeface="Courier New"/>
-                <a:ea typeface="Courier New"/>
-                <a:cs typeface="Courier New"/>
-                <a:sym typeface="Courier New"/>
-              </a:rPr>
-              <a:t>['uct.ac.za']</a:t>
+            <a:endParaRPr lang="en-US" sz="3000" b="1" i="0" u="none" strike="noStrike" cap="none" dirty="0">
+              <a:solidFill>
+                <a:schemeClr val="lt1"/>
+              </a:solidFill>
+              <a:latin typeface="Courier New"/>
+              <a:ea typeface="Courier New"/>
+              <a:cs typeface="Courier New"/>
+              <a:sym typeface="Courier New"/>
+            </a:endParaRPr>
+          </a:p>
+          <a:p>
+            <a:pPr marL="0" marR="0" lvl="0" indent="0" algn="l" rtl="0">
+              <a:lnSpc>
+                <a:spcPct val="100000"/>
+              </a:lnSpc>
+              <a:spcBef>
+                <a:spcPts val="0"/>
+              </a:spcBef>
+              <a:spcAft>
+                <a:spcPts val="0"/>
+              </a:spcAft>
+              <a:buClr>
+                <a:schemeClr val="lt1"/>
+              </a:buClr>
+              <a:buSzPct val="25000"/>
+              <a:buFont typeface="Courier New"/>
+              <a:buNone/>
+            </a:pPr>
+            <a:r>
+              <a:rPr lang="en-US" sz="3000" b="1" i="0" u="none" strike="noStrike" cap="none" dirty="0">
+                <a:solidFill>
+                  <a:schemeClr val="lt1"/>
+                </a:solidFill>
+                <a:latin typeface="Courier New"/>
+                <a:ea typeface="Courier New"/>
+                <a:cs typeface="Courier New"/>
+                <a:sym typeface="Courier New"/>
+              </a:rPr>
+              <a:t>['</a:t>
+            </a:r>
+            <a:r>
+              <a:rPr lang="en-US" sz="3000" b="1" i="0" u="none" strike="noStrike" cap="none" dirty="0" err="1">
+                <a:solidFill>
+                  <a:schemeClr val="lt1"/>
+                </a:solidFill>
+                <a:latin typeface="Courier New"/>
+                <a:ea typeface="Courier New"/>
+                <a:cs typeface="Courier New"/>
+                <a:sym typeface="Courier New"/>
+              </a:rPr>
+              <a:t>uct.ac.za</a:t>
+            </a:r>
+            <a:r>
+              <a:rPr lang="en-US" sz="3000" b="1" i="0" u="none" strike="noStrike" cap="none" dirty="0">
+                <a:solidFill>
+                  <a:schemeClr val="lt1"/>
+                </a:solidFill>
+                <a:latin typeface="Courier New"/>
+                <a:ea typeface="Courier New"/>
+                <a:cs typeface="Courier New"/>
+                <a:sym typeface="Courier New"/>
+              </a:rPr>
+              <a:t>']</a:t>
             </a:r>
           </a:p>
         </p:txBody>
@@ -20762,25 +22343,6 @@
       </p:sp>
       <p:sp>
         <p:nvSpPr>
-          <p:cNvPr id="4" name="Text Placeholder 3"/>
-          <p:cNvSpPr>
-            <a:spLocks noGrp="1"/>
-          </p:cNvSpPr>
-          <p:nvPr>
-            <p:ph type="body" idx="1"/>
-          </p:nvPr>
-        </p:nvSpPr>
-        <p:spPr/>
-        <p:txBody>
-          <a:bodyPr/>
-          <a:lstStyle/>
-          <a:p>
-            <a:endParaRPr lang="en-US"/>
-          </a:p>
-        </p:txBody>
-      </p:sp>
-      <p:sp>
-        <p:nvSpPr>
           <p:cNvPr id="221" name="Shape 221"/>
           <p:cNvSpPr txBox="1"/>
           <p:nvPr/>
@@ -21021,25 +22583,6 @@
               </a:rPr>
               <a:t>Even Cooler Regex Version</a:t>
             </a:r>
-          </a:p>
-        </p:txBody>
-      </p:sp>
-      <p:sp>
-        <p:nvSpPr>
-          <p:cNvPr id="4" name="Text Placeholder 3"/>
-          <p:cNvSpPr>
-            <a:spLocks noGrp="1"/>
-          </p:cNvSpPr>
-          <p:nvPr>
-            <p:ph type="body" idx="1"/>
-          </p:nvPr>
-        </p:nvSpPr>
-        <p:spPr/>
-        <p:txBody>
-          <a:bodyPr/>
-          <a:lstStyle/>
-          <a:p>
-            <a:endParaRPr lang="en-US"/>
           </a:p>
         </p:txBody>
       </p:sp>
@@ -21290,14 +22833,14 @@
       </p:sp>
       <p:sp>
         <p:nvSpPr>
-          <p:cNvPr id="499" name="Shape 499"/>
+          <p:cNvPr id="9" name="Shape 466"/>
           <p:cNvSpPr txBox="1"/>
           <p:nvPr/>
         </p:nvSpPr>
         <p:spPr>
           <a:xfrm>
-            <a:off x="466725" y="3841750"/>
-            <a:ext cx="15760800" cy="2260499"/>
+            <a:off x="466725" y="3503512"/>
+            <a:ext cx="15760800" cy="2814738"/>
           </a:xfrm>
           <a:prstGeom prst="rect">
             <a:avLst/>
@@ -21331,7 +22874,7 @@
               <a:buNone/>
             </a:pPr>
             <a:r>
-              <a:rPr lang="en-US" sz="3000" b="1" i="0" u="none" strike="noStrike" cap="none">
+              <a:rPr lang="en-US" sz="3000" b="1" i="0" u="none" strike="noStrike" cap="none" dirty="0">
                 <a:solidFill>
                   <a:schemeClr val="lt1"/>
                 </a:solidFill>
@@ -21362,16 +22905,52 @@
               <a:buNone/>
             </a:pPr>
             <a:r>
-              <a:rPr lang="en-US" sz="3000" b="1" i="0" u="none" strike="noStrike" cap="none">
-                <a:solidFill>
-                  <a:schemeClr val="lt1"/>
-                </a:solidFill>
-                <a:latin typeface="Courier New"/>
-                <a:ea typeface="Courier New"/>
-                <a:cs typeface="Courier New"/>
-                <a:sym typeface="Courier New"/>
-              </a:rPr>
-              <a:t>lin = 'From stephen.marquard@uct.ac.za Sat Jan  5 09:14:16 2008'</a:t>
+              <a:rPr lang="en-US" sz="3000" b="1" i="0" u="none" strike="noStrike" cap="none" dirty="0" err="1">
+                <a:solidFill>
+                  <a:schemeClr val="lt1"/>
+                </a:solidFill>
+                <a:latin typeface="Courier New"/>
+                <a:ea typeface="Courier New"/>
+                <a:cs typeface="Courier New"/>
+                <a:sym typeface="Courier New"/>
+              </a:rPr>
+              <a:t>lin</a:t>
+            </a:r>
+            <a:r>
+              <a:rPr lang="en-US" sz="3000" b="1" i="0" u="none" strike="noStrike" cap="none" dirty="0">
+                <a:solidFill>
+                  <a:schemeClr val="lt1"/>
+                </a:solidFill>
+                <a:latin typeface="Courier New"/>
+                <a:ea typeface="Courier New"/>
+                <a:cs typeface="Courier New"/>
+                <a:sym typeface="Courier New"/>
+              </a:rPr>
+              <a:t> = 'From </a:t>
+            </a:r>
+            <a:r>
+              <a:rPr lang="en-US" sz="3000" b="1" i="0" u="none" strike="noStrike" cap="none" dirty="0" err="1">
+                <a:solidFill>
+                  <a:schemeClr val="lt1"/>
+                </a:solidFill>
+                <a:latin typeface="Courier New"/>
+                <a:ea typeface="Courier New"/>
+                <a:cs typeface="Courier New"/>
+                <a:sym typeface="Courier New"/>
+              </a:rPr>
+              <a:t>stephen.marquard@uct.ac.za</a:t>
+            </a:r>
+            <a:r>
+              <a:rPr lang="en-US" sz="3000" b="1" i="0" u="none" strike="noStrike" cap="none" dirty="0">
+                <a:solidFill>
+                  <a:schemeClr val="lt1"/>
+                </a:solidFill>
+                <a:latin typeface="Courier New"/>
+                <a:ea typeface="Courier New"/>
+                <a:cs typeface="Courier New"/>
+                <a:sym typeface="Courier New"/>
+              </a:rPr>
+              <a:t> Sat Jan  5 09:14:16 2008'</a:t>
             </a:r>
           </a:p>
           <a:p>
@@ -21393,19 +22972,43 @@
               <a:buNone/>
             </a:pPr>
             <a:r>
-              <a:rPr lang="en-US" sz="3000" b="1" i="0" u="none" strike="noStrike" cap="none">
-                <a:solidFill>
-                  <a:schemeClr val="lt1"/>
-                </a:solidFill>
-                <a:latin typeface="Courier New"/>
-                <a:ea typeface="Courier New"/>
-                <a:cs typeface="Courier New"/>
-                <a:sym typeface="Courier New"/>
-              </a:rPr>
-              <a:t>y = re.findall(</a:t>
-            </a:r>
-            <a:r>
-              <a:rPr lang="en-US" sz="3000" b="1" i="0" u="none" strike="noStrike" cap="none">
+              <a:rPr lang="en-US" sz="3000" b="1" i="0" u="none" strike="noStrike" cap="none" dirty="0">
+                <a:solidFill>
+                  <a:schemeClr val="lt1"/>
+                </a:solidFill>
+                <a:latin typeface="Courier New"/>
+                <a:ea typeface="Courier New"/>
+                <a:cs typeface="Courier New"/>
+                <a:sym typeface="Courier New"/>
+              </a:rPr>
+              <a:t>y = </a:t>
+            </a:r>
+            <a:r>
+              <a:rPr lang="en-US" sz="3000" b="1" i="0" u="none" strike="noStrike" cap="none" dirty="0" err="1">
+                <a:solidFill>
+                  <a:schemeClr val="lt1"/>
+                </a:solidFill>
+                <a:latin typeface="Courier New"/>
+                <a:ea typeface="Courier New"/>
+                <a:cs typeface="Courier New"/>
+                <a:sym typeface="Courier New"/>
+              </a:rPr>
+              <a:t>re.findall</a:t>
+            </a:r>
+            <a:r>
+              <a:rPr lang="en-US" sz="3000" b="1" i="0" u="none" strike="noStrike" cap="none" dirty="0">
+                <a:solidFill>
+                  <a:schemeClr val="lt1"/>
+                </a:solidFill>
+                <a:latin typeface="Courier New"/>
+                <a:ea typeface="Courier New"/>
+                <a:cs typeface="Courier New"/>
+                <a:sym typeface="Courier New"/>
+              </a:rPr>
+              <a:t>(</a:t>
+            </a:r>
+            <a:r>
+              <a:rPr lang="en-US" sz="3000" b="1" i="0" u="none" strike="noStrike" cap="none" dirty="0">
                 <a:solidFill>
                   <a:srgbClr val="FFFF00"/>
                 </a:solidFill>
@@ -21417,7 +23020,7 @@
               <a:t>'</a:t>
             </a:r>
             <a:r>
-              <a:rPr lang="en-US" sz="3000" b="1">
+              <a:rPr lang="en-US" sz="3000" b="1" dirty="0">
                 <a:solidFill>
                   <a:srgbClr val="FFFF00"/>
                 </a:solidFill>
@@ -21429,7 +23032,7 @@
               <a:t>^From .*@([^ ]*)</a:t>
             </a:r>
             <a:r>
-              <a:rPr lang="en-US" sz="3000" b="1" i="0" u="none" strike="noStrike" cap="none">
+              <a:rPr lang="en-US" sz="3000" b="1" i="0" u="none" strike="noStrike" cap="none" dirty="0">
                 <a:solidFill>
                   <a:srgbClr val="FFFF00"/>
                 </a:solidFill>
@@ -21441,16 +23044,40 @@
               <a:t>'</a:t>
             </a:r>
             <a:r>
-              <a:rPr lang="en-US" sz="3000" b="1" i="0" u="none" strike="noStrike" cap="none">
-                <a:solidFill>
-                  <a:schemeClr val="lt1"/>
-                </a:solidFill>
-                <a:latin typeface="Courier New"/>
-                <a:ea typeface="Courier New"/>
-                <a:cs typeface="Courier New"/>
-                <a:sym typeface="Courier New"/>
-              </a:rPr>
-              <a:t>,lin)</a:t>
+              <a:rPr lang="en-US" sz="3000" b="1" i="0" u="none" strike="noStrike" cap="none" dirty="0">
+                <a:solidFill>
+                  <a:schemeClr val="lt1"/>
+                </a:solidFill>
+                <a:latin typeface="Courier New"/>
+                <a:ea typeface="Courier New"/>
+                <a:cs typeface="Courier New"/>
+                <a:sym typeface="Courier New"/>
+              </a:rPr>
+              <a:t>,</a:t>
+            </a:r>
+            <a:r>
+              <a:rPr lang="en-US" sz="3000" b="1" i="0" u="none" strike="noStrike" cap="none" dirty="0" err="1">
+                <a:solidFill>
+                  <a:schemeClr val="lt1"/>
+                </a:solidFill>
+                <a:latin typeface="Courier New"/>
+                <a:ea typeface="Courier New"/>
+                <a:cs typeface="Courier New"/>
+                <a:sym typeface="Courier New"/>
+              </a:rPr>
+              <a:t>lin</a:t>
+            </a:r>
+            <a:r>
+              <a:rPr lang="en-US" sz="3000" b="1" i="0" u="none" strike="noStrike" cap="none" dirty="0">
+                <a:solidFill>
+                  <a:schemeClr val="lt1"/>
+                </a:solidFill>
+                <a:latin typeface="Courier New"/>
+                <a:ea typeface="Courier New"/>
+                <a:cs typeface="Courier New"/>
+                <a:sym typeface="Courier New"/>
+              </a:rPr>
+              <a:t>)</a:t>
             </a:r>
           </a:p>
           <a:p>
@@ -21472,16 +23099,16 @@
               <a:buNone/>
             </a:pPr>
             <a:r>
-              <a:rPr lang="en-US" sz="3000" b="1" i="0" u="none" strike="noStrike" cap="none">
-                <a:solidFill>
-                  <a:schemeClr val="lt1"/>
-                </a:solidFill>
-                <a:latin typeface="Courier New"/>
-                <a:ea typeface="Courier New"/>
-                <a:cs typeface="Courier New"/>
-                <a:sym typeface="Courier New"/>
-              </a:rPr>
-              <a:t>print y</a:t>
+              <a:rPr lang="en-US" sz="3000" b="1" i="0" u="none" strike="noStrike" cap="none" dirty="0" smtClean="0">
+                <a:solidFill>
+                  <a:schemeClr val="lt1"/>
+                </a:solidFill>
+                <a:latin typeface="Courier New"/>
+                <a:ea typeface="Courier New"/>
+                <a:cs typeface="Courier New"/>
+                <a:sym typeface="Courier New"/>
+              </a:rPr>
+              <a:t>print(y)</a:t>
             </a:r>
           </a:p>
           <a:p>
@@ -21502,17 +23129,69 @@
               <a:buFont typeface="Courier New"/>
               <a:buNone/>
             </a:pPr>
-            <a:r>
-              <a:rPr lang="en-US" sz="3000" b="1" i="0" u="none" strike="noStrike" cap="none">
-                <a:solidFill>
-                  <a:schemeClr val="lt1"/>
-                </a:solidFill>
-                <a:latin typeface="Courier New"/>
-                <a:ea typeface="Courier New"/>
-                <a:cs typeface="Courier New"/>
-                <a:sym typeface="Courier New"/>
-              </a:rPr>
-              <a:t>['uct.ac.za']</a:t>
+            <a:endParaRPr lang="en-US" sz="3000" b="1" i="0" u="none" strike="noStrike" cap="none" dirty="0">
+              <a:solidFill>
+                <a:schemeClr val="lt1"/>
+              </a:solidFill>
+              <a:latin typeface="Courier New"/>
+              <a:ea typeface="Courier New"/>
+              <a:cs typeface="Courier New"/>
+              <a:sym typeface="Courier New"/>
+            </a:endParaRPr>
+          </a:p>
+          <a:p>
+            <a:pPr marL="0" marR="0" lvl="0" indent="0" algn="l" rtl="0">
+              <a:lnSpc>
+                <a:spcPct val="100000"/>
+              </a:lnSpc>
+              <a:spcBef>
+                <a:spcPts val="0"/>
+              </a:spcBef>
+              <a:spcAft>
+                <a:spcPts val="0"/>
+              </a:spcAft>
+              <a:buClr>
+                <a:schemeClr val="lt1"/>
+              </a:buClr>
+              <a:buSzPct val="25000"/>
+              <a:buFont typeface="Courier New"/>
+              <a:buNone/>
+            </a:pPr>
+            <a:r>
+              <a:rPr lang="en-US" sz="3000" b="1" i="0" u="none" strike="noStrike" cap="none" dirty="0">
+                <a:solidFill>
+                  <a:schemeClr val="lt1"/>
+                </a:solidFill>
+                <a:latin typeface="Courier New"/>
+                <a:ea typeface="Courier New"/>
+                <a:cs typeface="Courier New"/>
+                <a:sym typeface="Courier New"/>
+              </a:rPr>
+              <a:t>['</a:t>
+            </a:r>
+            <a:r>
+              <a:rPr lang="en-US" sz="3000" b="1" i="0" u="none" strike="noStrike" cap="none" dirty="0" err="1">
+                <a:solidFill>
+                  <a:schemeClr val="lt1"/>
+                </a:solidFill>
+                <a:latin typeface="Courier New"/>
+                <a:ea typeface="Courier New"/>
+                <a:cs typeface="Courier New"/>
+                <a:sym typeface="Courier New"/>
+              </a:rPr>
+              <a:t>uct.ac.za</a:t>
+            </a:r>
+            <a:r>
+              <a:rPr lang="en-US" sz="3000" b="1" i="0" u="none" strike="noStrike" cap="none" dirty="0">
+                <a:solidFill>
+                  <a:schemeClr val="lt1"/>
+                </a:solidFill>
+                <a:latin typeface="Courier New"/>
+                <a:ea typeface="Courier New"/>
+                <a:cs typeface="Courier New"/>
+                <a:sym typeface="Courier New"/>
+              </a:rPr>
+              <a:t>']</a:t>
             </a:r>
           </a:p>
         </p:txBody>
@@ -21553,6 +23232,10 @@
           </p:nvPr>
         </p:nvSpPr>
         <p:spPr>
+          <a:xfrm>
+            <a:off x="9329530" y="814388"/>
+            <a:ext cx="5758170" cy="1725512"/>
+          </a:xfrm>
           <a:prstGeom prst="rect">
             <a:avLst/>
           </a:prstGeom>
@@ -21585,7 +23268,7 @@
               <a:buNone/>
             </a:pPr>
             <a:r>
-              <a:rPr lang="en-US" sz="7600" u="none" strike="noStrike" cap="none">
+              <a:rPr lang="en-US" sz="6000" u="none" strike="noStrike" cap="none" dirty="0" smtClean="0">
                 <a:solidFill>
                   <a:srgbClr val="FFD966"/>
                 </a:solidFill>
@@ -21594,27 +23277,20 @@
                 <a:cs typeface="Arial Regular" charset="0"/>
                 <a:sym typeface="Cabin"/>
               </a:rPr>
-              <a:t>Spam Confidence</a:t>
-            </a:r>
-          </a:p>
-        </p:txBody>
-      </p:sp>
-      <p:sp>
-        <p:nvSpPr>
-          <p:cNvPr id="4" name="Text Placeholder 3"/>
-          <p:cNvSpPr>
-            <a:spLocks noGrp="1"/>
-          </p:cNvSpPr>
-          <p:nvPr>
-            <p:ph type="body" idx="1"/>
-          </p:nvPr>
-        </p:nvSpPr>
-        <p:spPr/>
-        <p:txBody>
-          <a:bodyPr/>
-          <a:lstStyle/>
-          <a:p>
-            <a:endParaRPr lang="en-US"/>
+              <a:t>Spam </a:t>
+            </a:r>
+            <a:r>
+              <a:rPr lang="en-US" sz="6000" u="none" strike="noStrike" cap="none" dirty="0">
+                <a:solidFill>
+                  <a:srgbClr val="FFD966"/>
+                </a:solidFill>
+                <a:latin typeface="Arial Regular" charset="0"/>
+                <a:ea typeface="Arial Regular" charset="0"/>
+                <a:cs typeface="Arial Regular" charset="0"/>
+                <a:sym typeface="Cabin"/>
+              </a:rPr>
+              <a:t>Confidence</a:t>
+            </a:r>
           </a:p>
         </p:txBody>
       </p:sp>
@@ -21626,7 +23302,7 @@
         </p:nvSpPr>
         <p:spPr>
           <a:xfrm>
-            <a:off x="652449" y="2382825"/>
+            <a:off x="652449" y="1677144"/>
             <a:ext cx="15676199" cy="4924499"/>
           </a:xfrm>
           <a:prstGeom prst="rect">
@@ -21661,7 +23337,7 @@
               <a:buNone/>
             </a:pPr>
             <a:r>
-              <a:rPr lang="en-US" sz="3000" b="1" u="none" strike="noStrike" cap="none">
+              <a:rPr lang="en-US" sz="3000" b="1" u="none" strike="noStrike" cap="none" dirty="0">
                 <a:solidFill>
                   <a:schemeClr val="lt1"/>
                 </a:solidFill>
@@ -21692,16 +23368,40 @@
               <a:buNone/>
             </a:pPr>
             <a:r>
-              <a:rPr lang="en-US" sz="3000" b="1" u="none" strike="noStrike" cap="none">
-                <a:solidFill>
-                  <a:schemeClr val="lt1"/>
-                </a:solidFill>
-                <a:latin typeface="Courier New"/>
-                <a:ea typeface="Courier New"/>
-                <a:cs typeface="Courier New"/>
-                <a:sym typeface="Courier New"/>
-              </a:rPr>
-              <a:t>hand = open('mbox-short.txt')</a:t>
+              <a:rPr lang="en-US" sz="3000" b="1" u="none" strike="noStrike" cap="none" dirty="0">
+                <a:solidFill>
+                  <a:schemeClr val="lt1"/>
+                </a:solidFill>
+                <a:latin typeface="Courier New"/>
+                <a:ea typeface="Courier New"/>
+                <a:cs typeface="Courier New"/>
+                <a:sym typeface="Courier New"/>
+              </a:rPr>
+              <a:t>hand = open('</a:t>
+            </a:r>
+            <a:r>
+              <a:rPr lang="en-US" sz="3000" b="1" u="none" strike="noStrike" cap="none" dirty="0" err="1">
+                <a:solidFill>
+                  <a:schemeClr val="lt1"/>
+                </a:solidFill>
+                <a:latin typeface="Courier New"/>
+                <a:ea typeface="Courier New"/>
+                <a:cs typeface="Courier New"/>
+                <a:sym typeface="Courier New"/>
+              </a:rPr>
+              <a:t>mbox-short.txt</a:t>
+            </a:r>
+            <a:r>
+              <a:rPr lang="en-US" sz="3000" b="1" u="none" strike="noStrike" cap="none" dirty="0">
+                <a:solidFill>
+                  <a:schemeClr val="lt1"/>
+                </a:solidFill>
+                <a:latin typeface="Courier New"/>
+                <a:ea typeface="Courier New"/>
+                <a:cs typeface="Courier New"/>
+                <a:sym typeface="Courier New"/>
+              </a:rPr>
+              <a:t>')</a:t>
             </a:r>
           </a:p>
           <a:p>
@@ -21723,16 +23423,28 @@
               <a:buNone/>
             </a:pPr>
             <a:r>
-              <a:rPr lang="en-US" sz="3000" b="1" u="none" strike="noStrike" cap="none">
-                <a:solidFill>
-                  <a:schemeClr val="lt1"/>
-                </a:solidFill>
-                <a:latin typeface="Courier New"/>
-                <a:ea typeface="Courier New"/>
-                <a:cs typeface="Courier New"/>
-                <a:sym typeface="Courier New"/>
-              </a:rPr>
-              <a:t>numlist = list()</a:t>
+              <a:rPr lang="en-US" sz="3000" b="1" u="none" strike="noStrike" cap="none" dirty="0" err="1">
+                <a:solidFill>
+                  <a:schemeClr val="lt1"/>
+                </a:solidFill>
+                <a:latin typeface="Courier New"/>
+                <a:ea typeface="Courier New"/>
+                <a:cs typeface="Courier New"/>
+                <a:sym typeface="Courier New"/>
+              </a:rPr>
+              <a:t>numlist</a:t>
+            </a:r>
+            <a:r>
+              <a:rPr lang="en-US" sz="3000" b="1" u="none" strike="noStrike" cap="none" dirty="0">
+                <a:solidFill>
+                  <a:schemeClr val="lt1"/>
+                </a:solidFill>
+                <a:latin typeface="Courier New"/>
+                <a:ea typeface="Courier New"/>
+                <a:cs typeface="Courier New"/>
+                <a:sym typeface="Courier New"/>
+              </a:rPr>
+              <a:t> = list()</a:t>
             </a:r>
           </a:p>
           <a:p>
@@ -21754,7 +23466,7 @@
               <a:buNone/>
             </a:pPr>
             <a:r>
-              <a:rPr lang="en-US" sz="3000" b="1" u="none" strike="noStrike" cap="none">
+              <a:rPr lang="en-US" sz="3000" b="1" u="none" strike="noStrike" cap="none" dirty="0">
                 <a:solidFill>
                   <a:schemeClr val="lt1"/>
                 </a:solidFill>
@@ -21785,16 +23497,40 @@
               <a:buNone/>
             </a:pPr>
             <a:r>
-              <a:rPr lang="en-US" sz="3000" b="1" u="none" strike="noStrike" cap="none">
-                <a:solidFill>
-                  <a:schemeClr val="lt1"/>
-                </a:solidFill>
-                <a:latin typeface="Courier New"/>
-                <a:ea typeface="Courier New"/>
-                <a:cs typeface="Courier New"/>
-                <a:sym typeface="Courier New"/>
-              </a:rPr>
-              <a:t>    line = line.rstrip()</a:t>
+              <a:rPr lang="en-US" sz="3000" b="1" u="none" strike="noStrike" cap="none" dirty="0">
+                <a:solidFill>
+                  <a:schemeClr val="lt1"/>
+                </a:solidFill>
+                <a:latin typeface="Courier New"/>
+                <a:ea typeface="Courier New"/>
+                <a:cs typeface="Courier New"/>
+                <a:sym typeface="Courier New"/>
+              </a:rPr>
+              <a:t>    line = </a:t>
+            </a:r>
+            <a:r>
+              <a:rPr lang="en-US" sz="3000" b="1" u="none" strike="noStrike" cap="none" dirty="0" err="1">
+                <a:solidFill>
+                  <a:schemeClr val="lt1"/>
+                </a:solidFill>
+                <a:latin typeface="Courier New"/>
+                <a:ea typeface="Courier New"/>
+                <a:cs typeface="Courier New"/>
+                <a:sym typeface="Courier New"/>
+              </a:rPr>
+              <a:t>line.rstrip</a:t>
+            </a:r>
+            <a:r>
+              <a:rPr lang="en-US" sz="3000" b="1" u="none" strike="noStrike" cap="none" dirty="0">
+                <a:solidFill>
+                  <a:schemeClr val="lt1"/>
+                </a:solidFill>
+                <a:latin typeface="Courier New"/>
+                <a:ea typeface="Courier New"/>
+                <a:cs typeface="Courier New"/>
+                <a:sym typeface="Courier New"/>
+              </a:rPr>
+              <a:t>()</a:t>
             </a:r>
           </a:p>
           <a:p>
@@ -21816,7 +23552,7 @@
               <a:buNone/>
             </a:pPr>
             <a:r>
-              <a:rPr lang="en-US" sz="3000" b="1" u="none" strike="noStrike" cap="none">
+              <a:rPr lang="en-US" sz="3000" b="1" u="none" strike="noStrike" cap="none" dirty="0">
                 <a:solidFill>
                   <a:schemeClr val="lt1"/>
                 </a:solidFill>
@@ -21828,7 +23564,7 @@
               <a:t>    </a:t>
             </a:r>
             <a:r>
-              <a:rPr lang="en-US" sz="3000" b="1" u="none" strike="noStrike" cap="none">
+              <a:rPr lang="en-US" sz="3000" b="1" u="none" strike="noStrike" cap="none" dirty="0">
                 <a:solidFill>
                   <a:srgbClr val="00FF00"/>
                 </a:solidFill>
@@ -21840,7 +23576,7 @@
               <a:t>stuff</a:t>
             </a:r>
             <a:r>
-              <a:rPr lang="en-US" sz="3000" b="1" u="none" strike="noStrike" cap="none">
+              <a:rPr lang="en-US" sz="3000" b="1" u="none" strike="noStrike" cap="none" dirty="0">
                 <a:solidFill>
                   <a:schemeClr val="lt1"/>
                 </a:solidFill>
@@ -21852,7 +23588,7 @@
               <a:t> = </a:t>
             </a:r>
             <a:r>
-              <a:rPr lang="en-US" sz="3000" b="1" u="none" strike="noStrike" cap="none">
+              <a:rPr lang="en-US" sz="3000" b="1" u="none" strike="noStrike" cap="none" dirty="0" err="1">
                 <a:solidFill>
                   <a:srgbClr val="FF00FF"/>
                 </a:solidFill>
@@ -21864,7 +23600,7 @@
               <a:t>re.findall</a:t>
             </a:r>
             <a:r>
-              <a:rPr lang="en-US" sz="3000" b="1" u="none" strike="noStrike" cap="none">
+              <a:rPr lang="en-US" sz="3000" b="1" u="none" strike="noStrike" cap="none" dirty="0">
                 <a:solidFill>
                   <a:schemeClr val="lt1"/>
                 </a:solidFill>
@@ -21876,7 +23612,7 @@
               <a:t>('</a:t>
             </a:r>
             <a:r>
-              <a:rPr lang="en-US" sz="3000" b="1" u="none" strike="noStrike" cap="none">
+              <a:rPr lang="en-US" sz="3000" b="1" u="none" strike="noStrike" cap="none" dirty="0">
                 <a:solidFill>
                   <a:srgbClr val="FFFF00"/>
                 </a:solidFill>
@@ -21888,7 +23624,7 @@
               <a:t>^X-DSPAM-Confidence: </a:t>
             </a:r>
             <a:r>
-              <a:rPr lang="en-US" sz="3000" b="1" u="none" strike="noStrike" cap="none">
+              <a:rPr lang="en-US" sz="3000" b="1" u="none" strike="noStrike" cap="none" dirty="0">
                 <a:solidFill>
                   <a:srgbClr val="FF00FF"/>
                 </a:solidFill>
@@ -21900,7 +23636,7 @@
               <a:t>(</a:t>
             </a:r>
             <a:r>
-              <a:rPr lang="en-US" sz="3000" b="1" u="none" strike="noStrike" cap="none">
+              <a:rPr lang="en-US" sz="3000" b="1" u="none" strike="noStrike" cap="none" dirty="0">
                 <a:solidFill>
                   <a:srgbClr val="FF7F00"/>
                 </a:solidFill>
@@ -21912,7 +23648,7 @@
               <a:t>[0-9.]+</a:t>
             </a:r>
             <a:r>
-              <a:rPr lang="en-US" sz="3000" b="1" u="none" strike="noStrike" cap="none">
+              <a:rPr lang="en-US" sz="3000" b="1" u="none" strike="noStrike" cap="none" dirty="0">
                 <a:solidFill>
                   <a:srgbClr val="FF00FF"/>
                 </a:solidFill>
@@ -21924,7 +23660,7 @@
               <a:t>)</a:t>
             </a:r>
             <a:r>
-              <a:rPr lang="en-US" sz="3000" b="1" u="none" strike="noStrike" cap="none">
+              <a:rPr lang="en-US" sz="3000" b="1" u="none" strike="noStrike" cap="none" dirty="0">
                 <a:solidFill>
                   <a:schemeClr val="lt1"/>
                 </a:solidFill>
@@ -21955,19 +23691,43 @@
               <a:buNone/>
             </a:pPr>
             <a:r>
-              <a:rPr lang="en-US" sz="3000" b="1" u="none" strike="noStrike" cap="none">
-                <a:solidFill>
-                  <a:schemeClr val="lt1"/>
-                </a:solidFill>
-                <a:latin typeface="Courier New"/>
-                <a:ea typeface="Courier New"/>
-                <a:cs typeface="Courier New"/>
-                <a:sym typeface="Courier New"/>
-              </a:rPr>
-              <a:t>    if len(</a:t>
-            </a:r>
-            <a:r>
-              <a:rPr lang="en-US" sz="3000" b="1" u="none" strike="noStrike" cap="none">
+              <a:rPr lang="en-US" sz="3000" b="1" u="none" strike="noStrike" cap="none" dirty="0">
+                <a:solidFill>
+                  <a:schemeClr val="lt1"/>
+                </a:solidFill>
+                <a:latin typeface="Courier New"/>
+                <a:ea typeface="Courier New"/>
+                <a:cs typeface="Courier New"/>
+                <a:sym typeface="Courier New"/>
+              </a:rPr>
+              <a:t>    if </a:t>
+            </a:r>
+            <a:r>
+              <a:rPr lang="en-US" sz="3000" b="1" u="none" strike="noStrike" cap="none" dirty="0" err="1">
+                <a:solidFill>
+                  <a:schemeClr val="lt1"/>
+                </a:solidFill>
+                <a:latin typeface="Courier New"/>
+                <a:ea typeface="Courier New"/>
+                <a:cs typeface="Courier New"/>
+                <a:sym typeface="Courier New"/>
+              </a:rPr>
+              <a:t>len</a:t>
+            </a:r>
+            <a:r>
+              <a:rPr lang="en-US" sz="3000" b="1" u="none" strike="noStrike" cap="none" dirty="0">
+                <a:solidFill>
+                  <a:schemeClr val="lt1"/>
+                </a:solidFill>
+                <a:latin typeface="Courier New"/>
+                <a:ea typeface="Courier New"/>
+                <a:cs typeface="Courier New"/>
+                <a:sym typeface="Courier New"/>
+              </a:rPr>
+              <a:t>(</a:t>
+            </a:r>
+            <a:r>
+              <a:rPr lang="en-US" sz="3000" b="1" u="none" strike="noStrike" cap="none" dirty="0">
                 <a:solidFill>
                   <a:srgbClr val="00FF00"/>
                 </a:solidFill>
@@ -21979,7 +23739,7 @@
               <a:t>stuff</a:t>
             </a:r>
             <a:r>
-              <a:rPr lang="en-US" sz="3000" b="1" u="none" strike="noStrike" cap="none">
+              <a:rPr lang="en-US" sz="3000" b="1" u="none" strike="noStrike" cap="none" dirty="0">
                 <a:solidFill>
                   <a:schemeClr val="lt1"/>
                 </a:solidFill>
@@ -22010,19 +23770,43 @@
               <a:buNone/>
             </a:pPr>
             <a:r>
-              <a:rPr lang="en-US" sz="3000" b="1" u="none" strike="noStrike" cap="none">
-                <a:solidFill>
-                  <a:schemeClr val="lt1"/>
-                </a:solidFill>
-                <a:latin typeface="Courier New"/>
-                <a:ea typeface="Courier New"/>
-                <a:cs typeface="Courier New"/>
-                <a:sym typeface="Courier New"/>
-              </a:rPr>
-              <a:t>    num = float(</a:t>
-            </a:r>
-            <a:r>
-              <a:rPr lang="en-US" sz="3000" b="1" u="none" strike="noStrike" cap="none">
+              <a:rPr lang="en-US" sz="3000" b="1" u="none" strike="noStrike" cap="none" dirty="0">
+                <a:solidFill>
+                  <a:schemeClr val="lt1"/>
+                </a:solidFill>
+                <a:latin typeface="Courier New"/>
+                <a:ea typeface="Courier New"/>
+                <a:cs typeface="Courier New"/>
+                <a:sym typeface="Courier New"/>
+              </a:rPr>
+              <a:t>    </a:t>
+            </a:r>
+            <a:r>
+              <a:rPr lang="en-US" sz="3000" b="1" u="none" strike="noStrike" cap="none" dirty="0" err="1">
+                <a:solidFill>
+                  <a:schemeClr val="lt1"/>
+                </a:solidFill>
+                <a:latin typeface="Courier New"/>
+                <a:ea typeface="Courier New"/>
+                <a:cs typeface="Courier New"/>
+                <a:sym typeface="Courier New"/>
+              </a:rPr>
+              <a:t>num</a:t>
+            </a:r>
+            <a:r>
+              <a:rPr lang="en-US" sz="3000" b="1" u="none" strike="noStrike" cap="none" dirty="0">
+                <a:solidFill>
+                  <a:schemeClr val="lt1"/>
+                </a:solidFill>
+                <a:latin typeface="Courier New"/>
+                <a:ea typeface="Courier New"/>
+                <a:cs typeface="Courier New"/>
+                <a:sym typeface="Courier New"/>
+              </a:rPr>
+              <a:t> = float(</a:t>
+            </a:r>
+            <a:r>
+              <a:rPr lang="en-US" sz="3000" b="1" u="none" strike="noStrike" cap="none" dirty="0">
                 <a:solidFill>
                   <a:srgbClr val="00FF00"/>
                 </a:solidFill>
@@ -22034,7 +23818,7 @@
               <a:t>stuff</a:t>
             </a:r>
             <a:r>
-              <a:rPr lang="en-US" sz="3000" b="1" u="none" strike="noStrike" cap="none">
+              <a:rPr lang="en-US" sz="3000" b="1" u="none" strike="noStrike" cap="none" dirty="0">
                 <a:solidFill>
                   <a:srgbClr val="00FFFF"/>
                 </a:solidFill>
@@ -22046,7 +23830,7 @@
               <a:t>[0]</a:t>
             </a:r>
             <a:r>
-              <a:rPr lang="en-US" sz="3000" b="1" u="none" strike="noStrike" cap="none">
+              <a:rPr lang="en-US" sz="3000" b="1" u="none" strike="noStrike" cap="none" dirty="0">
                 <a:solidFill>
                   <a:schemeClr val="lt1"/>
                 </a:solidFill>
@@ -22077,16 +23861,64 @@
               <a:buNone/>
             </a:pPr>
             <a:r>
-              <a:rPr lang="en-US" sz="3000" b="1" u="none" strike="noStrike" cap="none">
-                <a:solidFill>
-                  <a:schemeClr val="lt1"/>
-                </a:solidFill>
-                <a:latin typeface="Courier New"/>
-                <a:ea typeface="Courier New"/>
-                <a:cs typeface="Courier New"/>
-                <a:sym typeface="Courier New"/>
-              </a:rPr>
-              <a:t>    numlist.append(num)</a:t>
+              <a:rPr lang="en-US" sz="3000" b="1" u="none" strike="noStrike" cap="none" dirty="0">
+                <a:solidFill>
+                  <a:schemeClr val="lt1"/>
+                </a:solidFill>
+                <a:latin typeface="Courier New"/>
+                <a:ea typeface="Courier New"/>
+                <a:cs typeface="Courier New"/>
+                <a:sym typeface="Courier New"/>
+              </a:rPr>
+              <a:t>    </a:t>
+            </a:r>
+            <a:r>
+              <a:rPr lang="en-US" sz="3000" b="1" u="none" strike="noStrike" cap="none" dirty="0" err="1">
+                <a:solidFill>
+                  <a:schemeClr val="lt1"/>
+                </a:solidFill>
+                <a:latin typeface="Courier New"/>
+                <a:ea typeface="Courier New"/>
+                <a:cs typeface="Courier New"/>
+                <a:sym typeface="Courier New"/>
+              </a:rPr>
+              <a:t>numlist.append</a:t>
+            </a:r>
+            <a:r>
+              <a:rPr lang="en-US" sz="3000" b="1" u="none" strike="noStrike" cap="none" dirty="0">
+                <a:solidFill>
+                  <a:schemeClr val="lt1"/>
+                </a:solidFill>
+                <a:latin typeface="Courier New"/>
+                <a:ea typeface="Courier New"/>
+                <a:cs typeface="Courier New"/>
+                <a:sym typeface="Courier New"/>
+              </a:rPr>
+              <a:t>(</a:t>
+            </a:r>
+            <a:r>
+              <a:rPr lang="en-US" sz="3000" b="1" u="none" strike="noStrike" cap="none" dirty="0" err="1">
+                <a:solidFill>
+                  <a:schemeClr val="lt1"/>
+                </a:solidFill>
+                <a:latin typeface="Courier New"/>
+                <a:ea typeface="Courier New"/>
+                <a:cs typeface="Courier New"/>
+                <a:sym typeface="Courier New"/>
+              </a:rPr>
+              <a:t>num</a:t>
+            </a:r>
+            <a:r>
+              <a:rPr lang="en-US" sz="3000" b="1" u="none" strike="noStrike" cap="none" dirty="0">
+                <a:solidFill>
+                  <a:schemeClr val="lt1"/>
+                </a:solidFill>
+                <a:latin typeface="Courier New"/>
+                <a:ea typeface="Courier New"/>
+                <a:cs typeface="Courier New"/>
+                <a:sym typeface="Courier New"/>
+              </a:rPr>
+              <a:t>)</a:t>
             </a:r>
           </a:p>
           <a:p>
@@ -22108,17 +23940,62 @@
               <a:buNone/>
             </a:pPr>
             <a:r>
-              <a:rPr lang="en-US" sz="3000" b="1" u="none" strike="noStrike" cap="none">
-                <a:solidFill>
-                  <a:schemeClr val="lt1"/>
-                </a:solidFill>
-                <a:latin typeface="Courier New"/>
-                <a:ea typeface="Courier New"/>
-                <a:cs typeface="Courier New"/>
-                <a:sym typeface="Courier New"/>
-              </a:rPr>
-              <a:t>print 'Maximum:', max(numlist)</a:t>
-            </a:r>
+              <a:rPr lang="en-US" sz="3000" b="1" u="none" strike="noStrike" cap="none" dirty="0" smtClean="0">
+                <a:solidFill>
+                  <a:schemeClr val="lt1"/>
+                </a:solidFill>
+                <a:latin typeface="Courier New"/>
+                <a:ea typeface="Courier New"/>
+                <a:cs typeface="Courier New"/>
+                <a:sym typeface="Courier New"/>
+              </a:rPr>
+              <a:t>print('Maximum</a:t>
+            </a:r>
+            <a:r>
+              <a:rPr lang="en-US" sz="3000" b="1" u="none" strike="noStrike" cap="none" dirty="0">
+                <a:solidFill>
+                  <a:schemeClr val="lt1"/>
+                </a:solidFill>
+                <a:latin typeface="Courier New"/>
+                <a:ea typeface="Courier New"/>
+                <a:cs typeface="Courier New"/>
+                <a:sym typeface="Courier New"/>
+              </a:rPr>
+              <a:t>:', max(</a:t>
+            </a:r>
+            <a:r>
+              <a:rPr lang="en-US" sz="3000" b="1" u="none" strike="noStrike" cap="none" dirty="0" err="1">
+                <a:solidFill>
+                  <a:schemeClr val="lt1"/>
+                </a:solidFill>
+                <a:latin typeface="Courier New"/>
+                <a:ea typeface="Courier New"/>
+                <a:cs typeface="Courier New"/>
+                <a:sym typeface="Courier New"/>
+              </a:rPr>
+              <a:t>numlist</a:t>
+            </a:r>
+            <a:r>
+              <a:rPr lang="en-US" sz="3000" b="1" u="none" strike="noStrike" cap="none" dirty="0" smtClean="0">
+                <a:solidFill>
+                  <a:schemeClr val="lt1"/>
+                </a:solidFill>
+                <a:latin typeface="Courier New"/>
+                <a:ea typeface="Courier New"/>
+                <a:cs typeface="Courier New"/>
+                <a:sym typeface="Courier New"/>
+              </a:rPr>
+              <a:t>))</a:t>
+            </a:r>
+            <a:endParaRPr lang="en-US" sz="3000" b="1" u="none" strike="noStrike" cap="none" dirty="0">
+              <a:solidFill>
+                <a:schemeClr val="lt1"/>
+              </a:solidFill>
+              <a:latin typeface="Courier New"/>
+              <a:ea typeface="Courier New"/>
+              <a:cs typeface="Courier New"/>
+              <a:sym typeface="Courier New"/>
+            </a:endParaRPr>
           </a:p>
         </p:txBody>
       </p:sp>
@@ -22130,7 +24007,7 @@
         </p:nvSpPr>
         <p:spPr>
           <a:xfrm>
-            <a:off x="11437350" y="7315200"/>
+            <a:off x="11000028" y="6449888"/>
             <a:ext cx="4717199" cy="1200299"/>
           </a:xfrm>
           <a:prstGeom prst="rect">
@@ -22171,7 +24048,7 @@
               <a:buNone/>
             </a:pPr>
             <a:r>
-              <a:rPr lang="en-US" sz="3900">
+              <a:rPr lang="en-US" sz="3900" dirty="0">
                 <a:solidFill>
                   <a:srgbClr val="FFFF00"/>
                 </a:solidFill>
@@ -22183,7 +24060,7 @@
               <a:t> </a:t>
             </a:r>
             <a:r>
-              <a:rPr lang="en-US" sz="3900" u="none" strike="noStrike" cap="none">
+              <a:rPr lang="en-US" sz="3900" u="none" strike="noStrike" cap="none" dirty="0">
                 <a:solidFill>
                   <a:srgbClr val="FFFF00"/>
                 </a:solidFill>
@@ -22192,41 +24069,65 @@
                 <a:cs typeface="Arial Regular" charset="0"/>
                 <a:sym typeface="Cabin"/>
               </a:rPr>
-              <a:t>python ds.py </a:t>
-            </a:r>
-          </a:p>
-          <a:p>
-            <a:pPr marL="0" marR="0" lvl="0" indent="0" algn="l" rtl="0">
-              <a:lnSpc>
-                <a:spcPct val="100000"/>
-              </a:lnSpc>
-              <a:spcBef>
-                <a:spcPts val="0"/>
-              </a:spcBef>
-              <a:spcAft>
-                <a:spcPts val="0"/>
-              </a:spcAft>
-              <a:buClr>
-                <a:schemeClr val="lt1"/>
-              </a:buClr>
-              <a:buSzPct val="25000"/>
-              <a:buFont typeface="Cabin"/>
-              <a:buNone/>
-            </a:pPr>
-            <a:r>
-              <a:rPr lang="en-US" sz="3900">
-                <a:solidFill>
-                  <a:schemeClr val="lt1"/>
+              <a:t>python </a:t>
+            </a:r>
+            <a:r>
+              <a:rPr lang="en-US" sz="3900" u="none" strike="noStrike" cap="none" dirty="0" err="1">
+                <a:solidFill>
+                  <a:srgbClr val="FFFF00"/>
                 </a:solidFill>
                 <a:latin typeface="Arial Regular" charset="0"/>
                 <a:ea typeface="Arial Regular" charset="0"/>
                 <a:cs typeface="Arial Regular" charset="0"/>
                 <a:sym typeface="Cabin"/>
               </a:rPr>
+              <a:t>ds.py</a:t>
+            </a:r>
+            <a:r>
+              <a:rPr lang="en-US" sz="3900" u="none" strike="noStrike" cap="none" dirty="0">
+                <a:solidFill>
+                  <a:srgbClr val="FFFF00"/>
+                </a:solidFill>
+                <a:latin typeface="Arial Regular" charset="0"/>
+                <a:ea typeface="Arial Regular" charset="0"/>
+                <a:cs typeface="Arial Regular" charset="0"/>
+                <a:sym typeface="Cabin"/>
+              </a:rPr>
               <a:t> </a:t>
             </a:r>
-            <a:r>
-              <a:rPr lang="en-US" sz="3900" u="none" strike="noStrike" cap="none">
+          </a:p>
+          <a:p>
+            <a:pPr marL="0" marR="0" lvl="0" indent="0" algn="l" rtl="0">
+              <a:lnSpc>
+                <a:spcPct val="100000"/>
+              </a:lnSpc>
+              <a:spcBef>
+                <a:spcPts val="0"/>
+              </a:spcBef>
+              <a:spcAft>
+                <a:spcPts val="0"/>
+              </a:spcAft>
+              <a:buClr>
+                <a:schemeClr val="lt1"/>
+              </a:buClr>
+              <a:buSzPct val="25000"/>
+              <a:buFont typeface="Cabin"/>
+              <a:buNone/>
+            </a:pPr>
+            <a:r>
+              <a:rPr lang="en-US" sz="3900" dirty="0">
+                <a:solidFill>
+                  <a:schemeClr val="lt1"/>
+                </a:solidFill>
+                <a:latin typeface="Arial Regular" charset="0"/>
+                <a:ea typeface="Arial Regular" charset="0"/>
+                <a:cs typeface="Arial Regular" charset="0"/>
+                <a:sym typeface="Cabin"/>
+              </a:rPr>
+              <a:t> </a:t>
+            </a:r>
+            <a:r>
+              <a:rPr lang="en-US" sz="3900" u="none" strike="noStrike" cap="none" dirty="0">
                 <a:solidFill>
                   <a:schemeClr val="lt1"/>
                 </a:solidFill>
@@ -22248,7 +24149,7 @@
         </p:nvSpPr>
         <p:spPr>
           <a:xfrm>
-            <a:off x="479700" y="7993050"/>
+            <a:off x="652449" y="7449711"/>
             <a:ext cx="10618799" cy="890700"/>
           </a:xfrm>
           <a:prstGeom prst="rect">
@@ -22388,7 +24289,7 @@
           </a:ln>
         </p:spPr>
         <p:txBody>
-          <a:bodyPr lIns="50800" tIns="50800" rIns="50800" bIns="50800" anchor="ctr" anchorCtr="0">
+          <a:bodyPr lIns="50800" tIns="50800" rIns="50800" bIns="50800" anchor="t" anchorCtr="0">
             <a:noAutofit/>
           </a:bodyPr>
           <a:lstStyle/>
@@ -22411,7 +24312,7 @@
               <a:buChar char="•"/>
             </a:pPr>
             <a:r>
-              <a:rPr lang="en-US" sz="3600" u="none" strike="noStrike" cap="none">
+              <a:rPr lang="en-US" sz="3600" u="none" strike="noStrike" cap="none" dirty="0">
                 <a:solidFill>
                   <a:schemeClr val="lt1"/>
                 </a:solidFill>
@@ -22423,7 +24324,7 @@
               <a:t>If you want a special regular expression character to just behave </a:t>
             </a:r>
             <a:r>
-              <a:rPr lang="en-US" sz="3600" u="none" strike="noStrike" cap="none">
+              <a:rPr lang="en-US" sz="3600" u="none" strike="noStrike" cap="none" dirty="0">
                 <a:solidFill>
                   <a:srgbClr val="FFFF00"/>
                 </a:solidFill>
@@ -22435,7 +24336,7 @@
               <a:t>normally</a:t>
             </a:r>
             <a:r>
-              <a:rPr lang="en-US" sz="3600" u="none" strike="noStrike" cap="none">
+              <a:rPr lang="en-US" sz="3600" u="none" strike="noStrike" cap="none" dirty="0">
                 <a:solidFill>
                   <a:schemeClr val="lt1"/>
                 </a:solidFill>
@@ -22447,7 +24348,7 @@
               <a:t> (most of the time) you prefix it with </a:t>
             </a:r>
             <a:r>
-              <a:rPr lang="en-US" sz="3600" u="none" strike="noStrike" cap="none">
+              <a:rPr lang="en-US" sz="3600" u="none" strike="noStrike" cap="none" dirty="0">
                 <a:solidFill>
                   <a:srgbClr val="FFFF00"/>
                 </a:solidFill>
@@ -22469,8 +24370,8 @@
         </p:nvSpPr>
         <p:spPr>
           <a:xfrm>
-            <a:off x="787400" y="4684700"/>
-            <a:ext cx="10826100" cy="2924099"/>
+            <a:off x="675335" y="4285139"/>
+            <a:ext cx="10826100" cy="2405274"/>
           </a:xfrm>
           <a:prstGeom prst="rect">
             <a:avLst/>
@@ -22504,7 +24405,7 @@
               <a:buNone/>
             </a:pPr>
             <a:r>
-              <a:rPr lang="en-US" sz="3000" b="1" i="0" u="none" strike="noStrike" cap="none">
+              <a:rPr lang="en-US" sz="3000" b="1" i="0" u="none" strike="noStrike" cap="none" dirty="0">
                 <a:solidFill>
                   <a:schemeClr val="lt1"/>
                 </a:solidFill>
@@ -22535,7 +24436,7 @@
               <a:buNone/>
             </a:pPr>
             <a:r>
-              <a:rPr lang="en-US" sz="3000" b="1" i="0" u="none" strike="noStrike" cap="none">
+              <a:rPr lang="en-US" sz="3000" b="1" i="0" u="none" strike="noStrike" cap="none" dirty="0">
                 <a:solidFill>
                   <a:schemeClr val="lt1"/>
                 </a:solidFill>
@@ -22547,7 +24448,7 @@
               <a:t>&gt;&gt;&gt; x = 'We just received </a:t>
             </a:r>
             <a:r>
-              <a:rPr lang="en-US" sz="3000" b="1" i="0" u="none" strike="noStrike" cap="none">
+              <a:rPr lang="en-US" sz="3000" b="1" i="0" u="none" strike="noStrike" cap="none" dirty="0">
                 <a:solidFill>
                   <a:srgbClr val="FF00FF"/>
                 </a:solidFill>
@@ -22559,7 +24460,7 @@
               <a:t>$10.00</a:t>
             </a:r>
             <a:r>
-              <a:rPr lang="en-US" sz="3000" b="1" i="0" u="none" strike="noStrike" cap="none">
+              <a:rPr lang="en-US" sz="3000" b="1" i="0" u="none" strike="noStrike" cap="none" dirty="0">
                 <a:solidFill>
                   <a:schemeClr val="lt1"/>
                 </a:solidFill>
@@ -22590,19 +24491,43 @@
               <a:buNone/>
             </a:pPr>
             <a:r>
-              <a:rPr lang="en-US" sz="3000" b="1" i="0" u="none" strike="noStrike" cap="none">
-                <a:solidFill>
-                  <a:schemeClr val="lt1"/>
-                </a:solidFill>
-                <a:latin typeface="Courier New"/>
-                <a:ea typeface="Courier New"/>
-                <a:cs typeface="Courier New"/>
-                <a:sym typeface="Courier New"/>
-              </a:rPr>
-              <a:t>&gt;&gt;&gt; y = re.findall('</a:t>
-            </a:r>
-            <a:r>
-              <a:rPr lang="en-US" sz="3000" b="1" i="0" u="none" strike="noStrike" cap="none">
+              <a:rPr lang="en-US" sz="3000" b="1" i="0" u="none" strike="noStrike" cap="none" dirty="0">
+                <a:solidFill>
+                  <a:schemeClr val="lt1"/>
+                </a:solidFill>
+                <a:latin typeface="Courier New"/>
+                <a:ea typeface="Courier New"/>
+                <a:cs typeface="Courier New"/>
+                <a:sym typeface="Courier New"/>
+              </a:rPr>
+              <a:t>&gt;&gt;&gt; y = </a:t>
+            </a:r>
+            <a:r>
+              <a:rPr lang="en-US" sz="3000" b="1" i="0" u="none" strike="noStrike" cap="none" dirty="0" err="1">
+                <a:solidFill>
+                  <a:schemeClr val="lt1"/>
+                </a:solidFill>
+                <a:latin typeface="Courier New"/>
+                <a:ea typeface="Courier New"/>
+                <a:cs typeface="Courier New"/>
+                <a:sym typeface="Courier New"/>
+              </a:rPr>
+              <a:t>re.findall</a:t>
+            </a:r>
+            <a:r>
+              <a:rPr lang="en-US" sz="3000" b="1" i="0" u="none" strike="noStrike" cap="none" dirty="0">
+                <a:solidFill>
+                  <a:schemeClr val="lt1"/>
+                </a:solidFill>
+                <a:latin typeface="Courier New"/>
+                <a:ea typeface="Courier New"/>
+                <a:cs typeface="Courier New"/>
+                <a:sym typeface="Courier New"/>
+              </a:rPr>
+              <a:t>('</a:t>
+            </a:r>
+            <a:r>
+              <a:rPr lang="en-US" sz="3000" b="1" i="0" u="none" strike="noStrike" cap="none" dirty="0">
                 <a:solidFill>
                   <a:srgbClr val="FFFF00"/>
                 </a:solidFill>
@@ -22614,7 +24539,7 @@
               <a:t>\$[0-9.]+</a:t>
             </a:r>
             <a:r>
-              <a:rPr lang="en-US" sz="3000" b="1" i="0" u="none" strike="noStrike" cap="none">
+              <a:rPr lang="en-US" sz="3000" b="1" i="0" u="none" strike="noStrike" cap="none" dirty="0">
                 <a:solidFill>
                   <a:schemeClr val="lt1"/>
                 </a:solidFill>
@@ -22645,17 +24570,38 @@
               <a:buNone/>
             </a:pPr>
             <a:r>
-              <a:rPr lang="en-US" sz="3000" b="1" i="0" u="none" strike="noStrike" cap="none">
-                <a:solidFill>
-                  <a:schemeClr val="lt1"/>
-                </a:solidFill>
-                <a:latin typeface="Courier New"/>
-                <a:ea typeface="Courier New"/>
-                <a:cs typeface="Courier New"/>
-                <a:sym typeface="Courier New"/>
-              </a:rPr>
-              <a:t>&gt;&gt;&gt; print y</a:t>
-            </a:r>
+              <a:rPr lang="en-US" sz="3000" b="1" i="0" u="none" strike="noStrike" cap="none" dirty="0">
+                <a:solidFill>
+                  <a:schemeClr val="lt1"/>
+                </a:solidFill>
+                <a:latin typeface="Courier New"/>
+                <a:ea typeface="Courier New"/>
+                <a:cs typeface="Courier New"/>
+                <a:sym typeface="Courier New"/>
+              </a:rPr>
+              <a:t>&gt;&gt;&gt; </a:t>
+            </a:r>
+            <a:r>
+              <a:rPr lang="en-US" sz="3000" b="1" i="0" u="none" strike="noStrike" cap="none" dirty="0" smtClean="0">
+                <a:solidFill>
+                  <a:schemeClr val="lt1"/>
+                </a:solidFill>
+                <a:latin typeface="Courier New"/>
+                <a:ea typeface="Courier New"/>
+                <a:cs typeface="Courier New"/>
+                <a:sym typeface="Courier New"/>
+              </a:rPr>
+              <a:t>print(y)</a:t>
+            </a:r>
+            <a:endParaRPr lang="en-US" sz="3000" b="1" i="0" u="none" strike="noStrike" cap="none" dirty="0">
+              <a:solidFill>
+                <a:schemeClr val="lt1"/>
+              </a:solidFill>
+              <a:latin typeface="Courier New"/>
+              <a:ea typeface="Courier New"/>
+              <a:cs typeface="Courier New"/>
+              <a:sym typeface="Courier New"/>
+            </a:endParaRPr>
           </a:p>
           <a:p>
             <a:pPr marL="0" marR="0" lvl="0" indent="0" algn="l" rtl="0">
@@ -22676,7 +24622,7 @@
               <a:buNone/>
             </a:pPr>
             <a:r>
-              <a:rPr lang="en-US" sz="3000" b="1" i="0" u="none" strike="noStrike" cap="none">
+              <a:rPr lang="en-US" sz="3000" b="1" i="0" u="none" strike="noStrike" cap="none" dirty="0">
                 <a:solidFill>
                   <a:schemeClr val="lt1"/>
                 </a:solidFill>
@@ -22688,7 +24634,7 @@
               <a:t>['</a:t>
             </a:r>
             <a:r>
-              <a:rPr lang="en-US" sz="3000" b="1" i="0" u="none" strike="noStrike" cap="none">
+              <a:rPr lang="en-US" sz="3000" b="1" i="0" u="none" strike="noStrike" cap="none" dirty="0">
                 <a:solidFill>
                   <a:srgbClr val="FF00FF"/>
                 </a:solidFill>
@@ -22700,7 +24646,7 @@
               <a:t>$10.00</a:t>
             </a:r>
             <a:r>
-              <a:rPr lang="en-US" sz="3000" b="1" i="0" u="none" strike="noStrike" cap="none">
+              <a:rPr lang="en-US" sz="3000" b="1" i="0" u="none" strike="noStrike" cap="none" dirty="0">
                 <a:solidFill>
                   <a:schemeClr val="lt1"/>
                 </a:solidFill>
@@ -22722,8 +24668,8 @@
         </p:nvSpPr>
         <p:spPr>
           <a:xfrm>
-            <a:off x="11062850" y="6667500"/>
-            <a:ext cx="3422700" cy="812700"/>
+            <a:off x="11115376" y="6283188"/>
+            <a:ext cx="3370173" cy="812700"/>
           </a:xfrm>
           <a:prstGeom prst="rect">
             <a:avLst/>
@@ -22757,7 +24703,7 @@
               <a:buNone/>
             </a:pPr>
             <a:r>
-              <a:rPr lang="en-US" sz="4900" b="0" i="0" u="none" strike="noStrike" cap="none">
+              <a:rPr lang="en-US" sz="4900" b="0" i="0" u="none" strike="noStrike" cap="none" dirty="0">
                 <a:solidFill>
                   <a:srgbClr val="FFFF00"/>
                 </a:solidFill>
@@ -22769,7 +24715,7 @@
               <a:t>\$</a:t>
             </a:r>
             <a:r>
-              <a:rPr lang="en-US" sz="4900" b="0" i="0" u="none" strike="noStrike" cap="none">
+              <a:rPr lang="en-US" sz="4900" b="0" i="0" u="none" strike="noStrike" cap="none" dirty="0">
                 <a:solidFill>
                   <a:srgbClr val="00FF00"/>
                 </a:solidFill>
@@ -22781,7 +24727,7 @@
               <a:t>[0-9.]</a:t>
             </a:r>
             <a:r>
-              <a:rPr lang="en-US" sz="4900" b="0" i="0" u="none" strike="noStrike" cap="none">
+              <a:rPr lang="en-US" sz="4900" b="0" i="0" u="none" strike="noStrike" cap="none" dirty="0">
                 <a:solidFill>
                   <a:srgbClr val="FF7F00"/>
                 </a:solidFill>
@@ -22803,8 +24749,8 @@
         </p:nvSpPr>
         <p:spPr>
           <a:xfrm>
-            <a:off x="12003086" y="8102600"/>
-            <a:ext cx="3400499" cy="660300"/>
+            <a:off x="12055272" y="7718288"/>
+            <a:ext cx="3834085" cy="660300"/>
           </a:xfrm>
           <a:prstGeom prst="rect">
             <a:avLst/>
@@ -22860,8 +24806,8 @@
         </p:nvSpPr>
         <p:spPr>
           <a:xfrm>
-            <a:off x="7951786" y="8039100"/>
-            <a:ext cx="3422700" cy="660300"/>
+            <a:off x="7354958" y="7654788"/>
+            <a:ext cx="4019528" cy="660300"/>
           </a:xfrm>
           <a:prstGeom prst="rect">
             <a:avLst/>
@@ -22917,7 +24863,7 @@
         </p:nvCxnSpPr>
         <p:spPr>
           <a:xfrm flipH="1">
-            <a:off x="11188836" y="7546975"/>
+            <a:off x="11188837" y="7162663"/>
             <a:ext cx="312599" cy="498599"/>
           </a:xfrm>
           <a:prstGeom prst="straightConnector1">
@@ -22943,7 +24889,7 @@
         </p:nvCxnSpPr>
         <p:spPr>
           <a:xfrm>
-            <a:off x="12503325" y="7445400"/>
+            <a:off x="12503325" y="7061088"/>
             <a:ext cx="312599" cy="606299"/>
           </a:xfrm>
           <a:prstGeom prst="straightConnector1">
@@ -22969,7 +24915,7 @@
         </p:nvCxnSpPr>
         <p:spPr>
           <a:xfrm flipH="1">
-            <a:off x="13474698" y="7453100"/>
+            <a:off x="13474698" y="7068788"/>
             <a:ext cx="85500" cy="649499"/>
           </a:xfrm>
           <a:prstGeom prst="straightConnector1">
@@ -22995,8 +24941,8 @@
         </p:nvSpPr>
         <p:spPr>
           <a:xfrm>
-            <a:off x="12825411" y="4660900"/>
-            <a:ext cx="2883000" cy="1219199"/>
+            <a:off x="12869655" y="4276588"/>
+            <a:ext cx="2838756" cy="1219199"/>
           </a:xfrm>
           <a:prstGeom prst="rect">
             <a:avLst/>
@@ -23051,9 +24997,9 @@
           <p:nvPr/>
         </p:nvCxnSpPr>
         <p:spPr>
-          <a:xfrm rot="10800000" flipH="1">
-            <a:off x="14180460" y="5880099"/>
-            <a:ext cx="86399" cy="919800"/>
+          <a:xfrm flipH="1" flipV="1">
+            <a:off x="14266859" y="5495787"/>
+            <a:ext cx="5732" cy="787401"/>
           </a:xfrm>
           <a:prstGeom prst="straightConnector1">
             <a:avLst/>
@@ -23272,13 +25218,13 @@
             <a:spLocks noGrp="1"/>
           </p:cNvSpPr>
           <p:nvPr>
-            <p:ph type="title"/>
+            <p:ph type="title" idx="4294967295"/>
           </p:nvPr>
         </p:nvSpPr>
         <p:spPr>
           <a:xfrm>
-            <a:off x="1155700" y="241300"/>
-            <a:ext cx="13932000" cy="811500"/>
+            <a:off x="1462700" y="1009927"/>
+            <a:ext cx="12469200" cy="811213"/>
           </a:xfrm>
           <a:prstGeom prst="rect">
             <a:avLst/>
@@ -23309,49 +25255,14 @@
       </p:sp>
       <p:sp>
         <p:nvSpPr>
-          <p:cNvPr id="534" name="Shape 534"/>
-          <p:cNvSpPr txBox="1">
-            <a:spLocks noGrp="1"/>
-          </p:cNvSpPr>
-          <p:nvPr>
-            <p:ph type="body" idx="1"/>
-          </p:nvPr>
-        </p:nvSpPr>
-        <p:spPr>
-          <a:xfrm>
-            <a:off x="1155700" y="2603500"/>
-            <a:ext cx="13932000" cy="5702399"/>
-          </a:xfrm>
-          <a:prstGeom prst="rect">
-            <a:avLst/>
-          </a:prstGeom>
-        </p:spPr>
-        <p:txBody>
-          <a:bodyPr lIns="91425" tIns="91425" rIns="91425" bIns="91425" anchor="ctr" anchorCtr="0">
-            <a:noAutofit/>
-          </a:bodyPr>
-          <a:lstStyle/>
-          <a:p>
-            <a:pPr lvl="0" rtl="0">
-              <a:spcBef>
-                <a:spcPts val="0"/>
-              </a:spcBef>
-              <a:buNone/>
-            </a:pPr>
-            <a:endParaRPr/>
-          </a:p>
-        </p:txBody>
-      </p:sp>
-      <p:sp>
-        <p:nvSpPr>
           <p:cNvPr id="535" name="Shape 535"/>
           <p:cNvSpPr txBox="1"/>
           <p:nvPr/>
         </p:nvSpPr>
         <p:spPr>
           <a:xfrm>
-            <a:off x="1206100" y="1381725"/>
-            <a:ext cx="6797699" cy="7082699"/>
+            <a:off x="1206100" y="2150353"/>
+            <a:ext cx="6797699" cy="5350380"/>
           </a:xfrm>
           <a:prstGeom prst="rect">
             <a:avLst/>
@@ -23491,7 +25402,7 @@
         </p:blipFill>
         <p:spPr>
           <a:xfrm>
-            <a:off x="437900" y="134650"/>
+            <a:off x="437900" y="903277"/>
             <a:ext cx="1024800" cy="1024800"/>
           </a:xfrm>
           <a:prstGeom prst="rect">
@@ -23518,7 +25429,7 @@
         </p:blipFill>
         <p:spPr>
           <a:xfrm>
-            <a:off x="13897687" y="312850"/>
+            <a:off x="13897687" y="1081477"/>
             <a:ext cx="1968599" cy="668400"/>
           </a:xfrm>
           <a:prstGeom prst="rect">
@@ -23538,8 +25449,8 @@
         </p:nvSpPr>
         <p:spPr>
           <a:xfrm>
-            <a:off x="8704400" y="1512200"/>
-            <a:ext cx="6797699" cy="7082699"/>
+            <a:off x="8704400" y="2280828"/>
+            <a:ext cx="6797699" cy="5219904"/>
           </a:xfrm>
           <a:prstGeom prst="rect">
             <a:avLst/>
@@ -23612,8 +25523,8 @@
         </p:blipFill>
         <p:spPr>
           <a:xfrm>
-            <a:off x="2857500" y="304800"/>
-            <a:ext cx="10536237" cy="7340600"/>
+            <a:off x="3490164" y="914475"/>
+            <a:ext cx="9148570" cy="6373812"/>
           </a:xfrm>
           <a:prstGeom prst="rect">
             <a:avLst/>
@@ -23632,7 +25543,7 @@
         </p:nvSpPr>
         <p:spPr>
           <a:xfrm>
-            <a:off x="2857500" y="8077200"/>
+            <a:off x="2857500" y="7645400"/>
             <a:ext cx="10413899" cy="660300"/>
           </a:xfrm>
           <a:prstGeom prst="rect">
@@ -23689,7 +25600,7 @@
         </p:nvSpPr>
         <p:spPr>
           <a:xfrm flipH="1">
-            <a:off x="13576400" y="914475"/>
+            <a:off x="12636449" y="1343100"/>
             <a:ext cx="1269899" cy="660300"/>
           </a:xfrm>
           <a:prstGeom prst="rightArrow">
@@ -23724,44 +25635,6 @@
               <a:buNone/>
             </a:pPr>
             <a:endParaRPr/>
-          </a:p>
-        </p:txBody>
-      </p:sp>
-      <p:sp>
-        <p:nvSpPr>
-          <p:cNvPr id="6" name="Title 5"/>
-          <p:cNvSpPr>
-            <a:spLocks noGrp="1"/>
-          </p:cNvSpPr>
-          <p:nvPr>
-            <p:ph type="title"/>
-          </p:nvPr>
-        </p:nvSpPr>
-        <p:spPr/>
-        <p:txBody>
-          <a:bodyPr/>
-          <a:lstStyle/>
-          <a:p>
-            <a:endParaRPr lang="en-US"/>
-          </a:p>
-        </p:txBody>
-      </p:sp>
-      <p:sp>
-        <p:nvSpPr>
-          <p:cNvPr id="7" name="Text Placeholder 6"/>
-          <p:cNvSpPr>
-            <a:spLocks noGrp="1"/>
-          </p:cNvSpPr>
-          <p:nvPr>
-            <p:ph type="body" idx="1"/>
-          </p:nvPr>
-        </p:nvSpPr>
-        <p:spPr/>
-        <p:txBody>
-          <a:bodyPr/>
-          <a:lstStyle/>
-          <a:p>
-            <a:endParaRPr lang="en-US"/>
           </a:p>
         </p:txBody>
       </p:sp>
@@ -23833,7 +25706,7 @@
               <a:buNone/>
             </a:pPr>
             <a:r>
-              <a:rPr lang="en-US" sz="7800" u="none" strike="noStrike" cap="none">
+              <a:rPr lang="en-US" sz="6600" u="none" strike="noStrike" cap="none" dirty="0">
                 <a:solidFill>
                   <a:srgbClr val="FFD966"/>
                 </a:solidFill>
@@ -24164,8 +26037,8 @@
         </p:blipFill>
         <p:spPr>
           <a:xfrm>
-            <a:off x="977900" y="112711"/>
-            <a:ext cx="8801100" cy="8904287"/>
+            <a:off x="1685925" y="829037"/>
+            <a:ext cx="7343776" cy="7343413"/>
           </a:xfrm>
           <a:prstGeom prst="rect">
             <a:avLst/>
@@ -24184,7 +26057,7 @@
         </p:nvSpPr>
         <p:spPr>
           <a:xfrm>
-            <a:off x="10798700" y="7645400"/>
+            <a:off x="10427225" y="6931025"/>
             <a:ext cx="5152799" cy="660300"/>
           </a:xfrm>
           <a:prstGeom prst="rect">
@@ -24229,46 +26102,21 @@
                 <a:sym typeface="Cabin"/>
                 <a:hlinkClick r:id="rId4"/>
               </a:rPr>
-              <a:t>http://xkcd.com/208/</a:t>
-            </a:r>
-          </a:p>
-        </p:txBody>
-      </p:sp>
-      <p:sp>
-        <p:nvSpPr>
-          <p:cNvPr id="6" name="Title 5"/>
-          <p:cNvSpPr>
-            <a:spLocks noGrp="1"/>
-          </p:cNvSpPr>
-          <p:nvPr>
-            <p:ph type="title"/>
-          </p:nvPr>
-        </p:nvSpPr>
-        <p:spPr/>
-        <p:txBody>
-          <a:bodyPr/>
-          <a:lstStyle/>
-          <a:p>
-            <a:endParaRPr lang="en-US"/>
-          </a:p>
-        </p:txBody>
-      </p:sp>
-      <p:sp>
-        <p:nvSpPr>
-          <p:cNvPr id="7" name="Text Placeholder 6"/>
-          <p:cNvSpPr>
-            <a:spLocks noGrp="1"/>
-          </p:cNvSpPr>
-          <p:nvPr>
-            <p:ph type="body" idx="1"/>
-          </p:nvPr>
-        </p:nvSpPr>
-        <p:spPr/>
-        <p:txBody>
-          <a:bodyPr/>
-          <a:lstStyle/>
-          <a:p>
-            <a:endParaRPr lang="en-US"/>
+              <a:t>http://</a:t>
+            </a:r>
+            <a:r>
+              <a:rPr lang="en-US" sz="3800" u="sng" strike="noStrike" cap="none" dirty="0">
+                <a:solidFill>
+                  <a:srgbClr val="FFD966"/>
+                </a:solidFill>
+                <a:latin typeface="Arial Regular" charset="0"/>
+                <a:ea typeface="Arial Regular" charset="0"/>
+                <a:cs typeface="Arial Regular" charset="0"/>
+                <a:sym typeface="Cabin"/>
+                <a:hlinkClick r:id="rId4"/>
+              </a:rPr>
+              <a:t>xkcd.com/208/</a:t>
+            </a:r>
           </a:p>
         </p:txBody>
       </p:sp>
@@ -24340,7 +26188,7 @@
               <a:buNone/>
             </a:pPr>
             <a:r>
-              <a:rPr lang="en-US" sz="7800" u="none" strike="noStrike" cap="none">
+              <a:rPr lang="en-US" sz="6600" u="none" strike="noStrike" cap="none" dirty="0">
                 <a:solidFill>
                   <a:srgbClr val="FFD966"/>
                 </a:solidFill>
@@ -24351,25 +26199,6 @@
               </a:rPr>
               <a:t>Regular Expression Quick Guide</a:t>
             </a:r>
-          </a:p>
-        </p:txBody>
-      </p:sp>
-      <p:sp>
-        <p:nvSpPr>
-          <p:cNvPr id="4" name="Text Placeholder 3"/>
-          <p:cNvSpPr>
-            <a:spLocks noGrp="1"/>
-          </p:cNvSpPr>
-          <p:nvPr>
-            <p:ph type="body" idx="1"/>
-          </p:nvPr>
-        </p:nvSpPr>
-        <p:spPr/>
-        <p:txBody>
-          <a:bodyPr/>
-          <a:lstStyle/>
-          <a:p>
-            <a:endParaRPr lang="en-US"/>
           </a:p>
         </p:txBody>
       </p:sp>
@@ -24381,8 +26210,8 @@
         </p:nvSpPr>
         <p:spPr>
           <a:xfrm>
-            <a:off x="1022350" y="2044700"/>
-            <a:ext cx="14719299" cy="6832599"/>
+            <a:off x="2565400" y="2539900"/>
+            <a:ext cx="11607801" cy="5462586"/>
           </a:xfrm>
           <a:prstGeom prst="rect">
             <a:avLst/>
@@ -24416,7 +26245,7 @@
               <a:buNone/>
             </a:pPr>
             <a:r>
-              <a:rPr lang="en-US" sz="2900" b="1" i="0" u="none" strike="noStrike" cap="none">
+              <a:rPr lang="en-US" sz="2400" b="1" i="0" u="none" strike="noStrike" cap="none" dirty="0">
                 <a:solidFill>
                   <a:srgbClr val="00FF00"/>
                 </a:solidFill>
@@ -24428,7 +26257,7 @@
               <a:t>^ </a:t>
             </a:r>
             <a:r>
-              <a:rPr lang="en-US" sz="2900" b="1" i="0" u="none" strike="noStrike" cap="none">
+              <a:rPr lang="en-US" sz="2400" b="1" i="0" u="none" strike="noStrike" cap="none" dirty="0">
                 <a:solidFill>
                   <a:schemeClr val="lt1"/>
                 </a:solidFill>
@@ -24440,7 +26269,7 @@
               <a:t>       Matches the </a:t>
             </a:r>
             <a:r>
-              <a:rPr lang="en-US" sz="2900" b="1" i="0" u="none" strike="noStrike" cap="none">
+              <a:rPr lang="en-US" sz="2400" b="1" i="0" u="none" strike="noStrike" cap="none" dirty="0">
                 <a:solidFill>
                   <a:srgbClr val="FF00FF"/>
                 </a:solidFill>
@@ -24452,7 +26281,7 @@
               <a:t>beginning</a:t>
             </a:r>
             <a:r>
-              <a:rPr lang="en-US" sz="2900" b="1" i="0" u="none" strike="noStrike" cap="none">
+              <a:rPr lang="en-US" sz="2400" b="1" i="0" u="none" strike="noStrike" cap="none" dirty="0">
                 <a:solidFill>
                   <a:schemeClr val="lt1"/>
                 </a:solidFill>
@@ -24483,7 +26312,7 @@
               <a:buNone/>
             </a:pPr>
             <a:r>
-              <a:rPr lang="en-US" sz="2900" b="1" i="0" u="none" strike="noStrike" cap="none">
+              <a:rPr lang="en-US" sz="2400" b="1" i="0" u="none" strike="noStrike" cap="none" dirty="0">
                 <a:solidFill>
                   <a:srgbClr val="00FF00"/>
                 </a:solidFill>
@@ -24495,7 +26324,7 @@
               <a:t>$  </a:t>
             </a:r>
             <a:r>
-              <a:rPr lang="en-US" sz="2900" b="1" i="0" u="none" strike="noStrike" cap="none">
+              <a:rPr lang="en-US" sz="2400" b="1" i="0" u="none" strike="noStrike" cap="none" dirty="0">
                 <a:solidFill>
                   <a:schemeClr val="lt1"/>
                 </a:solidFill>
@@ -24507,7 +26336,7 @@
               <a:t>      Matches the </a:t>
             </a:r>
             <a:r>
-              <a:rPr lang="en-US" sz="2900" b="1" i="0" u="none" strike="noStrike" cap="none">
+              <a:rPr lang="en-US" sz="2400" b="1" i="0" u="none" strike="noStrike" cap="none" dirty="0">
                 <a:solidFill>
                   <a:srgbClr val="FF00FF"/>
                 </a:solidFill>
@@ -24519,7 +26348,7 @@
               <a:t>end</a:t>
             </a:r>
             <a:r>
-              <a:rPr lang="en-US" sz="2900" b="1" i="0" u="none" strike="noStrike" cap="none">
+              <a:rPr lang="en-US" sz="2400" b="1" i="0" u="none" strike="noStrike" cap="none" dirty="0">
                 <a:solidFill>
                   <a:schemeClr val="lt1"/>
                 </a:solidFill>
@@ -24550,7 +26379,7 @@
               <a:buNone/>
             </a:pPr>
             <a:r>
-              <a:rPr lang="en-US" sz="2900" b="1" i="0" u="none" strike="noStrike" cap="none">
+              <a:rPr lang="en-US" sz="2400" b="1" i="0" u="none" strike="noStrike" cap="none" dirty="0">
                 <a:solidFill>
                   <a:srgbClr val="00FF00"/>
                 </a:solidFill>
@@ -24562,7 +26391,7 @@
               <a:t>.</a:t>
             </a:r>
             <a:r>
-              <a:rPr lang="en-US" sz="2900" b="1" i="0" u="none" strike="noStrike" cap="none">
+              <a:rPr lang="en-US" sz="2400" b="1" i="0" u="none" strike="noStrike" cap="none" dirty="0">
                 <a:solidFill>
                   <a:schemeClr val="lt1"/>
                 </a:solidFill>
@@ -24574,7 +26403,7 @@
               <a:t>        Matches </a:t>
             </a:r>
             <a:r>
-              <a:rPr lang="en-US" sz="2900" b="1" i="0" u="none" strike="noStrike" cap="none">
+              <a:rPr lang="en-US" sz="2400" b="1" i="0" u="none" strike="noStrike" cap="none" dirty="0">
                 <a:solidFill>
                   <a:srgbClr val="FF00FF"/>
                 </a:solidFill>
@@ -24586,7 +26415,7 @@
               <a:t>any</a:t>
             </a:r>
             <a:r>
-              <a:rPr lang="en-US" sz="2900" b="1" i="0" u="none" strike="noStrike" cap="none">
+              <a:rPr lang="en-US" sz="2400" b="1" i="0" u="none" strike="noStrike" cap="none" dirty="0">
                 <a:solidFill>
                   <a:schemeClr val="lt1"/>
                 </a:solidFill>
@@ -24617,7 +26446,7 @@
               <a:buNone/>
             </a:pPr>
             <a:r>
-              <a:rPr lang="en-US" sz="2900" b="1" i="0" u="none" strike="noStrike" cap="none">
+              <a:rPr lang="en-US" sz="2400" b="1" i="0" u="none" strike="noStrike" cap="none" dirty="0">
                 <a:solidFill>
                   <a:srgbClr val="00FF00"/>
                 </a:solidFill>
@@ -24629,7 +26458,7 @@
               <a:t>\s</a:t>
             </a:r>
             <a:r>
-              <a:rPr lang="en-US" sz="2900" b="1" i="0" u="none" strike="noStrike" cap="none">
+              <a:rPr lang="en-US" sz="2400" b="1" i="0" u="none" strike="noStrike" cap="none" dirty="0">
                 <a:solidFill>
                   <a:schemeClr val="lt1"/>
                 </a:solidFill>
@@ -24641,7 +26470,7 @@
               <a:t>       Matches </a:t>
             </a:r>
             <a:r>
-              <a:rPr lang="en-US" sz="2900" b="1" i="0" u="none" strike="noStrike" cap="none">
+              <a:rPr lang="en-US" sz="2400" b="1" i="0" u="none" strike="noStrike" cap="none" dirty="0">
                 <a:solidFill>
                   <a:srgbClr val="FF00FF"/>
                 </a:solidFill>
@@ -24672,7 +26501,7 @@
               <a:buNone/>
             </a:pPr>
             <a:r>
-              <a:rPr lang="en-US" sz="2900" b="1" i="0" u="none" strike="noStrike" cap="none">
+              <a:rPr lang="en-US" sz="2400" b="1" i="0" u="none" strike="noStrike" cap="none" dirty="0">
                 <a:solidFill>
                   <a:srgbClr val="00FF00"/>
                 </a:solidFill>
@@ -24684,7 +26513,7 @@
               <a:t>\S </a:t>
             </a:r>
             <a:r>
-              <a:rPr lang="en-US" sz="2900" b="1" i="0" u="none" strike="noStrike" cap="none">
+              <a:rPr lang="en-US" sz="2400" b="1" i="0" u="none" strike="noStrike" cap="none" dirty="0">
                 <a:solidFill>
                   <a:schemeClr val="lt1"/>
                 </a:solidFill>
@@ -24696,7 +26525,7 @@
               <a:t>      Matches any </a:t>
             </a:r>
             <a:r>
-              <a:rPr lang="en-US" sz="2900" b="1" i="0" u="none" strike="noStrike" cap="none">
+              <a:rPr lang="en-US" sz="2400" b="1" i="0" u="none" strike="noStrike" cap="none" dirty="0">
                 <a:solidFill>
                   <a:srgbClr val="FF00FF"/>
                 </a:solidFill>
@@ -24708,7 +26537,7 @@
               <a:t>non-whitespace</a:t>
             </a:r>
             <a:r>
-              <a:rPr lang="en-US" sz="2900" b="1" i="0" u="none" strike="noStrike" cap="none">
+              <a:rPr lang="en-US" sz="2400" b="1" i="0" u="none" strike="noStrike" cap="none" dirty="0">
                 <a:solidFill>
                   <a:schemeClr val="lt1"/>
                 </a:solidFill>
@@ -24739,7 +26568,7 @@
               <a:buNone/>
             </a:pPr>
             <a:r>
-              <a:rPr lang="en-US" sz="2900" b="1" i="0" u="none" strike="noStrike" cap="none">
+              <a:rPr lang="en-US" sz="2400" b="1" i="0" u="none" strike="noStrike" cap="none" dirty="0">
                 <a:solidFill>
                   <a:srgbClr val="00FF00"/>
                 </a:solidFill>
@@ -24751,7 +26580,7 @@
               <a:t>*</a:t>
             </a:r>
             <a:r>
-              <a:rPr lang="en-US" sz="2900" b="1" i="0" u="none" strike="noStrike" cap="none">
+              <a:rPr lang="en-US" sz="2400" b="1" i="0" u="none" strike="noStrike" cap="none" dirty="0">
                 <a:solidFill>
                   <a:schemeClr val="lt1"/>
                 </a:solidFill>
@@ -24763,7 +26592,7 @@
               <a:t>        </a:t>
             </a:r>
             <a:r>
-              <a:rPr lang="en-US" sz="2900" b="1" i="0" u="none" strike="noStrike" cap="none">
+              <a:rPr lang="en-US" sz="2400" b="1" i="0" u="none" strike="noStrike" cap="none" dirty="0">
                 <a:solidFill>
                   <a:srgbClr val="FF00FF"/>
                 </a:solidFill>
@@ -24775,7 +26604,7 @@
               <a:t>Repeats</a:t>
             </a:r>
             <a:r>
-              <a:rPr lang="en-US" sz="2900" b="1" i="0" u="none" strike="noStrike" cap="none">
+              <a:rPr lang="en-US" sz="2400" b="1" i="0" u="none" strike="noStrike" cap="none" dirty="0">
                 <a:solidFill>
                   <a:schemeClr val="lt1"/>
                 </a:solidFill>
@@ -24806,7 +26635,7 @@
               <a:buNone/>
             </a:pPr>
             <a:r>
-              <a:rPr lang="en-US" sz="2900" b="1" i="0" u="none" strike="noStrike" cap="none">
+              <a:rPr lang="en-US" sz="2400" b="1" i="0" u="none" strike="noStrike" cap="none" dirty="0">
                 <a:solidFill>
                   <a:srgbClr val="00FF00"/>
                 </a:solidFill>
@@ -24818,7 +26647,7 @@
               <a:t>*?   </a:t>
             </a:r>
             <a:r>
-              <a:rPr lang="en-US" sz="2900" b="1" i="0" u="none" strike="noStrike" cap="none">
+              <a:rPr lang="en-US" sz="2400" b="1" i="0" u="none" strike="noStrike" cap="none" dirty="0">
                 <a:solidFill>
                   <a:schemeClr val="lt1"/>
                 </a:solidFill>
@@ -24830,7 +26659,7 @@
               <a:t>    </a:t>
             </a:r>
             <a:r>
-              <a:rPr lang="en-US" sz="2900" b="1" i="0" u="none" strike="noStrike" cap="none">
+              <a:rPr lang="en-US" sz="2400" b="1" i="0" u="none" strike="noStrike" cap="none" dirty="0">
                 <a:solidFill>
                   <a:srgbClr val="FF00FF"/>
                 </a:solidFill>
@@ -24842,7 +26671,7 @@
               <a:t>Repeats</a:t>
             </a:r>
             <a:r>
-              <a:rPr lang="en-US" sz="2900" b="1" i="0" u="none" strike="noStrike" cap="none">
+              <a:rPr lang="en-US" sz="2400" b="1" i="0" u="none" strike="noStrike" cap="none" dirty="0">
                 <a:solidFill>
                   <a:schemeClr val="lt1"/>
                 </a:solidFill>
@@ -24873,7 +26702,7 @@
               <a:buNone/>
             </a:pPr>
             <a:r>
-              <a:rPr lang="en-US" sz="2900" b="1" i="0" u="none" strike="noStrike" cap="none">
+              <a:rPr lang="en-US" sz="2400" b="1" i="0" u="none" strike="noStrike" cap="none" dirty="0">
                 <a:solidFill>
                   <a:srgbClr val="00FF00"/>
                 </a:solidFill>
@@ -24885,7 +26714,7 @@
               <a:t>+</a:t>
             </a:r>
             <a:r>
-              <a:rPr lang="en-US" sz="2900" b="1" i="0" u="none" strike="noStrike" cap="none">
+              <a:rPr lang="en-US" sz="2400" b="1" i="0" u="none" strike="noStrike" cap="none" dirty="0">
                 <a:solidFill>
                   <a:schemeClr val="lt1"/>
                 </a:solidFill>
@@ -24897,7 +26726,7 @@
               <a:t>        </a:t>
             </a:r>
             <a:r>
-              <a:rPr lang="en-US" sz="2900" b="1" i="0" u="none" strike="noStrike" cap="none">
+              <a:rPr lang="en-US" sz="2400" b="1" i="0" u="none" strike="noStrike" cap="none" dirty="0">
                 <a:solidFill>
                   <a:srgbClr val="FF00FF"/>
                 </a:solidFill>
@@ -24909,7 +26738,7 @@
               <a:t>Repeats</a:t>
             </a:r>
             <a:r>
-              <a:rPr lang="en-US" sz="2900" b="1" i="0" u="none" strike="noStrike" cap="none">
+              <a:rPr lang="en-US" sz="2400" b="1" i="0" u="none" strike="noStrike" cap="none" dirty="0">
                 <a:solidFill>
                   <a:schemeClr val="lt1"/>
                 </a:solidFill>
@@ -24940,7 +26769,7 @@
               <a:buNone/>
             </a:pPr>
             <a:r>
-              <a:rPr lang="en-US" sz="2900" b="1" i="0" u="none" strike="noStrike" cap="none">
+              <a:rPr lang="en-US" sz="2400" b="1" i="0" u="none" strike="noStrike" cap="none" dirty="0">
                 <a:solidFill>
                   <a:srgbClr val="00FF00"/>
                 </a:solidFill>
@@ -24952,7 +26781,7 @@
               <a:t>+? </a:t>
             </a:r>
             <a:r>
-              <a:rPr lang="en-US" sz="2900" b="1" i="0" u="none" strike="noStrike" cap="none">
+              <a:rPr lang="en-US" sz="2400" b="1" i="0" u="none" strike="noStrike" cap="none" dirty="0">
                 <a:solidFill>
                   <a:schemeClr val="lt1"/>
                 </a:solidFill>
@@ -24964,7 +26793,7 @@
               <a:t>      </a:t>
             </a:r>
             <a:r>
-              <a:rPr lang="en-US" sz="2900" b="1" i="0" u="none" strike="noStrike" cap="none">
+              <a:rPr lang="en-US" sz="2400" b="1" i="0" u="none" strike="noStrike" cap="none" dirty="0">
                 <a:solidFill>
                   <a:srgbClr val="FF00FF"/>
                 </a:solidFill>
@@ -24976,7 +26805,7 @@
               <a:t>Repeats</a:t>
             </a:r>
             <a:r>
-              <a:rPr lang="en-US" sz="2900" b="1" i="0" u="none" strike="noStrike" cap="none">
+              <a:rPr lang="en-US" sz="2400" b="1" i="0" u="none" strike="noStrike" cap="none" dirty="0">
                 <a:solidFill>
                   <a:schemeClr val="lt1"/>
                 </a:solidFill>
@@ -25007,7 +26836,7 @@
               <a:buNone/>
             </a:pPr>
             <a:r>
-              <a:rPr lang="en-US" sz="2900" b="1" i="0" u="none" strike="noStrike" cap="none">
+              <a:rPr lang="en-US" sz="2400" b="1" i="0" u="none" strike="noStrike" cap="none" dirty="0">
                 <a:solidFill>
                   <a:srgbClr val="00FF00"/>
                 </a:solidFill>
@@ -25016,10 +26845,34 @@
                 <a:cs typeface="Courier New"/>
                 <a:sym typeface="Courier New"/>
               </a:rPr>
-              <a:t>[aeiou]</a:t>
-            </a:r>
-            <a:r>
-              <a:rPr lang="en-US" sz="2900" b="1" i="0" u="none" strike="noStrike" cap="none">
+              <a:t>[</a:t>
+            </a:r>
+            <a:r>
+              <a:rPr lang="en-US" sz="2400" b="1" i="0" u="none" strike="noStrike" cap="none" dirty="0" err="1">
+                <a:solidFill>
+                  <a:srgbClr val="00FF00"/>
+                </a:solidFill>
+                <a:latin typeface="Courier New"/>
+                <a:ea typeface="Courier New"/>
+                <a:cs typeface="Courier New"/>
+                <a:sym typeface="Courier New"/>
+              </a:rPr>
+              <a:t>aeiou</a:t>
+            </a:r>
+            <a:r>
+              <a:rPr lang="en-US" sz="2400" b="1" i="0" u="none" strike="noStrike" cap="none" dirty="0">
+                <a:solidFill>
+                  <a:srgbClr val="00FF00"/>
+                </a:solidFill>
+                <a:latin typeface="Courier New"/>
+                <a:ea typeface="Courier New"/>
+                <a:cs typeface="Courier New"/>
+                <a:sym typeface="Courier New"/>
+              </a:rPr>
+              <a:t>]</a:t>
+            </a:r>
+            <a:r>
+              <a:rPr lang="en-US" sz="2400" b="1" i="0" u="none" strike="noStrike" cap="none" dirty="0">
                 <a:solidFill>
                   <a:schemeClr val="lt1"/>
                 </a:solidFill>
@@ -25031,7 +26884,7 @@
               <a:t>  Matches a single character in the listed </a:t>
             </a:r>
             <a:r>
-              <a:rPr lang="en-US" sz="2900" b="1" i="0" u="none" strike="noStrike" cap="none">
+              <a:rPr lang="en-US" sz="2400" b="1" i="0" u="none" strike="noStrike" cap="none" dirty="0">
                 <a:solidFill>
                   <a:srgbClr val="FF00FF"/>
                 </a:solidFill>
@@ -25062,7 +26915,7 @@
               <a:buNone/>
             </a:pPr>
             <a:r>
-              <a:rPr lang="en-US" sz="2900" b="1" i="0" u="none" strike="noStrike" cap="none">
+              <a:rPr lang="en-US" sz="2400" b="1" i="0" u="none" strike="noStrike" cap="none" dirty="0">
                 <a:solidFill>
                   <a:srgbClr val="00FF00"/>
                 </a:solidFill>
@@ -25074,7 +26927,7 @@
               <a:t>[^XYZ]</a:t>
             </a:r>
             <a:r>
-              <a:rPr lang="en-US" sz="2900" b="1" i="0" u="none" strike="noStrike" cap="none">
+              <a:rPr lang="en-US" sz="2400" b="1" i="0" u="none" strike="noStrike" cap="none" dirty="0">
                 <a:solidFill>
                   <a:schemeClr val="lt1"/>
                 </a:solidFill>
@@ -25086,7 +26939,7 @@
               <a:t>   Matches a single character </a:t>
             </a:r>
             <a:r>
-              <a:rPr lang="en-US" sz="2900" b="1" i="0" u="none" strike="noStrike" cap="none">
+              <a:rPr lang="en-US" sz="2400" b="1" i="0" u="none" strike="noStrike" cap="none" dirty="0">
                 <a:solidFill>
                   <a:srgbClr val="FF00FF"/>
                 </a:solidFill>
@@ -25098,7 +26951,7 @@
               <a:t>not in</a:t>
             </a:r>
             <a:r>
-              <a:rPr lang="en-US" sz="2900" b="1" i="0" u="none" strike="noStrike" cap="none">
+              <a:rPr lang="en-US" sz="2400" b="1" i="0" u="none" strike="noStrike" cap="none" dirty="0">
                 <a:solidFill>
                   <a:schemeClr val="lt1"/>
                 </a:solidFill>
@@ -25110,7 +26963,7 @@
               <a:t> the listed </a:t>
             </a:r>
             <a:r>
-              <a:rPr lang="en-US" sz="2900" b="1" i="0" u="none" strike="noStrike" cap="none">
+              <a:rPr lang="en-US" sz="2400" b="1" i="0" u="none" strike="noStrike" cap="none" dirty="0">
                 <a:solidFill>
                   <a:srgbClr val="FF00FF"/>
                 </a:solidFill>
@@ -25141,7 +26994,7 @@
               <a:buNone/>
             </a:pPr>
             <a:r>
-              <a:rPr lang="en-US" sz="2900" b="1" i="0" u="none" strike="noStrike" cap="none">
+              <a:rPr lang="en-US" sz="2400" b="1" i="0" u="none" strike="noStrike" cap="none" dirty="0">
                 <a:solidFill>
                   <a:srgbClr val="00FF00"/>
                 </a:solidFill>
@@ -25153,7 +27006,7 @@
               <a:t>[a-z0-9]</a:t>
             </a:r>
             <a:r>
-              <a:rPr lang="en-US" sz="2900" b="1" i="0" u="none" strike="noStrike" cap="none">
+              <a:rPr lang="en-US" sz="2400" b="1" i="0" u="none" strike="noStrike" cap="none" dirty="0">
                 <a:solidFill>
                   <a:schemeClr val="lt1"/>
                 </a:solidFill>
@@ -25165,7 +27018,7 @@
               <a:t> The set of characters can include a </a:t>
             </a:r>
             <a:r>
-              <a:rPr lang="en-US" sz="2900" b="1" i="0" u="none" strike="noStrike" cap="none">
+              <a:rPr lang="en-US" sz="2400" b="1" i="0" u="none" strike="noStrike" cap="none" dirty="0">
                 <a:solidFill>
                   <a:srgbClr val="FF00FF"/>
                 </a:solidFill>
@@ -25196,7 +27049,7 @@
               <a:buNone/>
             </a:pPr>
             <a:r>
-              <a:rPr lang="en-US" sz="2900" b="1" i="0" u="none" strike="noStrike" cap="none">
+              <a:rPr lang="en-US" sz="2400" b="1" i="0" u="none" strike="noStrike" cap="none" dirty="0">
                 <a:solidFill>
                   <a:srgbClr val="00FF00"/>
                 </a:solidFill>
@@ -25208,7 +27061,7 @@
               <a:t>( </a:t>
             </a:r>
             <a:r>
-              <a:rPr lang="en-US" sz="2900" b="1" i="0" u="none" strike="noStrike" cap="none">
+              <a:rPr lang="en-US" sz="2400" b="1" i="0" u="none" strike="noStrike" cap="none" dirty="0">
                 <a:solidFill>
                   <a:schemeClr val="lt1"/>
                 </a:solidFill>
@@ -25220,7 +27073,7 @@
               <a:t>       Indicates where string </a:t>
             </a:r>
             <a:r>
-              <a:rPr lang="en-US" sz="2900" b="1" i="0" u="none" strike="noStrike" cap="none">
+              <a:rPr lang="en-US" sz="2400" b="1" i="0" u="none" strike="noStrike" cap="none" dirty="0">
                 <a:solidFill>
                   <a:srgbClr val="FF00FF"/>
                 </a:solidFill>
@@ -25232,7 +27085,7 @@
               <a:t>extraction</a:t>
             </a:r>
             <a:r>
-              <a:rPr lang="en-US" sz="2900" b="1" i="0" u="none" strike="noStrike" cap="none">
+              <a:rPr lang="en-US" sz="2400" b="1" i="0" u="none" strike="noStrike" cap="none" dirty="0">
                 <a:solidFill>
                   <a:schemeClr val="lt1"/>
                 </a:solidFill>
@@ -25263,7 +27116,7 @@
               <a:buNone/>
             </a:pPr>
             <a:r>
-              <a:rPr lang="en-US" sz="2900" b="1" i="0" u="none" strike="noStrike" cap="none">
+              <a:rPr lang="en-US" sz="2400" b="1" i="0" u="none" strike="noStrike" cap="none" dirty="0">
                 <a:solidFill>
                   <a:srgbClr val="00FF00"/>
                 </a:solidFill>
@@ -25275,7 +27128,7 @@
               <a:t>)  </a:t>
             </a:r>
             <a:r>
-              <a:rPr lang="en-US" sz="2900" b="1" i="0" u="none" strike="noStrike" cap="none">
+              <a:rPr lang="en-US" sz="2400" b="1" i="0" u="none" strike="noStrike" cap="none" dirty="0">
                 <a:solidFill>
                   <a:schemeClr val="lt1"/>
                 </a:solidFill>
@@ -25287,7 +27140,7 @@
               <a:t>      Indicates where string </a:t>
             </a:r>
             <a:r>
-              <a:rPr lang="en-US" sz="2900" b="1" i="0" u="none" strike="noStrike" cap="none">
+              <a:rPr lang="en-US" sz="2400" b="1" i="0" u="none" strike="noStrike" cap="none" dirty="0">
                 <a:solidFill>
                   <a:srgbClr val="FF00FF"/>
                 </a:solidFill>
@@ -25299,7 +27152,7 @@
               <a:t>extraction</a:t>
             </a:r>
             <a:r>
-              <a:rPr lang="en-US" sz="2900" b="1" i="0" u="none" strike="noStrike" cap="none">
+              <a:rPr lang="en-US" sz="2400" b="1" i="0" u="none" strike="noStrike" cap="none" dirty="0">
                 <a:solidFill>
                   <a:schemeClr val="lt1"/>
                 </a:solidFill>
@@ -25778,25 +27631,6 @@
       </p:sp>
       <p:sp>
         <p:nvSpPr>
-          <p:cNvPr id="4" name="Text Placeholder 3"/>
-          <p:cNvSpPr>
-            <a:spLocks noGrp="1"/>
-          </p:cNvSpPr>
-          <p:nvPr>
-            <p:ph type="body" idx="1"/>
-          </p:nvPr>
-        </p:nvSpPr>
-        <p:spPr/>
-        <p:txBody>
-          <a:bodyPr/>
-          <a:lstStyle/>
-          <a:p>
-            <a:endParaRPr lang="en-US"/>
-          </a:p>
-        </p:txBody>
-      </p:sp>
-      <p:sp>
-        <p:nvSpPr>
           <p:cNvPr id="259" name="Shape 259"/>
           <p:cNvSpPr txBox="1"/>
           <p:nvPr/>
@@ -25838,7 +27672,7 @@
               <a:buNone/>
             </a:pPr>
             <a:r>
-              <a:rPr lang="en-US" sz="2400" b="1" i="0" u="none" strike="noStrike" cap="none">
+              <a:rPr lang="en-US" sz="2400" b="1" i="0" u="none" strike="noStrike" cap="none" dirty="0">
                 <a:solidFill>
                   <a:srgbClr val="00FF00"/>
                 </a:solidFill>
@@ -25863,7 +27697,7 @@
               </a:spcAft>
               <a:buNone/>
             </a:pPr>
-            <a:endParaRPr sz="2400" b="1" i="0" u="none" strike="noStrike" cap="none">
+            <a:endParaRPr sz="2400" b="1" i="0" u="none" strike="noStrike" cap="none" dirty="0">
               <a:solidFill>
                 <a:srgbClr val="00FF00"/>
               </a:solidFill>
@@ -25892,16 +27726,40 @@
               <a:buNone/>
             </a:pPr>
             <a:r>
-              <a:rPr lang="en-US" sz="2400" b="1" i="0" u="none" strike="noStrike" cap="none">
-                <a:solidFill>
-                  <a:schemeClr val="lt1"/>
-                </a:solidFill>
-                <a:latin typeface="Courier New"/>
-                <a:ea typeface="Courier New"/>
-                <a:cs typeface="Courier New"/>
-                <a:sym typeface="Courier New"/>
-              </a:rPr>
-              <a:t>hand = open('mbox-short.txt')</a:t>
+              <a:rPr lang="en-US" sz="2400" b="1" i="0" u="none" strike="noStrike" cap="none" dirty="0">
+                <a:solidFill>
+                  <a:schemeClr val="lt1"/>
+                </a:solidFill>
+                <a:latin typeface="Courier New"/>
+                <a:ea typeface="Courier New"/>
+                <a:cs typeface="Courier New"/>
+                <a:sym typeface="Courier New"/>
+              </a:rPr>
+              <a:t>hand = open('</a:t>
+            </a:r>
+            <a:r>
+              <a:rPr lang="en-US" sz="2400" b="1" i="0" u="none" strike="noStrike" cap="none" dirty="0" err="1">
+                <a:solidFill>
+                  <a:schemeClr val="lt1"/>
+                </a:solidFill>
+                <a:latin typeface="Courier New"/>
+                <a:ea typeface="Courier New"/>
+                <a:cs typeface="Courier New"/>
+                <a:sym typeface="Courier New"/>
+              </a:rPr>
+              <a:t>mbox-short.txt</a:t>
+            </a:r>
+            <a:r>
+              <a:rPr lang="en-US" sz="2400" b="1" i="0" u="none" strike="noStrike" cap="none" dirty="0">
+                <a:solidFill>
+                  <a:schemeClr val="lt1"/>
+                </a:solidFill>
+                <a:latin typeface="Courier New"/>
+                <a:ea typeface="Courier New"/>
+                <a:cs typeface="Courier New"/>
+                <a:sym typeface="Courier New"/>
+              </a:rPr>
+              <a:t>')</a:t>
             </a:r>
           </a:p>
           <a:p>
@@ -25923,7 +27781,7 @@
               <a:buNone/>
             </a:pPr>
             <a:r>
-              <a:rPr lang="en-US" sz="2400" b="1" i="0" u="none" strike="noStrike" cap="none">
+              <a:rPr lang="en-US" sz="2400" b="1" i="0" u="none" strike="noStrike" cap="none" dirty="0">
                 <a:solidFill>
                   <a:schemeClr val="lt1"/>
                 </a:solidFill>
@@ -25954,16 +27812,40 @@
               <a:buNone/>
             </a:pPr>
             <a:r>
-              <a:rPr lang="en-US" sz="2400" b="1" i="0" u="none" strike="noStrike" cap="none">
-                <a:solidFill>
-                  <a:schemeClr val="lt1"/>
-                </a:solidFill>
-                <a:latin typeface="Courier New"/>
-                <a:ea typeface="Courier New"/>
-                <a:cs typeface="Courier New"/>
-                <a:sym typeface="Courier New"/>
-              </a:rPr>
-              <a:t>    line = line.rstrip()</a:t>
+              <a:rPr lang="en-US" sz="2400" b="1" i="0" u="none" strike="noStrike" cap="none" dirty="0">
+                <a:solidFill>
+                  <a:schemeClr val="lt1"/>
+                </a:solidFill>
+                <a:latin typeface="Courier New"/>
+                <a:ea typeface="Courier New"/>
+                <a:cs typeface="Courier New"/>
+                <a:sym typeface="Courier New"/>
+              </a:rPr>
+              <a:t>    line = </a:t>
+            </a:r>
+            <a:r>
+              <a:rPr lang="en-US" sz="2400" b="1" i="0" u="none" strike="noStrike" cap="none" dirty="0" err="1">
+                <a:solidFill>
+                  <a:schemeClr val="lt1"/>
+                </a:solidFill>
+                <a:latin typeface="Courier New"/>
+                <a:ea typeface="Courier New"/>
+                <a:cs typeface="Courier New"/>
+                <a:sym typeface="Courier New"/>
+              </a:rPr>
+              <a:t>line.rstrip</a:t>
+            </a:r>
+            <a:r>
+              <a:rPr lang="en-US" sz="2400" b="1" i="0" u="none" strike="noStrike" cap="none" dirty="0">
+                <a:solidFill>
+                  <a:schemeClr val="lt1"/>
+                </a:solidFill>
+                <a:latin typeface="Courier New"/>
+                <a:ea typeface="Courier New"/>
+                <a:cs typeface="Courier New"/>
+                <a:sym typeface="Courier New"/>
+              </a:rPr>
+              <a:t>()</a:t>
             </a:r>
           </a:p>
           <a:p>
@@ -25985,7 +27867,7 @@
               <a:buNone/>
             </a:pPr>
             <a:r>
-              <a:rPr lang="en-US" sz="2400" b="1" i="0" u="none" strike="noStrike" cap="none">
+              <a:rPr lang="en-US" sz="2400" b="1" i="0" u="none" strike="noStrike" cap="none" dirty="0">
                 <a:solidFill>
                   <a:schemeClr val="lt1"/>
                 </a:solidFill>
@@ -25997,7 +27879,7 @@
               <a:t>    if </a:t>
             </a:r>
             <a:r>
-              <a:rPr lang="en-US" sz="2400" b="1" i="0" u="none" strike="noStrike" cap="none">
+              <a:rPr lang="en-US" sz="2400" b="1" i="0" u="none" strike="noStrike" cap="none" dirty="0" err="1">
                 <a:solidFill>
                   <a:srgbClr val="00FF00"/>
                 </a:solidFill>
@@ -26006,10 +27888,22 @@
                 <a:cs typeface="Courier New"/>
                 <a:sym typeface="Courier New"/>
               </a:rPr>
-              <a:t>re.search('From:', line)</a:t>
-            </a:r>
-            <a:r>
-              <a:rPr lang="en-US" sz="2400" b="1" i="0" u="none" strike="noStrike" cap="none">
+              <a:t>re.search</a:t>
+            </a:r>
+            <a:r>
+              <a:rPr lang="en-US" sz="2400" b="1" i="0" u="none" strike="noStrike" cap="none" dirty="0">
+                <a:solidFill>
+                  <a:srgbClr val="00FF00"/>
+                </a:solidFill>
+                <a:latin typeface="Courier New"/>
+                <a:ea typeface="Courier New"/>
+                <a:cs typeface="Courier New"/>
+                <a:sym typeface="Courier New"/>
+              </a:rPr>
+              <a:t>('From:', line)</a:t>
+            </a:r>
+            <a:r>
+              <a:rPr lang="en-US" sz="2400" b="1" i="0" u="none" strike="noStrike" cap="none" dirty="0">
                 <a:solidFill>
                   <a:schemeClr val="lt1"/>
                 </a:solidFill>
@@ -26040,17 +27934,38 @@
               <a:buNone/>
             </a:pPr>
             <a:r>
-              <a:rPr lang="en-US" sz="2400" b="1" i="0" u="none" strike="noStrike" cap="none">
-                <a:solidFill>
-                  <a:schemeClr val="lt1"/>
-                </a:solidFill>
-                <a:latin typeface="Courier New"/>
-                <a:ea typeface="Courier New"/>
-                <a:cs typeface="Courier New"/>
-                <a:sym typeface="Courier New"/>
-              </a:rPr>
-              <a:t>        print line</a:t>
-            </a:r>
+              <a:rPr lang="en-US" sz="2400" b="1" i="0" u="none" strike="noStrike" cap="none" dirty="0">
+                <a:solidFill>
+                  <a:schemeClr val="lt1"/>
+                </a:solidFill>
+                <a:latin typeface="Courier New"/>
+                <a:ea typeface="Courier New"/>
+                <a:cs typeface="Courier New"/>
+                <a:sym typeface="Courier New"/>
+              </a:rPr>
+              <a:t>        </a:t>
+            </a:r>
+            <a:r>
+              <a:rPr lang="en-US" sz="2400" b="1" i="0" u="none" strike="noStrike" cap="none" dirty="0" smtClean="0">
+                <a:solidFill>
+                  <a:schemeClr val="lt1"/>
+                </a:solidFill>
+                <a:latin typeface="Courier New"/>
+                <a:ea typeface="Courier New"/>
+                <a:cs typeface="Courier New"/>
+                <a:sym typeface="Courier New"/>
+              </a:rPr>
+              <a:t>print(line)</a:t>
+            </a:r>
+            <a:endParaRPr lang="en-US" sz="2400" b="1" i="0" u="none" strike="noStrike" cap="none" dirty="0">
+              <a:solidFill>
+                <a:schemeClr val="lt1"/>
+              </a:solidFill>
+              <a:latin typeface="Courier New"/>
+              <a:ea typeface="Courier New"/>
+              <a:cs typeface="Courier New"/>
+              <a:sym typeface="Courier New"/>
+            </a:endParaRPr>
           </a:p>
         </p:txBody>
       </p:sp>
@@ -26062,8 +27977,8 @@
         </p:nvSpPr>
         <p:spPr>
           <a:xfrm>
-            <a:off x="576925" y="3652600"/>
-            <a:ext cx="7406099" cy="3232199"/>
+            <a:off x="985838" y="3652600"/>
+            <a:ext cx="6997186" cy="3232199"/>
           </a:xfrm>
           <a:prstGeom prst="rect">
             <a:avLst/>
@@ -26097,16 +28012,40 @@
               <a:buNone/>
             </a:pPr>
             <a:r>
-              <a:rPr lang="en-US" sz="2400" b="1" i="0" u="none" strike="noStrike" cap="none">
-                <a:solidFill>
-                  <a:schemeClr val="lt1"/>
-                </a:solidFill>
-                <a:latin typeface="Courier New"/>
-                <a:ea typeface="Courier New"/>
-                <a:cs typeface="Courier New"/>
-                <a:sym typeface="Courier New"/>
-              </a:rPr>
-              <a:t>hand = open('mbox-short.txt')</a:t>
+              <a:rPr lang="en-US" sz="2400" b="1" i="0" u="none" strike="noStrike" cap="none" dirty="0">
+                <a:solidFill>
+                  <a:schemeClr val="lt1"/>
+                </a:solidFill>
+                <a:latin typeface="Courier New"/>
+                <a:ea typeface="Courier New"/>
+                <a:cs typeface="Courier New"/>
+                <a:sym typeface="Courier New"/>
+              </a:rPr>
+              <a:t>hand = open('</a:t>
+            </a:r>
+            <a:r>
+              <a:rPr lang="en-US" sz="2400" b="1" i="0" u="none" strike="noStrike" cap="none" dirty="0" err="1">
+                <a:solidFill>
+                  <a:schemeClr val="lt1"/>
+                </a:solidFill>
+                <a:latin typeface="Courier New"/>
+                <a:ea typeface="Courier New"/>
+                <a:cs typeface="Courier New"/>
+                <a:sym typeface="Courier New"/>
+              </a:rPr>
+              <a:t>mbox-short.txt</a:t>
+            </a:r>
+            <a:r>
+              <a:rPr lang="en-US" sz="2400" b="1" i="0" u="none" strike="noStrike" cap="none" dirty="0">
+                <a:solidFill>
+                  <a:schemeClr val="lt1"/>
+                </a:solidFill>
+                <a:latin typeface="Courier New"/>
+                <a:ea typeface="Courier New"/>
+                <a:cs typeface="Courier New"/>
+                <a:sym typeface="Courier New"/>
+              </a:rPr>
+              <a:t>')</a:t>
             </a:r>
           </a:p>
           <a:p>
@@ -26128,7 +28067,7 @@
               <a:buNone/>
             </a:pPr>
             <a:r>
-              <a:rPr lang="en-US" sz="2400" b="1" i="0" u="none" strike="noStrike" cap="none">
+              <a:rPr lang="en-US" sz="2400" b="1" i="0" u="none" strike="noStrike" cap="none" dirty="0">
                 <a:solidFill>
                   <a:schemeClr val="lt1"/>
                 </a:solidFill>
@@ -26159,16 +28098,40 @@
               <a:buNone/>
             </a:pPr>
             <a:r>
-              <a:rPr lang="en-US" sz="2400" b="1" i="0" u="none" strike="noStrike" cap="none">
-                <a:solidFill>
-                  <a:schemeClr val="lt1"/>
-                </a:solidFill>
-                <a:latin typeface="Courier New"/>
-                <a:ea typeface="Courier New"/>
-                <a:cs typeface="Courier New"/>
-                <a:sym typeface="Courier New"/>
-              </a:rPr>
-              <a:t>    line = line.rstrip()</a:t>
+              <a:rPr lang="en-US" sz="2400" b="1" i="0" u="none" strike="noStrike" cap="none" dirty="0">
+                <a:solidFill>
+                  <a:schemeClr val="lt1"/>
+                </a:solidFill>
+                <a:latin typeface="Courier New"/>
+                <a:ea typeface="Courier New"/>
+                <a:cs typeface="Courier New"/>
+                <a:sym typeface="Courier New"/>
+              </a:rPr>
+              <a:t>    line = </a:t>
+            </a:r>
+            <a:r>
+              <a:rPr lang="en-US" sz="2400" b="1" i="0" u="none" strike="noStrike" cap="none" dirty="0" err="1">
+                <a:solidFill>
+                  <a:schemeClr val="lt1"/>
+                </a:solidFill>
+                <a:latin typeface="Courier New"/>
+                <a:ea typeface="Courier New"/>
+                <a:cs typeface="Courier New"/>
+                <a:sym typeface="Courier New"/>
+              </a:rPr>
+              <a:t>line.rstrip</a:t>
+            </a:r>
+            <a:r>
+              <a:rPr lang="en-US" sz="2400" b="1" i="0" u="none" strike="noStrike" cap="none" dirty="0">
+                <a:solidFill>
+                  <a:schemeClr val="lt1"/>
+                </a:solidFill>
+                <a:latin typeface="Courier New"/>
+                <a:ea typeface="Courier New"/>
+                <a:cs typeface="Courier New"/>
+                <a:sym typeface="Courier New"/>
+              </a:rPr>
+              <a:t>()</a:t>
             </a:r>
           </a:p>
           <a:p>
@@ -26190,7 +28153,7 @@
               <a:buNone/>
             </a:pPr>
             <a:r>
-              <a:rPr lang="en-US" sz="2400" b="1" i="0" u="none" strike="noStrike" cap="none">
+              <a:rPr lang="en-US" sz="2400" b="1" i="0" u="none" strike="noStrike" cap="none" dirty="0">
                 <a:solidFill>
                   <a:schemeClr val="lt1"/>
                 </a:solidFill>
@@ -26202,7 +28165,7 @@
               <a:t>    if </a:t>
             </a:r>
             <a:r>
-              <a:rPr lang="en-US" sz="2400" b="1" i="0" u="none" strike="noStrike" cap="none">
+              <a:rPr lang="en-US" sz="2400" b="1" i="0" u="none" strike="noStrike" cap="none" dirty="0" err="1">
                 <a:solidFill>
                   <a:srgbClr val="FF00FF"/>
                 </a:solidFill>
@@ -26211,10 +28174,22 @@
                 <a:cs typeface="Courier New"/>
                 <a:sym typeface="Courier New"/>
               </a:rPr>
-              <a:t>line.find('From:')</a:t>
-            </a:r>
-            <a:r>
-              <a:rPr lang="en-US" sz="2400" b="1" i="0" u="none" strike="noStrike" cap="none">
+              <a:t>line.find</a:t>
+            </a:r>
+            <a:r>
+              <a:rPr lang="en-US" sz="2400" b="1" i="0" u="none" strike="noStrike" cap="none" dirty="0">
+                <a:solidFill>
+                  <a:srgbClr val="FF00FF"/>
+                </a:solidFill>
+                <a:latin typeface="Courier New"/>
+                <a:ea typeface="Courier New"/>
+                <a:cs typeface="Courier New"/>
+                <a:sym typeface="Courier New"/>
+              </a:rPr>
+              <a:t>('From:')</a:t>
+            </a:r>
+            <a:r>
+              <a:rPr lang="en-US" sz="2400" b="1" i="0" u="none" strike="noStrike" cap="none" dirty="0">
                 <a:solidFill>
                   <a:schemeClr val="lt1"/>
                 </a:solidFill>
@@ -26245,17 +28220,38 @@
               <a:buNone/>
             </a:pPr>
             <a:r>
-              <a:rPr lang="en-US" sz="2400" b="1" i="0" u="none" strike="noStrike" cap="none">
-                <a:solidFill>
-                  <a:schemeClr val="lt1"/>
-                </a:solidFill>
-                <a:latin typeface="Courier New"/>
-                <a:ea typeface="Courier New"/>
-                <a:cs typeface="Courier New"/>
-                <a:sym typeface="Courier New"/>
-              </a:rPr>
-              <a:t>        print line</a:t>
-            </a:r>
+              <a:rPr lang="en-US" sz="2400" b="1" i="0" u="none" strike="noStrike" cap="none" dirty="0">
+                <a:solidFill>
+                  <a:schemeClr val="lt1"/>
+                </a:solidFill>
+                <a:latin typeface="Courier New"/>
+                <a:ea typeface="Courier New"/>
+                <a:cs typeface="Courier New"/>
+                <a:sym typeface="Courier New"/>
+              </a:rPr>
+              <a:t>        </a:t>
+            </a:r>
+            <a:r>
+              <a:rPr lang="en-US" sz="2400" b="1" i="0" u="none" strike="noStrike" cap="none" dirty="0" smtClean="0">
+                <a:solidFill>
+                  <a:schemeClr val="lt1"/>
+                </a:solidFill>
+                <a:latin typeface="Courier New"/>
+                <a:ea typeface="Courier New"/>
+                <a:cs typeface="Courier New"/>
+                <a:sym typeface="Courier New"/>
+              </a:rPr>
+              <a:t>print(line)</a:t>
+            </a:r>
+            <a:endParaRPr lang="en-US" sz="2400" b="1" i="0" u="none" strike="noStrike" cap="none" dirty="0">
+              <a:solidFill>
+                <a:schemeClr val="lt1"/>
+              </a:solidFill>
+              <a:latin typeface="Courier New"/>
+              <a:ea typeface="Courier New"/>
+              <a:cs typeface="Courier New"/>
+              <a:sym typeface="Courier New"/>
+            </a:endParaRPr>
           </a:p>
         </p:txBody>
       </p:sp>

--- a/lectures3/Pythonlearn-11-Regex.pptx
+++ b/lectures3/Pythonlearn-11-Regex.pptx
@@ -26211,7 +26211,7 @@
         <p:spPr>
           <a:xfrm>
             <a:off x="2565400" y="2539900"/>
-            <a:ext cx="11607801" cy="5462586"/>
+            <a:ext cx="11607801" cy="5194400"/>
           </a:xfrm>
           <a:prstGeom prst="rect">
             <a:avLst/>
@@ -27162,6 +27162,39 @@
                 <a:sym typeface="Courier New"/>
               </a:rPr>
               <a:t> is to end</a:t>
+            </a:r>
+          </a:p>
+        </p:txBody>
+      </p:sp>
+      <p:sp>
+        <p:nvSpPr>
+          <p:cNvPr id="2" name="TextBox 1"/>
+          <p:cNvSpPr txBox="1"/>
+          <p:nvPr/>
+        </p:nvSpPr>
+        <p:spPr>
+          <a:xfrm>
+            <a:off x="2984500" y="8407400"/>
+            <a:ext cx="9376285" cy="461665"/>
+          </a:xfrm>
+          <a:prstGeom prst="rect">
+            <a:avLst/>
+          </a:prstGeom>
+          <a:noFill/>
+        </p:spPr>
+        <p:txBody>
+          <a:bodyPr wrap="none" rtlCol="0">
+            <a:spAutoFit/>
+          </a:bodyPr>
+          <a:lstStyle/>
+          <a:p>
+            <a:r>
+              <a:rPr lang="en-US" sz="2400" dirty="0">
+                <a:solidFill>
+                  <a:srgbClr val="FFFF00"/>
+                </a:solidFill>
+              </a:rPr>
+              <a:t>https://www.py4e.com/lectures3/Pythonlearn-11-Regex-Handout.txt</a:t>
             </a:r>
           </a:p>
         </p:txBody>

--- a/lectures3/Pythonlearn-11-Regex.pptx
+++ b/lectures3/Pythonlearn-11-Regex.pptx
@@ -6283,6 +6283,13 @@
   <p:clrMapOvr>
     <a:masterClrMapping/>
   </p:clrMapOvr>
+  <p:timing>
+    <p:tnLst>
+      <p:par>
+        <p:cTn id="1" dur="indefinite" restart="never" nodeType="tmRoot"/>
+      </p:par>
+    </p:tnLst>
+  </p:timing>
 </p:sld>
 </file>
 
@@ -7108,6 +7115,13 @@
   <p:clrMapOvr>
     <a:masterClrMapping/>
   </p:clrMapOvr>
+  <p:timing>
+    <p:tnLst>
+      <p:par>
+        <p:cTn id="1" dur="indefinite" restart="never" nodeType="tmRoot"/>
+      </p:par>
+    </p:tnLst>
+  </p:timing>
 </p:sld>
 </file>
 
@@ -7657,6 +7671,13 @@
   <p:clrMapOvr>
     <a:masterClrMapping/>
   </p:clrMapOvr>
+  <p:timing>
+    <p:tnLst>
+      <p:par>
+        <p:cTn id="1" dur="indefinite" restart="never" nodeType="tmRoot"/>
+      </p:par>
+    </p:tnLst>
+  </p:timing>
 </p:sld>
 </file>
 
@@ -8565,6 +8586,13 @@
   <p:clrMapOvr>
     <a:masterClrMapping/>
   </p:clrMapOvr>
+  <p:timing>
+    <p:tnLst>
+      <p:par>
+        <p:cTn id="1" dur="indefinite" restart="never" nodeType="tmRoot"/>
+      </p:par>
+    </p:tnLst>
+  </p:timing>
 </p:sld>
 </file>
 
@@ -9335,6 +9363,13 @@
   <p:clrMapOvr>
     <a:masterClrMapping/>
   </p:clrMapOvr>
+  <p:timing>
+    <p:tnLst>
+      <p:par>
+        <p:cTn id="1" dur="indefinite" restart="never" nodeType="tmRoot"/>
+      </p:par>
+    </p:tnLst>
+  </p:timing>
 </p:sld>
 </file>
 
@@ -10071,6 +10106,13 @@
   <p:clrMapOvr>
     <a:masterClrMapping/>
   </p:clrMapOvr>
+  <p:timing>
+    <p:tnLst>
+      <p:par>
+        <p:cTn id="1" dur="indefinite" restart="never" nodeType="tmRoot"/>
+      </p:par>
+    </p:tnLst>
+  </p:timing>
 </p:sld>
 </file>
 
@@ -10707,6 +10749,13 @@
   <p:clrMapOvr>
     <a:masterClrMapping/>
   </p:clrMapOvr>
+  <p:timing>
+    <p:tnLst>
+      <p:par>
+        <p:cTn id="1" dur="indefinite" restart="never" nodeType="tmRoot"/>
+      </p:par>
+    </p:tnLst>
+  </p:timing>
 </p:sld>
 </file>
 
@@ -11306,6 +11355,13 @@
   <p:clrMapOvr>
     <a:masterClrMapping/>
   </p:clrMapOvr>
+  <p:timing>
+    <p:tnLst>
+      <p:par>
+        <p:cTn id="1" dur="indefinite" restart="never" nodeType="tmRoot"/>
+      </p:par>
+    </p:tnLst>
+  </p:timing>
 </p:sld>
 </file>
 
@@ -12250,6 +12306,13 @@
   <p:clrMapOvr>
     <a:masterClrMapping/>
   </p:clrMapOvr>
+  <p:timing>
+    <p:tnLst>
+      <p:par>
+        <p:cTn id="1" dur="indefinite" restart="never" nodeType="tmRoot"/>
+      </p:par>
+    </p:tnLst>
+  </p:timing>
 </p:sld>
 </file>
 
@@ -13081,6 +13144,13 @@
   <p:clrMapOvr>
     <a:masterClrMapping/>
   </p:clrMapOvr>
+  <p:timing>
+    <p:tnLst>
+      <p:par>
+        <p:cTn id="1" dur="indefinite" restart="never" nodeType="tmRoot"/>
+      </p:par>
+    </p:tnLst>
+  </p:timing>
 </p:sld>
 </file>
 
@@ -13892,6 +13962,13 @@
   <p:clrMapOvr>
     <a:masterClrMapping/>
   </p:clrMapOvr>
+  <p:timing>
+    <p:tnLst>
+      <p:par>
+        <p:cTn id="1" dur="indefinite" restart="never" nodeType="tmRoot"/>
+      </p:par>
+    </p:tnLst>
+  </p:timing>
 </p:sld>
 </file>
 
@@ -14209,6 +14286,13 @@
   <p:clrMapOvr>
     <a:masterClrMapping/>
   </p:clrMapOvr>
+  <p:timing>
+    <p:tnLst>
+      <p:par>
+        <p:cTn id="1" dur="indefinite" restart="never" nodeType="tmRoot"/>
+      </p:par>
+    </p:tnLst>
+  </p:timing>
 </p:sld>
 </file>
 
@@ -14575,7 +14659,7 @@
               <a:buNone/>
             </a:pPr>
             <a:r>
-              <a:rPr lang="en-US" sz="4800" b="0" i="0" u="none" strike="noStrike" cap="none">
+              <a:rPr lang="en-US" sz="4800" b="0" i="0" u="none" strike="noStrike" cap="none" dirty="0">
                 <a:solidFill>
                   <a:srgbClr val="FF7F00"/>
                 </a:solidFill>
@@ -14584,10 +14668,10 @@
                 <a:cs typeface="Courier New"/>
                 <a:sym typeface="Courier New"/>
               </a:rPr>
-              <a:t>^From</a:t>
-            </a:r>
-            <a:r>
-              <a:rPr lang="en-US" sz="4800">
+              <a:t>^</a:t>
+            </a:r>
+            <a:r>
+              <a:rPr lang="en-US" sz="4800" b="0" i="0" u="none" strike="noStrike" cap="none" dirty="0" smtClean="0">
                 <a:solidFill>
                   <a:srgbClr val="FF7F00"/>
                 </a:solidFill>
@@ -14596,10 +14680,22 @@
                 <a:cs typeface="Courier New"/>
                 <a:sym typeface="Courier New"/>
               </a:rPr>
-              <a:t>:</a:t>
-            </a:r>
-            <a:r>
-              <a:rPr lang="en-US" sz="4800" b="0" i="0" u="none" strike="noStrike" cap="none">
+              <a:t>From</a:t>
+            </a:r>
+            <a:r>
+              <a:rPr lang="en-US" sz="4800" dirty="0">
+                <a:solidFill>
+                  <a:srgbClr val="FF7F00"/>
+                </a:solidFill>
+                <a:latin typeface="Courier New"/>
+                <a:ea typeface="Courier New"/>
+                <a:cs typeface="Courier New"/>
+                <a:sym typeface="Courier New"/>
+              </a:rPr>
+              <a:t> </a:t>
+            </a:r>
+            <a:r>
+              <a:rPr lang="en-US" sz="4800" b="0" i="0" u="none" strike="noStrike" cap="none" dirty="0" smtClean="0">
                 <a:solidFill>
                   <a:srgbClr val="FF00FF"/>
                 </a:solidFill>
@@ -14611,7 +14707,7 @@
               <a:t>(</a:t>
             </a:r>
             <a:r>
-              <a:rPr lang="en-US" sz="4800" b="0" i="0" u="none" strike="noStrike" cap="none">
+              <a:rPr lang="en-US" sz="4800" b="0" i="0" u="none" strike="noStrike" cap="none" dirty="0" smtClean="0">
                 <a:solidFill>
                   <a:srgbClr val="00FF00"/>
                 </a:solidFill>
@@ -14620,34 +14716,46 @@
                 <a:cs typeface="Courier New"/>
                 <a:sym typeface="Courier New"/>
               </a:rPr>
+              <a:t>\</a:t>
+            </a:r>
+            <a:r>
+              <a:rPr lang="en-US" sz="4800" b="0" i="0" u="none" strike="noStrike" cap="none" dirty="0">
+                <a:solidFill>
+                  <a:srgbClr val="00FF00"/>
+                </a:solidFill>
+                <a:latin typeface="Courier New"/>
+                <a:ea typeface="Courier New"/>
+                <a:cs typeface="Courier New"/>
+                <a:sym typeface="Courier New"/>
+              </a:rPr>
+              <a:t>S+</a:t>
+            </a:r>
+            <a:r>
+              <a:rPr lang="en-US" sz="4800" b="0" i="0" u="none" strike="noStrike" cap="none" dirty="0">
+                <a:solidFill>
+                  <a:srgbClr val="FFFF00"/>
+                </a:solidFill>
+                <a:latin typeface="Courier New"/>
+                <a:ea typeface="Courier New"/>
+                <a:cs typeface="Courier New"/>
+                <a:sym typeface="Courier New"/>
+              </a:rPr>
+              <a:t>@</a:t>
+            </a:r>
+            <a:r>
+              <a:rPr lang="en-US" sz="4800" b="0" i="0" u="none" strike="noStrike" cap="none" dirty="0">
+                <a:solidFill>
+                  <a:srgbClr val="00FF00"/>
+                </a:solidFill>
+                <a:latin typeface="Courier New"/>
+                <a:ea typeface="Courier New"/>
+                <a:cs typeface="Courier New"/>
+                <a:sym typeface="Courier New"/>
+              </a:rPr>
               <a:t>\S+</a:t>
             </a:r>
             <a:r>
-              <a:rPr lang="en-US" sz="4800" b="0" i="0" u="none" strike="noStrike" cap="none">
-                <a:solidFill>
-                  <a:srgbClr val="FFFF00"/>
-                </a:solidFill>
-                <a:latin typeface="Courier New"/>
-                <a:ea typeface="Courier New"/>
-                <a:cs typeface="Courier New"/>
-                <a:sym typeface="Courier New"/>
-              </a:rPr>
-              <a:t>@</a:t>
-            </a:r>
-            <a:r>
-              <a:rPr lang="en-US" sz="4800" b="0" i="0" u="none" strike="noStrike" cap="none">
-                <a:solidFill>
-                  <a:srgbClr val="00FF00"/>
-                </a:solidFill>
-                <a:latin typeface="Courier New"/>
-                <a:ea typeface="Courier New"/>
-                <a:cs typeface="Courier New"/>
-                <a:sym typeface="Courier New"/>
-              </a:rPr>
-              <a:t>\S+</a:t>
-            </a:r>
-            <a:r>
-              <a:rPr lang="en-US" sz="4800" b="0" i="0" u="none" strike="noStrike" cap="none">
+              <a:rPr lang="en-US" sz="4800" b="0" i="0" u="none" strike="noStrike" cap="none" dirty="0">
                 <a:solidFill>
                   <a:srgbClr val="FF00FF"/>
                 </a:solidFill>
@@ -15011,19 +15119,67 @@
                 <a:cs typeface="Courier New"/>
                 <a:sym typeface="Courier New"/>
               </a:rPr>
-              <a:t>^From:.*? (\S+@\S+</a:t>
+              <a:t>^</a:t>
+            </a:r>
+            <a:r>
+              <a:rPr lang="en-US" sz="2800" b="1" i="0" u="none" strike="noStrike" cap="none" dirty="0" smtClean="0">
+                <a:solidFill>
+                  <a:srgbClr val="00FF00"/>
+                </a:solidFill>
+                <a:latin typeface="Courier New"/>
+                <a:ea typeface="Courier New"/>
+                <a:cs typeface="Courier New"/>
+                <a:sym typeface="Courier New"/>
+              </a:rPr>
+              <a:t>From </a:t>
             </a:r>
             <a:r>
               <a:rPr lang="en-US" sz="2800" b="1" i="0" u="none" strike="noStrike" cap="none" dirty="0">
                 <a:solidFill>
-                  <a:schemeClr val="lt1"/>
-                </a:solidFill>
-                <a:latin typeface="Courier New"/>
-                <a:ea typeface="Courier New"/>
-                <a:cs typeface="Courier New"/>
-                <a:sym typeface="Courier New"/>
-              </a:rPr>
-              <a:t>)',x)</a:t>
+                  <a:srgbClr val="00FF00"/>
+                </a:solidFill>
+                <a:latin typeface="Courier New"/>
+                <a:ea typeface="Courier New"/>
+                <a:cs typeface="Courier New"/>
+                <a:sym typeface="Courier New"/>
+              </a:rPr>
+              <a:t>(\S+@\</a:t>
+            </a:r>
+            <a:r>
+              <a:rPr lang="en-US" sz="2800" b="1" i="0" u="none" strike="noStrike" cap="none" dirty="0" smtClean="0">
+                <a:solidFill>
+                  <a:srgbClr val="00FF00"/>
+                </a:solidFill>
+                <a:latin typeface="Courier New"/>
+                <a:ea typeface="Courier New"/>
+                <a:cs typeface="Courier New"/>
+                <a:sym typeface="Courier New"/>
+              </a:rPr>
+              <a:t>S+)</a:t>
+            </a:r>
+            <a:r>
+              <a:rPr lang="en-US" sz="2800" b="1" i="0" u="none" strike="noStrike" cap="none" dirty="0" smtClean="0">
+                <a:solidFill>
+                  <a:schemeClr val="lt1"/>
+                </a:solidFill>
+                <a:latin typeface="Courier New"/>
+                <a:ea typeface="Courier New"/>
+                <a:cs typeface="Courier New"/>
+                <a:sym typeface="Courier New"/>
+              </a:rPr>
+              <a:t>',</a:t>
+            </a:r>
+            <a:r>
+              <a:rPr lang="en-US" sz="2800" b="1" i="0" u="none" strike="noStrike" cap="none" dirty="0">
+                <a:solidFill>
+                  <a:schemeClr val="lt1"/>
+                </a:solidFill>
+                <a:latin typeface="Courier New"/>
+                <a:ea typeface="Courier New"/>
+                <a:cs typeface="Courier New"/>
+                <a:sym typeface="Courier New"/>
+              </a:rPr>
+              <a:t>x)</a:t>
             </a:r>
           </a:p>
           <a:p>
@@ -15140,6 +15296,13 @@
   <p:clrMapOvr>
     <a:masterClrMapping/>
   </p:clrMapOvr>
+  <p:timing>
+    <p:tnLst>
+      <p:par>
+        <p:cTn id="1" dur="indefinite" restart="never" nodeType="tmRoot"/>
+      </p:par>
+    </p:tnLst>
+  </p:timing>
 </p:sld>
 </file>
 
@@ -16338,6 +16501,13 @@
   <p:clrMapOvr>
     <a:masterClrMapping/>
   </p:clrMapOvr>
+  <p:timing>
+    <p:tnLst>
+      <p:par>
+        <p:cTn id="1" dur="indefinite" restart="never" nodeType="tmRoot"/>
+      </p:par>
+    </p:tnLst>
+  </p:timing>
 </p:sld>
 </file>
 
@@ -17016,6 +17186,13 @@
   <p:clrMapOvr>
     <a:masterClrMapping/>
   </p:clrMapOvr>
+  <p:timing>
+    <p:tnLst>
+      <p:par>
+        <p:cTn id="1" dur="indefinite" restart="never" nodeType="tmRoot"/>
+      </p:par>
+    </p:tnLst>
+  </p:timing>
 </p:sld>
 </file>
 
@@ -17708,6 +17885,13 @@
   <p:clrMapOvr>
     <a:masterClrMapping/>
   </p:clrMapOvr>
+  <p:timing>
+    <p:tnLst>
+      <p:par>
+        <p:cTn id="1" dur="indefinite" restart="never" nodeType="tmRoot"/>
+      </p:par>
+    </p:tnLst>
+  </p:timing>
 </p:sld>
 </file>
 
@@ -18497,6 +18681,13 @@
   <p:clrMapOvr>
     <a:masterClrMapping/>
   </p:clrMapOvr>
+  <p:timing>
+    <p:tnLst>
+      <p:par>
+        <p:cTn id="1" dur="indefinite" restart="never" nodeType="tmRoot"/>
+      </p:par>
+    </p:tnLst>
+  </p:timing>
 </p:sld>
 </file>
 
@@ -19227,6 +19418,13 @@
   <p:clrMapOvr>
     <a:masterClrMapping/>
   </p:clrMapOvr>
+  <p:timing>
+    <p:tnLst>
+      <p:par>
+        <p:cTn id="1" dur="indefinite" restart="never" nodeType="tmRoot"/>
+      </p:par>
+    </p:tnLst>
+  </p:timing>
 </p:sld>
 </file>
 
@@ -19969,6 +20167,13 @@
   <p:clrMapOvr>
     <a:masterClrMapping/>
   </p:clrMapOvr>
+  <p:timing>
+    <p:tnLst>
+      <p:par>
+        <p:cTn id="1" dur="indefinite" restart="never" nodeType="tmRoot"/>
+      </p:par>
+    </p:tnLst>
+  </p:timing>
 </p:sld>
 </file>
 
@@ -20735,6 +20940,13 @@
   <p:clrMapOvr>
     <a:masterClrMapping/>
   </p:clrMapOvr>
+  <p:timing>
+    <p:tnLst>
+      <p:par>
+        <p:cTn id="1" dur="indefinite" restart="never" nodeType="tmRoot"/>
+      </p:par>
+    </p:tnLst>
+  </p:timing>
 </p:sld>
 </file>
 
@@ -21427,6 +21639,13 @@
   <p:clrMapOvr>
     <a:masterClrMapping/>
   </p:clrMapOvr>
+  <p:timing>
+    <p:tnLst>
+      <p:par>
+        <p:cTn id="1" dur="indefinite" restart="never" nodeType="tmRoot"/>
+      </p:par>
+    </p:tnLst>
+  </p:timing>
 </p:sld>
 </file>
 
@@ -21547,7 +21766,7 @@
               <a:buNone/>
             </a:pPr>
             <a:r>
-              <a:rPr lang="en-US" sz="5700" b="1" i="0" u="none" strike="noStrike" cap="none">
+              <a:rPr lang="en-US" sz="5700" b="1" i="0" u="none" strike="noStrike" cap="none" dirty="0">
                 <a:solidFill>
                   <a:srgbClr val="FFFF00"/>
                 </a:solidFill>
@@ -21559,7 +21778,7 @@
               <a:t>'^From .*@(</a:t>
             </a:r>
             <a:r>
-              <a:rPr lang="en-US" sz="5700" b="1" i="0" u="none" strike="noStrike" cap="none">
+              <a:rPr lang="en-US" sz="5700" b="1" i="0" u="none" strike="noStrike" cap="none" dirty="0">
                 <a:solidFill>
                   <a:srgbClr val="FF00FF"/>
                 </a:solidFill>
@@ -21568,10 +21787,22 @@
                 <a:cs typeface="Courier New"/>
                 <a:sym typeface="Courier New"/>
               </a:rPr>
-              <a:t>[^ ]</a:t>
-            </a:r>
-            <a:r>
-              <a:rPr lang="en-US" sz="5700" b="1" i="0" u="none" strike="noStrike" cap="none">
+              <a:t>[^ </a:t>
+            </a:r>
+            <a:r>
+              <a:rPr lang="en-US" sz="5700" b="1" i="0" u="none" strike="noStrike" cap="none" dirty="0" smtClean="0">
+                <a:solidFill>
+                  <a:srgbClr val="FF00FF"/>
+                </a:solidFill>
+                <a:latin typeface="Courier New"/>
+                <a:ea typeface="Courier New"/>
+                <a:cs typeface="Courier New"/>
+                <a:sym typeface="Courier New"/>
+              </a:rPr>
+              <a:t>]</a:t>
+            </a:r>
+            <a:r>
+              <a:rPr lang="en-US" sz="5700" b="1" i="0" u="none" strike="noStrike" cap="none" dirty="0" smtClean="0">
                 <a:solidFill>
                   <a:srgbClr val="00FF00"/>
                 </a:solidFill>
@@ -21580,10 +21811,10 @@
                 <a:cs typeface="Courier New"/>
                 <a:sym typeface="Courier New"/>
               </a:rPr>
-              <a:t>*</a:t>
-            </a:r>
-            <a:r>
-              <a:rPr lang="en-US" sz="5700" b="1" i="0" u="none" strike="noStrike" cap="none">
+              <a:t>+</a:t>
+            </a:r>
+            <a:r>
+              <a:rPr lang="en-US" sz="5700" b="1" i="0" u="none" strike="noStrike" cap="none" dirty="0" smtClean="0">
                 <a:solidFill>
                   <a:srgbClr val="FFFF00"/>
                 </a:solidFill>
@@ -21594,6 +21825,15 @@
               </a:rPr>
               <a:t>)'</a:t>
             </a:r>
+            <a:endParaRPr lang="en-US" sz="5700" b="1" i="0" u="none" strike="noStrike" cap="none" dirty="0">
+              <a:solidFill>
+                <a:srgbClr val="FFFF00"/>
+              </a:solidFill>
+              <a:latin typeface="Courier New"/>
+              <a:ea typeface="Courier New"/>
+              <a:cs typeface="Courier New"/>
+              <a:sym typeface="Courier New"/>
+            </a:endParaRPr>
           </a:p>
         </p:txBody>
       </p:sp>
@@ -21903,7 +22143,7 @@
         <p:spPr>
           <a:xfrm>
             <a:off x="466725" y="3503512"/>
-            <a:ext cx="15760800" cy="2814738"/>
+            <a:ext cx="15760800" cy="2739026"/>
           </a:xfrm>
           <a:prstGeom prst="rect">
             <a:avLst/>
@@ -22092,10 +22332,10 @@
                 <a:cs typeface="Courier New"/>
                 <a:sym typeface="Courier New"/>
               </a:rPr>
-              <a:t>^From .*@([^ ]*)</a:t>
-            </a:r>
-            <a:r>
-              <a:rPr lang="en-US" sz="3000" b="1" i="0" u="none" strike="noStrike" cap="none" dirty="0">
+              <a:t>^From .*@([^ </a:t>
+            </a:r>
+            <a:r>
+              <a:rPr lang="en-US" sz="3000" b="1" dirty="0" smtClean="0">
                 <a:solidFill>
                   <a:srgbClr val="FFFF00"/>
                 </a:solidFill>
@@ -22104,10 +22344,22 @@
                 <a:cs typeface="Courier New"/>
                 <a:sym typeface="Courier New"/>
               </a:rPr>
+              <a:t>]+)</a:t>
+            </a:r>
+            <a:r>
+              <a:rPr lang="en-US" sz="3000" b="1" i="0" u="none" strike="noStrike" cap="none" dirty="0" smtClean="0">
+                <a:solidFill>
+                  <a:srgbClr val="FFFF00"/>
+                </a:solidFill>
+                <a:latin typeface="Courier New"/>
+                <a:ea typeface="Courier New"/>
+                <a:cs typeface="Courier New"/>
+                <a:sym typeface="Courier New"/>
+              </a:rPr>
               <a:t>'</a:t>
             </a:r>
             <a:r>
-              <a:rPr lang="en-US" sz="3000" b="1" i="0" u="none" strike="noStrike" cap="none" dirty="0">
+              <a:rPr lang="en-US" sz="3000" b="1" i="0" u="none" strike="noStrike" cap="none" dirty="0" smtClean="0">
                 <a:solidFill>
                   <a:schemeClr val="lt1"/>
                 </a:solidFill>
@@ -22264,6 +22516,13 @@
   <p:clrMapOvr>
     <a:masterClrMapping/>
   </p:clrMapOvr>
+  <p:timing>
+    <p:tnLst>
+      <p:par>
+        <p:cTn id="1" dur="indefinite" restart="never" nodeType="tmRoot"/>
+      </p:par>
+    </p:tnLst>
+  </p:timing>
 </p:sld>
 </file>
 
@@ -22509,6 +22768,13 @@
   <p:clrMapOvr>
     <a:masterClrMapping/>
   </p:clrMapOvr>
+  <p:timing>
+    <p:tnLst>
+      <p:par>
+        <p:cTn id="1" dur="indefinite" restart="never" nodeType="tmRoot"/>
+      </p:par>
+    </p:tnLst>
+  </p:timing>
 </p:sld>
 </file>
 
@@ -22629,6 +22895,18 @@
               <a:buNone/>
             </a:pPr>
             <a:r>
+              <a:rPr lang="en-US" sz="5700" b="1" i="0" u="none" strike="noStrike" cap="none" dirty="0">
+                <a:solidFill>
+                  <a:srgbClr val="FFFF00"/>
+                </a:solidFill>
+                <a:latin typeface="Courier New"/>
+                <a:ea typeface="Courier New"/>
+                <a:cs typeface="Courier New"/>
+                <a:sym typeface="Courier New"/>
+              </a:rPr>
+              <a:t>'^From </a:t>
+            </a:r>
+            <a:r>
               <a:rPr lang="en-US" sz="5700" b="1" i="0" u="none" strike="noStrike" cap="none">
                 <a:solidFill>
                   <a:srgbClr val="FFFF00"/>
@@ -22638,10 +22916,22 @@
                 <a:cs typeface="Courier New"/>
                 <a:sym typeface="Courier New"/>
               </a:rPr>
-              <a:t>'^From .*@([^ ]*</a:t>
-            </a:r>
-            <a:r>
-              <a:rPr lang="en-US" sz="5700" b="1" i="0" u="none" strike="noStrike" cap="none">
+              <a:t>.*@([^ </a:t>
+            </a:r>
+            <a:r>
+              <a:rPr lang="en-US" sz="5700" b="1" i="0" u="none" strike="noStrike" cap="none" smtClean="0">
+                <a:solidFill>
+                  <a:srgbClr val="FFFF00"/>
+                </a:solidFill>
+                <a:latin typeface="Courier New"/>
+                <a:ea typeface="Courier New"/>
+                <a:cs typeface="Courier New"/>
+                <a:sym typeface="Courier New"/>
+              </a:rPr>
+              <a:t>]+</a:t>
+            </a:r>
+            <a:r>
+              <a:rPr lang="en-US" sz="5700" b="1" i="0" u="none" strike="noStrike" cap="none" smtClean="0">
                 <a:solidFill>
                   <a:srgbClr val="00FF00"/>
                 </a:solidFill>
@@ -22653,7 +22943,7 @@
               <a:t>)</a:t>
             </a:r>
             <a:r>
-              <a:rPr lang="en-US" sz="5700" b="1" i="0" u="none" strike="noStrike" cap="none">
+              <a:rPr lang="en-US" sz="5700" b="1" i="0" u="none" strike="noStrike" cap="none" smtClean="0">
                 <a:solidFill>
                   <a:srgbClr val="FFFF00"/>
                 </a:solidFill>
@@ -22664,6 +22954,15 @@
               </a:rPr>
               <a:t>'</a:t>
             </a:r>
+            <a:endParaRPr lang="en-US" sz="5700" b="1" i="0" u="none" strike="noStrike" cap="none" dirty="0">
+              <a:solidFill>
+                <a:srgbClr val="FFFF00"/>
+              </a:solidFill>
+              <a:latin typeface="Courier New"/>
+              <a:ea typeface="Courier New"/>
+              <a:cs typeface="Courier New"/>
+              <a:sym typeface="Courier New"/>
+            </a:endParaRPr>
           </a:p>
         </p:txBody>
       </p:sp>
@@ -23029,10 +23328,10 @@
                 <a:cs typeface="Courier New"/>
                 <a:sym typeface="Courier New"/>
               </a:rPr>
-              <a:t>^From .*@([^ ]*)</a:t>
-            </a:r>
-            <a:r>
-              <a:rPr lang="en-US" sz="3000" b="1" i="0" u="none" strike="noStrike" cap="none" dirty="0">
+              <a:t>^From .*@([^ </a:t>
+            </a:r>
+            <a:r>
+              <a:rPr lang="en-US" sz="3000" b="1" dirty="0" smtClean="0">
                 <a:solidFill>
                   <a:srgbClr val="FFFF00"/>
                 </a:solidFill>
@@ -23041,10 +23340,22 @@
                 <a:cs typeface="Courier New"/>
                 <a:sym typeface="Courier New"/>
               </a:rPr>
+              <a:t>]+)</a:t>
+            </a:r>
+            <a:r>
+              <a:rPr lang="en-US" sz="3000" b="1" i="0" u="none" strike="noStrike" cap="none" dirty="0" smtClean="0">
+                <a:solidFill>
+                  <a:srgbClr val="FFFF00"/>
+                </a:solidFill>
+                <a:latin typeface="Courier New"/>
+                <a:ea typeface="Courier New"/>
+                <a:cs typeface="Courier New"/>
+                <a:sym typeface="Courier New"/>
+              </a:rPr>
               <a:t>'</a:t>
             </a:r>
             <a:r>
-              <a:rPr lang="en-US" sz="3000" b="1" i="0" u="none" strike="noStrike" cap="none" dirty="0">
+              <a:rPr lang="en-US" sz="3000" b="1" i="0" u="none" strike="noStrike" cap="none" dirty="0" smtClean="0">
                 <a:solidFill>
                   <a:schemeClr val="lt1"/>
                 </a:solidFill>
@@ -23201,6 +23512,13 @@
   <p:clrMapOvr>
     <a:masterClrMapping/>
   </p:clrMapOvr>
+  <p:timing>
+    <p:tnLst>
+      <p:par>
+        <p:cTn id="1" dur="indefinite" restart="never" nodeType="tmRoot"/>
+      </p:par>
+    </p:tnLst>
+  </p:timing>
 </p:sld>
 </file>
 
@@ -25643,6 +25961,13 @@
   <p:clrMapOvr>
     <a:masterClrMapping/>
   </p:clrMapOvr>
+  <p:timing>
+    <p:tnLst>
+      <p:par>
+        <p:cTn id="1" dur="indefinite" restart="never" nodeType="tmRoot"/>
+      </p:par>
+    </p:tnLst>
+  </p:timing>
 </p:sld>
 </file>
 
@@ -26002,6 +26327,13 @@
   <p:clrMapOvr>
     <a:masterClrMapping/>
   </p:clrMapOvr>
+  <p:timing>
+    <p:tnLst>
+      <p:par>
+        <p:cTn id="1" dur="indefinite" restart="never" nodeType="tmRoot"/>
+      </p:par>
+    </p:tnLst>
+  </p:timing>
 </p:sld>
 </file>
 
@@ -26125,6 +26457,13 @@
   <p:clrMapOvr>
     <a:masterClrMapping/>
   </p:clrMapOvr>
+  <p:timing>
+    <p:tnLst>
+      <p:par>
+        <p:cTn id="1" dur="indefinite" restart="never" nodeType="tmRoot"/>
+      </p:par>
+    </p:tnLst>
+  </p:timing>
 </p:sld>
 </file>
 
@@ -27204,6 +27543,13 @@
   <p:clrMapOvr>
     <a:masterClrMapping/>
   </p:clrMapOvr>
+  <p:timing>
+    <p:tnLst>
+      <p:par>
+        <p:cTn id="1" dur="indefinite" restart="never" nodeType="tmRoot"/>
+      </p:par>
+    </p:tnLst>
+  </p:timing>
 </p:sld>
 </file>
 
@@ -27549,6 +27895,13 @@
   <p:clrMapOvr>
     <a:masterClrMapping/>
   </p:clrMapOvr>
+  <p:timing>
+    <p:tnLst>
+      <p:par>
+        <p:cTn id="1" dur="indefinite" restart="never" nodeType="tmRoot"/>
+      </p:par>
+    </p:tnLst>
+  </p:timing>
 </p:sld>
 </file>
 
@@ -28293,6 +28646,13 @@
   <p:clrMapOvr>
     <a:masterClrMapping/>
   </p:clrMapOvr>
+  <p:timing>
+    <p:tnLst>
+      <p:par>
+        <p:cTn id="1" dur="indefinite" restart="never" nodeType="tmRoot"/>
+      </p:par>
+    </p:tnLst>
+  </p:timing>
 </p:sld>
 </file>
 

--- a/lectures3/Pythonlearn-11-Regex.pptx
+++ b/lectures3/Pythonlearn-11-Regex.pptx
@@ -5,7 +5,7 @@
     <p:sldMasterId id="2147483703" r:id="rId1"/>
   </p:sldMasterIdLst>
   <p:notesMasterIdLst>
-    <p:notesMasterId r:id="rId36"/>
+    <p:notesMasterId r:id="rId37"/>
   </p:notesMasterIdLst>
   <p:sldIdLst>
     <p:sldId id="256" r:id="rId2"/>
@@ -26,22 +26,23 @@
     <p:sldId id="271" r:id="rId17"/>
     <p:sldId id="272" r:id="rId18"/>
     <p:sldId id="273" r:id="rId19"/>
-    <p:sldId id="274" r:id="rId20"/>
-    <p:sldId id="275" r:id="rId21"/>
-    <p:sldId id="276" r:id="rId22"/>
-    <p:sldId id="277" r:id="rId23"/>
-    <p:sldId id="278" r:id="rId24"/>
-    <p:sldId id="279" r:id="rId25"/>
-    <p:sldId id="280" r:id="rId26"/>
-    <p:sldId id="281" r:id="rId27"/>
-    <p:sldId id="282" r:id="rId28"/>
-    <p:sldId id="283" r:id="rId29"/>
-    <p:sldId id="284" r:id="rId30"/>
-    <p:sldId id="285" r:id="rId31"/>
-    <p:sldId id="286" r:id="rId32"/>
-    <p:sldId id="287" r:id="rId33"/>
-    <p:sldId id="288" r:id="rId34"/>
-    <p:sldId id="289" r:id="rId35"/>
+    <p:sldId id="290" r:id="rId20"/>
+    <p:sldId id="274" r:id="rId21"/>
+    <p:sldId id="275" r:id="rId22"/>
+    <p:sldId id="276" r:id="rId23"/>
+    <p:sldId id="277" r:id="rId24"/>
+    <p:sldId id="278" r:id="rId25"/>
+    <p:sldId id="279" r:id="rId26"/>
+    <p:sldId id="280" r:id="rId27"/>
+    <p:sldId id="281" r:id="rId28"/>
+    <p:sldId id="282" r:id="rId29"/>
+    <p:sldId id="283" r:id="rId30"/>
+    <p:sldId id="284" r:id="rId31"/>
+    <p:sldId id="285" r:id="rId32"/>
+    <p:sldId id="286" r:id="rId33"/>
+    <p:sldId id="287" r:id="rId34"/>
+    <p:sldId id="288" r:id="rId35"/>
+    <p:sldId id="289" r:id="rId36"/>
   </p:sldIdLst>
   <p:sldSz cx="16256000" cy="9144000"/>
   <p:notesSz cx="6858000" cy="9144000"/>
@@ -249,7 +250,18 @@
   </p:defaultTextStyle>
   <p:extLst>
     <p:ext uri="{EFAFB233-063F-42B5-8137-9DF3F51BA10A}">
-      <p15:sldGuideLst xmlns:p15="http://schemas.microsoft.com/office/powerpoint/2012/main"/>
+      <p15:sldGuideLst xmlns:p15="http://schemas.microsoft.com/office/powerpoint/2012/main">
+        <p15:guide id="1" orient="horz" pos="2880">
+          <p15:clr>
+            <a:srgbClr val="A4A3A4"/>
+          </p15:clr>
+        </p15:guide>
+        <p15:guide id="2" pos="5120">
+          <p15:clr>
+            <a:srgbClr val="A4A3A4"/>
+          </p15:clr>
+        </p15:guide>
+      </p15:sldGuideLst>
     </p:ext>
   </p:extLst>
 </p:presentation>
@@ -563,20 +575,46 @@
           </a:bodyPr>
           <a:lstStyle/>
           <a:p>
-            <a:pPr lvl="0">
-              <a:spcBef>
-                <a:spcPts val="0"/>
-              </a:spcBef>
-              <a:buNone/>
-            </a:pPr>
-            <a:r>
-              <a:rPr lang="en-US">
+            <a:pPr marL="0" marR="0" lvl="0" indent="0" algn="l" rtl="0">
+              <a:spcBef>
+                <a:spcPts val="0"/>
+              </a:spcBef>
+              <a:buClr>
+                <a:schemeClr val="dk2"/>
+              </a:buClr>
+              <a:buSzPct val="25000"/>
+              <a:buFont typeface="Arial"/>
+              <a:buNone/>
+            </a:pPr>
+            <a:r>
+              <a:rPr lang="en-US" sz="1100" b="0" i="0" u="none" strike="noStrike" cap="none" dirty="0" smtClean="0">
                 <a:solidFill>
                   <a:schemeClr val="dk2"/>
                 </a:solidFill>
               </a:rPr>
-              <a:t>Note from Chuck.  If you are using these materials, you can remove the UM logo and replace it with your own, but please retain the CC-BY logo on the first page as well as retain the entire last page.</a:t>
-            </a:r>
+              <a:t>Note from Chuck.  If you are using these materials, you can remove the UM logo and replace it with your own, but please retain the CC-BY logo on the first page as well as retain the acknowledgement</a:t>
+            </a:r>
+            <a:r>
+              <a:rPr lang="en-US" sz="1100" b="0" i="0" u="none" strike="noStrike" cap="none" baseline="0" dirty="0" smtClean="0">
+                <a:solidFill>
+                  <a:schemeClr val="dk2"/>
+                </a:solidFill>
+              </a:rPr>
+              <a:t> </a:t>
+            </a:r>
+            <a:r>
+              <a:rPr lang="en-US" sz="1100" b="0" i="0" u="none" strike="noStrike" cap="none" dirty="0" smtClean="0">
+                <a:solidFill>
+                  <a:schemeClr val="dk2"/>
+                </a:solidFill>
+              </a:rPr>
+              <a:t>page(s) at the end.</a:t>
+            </a:r>
+            <a:endParaRPr lang="en-US" sz="1100" b="0" i="0" u="none" strike="noStrike" cap="none" dirty="0">
+              <a:solidFill>
+                <a:schemeClr val="dk2"/>
+              </a:solidFill>
+            </a:endParaRPr>
           </a:p>
         </p:txBody>
       </p:sp>
@@ -4937,7 +4975,7 @@
             </a:lvl9pPr>
           </a:lstStyle>
           <a:p>
-            <a:endParaRPr/>
+            <a:endParaRPr dirty="0"/>
           </a:p>
         </p:txBody>
       </p:sp>
@@ -5118,7 +5156,7 @@
             </a:lvl9pPr>
           </a:lstStyle>
           <a:p>
-            <a:endParaRPr/>
+            <a:endParaRPr dirty="0"/>
           </a:p>
         </p:txBody>
       </p:sp>
@@ -5569,9 +5607,9 @@
           <a:spcPts val="0"/>
         </a:spcAft>
         <a:buNone/>
-        <a:defRPr sz="1400" b="0" i="0" u="none" strike="noStrike" cap="none">
+        <a:defRPr sz="7200" b="0" i="0" u="none" strike="noStrike" cap="none">
           <a:solidFill>
-            <a:srgbClr val="000000"/>
+            <a:srgbClr val="FFFF00"/>
           </a:solidFill>
           <a:latin typeface="Arial"/>
           <a:ea typeface="Arial"/>
@@ -7383,7 +7421,7 @@
         </p:nvSpPr>
         <p:spPr>
           <a:xfrm>
-            <a:off x="1400175" y="5426075"/>
+            <a:off x="1869740" y="5426075"/>
             <a:ext cx="9739500" cy="2216099"/>
           </a:xfrm>
           <a:prstGeom prst="rect">
@@ -7418,7 +7456,7 @@
               <a:buNone/>
             </a:pPr>
             <a:r>
-              <a:rPr lang="en-US" sz="3000" b="1" i="0" u="none" strike="noStrike" cap="none">
+              <a:rPr lang="en-US" sz="3000" b="1" i="0" u="none" strike="noStrike" cap="none" dirty="0">
                 <a:solidFill>
                   <a:srgbClr val="FFFF00"/>
                 </a:solidFill>
@@ -7430,7 +7468,7 @@
               <a:t>X-Sieve:</a:t>
             </a:r>
             <a:r>
-              <a:rPr lang="en-US" sz="3000" b="1" i="0" u="none" strike="noStrike" cap="none">
+              <a:rPr lang="en-US" sz="3000" b="1" i="0" u="none" strike="noStrike" cap="none" dirty="0">
                 <a:solidFill>
                   <a:schemeClr val="lt1"/>
                 </a:solidFill>
@@ -7461,7 +7499,7 @@
               <a:buNone/>
             </a:pPr>
             <a:r>
-              <a:rPr lang="en-US" sz="3000" b="1" i="0" u="none" strike="noStrike" cap="none">
+              <a:rPr lang="en-US" sz="3000" b="1" i="0" u="none" strike="noStrike" cap="none" dirty="0">
                 <a:solidFill>
                   <a:srgbClr val="FFFF00"/>
                 </a:solidFill>
@@ -7473,7 +7511,7 @@
               <a:t>X-DSPAM-Result:</a:t>
             </a:r>
             <a:r>
-              <a:rPr lang="en-US" sz="3000" b="1" i="0" u="none" strike="noStrike" cap="none">
+              <a:rPr lang="en-US" sz="3000" b="1" i="0" u="none" strike="noStrike" cap="none" dirty="0">
                 <a:solidFill>
                   <a:schemeClr val="lt1"/>
                 </a:solidFill>
@@ -7504,7 +7542,7 @@
               <a:buNone/>
             </a:pPr>
             <a:r>
-              <a:rPr lang="en-US" sz="3000" b="1" i="0" u="none" strike="noStrike" cap="none">
+              <a:rPr lang="en-US" sz="3000" b="1" i="0" u="none" strike="noStrike" cap="none" dirty="0">
                 <a:solidFill>
                   <a:srgbClr val="FFFF00"/>
                 </a:solidFill>
@@ -7516,7 +7554,7 @@
               <a:t>X-DSPAM-Confidence: </a:t>
             </a:r>
             <a:r>
-              <a:rPr lang="en-US" sz="3000" b="1" i="0" u="none" strike="noStrike" cap="none">
+              <a:rPr lang="en-US" sz="3000" b="1" i="0" u="none" strike="noStrike" cap="none" dirty="0">
                 <a:solidFill>
                   <a:schemeClr val="lt1"/>
                 </a:solidFill>
@@ -7547,7 +7585,7 @@
               <a:buNone/>
             </a:pPr>
             <a:r>
-              <a:rPr lang="en-US" sz="3000" b="1" i="0" u="none" strike="noStrike" cap="none">
+              <a:rPr lang="en-US" sz="3000" b="1" i="0" u="none" strike="noStrike" cap="none" dirty="0">
                 <a:solidFill>
                   <a:srgbClr val="FFFF00"/>
                 </a:solidFill>
@@ -7559,7 +7597,7 @@
               <a:t>X-Content-Type-Message-Body: </a:t>
             </a:r>
             <a:r>
-              <a:rPr lang="en-US" sz="3000" b="1" i="0" u="none" strike="noStrike" cap="none">
+              <a:rPr lang="en-US" sz="3000" b="1" i="0" u="none" strike="noStrike" cap="none" dirty="0">
                 <a:solidFill>
                   <a:schemeClr val="lt1"/>
                 </a:solidFill>
@@ -7939,7 +7977,7 @@
         </p:nvSpPr>
         <p:spPr>
           <a:xfrm>
-            <a:off x="1247775" y="5426075"/>
+            <a:off x="1877019" y="5408975"/>
             <a:ext cx="9507300" cy="2216099"/>
           </a:xfrm>
           <a:prstGeom prst="rect">
@@ -7974,7 +8012,7 @@
               <a:buNone/>
             </a:pPr>
             <a:r>
-              <a:rPr lang="en-US" sz="3000" b="1" i="0" u="none" strike="noStrike" cap="none">
+              <a:rPr lang="en-US" sz="3000" b="1" i="0" u="none" strike="noStrike" cap="none" dirty="0">
                 <a:solidFill>
                   <a:srgbClr val="FFFF00"/>
                 </a:solidFill>
@@ -7986,7 +8024,7 @@
               <a:t>X</a:t>
             </a:r>
             <a:r>
-              <a:rPr lang="en-US" sz="3000" b="1" i="0" u="none" strike="noStrike" cap="none">
+              <a:rPr lang="en-US" sz="3000" b="1" i="0" u="none" strike="noStrike" cap="none" dirty="0">
                 <a:solidFill>
                   <a:srgbClr val="00FF00"/>
                 </a:solidFill>
@@ -7998,7 +8036,7 @@
               <a:t>-Sieve</a:t>
             </a:r>
             <a:r>
-              <a:rPr lang="en-US" sz="3000" b="1" i="0" u="none" strike="noStrike" cap="none">
+              <a:rPr lang="en-US" sz="3000" b="1" i="0" u="none" strike="noStrike" cap="none" dirty="0">
                 <a:solidFill>
                   <a:srgbClr val="FFFF00"/>
                 </a:solidFill>
@@ -8010,7 +8048,7 @@
               <a:t>: </a:t>
             </a:r>
             <a:r>
-              <a:rPr lang="en-US" sz="3000" b="1" i="0" u="none" strike="noStrike" cap="none">
+              <a:rPr lang="en-US" sz="3000" b="1" i="0" u="none" strike="noStrike" cap="none" dirty="0">
                 <a:solidFill>
                   <a:schemeClr val="lt1"/>
                 </a:solidFill>
@@ -8041,7 +8079,7 @@
               <a:buNone/>
             </a:pPr>
             <a:r>
-              <a:rPr lang="en-US" sz="3000" b="1" i="0" u="none" strike="noStrike" cap="none">
+              <a:rPr lang="en-US" sz="3000" b="1" i="0" u="none" strike="noStrike" cap="none" dirty="0">
                 <a:solidFill>
                   <a:srgbClr val="FFFF00"/>
                 </a:solidFill>
@@ -8053,7 +8091,7 @@
               <a:t>X</a:t>
             </a:r>
             <a:r>
-              <a:rPr lang="en-US" sz="3000" b="1" i="0" u="none" strike="noStrike" cap="none">
+              <a:rPr lang="en-US" sz="3000" b="1" i="0" u="none" strike="noStrike" cap="none" dirty="0">
                 <a:solidFill>
                   <a:srgbClr val="00FF00"/>
                 </a:solidFill>
@@ -8065,7 +8103,7 @@
               <a:t>-DSPAM-Result</a:t>
             </a:r>
             <a:r>
-              <a:rPr lang="en-US" sz="3000" b="1" i="0" u="none" strike="noStrike" cap="none">
+              <a:rPr lang="en-US" sz="3000" b="1" i="0" u="none" strike="noStrike" cap="none" dirty="0">
                 <a:solidFill>
                   <a:srgbClr val="FFFF00"/>
                 </a:solidFill>
@@ -8077,7 +8115,7 @@
               <a:t>: </a:t>
             </a:r>
             <a:r>
-              <a:rPr lang="en-US" sz="3000" b="1" i="0" u="none" strike="noStrike" cap="none">
+              <a:rPr lang="en-US" sz="3000" b="1" i="0" u="none" strike="noStrike" cap="none" dirty="0">
                 <a:solidFill>
                   <a:schemeClr val="lt1"/>
                 </a:solidFill>
@@ -8108,7 +8146,7 @@
               <a:buNone/>
             </a:pPr>
             <a:r>
-              <a:rPr lang="en-US" sz="3000" b="1" i="0" u="none" strike="noStrike" cap="none">
+              <a:rPr lang="en-US" sz="3000" b="1" i="0" u="none" strike="noStrike" cap="none" dirty="0">
                 <a:solidFill>
                   <a:srgbClr val="FFFF00"/>
                 </a:solidFill>
@@ -8120,7 +8158,7 @@
               <a:t>X</a:t>
             </a:r>
             <a:r>
-              <a:rPr lang="en-US" sz="3000" b="1" i="0" u="none" strike="noStrike" cap="none">
+              <a:rPr lang="en-US" sz="3000" b="1" i="0" u="none" strike="noStrike" cap="none" dirty="0">
                 <a:solidFill>
                   <a:srgbClr val="00FF00"/>
                 </a:solidFill>
@@ -8132,7 +8170,7 @@
               <a:t>-DSPAM-Confidence</a:t>
             </a:r>
             <a:r>
-              <a:rPr lang="en-US" sz="3000" b="1" i="0" u="none" strike="noStrike" cap="none">
+              <a:rPr lang="en-US" sz="3000" b="1" i="0" u="none" strike="noStrike" cap="none" dirty="0">
                 <a:solidFill>
                   <a:srgbClr val="FFFF00"/>
                 </a:solidFill>
@@ -8144,7 +8182,7 @@
               <a:t>:</a:t>
             </a:r>
             <a:r>
-              <a:rPr lang="en-US" sz="3000" b="1" i="0" u="none" strike="noStrike" cap="none">
+              <a:rPr lang="en-US" sz="3000" b="1" i="0" u="none" strike="noStrike" cap="none" dirty="0">
                 <a:solidFill>
                   <a:schemeClr val="lt1"/>
                 </a:solidFill>
@@ -8175,7 +8213,7 @@
               <a:buNone/>
             </a:pPr>
             <a:r>
-              <a:rPr lang="en-US" sz="3000" b="1" i="0" u="none" strike="noStrike" cap="none">
+              <a:rPr lang="en-US" sz="3000" b="1" i="0" u="none" strike="noStrike" cap="none" dirty="0">
                 <a:solidFill>
                   <a:srgbClr val="FFFF00"/>
                 </a:solidFill>
@@ -8187,7 +8225,7 @@
               <a:t>X</a:t>
             </a:r>
             <a:r>
-              <a:rPr lang="en-US" sz="3000" b="1" i="0" u="none" strike="noStrike" cap="none">
+              <a:rPr lang="en-US" sz="3000" b="1" i="0" u="none" strike="noStrike" cap="none" dirty="0">
                 <a:solidFill>
                   <a:srgbClr val="00FF00"/>
                 </a:solidFill>
@@ -8199,7 +8237,7 @@
               <a:t>-Content-Type-Message-Body</a:t>
             </a:r>
             <a:r>
-              <a:rPr lang="en-US" sz="3000" b="1" i="0" u="none" strike="noStrike" cap="none">
+              <a:rPr lang="en-US" sz="3000" b="1" i="0" u="none" strike="noStrike" cap="none" dirty="0">
                 <a:solidFill>
                   <a:srgbClr val="FFFF00"/>
                 </a:solidFill>
@@ -8211,7 +8249,7 @@
               <a:t>: </a:t>
             </a:r>
             <a:r>
-              <a:rPr lang="en-US" sz="3000" b="1" i="0" u="none" strike="noStrike" cap="none">
+              <a:rPr lang="en-US" sz="3000" b="1" i="0" u="none" strike="noStrike" cap="none" dirty="0">
                 <a:solidFill>
                   <a:schemeClr val="lt1"/>
                 </a:solidFill>
@@ -8699,7 +8737,7 @@
           </a:bodyPr>
           <a:lstStyle/>
           <a:p>
-            <a:pPr marL="457200" marR="0" lvl="0" indent="-457200" algn="l" rtl="0">
+            <a:pPr marL="0" marR="0" lvl="0" indent="0" algn="l" rtl="0">
               <a:lnSpc>
                 <a:spcPct val="100000"/>
               </a:lnSpc>
@@ -8710,7 +8748,7 @@
                 <a:spcPts val="0"/>
               </a:spcAft>
               <a:buSzPct val="100000"/>
-              <a:buFont typeface="Cabin"/>
+              <a:buNone/>
             </a:pPr>
             <a:r>
               <a:rPr lang="en-US" sz="3600" u="none" strike="noStrike" cap="none" dirty="0">
@@ -8783,7 +8821,7 @@
         </p:nvSpPr>
         <p:spPr>
           <a:xfrm>
-            <a:off x="1247775" y="5467350"/>
+            <a:off x="1247775" y="5478023"/>
             <a:ext cx="8796300" cy="2184300"/>
           </a:xfrm>
           <a:prstGeom prst="rect">
@@ -8818,7 +8856,7 @@
               <a:buNone/>
             </a:pPr>
             <a:r>
-              <a:rPr lang="en-US" sz="3000" b="1" i="0" u="none" strike="noStrike" cap="none">
+              <a:rPr lang="en-US" sz="3000" b="1" i="0" u="none" strike="noStrike" cap="none" dirty="0">
                 <a:solidFill>
                   <a:srgbClr val="FFFF00"/>
                 </a:solidFill>
@@ -8830,7 +8868,7 @@
               <a:t>X</a:t>
             </a:r>
             <a:r>
-              <a:rPr lang="en-US" sz="3000" b="1" i="0" u="none" strike="noStrike" cap="none">
+              <a:rPr lang="en-US" sz="3000" b="1" i="0" u="none" strike="noStrike" cap="none" dirty="0">
                 <a:solidFill>
                   <a:srgbClr val="00FF00"/>
                 </a:solidFill>
@@ -8842,7 +8880,7 @@
               <a:t>-Sieve</a:t>
             </a:r>
             <a:r>
-              <a:rPr lang="en-US" sz="3000" b="1" i="0" u="none" strike="noStrike" cap="none">
+              <a:rPr lang="en-US" sz="3000" b="1" i="0" u="none" strike="noStrike" cap="none" dirty="0">
                 <a:solidFill>
                   <a:srgbClr val="FFFF00"/>
                 </a:solidFill>
@@ -8854,7 +8892,7 @@
               <a:t>: </a:t>
             </a:r>
             <a:r>
-              <a:rPr lang="en-US" sz="3000" b="1" i="0" u="none" strike="noStrike" cap="none">
+              <a:rPr lang="en-US" sz="3000" b="1" i="0" u="none" strike="noStrike" cap="none" dirty="0">
                 <a:solidFill>
                   <a:schemeClr val="lt1"/>
                 </a:solidFill>
@@ -8885,7 +8923,7 @@
               <a:buNone/>
             </a:pPr>
             <a:r>
-              <a:rPr lang="en-US" sz="3000" b="1" i="0" u="none" strike="noStrike" cap="none">
+              <a:rPr lang="en-US" sz="3000" b="1" i="0" u="none" strike="noStrike" cap="none" dirty="0">
                 <a:solidFill>
                   <a:srgbClr val="FFFF00"/>
                 </a:solidFill>
@@ -8897,7 +8935,7 @@
               <a:t>X</a:t>
             </a:r>
             <a:r>
-              <a:rPr lang="en-US" sz="3000" b="1" i="0" u="none" strike="noStrike" cap="none">
+              <a:rPr lang="en-US" sz="3000" b="1" i="0" u="none" strike="noStrike" cap="none" dirty="0">
                 <a:solidFill>
                   <a:srgbClr val="00FF00"/>
                 </a:solidFill>
@@ -8909,7 +8947,7 @@
               <a:t>-DSPAM-Result</a:t>
             </a:r>
             <a:r>
-              <a:rPr lang="en-US" sz="3000" b="1" i="0" u="none" strike="noStrike" cap="none">
+              <a:rPr lang="en-US" sz="3000" b="1" i="0" u="none" strike="noStrike" cap="none" dirty="0">
                 <a:solidFill>
                   <a:srgbClr val="FFFF00"/>
                 </a:solidFill>
@@ -8921,7 +8959,7 @@
               <a:t>: </a:t>
             </a:r>
             <a:r>
-              <a:rPr lang="en-US" sz="3000" b="1" i="0" u="none" strike="noStrike" cap="none">
+              <a:rPr lang="en-US" sz="3000" b="1" i="0" u="none" strike="noStrike" cap="none" dirty="0">
                 <a:solidFill>
                   <a:schemeClr val="lt1"/>
                 </a:solidFill>
@@ -8952,7 +8990,7 @@
               <a:buNone/>
             </a:pPr>
             <a:r>
-              <a:rPr lang="en-US" sz="3000" b="1" i="0" u="none" strike="noStrike" cap="none">
+              <a:rPr lang="en-US" sz="3000" b="1" i="0" u="none" strike="noStrike" cap="none" dirty="0">
                 <a:solidFill>
                   <a:srgbClr val="FFFF00"/>
                 </a:solidFill>
@@ -8964,7 +9002,7 @@
               <a:t>X-</a:t>
             </a:r>
             <a:r>
-              <a:rPr lang="en-US" sz="3000" b="1" i="0" u="none" strike="noStrike" cap="none">
+              <a:rPr lang="en-US" sz="3000" b="1" i="0" u="none" strike="noStrike" cap="none" dirty="0">
                 <a:solidFill>
                   <a:srgbClr val="00FF00"/>
                 </a:solidFill>
@@ -8976,7 +9014,7 @@
               <a:t>Plane is behind schedule</a:t>
             </a:r>
             <a:r>
-              <a:rPr lang="en-US" sz="3000" b="1" i="0" u="none" strike="noStrike" cap="none">
+              <a:rPr lang="en-US" sz="3000" b="1" i="0" u="none" strike="noStrike" cap="none" dirty="0">
                 <a:solidFill>
                   <a:srgbClr val="FFFF00"/>
                 </a:solidFill>
@@ -8988,7 +9026,7 @@
               <a:t>: </a:t>
             </a:r>
             <a:r>
-              <a:rPr lang="en-US" sz="3000" b="1" i="0" u="none" strike="noStrike" cap="none">
+              <a:rPr lang="en-US" sz="3000" b="1" i="0" u="none" strike="noStrike" cap="none" dirty="0">
                 <a:solidFill>
                   <a:schemeClr val="lt1"/>
                 </a:solidFill>
@@ -9115,8 +9153,8 @@
         </p:nvSpPr>
         <p:spPr>
           <a:xfrm>
-            <a:off x="7351711" y="5143500"/>
-            <a:ext cx="4962599" cy="622199"/>
+            <a:off x="8728389" y="4999353"/>
+            <a:ext cx="3619021" cy="1287147"/>
           </a:xfrm>
           <a:prstGeom prst="rect">
             <a:avLst/>
@@ -9476,7 +9514,7 @@
           </a:bodyPr>
           <a:lstStyle/>
           <a:p>
-            <a:pPr marL="457200" marR="0" lvl="0" indent="-457200" algn="l" rtl="0">
+            <a:pPr marL="0" marR="0" lvl="0" indent="0" algn="l" rtl="0">
               <a:lnSpc>
                 <a:spcPct val="100000"/>
               </a:lnSpc>
@@ -9487,7 +9525,7 @@
                 <a:spcPts val="0"/>
               </a:spcAft>
               <a:buSzPct val="100000"/>
-              <a:buFont typeface="Cabin"/>
+              <a:buNone/>
             </a:pPr>
             <a:r>
               <a:rPr lang="en-US" sz="3600" u="none" strike="noStrike" cap="none">
@@ -9560,7 +9598,7 @@
         </p:nvSpPr>
         <p:spPr>
           <a:xfrm>
-            <a:off x="1247775" y="5441950"/>
+            <a:off x="1247775" y="5463296"/>
             <a:ext cx="8781600" cy="2184300"/>
           </a:xfrm>
           <a:prstGeom prst="rect">
@@ -9856,8 +9894,8 @@
         </p:nvSpPr>
         <p:spPr>
           <a:xfrm>
-            <a:off x="7351711" y="5143500"/>
-            <a:ext cx="4962525" cy="622299"/>
+            <a:off x="8248152" y="4941550"/>
+            <a:ext cx="3885819" cy="1195364"/>
           </a:xfrm>
           <a:prstGeom prst="rect">
             <a:avLst/>
@@ -10050,14 +10088,12 @@
       <p:cxnSp>
         <p:nvCxnSpPr>
           <p:cNvPr id="317" name="Shape 317"/>
-          <p:cNvCxnSpPr>
-            <a:endCxn id="315" idx="2"/>
-          </p:cNvCxnSpPr>
+          <p:cNvCxnSpPr/>
           <p:nvPr/>
         </p:nvCxnSpPr>
         <p:spPr>
           <a:xfrm rot="10800000" flipH="1">
-            <a:off x="14238475" y="5797550"/>
+            <a:off x="14313179" y="5797550"/>
             <a:ext cx="357000" cy="632400"/>
           </a:xfrm>
           <a:prstGeom prst="straightConnector1">
@@ -10083,7 +10119,7 @@
         </p:nvCxnSpPr>
         <p:spPr>
           <a:xfrm rot="10800000">
-            <a:off x="11615736" y="5797550"/>
+            <a:off x="11583720" y="5797550"/>
             <a:ext cx="285750" cy="528637"/>
           </a:xfrm>
           <a:prstGeom prst="straightConnector1">
@@ -10237,19 +10273,7 @@
               <a:buChar char="•"/>
             </a:pPr>
             <a:r>
-              <a:rPr lang="en-US" sz="3600" u="none" strike="noStrike" cap="none" dirty="0">
-                <a:solidFill>
-                  <a:schemeClr val="lt1"/>
-                </a:solidFill>
-                <a:latin typeface="Arial Regular" charset="0"/>
-                <a:ea typeface="Arial Regular" charset="0"/>
-                <a:cs typeface="Arial Regular" charset="0"/>
-                <a:sym typeface="Cabin"/>
-              </a:rPr>
-              <a:t>The </a:t>
-            </a:r>
-            <a:r>
-              <a:rPr lang="en-US" sz="3600" u="none" strike="noStrike" cap="none" dirty="0" err="1">
+              <a:rPr lang="en-US" sz="3600" u="none" strike="noStrike" cap="none" smtClean="0">
                 <a:solidFill>
                   <a:srgbClr val="FF00FF"/>
                 </a:solidFill>
@@ -10846,7 +10870,7 @@
         <p:spPr>
           <a:xfrm>
             <a:off x="1155700" y="2603501"/>
-            <a:ext cx="13932000" cy="2082800"/>
+            <a:ext cx="13932000" cy="1537581"/>
           </a:xfrm>
           <a:prstGeom prst="rect">
             <a:avLst/>
@@ -10862,7 +10886,7 @@
           </a:bodyPr>
           <a:lstStyle/>
           <a:p>
-            <a:pPr marL="457200" marR="0" lvl="0" indent="-457200" algn="l" rtl="0">
+            <a:pPr marL="0" marR="0" lvl="0" indent="0" algn="l" rtl="0">
               <a:lnSpc>
                 <a:spcPct val="100000"/>
               </a:lnSpc>
@@ -10873,7 +10897,7 @@
                 <a:spcPts val="0"/>
               </a:spcAft>
               <a:buSzPct val="100000"/>
-              <a:buFont typeface="Cabin"/>
+              <a:buNone/>
             </a:pPr>
             <a:r>
               <a:rPr lang="en-US" sz="3600" u="none" strike="noStrike" cap="none" dirty="0">
@@ -11474,6 +11498,10 @@
           </p:nvPr>
         </p:nvSpPr>
         <p:spPr>
+          <a:xfrm>
+            <a:off x="760839" y="2603500"/>
+            <a:ext cx="13932000" cy="1565270"/>
+          </a:xfrm>
           <a:prstGeom prst="rect">
             <a:avLst/>
           </a:prstGeom>
@@ -11488,7 +11516,7 @@
           </a:bodyPr>
           <a:lstStyle/>
           <a:p>
-            <a:pPr marL="749300" marR="0" lvl="0" indent="-371094" algn="l" rtl="0">
+            <a:pPr marL="378206" marR="0" lvl="0" indent="0" algn="l" rtl="0">
               <a:lnSpc>
                 <a:spcPct val="100000"/>
               </a:lnSpc>
@@ -11502,8 +11530,7 @@
                 <a:schemeClr val="lt1"/>
               </a:buClr>
               <a:buSzPct val="100000"/>
-              <a:buFont typeface="Cabin"/>
-              <a:buChar char="•"/>
+              <a:buNone/>
             </a:pPr>
             <a:r>
               <a:rPr lang="en-US" sz="3600" u="none" strike="noStrike" cap="none" dirty="0">
@@ -12213,7 +12240,19 @@
                 <a:cs typeface="Arial Regular" charset="0"/>
                 <a:sym typeface="Cabin"/>
               </a:rPr>
-              <a:t>Last character in the match is a :</a:t>
+              <a:t>Last character in the match is a </a:t>
+            </a:r>
+            <a:r>
+              <a:rPr lang="en-US" sz="3600" b="1" u="none" strike="noStrike" cap="none">
+                <a:solidFill>
+                  <a:srgbClr val="FFFF00"/>
+                </a:solidFill>
+                <a:latin typeface="Arial Regular" charset="0"/>
+                <a:ea typeface="Arial Regular" charset="0"/>
+                <a:cs typeface="Arial Regular" charset="0"/>
+                <a:sym typeface="Cabin"/>
+              </a:rPr>
+              <a:t>:</a:t>
             </a:r>
           </a:p>
         </p:txBody>
@@ -12413,6 +12452,10 @@
           </p:nvPr>
         </p:nvSpPr>
         <p:spPr>
+          <a:xfrm>
+            <a:off x="899574" y="2581469"/>
+            <a:ext cx="11160599" cy="1526909"/>
+          </a:xfrm>
           <a:prstGeom prst="rect">
             <a:avLst/>
           </a:prstGeom>
@@ -12427,7 +12470,7 @@
           </a:bodyPr>
           <a:lstStyle/>
           <a:p>
-            <a:pPr marL="749300" marR="0" lvl="0" indent="-371094" algn="l" rtl="0">
+            <a:pPr marL="378206" marR="0" lvl="0" indent="0" algn="l" rtl="0">
               <a:lnSpc>
                 <a:spcPct val="100000"/>
               </a:lnSpc>
@@ -12441,8 +12484,7 @@
                 <a:schemeClr val="lt1"/>
               </a:buClr>
               <a:buSzPct val="100000"/>
-              <a:buFont typeface="Cabin"/>
-              <a:buChar char="•"/>
+              <a:buNone/>
             </a:pPr>
             <a:r>
               <a:rPr lang="en-US" sz="3600" u="none" strike="noStrike" cap="none" dirty="0">
@@ -13106,7 +13148,19 @@
                 <a:cs typeface="Arial Regular" charset="0"/>
                 <a:sym typeface="Cabin"/>
               </a:rPr>
-              <a:t>Last character in the match is a :</a:t>
+              <a:t>Last character in the match is a </a:t>
+            </a:r>
+            <a:r>
+              <a:rPr lang="en-US" sz="3600" b="1" u="none" strike="noStrike" cap="none">
+                <a:solidFill>
+                  <a:srgbClr val="FFFF00"/>
+                </a:solidFill>
+                <a:latin typeface="Arial Regular" charset="0"/>
+                <a:ea typeface="Arial Regular" charset="0"/>
+                <a:cs typeface="Arial Regular" charset="0"/>
+                <a:sym typeface="Cabin"/>
+              </a:rPr>
+              <a:t>:</a:t>
             </a:r>
           </a:p>
         </p:txBody>
@@ -13159,7 +13213,7 @@
   <p:cSld>
     <p:spTree>
       <p:nvGrpSpPr>
-        <p:cNvPr id="1" name="Shape 368"/>
+        <p:cNvPr id="1" name=""/>
         <p:cNvGrpSpPr/>
         <p:nvPr/>
       </p:nvGrpSpPr>
@@ -13173,802 +13227,45 @@
       </p:grpSpPr>
       <p:sp>
         <p:nvSpPr>
-          <p:cNvPr id="369" name="Shape 369"/>
-          <p:cNvSpPr txBox="1">
+          <p:cNvPr id="2" name="Title 1"/>
+          <p:cNvSpPr>
             <a:spLocks noGrp="1"/>
           </p:cNvSpPr>
           <p:nvPr>
             <p:ph type="title"/>
           </p:nvPr>
         </p:nvSpPr>
-        <p:spPr>
-          <a:prstGeom prst="rect">
-            <a:avLst/>
-          </a:prstGeom>
-          <a:noFill/>
-          <a:ln>
-            <a:noFill/>
-          </a:ln>
-        </p:spPr>
+        <p:spPr/>
         <p:txBody>
-          <a:bodyPr lIns="38100" tIns="38100" rIns="38100" bIns="38100" anchor="ctr" anchorCtr="0">
-            <a:noAutofit/>
-          </a:bodyPr>
+          <a:bodyPr/>
           <a:lstStyle/>
           <a:p>
-            <a:pPr marL="0" marR="0" lvl="0" indent="0" algn="ctr" rtl="0">
-              <a:lnSpc>
-                <a:spcPct val="100000"/>
-              </a:lnSpc>
-              <a:spcBef>
-                <a:spcPts val="0"/>
-              </a:spcBef>
-              <a:spcAft>
-                <a:spcPts val="0"/>
-              </a:spcAft>
-              <a:buClr>
-                <a:srgbClr val="00FF00"/>
-              </a:buClr>
-              <a:buSzPct val="25000"/>
-              <a:buFont typeface="Cabin"/>
-              <a:buNone/>
-            </a:pPr>
-            <a:r>
-              <a:rPr lang="en-US" sz="7600" u="none" strike="noStrike" cap="none">
-                <a:solidFill>
-                  <a:srgbClr val="FFD966"/>
-                </a:solidFill>
-                <a:latin typeface="Arial Regular" charset="0"/>
-                <a:ea typeface="Arial Regular" charset="0"/>
-                <a:cs typeface="Arial Regular" charset="0"/>
-                <a:sym typeface="Cabin"/>
-              </a:rPr>
-              <a:t>Fine</a:t>
-            </a:r>
-            <a:r>
-              <a:rPr lang="en-US" sz="7600">
-                <a:solidFill>
-                  <a:srgbClr val="FFD966"/>
-                </a:solidFill>
-                <a:latin typeface="Arial Regular" charset="0"/>
-                <a:ea typeface="Arial Regular" charset="0"/>
-                <a:cs typeface="Arial Regular" charset="0"/>
-                <a:sym typeface="Cabin"/>
-              </a:rPr>
-              <a:t>-</a:t>
-            </a:r>
-            <a:r>
-              <a:rPr lang="en-US" sz="7600" u="none" strike="noStrike" cap="none">
-                <a:solidFill>
-                  <a:srgbClr val="FFD966"/>
-                </a:solidFill>
-                <a:latin typeface="Arial Regular" charset="0"/>
-                <a:ea typeface="Arial Regular" charset="0"/>
-                <a:cs typeface="Arial Regular" charset="0"/>
-                <a:sym typeface="Cabin"/>
-              </a:rPr>
-              <a:t>Tuning String Extraction</a:t>
-            </a:r>
+            <a:r>
+              <a:rPr lang="en-US" dirty="0" smtClean="0"/>
+              <a:t>Advanced </a:t>
+            </a:r>
+            <a:r>
+              <a:rPr lang="en-US" err="1" smtClean="0"/>
+              <a:t>RegEx</a:t>
+            </a:r>
+            <a:r>
+              <a:rPr lang="is-IS" smtClean="0"/>
+              <a:t>…</a:t>
+            </a:r>
+            <a:endParaRPr lang="en-US"/>
           </a:p>
         </p:txBody>
       </p:sp>
-      <p:sp>
-        <p:nvSpPr>
-          <p:cNvPr id="370" name="Shape 370"/>
-          <p:cNvSpPr txBox="1">
-            <a:spLocks noGrp="1"/>
-          </p:cNvSpPr>
-          <p:nvPr>
-            <p:ph type="body" idx="1"/>
-          </p:nvPr>
-        </p:nvSpPr>
-        <p:spPr>
-          <a:xfrm>
-            <a:off x="1155700" y="2603501"/>
-            <a:ext cx="13932000" cy="1642986"/>
-          </a:xfrm>
-          <a:prstGeom prst="rect">
-            <a:avLst/>
-          </a:prstGeom>
-          <a:noFill/>
-          <a:ln>
-            <a:noFill/>
-          </a:ln>
-        </p:spPr>
-        <p:txBody>
-          <a:bodyPr lIns="38100" tIns="38100" rIns="38100" bIns="38100" anchor="t" anchorCtr="0">
-            <a:noAutofit/>
-          </a:bodyPr>
-          <a:lstStyle/>
-          <a:p>
-            <a:pPr marL="457200" marR="0" lvl="0" indent="-457200" algn="l" rtl="0">
-              <a:lnSpc>
-                <a:spcPct val="100000"/>
-              </a:lnSpc>
-              <a:spcBef>
-                <a:spcPts val="0"/>
-              </a:spcBef>
-              <a:spcAft>
-                <a:spcPts val="0"/>
-              </a:spcAft>
-              <a:buSzPct val="100000"/>
-              <a:buFont typeface="Cabin"/>
-            </a:pPr>
-            <a:r>
-              <a:rPr lang="en-US" u="none" strike="noStrike" cap="none" dirty="0">
-                <a:solidFill>
-                  <a:schemeClr val="lt1"/>
-                </a:solidFill>
-                <a:latin typeface="Arial Regular" charset="0"/>
-                <a:ea typeface="Arial Regular" charset="0"/>
-                <a:cs typeface="Arial Regular" charset="0"/>
-                <a:sym typeface="Cabin"/>
-              </a:rPr>
-              <a:t>You can refine the match for </a:t>
-            </a:r>
-            <a:r>
-              <a:rPr lang="en-US" u="none" strike="noStrike" cap="none" dirty="0" err="1">
-                <a:solidFill>
-                  <a:srgbClr val="FF00FF"/>
-                </a:solidFill>
-                <a:latin typeface="Arial Regular" charset="0"/>
-                <a:ea typeface="Arial Regular" charset="0"/>
-                <a:cs typeface="Arial Regular" charset="0"/>
-                <a:sym typeface="Cabin"/>
-              </a:rPr>
-              <a:t>re.findall</a:t>
-            </a:r>
-            <a:r>
-              <a:rPr lang="en-US" u="none" strike="noStrike" cap="none" dirty="0">
-                <a:solidFill>
-                  <a:srgbClr val="FF00FF"/>
-                </a:solidFill>
-                <a:latin typeface="Arial Regular" charset="0"/>
-                <a:ea typeface="Arial Regular" charset="0"/>
-                <a:cs typeface="Arial Regular" charset="0"/>
-                <a:sym typeface="Cabin"/>
-              </a:rPr>
-              <a:t>() </a:t>
-            </a:r>
-            <a:r>
-              <a:rPr lang="en-US" u="none" strike="noStrike" cap="none" dirty="0">
-                <a:solidFill>
-                  <a:schemeClr val="lt1"/>
-                </a:solidFill>
-                <a:latin typeface="Arial Regular" charset="0"/>
-                <a:ea typeface="Arial Regular" charset="0"/>
-                <a:cs typeface="Arial Regular" charset="0"/>
-                <a:sym typeface="Cabin"/>
-              </a:rPr>
-              <a:t>and separately determine which portion of the match is to be extracted by using parenthes</a:t>
-            </a:r>
-            <a:r>
-              <a:rPr lang="en-US" dirty="0">
-                <a:solidFill>
-                  <a:schemeClr val="lt1"/>
-                </a:solidFill>
-                <a:latin typeface="Arial Regular" charset="0"/>
-                <a:ea typeface="Arial Regular" charset="0"/>
-                <a:cs typeface="Arial Regular" charset="0"/>
-                <a:sym typeface="Cabin"/>
-              </a:rPr>
-              <a:t>e</a:t>
-            </a:r>
-            <a:r>
-              <a:rPr lang="en-US" u="none" strike="noStrike" cap="none" dirty="0">
-                <a:solidFill>
-                  <a:schemeClr val="lt1"/>
-                </a:solidFill>
-                <a:latin typeface="Arial Regular" charset="0"/>
-                <a:ea typeface="Arial Regular" charset="0"/>
-                <a:cs typeface="Arial Regular" charset="0"/>
-                <a:sym typeface="Cabin"/>
-              </a:rPr>
-              <a:t>s</a:t>
-            </a:r>
-          </a:p>
-        </p:txBody>
-      </p:sp>
-      <p:sp>
-        <p:nvSpPr>
-          <p:cNvPr id="371" name="Shape 371"/>
-          <p:cNvSpPr txBox="1"/>
-          <p:nvPr/>
-        </p:nvSpPr>
-        <p:spPr>
-          <a:xfrm>
-            <a:off x="959775" y="3924386"/>
-            <a:ext cx="14409602" cy="673099"/>
-          </a:xfrm>
-          <a:prstGeom prst="rect">
-            <a:avLst/>
-          </a:prstGeom>
-          <a:noFill/>
-          <a:ln>
-            <a:noFill/>
-          </a:ln>
-        </p:spPr>
-        <p:txBody>
-          <a:bodyPr lIns="0" tIns="0" rIns="0" bIns="0" anchor="ctr" anchorCtr="0">
-            <a:noAutofit/>
-          </a:bodyPr>
-          <a:lstStyle/>
-          <a:p>
-            <a:pPr marL="0" marR="0" lvl="0" indent="0" algn="l" rtl="0">
-              <a:lnSpc>
-                <a:spcPct val="100000"/>
-              </a:lnSpc>
-              <a:spcBef>
-                <a:spcPts val="0"/>
-              </a:spcBef>
-              <a:spcAft>
-                <a:spcPts val="0"/>
-              </a:spcAft>
-              <a:buClr>
-                <a:srgbClr val="FF7F00"/>
-              </a:buClr>
-              <a:buSzPct val="25000"/>
-              <a:buFont typeface="Arial"/>
-              <a:buNone/>
-            </a:pPr>
-            <a:r>
-              <a:rPr lang="en-US" sz="3000" b="1" i="0" u="none" strike="noStrike" cap="none" dirty="0">
-                <a:solidFill>
-                  <a:srgbClr val="FF7F00"/>
-                </a:solidFill>
-                <a:latin typeface="Courier New"/>
-                <a:ea typeface="Courier New"/>
-                <a:cs typeface="Courier New"/>
-                <a:sym typeface="Courier New"/>
-              </a:rPr>
-              <a:t>From </a:t>
-            </a:r>
-            <a:r>
-              <a:rPr lang="en-US" sz="3000" b="1" i="0" u="none" strike="noStrike" cap="none" dirty="0" err="1">
-                <a:solidFill>
-                  <a:srgbClr val="00FF00"/>
-                </a:solidFill>
-                <a:latin typeface="Courier New"/>
-                <a:ea typeface="Courier New"/>
-                <a:cs typeface="Courier New"/>
-                <a:sym typeface="Courier New"/>
-              </a:rPr>
-              <a:t>stephen.marquard@uct.ac.za</a:t>
-            </a:r>
-            <a:r>
-              <a:rPr lang="en-US" sz="3000" b="1" i="0" u="none" strike="noStrike" cap="none" dirty="0">
-                <a:solidFill>
-                  <a:srgbClr val="FF7F00"/>
-                </a:solidFill>
-                <a:latin typeface="Courier New"/>
-                <a:ea typeface="Courier New"/>
-                <a:cs typeface="Courier New"/>
-                <a:sym typeface="Courier New"/>
-              </a:rPr>
-              <a:t> Sat Jan  5 09:14:16 2008</a:t>
-            </a:r>
-          </a:p>
-        </p:txBody>
-      </p:sp>
-      <p:sp>
-        <p:nvSpPr>
-          <p:cNvPr id="372" name="Shape 372"/>
-          <p:cNvSpPr txBox="1"/>
-          <p:nvPr/>
-        </p:nvSpPr>
-        <p:spPr>
-          <a:xfrm>
-            <a:off x="1670718" y="5141016"/>
-            <a:ext cx="11107074" cy="3027299"/>
-          </a:xfrm>
-          <a:prstGeom prst="rect">
-            <a:avLst/>
-          </a:prstGeom>
-          <a:noFill/>
-          <a:ln>
-            <a:noFill/>
-          </a:ln>
-        </p:spPr>
-        <p:txBody>
-          <a:bodyPr lIns="0" tIns="0" rIns="0" bIns="0" anchor="ctr" anchorCtr="0">
-            <a:noAutofit/>
-          </a:bodyPr>
-          <a:lstStyle/>
-          <a:p>
-            <a:pPr marL="0" marR="0" lvl="0" indent="0" algn="l" rtl="0">
-              <a:lnSpc>
-                <a:spcPct val="100000"/>
-              </a:lnSpc>
-              <a:spcBef>
-                <a:spcPts val="0"/>
-              </a:spcBef>
-              <a:spcAft>
-                <a:spcPts val="0"/>
-              </a:spcAft>
-              <a:buClr>
-                <a:schemeClr val="lt1"/>
-              </a:buClr>
-              <a:buSzPct val="25000"/>
-              <a:buFont typeface="Cabin"/>
-              <a:buNone/>
-            </a:pPr>
-            <a:r>
-              <a:rPr lang="en-US" sz="3000" b="1" i="0" u="none" strike="noStrike" cap="none" dirty="0">
-                <a:solidFill>
-                  <a:schemeClr val="lt1"/>
-                </a:solidFill>
-                <a:latin typeface="Courier New"/>
-                <a:ea typeface="Courier New"/>
-                <a:cs typeface="Courier New"/>
-                <a:sym typeface="Courier New"/>
-              </a:rPr>
-              <a:t>&gt;&gt;&gt; y = </a:t>
-            </a:r>
-            <a:r>
-              <a:rPr lang="en-US" sz="3000" b="1" i="0" u="none" strike="noStrike" cap="none" dirty="0" err="1">
-                <a:solidFill>
-                  <a:schemeClr val="lt1"/>
-                </a:solidFill>
-                <a:latin typeface="Courier New"/>
-                <a:ea typeface="Courier New"/>
-                <a:cs typeface="Courier New"/>
-                <a:sym typeface="Courier New"/>
-              </a:rPr>
-              <a:t>re.findall</a:t>
-            </a:r>
-            <a:r>
-              <a:rPr lang="en-US" sz="3000" b="1" i="0" u="none" strike="noStrike" cap="none" dirty="0">
-                <a:solidFill>
-                  <a:schemeClr val="lt1"/>
-                </a:solidFill>
-                <a:latin typeface="Courier New"/>
-                <a:ea typeface="Courier New"/>
-                <a:cs typeface="Courier New"/>
-                <a:sym typeface="Courier New"/>
-              </a:rPr>
-              <a:t>('</a:t>
-            </a:r>
-            <a:r>
-              <a:rPr lang="en-US" sz="3000" b="1" i="0" u="none" strike="noStrike" cap="none" dirty="0">
-                <a:solidFill>
-                  <a:srgbClr val="FFFF00"/>
-                </a:solidFill>
-                <a:latin typeface="Courier New"/>
-                <a:ea typeface="Courier New"/>
-                <a:cs typeface="Courier New"/>
-                <a:sym typeface="Courier New"/>
-              </a:rPr>
-              <a:t>\S+@\</a:t>
-            </a:r>
-            <a:r>
-              <a:rPr lang="en-US" sz="3000" b="1" i="0" u="none" strike="noStrike" cap="none" dirty="0" err="1">
-                <a:solidFill>
-                  <a:srgbClr val="FFFF00"/>
-                </a:solidFill>
-                <a:latin typeface="Courier New"/>
-                <a:ea typeface="Courier New"/>
-                <a:cs typeface="Courier New"/>
-                <a:sym typeface="Courier New"/>
-              </a:rPr>
-              <a:t>S+</a:t>
-            </a:r>
-            <a:r>
-              <a:rPr lang="en-US" sz="3000" b="1" i="0" u="none" strike="noStrike" cap="none" dirty="0" err="1">
-                <a:solidFill>
-                  <a:schemeClr val="lt1"/>
-                </a:solidFill>
-                <a:latin typeface="Courier New"/>
-                <a:ea typeface="Courier New"/>
-                <a:cs typeface="Courier New"/>
-                <a:sym typeface="Courier New"/>
-              </a:rPr>
-              <a:t>',x</a:t>
-            </a:r>
-            <a:r>
-              <a:rPr lang="en-US" sz="3000" b="1" i="0" u="none" strike="noStrike" cap="none" dirty="0">
-                <a:solidFill>
-                  <a:schemeClr val="lt1"/>
-                </a:solidFill>
-                <a:latin typeface="Courier New"/>
-                <a:ea typeface="Courier New"/>
-                <a:cs typeface="Courier New"/>
-                <a:sym typeface="Courier New"/>
-              </a:rPr>
-              <a:t>)</a:t>
-            </a:r>
-          </a:p>
-          <a:p>
-            <a:pPr marL="0" marR="0" lvl="0" indent="0" algn="l" rtl="0">
-              <a:lnSpc>
-                <a:spcPct val="100000"/>
-              </a:lnSpc>
-              <a:spcBef>
-                <a:spcPts val="0"/>
-              </a:spcBef>
-              <a:spcAft>
-                <a:spcPts val="0"/>
-              </a:spcAft>
-              <a:buClr>
-                <a:schemeClr val="lt1"/>
-              </a:buClr>
-              <a:buSzPct val="25000"/>
-              <a:buFont typeface="Cabin"/>
-              <a:buNone/>
-            </a:pPr>
-            <a:r>
-              <a:rPr lang="en-US" sz="3000" b="1" i="0" u="none" strike="noStrike" cap="none" dirty="0">
-                <a:solidFill>
-                  <a:schemeClr val="lt1"/>
-                </a:solidFill>
-                <a:latin typeface="Courier New"/>
-                <a:ea typeface="Courier New"/>
-                <a:cs typeface="Courier New"/>
-                <a:sym typeface="Courier New"/>
-              </a:rPr>
-              <a:t>&gt;&gt;&gt; </a:t>
-            </a:r>
-            <a:r>
-              <a:rPr lang="en-US" sz="3000" b="1" i="0" u="none" strike="noStrike" cap="none" dirty="0" smtClean="0">
-                <a:solidFill>
-                  <a:schemeClr val="lt1"/>
-                </a:solidFill>
-                <a:latin typeface="Courier New"/>
-                <a:ea typeface="Courier New"/>
-                <a:cs typeface="Courier New"/>
-                <a:sym typeface="Courier New"/>
-              </a:rPr>
-              <a:t>print(y)</a:t>
-            </a:r>
-            <a:endParaRPr lang="en-US" sz="3000" b="1" i="0" u="none" strike="noStrike" cap="none" dirty="0">
-              <a:solidFill>
-                <a:schemeClr val="lt1"/>
-              </a:solidFill>
-              <a:latin typeface="Courier New"/>
-              <a:ea typeface="Courier New"/>
-              <a:cs typeface="Courier New"/>
-              <a:sym typeface="Courier New"/>
-            </a:endParaRPr>
-          </a:p>
-          <a:p>
-            <a:pPr marL="0" marR="0" lvl="0" indent="0" algn="l" rtl="0">
-              <a:lnSpc>
-                <a:spcPct val="100000"/>
-              </a:lnSpc>
-              <a:spcBef>
-                <a:spcPts val="0"/>
-              </a:spcBef>
-              <a:spcAft>
-                <a:spcPts val="0"/>
-              </a:spcAft>
-              <a:buClr>
-                <a:srgbClr val="FFFF00"/>
-              </a:buClr>
-              <a:buSzPct val="25000"/>
-              <a:buFont typeface="Cabin"/>
-              <a:buNone/>
-            </a:pPr>
-            <a:r>
-              <a:rPr lang="en-US" sz="3000" b="1" i="0" u="none" strike="noStrike" cap="none" dirty="0">
-                <a:solidFill>
-                  <a:srgbClr val="FFFF00"/>
-                </a:solidFill>
-                <a:latin typeface="Courier New"/>
-                <a:ea typeface="Courier New"/>
-                <a:cs typeface="Courier New"/>
-                <a:sym typeface="Courier New"/>
-              </a:rPr>
-              <a:t>['</a:t>
-            </a:r>
-            <a:r>
-              <a:rPr lang="en-US" sz="3000" b="1" i="0" u="none" strike="noStrike" cap="none" dirty="0" err="1">
-                <a:solidFill>
-                  <a:srgbClr val="FFFF00"/>
-                </a:solidFill>
-                <a:latin typeface="Courier New"/>
-                <a:ea typeface="Courier New"/>
-                <a:cs typeface="Courier New"/>
-                <a:sym typeface="Courier New"/>
-              </a:rPr>
-              <a:t>stephen.marquard@uct.ac.za</a:t>
-            </a:r>
-            <a:r>
-              <a:rPr lang="en-US" sz="3000" b="1" i="0" u="none" strike="noStrike" cap="none" dirty="0">
-                <a:solidFill>
-                  <a:srgbClr val="FFFF00"/>
-                </a:solidFill>
-                <a:latin typeface="Courier New"/>
-                <a:ea typeface="Courier New"/>
-                <a:cs typeface="Courier New"/>
-                <a:sym typeface="Courier New"/>
-              </a:rPr>
-              <a:t>']</a:t>
-            </a:r>
-          </a:p>
-          <a:p>
-            <a:pPr marL="0" marR="0" lvl="0" indent="0" algn="l" rtl="0">
-              <a:lnSpc>
-                <a:spcPct val="100000"/>
-              </a:lnSpc>
-              <a:spcBef>
-                <a:spcPts val="0"/>
-              </a:spcBef>
-              <a:spcAft>
-                <a:spcPts val="0"/>
-              </a:spcAft>
-              <a:buClr>
-                <a:srgbClr val="FFFF00"/>
-              </a:buClr>
-              <a:buFont typeface="Cabin"/>
-              <a:buNone/>
-            </a:pPr>
-            <a:endParaRPr sz="3000" b="1" dirty="0">
-              <a:solidFill>
-                <a:schemeClr val="lt1"/>
-              </a:solidFill>
-              <a:latin typeface="Courier New"/>
-              <a:ea typeface="Courier New"/>
-              <a:cs typeface="Courier New"/>
-              <a:sym typeface="Courier New"/>
-            </a:endParaRPr>
-          </a:p>
-          <a:p>
-            <a:pPr marL="0" marR="0" lvl="0" indent="0" algn="l" rtl="0">
-              <a:lnSpc>
-                <a:spcPct val="100000"/>
-              </a:lnSpc>
-              <a:spcBef>
-                <a:spcPts val="0"/>
-              </a:spcBef>
-              <a:spcAft>
-                <a:spcPts val="0"/>
-              </a:spcAft>
-              <a:buClr>
-                <a:srgbClr val="FFFF00"/>
-              </a:buClr>
-              <a:buFont typeface="Cabin"/>
-              <a:buNone/>
-            </a:pPr>
-            <a:endParaRPr sz="3000" b="1" dirty="0">
-              <a:solidFill>
-                <a:schemeClr val="lt1"/>
-              </a:solidFill>
-              <a:latin typeface="Courier New"/>
-              <a:ea typeface="Courier New"/>
-              <a:cs typeface="Courier New"/>
-              <a:sym typeface="Courier New"/>
-            </a:endParaRPr>
-          </a:p>
-          <a:p>
-            <a:pPr marL="0" marR="0" lvl="0" indent="0" algn="l" rtl="0">
-              <a:lnSpc>
-                <a:spcPct val="100000"/>
-              </a:lnSpc>
-              <a:spcBef>
-                <a:spcPts val="0"/>
-              </a:spcBef>
-              <a:spcAft>
-                <a:spcPts val="0"/>
-              </a:spcAft>
-              <a:buClr>
-                <a:srgbClr val="FFFF00"/>
-              </a:buClr>
-              <a:buFont typeface="Cabin"/>
-              <a:buNone/>
-            </a:pPr>
-            <a:endParaRPr sz="3000" b="1" dirty="0">
-              <a:solidFill>
-                <a:schemeClr val="lt1"/>
-              </a:solidFill>
-              <a:latin typeface="Courier New"/>
-              <a:ea typeface="Courier New"/>
-              <a:cs typeface="Courier New"/>
-              <a:sym typeface="Courier New"/>
-            </a:endParaRPr>
-          </a:p>
-        </p:txBody>
-      </p:sp>
-      <p:sp>
-        <p:nvSpPr>
-          <p:cNvPr id="373" name="Shape 373"/>
-          <p:cNvSpPr txBox="1"/>
-          <p:nvPr/>
-        </p:nvSpPr>
-        <p:spPr>
-          <a:xfrm>
-            <a:off x="12777792" y="4878481"/>
-            <a:ext cx="3238499" cy="926999"/>
-          </a:xfrm>
-          <a:prstGeom prst="rect">
-            <a:avLst/>
-          </a:prstGeom>
-          <a:noFill/>
-          <a:ln>
-            <a:noFill/>
-          </a:ln>
-        </p:spPr>
-        <p:txBody>
-          <a:bodyPr lIns="0" tIns="0" rIns="0" bIns="0" anchor="ctr" anchorCtr="0">
-            <a:noAutofit/>
-          </a:bodyPr>
-          <a:lstStyle/>
-          <a:p>
-            <a:pPr marL="0" marR="0" lvl="0" indent="0" algn="l" rtl="0">
-              <a:lnSpc>
-                <a:spcPct val="100000"/>
-              </a:lnSpc>
-              <a:spcBef>
-                <a:spcPts val="0"/>
-              </a:spcBef>
-              <a:spcAft>
-                <a:spcPts val="0"/>
-              </a:spcAft>
-              <a:buClr>
-                <a:srgbClr val="00FF00"/>
-              </a:buClr>
-              <a:buSzPct val="25000"/>
-              <a:buFont typeface="Cabin"/>
-              <a:buNone/>
-            </a:pPr>
-            <a:r>
-              <a:rPr lang="en-US" sz="5700" b="0" i="0" u="none" strike="noStrike" cap="none">
-                <a:solidFill>
-                  <a:srgbClr val="00FF00"/>
-                </a:solidFill>
-                <a:latin typeface="Courier New"/>
-                <a:ea typeface="Courier New"/>
-                <a:cs typeface="Courier New"/>
-                <a:sym typeface="Courier New"/>
-              </a:rPr>
-              <a:t>\S+</a:t>
-            </a:r>
-            <a:r>
-              <a:rPr lang="en-US" sz="5700">
-                <a:solidFill>
-                  <a:srgbClr val="FFFF00"/>
-                </a:solidFill>
-                <a:latin typeface="Courier New"/>
-                <a:ea typeface="Courier New"/>
-                <a:cs typeface="Courier New"/>
-                <a:sym typeface="Courier New"/>
-              </a:rPr>
-              <a:t>@</a:t>
-            </a:r>
-            <a:r>
-              <a:rPr lang="en-US" sz="5700" b="0" i="0" u="none" strike="noStrike" cap="none">
-                <a:solidFill>
-                  <a:srgbClr val="00FF00"/>
-                </a:solidFill>
-                <a:latin typeface="Courier New"/>
-                <a:ea typeface="Courier New"/>
-                <a:cs typeface="Courier New"/>
-                <a:sym typeface="Courier New"/>
-              </a:rPr>
-              <a:t>\S+</a:t>
-            </a:r>
-          </a:p>
-        </p:txBody>
-      </p:sp>
-      <p:sp>
-        <p:nvSpPr>
-          <p:cNvPr id="374" name="Shape 374"/>
-          <p:cNvSpPr txBox="1"/>
-          <p:nvPr/>
-        </p:nvSpPr>
-        <p:spPr>
-          <a:xfrm>
-            <a:off x="12761917" y="6640506"/>
-            <a:ext cx="3238499" cy="1663800"/>
-          </a:xfrm>
-          <a:prstGeom prst="rect">
-            <a:avLst/>
-          </a:prstGeom>
-          <a:noFill/>
-          <a:ln>
-            <a:noFill/>
-          </a:ln>
-        </p:spPr>
-        <p:txBody>
-          <a:bodyPr lIns="0" tIns="0" rIns="0" bIns="0" anchor="ctr" anchorCtr="0">
-            <a:noAutofit/>
-          </a:bodyPr>
-          <a:lstStyle/>
-          <a:p>
-            <a:pPr marL="0" marR="0" lvl="0" indent="0" algn="ctr" rtl="0">
-              <a:lnSpc>
-                <a:spcPct val="100000"/>
-              </a:lnSpc>
-              <a:spcBef>
-                <a:spcPts val="0"/>
-              </a:spcBef>
-              <a:spcAft>
-                <a:spcPts val="0"/>
-              </a:spcAft>
-              <a:buClr>
-                <a:srgbClr val="00FF00"/>
-              </a:buClr>
-              <a:buSzPct val="25000"/>
-              <a:buFont typeface="Cabin"/>
-              <a:buNone/>
-            </a:pPr>
-            <a:r>
-              <a:rPr lang="en-US" sz="3600" u="none" strike="noStrike" cap="none" dirty="0">
-                <a:solidFill>
-                  <a:srgbClr val="00FF00"/>
-                </a:solidFill>
-                <a:latin typeface="Arial Regular" charset="0"/>
-                <a:ea typeface="Arial Regular" charset="0"/>
-                <a:cs typeface="Arial Regular" charset="0"/>
-                <a:sym typeface="Cabin"/>
-              </a:rPr>
-              <a:t>At least one non-whitespace character</a:t>
-            </a:r>
-          </a:p>
-        </p:txBody>
-      </p:sp>
-      <p:cxnSp>
-        <p:nvCxnSpPr>
-          <p:cNvPr id="375" name="Shape 375"/>
-          <p:cNvCxnSpPr/>
-          <p:nvPr/>
-        </p:nvCxnSpPr>
-        <p:spPr>
-          <a:xfrm>
-            <a:off x="13565192" y="5881681"/>
-            <a:ext cx="177900" cy="689099"/>
-          </a:xfrm>
-          <a:prstGeom prst="straightConnector1">
-            <a:avLst/>
-          </a:prstGeom>
-          <a:noFill/>
-          <a:ln w="76200" cap="rnd" cmpd="sng">
-            <a:solidFill>
-              <a:srgbClr val="00FF00"/>
-            </a:solidFill>
-            <a:prstDash val="solid"/>
-            <a:miter/>
-            <a:headEnd type="stealth" w="med" len="med"/>
-            <a:tailEnd type="none" w="med" len="med"/>
-          </a:ln>
-        </p:spPr>
-      </p:cxnSp>
-      <p:cxnSp>
-        <p:nvCxnSpPr>
-          <p:cNvPr id="376" name="Shape 376"/>
-          <p:cNvCxnSpPr/>
-          <p:nvPr/>
-        </p:nvCxnSpPr>
-        <p:spPr>
-          <a:xfrm flipH="1">
-            <a:off x="14949354" y="5819767"/>
-            <a:ext cx="182699" cy="834899"/>
-          </a:xfrm>
-          <a:prstGeom prst="straightConnector1">
-            <a:avLst/>
-          </a:prstGeom>
-          <a:noFill/>
-          <a:ln w="76200" cap="rnd" cmpd="sng">
-            <a:solidFill>
-              <a:srgbClr val="00FF00"/>
-            </a:solidFill>
-            <a:prstDash val="solid"/>
-            <a:miter/>
-            <a:headEnd type="stealth" w="med" len="med"/>
-            <a:tailEnd type="none" w="med" len="med"/>
-          </a:ln>
-        </p:spPr>
-      </p:cxnSp>
     </p:spTree>
+    <p:extLst>
+      <p:ext uri="{BB962C8B-B14F-4D97-AF65-F5344CB8AC3E}">
+        <p14:creationId xmlns:p14="http://schemas.microsoft.com/office/powerpoint/2010/main" val="445251890"/>
+      </p:ext>
+    </p:extLst>
   </p:cSld>
   <p:clrMapOvr>
     <a:masterClrMapping/>
   </p:clrMapOvr>
-  <p:timing>
-    <p:tnLst>
-      <p:par>
-        <p:cTn id="1" dur="indefinite" restart="never" nodeType="tmRoot"/>
-      </p:par>
-    </p:tnLst>
-  </p:timing>
 </p:sld>
 </file>
 
@@ -14301,6 +13598,764 @@
   <p:cSld>
     <p:spTree>
       <p:nvGrpSpPr>
+        <p:cNvPr id="1" name="Shape 368"/>
+        <p:cNvGrpSpPr/>
+        <p:nvPr/>
+      </p:nvGrpSpPr>
+      <p:grpSpPr>
+        <a:xfrm>
+          <a:off x="0" y="0"/>
+          <a:ext cx="0" cy="0"/>
+          <a:chOff x="0" y="0"/>
+          <a:chExt cx="0" cy="0"/>
+        </a:xfrm>
+      </p:grpSpPr>
+      <p:sp>
+        <p:nvSpPr>
+          <p:cNvPr id="369" name="Shape 369"/>
+          <p:cNvSpPr txBox="1">
+            <a:spLocks noGrp="1"/>
+          </p:cNvSpPr>
+          <p:nvPr>
+            <p:ph type="title"/>
+          </p:nvPr>
+        </p:nvSpPr>
+        <p:spPr>
+          <a:prstGeom prst="rect">
+            <a:avLst/>
+          </a:prstGeom>
+          <a:noFill/>
+          <a:ln>
+            <a:noFill/>
+          </a:ln>
+        </p:spPr>
+        <p:txBody>
+          <a:bodyPr lIns="38100" tIns="38100" rIns="38100" bIns="38100" anchor="ctr" anchorCtr="0">
+            <a:noAutofit/>
+          </a:bodyPr>
+          <a:lstStyle/>
+          <a:p>
+            <a:pPr marL="0" marR="0" lvl="0" indent="0" algn="ctr" rtl="0">
+              <a:lnSpc>
+                <a:spcPct val="100000"/>
+              </a:lnSpc>
+              <a:spcBef>
+                <a:spcPts val="0"/>
+              </a:spcBef>
+              <a:spcAft>
+                <a:spcPts val="0"/>
+              </a:spcAft>
+              <a:buClr>
+                <a:srgbClr val="00FF00"/>
+              </a:buClr>
+              <a:buSzPct val="25000"/>
+              <a:buFont typeface="Cabin"/>
+              <a:buNone/>
+            </a:pPr>
+            <a:r>
+              <a:rPr lang="en-US" sz="7600" u="none" strike="noStrike" cap="none">
+                <a:solidFill>
+                  <a:srgbClr val="FFD966"/>
+                </a:solidFill>
+                <a:latin typeface="Arial Regular" charset="0"/>
+                <a:ea typeface="Arial Regular" charset="0"/>
+                <a:cs typeface="Arial Regular" charset="0"/>
+                <a:sym typeface="Cabin"/>
+              </a:rPr>
+              <a:t>Fine</a:t>
+            </a:r>
+            <a:r>
+              <a:rPr lang="en-US" sz="7600">
+                <a:solidFill>
+                  <a:srgbClr val="FFD966"/>
+                </a:solidFill>
+                <a:latin typeface="Arial Regular" charset="0"/>
+                <a:ea typeface="Arial Regular" charset="0"/>
+                <a:cs typeface="Arial Regular" charset="0"/>
+                <a:sym typeface="Cabin"/>
+              </a:rPr>
+              <a:t>-</a:t>
+            </a:r>
+            <a:r>
+              <a:rPr lang="en-US" sz="7600" u="none" strike="noStrike" cap="none">
+                <a:solidFill>
+                  <a:srgbClr val="FFD966"/>
+                </a:solidFill>
+                <a:latin typeface="Arial Regular" charset="0"/>
+                <a:ea typeface="Arial Regular" charset="0"/>
+                <a:cs typeface="Arial Regular" charset="0"/>
+                <a:sym typeface="Cabin"/>
+              </a:rPr>
+              <a:t>Tuning String Extraction</a:t>
+            </a:r>
+          </a:p>
+        </p:txBody>
+      </p:sp>
+      <p:sp>
+        <p:nvSpPr>
+          <p:cNvPr id="370" name="Shape 370"/>
+          <p:cNvSpPr txBox="1">
+            <a:spLocks noGrp="1"/>
+          </p:cNvSpPr>
+          <p:nvPr>
+            <p:ph type="body" idx="1"/>
+          </p:nvPr>
+        </p:nvSpPr>
+        <p:spPr>
+          <a:xfrm>
+            <a:off x="1155700" y="2603501"/>
+            <a:ext cx="13932000" cy="1642986"/>
+          </a:xfrm>
+          <a:prstGeom prst="rect">
+            <a:avLst/>
+          </a:prstGeom>
+          <a:noFill/>
+          <a:ln>
+            <a:noFill/>
+          </a:ln>
+        </p:spPr>
+        <p:txBody>
+          <a:bodyPr lIns="38100" tIns="38100" rIns="38100" bIns="38100" anchor="t" anchorCtr="0">
+            <a:noAutofit/>
+          </a:bodyPr>
+          <a:lstStyle/>
+          <a:p>
+            <a:pPr marL="0" marR="0" lvl="0" indent="0" algn="l" rtl="0">
+              <a:lnSpc>
+                <a:spcPct val="100000"/>
+              </a:lnSpc>
+              <a:spcBef>
+                <a:spcPts val="0"/>
+              </a:spcBef>
+              <a:spcAft>
+                <a:spcPts val="0"/>
+              </a:spcAft>
+              <a:buSzPct val="100000"/>
+              <a:buNone/>
+            </a:pPr>
+            <a:r>
+              <a:rPr lang="en-US" u="none" strike="noStrike" cap="none" dirty="0">
+                <a:solidFill>
+                  <a:schemeClr val="lt1"/>
+                </a:solidFill>
+                <a:latin typeface="Arial Regular" charset="0"/>
+                <a:ea typeface="Arial Regular" charset="0"/>
+                <a:cs typeface="Arial Regular" charset="0"/>
+                <a:sym typeface="Cabin"/>
+              </a:rPr>
+              <a:t>You can refine the match for </a:t>
+            </a:r>
+            <a:r>
+              <a:rPr lang="en-US" u="none" strike="noStrike" cap="none" dirty="0" err="1">
+                <a:solidFill>
+                  <a:srgbClr val="FF00FF"/>
+                </a:solidFill>
+                <a:latin typeface="Arial Regular" charset="0"/>
+                <a:ea typeface="Arial Regular" charset="0"/>
+                <a:cs typeface="Arial Regular" charset="0"/>
+                <a:sym typeface="Cabin"/>
+              </a:rPr>
+              <a:t>re.findall</a:t>
+            </a:r>
+            <a:r>
+              <a:rPr lang="en-US" u="none" strike="noStrike" cap="none" dirty="0">
+                <a:solidFill>
+                  <a:srgbClr val="FF00FF"/>
+                </a:solidFill>
+                <a:latin typeface="Arial Regular" charset="0"/>
+                <a:ea typeface="Arial Regular" charset="0"/>
+                <a:cs typeface="Arial Regular" charset="0"/>
+                <a:sym typeface="Cabin"/>
+              </a:rPr>
+              <a:t>() </a:t>
+            </a:r>
+            <a:r>
+              <a:rPr lang="en-US" u="none" strike="noStrike" cap="none" dirty="0">
+                <a:solidFill>
+                  <a:schemeClr val="lt1"/>
+                </a:solidFill>
+                <a:latin typeface="Arial Regular" charset="0"/>
+                <a:ea typeface="Arial Regular" charset="0"/>
+                <a:cs typeface="Arial Regular" charset="0"/>
+                <a:sym typeface="Cabin"/>
+              </a:rPr>
+              <a:t>and separately determine which portion of the match is to be extracted by using parenthes</a:t>
+            </a:r>
+            <a:r>
+              <a:rPr lang="en-US" dirty="0">
+                <a:solidFill>
+                  <a:schemeClr val="lt1"/>
+                </a:solidFill>
+                <a:latin typeface="Arial Regular" charset="0"/>
+                <a:ea typeface="Arial Regular" charset="0"/>
+                <a:cs typeface="Arial Regular" charset="0"/>
+                <a:sym typeface="Cabin"/>
+              </a:rPr>
+              <a:t>e</a:t>
+            </a:r>
+            <a:r>
+              <a:rPr lang="en-US" u="none" strike="noStrike" cap="none" dirty="0">
+                <a:solidFill>
+                  <a:schemeClr val="lt1"/>
+                </a:solidFill>
+                <a:latin typeface="Arial Regular" charset="0"/>
+                <a:ea typeface="Arial Regular" charset="0"/>
+                <a:cs typeface="Arial Regular" charset="0"/>
+                <a:sym typeface="Cabin"/>
+              </a:rPr>
+              <a:t>s</a:t>
+            </a:r>
+          </a:p>
+        </p:txBody>
+      </p:sp>
+      <p:sp>
+        <p:nvSpPr>
+          <p:cNvPr id="371" name="Shape 371"/>
+          <p:cNvSpPr txBox="1"/>
+          <p:nvPr/>
+        </p:nvSpPr>
+        <p:spPr>
+          <a:xfrm>
+            <a:off x="959775" y="3924386"/>
+            <a:ext cx="14409602" cy="673099"/>
+          </a:xfrm>
+          <a:prstGeom prst="rect">
+            <a:avLst/>
+          </a:prstGeom>
+          <a:noFill/>
+          <a:ln>
+            <a:noFill/>
+          </a:ln>
+        </p:spPr>
+        <p:txBody>
+          <a:bodyPr lIns="0" tIns="0" rIns="0" bIns="0" anchor="ctr" anchorCtr="0">
+            <a:noAutofit/>
+          </a:bodyPr>
+          <a:lstStyle/>
+          <a:p>
+            <a:pPr marL="0" marR="0" lvl="0" indent="0" algn="l" rtl="0">
+              <a:lnSpc>
+                <a:spcPct val="100000"/>
+              </a:lnSpc>
+              <a:spcBef>
+                <a:spcPts val="0"/>
+              </a:spcBef>
+              <a:spcAft>
+                <a:spcPts val="0"/>
+              </a:spcAft>
+              <a:buClr>
+                <a:srgbClr val="FF7F00"/>
+              </a:buClr>
+              <a:buSzPct val="25000"/>
+              <a:buFont typeface="Arial"/>
+              <a:buNone/>
+            </a:pPr>
+            <a:r>
+              <a:rPr lang="en-US" sz="3000" b="1" i="0" u="none" strike="noStrike" cap="none" dirty="0">
+                <a:solidFill>
+                  <a:srgbClr val="FF7F00"/>
+                </a:solidFill>
+                <a:latin typeface="Courier New"/>
+                <a:ea typeface="Courier New"/>
+                <a:cs typeface="Courier New"/>
+                <a:sym typeface="Courier New"/>
+              </a:rPr>
+              <a:t>From </a:t>
+            </a:r>
+            <a:r>
+              <a:rPr lang="en-US" sz="3000" b="1" i="0" u="none" strike="noStrike" cap="none" dirty="0" err="1">
+                <a:solidFill>
+                  <a:srgbClr val="00FF00"/>
+                </a:solidFill>
+                <a:latin typeface="Courier New"/>
+                <a:ea typeface="Courier New"/>
+                <a:cs typeface="Courier New"/>
+                <a:sym typeface="Courier New"/>
+              </a:rPr>
+              <a:t>stephen.marquard@uct.ac.za</a:t>
+            </a:r>
+            <a:r>
+              <a:rPr lang="en-US" sz="3000" b="1" i="0" u="none" strike="noStrike" cap="none" dirty="0">
+                <a:solidFill>
+                  <a:srgbClr val="FF7F00"/>
+                </a:solidFill>
+                <a:latin typeface="Courier New"/>
+                <a:ea typeface="Courier New"/>
+                <a:cs typeface="Courier New"/>
+                <a:sym typeface="Courier New"/>
+              </a:rPr>
+              <a:t> Sat Jan  5 09:14:16 2008</a:t>
+            </a:r>
+          </a:p>
+        </p:txBody>
+      </p:sp>
+      <p:sp>
+        <p:nvSpPr>
+          <p:cNvPr id="372" name="Shape 372"/>
+          <p:cNvSpPr txBox="1"/>
+          <p:nvPr/>
+        </p:nvSpPr>
+        <p:spPr>
+          <a:xfrm>
+            <a:off x="1670718" y="5141017"/>
+            <a:ext cx="11107074" cy="1945784"/>
+          </a:xfrm>
+          <a:prstGeom prst="rect">
+            <a:avLst/>
+          </a:prstGeom>
+          <a:noFill/>
+          <a:ln>
+            <a:noFill/>
+          </a:ln>
+        </p:spPr>
+        <p:txBody>
+          <a:bodyPr lIns="0" tIns="0" rIns="0" bIns="0" anchor="ctr" anchorCtr="0">
+            <a:noAutofit/>
+          </a:bodyPr>
+          <a:lstStyle/>
+          <a:p>
+            <a:pPr marL="0" marR="0" lvl="0" indent="0" algn="l" rtl="0">
+              <a:lnSpc>
+                <a:spcPct val="100000"/>
+              </a:lnSpc>
+              <a:spcBef>
+                <a:spcPts val="0"/>
+              </a:spcBef>
+              <a:spcAft>
+                <a:spcPts val="0"/>
+              </a:spcAft>
+              <a:buClr>
+                <a:schemeClr val="lt1"/>
+              </a:buClr>
+              <a:buSzPct val="25000"/>
+              <a:buFont typeface="Cabin"/>
+              <a:buNone/>
+            </a:pPr>
+            <a:r>
+              <a:rPr lang="en-US" sz="3000" b="1" i="0" u="none" strike="noStrike" cap="none" dirty="0">
+                <a:solidFill>
+                  <a:schemeClr val="lt1"/>
+                </a:solidFill>
+                <a:latin typeface="Courier New"/>
+                <a:ea typeface="Courier New"/>
+                <a:cs typeface="Courier New"/>
+                <a:sym typeface="Courier New"/>
+              </a:rPr>
+              <a:t>&gt;&gt;&gt; y = </a:t>
+            </a:r>
+            <a:r>
+              <a:rPr lang="en-US" sz="3000" b="1" i="0" u="none" strike="noStrike" cap="none" dirty="0" err="1">
+                <a:solidFill>
+                  <a:schemeClr val="lt1"/>
+                </a:solidFill>
+                <a:latin typeface="Courier New"/>
+                <a:ea typeface="Courier New"/>
+                <a:cs typeface="Courier New"/>
+                <a:sym typeface="Courier New"/>
+              </a:rPr>
+              <a:t>re.findall</a:t>
+            </a:r>
+            <a:r>
+              <a:rPr lang="en-US" sz="3000" b="1" i="0" u="none" strike="noStrike" cap="none" dirty="0">
+                <a:solidFill>
+                  <a:schemeClr val="lt1"/>
+                </a:solidFill>
+                <a:latin typeface="Courier New"/>
+                <a:ea typeface="Courier New"/>
+                <a:cs typeface="Courier New"/>
+                <a:sym typeface="Courier New"/>
+              </a:rPr>
+              <a:t>('</a:t>
+            </a:r>
+            <a:r>
+              <a:rPr lang="en-US" sz="3000" b="1" i="0" u="none" strike="noStrike" cap="none" dirty="0">
+                <a:solidFill>
+                  <a:srgbClr val="FFFF00"/>
+                </a:solidFill>
+                <a:latin typeface="Courier New"/>
+                <a:ea typeface="Courier New"/>
+                <a:cs typeface="Courier New"/>
+                <a:sym typeface="Courier New"/>
+              </a:rPr>
+              <a:t>\S+@\</a:t>
+            </a:r>
+            <a:r>
+              <a:rPr lang="en-US" sz="3000" b="1" i="0" u="none" strike="noStrike" cap="none" dirty="0" err="1">
+                <a:solidFill>
+                  <a:srgbClr val="FFFF00"/>
+                </a:solidFill>
+                <a:latin typeface="Courier New"/>
+                <a:ea typeface="Courier New"/>
+                <a:cs typeface="Courier New"/>
+                <a:sym typeface="Courier New"/>
+              </a:rPr>
+              <a:t>S+</a:t>
+            </a:r>
+            <a:r>
+              <a:rPr lang="en-US" sz="3000" b="1" i="0" u="none" strike="noStrike" cap="none" dirty="0" err="1">
+                <a:solidFill>
+                  <a:schemeClr val="lt1"/>
+                </a:solidFill>
+                <a:latin typeface="Courier New"/>
+                <a:ea typeface="Courier New"/>
+                <a:cs typeface="Courier New"/>
+                <a:sym typeface="Courier New"/>
+              </a:rPr>
+              <a:t>',x</a:t>
+            </a:r>
+            <a:r>
+              <a:rPr lang="en-US" sz="3000" b="1" i="0" u="none" strike="noStrike" cap="none" dirty="0">
+                <a:solidFill>
+                  <a:schemeClr val="lt1"/>
+                </a:solidFill>
+                <a:latin typeface="Courier New"/>
+                <a:ea typeface="Courier New"/>
+                <a:cs typeface="Courier New"/>
+                <a:sym typeface="Courier New"/>
+              </a:rPr>
+              <a:t>)</a:t>
+            </a:r>
+          </a:p>
+          <a:p>
+            <a:pPr marL="0" marR="0" lvl="0" indent="0" algn="l" rtl="0">
+              <a:lnSpc>
+                <a:spcPct val="100000"/>
+              </a:lnSpc>
+              <a:spcBef>
+                <a:spcPts val="0"/>
+              </a:spcBef>
+              <a:spcAft>
+                <a:spcPts val="0"/>
+              </a:spcAft>
+              <a:buClr>
+                <a:schemeClr val="lt1"/>
+              </a:buClr>
+              <a:buSzPct val="25000"/>
+              <a:buFont typeface="Cabin"/>
+              <a:buNone/>
+            </a:pPr>
+            <a:r>
+              <a:rPr lang="en-US" sz="3000" b="1" i="0" u="none" strike="noStrike" cap="none" dirty="0">
+                <a:solidFill>
+                  <a:schemeClr val="lt1"/>
+                </a:solidFill>
+                <a:latin typeface="Courier New"/>
+                <a:ea typeface="Courier New"/>
+                <a:cs typeface="Courier New"/>
+                <a:sym typeface="Courier New"/>
+              </a:rPr>
+              <a:t>&gt;&gt;&gt; </a:t>
+            </a:r>
+            <a:r>
+              <a:rPr lang="en-US" sz="3000" b="1" i="0" u="none" strike="noStrike" cap="none" dirty="0" smtClean="0">
+                <a:solidFill>
+                  <a:schemeClr val="lt1"/>
+                </a:solidFill>
+                <a:latin typeface="Courier New"/>
+                <a:ea typeface="Courier New"/>
+                <a:cs typeface="Courier New"/>
+                <a:sym typeface="Courier New"/>
+              </a:rPr>
+              <a:t>print(y)</a:t>
+            </a:r>
+            <a:endParaRPr lang="en-US" sz="3000" b="1" i="0" u="none" strike="noStrike" cap="none" dirty="0">
+              <a:solidFill>
+                <a:schemeClr val="lt1"/>
+              </a:solidFill>
+              <a:latin typeface="Courier New"/>
+              <a:ea typeface="Courier New"/>
+              <a:cs typeface="Courier New"/>
+              <a:sym typeface="Courier New"/>
+            </a:endParaRPr>
+          </a:p>
+          <a:p>
+            <a:pPr marL="0" marR="0" lvl="0" indent="0" algn="l" rtl="0">
+              <a:lnSpc>
+                <a:spcPct val="100000"/>
+              </a:lnSpc>
+              <a:spcBef>
+                <a:spcPts val="0"/>
+              </a:spcBef>
+              <a:spcAft>
+                <a:spcPts val="0"/>
+              </a:spcAft>
+              <a:buClr>
+                <a:srgbClr val="FFFF00"/>
+              </a:buClr>
+              <a:buSzPct val="25000"/>
+              <a:buFont typeface="Cabin"/>
+              <a:buNone/>
+            </a:pPr>
+            <a:r>
+              <a:rPr lang="en-US" sz="3000" b="1" i="0" u="none" strike="noStrike" cap="none" dirty="0">
+                <a:solidFill>
+                  <a:srgbClr val="FFFF00"/>
+                </a:solidFill>
+                <a:latin typeface="Courier New"/>
+                <a:ea typeface="Courier New"/>
+                <a:cs typeface="Courier New"/>
+                <a:sym typeface="Courier New"/>
+              </a:rPr>
+              <a:t>['</a:t>
+            </a:r>
+            <a:r>
+              <a:rPr lang="en-US" sz="3000" b="1" i="0" u="none" strike="noStrike" cap="none" dirty="0" err="1">
+                <a:solidFill>
+                  <a:srgbClr val="FFFF00"/>
+                </a:solidFill>
+                <a:latin typeface="Courier New"/>
+                <a:ea typeface="Courier New"/>
+                <a:cs typeface="Courier New"/>
+                <a:sym typeface="Courier New"/>
+              </a:rPr>
+              <a:t>stephen.marquard@</a:t>
+            </a:r>
+            <a:r>
+              <a:rPr lang="en-US" sz="3000" b="1" i="0" u="none" strike="noStrike" cap="none" dirty="0" err="1" smtClean="0">
+                <a:solidFill>
+                  <a:srgbClr val="FFFF00"/>
+                </a:solidFill>
+                <a:latin typeface="Courier New"/>
+                <a:ea typeface="Courier New"/>
+                <a:cs typeface="Courier New"/>
+                <a:sym typeface="Courier New"/>
+              </a:rPr>
+              <a:t>uct.ac.za</a:t>
+            </a:r>
+            <a:r>
+              <a:rPr lang="en-US" sz="3000" b="1" i="0" u="none" strike="noStrike" cap="none" dirty="0" smtClean="0">
+                <a:solidFill>
+                  <a:srgbClr val="FFFF00"/>
+                </a:solidFill>
+                <a:latin typeface="Courier New"/>
+                <a:ea typeface="Courier New"/>
+                <a:cs typeface="Courier New"/>
+                <a:sym typeface="Courier New"/>
+              </a:rPr>
+              <a:t>’]</a:t>
+            </a:r>
+            <a:endParaRPr lang="en-US" sz="3000" b="1" i="0" u="none" strike="noStrike" cap="none" dirty="0">
+              <a:solidFill>
+                <a:srgbClr val="FFFF00"/>
+              </a:solidFill>
+              <a:latin typeface="Courier New"/>
+              <a:ea typeface="Courier New"/>
+              <a:cs typeface="Courier New"/>
+              <a:sym typeface="Courier New"/>
+            </a:endParaRPr>
+          </a:p>
+        </p:txBody>
+      </p:sp>
+      <p:sp>
+        <p:nvSpPr>
+          <p:cNvPr id="373" name="Shape 373"/>
+          <p:cNvSpPr txBox="1"/>
+          <p:nvPr/>
+        </p:nvSpPr>
+        <p:spPr>
+          <a:xfrm>
+            <a:off x="11945942" y="4878481"/>
+            <a:ext cx="3238499" cy="926999"/>
+          </a:xfrm>
+          <a:prstGeom prst="rect">
+            <a:avLst/>
+          </a:prstGeom>
+          <a:noFill/>
+          <a:ln>
+            <a:noFill/>
+          </a:ln>
+        </p:spPr>
+        <p:txBody>
+          <a:bodyPr lIns="0" tIns="0" rIns="0" bIns="0" anchor="ctr" anchorCtr="0">
+            <a:noAutofit/>
+          </a:bodyPr>
+          <a:lstStyle/>
+          <a:p>
+            <a:pPr marL="0" marR="0" lvl="0" indent="0" algn="l" rtl="0">
+              <a:lnSpc>
+                <a:spcPct val="100000"/>
+              </a:lnSpc>
+              <a:spcBef>
+                <a:spcPts val="0"/>
+              </a:spcBef>
+              <a:spcAft>
+                <a:spcPts val="0"/>
+              </a:spcAft>
+              <a:buClr>
+                <a:srgbClr val="00FF00"/>
+              </a:buClr>
+              <a:buSzPct val="25000"/>
+              <a:buFont typeface="Cabin"/>
+              <a:buNone/>
+            </a:pPr>
+            <a:r>
+              <a:rPr lang="en-US" sz="5700" b="0" i="0" u="none" strike="noStrike" cap="none">
+                <a:solidFill>
+                  <a:srgbClr val="00FF00"/>
+                </a:solidFill>
+                <a:latin typeface="Courier New"/>
+                <a:ea typeface="Courier New"/>
+                <a:cs typeface="Courier New"/>
+                <a:sym typeface="Courier New"/>
+              </a:rPr>
+              <a:t>\S+</a:t>
+            </a:r>
+            <a:r>
+              <a:rPr lang="en-US" sz="5700">
+                <a:solidFill>
+                  <a:srgbClr val="FFFF00"/>
+                </a:solidFill>
+                <a:latin typeface="Courier New"/>
+                <a:ea typeface="Courier New"/>
+                <a:cs typeface="Courier New"/>
+                <a:sym typeface="Courier New"/>
+              </a:rPr>
+              <a:t>@</a:t>
+            </a:r>
+            <a:r>
+              <a:rPr lang="en-US" sz="5700" b="0" i="0" u="none" strike="noStrike" cap="none">
+                <a:solidFill>
+                  <a:srgbClr val="00FF00"/>
+                </a:solidFill>
+                <a:latin typeface="Courier New"/>
+                <a:ea typeface="Courier New"/>
+                <a:cs typeface="Courier New"/>
+                <a:sym typeface="Courier New"/>
+              </a:rPr>
+              <a:t>\S+</a:t>
+            </a:r>
+          </a:p>
+        </p:txBody>
+      </p:sp>
+      <p:sp>
+        <p:nvSpPr>
+          <p:cNvPr id="374" name="Shape 374"/>
+          <p:cNvSpPr txBox="1"/>
+          <p:nvPr/>
+        </p:nvSpPr>
+        <p:spPr>
+          <a:xfrm>
+            <a:off x="11930067" y="6640506"/>
+            <a:ext cx="3238499" cy="1663800"/>
+          </a:xfrm>
+          <a:prstGeom prst="rect">
+            <a:avLst/>
+          </a:prstGeom>
+          <a:noFill/>
+          <a:ln>
+            <a:noFill/>
+          </a:ln>
+        </p:spPr>
+        <p:txBody>
+          <a:bodyPr lIns="0" tIns="0" rIns="0" bIns="0" anchor="ctr" anchorCtr="0">
+            <a:noAutofit/>
+          </a:bodyPr>
+          <a:lstStyle/>
+          <a:p>
+            <a:pPr marL="0" marR="0" lvl="0" indent="0" algn="ctr" rtl="0">
+              <a:lnSpc>
+                <a:spcPct val="100000"/>
+              </a:lnSpc>
+              <a:spcBef>
+                <a:spcPts val="0"/>
+              </a:spcBef>
+              <a:spcAft>
+                <a:spcPts val="0"/>
+              </a:spcAft>
+              <a:buClr>
+                <a:srgbClr val="00FF00"/>
+              </a:buClr>
+              <a:buSzPct val="25000"/>
+              <a:buFont typeface="Cabin"/>
+              <a:buNone/>
+            </a:pPr>
+            <a:r>
+              <a:rPr lang="en-US" sz="3600" u="none" strike="noStrike" cap="none" dirty="0">
+                <a:solidFill>
+                  <a:srgbClr val="00FF00"/>
+                </a:solidFill>
+                <a:latin typeface="Arial Regular" charset="0"/>
+                <a:ea typeface="Arial Regular" charset="0"/>
+                <a:cs typeface="Arial Regular" charset="0"/>
+                <a:sym typeface="Cabin"/>
+              </a:rPr>
+              <a:t>At least one non-whitespace character</a:t>
+            </a:r>
+          </a:p>
+        </p:txBody>
+      </p:sp>
+      <p:cxnSp>
+        <p:nvCxnSpPr>
+          <p:cNvPr id="375" name="Shape 375"/>
+          <p:cNvCxnSpPr/>
+          <p:nvPr/>
+        </p:nvCxnSpPr>
+        <p:spPr>
+          <a:xfrm>
+            <a:off x="12733342" y="5881681"/>
+            <a:ext cx="177900" cy="689099"/>
+          </a:xfrm>
+          <a:prstGeom prst="straightConnector1">
+            <a:avLst/>
+          </a:prstGeom>
+          <a:noFill/>
+          <a:ln w="76200" cap="rnd" cmpd="sng">
+            <a:solidFill>
+              <a:srgbClr val="00FF00"/>
+            </a:solidFill>
+            <a:prstDash val="solid"/>
+            <a:miter/>
+            <a:headEnd type="stealth" w="med" len="med"/>
+            <a:tailEnd type="none" w="med" len="med"/>
+          </a:ln>
+        </p:spPr>
+      </p:cxnSp>
+      <p:cxnSp>
+        <p:nvCxnSpPr>
+          <p:cNvPr id="376" name="Shape 376"/>
+          <p:cNvCxnSpPr/>
+          <p:nvPr/>
+        </p:nvCxnSpPr>
+        <p:spPr>
+          <a:xfrm flipH="1">
+            <a:off x="14117504" y="5819767"/>
+            <a:ext cx="182699" cy="834899"/>
+          </a:xfrm>
+          <a:prstGeom prst="straightConnector1">
+            <a:avLst/>
+          </a:prstGeom>
+          <a:noFill/>
+          <a:ln w="76200" cap="rnd" cmpd="sng">
+            <a:solidFill>
+              <a:srgbClr val="00FF00"/>
+            </a:solidFill>
+            <a:prstDash val="solid"/>
+            <a:miter/>
+            <a:headEnd type="stealth" w="med" len="med"/>
+            <a:tailEnd type="none" w="med" len="med"/>
+          </a:ln>
+        </p:spPr>
+      </p:cxnSp>
+    </p:spTree>
+  </p:cSld>
+  <p:clrMapOvr>
+    <a:masterClrMapping/>
+  </p:clrMapOvr>
+  <p:timing>
+    <p:tnLst>
+      <p:par>
+        <p:cTn id="1" dur="indefinite" restart="never" nodeType="tmRoot"/>
+      </p:par>
+    </p:tnLst>
+  </p:timing>
+</p:sld>
+</file>
+
+<file path=ppt/slides/slide21.xml><?xml version="1.0" encoding="utf-8"?>
+<p:sld xmlns:a="http://schemas.openxmlformats.org/drawingml/2006/main" xmlns:r="http://schemas.openxmlformats.org/officeDocument/2006/relationships" xmlns:p="http://schemas.openxmlformats.org/presentationml/2006/main">
+  <p:cSld>
+    <p:spTree>
+      <p:nvGrpSpPr>
         <p:cNvPr id="1" name="Shape 380"/>
         <p:cNvGrpSpPr/>
         <p:nvPr/>
@@ -14423,7 +14478,7 @@
           </a:bodyPr>
           <a:lstStyle/>
           <a:p>
-            <a:pPr marL="457200" marR="0" lvl="0" indent="-457200" algn="l" rtl="0">
+            <a:pPr marL="0" marR="0" lvl="0" indent="0" algn="l" rtl="0">
               <a:lnSpc>
                 <a:spcPct val="100000"/>
               </a:lnSpc>
@@ -14434,7 +14489,7 @@
                 <a:spcPts val="0"/>
               </a:spcAft>
               <a:buSzPct val="100000"/>
-              <a:buFont typeface="Cabin"/>
+              <a:buNone/>
             </a:pPr>
             <a:r>
               <a:rPr lang="en-US" sz="3600" u="none" strike="noStrike" cap="none" dirty="0">
@@ -14659,7 +14714,7 @@
               <a:buNone/>
             </a:pPr>
             <a:r>
-              <a:rPr lang="en-US" sz="4800" b="0" i="0" u="none" strike="noStrike" cap="none" dirty="0">
+              <a:rPr lang="en-US" sz="4800" b="1" i="0" u="none" strike="noStrike" cap="none" dirty="0">
                 <a:solidFill>
                   <a:srgbClr val="FF7F00"/>
                 </a:solidFill>
@@ -14671,7 +14726,7 @@
               <a:t>^</a:t>
             </a:r>
             <a:r>
-              <a:rPr lang="en-US" sz="4800" b="0" i="0" u="none" strike="noStrike" cap="none" dirty="0" smtClean="0">
+              <a:rPr lang="en-US" sz="4800" b="1" i="0" u="none" strike="noStrike" cap="none" dirty="0" smtClean="0">
                 <a:solidFill>
                   <a:srgbClr val="FF7F00"/>
                 </a:solidFill>
@@ -14683,7 +14738,7 @@
               <a:t>From</a:t>
             </a:r>
             <a:r>
-              <a:rPr lang="en-US" sz="4800" dirty="0">
+              <a:rPr lang="en-US" sz="4800" b="1" dirty="0">
                 <a:solidFill>
                   <a:srgbClr val="FF7F00"/>
                 </a:solidFill>
@@ -14695,7 +14750,7 @@
               <a:t> </a:t>
             </a:r>
             <a:r>
-              <a:rPr lang="en-US" sz="4800" b="0" i="0" u="none" strike="noStrike" cap="none" dirty="0" smtClean="0">
+              <a:rPr lang="en-US" sz="4800" b="1" i="0" u="none" strike="noStrike" cap="none" dirty="0" smtClean="0">
                 <a:solidFill>
                   <a:srgbClr val="FF00FF"/>
                 </a:solidFill>
@@ -14707,7 +14762,7 @@
               <a:t>(</a:t>
             </a:r>
             <a:r>
-              <a:rPr lang="en-US" sz="4800" b="0" i="0" u="none" strike="noStrike" cap="none" dirty="0" smtClean="0">
+              <a:rPr lang="en-US" sz="4800" b="1" i="0" u="none" strike="noStrike" cap="none" dirty="0" smtClean="0">
                 <a:solidFill>
                   <a:srgbClr val="00FF00"/>
                 </a:solidFill>
@@ -14719,7 +14774,7 @@
               <a:t>\</a:t>
             </a:r>
             <a:r>
-              <a:rPr lang="en-US" sz="4800" b="0" i="0" u="none" strike="noStrike" cap="none" dirty="0">
+              <a:rPr lang="en-US" sz="4800" b="1" i="0" u="none" strike="noStrike" cap="none" dirty="0">
                 <a:solidFill>
                   <a:srgbClr val="00FF00"/>
                 </a:solidFill>
@@ -14731,7 +14786,7 @@
               <a:t>S+</a:t>
             </a:r>
             <a:r>
-              <a:rPr lang="en-US" sz="4800" b="0" i="0" u="none" strike="noStrike" cap="none" dirty="0">
+              <a:rPr lang="en-US" sz="4800" b="1" i="0" u="none" strike="noStrike" cap="none" dirty="0">
                 <a:solidFill>
                   <a:srgbClr val="FFFF00"/>
                 </a:solidFill>
@@ -14743,7 +14798,7 @@
               <a:t>@</a:t>
             </a:r>
             <a:r>
-              <a:rPr lang="en-US" sz="4800" b="0" i="0" u="none" strike="noStrike" cap="none" dirty="0">
+              <a:rPr lang="en-US" sz="4800" b="1" i="0" u="none" strike="noStrike" cap="none" dirty="0">
                 <a:solidFill>
                   <a:srgbClr val="00FF00"/>
                 </a:solidFill>
@@ -14755,7 +14810,7 @@
               <a:t>\S+</a:t>
             </a:r>
             <a:r>
-              <a:rPr lang="en-US" sz="4800" b="0" i="0" u="none" strike="noStrike" cap="none" dirty="0">
+              <a:rPr lang="en-US" sz="4800" b="1" i="0" u="none" strike="noStrike" cap="none" dirty="0">
                 <a:solidFill>
                   <a:srgbClr val="FF00FF"/>
                 </a:solidFill>
@@ -14777,7 +14832,7 @@
         </p:nvCxnSpPr>
         <p:spPr>
           <a:xfrm>
-            <a:off x="12788900" y="6634150"/>
+            <a:off x="12931237" y="6634150"/>
             <a:ext cx="177900" cy="689099"/>
           </a:xfrm>
           <a:prstGeom prst="straightConnector1">
@@ -14829,8 +14884,8 @@
         </p:nvSpPr>
         <p:spPr>
           <a:xfrm>
-            <a:off x="414163" y="5120500"/>
-            <a:ext cx="10471499" cy="3027299"/>
+            <a:off x="786416" y="5120500"/>
+            <a:ext cx="9100209" cy="3027299"/>
           </a:xfrm>
           <a:prstGeom prst="rect">
             <a:avLst/>
@@ -15306,7 +15361,7 @@
 </p:sld>
 </file>
 
-<file path=ppt/slides/slide21.xml><?xml version="1.0" encoding="utf-8"?>
+<file path=ppt/slides/slide22.xml><?xml version="1.0" encoding="utf-8"?>
 <p:sld xmlns:a="http://schemas.openxmlformats.org/drawingml/2006/main" xmlns:r="http://schemas.openxmlformats.org/officeDocument/2006/relationships" xmlns:p="http://schemas.openxmlformats.org/presentationml/2006/main">
   <p:cSld>
     <p:spTree>
@@ -15608,7 +15663,19 @@
               <a:t> </a:t>
             </a:r>
             <a:r>
-              <a:rPr lang="en-US" sz="2800" b="1" i="0" u="none" strike="noStrike" cap="none" dirty="0" err="1">
+              <a:rPr lang="en-US" sz="2800" b="1" i="0" u="none" strike="noStrike" cap="none" dirty="0" smtClean="0">
+                <a:solidFill>
+                  <a:srgbClr val="FFFF00"/>
+                </a:solidFill>
+                <a:latin typeface="Courier New"/>
+                <a:ea typeface="Courier New"/>
+                <a:cs typeface="Courier New"/>
+                <a:sym typeface="Courier New"/>
+              </a:rPr>
+              <a:t>(</a:t>
+            </a:r>
+            <a:r>
+              <a:rPr lang="en-US" sz="2800" b="1" i="0" u="none" strike="noStrike" cap="none" dirty="0" err="1" smtClean="0">
                 <a:solidFill>
                   <a:srgbClr val="00FF00"/>
                 </a:solidFill>
@@ -15618,10 +15685,22 @@
                 <a:sym typeface="Courier New"/>
               </a:rPr>
               <a:t>atpos</a:t>
+            </a:r>
+            <a:r>
+              <a:rPr lang="en-US" sz="2800" b="1" i="0" u="none" strike="noStrike" cap="none" dirty="0" smtClean="0">
+                <a:solidFill>
+                  <a:srgbClr val="FFFF00"/>
+                </a:solidFill>
+                <a:latin typeface="Courier New"/>
+                <a:ea typeface="Courier New"/>
+                <a:cs typeface="Courier New"/>
+                <a:sym typeface="Courier New"/>
+              </a:rPr>
+              <a:t>)</a:t>
             </a:r>
             <a:endParaRPr lang="en-US" sz="2800" b="1" i="0" u="none" strike="noStrike" cap="none" dirty="0">
               <a:solidFill>
-                <a:srgbClr val="00FF00"/>
+                <a:srgbClr val="FFFF00"/>
               </a:solidFill>
               <a:latin typeface="Courier New"/>
               <a:ea typeface="Courier New"/>
@@ -15854,7 +15933,19 @@
               <a:t> </a:t>
             </a:r>
             <a:r>
-              <a:rPr lang="en-US" sz="2800" b="1" i="0" u="none" strike="noStrike" cap="none" dirty="0" err="1">
+              <a:rPr lang="en-US" sz="2800" b="1" i="0" u="none" strike="noStrike" cap="none" dirty="0" smtClean="0">
+                <a:solidFill>
+                  <a:srgbClr val="FFFF00"/>
+                </a:solidFill>
+                <a:latin typeface="Courier New"/>
+                <a:ea typeface="Courier New"/>
+                <a:cs typeface="Courier New"/>
+                <a:sym typeface="Courier New"/>
+              </a:rPr>
+              <a:t>(</a:t>
+            </a:r>
+            <a:r>
+              <a:rPr lang="en-US" sz="2800" b="1" i="0" u="none" strike="noStrike" cap="none" dirty="0" err="1" smtClean="0">
                 <a:solidFill>
                   <a:srgbClr val="00FF00"/>
                 </a:solidFill>
@@ -15864,10 +15955,22 @@
                 <a:sym typeface="Courier New"/>
               </a:rPr>
               <a:t>sppos</a:t>
+            </a:r>
+            <a:r>
+              <a:rPr lang="en-US" sz="2800" b="1" i="0" u="none" strike="noStrike" cap="none" dirty="0" smtClean="0">
+                <a:solidFill>
+                  <a:srgbClr val="FFFF00"/>
+                </a:solidFill>
+                <a:latin typeface="Courier New"/>
+                <a:ea typeface="Courier New"/>
+                <a:cs typeface="Courier New"/>
+                <a:sym typeface="Courier New"/>
+              </a:rPr>
+              <a:t>)</a:t>
             </a:r>
             <a:endParaRPr lang="en-US" sz="2800" b="1" i="0" u="none" strike="noStrike" cap="none" dirty="0">
               <a:solidFill>
-                <a:srgbClr val="00FF00"/>
+                <a:srgbClr val="FFFF00"/>
               </a:solidFill>
               <a:latin typeface="Courier New"/>
               <a:ea typeface="Courier New"/>
@@ -16112,7 +16215,19 @@
               <a:t> </a:t>
             </a:r>
             <a:r>
-              <a:rPr lang="en-US" sz="2800" b="1" i="0" u="none" strike="noStrike" cap="none" dirty="0">
+              <a:rPr lang="en-US" sz="2800" b="1" i="0" u="none" strike="noStrike" cap="none" dirty="0" smtClean="0">
+                <a:solidFill>
+                  <a:srgbClr val="FFFF00"/>
+                </a:solidFill>
+                <a:latin typeface="Courier New"/>
+                <a:ea typeface="Courier New"/>
+                <a:cs typeface="Courier New"/>
+                <a:sym typeface="Courier New"/>
+              </a:rPr>
+              <a:t>(</a:t>
+            </a:r>
+            <a:r>
+              <a:rPr lang="en-US" sz="2800" b="1" i="0" u="none" strike="noStrike" cap="none" dirty="0" smtClean="0">
                 <a:solidFill>
                   <a:srgbClr val="00FF00"/>
                 </a:solidFill>
@@ -16123,6 +16238,27 @@
               </a:rPr>
               <a:t>host</a:t>
             </a:r>
+            <a:r>
+              <a:rPr lang="en-US" sz="2800" b="1" i="0" u="none" strike="noStrike" cap="none" dirty="0" smtClean="0">
+                <a:solidFill>
+                  <a:srgbClr val="FFFF00"/>
+                </a:solidFill>
+                <a:latin typeface="Courier New"/>
+                <a:ea typeface="Courier New"/>
+                <a:cs typeface="Courier New"/>
+                <a:sym typeface="Courier New"/>
+              </a:rPr>
+              <a:t>)</a:t>
+            </a:r>
+            <a:endParaRPr lang="en-US" sz="2800" b="1" i="0" u="none" strike="noStrike" cap="none" dirty="0">
+              <a:solidFill>
+                <a:srgbClr val="FFFF00"/>
+              </a:solidFill>
+              <a:latin typeface="Courier New"/>
+              <a:ea typeface="Courier New"/>
+              <a:cs typeface="Courier New"/>
+              <a:sym typeface="Courier New"/>
+            </a:endParaRPr>
           </a:p>
           <a:p>
             <a:pPr marL="0" marR="0" lvl="0" indent="0" algn="l" rtl="0">
@@ -16209,19 +16345,31 @@
               <a:buNone/>
             </a:pPr>
             <a:r>
-              <a:rPr lang="en-US" sz="3600" b="1" i="0" u="none" strike="noStrike" cap="none">
-                <a:solidFill>
-                  <a:schemeClr val="lt1"/>
-                </a:solidFill>
-                <a:latin typeface="Courier New"/>
-                <a:ea typeface="Courier New"/>
-                <a:cs typeface="Courier New"/>
-                <a:sym typeface="Courier New"/>
-              </a:rPr>
-              <a:t>From stephen.marquard</a:t>
-            </a:r>
-            <a:r>
-              <a:rPr lang="en-US" sz="3600" b="1" i="0" u="none" strike="noStrike" cap="none">
+              <a:rPr lang="en-US" sz="3600" b="1" i="0" u="none" strike="noStrike" cap="none" dirty="0">
+                <a:solidFill>
+                  <a:schemeClr val="lt1"/>
+                </a:solidFill>
+                <a:latin typeface="Courier New"/>
+                <a:ea typeface="Courier New"/>
+                <a:cs typeface="Courier New"/>
+                <a:sym typeface="Courier New"/>
+              </a:rPr>
+              <a:t>From </a:t>
+            </a:r>
+            <a:r>
+              <a:rPr lang="en-US" sz="3600" b="1" i="0" u="none" strike="noStrike" cap="none" dirty="0" err="1">
+                <a:solidFill>
+                  <a:schemeClr val="lt1"/>
+                </a:solidFill>
+                <a:latin typeface="Courier New"/>
+                <a:ea typeface="Courier New"/>
+                <a:cs typeface="Courier New"/>
+                <a:sym typeface="Courier New"/>
+              </a:rPr>
+              <a:t>stephen.marquard</a:t>
+            </a:r>
+            <a:r>
+              <a:rPr lang="en-US" sz="3600" b="1" i="0" u="none" strike="noStrike" cap="none" dirty="0" err="1">
                 <a:solidFill>
                   <a:srgbClr val="FFFF00"/>
                 </a:solidFill>
@@ -16233,16 +16381,28 @@
               <a:t>@</a:t>
             </a:r>
             <a:r>
-              <a:rPr lang="en-US" sz="3600" b="1" i="0" u="none" strike="noStrike" cap="none">
-                <a:solidFill>
-                  <a:schemeClr val="lt1"/>
-                </a:solidFill>
-                <a:latin typeface="Courier New"/>
-                <a:ea typeface="Courier New"/>
-                <a:cs typeface="Courier New"/>
-                <a:sym typeface="Courier New"/>
-              </a:rPr>
-              <a:t>uct.ac.za Sat Jan  5 09:14:16 2008</a:t>
+              <a:rPr lang="en-US" sz="3600" b="1" i="0" u="none" strike="noStrike" cap="none" dirty="0" err="1">
+                <a:solidFill>
+                  <a:schemeClr val="lt1"/>
+                </a:solidFill>
+                <a:latin typeface="Courier New"/>
+                <a:ea typeface="Courier New"/>
+                <a:cs typeface="Courier New"/>
+                <a:sym typeface="Courier New"/>
+              </a:rPr>
+              <a:t>uct.ac.za</a:t>
+            </a:r>
+            <a:r>
+              <a:rPr lang="en-US" sz="3600" b="1" i="0" u="none" strike="noStrike" cap="none" dirty="0">
+                <a:solidFill>
+                  <a:schemeClr val="lt1"/>
+                </a:solidFill>
+                <a:latin typeface="Courier New"/>
+                <a:ea typeface="Courier New"/>
+                <a:cs typeface="Courier New"/>
+                <a:sym typeface="Courier New"/>
+              </a:rPr>
+              <a:t> Sat Jan  5 09:14:16 2008</a:t>
             </a:r>
           </a:p>
         </p:txBody>
@@ -16255,7 +16415,7 @@
         </p:nvSpPr>
         <p:spPr>
           <a:xfrm>
-            <a:off x="6016625" y="825500"/>
+            <a:off x="5950931" y="825500"/>
             <a:ext cx="571500" cy="622299"/>
           </a:xfrm>
           <a:prstGeom prst="rect">
@@ -16369,7 +16529,7 @@
         </p:nvCxnSpPr>
         <p:spPr>
           <a:xfrm rot="10800000">
-            <a:off x="6302375" y="1481137"/>
+            <a:off x="6236681" y="1481137"/>
             <a:ext cx="19049" cy="373061"/>
           </a:xfrm>
           <a:prstGeom prst="straightConnector1">
@@ -16447,7 +16607,7 @@
         </p:nvSpPr>
         <p:spPr>
           <a:xfrm>
-            <a:off x="11055350" y="5918200"/>
+            <a:off x="10902069" y="4779647"/>
             <a:ext cx="4457700" cy="1892300"/>
           </a:xfrm>
           <a:prstGeom prst="rect">
@@ -16511,7 +16671,7 @@
 </p:sld>
 </file>
 
-<file path=ppt/slides/slide22.xml><?xml version="1.0" encoding="utf-8"?>
+<file path=ppt/slides/slide23.xml><?xml version="1.0" encoding="utf-8"?>
 <p:sld xmlns:a="http://schemas.openxmlformats.org/drawingml/2006/main" xmlns:r="http://schemas.openxmlformats.org/officeDocument/2006/relationships" xmlns:p="http://schemas.openxmlformats.org/presentationml/2006/main">
   <p:cSld>
     <p:spTree>
@@ -16596,6 +16756,10 @@
           </p:nvPr>
         </p:nvSpPr>
         <p:spPr>
+          <a:xfrm>
+            <a:off x="1155700" y="2603501"/>
+            <a:ext cx="13932000" cy="1677020"/>
+          </a:xfrm>
           <a:prstGeom prst="rect">
             <a:avLst/>
           </a:prstGeom>
@@ -16610,7 +16774,7 @@
           </a:bodyPr>
           <a:lstStyle/>
           <a:p>
-            <a:pPr marL="457200" marR="0" lvl="0" indent="-457200" algn="l" rtl="0">
+            <a:pPr marL="0" marR="0" lvl="0" indent="0" algn="l" rtl="0">
               <a:lnSpc>
                 <a:spcPct val="100000"/>
               </a:lnSpc>
@@ -16621,7 +16785,7 @@
                 <a:spcPts val="0"/>
               </a:spcAft>
               <a:buSzPct val="100000"/>
-              <a:buFont typeface="Cabin"/>
+              <a:buNone/>
             </a:pPr>
             <a:r>
               <a:rPr lang="en-US" sz="3600" u="none" strike="noStrike" cap="none" dirty="0">
@@ -17120,7 +17284,7 @@
         </p:nvSpPr>
         <p:spPr>
           <a:xfrm>
-            <a:off x="7246300" y="6843100"/>
+            <a:off x="7301045" y="6843100"/>
             <a:ext cx="2729099" cy="548399"/>
           </a:xfrm>
           <a:prstGeom prst="rect">
@@ -17196,7 +17360,7 @@
 </p:sld>
 </file>
 
-<file path=ppt/slides/slide23.xml><?xml version="1.0" encoding="utf-8"?>
+<file path=ppt/slides/slide24.xml><?xml version="1.0" encoding="utf-8"?>
 <p:sld xmlns:a="http://schemas.openxmlformats.org/drawingml/2006/main" xmlns:r="http://schemas.openxmlformats.org/officeDocument/2006/relationships" xmlns:p="http://schemas.openxmlformats.org/presentationml/2006/main">
   <p:cSld>
     <p:spTree>
@@ -17224,6 +17388,10 @@
           </p:nvPr>
         </p:nvSpPr>
         <p:spPr>
+          <a:xfrm>
+            <a:off x="1330878" y="883957"/>
+            <a:ext cx="13932000" cy="1725512"/>
+          </a:xfrm>
           <a:prstGeom prst="rect">
             <a:avLst/>
           </a:prstGeom>
@@ -17466,7 +17634,7 @@
         </p:nvSpPr>
         <p:spPr>
           <a:xfrm>
-            <a:off x="457200" y="2686050"/>
+            <a:off x="707596" y="2689933"/>
             <a:ext cx="14226599" cy="673199"/>
           </a:xfrm>
           <a:prstGeom prst="rect">
@@ -17547,7 +17715,7 @@
         </p:nvSpPr>
         <p:spPr>
           <a:xfrm>
-            <a:off x="466725" y="3505400"/>
+            <a:off x="707596" y="3527296"/>
             <a:ext cx="14919049" cy="2596850"/>
           </a:xfrm>
           <a:prstGeom prst="rect">
@@ -17895,7 +18063,7 @@
 </p:sld>
 </file>
 
-<file path=ppt/slides/slide24.xml><?xml version="1.0" encoding="utf-8"?>
+<file path=ppt/slides/slide25.xml><?xml version="1.0" encoding="utf-8"?>
 <p:sld xmlns:a="http://schemas.openxmlformats.org/drawingml/2006/main" xmlns:r="http://schemas.openxmlformats.org/officeDocument/2006/relationships" xmlns:p="http://schemas.openxmlformats.org/presentationml/2006/main">
   <p:cSld>
     <p:spTree>
@@ -18154,7 +18322,7 @@
         <p:spPr>
           <a:xfrm>
             <a:off x="10431461" y="6672261"/>
-            <a:ext cx="981900" cy="949500"/>
+            <a:ext cx="747105" cy="949500"/>
           </a:xfrm>
           <a:prstGeom prst="straightConnector1">
             <a:avLst/>
@@ -18256,94 +18424,13 @@
       </p:sp>
       <p:sp>
         <p:nvSpPr>
-          <p:cNvPr id="432" name="Shape 432"/>
-          <p:cNvSpPr txBox="1"/>
-          <p:nvPr/>
-        </p:nvSpPr>
-        <p:spPr>
-          <a:xfrm>
-            <a:off x="457200" y="2686050"/>
-            <a:ext cx="15478199" cy="673199"/>
-          </a:xfrm>
-          <a:prstGeom prst="rect">
-            <a:avLst/>
-          </a:prstGeom>
-          <a:noFill/>
-          <a:ln>
-            <a:noFill/>
-          </a:ln>
-        </p:spPr>
-        <p:txBody>
-          <a:bodyPr lIns="0" tIns="0" rIns="0" bIns="0" anchor="ctr" anchorCtr="0">
-            <a:noAutofit/>
-          </a:bodyPr>
-          <a:lstStyle/>
-          <a:p>
-            <a:pPr marL="0" marR="0" lvl="0" indent="0" algn="l" rtl="0">
-              <a:lnSpc>
-                <a:spcPct val="100000"/>
-              </a:lnSpc>
-              <a:spcBef>
-                <a:spcPts val="0"/>
-              </a:spcBef>
-              <a:spcAft>
-                <a:spcPts val="0"/>
-              </a:spcAft>
-              <a:buClr>
-                <a:srgbClr val="FF7F00"/>
-              </a:buClr>
-              <a:buSzPct val="25000"/>
-              <a:buFont typeface="Arial"/>
-              <a:buNone/>
-            </a:pPr>
-            <a:r>
-              <a:rPr lang="en-US" sz="3000" b="1" i="0" u="none" strike="noStrike" cap="none">
-                <a:solidFill>
-                  <a:srgbClr val="FF7F00"/>
-                </a:solidFill>
-                <a:latin typeface="Courier New"/>
-                <a:ea typeface="Courier New"/>
-                <a:cs typeface="Courier New"/>
-                <a:sym typeface="Courier New"/>
-              </a:rPr>
-              <a:t>From stephen.marquard@</a:t>
-            </a:r>
-            <a:r>
-              <a:rPr lang="en-US" sz="3000" b="1" i="0" u="none" strike="noStrike" cap="none">
-                <a:solidFill>
-                  <a:srgbClr val="00FF00"/>
-                </a:solidFill>
-                <a:latin typeface="Courier New"/>
-                <a:ea typeface="Courier New"/>
-                <a:cs typeface="Courier New"/>
-                <a:sym typeface="Courier New"/>
-              </a:rPr>
-              <a:t>uct.ac.za</a:t>
-            </a:r>
-            <a:r>
-              <a:rPr lang="en-US" sz="3000" b="1" i="0" u="none" strike="noStrike" cap="none">
-                <a:solidFill>
-                  <a:srgbClr val="FF7F00"/>
-                </a:solidFill>
-                <a:latin typeface="Courier New"/>
-                <a:ea typeface="Courier New"/>
-                <a:cs typeface="Courier New"/>
-                <a:sym typeface="Courier New"/>
-              </a:rPr>
-              <a:t> Sat Jan  5 09:14:16 2008</a:t>
-            </a:r>
-          </a:p>
-        </p:txBody>
-      </p:sp>
-      <p:sp>
-        <p:nvSpPr>
           <p:cNvPr id="12" name="Shape 420"/>
           <p:cNvSpPr txBox="1"/>
           <p:nvPr/>
         </p:nvSpPr>
         <p:spPr>
           <a:xfrm>
-            <a:off x="466725" y="3505400"/>
+            <a:off x="707596" y="3529457"/>
             <a:ext cx="14919049" cy="2596850"/>
           </a:xfrm>
           <a:prstGeom prst="rect">
@@ -18672,6 +18759,87 @@
                 <a:sym typeface="Courier New"/>
               </a:rPr>
               <a:t>']</a:t>
+            </a:r>
+          </a:p>
+        </p:txBody>
+      </p:sp>
+      <p:sp>
+        <p:nvSpPr>
+          <p:cNvPr id="11" name="Shape 419"/>
+          <p:cNvSpPr txBox="1"/>
+          <p:nvPr/>
+        </p:nvSpPr>
+        <p:spPr>
+          <a:xfrm>
+            <a:off x="707596" y="2689933"/>
+            <a:ext cx="14226599" cy="673199"/>
+          </a:xfrm>
+          <a:prstGeom prst="rect">
+            <a:avLst/>
+          </a:prstGeom>
+          <a:noFill/>
+          <a:ln>
+            <a:noFill/>
+          </a:ln>
+        </p:spPr>
+        <p:txBody>
+          <a:bodyPr lIns="0" tIns="0" rIns="0" bIns="0" anchor="ctr" anchorCtr="0">
+            <a:noAutofit/>
+          </a:bodyPr>
+          <a:lstStyle/>
+          <a:p>
+            <a:pPr marL="0" marR="0" lvl="0" indent="0" algn="l" rtl="0">
+              <a:lnSpc>
+                <a:spcPct val="100000"/>
+              </a:lnSpc>
+              <a:spcBef>
+                <a:spcPts val="0"/>
+              </a:spcBef>
+              <a:spcAft>
+                <a:spcPts val="0"/>
+              </a:spcAft>
+              <a:buClr>
+                <a:srgbClr val="FF7F00"/>
+              </a:buClr>
+              <a:buSzPct val="25000"/>
+              <a:buFont typeface="Arial"/>
+              <a:buNone/>
+            </a:pPr>
+            <a:r>
+              <a:rPr lang="en-US" sz="3000" b="1" i="0" u="none" strike="noStrike" cap="none">
+                <a:solidFill>
+                  <a:srgbClr val="FF7F00"/>
+                </a:solidFill>
+                <a:latin typeface="Courier New"/>
+                <a:ea typeface="Courier New"/>
+                <a:cs typeface="Courier New"/>
+                <a:sym typeface="Courier New"/>
+              </a:rPr>
+              <a:t>From stephen.marquard@</a:t>
+            </a:r>
+            <a:r>
+              <a:rPr lang="en-US" sz="3000" b="1" i="0" u="none" strike="noStrike" cap="none">
+                <a:solidFill>
+                  <a:srgbClr val="00FF00"/>
+                </a:solidFill>
+                <a:latin typeface="Courier New"/>
+                <a:ea typeface="Courier New"/>
+                <a:cs typeface="Courier New"/>
+                <a:sym typeface="Courier New"/>
+              </a:rPr>
+              <a:t>uct.ac.za</a:t>
+            </a:r>
+            <a:r>
+              <a:rPr lang="en-US" sz="3000" b="1" i="0" u="none" strike="noStrike" cap="none">
+                <a:solidFill>
+                  <a:srgbClr val="FF7F00"/>
+                </a:solidFill>
+                <a:latin typeface="Courier New"/>
+                <a:ea typeface="Courier New"/>
+                <a:cs typeface="Courier New"/>
+                <a:sym typeface="Courier New"/>
+              </a:rPr>
+              <a:t> Sat Jan  5 09:14:16 2008</a:t>
             </a:r>
           </a:p>
         </p:txBody>
@@ -18691,7 +18859,7 @@
 </p:sld>
 </file>
 
-<file path=ppt/slides/slide25.xml><?xml version="1.0" encoding="utf-8"?>
+<file path=ppt/slides/slide26.xml><?xml version="1.0" encoding="utf-8"?>
 <p:sld xmlns:a="http://schemas.openxmlformats.org/drawingml/2006/main" xmlns:r="http://schemas.openxmlformats.org/officeDocument/2006/relationships" xmlns:p="http://schemas.openxmlformats.org/presentationml/2006/main">
   <p:cSld>
     <p:spTree>
@@ -18993,14 +19161,14 @@
       </p:cxnSp>
       <p:sp>
         <p:nvSpPr>
-          <p:cNvPr id="443" name="Shape 443"/>
+          <p:cNvPr id="11" name="Shape 419"/>
           <p:cNvSpPr txBox="1"/>
           <p:nvPr/>
         </p:nvSpPr>
         <p:spPr>
           <a:xfrm>
-            <a:off x="457200" y="2686050"/>
-            <a:ext cx="15478199" cy="673199"/>
+            <a:off x="707596" y="2689933"/>
+            <a:ext cx="14226599" cy="673199"/>
           </a:xfrm>
           <a:prstGeom prst="rect">
             <a:avLst/>
@@ -19074,13 +19242,13 @@
       </p:sp>
       <p:sp>
         <p:nvSpPr>
-          <p:cNvPr id="10" name="Shape 420"/>
+          <p:cNvPr id="13" name="Shape 420"/>
           <p:cNvSpPr txBox="1"/>
           <p:nvPr/>
         </p:nvSpPr>
         <p:spPr>
           <a:xfrm>
-            <a:off x="466725" y="3505400"/>
+            <a:off x="707596" y="3529457"/>
             <a:ext cx="14919049" cy="2596850"/>
           </a:xfrm>
           <a:prstGeom prst="rect">
@@ -19428,7 +19596,7 @@
 </p:sld>
 </file>
 
-<file path=ppt/slides/slide26.xml><?xml version="1.0" encoding="utf-8"?>
+<file path=ppt/slides/slide27.xml><?xml version="1.0" encoding="utf-8"?>
 <p:sld xmlns:a="http://schemas.openxmlformats.org/drawingml/2006/main" xmlns:r="http://schemas.openxmlformats.org/officeDocument/2006/relationships" xmlns:p="http://schemas.openxmlformats.org/presentationml/2006/main">
   <p:cSld>
     <p:spTree>
@@ -19698,8 +19866,8 @@
         </p:nvCxnSpPr>
         <p:spPr>
           <a:xfrm>
-            <a:off x="9501186" y="6692900"/>
-            <a:ext cx="1683649" cy="1026699"/>
+            <a:off x="9052292" y="6656988"/>
+            <a:ext cx="1206588" cy="1062611"/>
           </a:xfrm>
           <a:prstGeom prst="straightConnector1">
             <a:avLst/>
@@ -19718,14 +19886,14 @@
       </p:cxnSp>
       <p:sp>
         <p:nvSpPr>
-          <p:cNvPr id="454" name="Shape 454"/>
+          <p:cNvPr id="10" name="Shape 419"/>
           <p:cNvSpPr txBox="1"/>
           <p:nvPr/>
         </p:nvSpPr>
         <p:spPr>
           <a:xfrm>
-            <a:off x="457200" y="2686050"/>
-            <a:ext cx="15478199" cy="673199"/>
+            <a:off x="707596" y="2689933"/>
+            <a:ext cx="14226599" cy="673199"/>
           </a:xfrm>
           <a:prstGeom prst="rect">
             <a:avLst/>
@@ -19799,14 +19967,14 @@
       </p:sp>
       <p:sp>
         <p:nvSpPr>
-          <p:cNvPr id="455" name="Shape 455"/>
+          <p:cNvPr id="11" name="Shape 466"/>
           <p:cNvSpPr txBox="1"/>
           <p:nvPr/>
         </p:nvSpPr>
         <p:spPr>
           <a:xfrm>
-            <a:off x="466725" y="3841750"/>
-            <a:ext cx="15760800" cy="2260499"/>
+            <a:off x="707596" y="3432292"/>
+            <a:ext cx="14983146" cy="2814738"/>
           </a:xfrm>
           <a:prstGeom prst="rect">
             <a:avLst/>
@@ -20177,7 +20345,7 @@
 </p:sld>
 </file>
 
-<file path=ppt/slides/slide27.xml><?xml version="1.0" encoding="utf-8"?>
+<file path=ppt/slides/slide28.xml><?xml version="1.0" encoding="utf-8"?>
 <p:sld xmlns:a="http://schemas.openxmlformats.org/drawingml/2006/main" xmlns:r="http://schemas.openxmlformats.org/officeDocument/2006/relationships" xmlns:p="http://schemas.openxmlformats.org/presentationml/2006/main">
   <p:cSld>
     <p:spTree>
@@ -20491,14 +20659,14 @@
       </p:cxnSp>
       <p:sp>
         <p:nvSpPr>
-          <p:cNvPr id="465" name="Shape 465"/>
+          <p:cNvPr id="466" name="Shape 466"/>
           <p:cNvSpPr txBox="1"/>
           <p:nvPr/>
         </p:nvSpPr>
         <p:spPr>
           <a:xfrm>
-            <a:off x="457200" y="2686050"/>
-            <a:ext cx="15478199" cy="673199"/>
+            <a:off x="707596" y="3432292"/>
+            <a:ext cx="14983146" cy="2814738"/>
           </a:xfrm>
           <a:prstGeom prst="rect">
             <a:avLst/>
@@ -20525,28 +20693,312 @@
                 <a:spcPts val="0"/>
               </a:spcAft>
               <a:buClr>
-                <a:srgbClr val="FF7F00"/>
+                <a:schemeClr val="lt1"/>
               </a:buClr>
               <a:buSzPct val="25000"/>
-              <a:buFont typeface="Arial"/>
-              <a:buNone/>
-            </a:pPr>
-            <a:r>
-              <a:rPr lang="en-US" sz="3000" b="1" i="0" u="none" strike="noStrike" cap="none">
-                <a:solidFill>
-                  <a:srgbClr val="FF7F00"/>
-                </a:solidFill>
-                <a:latin typeface="Courier New"/>
-                <a:ea typeface="Courier New"/>
-                <a:cs typeface="Courier New"/>
-                <a:sym typeface="Courier New"/>
-              </a:rPr>
-              <a:t>From stephen.marquard@</a:t>
-            </a:r>
-            <a:r>
-              <a:rPr lang="en-US" sz="3000" b="1" i="0" u="none" strike="noStrike" cap="none">
-                <a:solidFill>
-                  <a:srgbClr val="00FF00"/>
+              <a:buFont typeface="Courier New"/>
+              <a:buNone/>
+            </a:pPr>
+            <a:r>
+              <a:rPr lang="en-US" sz="3000" b="1" i="0" u="none" strike="noStrike" cap="none" dirty="0">
+                <a:solidFill>
+                  <a:schemeClr val="lt1"/>
+                </a:solidFill>
+                <a:latin typeface="Courier New"/>
+                <a:ea typeface="Courier New"/>
+                <a:cs typeface="Courier New"/>
+                <a:sym typeface="Courier New"/>
+              </a:rPr>
+              <a:t>import re </a:t>
+            </a:r>
+          </a:p>
+          <a:p>
+            <a:pPr marL="0" marR="0" lvl="0" indent="0" algn="l" rtl="0">
+              <a:lnSpc>
+                <a:spcPct val="100000"/>
+              </a:lnSpc>
+              <a:spcBef>
+                <a:spcPts val="0"/>
+              </a:spcBef>
+              <a:spcAft>
+                <a:spcPts val="0"/>
+              </a:spcAft>
+              <a:buClr>
+                <a:schemeClr val="lt1"/>
+              </a:buClr>
+              <a:buSzPct val="25000"/>
+              <a:buFont typeface="Courier New"/>
+              <a:buNone/>
+            </a:pPr>
+            <a:r>
+              <a:rPr lang="en-US" sz="3000" b="1" i="0" u="none" strike="noStrike" cap="none" dirty="0" err="1">
+                <a:solidFill>
+                  <a:schemeClr val="lt1"/>
+                </a:solidFill>
+                <a:latin typeface="Courier New"/>
+                <a:ea typeface="Courier New"/>
+                <a:cs typeface="Courier New"/>
+                <a:sym typeface="Courier New"/>
+              </a:rPr>
+              <a:t>lin</a:t>
+            </a:r>
+            <a:r>
+              <a:rPr lang="en-US" sz="3000" b="1" i="0" u="none" strike="noStrike" cap="none" dirty="0">
+                <a:solidFill>
+                  <a:schemeClr val="lt1"/>
+                </a:solidFill>
+                <a:latin typeface="Courier New"/>
+                <a:ea typeface="Courier New"/>
+                <a:cs typeface="Courier New"/>
+                <a:sym typeface="Courier New"/>
+              </a:rPr>
+              <a:t> = 'From </a:t>
+            </a:r>
+            <a:r>
+              <a:rPr lang="en-US" sz="3000" b="1" i="0" u="none" strike="noStrike" cap="none" dirty="0" err="1">
+                <a:solidFill>
+                  <a:schemeClr val="lt1"/>
+                </a:solidFill>
+                <a:latin typeface="Courier New"/>
+                <a:ea typeface="Courier New"/>
+                <a:cs typeface="Courier New"/>
+                <a:sym typeface="Courier New"/>
+              </a:rPr>
+              <a:t>stephen.marquard@uct.ac.za</a:t>
+            </a:r>
+            <a:r>
+              <a:rPr lang="en-US" sz="3000" b="1" i="0" u="none" strike="noStrike" cap="none" dirty="0">
+                <a:solidFill>
+                  <a:schemeClr val="lt1"/>
+                </a:solidFill>
+                <a:latin typeface="Courier New"/>
+                <a:ea typeface="Courier New"/>
+                <a:cs typeface="Courier New"/>
+                <a:sym typeface="Courier New"/>
+              </a:rPr>
+              <a:t> Sat Jan  5 09:14:16 2008'</a:t>
+            </a:r>
+          </a:p>
+          <a:p>
+            <a:pPr marL="0" marR="0" lvl="0" indent="0" algn="l" rtl="0">
+              <a:lnSpc>
+                <a:spcPct val="100000"/>
+              </a:lnSpc>
+              <a:spcBef>
+                <a:spcPts val="0"/>
+              </a:spcBef>
+              <a:spcAft>
+                <a:spcPts val="0"/>
+              </a:spcAft>
+              <a:buClr>
+                <a:schemeClr val="lt1"/>
+              </a:buClr>
+              <a:buSzPct val="25000"/>
+              <a:buFont typeface="Courier New"/>
+              <a:buNone/>
+            </a:pPr>
+            <a:r>
+              <a:rPr lang="en-US" sz="3000" b="1" i="0" u="none" strike="noStrike" cap="none" dirty="0">
+                <a:solidFill>
+                  <a:schemeClr val="lt1"/>
+                </a:solidFill>
+                <a:latin typeface="Courier New"/>
+                <a:ea typeface="Courier New"/>
+                <a:cs typeface="Courier New"/>
+                <a:sym typeface="Courier New"/>
+              </a:rPr>
+              <a:t>y = </a:t>
+            </a:r>
+            <a:r>
+              <a:rPr lang="en-US" sz="3000" b="1" i="0" u="none" strike="noStrike" cap="none" dirty="0" err="1">
+                <a:solidFill>
+                  <a:schemeClr val="lt1"/>
+                </a:solidFill>
+                <a:latin typeface="Courier New"/>
+                <a:ea typeface="Courier New"/>
+                <a:cs typeface="Courier New"/>
+                <a:sym typeface="Courier New"/>
+              </a:rPr>
+              <a:t>re.findall</a:t>
+            </a:r>
+            <a:r>
+              <a:rPr lang="en-US" sz="3000" b="1" i="0" u="none" strike="noStrike" cap="none" dirty="0">
+                <a:solidFill>
+                  <a:schemeClr val="lt1"/>
+                </a:solidFill>
+                <a:latin typeface="Courier New"/>
+                <a:ea typeface="Courier New"/>
+                <a:cs typeface="Courier New"/>
+                <a:sym typeface="Courier New"/>
+              </a:rPr>
+              <a:t>(</a:t>
+            </a:r>
+            <a:r>
+              <a:rPr lang="en-US" sz="3000" b="1" i="0" u="none" strike="noStrike" cap="none" dirty="0">
+                <a:solidFill>
+                  <a:srgbClr val="FFFF00"/>
+                </a:solidFill>
+                <a:latin typeface="Courier New"/>
+                <a:ea typeface="Courier New"/>
+                <a:cs typeface="Courier New"/>
+                <a:sym typeface="Courier New"/>
+              </a:rPr>
+              <a:t>'</a:t>
+            </a:r>
+            <a:r>
+              <a:rPr lang="en-US" sz="3000" b="1" dirty="0">
+                <a:solidFill>
+                  <a:srgbClr val="FFFF00"/>
+                </a:solidFill>
+                <a:latin typeface="Courier New"/>
+                <a:ea typeface="Courier New"/>
+                <a:cs typeface="Courier New"/>
+                <a:sym typeface="Courier New"/>
+              </a:rPr>
+              <a:t>^From .*@([^ ]*)</a:t>
+            </a:r>
+            <a:r>
+              <a:rPr lang="en-US" sz="3000" b="1" i="0" u="none" strike="noStrike" cap="none" dirty="0">
+                <a:solidFill>
+                  <a:srgbClr val="FFFF00"/>
+                </a:solidFill>
+                <a:latin typeface="Courier New"/>
+                <a:ea typeface="Courier New"/>
+                <a:cs typeface="Courier New"/>
+                <a:sym typeface="Courier New"/>
+              </a:rPr>
+              <a:t>'</a:t>
+            </a:r>
+            <a:r>
+              <a:rPr lang="en-US" sz="3000" b="1" i="0" u="none" strike="noStrike" cap="none" dirty="0">
+                <a:solidFill>
+                  <a:schemeClr val="lt1"/>
+                </a:solidFill>
+                <a:latin typeface="Courier New"/>
+                <a:ea typeface="Courier New"/>
+                <a:cs typeface="Courier New"/>
+                <a:sym typeface="Courier New"/>
+              </a:rPr>
+              <a:t>,</a:t>
+            </a:r>
+            <a:r>
+              <a:rPr lang="en-US" sz="3000" b="1" i="0" u="none" strike="noStrike" cap="none" dirty="0" err="1">
+                <a:solidFill>
+                  <a:schemeClr val="lt1"/>
+                </a:solidFill>
+                <a:latin typeface="Courier New"/>
+                <a:ea typeface="Courier New"/>
+                <a:cs typeface="Courier New"/>
+                <a:sym typeface="Courier New"/>
+              </a:rPr>
+              <a:t>lin</a:t>
+            </a:r>
+            <a:r>
+              <a:rPr lang="en-US" sz="3000" b="1" i="0" u="none" strike="noStrike" cap="none" dirty="0">
+                <a:solidFill>
+                  <a:schemeClr val="lt1"/>
+                </a:solidFill>
+                <a:latin typeface="Courier New"/>
+                <a:ea typeface="Courier New"/>
+                <a:cs typeface="Courier New"/>
+                <a:sym typeface="Courier New"/>
+              </a:rPr>
+              <a:t>)</a:t>
+            </a:r>
+          </a:p>
+          <a:p>
+            <a:pPr marL="0" marR="0" lvl="0" indent="0" algn="l" rtl="0">
+              <a:lnSpc>
+                <a:spcPct val="100000"/>
+              </a:lnSpc>
+              <a:spcBef>
+                <a:spcPts val="0"/>
+              </a:spcBef>
+              <a:spcAft>
+                <a:spcPts val="0"/>
+              </a:spcAft>
+              <a:buClr>
+                <a:schemeClr val="lt1"/>
+              </a:buClr>
+              <a:buSzPct val="25000"/>
+              <a:buFont typeface="Courier New"/>
+              <a:buNone/>
+            </a:pPr>
+            <a:r>
+              <a:rPr lang="en-US" sz="3000" b="1" i="0" u="none" strike="noStrike" cap="none" dirty="0" smtClean="0">
+                <a:solidFill>
+                  <a:schemeClr val="lt1"/>
+                </a:solidFill>
+                <a:latin typeface="Courier New"/>
+                <a:ea typeface="Courier New"/>
+                <a:cs typeface="Courier New"/>
+                <a:sym typeface="Courier New"/>
+              </a:rPr>
+              <a:t>print(y)</a:t>
+            </a:r>
+          </a:p>
+          <a:p>
+            <a:pPr marL="0" marR="0" lvl="0" indent="0" algn="l" rtl="0">
+              <a:lnSpc>
+                <a:spcPct val="100000"/>
+              </a:lnSpc>
+              <a:spcBef>
+                <a:spcPts val="0"/>
+              </a:spcBef>
+              <a:spcAft>
+                <a:spcPts val="0"/>
+              </a:spcAft>
+              <a:buClr>
+                <a:schemeClr val="lt1"/>
+              </a:buClr>
+              <a:buSzPct val="25000"/>
+              <a:buFont typeface="Courier New"/>
+              <a:buNone/>
+            </a:pPr>
+            <a:endParaRPr lang="en-US" sz="3000" b="1" i="0" u="none" strike="noStrike" cap="none" dirty="0">
+              <a:solidFill>
+                <a:schemeClr val="lt1"/>
+              </a:solidFill>
+              <a:latin typeface="Courier New"/>
+              <a:ea typeface="Courier New"/>
+              <a:cs typeface="Courier New"/>
+              <a:sym typeface="Courier New"/>
+            </a:endParaRPr>
+          </a:p>
+          <a:p>
+            <a:pPr marL="0" marR="0" lvl="0" indent="0" algn="l" rtl="0">
+              <a:lnSpc>
+                <a:spcPct val="100000"/>
+              </a:lnSpc>
+              <a:spcBef>
+                <a:spcPts val="0"/>
+              </a:spcBef>
+              <a:spcAft>
+                <a:spcPts val="0"/>
+              </a:spcAft>
+              <a:buClr>
+                <a:schemeClr val="lt1"/>
+              </a:buClr>
+              <a:buSzPct val="25000"/>
+              <a:buFont typeface="Courier New"/>
+              <a:buNone/>
+            </a:pPr>
+            <a:r>
+              <a:rPr lang="en-US" sz="3000" b="1" i="0" u="none" strike="noStrike" cap="none" dirty="0">
+                <a:solidFill>
+                  <a:schemeClr val="lt1"/>
+                </a:solidFill>
+                <a:latin typeface="Courier New"/>
+                <a:ea typeface="Courier New"/>
+                <a:cs typeface="Courier New"/>
+                <a:sym typeface="Courier New"/>
+              </a:rPr>
+              <a:t>['</a:t>
+            </a:r>
+            <a:r>
+              <a:rPr lang="en-US" sz="3000" b="1" i="0" u="none" strike="noStrike" cap="none" dirty="0" err="1">
+                <a:solidFill>
+                  <a:schemeClr val="lt1"/>
                 </a:solidFill>
                 <a:latin typeface="Courier New"/>
                 <a:ea typeface="Courier New"/>
@@ -20556,30 +21008,30 @@
               <a:t>uct.ac.za</a:t>
             </a:r>
             <a:r>
-              <a:rPr lang="en-US" sz="3000" b="1" i="0" u="none" strike="noStrike" cap="none">
-                <a:solidFill>
-                  <a:srgbClr val="FF7F00"/>
-                </a:solidFill>
-                <a:latin typeface="Courier New"/>
-                <a:ea typeface="Courier New"/>
-                <a:cs typeface="Courier New"/>
-                <a:sym typeface="Courier New"/>
-              </a:rPr>
-              <a:t> Sat Jan  5 09:14:16 2008</a:t>
+              <a:rPr lang="en-US" sz="3000" b="1" i="0" u="none" strike="noStrike" cap="none" dirty="0">
+                <a:solidFill>
+                  <a:schemeClr val="lt1"/>
+                </a:solidFill>
+                <a:latin typeface="Courier New"/>
+                <a:ea typeface="Courier New"/>
+                <a:cs typeface="Courier New"/>
+                <a:sym typeface="Courier New"/>
+              </a:rPr>
+              <a:t>']</a:t>
             </a:r>
           </a:p>
         </p:txBody>
       </p:sp>
       <p:sp>
         <p:nvSpPr>
-          <p:cNvPr id="466" name="Shape 466"/>
+          <p:cNvPr id="10" name="Shape 419"/>
           <p:cNvSpPr txBox="1"/>
           <p:nvPr/>
         </p:nvSpPr>
         <p:spPr>
           <a:xfrm>
-            <a:off x="466725" y="3503512"/>
-            <a:ext cx="15760800" cy="2814738"/>
+            <a:off x="707596" y="2689933"/>
+            <a:ext cx="14226599" cy="673199"/>
           </a:xfrm>
           <a:prstGeom prst="rect">
             <a:avLst/>
@@ -20606,312 +21058,28 @@
                 <a:spcPts val="0"/>
               </a:spcAft>
               <a:buClr>
-                <a:schemeClr val="lt1"/>
+                <a:srgbClr val="FF7F00"/>
               </a:buClr>
               <a:buSzPct val="25000"/>
-              <a:buFont typeface="Courier New"/>
-              <a:buNone/>
-            </a:pPr>
-            <a:r>
-              <a:rPr lang="en-US" sz="3000" b="1" i="0" u="none" strike="noStrike" cap="none" dirty="0">
-                <a:solidFill>
-                  <a:schemeClr val="lt1"/>
-                </a:solidFill>
-                <a:latin typeface="Courier New"/>
-                <a:ea typeface="Courier New"/>
-                <a:cs typeface="Courier New"/>
-                <a:sym typeface="Courier New"/>
-              </a:rPr>
-              <a:t>import re </a:t>
-            </a:r>
-          </a:p>
-          <a:p>
-            <a:pPr marL="0" marR="0" lvl="0" indent="0" algn="l" rtl="0">
-              <a:lnSpc>
-                <a:spcPct val="100000"/>
-              </a:lnSpc>
-              <a:spcBef>
-                <a:spcPts val="0"/>
-              </a:spcBef>
-              <a:spcAft>
-                <a:spcPts val="0"/>
-              </a:spcAft>
-              <a:buClr>
-                <a:schemeClr val="lt1"/>
-              </a:buClr>
-              <a:buSzPct val="25000"/>
-              <a:buFont typeface="Courier New"/>
-              <a:buNone/>
-            </a:pPr>
-            <a:r>
-              <a:rPr lang="en-US" sz="3000" b="1" i="0" u="none" strike="noStrike" cap="none" dirty="0" err="1">
-                <a:solidFill>
-                  <a:schemeClr val="lt1"/>
-                </a:solidFill>
-                <a:latin typeface="Courier New"/>
-                <a:ea typeface="Courier New"/>
-                <a:cs typeface="Courier New"/>
-                <a:sym typeface="Courier New"/>
-              </a:rPr>
-              <a:t>lin</a:t>
-            </a:r>
-            <a:r>
-              <a:rPr lang="en-US" sz="3000" b="1" i="0" u="none" strike="noStrike" cap="none" dirty="0">
-                <a:solidFill>
-                  <a:schemeClr val="lt1"/>
-                </a:solidFill>
-                <a:latin typeface="Courier New"/>
-                <a:ea typeface="Courier New"/>
-                <a:cs typeface="Courier New"/>
-                <a:sym typeface="Courier New"/>
-              </a:rPr>
-              <a:t> = 'From </a:t>
-            </a:r>
-            <a:r>
-              <a:rPr lang="en-US" sz="3000" b="1" i="0" u="none" strike="noStrike" cap="none" dirty="0" err="1">
-                <a:solidFill>
-                  <a:schemeClr val="lt1"/>
-                </a:solidFill>
-                <a:latin typeface="Courier New"/>
-                <a:ea typeface="Courier New"/>
-                <a:cs typeface="Courier New"/>
-                <a:sym typeface="Courier New"/>
-              </a:rPr>
-              <a:t>stephen.marquard@uct.ac.za</a:t>
-            </a:r>
-            <a:r>
-              <a:rPr lang="en-US" sz="3000" b="1" i="0" u="none" strike="noStrike" cap="none" dirty="0">
-                <a:solidFill>
-                  <a:schemeClr val="lt1"/>
-                </a:solidFill>
-                <a:latin typeface="Courier New"/>
-                <a:ea typeface="Courier New"/>
-                <a:cs typeface="Courier New"/>
-                <a:sym typeface="Courier New"/>
-              </a:rPr>
-              <a:t> Sat Jan  5 09:14:16 2008'</a:t>
-            </a:r>
-          </a:p>
-          <a:p>
-            <a:pPr marL="0" marR="0" lvl="0" indent="0" algn="l" rtl="0">
-              <a:lnSpc>
-                <a:spcPct val="100000"/>
-              </a:lnSpc>
-              <a:spcBef>
-                <a:spcPts val="0"/>
-              </a:spcBef>
-              <a:spcAft>
-                <a:spcPts val="0"/>
-              </a:spcAft>
-              <a:buClr>
-                <a:schemeClr val="lt1"/>
-              </a:buClr>
-              <a:buSzPct val="25000"/>
-              <a:buFont typeface="Courier New"/>
-              <a:buNone/>
-            </a:pPr>
-            <a:r>
-              <a:rPr lang="en-US" sz="3000" b="1" i="0" u="none" strike="noStrike" cap="none" dirty="0">
-                <a:solidFill>
-                  <a:schemeClr val="lt1"/>
-                </a:solidFill>
-                <a:latin typeface="Courier New"/>
-                <a:ea typeface="Courier New"/>
-                <a:cs typeface="Courier New"/>
-                <a:sym typeface="Courier New"/>
-              </a:rPr>
-              <a:t>y = </a:t>
-            </a:r>
-            <a:r>
-              <a:rPr lang="en-US" sz="3000" b="1" i="0" u="none" strike="noStrike" cap="none" dirty="0" err="1">
-                <a:solidFill>
-                  <a:schemeClr val="lt1"/>
-                </a:solidFill>
-                <a:latin typeface="Courier New"/>
-                <a:ea typeface="Courier New"/>
-                <a:cs typeface="Courier New"/>
-                <a:sym typeface="Courier New"/>
-              </a:rPr>
-              <a:t>re.findall</a:t>
-            </a:r>
-            <a:r>
-              <a:rPr lang="en-US" sz="3000" b="1" i="0" u="none" strike="noStrike" cap="none" dirty="0">
-                <a:solidFill>
-                  <a:schemeClr val="lt1"/>
-                </a:solidFill>
-                <a:latin typeface="Courier New"/>
-                <a:ea typeface="Courier New"/>
-                <a:cs typeface="Courier New"/>
-                <a:sym typeface="Courier New"/>
-              </a:rPr>
-              <a:t>(</a:t>
-            </a:r>
-            <a:r>
-              <a:rPr lang="en-US" sz="3000" b="1" i="0" u="none" strike="noStrike" cap="none" dirty="0">
-                <a:solidFill>
-                  <a:srgbClr val="FFFF00"/>
-                </a:solidFill>
-                <a:latin typeface="Courier New"/>
-                <a:ea typeface="Courier New"/>
-                <a:cs typeface="Courier New"/>
-                <a:sym typeface="Courier New"/>
-              </a:rPr>
-              <a:t>'</a:t>
-            </a:r>
-            <a:r>
-              <a:rPr lang="en-US" sz="3000" b="1" dirty="0">
-                <a:solidFill>
-                  <a:srgbClr val="FFFF00"/>
-                </a:solidFill>
-                <a:latin typeface="Courier New"/>
-                <a:ea typeface="Courier New"/>
-                <a:cs typeface="Courier New"/>
-                <a:sym typeface="Courier New"/>
-              </a:rPr>
-              <a:t>^From .*@([^ ]*)</a:t>
-            </a:r>
-            <a:r>
-              <a:rPr lang="en-US" sz="3000" b="1" i="0" u="none" strike="noStrike" cap="none" dirty="0">
-                <a:solidFill>
-                  <a:srgbClr val="FFFF00"/>
-                </a:solidFill>
-                <a:latin typeface="Courier New"/>
-                <a:ea typeface="Courier New"/>
-                <a:cs typeface="Courier New"/>
-                <a:sym typeface="Courier New"/>
-              </a:rPr>
-              <a:t>'</a:t>
-            </a:r>
-            <a:r>
-              <a:rPr lang="en-US" sz="3000" b="1" i="0" u="none" strike="noStrike" cap="none" dirty="0">
-                <a:solidFill>
-                  <a:schemeClr val="lt1"/>
-                </a:solidFill>
-                <a:latin typeface="Courier New"/>
-                <a:ea typeface="Courier New"/>
-                <a:cs typeface="Courier New"/>
-                <a:sym typeface="Courier New"/>
-              </a:rPr>
-              <a:t>,</a:t>
-            </a:r>
-            <a:r>
-              <a:rPr lang="en-US" sz="3000" b="1" i="0" u="none" strike="noStrike" cap="none" dirty="0" err="1">
-                <a:solidFill>
-                  <a:schemeClr val="lt1"/>
-                </a:solidFill>
-                <a:latin typeface="Courier New"/>
-                <a:ea typeface="Courier New"/>
-                <a:cs typeface="Courier New"/>
-                <a:sym typeface="Courier New"/>
-              </a:rPr>
-              <a:t>lin</a:t>
-            </a:r>
-            <a:r>
-              <a:rPr lang="en-US" sz="3000" b="1" i="0" u="none" strike="noStrike" cap="none" dirty="0">
-                <a:solidFill>
-                  <a:schemeClr val="lt1"/>
-                </a:solidFill>
-                <a:latin typeface="Courier New"/>
-                <a:ea typeface="Courier New"/>
-                <a:cs typeface="Courier New"/>
-                <a:sym typeface="Courier New"/>
-              </a:rPr>
-              <a:t>)</a:t>
-            </a:r>
-          </a:p>
-          <a:p>
-            <a:pPr marL="0" marR="0" lvl="0" indent="0" algn="l" rtl="0">
-              <a:lnSpc>
-                <a:spcPct val="100000"/>
-              </a:lnSpc>
-              <a:spcBef>
-                <a:spcPts val="0"/>
-              </a:spcBef>
-              <a:spcAft>
-                <a:spcPts val="0"/>
-              </a:spcAft>
-              <a:buClr>
-                <a:schemeClr val="lt1"/>
-              </a:buClr>
-              <a:buSzPct val="25000"/>
-              <a:buFont typeface="Courier New"/>
-              <a:buNone/>
-            </a:pPr>
-            <a:r>
-              <a:rPr lang="en-US" sz="3000" b="1" i="0" u="none" strike="noStrike" cap="none" dirty="0" smtClean="0">
-                <a:solidFill>
-                  <a:schemeClr val="lt1"/>
-                </a:solidFill>
-                <a:latin typeface="Courier New"/>
-                <a:ea typeface="Courier New"/>
-                <a:cs typeface="Courier New"/>
-                <a:sym typeface="Courier New"/>
-              </a:rPr>
-              <a:t>print(y)</a:t>
-            </a:r>
-          </a:p>
-          <a:p>
-            <a:pPr marL="0" marR="0" lvl="0" indent="0" algn="l" rtl="0">
-              <a:lnSpc>
-                <a:spcPct val="100000"/>
-              </a:lnSpc>
-              <a:spcBef>
-                <a:spcPts val="0"/>
-              </a:spcBef>
-              <a:spcAft>
-                <a:spcPts val="0"/>
-              </a:spcAft>
-              <a:buClr>
-                <a:schemeClr val="lt1"/>
-              </a:buClr>
-              <a:buSzPct val="25000"/>
-              <a:buFont typeface="Courier New"/>
-              <a:buNone/>
-            </a:pPr>
-            <a:endParaRPr lang="en-US" sz="3000" b="1" i="0" u="none" strike="noStrike" cap="none" dirty="0">
-              <a:solidFill>
-                <a:schemeClr val="lt1"/>
-              </a:solidFill>
-              <a:latin typeface="Courier New"/>
-              <a:ea typeface="Courier New"/>
-              <a:cs typeface="Courier New"/>
-              <a:sym typeface="Courier New"/>
-            </a:endParaRPr>
-          </a:p>
-          <a:p>
-            <a:pPr marL="0" marR="0" lvl="0" indent="0" algn="l" rtl="0">
-              <a:lnSpc>
-                <a:spcPct val="100000"/>
-              </a:lnSpc>
-              <a:spcBef>
-                <a:spcPts val="0"/>
-              </a:spcBef>
-              <a:spcAft>
-                <a:spcPts val="0"/>
-              </a:spcAft>
-              <a:buClr>
-                <a:schemeClr val="lt1"/>
-              </a:buClr>
-              <a:buSzPct val="25000"/>
-              <a:buFont typeface="Courier New"/>
-              <a:buNone/>
-            </a:pPr>
-            <a:r>
-              <a:rPr lang="en-US" sz="3000" b="1" i="0" u="none" strike="noStrike" cap="none" dirty="0">
-                <a:solidFill>
-                  <a:schemeClr val="lt1"/>
-                </a:solidFill>
-                <a:latin typeface="Courier New"/>
-                <a:ea typeface="Courier New"/>
-                <a:cs typeface="Courier New"/>
-                <a:sym typeface="Courier New"/>
-              </a:rPr>
-              <a:t>['</a:t>
-            </a:r>
-            <a:r>
-              <a:rPr lang="en-US" sz="3000" b="1" i="0" u="none" strike="noStrike" cap="none" dirty="0" err="1">
-                <a:solidFill>
-                  <a:schemeClr val="lt1"/>
+              <a:buFont typeface="Arial"/>
+              <a:buNone/>
+            </a:pPr>
+            <a:r>
+              <a:rPr lang="en-US" sz="3000" b="1" i="0" u="none" strike="noStrike" cap="none">
+                <a:solidFill>
+                  <a:srgbClr val="FF7F00"/>
+                </a:solidFill>
+                <a:latin typeface="Courier New"/>
+                <a:ea typeface="Courier New"/>
+                <a:cs typeface="Courier New"/>
+                <a:sym typeface="Courier New"/>
+              </a:rPr>
+              <a:t>From stephen.marquard@</a:t>
+            </a:r>
+            <a:r>
+              <a:rPr lang="en-US" sz="3000" b="1" i="0" u="none" strike="noStrike" cap="none">
+                <a:solidFill>
+                  <a:srgbClr val="00FF00"/>
                 </a:solidFill>
                 <a:latin typeface="Courier New"/>
                 <a:ea typeface="Courier New"/>
@@ -20921,16 +21089,16 @@
               <a:t>uct.ac.za</a:t>
             </a:r>
             <a:r>
-              <a:rPr lang="en-US" sz="3000" b="1" i="0" u="none" strike="noStrike" cap="none" dirty="0">
-                <a:solidFill>
-                  <a:schemeClr val="lt1"/>
-                </a:solidFill>
-                <a:latin typeface="Courier New"/>
-                <a:ea typeface="Courier New"/>
-                <a:cs typeface="Courier New"/>
-                <a:sym typeface="Courier New"/>
-              </a:rPr>
-              <a:t>']</a:t>
+              <a:rPr lang="en-US" sz="3000" b="1" i="0" u="none" strike="noStrike" cap="none">
+                <a:solidFill>
+                  <a:srgbClr val="FF7F00"/>
+                </a:solidFill>
+                <a:latin typeface="Courier New"/>
+                <a:ea typeface="Courier New"/>
+                <a:cs typeface="Courier New"/>
+                <a:sym typeface="Courier New"/>
+              </a:rPr>
+              <a:t> Sat Jan  5 09:14:16 2008</a:t>
             </a:r>
           </a:p>
         </p:txBody>
@@ -20950,7 +21118,7 @@
 </p:sld>
 </file>
 
-<file path=ppt/slides/slide28.xml><?xml version="1.0" encoding="utf-8"?>
+<file path=ppt/slides/slide29.xml><?xml version="1.0" encoding="utf-8"?>
 <p:sld xmlns:a="http://schemas.openxmlformats.org/drawingml/2006/main" xmlns:r="http://schemas.openxmlformats.org/officeDocument/2006/relationships" xmlns:p="http://schemas.openxmlformats.org/presentationml/2006/main">
   <p:cSld>
     <p:spTree>
@@ -21190,14 +21358,14 @@
       </p:cxnSp>
       <p:sp>
         <p:nvSpPr>
-          <p:cNvPr id="475" name="Shape 475"/>
+          <p:cNvPr id="8" name="Shape 419"/>
           <p:cNvSpPr txBox="1"/>
           <p:nvPr/>
         </p:nvSpPr>
         <p:spPr>
           <a:xfrm>
-            <a:off x="457200" y="2686050"/>
-            <a:ext cx="15478199" cy="673199"/>
+            <a:off x="707596" y="2689933"/>
+            <a:ext cx="14226599" cy="673199"/>
           </a:xfrm>
           <a:prstGeom prst="rect">
             <a:avLst/>
@@ -21271,14 +21439,14 @@
       </p:sp>
       <p:sp>
         <p:nvSpPr>
-          <p:cNvPr id="9" name="Shape 466"/>
+          <p:cNvPr id="11" name="Shape 466"/>
           <p:cNvSpPr txBox="1"/>
           <p:nvPr/>
         </p:nvSpPr>
         <p:spPr>
           <a:xfrm>
-            <a:off x="466725" y="3503512"/>
-            <a:ext cx="15760800" cy="2814738"/>
+            <a:off x="707596" y="3432292"/>
+            <a:ext cx="14983146" cy="2814738"/>
           </a:xfrm>
           <a:prstGeom prst="rect">
             <a:avLst/>
@@ -21649,7 +21817,259 @@
 </p:sld>
 </file>
 
-<file path=ppt/slides/slide29.xml><?xml version="1.0" encoding="utf-8"?>
+<file path=ppt/slides/slide3.xml><?xml version="1.0" encoding="utf-8"?>
+<p:sld xmlns:a="http://schemas.openxmlformats.org/drawingml/2006/main" xmlns:r="http://schemas.openxmlformats.org/officeDocument/2006/relationships" xmlns:p="http://schemas.openxmlformats.org/presentationml/2006/main">
+  <p:cSld>
+    <p:spTree>
+      <p:nvGrpSpPr>
+        <p:cNvPr id="1" name="Shape 219"/>
+        <p:cNvGrpSpPr/>
+        <p:nvPr/>
+      </p:nvGrpSpPr>
+      <p:grpSpPr>
+        <a:xfrm>
+          <a:off x="0" y="0"/>
+          <a:ext cx="0" cy="0"/>
+          <a:chOff x="0" y="0"/>
+          <a:chExt cx="0" cy="0"/>
+        </a:xfrm>
+      </p:grpSpPr>
+      <p:sp>
+        <p:nvSpPr>
+          <p:cNvPr id="220" name="Shape 220"/>
+          <p:cNvSpPr txBox="1">
+            <a:spLocks noGrp="1"/>
+          </p:cNvSpPr>
+          <p:nvPr>
+            <p:ph type="title"/>
+          </p:nvPr>
+        </p:nvSpPr>
+        <p:spPr>
+          <a:prstGeom prst="rect">
+            <a:avLst/>
+          </a:prstGeom>
+          <a:noFill/>
+          <a:ln>
+            <a:noFill/>
+          </a:ln>
+        </p:spPr>
+        <p:txBody>
+          <a:bodyPr lIns="50800" tIns="50800" rIns="50800" bIns="50800" anchor="ctr" anchorCtr="0">
+            <a:noAutofit/>
+          </a:bodyPr>
+          <a:lstStyle/>
+          <a:p>
+            <a:pPr marL="0" marR="0" lvl="0" indent="0" algn="ctr" rtl="0">
+              <a:lnSpc>
+                <a:spcPct val="100000"/>
+              </a:lnSpc>
+              <a:spcBef>
+                <a:spcPts val="0"/>
+              </a:spcBef>
+              <a:spcAft>
+                <a:spcPts val="0"/>
+              </a:spcAft>
+              <a:buClr>
+                <a:srgbClr val="00FF00"/>
+              </a:buClr>
+              <a:buSzPct val="25000"/>
+              <a:buFont typeface="Cabin"/>
+              <a:buNone/>
+            </a:pPr>
+            <a:r>
+              <a:rPr lang="en-US" sz="7800" u="none" strike="noStrike" cap="none">
+                <a:solidFill>
+                  <a:srgbClr val="FFD966"/>
+                </a:solidFill>
+                <a:latin typeface="Arial Regular" charset="0"/>
+                <a:ea typeface="Arial Regular" charset="0"/>
+                <a:cs typeface="Arial Regular" charset="0"/>
+                <a:sym typeface="Cabin"/>
+              </a:rPr>
+              <a:t>Regular Expressions</a:t>
+            </a:r>
+          </a:p>
+        </p:txBody>
+      </p:sp>
+      <p:sp>
+        <p:nvSpPr>
+          <p:cNvPr id="221" name="Shape 221"/>
+          <p:cNvSpPr txBox="1"/>
+          <p:nvPr/>
+        </p:nvSpPr>
+        <p:spPr>
+          <a:xfrm>
+            <a:off x="2641600" y="2844800"/>
+            <a:ext cx="10642599" cy="1219199"/>
+          </a:xfrm>
+          <a:prstGeom prst="rect">
+            <a:avLst/>
+          </a:prstGeom>
+          <a:noFill/>
+          <a:ln>
+            <a:noFill/>
+          </a:ln>
+        </p:spPr>
+        <p:txBody>
+          <a:bodyPr lIns="0" tIns="0" rIns="0" bIns="0" anchor="ctr" anchorCtr="0">
+            <a:noAutofit/>
+          </a:bodyPr>
+          <a:lstStyle/>
+          <a:p>
+            <a:pPr marL="0" marR="0" lvl="0" indent="0" algn="ctr" rtl="0">
+              <a:lnSpc>
+                <a:spcPct val="100000"/>
+              </a:lnSpc>
+              <a:spcBef>
+                <a:spcPts val="0"/>
+              </a:spcBef>
+              <a:spcAft>
+                <a:spcPts val="0"/>
+              </a:spcAft>
+              <a:buClr>
+                <a:schemeClr val="lt1"/>
+              </a:buClr>
+              <a:buSzPct val="25000"/>
+              <a:buFont typeface="Cabin"/>
+              <a:buNone/>
+            </a:pPr>
+            <a:r>
+              <a:rPr lang="en-US" sz="3800" u="none" strike="noStrike" cap="none">
+                <a:solidFill>
+                  <a:schemeClr val="lt1"/>
+                </a:solidFill>
+                <a:latin typeface="Arial Regular" charset="0"/>
+                <a:ea typeface="Arial Regular" charset="0"/>
+                <a:cs typeface="Arial Regular" charset="0"/>
+                <a:sym typeface="Cabin"/>
+              </a:rPr>
+              <a:t>Really clever </a:t>
+            </a:r>
+            <a:r>
+              <a:rPr lang="en-US" sz="3800">
+                <a:solidFill>
+                  <a:schemeClr val="lt1"/>
+                </a:solidFill>
+                <a:latin typeface="Arial Regular" charset="0"/>
+                <a:ea typeface="Arial Regular" charset="0"/>
+                <a:cs typeface="Arial Regular" charset="0"/>
+                <a:sym typeface="Cabin"/>
+              </a:rPr>
+              <a:t>“</a:t>
+            </a:r>
+            <a:r>
+              <a:rPr lang="en-US" sz="3800" u="none" strike="noStrike" cap="none">
+                <a:solidFill>
+                  <a:schemeClr val="lt1"/>
+                </a:solidFill>
+                <a:latin typeface="Arial Regular" charset="0"/>
+                <a:ea typeface="Arial Regular" charset="0"/>
+                <a:cs typeface="Arial Regular" charset="0"/>
+                <a:sym typeface="Cabin"/>
+              </a:rPr>
+              <a:t>wild card</a:t>
+            </a:r>
+            <a:r>
+              <a:rPr lang="en-US" sz="3800">
+                <a:solidFill>
+                  <a:schemeClr val="lt1"/>
+                </a:solidFill>
+                <a:latin typeface="Arial Regular" charset="0"/>
+                <a:ea typeface="Arial Regular" charset="0"/>
+                <a:cs typeface="Arial Regular" charset="0"/>
+                <a:sym typeface="Cabin"/>
+              </a:rPr>
+              <a:t>”</a:t>
+            </a:r>
+            <a:r>
+              <a:rPr lang="en-US" sz="3800" u="none" strike="noStrike" cap="none">
+                <a:solidFill>
+                  <a:schemeClr val="lt1"/>
+                </a:solidFill>
+                <a:latin typeface="Arial Regular" charset="0"/>
+                <a:ea typeface="Arial Regular" charset="0"/>
+                <a:cs typeface="Arial Regular" charset="0"/>
+                <a:sym typeface="Cabin"/>
+              </a:rPr>
+              <a:t> expressions for matching and parsing strings</a:t>
+            </a:r>
+          </a:p>
+        </p:txBody>
+      </p:sp>
+      <p:sp>
+        <p:nvSpPr>
+          <p:cNvPr id="222" name="Shape 222"/>
+          <p:cNvSpPr txBox="1"/>
+          <p:nvPr/>
+        </p:nvSpPr>
+        <p:spPr>
+          <a:xfrm>
+            <a:off x="2540075" y="8115300"/>
+            <a:ext cx="11408100" cy="660300"/>
+          </a:xfrm>
+          <a:prstGeom prst="rect">
+            <a:avLst/>
+          </a:prstGeom>
+          <a:noFill/>
+          <a:ln>
+            <a:noFill/>
+          </a:ln>
+        </p:spPr>
+        <p:txBody>
+          <a:bodyPr lIns="0" tIns="0" rIns="0" bIns="0" anchor="ctr" anchorCtr="0">
+            <a:noAutofit/>
+          </a:bodyPr>
+          <a:lstStyle/>
+          <a:p>
+            <a:pPr marL="0" marR="0" lvl="0" indent="0" algn="ctr" rtl="0">
+              <a:lnSpc>
+                <a:spcPct val="100000"/>
+              </a:lnSpc>
+              <a:spcBef>
+                <a:spcPts val="0"/>
+              </a:spcBef>
+              <a:spcAft>
+                <a:spcPts val="0"/>
+              </a:spcAft>
+              <a:buClr>
+                <a:srgbClr val="FFFF00"/>
+              </a:buClr>
+              <a:buSzPct val="25000"/>
+              <a:buFont typeface="Cabin"/>
+              <a:buNone/>
+            </a:pPr>
+            <a:r>
+              <a:rPr lang="en-US" sz="3000" u="sng" strike="noStrike" cap="none">
+                <a:solidFill>
+                  <a:srgbClr val="FFFF00"/>
+                </a:solidFill>
+                <a:latin typeface="Arial Regular" charset="0"/>
+                <a:ea typeface="Arial Regular" charset="0"/>
+                <a:cs typeface="Arial Regular" charset="0"/>
+                <a:sym typeface="Cabin"/>
+                <a:hlinkClick r:id="rId3"/>
+              </a:rPr>
+              <a:t>http://en.wikipedia.org/wiki/Regular_expression</a:t>
+            </a:r>
+          </a:p>
+        </p:txBody>
+      </p:sp>
+    </p:spTree>
+  </p:cSld>
+  <p:clrMapOvr>
+    <a:masterClrMapping/>
+  </p:clrMapOvr>
+  <p:timing>
+    <p:tnLst>
+      <p:par>
+        <p:cTn id="1" dur="indefinite" restart="never" nodeType="tmRoot"/>
+      </p:par>
+    </p:tnLst>
+  </p:timing>
+</p:sld>
+</file>
+
+<file path=ppt/slides/slide30.xml><?xml version="1.0" encoding="utf-8"?>
 <p:sld xmlns:a="http://schemas.openxmlformats.org/drawingml/2006/main" xmlns:r="http://schemas.openxmlformats.org/officeDocument/2006/relationships" xmlns:p="http://schemas.openxmlformats.org/presentationml/2006/main">
   <p:cSld>
     <p:spTree>
@@ -22055,14 +22475,14 @@
       </p:sp>
       <p:sp>
         <p:nvSpPr>
-          <p:cNvPr id="488" name="Shape 488"/>
+          <p:cNvPr id="11" name="Shape 466"/>
           <p:cNvSpPr txBox="1"/>
           <p:nvPr/>
         </p:nvSpPr>
         <p:spPr>
           <a:xfrm>
-            <a:off x="457200" y="2686050"/>
-            <a:ext cx="15478199" cy="673199"/>
+            <a:off x="707596" y="3432292"/>
+            <a:ext cx="14983146" cy="2814738"/>
           </a:xfrm>
           <a:prstGeom prst="rect">
             <a:avLst/>
@@ -22089,28 +22509,312 @@
                 <a:spcPts val="0"/>
               </a:spcAft>
               <a:buClr>
-                <a:srgbClr val="FF7F00"/>
+                <a:schemeClr val="lt1"/>
               </a:buClr>
               <a:buSzPct val="25000"/>
-              <a:buFont typeface="Arial"/>
-              <a:buNone/>
-            </a:pPr>
-            <a:r>
-              <a:rPr lang="en-US" sz="3000" b="1" i="0" u="none" strike="noStrike" cap="none">
-                <a:solidFill>
-                  <a:srgbClr val="FF7F00"/>
-                </a:solidFill>
-                <a:latin typeface="Courier New"/>
-                <a:ea typeface="Courier New"/>
-                <a:cs typeface="Courier New"/>
-                <a:sym typeface="Courier New"/>
-              </a:rPr>
-              <a:t>From stephen.marquard@</a:t>
-            </a:r>
-            <a:r>
-              <a:rPr lang="en-US" sz="3000" b="1" i="0" u="none" strike="noStrike" cap="none">
-                <a:solidFill>
-                  <a:srgbClr val="00FF00"/>
+              <a:buFont typeface="Courier New"/>
+              <a:buNone/>
+            </a:pPr>
+            <a:r>
+              <a:rPr lang="en-US" sz="3000" b="1" i="0" u="none" strike="noStrike" cap="none" dirty="0">
+                <a:solidFill>
+                  <a:schemeClr val="lt1"/>
+                </a:solidFill>
+                <a:latin typeface="Courier New"/>
+                <a:ea typeface="Courier New"/>
+                <a:cs typeface="Courier New"/>
+                <a:sym typeface="Courier New"/>
+              </a:rPr>
+              <a:t>import re </a:t>
+            </a:r>
+          </a:p>
+          <a:p>
+            <a:pPr marL="0" marR="0" lvl="0" indent="0" algn="l" rtl="0">
+              <a:lnSpc>
+                <a:spcPct val="100000"/>
+              </a:lnSpc>
+              <a:spcBef>
+                <a:spcPts val="0"/>
+              </a:spcBef>
+              <a:spcAft>
+                <a:spcPts val="0"/>
+              </a:spcAft>
+              <a:buClr>
+                <a:schemeClr val="lt1"/>
+              </a:buClr>
+              <a:buSzPct val="25000"/>
+              <a:buFont typeface="Courier New"/>
+              <a:buNone/>
+            </a:pPr>
+            <a:r>
+              <a:rPr lang="en-US" sz="3000" b="1" i="0" u="none" strike="noStrike" cap="none" dirty="0" err="1">
+                <a:solidFill>
+                  <a:schemeClr val="lt1"/>
+                </a:solidFill>
+                <a:latin typeface="Courier New"/>
+                <a:ea typeface="Courier New"/>
+                <a:cs typeface="Courier New"/>
+                <a:sym typeface="Courier New"/>
+              </a:rPr>
+              <a:t>lin</a:t>
+            </a:r>
+            <a:r>
+              <a:rPr lang="en-US" sz="3000" b="1" i="0" u="none" strike="noStrike" cap="none" dirty="0">
+                <a:solidFill>
+                  <a:schemeClr val="lt1"/>
+                </a:solidFill>
+                <a:latin typeface="Courier New"/>
+                <a:ea typeface="Courier New"/>
+                <a:cs typeface="Courier New"/>
+                <a:sym typeface="Courier New"/>
+              </a:rPr>
+              <a:t> = 'From </a:t>
+            </a:r>
+            <a:r>
+              <a:rPr lang="en-US" sz="3000" b="1" i="0" u="none" strike="noStrike" cap="none" dirty="0" err="1">
+                <a:solidFill>
+                  <a:schemeClr val="lt1"/>
+                </a:solidFill>
+                <a:latin typeface="Courier New"/>
+                <a:ea typeface="Courier New"/>
+                <a:cs typeface="Courier New"/>
+                <a:sym typeface="Courier New"/>
+              </a:rPr>
+              <a:t>stephen.marquard@uct.ac.za</a:t>
+            </a:r>
+            <a:r>
+              <a:rPr lang="en-US" sz="3000" b="1" i="0" u="none" strike="noStrike" cap="none" dirty="0">
+                <a:solidFill>
+                  <a:schemeClr val="lt1"/>
+                </a:solidFill>
+                <a:latin typeface="Courier New"/>
+                <a:ea typeface="Courier New"/>
+                <a:cs typeface="Courier New"/>
+                <a:sym typeface="Courier New"/>
+              </a:rPr>
+              <a:t> Sat Jan  5 09:14:16 2008'</a:t>
+            </a:r>
+          </a:p>
+          <a:p>
+            <a:pPr marL="0" marR="0" lvl="0" indent="0" algn="l" rtl="0">
+              <a:lnSpc>
+                <a:spcPct val="100000"/>
+              </a:lnSpc>
+              <a:spcBef>
+                <a:spcPts val="0"/>
+              </a:spcBef>
+              <a:spcAft>
+                <a:spcPts val="0"/>
+              </a:spcAft>
+              <a:buClr>
+                <a:schemeClr val="lt1"/>
+              </a:buClr>
+              <a:buSzPct val="25000"/>
+              <a:buFont typeface="Courier New"/>
+              <a:buNone/>
+            </a:pPr>
+            <a:r>
+              <a:rPr lang="en-US" sz="3000" b="1" i="0" u="none" strike="noStrike" cap="none" dirty="0">
+                <a:solidFill>
+                  <a:schemeClr val="lt1"/>
+                </a:solidFill>
+                <a:latin typeface="Courier New"/>
+                <a:ea typeface="Courier New"/>
+                <a:cs typeface="Courier New"/>
+                <a:sym typeface="Courier New"/>
+              </a:rPr>
+              <a:t>y = </a:t>
+            </a:r>
+            <a:r>
+              <a:rPr lang="en-US" sz="3000" b="1" i="0" u="none" strike="noStrike" cap="none" dirty="0" err="1">
+                <a:solidFill>
+                  <a:schemeClr val="lt1"/>
+                </a:solidFill>
+                <a:latin typeface="Courier New"/>
+                <a:ea typeface="Courier New"/>
+                <a:cs typeface="Courier New"/>
+                <a:sym typeface="Courier New"/>
+              </a:rPr>
+              <a:t>re.findall</a:t>
+            </a:r>
+            <a:r>
+              <a:rPr lang="en-US" sz="3000" b="1" i="0" u="none" strike="noStrike" cap="none" dirty="0">
+                <a:solidFill>
+                  <a:schemeClr val="lt1"/>
+                </a:solidFill>
+                <a:latin typeface="Courier New"/>
+                <a:ea typeface="Courier New"/>
+                <a:cs typeface="Courier New"/>
+                <a:sym typeface="Courier New"/>
+              </a:rPr>
+              <a:t>(</a:t>
+            </a:r>
+            <a:r>
+              <a:rPr lang="en-US" sz="3000" b="1" i="0" u="none" strike="noStrike" cap="none" dirty="0">
+                <a:solidFill>
+                  <a:srgbClr val="FFFF00"/>
+                </a:solidFill>
+                <a:latin typeface="Courier New"/>
+                <a:ea typeface="Courier New"/>
+                <a:cs typeface="Courier New"/>
+                <a:sym typeface="Courier New"/>
+              </a:rPr>
+              <a:t>'</a:t>
+            </a:r>
+            <a:r>
+              <a:rPr lang="en-US" sz="3000" b="1" dirty="0">
+                <a:solidFill>
+                  <a:srgbClr val="FFFF00"/>
+                </a:solidFill>
+                <a:latin typeface="Courier New"/>
+                <a:ea typeface="Courier New"/>
+                <a:cs typeface="Courier New"/>
+                <a:sym typeface="Courier New"/>
+              </a:rPr>
+              <a:t>^From .*@([^ ]*)</a:t>
+            </a:r>
+            <a:r>
+              <a:rPr lang="en-US" sz="3000" b="1" i="0" u="none" strike="noStrike" cap="none" dirty="0">
+                <a:solidFill>
+                  <a:srgbClr val="FFFF00"/>
+                </a:solidFill>
+                <a:latin typeface="Courier New"/>
+                <a:ea typeface="Courier New"/>
+                <a:cs typeface="Courier New"/>
+                <a:sym typeface="Courier New"/>
+              </a:rPr>
+              <a:t>'</a:t>
+            </a:r>
+            <a:r>
+              <a:rPr lang="en-US" sz="3000" b="1" i="0" u="none" strike="noStrike" cap="none" dirty="0">
+                <a:solidFill>
+                  <a:schemeClr val="lt1"/>
+                </a:solidFill>
+                <a:latin typeface="Courier New"/>
+                <a:ea typeface="Courier New"/>
+                <a:cs typeface="Courier New"/>
+                <a:sym typeface="Courier New"/>
+              </a:rPr>
+              <a:t>,</a:t>
+            </a:r>
+            <a:r>
+              <a:rPr lang="en-US" sz="3000" b="1" i="0" u="none" strike="noStrike" cap="none" dirty="0" err="1">
+                <a:solidFill>
+                  <a:schemeClr val="lt1"/>
+                </a:solidFill>
+                <a:latin typeface="Courier New"/>
+                <a:ea typeface="Courier New"/>
+                <a:cs typeface="Courier New"/>
+                <a:sym typeface="Courier New"/>
+              </a:rPr>
+              <a:t>lin</a:t>
+            </a:r>
+            <a:r>
+              <a:rPr lang="en-US" sz="3000" b="1" i="0" u="none" strike="noStrike" cap="none" dirty="0">
+                <a:solidFill>
+                  <a:schemeClr val="lt1"/>
+                </a:solidFill>
+                <a:latin typeface="Courier New"/>
+                <a:ea typeface="Courier New"/>
+                <a:cs typeface="Courier New"/>
+                <a:sym typeface="Courier New"/>
+              </a:rPr>
+              <a:t>)</a:t>
+            </a:r>
+          </a:p>
+          <a:p>
+            <a:pPr marL="0" marR="0" lvl="0" indent="0" algn="l" rtl="0">
+              <a:lnSpc>
+                <a:spcPct val="100000"/>
+              </a:lnSpc>
+              <a:spcBef>
+                <a:spcPts val="0"/>
+              </a:spcBef>
+              <a:spcAft>
+                <a:spcPts val="0"/>
+              </a:spcAft>
+              <a:buClr>
+                <a:schemeClr val="lt1"/>
+              </a:buClr>
+              <a:buSzPct val="25000"/>
+              <a:buFont typeface="Courier New"/>
+              <a:buNone/>
+            </a:pPr>
+            <a:r>
+              <a:rPr lang="en-US" sz="3000" b="1" i="0" u="none" strike="noStrike" cap="none" dirty="0" smtClean="0">
+                <a:solidFill>
+                  <a:schemeClr val="lt1"/>
+                </a:solidFill>
+                <a:latin typeface="Courier New"/>
+                <a:ea typeface="Courier New"/>
+                <a:cs typeface="Courier New"/>
+                <a:sym typeface="Courier New"/>
+              </a:rPr>
+              <a:t>print(y)</a:t>
+            </a:r>
+          </a:p>
+          <a:p>
+            <a:pPr marL="0" marR="0" lvl="0" indent="0" algn="l" rtl="0">
+              <a:lnSpc>
+                <a:spcPct val="100000"/>
+              </a:lnSpc>
+              <a:spcBef>
+                <a:spcPts val="0"/>
+              </a:spcBef>
+              <a:spcAft>
+                <a:spcPts val="0"/>
+              </a:spcAft>
+              <a:buClr>
+                <a:schemeClr val="lt1"/>
+              </a:buClr>
+              <a:buSzPct val="25000"/>
+              <a:buFont typeface="Courier New"/>
+              <a:buNone/>
+            </a:pPr>
+            <a:endParaRPr lang="en-US" sz="3000" b="1" i="0" u="none" strike="noStrike" cap="none" dirty="0">
+              <a:solidFill>
+                <a:schemeClr val="lt1"/>
+              </a:solidFill>
+              <a:latin typeface="Courier New"/>
+              <a:ea typeface="Courier New"/>
+              <a:cs typeface="Courier New"/>
+              <a:sym typeface="Courier New"/>
+            </a:endParaRPr>
+          </a:p>
+          <a:p>
+            <a:pPr marL="0" marR="0" lvl="0" indent="0" algn="l" rtl="0">
+              <a:lnSpc>
+                <a:spcPct val="100000"/>
+              </a:lnSpc>
+              <a:spcBef>
+                <a:spcPts val="0"/>
+              </a:spcBef>
+              <a:spcAft>
+                <a:spcPts val="0"/>
+              </a:spcAft>
+              <a:buClr>
+                <a:schemeClr val="lt1"/>
+              </a:buClr>
+              <a:buSzPct val="25000"/>
+              <a:buFont typeface="Courier New"/>
+              <a:buNone/>
+            </a:pPr>
+            <a:r>
+              <a:rPr lang="en-US" sz="3000" b="1" i="0" u="none" strike="noStrike" cap="none" dirty="0">
+                <a:solidFill>
+                  <a:schemeClr val="lt1"/>
+                </a:solidFill>
+                <a:latin typeface="Courier New"/>
+                <a:ea typeface="Courier New"/>
+                <a:cs typeface="Courier New"/>
+                <a:sym typeface="Courier New"/>
+              </a:rPr>
+              <a:t>['</a:t>
+            </a:r>
+            <a:r>
+              <a:rPr lang="en-US" sz="3000" b="1" i="0" u="none" strike="noStrike" cap="none" dirty="0" err="1">
+                <a:solidFill>
+                  <a:schemeClr val="lt1"/>
                 </a:solidFill>
                 <a:latin typeface="Courier New"/>
                 <a:ea typeface="Courier New"/>
@@ -22120,30 +22824,30 @@
               <a:t>uct.ac.za</a:t>
             </a:r>
             <a:r>
-              <a:rPr lang="en-US" sz="3000" b="1" i="0" u="none" strike="noStrike" cap="none">
-                <a:solidFill>
-                  <a:srgbClr val="FF7F00"/>
-                </a:solidFill>
-                <a:latin typeface="Courier New"/>
-                <a:ea typeface="Courier New"/>
-                <a:cs typeface="Courier New"/>
-                <a:sym typeface="Courier New"/>
-              </a:rPr>
-              <a:t> Sat Jan  5 09:14:16 2008</a:t>
+              <a:rPr lang="en-US" sz="3000" b="1" i="0" u="none" strike="noStrike" cap="none" dirty="0">
+                <a:solidFill>
+                  <a:schemeClr val="lt1"/>
+                </a:solidFill>
+                <a:latin typeface="Courier New"/>
+                <a:ea typeface="Courier New"/>
+                <a:cs typeface="Courier New"/>
+                <a:sym typeface="Courier New"/>
+              </a:rPr>
+              <a:t>']</a:t>
             </a:r>
           </a:p>
         </p:txBody>
       </p:sp>
       <p:sp>
         <p:nvSpPr>
-          <p:cNvPr id="12" name="Shape 466"/>
+          <p:cNvPr id="13" name="Shape 419"/>
           <p:cNvSpPr txBox="1"/>
           <p:nvPr/>
         </p:nvSpPr>
         <p:spPr>
           <a:xfrm>
-            <a:off x="466725" y="3503512"/>
-            <a:ext cx="15760800" cy="2739026"/>
+            <a:off x="707596" y="2689933"/>
+            <a:ext cx="14226599" cy="673199"/>
           </a:xfrm>
           <a:prstGeom prst="rect">
             <a:avLst/>
@@ -22170,324 +22874,28 @@
                 <a:spcPts val="0"/>
               </a:spcAft>
               <a:buClr>
-                <a:schemeClr val="lt1"/>
+                <a:srgbClr val="FF7F00"/>
               </a:buClr>
               <a:buSzPct val="25000"/>
-              <a:buFont typeface="Courier New"/>
-              <a:buNone/>
-            </a:pPr>
-            <a:r>
-              <a:rPr lang="en-US" sz="3000" b="1" i="0" u="none" strike="noStrike" cap="none" dirty="0">
-                <a:solidFill>
-                  <a:schemeClr val="lt1"/>
-                </a:solidFill>
-                <a:latin typeface="Courier New"/>
-                <a:ea typeface="Courier New"/>
-                <a:cs typeface="Courier New"/>
-                <a:sym typeface="Courier New"/>
-              </a:rPr>
-              <a:t>import re </a:t>
-            </a:r>
-          </a:p>
-          <a:p>
-            <a:pPr marL="0" marR="0" lvl="0" indent="0" algn="l" rtl="0">
-              <a:lnSpc>
-                <a:spcPct val="100000"/>
-              </a:lnSpc>
-              <a:spcBef>
-                <a:spcPts val="0"/>
-              </a:spcBef>
-              <a:spcAft>
-                <a:spcPts val="0"/>
-              </a:spcAft>
-              <a:buClr>
-                <a:schemeClr val="lt1"/>
-              </a:buClr>
-              <a:buSzPct val="25000"/>
-              <a:buFont typeface="Courier New"/>
-              <a:buNone/>
-            </a:pPr>
-            <a:r>
-              <a:rPr lang="en-US" sz="3000" b="1" i="0" u="none" strike="noStrike" cap="none" dirty="0" err="1">
-                <a:solidFill>
-                  <a:schemeClr val="lt1"/>
-                </a:solidFill>
-                <a:latin typeface="Courier New"/>
-                <a:ea typeface="Courier New"/>
-                <a:cs typeface="Courier New"/>
-                <a:sym typeface="Courier New"/>
-              </a:rPr>
-              <a:t>lin</a:t>
-            </a:r>
-            <a:r>
-              <a:rPr lang="en-US" sz="3000" b="1" i="0" u="none" strike="noStrike" cap="none" dirty="0">
-                <a:solidFill>
-                  <a:schemeClr val="lt1"/>
-                </a:solidFill>
-                <a:latin typeface="Courier New"/>
-                <a:ea typeface="Courier New"/>
-                <a:cs typeface="Courier New"/>
-                <a:sym typeface="Courier New"/>
-              </a:rPr>
-              <a:t> = 'From </a:t>
-            </a:r>
-            <a:r>
-              <a:rPr lang="en-US" sz="3000" b="1" i="0" u="none" strike="noStrike" cap="none" dirty="0" err="1">
-                <a:solidFill>
-                  <a:schemeClr val="lt1"/>
-                </a:solidFill>
-                <a:latin typeface="Courier New"/>
-                <a:ea typeface="Courier New"/>
-                <a:cs typeface="Courier New"/>
-                <a:sym typeface="Courier New"/>
-              </a:rPr>
-              <a:t>stephen.marquard@uct.ac.za</a:t>
-            </a:r>
-            <a:r>
-              <a:rPr lang="en-US" sz="3000" b="1" i="0" u="none" strike="noStrike" cap="none" dirty="0">
-                <a:solidFill>
-                  <a:schemeClr val="lt1"/>
-                </a:solidFill>
-                <a:latin typeface="Courier New"/>
-                <a:ea typeface="Courier New"/>
-                <a:cs typeface="Courier New"/>
-                <a:sym typeface="Courier New"/>
-              </a:rPr>
-              <a:t> Sat Jan  5 09:14:16 2008'</a:t>
-            </a:r>
-          </a:p>
-          <a:p>
-            <a:pPr marL="0" marR="0" lvl="0" indent="0" algn="l" rtl="0">
-              <a:lnSpc>
-                <a:spcPct val="100000"/>
-              </a:lnSpc>
-              <a:spcBef>
-                <a:spcPts val="0"/>
-              </a:spcBef>
-              <a:spcAft>
-                <a:spcPts val="0"/>
-              </a:spcAft>
-              <a:buClr>
-                <a:schemeClr val="lt1"/>
-              </a:buClr>
-              <a:buSzPct val="25000"/>
-              <a:buFont typeface="Courier New"/>
-              <a:buNone/>
-            </a:pPr>
-            <a:r>
-              <a:rPr lang="en-US" sz="3000" b="1" i="0" u="none" strike="noStrike" cap="none" dirty="0">
-                <a:solidFill>
-                  <a:schemeClr val="lt1"/>
-                </a:solidFill>
-                <a:latin typeface="Courier New"/>
-                <a:ea typeface="Courier New"/>
-                <a:cs typeface="Courier New"/>
-                <a:sym typeface="Courier New"/>
-              </a:rPr>
-              <a:t>y = </a:t>
-            </a:r>
-            <a:r>
-              <a:rPr lang="en-US" sz="3000" b="1" i="0" u="none" strike="noStrike" cap="none" dirty="0" err="1">
-                <a:solidFill>
-                  <a:schemeClr val="lt1"/>
-                </a:solidFill>
-                <a:latin typeface="Courier New"/>
-                <a:ea typeface="Courier New"/>
-                <a:cs typeface="Courier New"/>
-                <a:sym typeface="Courier New"/>
-              </a:rPr>
-              <a:t>re.findall</a:t>
-            </a:r>
-            <a:r>
-              <a:rPr lang="en-US" sz="3000" b="1" i="0" u="none" strike="noStrike" cap="none" dirty="0">
-                <a:solidFill>
-                  <a:schemeClr val="lt1"/>
-                </a:solidFill>
-                <a:latin typeface="Courier New"/>
-                <a:ea typeface="Courier New"/>
-                <a:cs typeface="Courier New"/>
-                <a:sym typeface="Courier New"/>
-              </a:rPr>
-              <a:t>(</a:t>
-            </a:r>
-            <a:r>
-              <a:rPr lang="en-US" sz="3000" b="1" i="0" u="none" strike="noStrike" cap="none" dirty="0">
-                <a:solidFill>
-                  <a:srgbClr val="FFFF00"/>
-                </a:solidFill>
-                <a:latin typeface="Courier New"/>
-                <a:ea typeface="Courier New"/>
-                <a:cs typeface="Courier New"/>
-                <a:sym typeface="Courier New"/>
-              </a:rPr>
-              <a:t>'</a:t>
-            </a:r>
-            <a:r>
-              <a:rPr lang="en-US" sz="3000" b="1" dirty="0">
-                <a:solidFill>
-                  <a:srgbClr val="FFFF00"/>
-                </a:solidFill>
-                <a:latin typeface="Courier New"/>
-                <a:ea typeface="Courier New"/>
-                <a:cs typeface="Courier New"/>
-                <a:sym typeface="Courier New"/>
-              </a:rPr>
-              <a:t>^From .*@([^ </a:t>
-            </a:r>
-            <a:r>
-              <a:rPr lang="en-US" sz="3000" b="1" dirty="0" smtClean="0">
-                <a:solidFill>
-                  <a:srgbClr val="FFFF00"/>
-                </a:solidFill>
-                <a:latin typeface="Courier New"/>
-                <a:ea typeface="Courier New"/>
-                <a:cs typeface="Courier New"/>
-                <a:sym typeface="Courier New"/>
-              </a:rPr>
-              <a:t>]+)</a:t>
-            </a:r>
-            <a:r>
-              <a:rPr lang="en-US" sz="3000" b="1" i="0" u="none" strike="noStrike" cap="none" dirty="0" smtClean="0">
-                <a:solidFill>
-                  <a:srgbClr val="FFFF00"/>
-                </a:solidFill>
-                <a:latin typeface="Courier New"/>
-                <a:ea typeface="Courier New"/>
-                <a:cs typeface="Courier New"/>
-                <a:sym typeface="Courier New"/>
-              </a:rPr>
-              <a:t>'</a:t>
-            </a:r>
-            <a:r>
-              <a:rPr lang="en-US" sz="3000" b="1" i="0" u="none" strike="noStrike" cap="none" dirty="0" smtClean="0">
-                <a:solidFill>
-                  <a:schemeClr val="lt1"/>
-                </a:solidFill>
-                <a:latin typeface="Courier New"/>
-                <a:ea typeface="Courier New"/>
-                <a:cs typeface="Courier New"/>
-                <a:sym typeface="Courier New"/>
-              </a:rPr>
-              <a:t>,</a:t>
-            </a:r>
-            <a:r>
-              <a:rPr lang="en-US" sz="3000" b="1" i="0" u="none" strike="noStrike" cap="none" dirty="0" err="1">
-                <a:solidFill>
-                  <a:schemeClr val="lt1"/>
-                </a:solidFill>
-                <a:latin typeface="Courier New"/>
-                <a:ea typeface="Courier New"/>
-                <a:cs typeface="Courier New"/>
-                <a:sym typeface="Courier New"/>
-              </a:rPr>
-              <a:t>lin</a:t>
-            </a:r>
-            <a:r>
-              <a:rPr lang="en-US" sz="3000" b="1" i="0" u="none" strike="noStrike" cap="none" dirty="0">
-                <a:solidFill>
-                  <a:schemeClr val="lt1"/>
-                </a:solidFill>
-                <a:latin typeface="Courier New"/>
-                <a:ea typeface="Courier New"/>
-                <a:cs typeface="Courier New"/>
-                <a:sym typeface="Courier New"/>
-              </a:rPr>
-              <a:t>)</a:t>
-            </a:r>
-          </a:p>
-          <a:p>
-            <a:pPr marL="0" marR="0" lvl="0" indent="0" algn="l" rtl="0">
-              <a:lnSpc>
-                <a:spcPct val="100000"/>
-              </a:lnSpc>
-              <a:spcBef>
-                <a:spcPts val="0"/>
-              </a:spcBef>
-              <a:spcAft>
-                <a:spcPts val="0"/>
-              </a:spcAft>
-              <a:buClr>
-                <a:schemeClr val="lt1"/>
-              </a:buClr>
-              <a:buSzPct val="25000"/>
-              <a:buFont typeface="Courier New"/>
-              <a:buNone/>
-            </a:pPr>
-            <a:r>
-              <a:rPr lang="en-US" sz="3000" b="1" i="0" u="none" strike="noStrike" cap="none" dirty="0" smtClean="0">
-                <a:solidFill>
-                  <a:schemeClr val="lt1"/>
-                </a:solidFill>
-                <a:latin typeface="Courier New"/>
-                <a:ea typeface="Courier New"/>
-                <a:cs typeface="Courier New"/>
-                <a:sym typeface="Courier New"/>
-              </a:rPr>
-              <a:t>print(y)</a:t>
-            </a:r>
-          </a:p>
-          <a:p>
-            <a:pPr marL="0" marR="0" lvl="0" indent="0" algn="l" rtl="0">
-              <a:lnSpc>
-                <a:spcPct val="100000"/>
-              </a:lnSpc>
-              <a:spcBef>
-                <a:spcPts val="0"/>
-              </a:spcBef>
-              <a:spcAft>
-                <a:spcPts val="0"/>
-              </a:spcAft>
-              <a:buClr>
-                <a:schemeClr val="lt1"/>
-              </a:buClr>
-              <a:buSzPct val="25000"/>
-              <a:buFont typeface="Courier New"/>
-              <a:buNone/>
-            </a:pPr>
-            <a:endParaRPr lang="en-US" sz="3000" b="1" i="0" u="none" strike="noStrike" cap="none" dirty="0">
-              <a:solidFill>
-                <a:schemeClr val="lt1"/>
-              </a:solidFill>
-              <a:latin typeface="Courier New"/>
-              <a:ea typeface="Courier New"/>
-              <a:cs typeface="Courier New"/>
-              <a:sym typeface="Courier New"/>
-            </a:endParaRPr>
-          </a:p>
-          <a:p>
-            <a:pPr marL="0" marR="0" lvl="0" indent="0" algn="l" rtl="0">
-              <a:lnSpc>
-                <a:spcPct val="100000"/>
-              </a:lnSpc>
-              <a:spcBef>
-                <a:spcPts val="0"/>
-              </a:spcBef>
-              <a:spcAft>
-                <a:spcPts val="0"/>
-              </a:spcAft>
-              <a:buClr>
-                <a:schemeClr val="lt1"/>
-              </a:buClr>
-              <a:buSzPct val="25000"/>
-              <a:buFont typeface="Courier New"/>
-              <a:buNone/>
-            </a:pPr>
-            <a:r>
-              <a:rPr lang="en-US" sz="3000" b="1" i="0" u="none" strike="noStrike" cap="none" dirty="0">
-                <a:solidFill>
-                  <a:schemeClr val="lt1"/>
-                </a:solidFill>
-                <a:latin typeface="Courier New"/>
-                <a:ea typeface="Courier New"/>
-                <a:cs typeface="Courier New"/>
-                <a:sym typeface="Courier New"/>
-              </a:rPr>
-              <a:t>['</a:t>
-            </a:r>
-            <a:r>
-              <a:rPr lang="en-US" sz="3000" b="1" i="0" u="none" strike="noStrike" cap="none" dirty="0" err="1">
-                <a:solidFill>
-                  <a:schemeClr val="lt1"/>
+              <a:buFont typeface="Arial"/>
+              <a:buNone/>
+            </a:pPr>
+            <a:r>
+              <a:rPr lang="en-US" sz="3000" b="1" i="0" u="none" strike="noStrike" cap="none">
+                <a:solidFill>
+                  <a:srgbClr val="FF7F00"/>
+                </a:solidFill>
+                <a:latin typeface="Courier New"/>
+                <a:ea typeface="Courier New"/>
+                <a:cs typeface="Courier New"/>
+                <a:sym typeface="Courier New"/>
+              </a:rPr>
+              <a:t>From stephen.marquard@</a:t>
+            </a:r>
+            <a:r>
+              <a:rPr lang="en-US" sz="3000" b="1" i="0" u="none" strike="noStrike" cap="none">
+                <a:solidFill>
+                  <a:srgbClr val="00FF00"/>
                 </a:solidFill>
                 <a:latin typeface="Courier New"/>
                 <a:ea typeface="Courier New"/>
@@ -22497,16 +22905,16 @@
               <a:t>uct.ac.za</a:t>
             </a:r>
             <a:r>
-              <a:rPr lang="en-US" sz="3000" b="1" i="0" u="none" strike="noStrike" cap="none" dirty="0">
-                <a:solidFill>
-                  <a:schemeClr val="lt1"/>
-                </a:solidFill>
-                <a:latin typeface="Courier New"/>
-                <a:ea typeface="Courier New"/>
-                <a:cs typeface="Courier New"/>
-                <a:sym typeface="Courier New"/>
-              </a:rPr>
-              <a:t>']</a:t>
+              <a:rPr lang="en-US" sz="3000" b="1" i="0" u="none" strike="noStrike" cap="none">
+                <a:solidFill>
+                  <a:srgbClr val="FF7F00"/>
+                </a:solidFill>
+                <a:latin typeface="Courier New"/>
+                <a:ea typeface="Courier New"/>
+                <a:cs typeface="Courier New"/>
+                <a:sym typeface="Courier New"/>
+              </a:rPr>
+              <a:t> Sat Jan  5 09:14:16 2008</a:t>
             </a:r>
           </a:p>
         </p:txBody>
@@ -22526,259 +22934,7 @@
 </p:sld>
 </file>
 
-<file path=ppt/slides/slide3.xml><?xml version="1.0" encoding="utf-8"?>
-<p:sld xmlns:a="http://schemas.openxmlformats.org/drawingml/2006/main" xmlns:r="http://schemas.openxmlformats.org/officeDocument/2006/relationships" xmlns:p="http://schemas.openxmlformats.org/presentationml/2006/main">
-  <p:cSld>
-    <p:spTree>
-      <p:nvGrpSpPr>
-        <p:cNvPr id="1" name="Shape 219"/>
-        <p:cNvGrpSpPr/>
-        <p:nvPr/>
-      </p:nvGrpSpPr>
-      <p:grpSpPr>
-        <a:xfrm>
-          <a:off x="0" y="0"/>
-          <a:ext cx="0" cy="0"/>
-          <a:chOff x="0" y="0"/>
-          <a:chExt cx="0" cy="0"/>
-        </a:xfrm>
-      </p:grpSpPr>
-      <p:sp>
-        <p:nvSpPr>
-          <p:cNvPr id="220" name="Shape 220"/>
-          <p:cNvSpPr txBox="1">
-            <a:spLocks noGrp="1"/>
-          </p:cNvSpPr>
-          <p:nvPr>
-            <p:ph type="title"/>
-          </p:nvPr>
-        </p:nvSpPr>
-        <p:spPr>
-          <a:prstGeom prst="rect">
-            <a:avLst/>
-          </a:prstGeom>
-          <a:noFill/>
-          <a:ln>
-            <a:noFill/>
-          </a:ln>
-        </p:spPr>
-        <p:txBody>
-          <a:bodyPr lIns="50800" tIns="50800" rIns="50800" bIns="50800" anchor="ctr" anchorCtr="0">
-            <a:noAutofit/>
-          </a:bodyPr>
-          <a:lstStyle/>
-          <a:p>
-            <a:pPr marL="0" marR="0" lvl="0" indent="0" algn="ctr" rtl="0">
-              <a:lnSpc>
-                <a:spcPct val="100000"/>
-              </a:lnSpc>
-              <a:spcBef>
-                <a:spcPts val="0"/>
-              </a:spcBef>
-              <a:spcAft>
-                <a:spcPts val="0"/>
-              </a:spcAft>
-              <a:buClr>
-                <a:srgbClr val="00FF00"/>
-              </a:buClr>
-              <a:buSzPct val="25000"/>
-              <a:buFont typeface="Cabin"/>
-              <a:buNone/>
-            </a:pPr>
-            <a:r>
-              <a:rPr lang="en-US" sz="7800" u="none" strike="noStrike" cap="none">
-                <a:solidFill>
-                  <a:srgbClr val="FFD966"/>
-                </a:solidFill>
-                <a:latin typeface="Arial Regular" charset="0"/>
-                <a:ea typeface="Arial Regular" charset="0"/>
-                <a:cs typeface="Arial Regular" charset="0"/>
-                <a:sym typeface="Cabin"/>
-              </a:rPr>
-              <a:t>Regular Expressions</a:t>
-            </a:r>
-          </a:p>
-        </p:txBody>
-      </p:sp>
-      <p:sp>
-        <p:nvSpPr>
-          <p:cNvPr id="221" name="Shape 221"/>
-          <p:cNvSpPr txBox="1"/>
-          <p:nvPr/>
-        </p:nvSpPr>
-        <p:spPr>
-          <a:xfrm>
-            <a:off x="2641600" y="2844800"/>
-            <a:ext cx="10642599" cy="1219199"/>
-          </a:xfrm>
-          <a:prstGeom prst="rect">
-            <a:avLst/>
-          </a:prstGeom>
-          <a:noFill/>
-          <a:ln>
-            <a:noFill/>
-          </a:ln>
-        </p:spPr>
-        <p:txBody>
-          <a:bodyPr lIns="0" tIns="0" rIns="0" bIns="0" anchor="ctr" anchorCtr="0">
-            <a:noAutofit/>
-          </a:bodyPr>
-          <a:lstStyle/>
-          <a:p>
-            <a:pPr marL="0" marR="0" lvl="0" indent="0" algn="ctr" rtl="0">
-              <a:lnSpc>
-                <a:spcPct val="100000"/>
-              </a:lnSpc>
-              <a:spcBef>
-                <a:spcPts val="0"/>
-              </a:spcBef>
-              <a:spcAft>
-                <a:spcPts val="0"/>
-              </a:spcAft>
-              <a:buClr>
-                <a:schemeClr val="lt1"/>
-              </a:buClr>
-              <a:buSzPct val="25000"/>
-              <a:buFont typeface="Cabin"/>
-              <a:buNone/>
-            </a:pPr>
-            <a:r>
-              <a:rPr lang="en-US" sz="3800" u="none" strike="noStrike" cap="none">
-                <a:solidFill>
-                  <a:schemeClr val="lt1"/>
-                </a:solidFill>
-                <a:latin typeface="Arial Regular" charset="0"/>
-                <a:ea typeface="Arial Regular" charset="0"/>
-                <a:cs typeface="Arial Regular" charset="0"/>
-                <a:sym typeface="Cabin"/>
-              </a:rPr>
-              <a:t>Really clever </a:t>
-            </a:r>
-            <a:r>
-              <a:rPr lang="en-US" sz="3800">
-                <a:solidFill>
-                  <a:schemeClr val="lt1"/>
-                </a:solidFill>
-                <a:latin typeface="Arial Regular" charset="0"/>
-                <a:ea typeface="Arial Regular" charset="0"/>
-                <a:cs typeface="Arial Regular" charset="0"/>
-                <a:sym typeface="Cabin"/>
-              </a:rPr>
-              <a:t>“</a:t>
-            </a:r>
-            <a:r>
-              <a:rPr lang="en-US" sz="3800" u="none" strike="noStrike" cap="none">
-                <a:solidFill>
-                  <a:schemeClr val="lt1"/>
-                </a:solidFill>
-                <a:latin typeface="Arial Regular" charset="0"/>
-                <a:ea typeface="Arial Regular" charset="0"/>
-                <a:cs typeface="Arial Regular" charset="0"/>
-                <a:sym typeface="Cabin"/>
-              </a:rPr>
-              <a:t>wild card</a:t>
-            </a:r>
-            <a:r>
-              <a:rPr lang="en-US" sz="3800">
-                <a:solidFill>
-                  <a:schemeClr val="lt1"/>
-                </a:solidFill>
-                <a:latin typeface="Arial Regular" charset="0"/>
-                <a:ea typeface="Arial Regular" charset="0"/>
-                <a:cs typeface="Arial Regular" charset="0"/>
-                <a:sym typeface="Cabin"/>
-              </a:rPr>
-              <a:t>”</a:t>
-            </a:r>
-            <a:r>
-              <a:rPr lang="en-US" sz="3800" u="none" strike="noStrike" cap="none">
-                <a:solidFill>
-                  <a:schemeClr val="lt1"/>
-                </a:solidFill>
-                <a:latin typeface="Arial Regular" charset="0"/>
-                <a:ea typeface="Arial Regular" charset="0"/>
-                <a:cs typeface="Arial Regular" charset="0"/>
-                <a:sym typeface="Cabin"/>
-              </a:rPr>
-              <a:t> expressions for matching and parsing strings</a:t>
-            </a:r>
-          </a:p>
-        </p:txBody>
-      </p:sp>
-      <p:sp>
-        <p:nvSpPr>
-          <p:cNvPr id="222" name="Shape 222"/>
-          <p:cNvSpPr txBox="1"/>
-          <p:nvPr/>
-        </p:nvSpPr>
-        <p:spPr>
-          <a:xfrm>
-            <a:off x="2540075" y="8115300"/>
-            <a:ext cx="11408100" cy="660300"/>
-          </a:xfrm>
-          <a:prstGeom prst="rect">
-            <a:avLst/>
-          </a:prstGeom>
-          <a:noFill/>
-          <a:ln>
-            <a:noFill/>
-          </a:ln>
-        </p:spPr>
-        <p:txBody>
-          <a:bodyPr lIns="0" tIns="0" rIns="0" bIns="0" anchor="ctr" anchorCtr="0">
-            <a:noAutofit/>
-          </a:bodyPr>
-          <a:lstStyle/>
-          <a:p>
-            <a:pPr marL="0" marR="0" lvl="0" indent="0" algn="ctr" rtl="0">
-              <a:lnSpc>
-                <a:spcPct val="100000"/>
-              </a:lnSpc>
-              <a:spcBef>
-                <a:spcPts val="0"/>
-              </a:spcBef>
-              <a:spcAft>
-                <a:spcPts val="0"/>
-              </a:spcAft>
-              <a:buClr>
-                <a:srgbClr val="FFFF00"/>
-              </a:buClr>
-              <a:buSzPct val="25000"/>
-              <a:buFont typeface="Cabin"/>
-              <a:buNone/>
-            </a:pPr>
-            <a:r>
-              <a:rPr lang="en-US" sz="3000" u="sng" strike="noStrike" cap="none">
-                <a:solidFill>
-                  <a:srgbClr val="FFFF00"/>
-                </a:solidFill>
-                <a:latin typeface="Arial Regular" charset="0"/>
-                <a:ea typeface="Arial Regular" charset="0"/>
-                <a:cs typeface="Arial Regular" charset="0"/>
-                <a:sym typeface="Cabin"/>
-                <a:hlinkClick r:id="rId3"/>
-              </a:rPr>
-              <a:t>http://en.wikipedia.org/wiki/Regular_expression</a:t>
-            </a:r>
-          </a:p>
-        </p:txBody>
-      </p:sp>
-    </p:spTree>
-  </p:cSld>
-  <p:clrMapOvr>
-    <a:masterClrMapping/>
-  </p:clrMapOvr>
-  <p:timing>
-    <p:tnLst>
-      <p:par>
-        <p:cTn id="1" dur="indefinite" restart="never" nodeType="tmRoot"/>
-      </p:par>
-    </p:tnLst>
-  </p:timing>
-</p:sld>
-</file>
-
-<file path=ppt/slides/slide30.xml><?xml version="1.0" encoding="utf-8"?>
+<file path=ppt/slides/slide31.xml><?xml version="1.0" encoding="utf-8"?>
 <p:sld xmlns:a="http://schemas.openxmlformats.org/drawingml/2006/main" xmlns:r="http://schemas.openxmlformats.org/officeDocument/2006/relationships" xmlns:p="http://schemas.openxmlformats.org/presentationml/2006/main">
   <p:cSld>
     <p:spTree>
@@ -23051,14 +23207,14 @@
       </p:cxnSp>
       <p:sp>
         <p:nvSpPr>
-          <p:cNvPr id="498" name="Shape 498"/>
+          <p:cNvPr id="8" name="Shape 466"/>
           <p:cNvSpPr txBox="1"/>
           <p:nvPr/>
         </p:nvSpPr>
         <p:spPr>
           <a:xfrm>
-            <a:off x="457200" y="2686050"/>
-            <a:ext cx="15478199" cy="673199"/>
+            <a:off x="707596" y="3432292"/>
+            <a:ext cx="14983146" cy="2814738"/>
           </a:xfrm>
           <a:prstGeom prst="rect">
             <a:avLst/>
@@ -23085,28 +23241,312 @@
                 <a:spcPts val="0"/>
               </a:spcAft>
               <a:buClr>
-                <a:srgbClr val="FF7F00"/>
+                <a:schemeClr val="lt1"/>
               </a:buClr>
               <a:buSzPct val="25000"/>
-              <a:buFont typeface="Arial"/>
-              <a:buNone/>
-            </a:pPr>
-            <a:r>
-              <a:rPr lang="en-US" sz="3000" b="1" i="0" u="none" strike="noStrike" cap="none">
-                <a:solidFill>
-                  <a:srgbClr val="FF7F00"/>
-                </a:solidFill>
-                <a:latin typeface="Courier New"/>
-                <a:ea typeface="Courier New"/>
-                <a:cs typeface="Courier New"/>
-                <a:sym typeface="Courier New"/>
-              </a:rPr>
-              <a:t>From stephen.marquard@</a:t>
-            </a:r>
-            <a:r>
-              <a:rPr lang="en-US" sz="3000" b="1" i="0" u="none" strike="noStrike" cap="none">
-                <a:solidFill>
-                  <a:srgbClr val="00FF00"/>
+              <a:buFont typeface="Courier New"/>
+              <a:buNone/>
+            </a:pPr>
+            <a:r>
+              <a:rPr lang="en-US" sz="3000" b="1" i="0" u="none" strike="noStrike" cap="none" dirty="0">
+                <a:solidFill>
+                  <a:schemeClr val="lt1"/>
+                </a:solidFill>
+                <a:latin typeface="Courier New"/>
+                <a:ea typeface="Courier New"/>
+                <a:cs typeface="Courier New"/>
+                <a:sym typeface="Courier New"/>
+              </a:rPr>
+              <a:t>import re </a:t>
+            </a:r>
+          </a:p>
+          <a:p>
+            <a:pPr marL="0" marR="0" lvl="0" indent="0" algn="l" rtl="0">
+              <a:lnSpc>
+                <a:spcPct val="100000"/>
+              </a:lnSpc>
+              <a:spcBef>
+                <a:spcPts val="0"/>
+              </a:spcBef>
+              <a:spcAft>
+                <a:spcPts val="0"/>
+              </a:spcAft>
+              <a:buClr>
+                <a:schemeClr val="lt1"/>
+              </a:buClr>
+              <a:buSzPct val="25000"/>
+              <a:buFont typeface="Courier New"/>
+              <a:buNone/>
+            </a:pPr>
+            <a:r>
+              <a:rPr lang="en-US" sz="3000" b="1" i="0" u="none" strike="noStrike" cap="none" dirty="0" err="1">
+                <a:solidFill>
+                  <a:schemeClr val="lt1"/>
+                </a:solidFill>
+                <a:latin typeface="Courier New"/>
+                <a:ea typeface="Courier New"/>
+                <a:cs typeface="Courier New"/>
+                <a:sym typeface="Courier New"/>
+              </a:rPr>
+              <a:t>lin</a:t>
+            </a:r>
+            <a:r>
+              <a:rPr lang="en-US" sz="3000" b="1" i="0" u="none" strike="noStrike" cap="none" dirty="0">
+                <a:solidFill>
+                  <a:schemeClr val="lt1"/>
+                </a:solidFill>
+                <a:latin typeface="Courier New"/>
+                <a:ea typeface="Courier New"/>
+                <a:cs typeface="Courier New"/>
+                <a:sym typeface="Courier New"/>
+              </a:rPr>
+              <a:t> = 'From </a:t>
+            </a:r>
+            <a:r>
+              <a:rPr lang="en-US" sz="3000" b="1" i="0" u="none" strike="noStrike" cap="none" dirty="0" err="1">
+                <a:solidFill>
+                  <a:schemeClr val="lt1"/>
+                </a:solidFill>
+                <a:latin typeface="Courier New"/>
+                <a:ea typeface="Courier New"/>
+                <a:cs typeface="Courier New"/>
+                <a:sym typeface="Courier New"/>
+              </a:rPr>
+              <a:t>stephen.marquard@uct.ac.za</a:t>
+            </a:r>
+            <a:r>
+              <a:rPr lang="en-US" sz="3000" b="1" i="0" u="none" strike="noStrike" cap="none" dirty="0">
+                <a:solidFill>
+                  <a:schemeClr val="lt1"/>
+                </a:solidFill>
+                <a:latin typeface="Courier New"/>
+                <a:ea typeface="Courier New"/>
+                <a:cs typeface="Courier New"/>
+                <a:sym typeface="Courier New"/>
+              </a:rPr>
+              <a:t> Sat Jan  5 09:14:16 2008'</a:t>
+            </a:r>
+          </a:p>
+          <a:p>
+            <a:pPr marL="0" marR="0" lvl="0" indent="0" algn="l" rtl="0">
+              <a:lnSpc>
+                <a:spcPct val="100000"/>
+              </a:lnSpc>
+              <a:spcBef>
+                <a:spcPts val="0"/>
+              </a:spcBef>
+              <a:spcAft>
+                <a:spcPts val="0"/>
+              </a:spcAft>
+              <a:buClr>
+                <a:schemeClr val="lt1"/>
+              </a:buClr>
+              <a:buSzPct val="25000"/>
+              <a:buFont typeface="Courier New"/>
+              <a:buNone/>
+            </a:pPr>
+            <a:r>
+              <a:rPr lang="en-US" sz="3000" b="1" i="0" u="none" strike="noStrike" cap="none" dirty="0">
+                <a:solidFill>
+                  <a:schemeClr val="lt1"/>
+                </a:solidFill>
+                <a:latin typeface="Courier New"/>
+                <a:ea typeface="Courier New"/>
+                <a:cs typeface="Courier New"/>
+                <a:sym typeface="Courier New"/>
+              </a:rPr>
+              <a:t>y = </a:t>
+            </a:r>
+            <a:r>
+              <a:rPr lang="en-US" sz="3000" b="1" i="0" u="none" strike="noStrike" cap="none" dirty="0" err="1">
+                <a:solidFill>
+                  <a:schemeClr val="lt1"/>
+                </a:solidFill>
+                <a:latin typeface="Courier New"/>
+                <a:ea typeface="Courier New"/>
+                <a:cs typeface="Courier New"/>
+                <a:sym typeface="Courier New"/>
+              </a:rPr>
+              <a:t>re.findall</a:t>
+            </a:r>
+            <a:r>
+              <a:rPr lang="en-US" sz="3000" b="1" i="0" u="none" strike="noStrike" cap="none" dirty="0">
+                <a:solidFill>
+                  <a:schemeClr val="lt1"/>
+                </a:solidFill>
+                <a:latin typeface="Courier New"/>
+                <a:ea typeface="Courier New"/>
+                <a:cs typeface="Courier New"/>
+                <a:sym typeface="Courier New"/>
+              </a:rPr>
+              <a:t>(</a:t>
+            </a:r>
+            <a:r>
+              <a:rPr lang="en-US" sz="3000" b="1" i="0" u="none" strike="noStrike" cap="none" dirty="0">
+                <a:solidFill>
+                  <a:srgbClr val="FFFF00"/>
+                </a:solidFill>
+                <a:latin typeface="Courier New"/>
+                <a:ea typeface="Courier New"/>
+                <a:cs typeface="Courier New"/>
+                <a:sym typeface="Courier New"/>
+              </a:rPr>
+              <a:t>'</a:t>
+            </a:r>
+            <a:r>
+              <a:rPr lang="en-US" sz="3000" b="1" dirty="0">
+                <a:solidFill>
+                  <a:srgbClr val="FFFF00"/>
+                </a:solidFill>
+                <a:latin typeface="Courier New"/>
+                <a:ea typeface="Courier New"/>
+                <a:cs typeface="Courier New"/>
+                <a:sym typeface="Courier New"/>
+              </a:rPr>
+              <a:t>^From .*@([^ ]*)</a:t>
+            </a:r>
+            <a:r>
+              <a:rPr lang="en-US" sz="3000" b="1" i="0" u="none" strike="noStrike" cap="none" dirty="0">
+                <a:solidFill>
+                  <a:srgbClr val="FFFF00"/>
+                </a:solidFill>
+                <a:latin typeface="Courier New"/>
+                <a:ea typeface="Courier New"/>
+                <a:cs typeface="Courier New"/>
+                <a:sym typeface="Courier New"/>
+              </a:rPr>
+              <a:t>'</a:t>
+            </a:r>
+            <a:r>
+              <a:rPr lang="en-US" sz="3000" b="1" i="0" u="none" strike="noStrike" cap="none" dirty="0">
+                <a:solidFill>
+                  <a:schemeClr val="lt1"/>
+                </a:solidFill>
+                <a:latin typeface="Courier New"/>
+                <a:ea typeface="Courier New"/>
+                <a:cs typeface="Courier New"/>
+                <a:sym typeface="Courier New"/>
+              </a:rPr>
+              <a:t>,</a:t>
+            </a:r>
+            <a:r>
+              <a:rPr lang="en-US" sz="3000" b="1" i="0" u="none" strike="noStrike" cap="none" dirty="0" err="1">
+                <a:solidFill>
+                  <a:schemeClr val="lt1"/>
+                </a:solidFill>
+                <a:latin typeface="Courier New"/>
+                <a:ea typeface="Courier New"/>
+                <a:cs typeface="Courier New"/>
+                <a:sym typeface="Courier New"/>
+              </a:rPr>
+              <a:t>lin</a:t>
+            </a:r>
+            <a:r>
+              <a:rPr lang="en-US" sz="3000" b="1" i="0" u="none" strike="noStrike" cap="none" dirty="0">
+                <a:solidFill>
+                  <a:schemeClr val="lt1"/>
+                </a:solidFill>
+                <a:latin typeface="Courier New"/>
+                <a:ea typeface="Courier New"/>
+                <a:cs typeface="Courier New"/>
+                <a:sym typeface="Courier New"/>
+              </a:rPr>
+              <a:t>)</a:t>
+            </a:r>
+          </a:p>
+          <a:p>
+            <a:pPr marL="0" marR="0" lvl="0" indent="0" algn="l" rtl="0">
+              <a:lnSpc>
+                <a:spcPct val="100000"/>
+              </a:lnSpc>
+              <a:spcBef>
+                <a:spcPts val="0"/>
+              </a:spcBef>
+              <a:spcAft>
+                <a:spcPts val="0"/>
+              </a:spcAft>
+              <a:buClr>
+                <a:schemeClr val="lt1"/>
+              </a:buClr>
+              <a:buSzPct val="25000"/>
+              <a:buFont typeface="Courier New"/>
+              <a:buNone/>
+            </a:pPr>
+            <a:r>
+              <a:rPr lang="en-US" sz="3000" b="1" i="0" u="none" strike="noStrike" cap="none" dirty="0" smtClean="0">
+                <a:solidFill>
+                  <a:schemeClr val="lt1"/>
+                </a:solidFill>
+                <a:latin typeface="Courier New"/>
+                <a:ea typeface="Courier New"/>
+                <a:cs typeface="Courier New"/>
+                <a:sym typeface="Courier New"/>
+              </a:rPr>
+              <a:t>print(y)</a:t>
+            </a:r>
+          </a:p>
+          <a:p>
+            <a:pPr marL="0" marR="0" lvl="0" indent="0" algn="l" rtl="0">
+              <a:lnSpc>
+                <a:spcPct val="100000"/>
+              </a:lnSpc>
+              <a:spcBef>
+                <a:spcPts val="0"/>
+              </a:spcBef>
+              <a:spcAft>
+                <a:spcPts val="0"/>
+              </a:spcAft>
+              <a:buClr>
+                <a:schemeClr val="lt1"/>
+              </a:buClr>
+              <a:buSzPct val="25000"/>
+              <a:buFont typeface="Courier New"/>
+              <a:buNone/>
+            </a:pPr>
+            <a:endParaRPr lang="en-US" sz="3000" b="1" i="0" u="none" strike="noStrike" cap="none" dirty="0">
+              <a:solidFill>
+                <a:schemeClr val="lt1"/>
+              </a:solidFill>
+              <a:latin typeface="Courier New"/>
+              <a:ea typeface="Courier New"/>
+              <a:cs typeface="Courier New"/>
+              <a:sym typeface="Courier New"/>
+            </a:endParaRPr>
+          </a:p>
+          <a:p>
+            <a:pPr marL="0" marR="0" lvl="0" indent="0" algn="l" rtl="0">
+              <a:lnSpc>
+                <a:spcPct val="100000"/>
+              </a:lnSpc>
+              <a:spcBef>
+                <a:spcPts val="0"/>
+              </a:spcBef>
+              <a:spcAft>
+                <a:spcPts val="0"/>
+              </a:spcAft>
+              <a:buClr>
+                <a:schemeClr val="lt1"/>
+              </a:buClr>
+              <a:buSzPct val="25000"/>
+              <a:buFont typeface="Courier New"/>
+              <a:buNone/>
+            </a:pPr>
+            <a:r>
+              <a:rPr lang="en-US" sz="3000" b="1" i="0" u="none" strike="noStrike" cap="none" dirty="0">
+                <a:solidFill>
+                  <a:schemeClr val="lt1"/>
+                </a:solidFill>
+                <a:latin typeface="Courier New"/>
+                <a:ea typeface="Courier New"/>
+                <a:cs typeface="Courier New"/>
+                <a:sym typeface="Courier New"/>
+              </a:rPr>
+              <a:t>['</a:t>
+            </a:r>
+            <a:r>
+              <a:rPr lang="en-US" sz="3000" b="1" i="0" u="none" strike="noStrike" cap="none" dirty="0" err="1">
+                <a:solidFill>
+                  <a:schemeClr val="lt1"/>
                 </a:solidFill>
                 <a:latin typeface="Courier New"/>
                 <a:ea typeface="Courier New"/>
@@ -23116,30 +23556,30 @@
               <a:t>uct.ac.za</a:t>
             </a:r>
             <a:r>
-              <a:rPr lang="en-US" sz="3000" b="1" i="0" u="none" strike="noStrike" cap="none">
-                <a:solidFill>
-                  <a:srgbClr val="FF7F00"/>
-                </a:solidFill>
-                <a:latin typeface="Courier New"/>
-                <a:ea typeface="Courier New"/>
-                <a:cs typeface="Courier New"/>
-                <a:sym typeface="Courier New"/>
-              </a:rPr>
-              <a:t> Sat Jan  5 09:14:16 2008</a:t>
+              <a:rPr lang="en-US" sz="3000" b="1" i="0" u="none" strike="noStrike" cap="none" dirty="0">
+                <a:solidFill>
+                  <a:schemeClr val="lt1"/>
+                </a:solidFill>
+                <a:latin typeface="Courier New"/>
+                <a:ea typeface="Courier New"/>
+                <a:cs typeface="Courier New"/>
+                <a:sym typeface="Courier New"/>
+              </a:rPr>
+              <a:t>']</a:t>
             </a:r>
           </a:p>
         </p:txBody>
       </p:sp>
       <p:sp>
         <p:nvSpPr>
-          <p:cNvPr id="9" name="Shape 466"/>
+          <p:cNvPr id="10" name="Shape 419"/>
           <p:cNvSpPr txBox="1"/>
           <p:nvPr/>
         </p:nvSpPr>
         <p:spPr>
           <a:xfrm>
-            <a:off x="466725" y="3503512"/>
-            <a:ext cx="15760800" cy="2814738"/>
+            <a:off x="707596" y="2689933"/>
+            <a:ext cx="14226599" cy="673199"/>
           </a:xfrm>
           <a:prstGeom prst="rect">
             <a:avLst/>
@@ -23166,324 +23606,28 @@
                 <a:spcPts val="0"/>
               </a:spcAft>
               <a:buClr>
-                <a:schemeClr val="lt1"/>
+                <a:srgbClr val="FF7F00"/>
               </a:buClr>
               <a:buSzPct val="25000"/>
-              <a:buFont typeface="Courier New"/>
-              <a:buNone/>
-            </a:pPr>
-            <a:r>
-              <a:rPr lang="en-US" sz="3000" b="1" i="0" u="none" strike="noStrike" cap="none" dirty="0">
-                <a:solidFill>
-                  <a:schemeClr val="lt1"/>
-                </a:solidFill>
-                <a:latin typeface="Courier New"/>
-                <a:ea typeface="Courier New"/>
-                <a:cs typeface="Courier New"/>
-                <a:sym typeface="Courier New"/>
-              </a:rPr>
-              <a:t>import re </a:t>
-            </a:r>
-          </a:p>
-          <a:p>
-            <a:pPr marL="0" marR="0" lvl="0" indent="0" algn="l" rtl="0">
-              <a:lnSpc>
-                <a:spcPct val="100000"/>
-              </a:lnSpc>
-              <a:spcBef>
-                <a:spcPts val="0"/>
-              </a:spcBef>
-              <a:spcAft>
-                <a:spcPts val="0"/>
-              </a:spcAft>
-              <a:buClr>
-                <a:schemeClr val="lt1"/>
-              </a:buClr>
-              <a:buSzPct val="25000"/>
-              <a:buFont typeface="Courier New"/>
-              <a:buNone/>
-            </a:pPr>
-            <a:r>
-              <a:rPr lang="en-US" sz="3000" b="1" i="0" u="none" strike="noStrike" cap="none" dirty="0" err="1">
-                <a:solidFill>
-                  <a:schemeClr val="lt1"/>
-                </a:solidFill>
-                <a:latin typeface="Courier New"/>
-                <a:ea typeface="Courier New"/>
-                <a:cs typeface="Courier New"/>
-                <a:sym typeface="Courier New"/>
-              </a:rPr>
-              <a:t>lin</a:t>
-            </a:r>
-            <a:r>
-              <a:rPr lang="en-US" sz="3000" b="1" i="0" u="none" strike="noStrike" cap="none" dirty="0">
-                <a:solidFill>
-                  <a:schemeClr val="lt1"/>
-                </a:solidFill>
-                <a:latin typeface="Courier New"/>
-                <a:ea typeface="Courier New"/>
-                <a:cs typeface="Courier New"/>
-                <a:sym typeface="Courier New"/>
-              </a:rPr>
-              <a:t> = 'From </a:t>
-            </a:r>
-            <a:r>
-              <a:rPr lang="en-US" sz="3000" b="1" i="0" u="none" strike="noStrike" cap="none" dirty="0" err="1">
-                <a:solidFill>
-                  <a:schemeClr val="lt1"/>
-                </a:solidFill>
-                <a:latin typeface="Courier New"/>
-                <a:ea typeface="Courier New"/>
-                <a:cs typeface="Courier New"/>
-                <a:sym typeface="Courier New"/>
-              </a:rPr>
-              <a:t>stephen.marquard@uct.ac.za</a:t>
-            </a:r>
-            <a:r>
-              <a:rPr lang="en-US" sz="3000" b="1" i="0" u="none" strike="noStrike" cap="none" dirty="0">
-                <a:solidFill>
-                  <a:schemeClr val="lt1"/>
-                </a:solidFill>
-                <a:latin typeface="Courier New"/>
-                <a:ea typeface="Courier New"/>
-                <a:cs typeface="Courier New"/>
-                <a:sym typeface="Courier New"/>
-              </a:rPr>
-              <a:t> Sat Jan  5 09:14:16 2008'</a:t>
-            </a:r>
-          </a:p>
-          <a:p>
-            <a:pPr marL="0" marR="0" lvl="0" indent="0" algn="l" rtl="0">
-              <a:lnSpc>
-                <a:spcPct val="100000"/>
-              </a:lnSpc>
-              <a:spcBef>
-                <a:spcPts val="0"/>
-              </a:spcBef>
-              <a:spcAft>
-                <a:spcPts val="0"/>
-              </a:spcAft>
-              <a:buClr>
-                <a:schemeClr val="lt1"/>
-              </a:buClr>
-              <a:buSzPct val="25000"/>
-              <a:buFont typeface="Courier New"/>
-              <a:buNone/>
-            </a:pPr>
-            <a:r>
-              <a:rPr lang="en-US" sz="3000" b="1" i="0" u="none" strike="noStrike" cap="none" dirty="0">
-                <a:solidFill>
-                  <a:schemeClr val="lt1"/>
-                </a:solidFill>
-                <a:latin typeface="Courier New"/>
-                <a:ea typeface="Courier New"/>
-                <a:cs typeface="Courier New"/>
-                <a:sym typeface="Courier New"/>
-              </a:rPr>
-              <a:t>y = </a:t>
-            </a:r>
-            <a:r>
-              <a:rPr lang="en-US" sz="3000" b="1" i="0" u="none" strike="noStrike" cap="none" dirty="0" err="1">
-                <a:solidFill>
-                  <a:schemeClr val="lt1"/>
-                </a:solidFill>
-                <a:latin typeface="Courier New"/>
-                <a:ea typeface="Courier New"/>
-                <a:cs typeface="Courier New"/>
-                <a:sym typeface="Courier New"/>
-              </a:rPr>
-              <a:t>re.findall</a:t>
-            </a:r>
-            <a:r>
-              <a:rPr lang="en-US" sz="3000" b="1" i="0" u="none" strike="noStrike" cap="none" dirty="0">
-                <a:solidFill>
-                  <a:schemeClr val="lt1"/>
-                </a:solidFill>
-                <a:latin typeface="Courier New"/>
-                <a:ea typeface="Courier New"/>
-                <a:cs typeface="Courier New"/>
-                <a:sym typeface="Courier New"/>
-              </a:rPr>
-              <a:t>(</a:t>
-            </a:r>
-            <a:r>
-              <a:rPr lang="en-US" sz="3000" b="1" i="0" u="none" strike="noStrike" cap="none" dirty="0">
-                <a:solidFill>
-                  <a:srgbClr val="FFFF00"/>
-                </a:solidFill>
-                <a:latin typeface="Courier New"/>
-                <a:ea typeface="Courier New"/>
-                <a:cs typeface="Courier New"/>
-                <a:sym typeface="Courier New"/>
-              </a:rPr>
-              <a:t>'</a:t>
-            </a:r>
-            <a:r>
-              <a:rPr lang="en-US" sz="3000" b="1" dirty="0">
-                <a:solidFill>
-                  <a:srgbClr val="FFFF00"/>
-                </a:solidFill>
-                <a:latin typeface="Courier New"/>
-                <a:ea typeface="Courier New"/>
-                <a:cs typeface="Courier New"/>
-                <a:sym typeface="Courier New"/>
-              </a:rPr>
-              <a:t>^From .*@([^ </a:t>
-            </a:r>
-            <a:r>
-              <a:rPr lang="en-US" sz="3000" b="1" dirty="0" smtClean="0">
-                <a:solidFill>
-                  <a:srgbClr val="FFFF00"/>
-                </a:solidFill>
-                <a:latin typeface="Courier New"/>
-                <a:ea typeface="Courier New"/>
-                <a:cs typeface="Courier New"/>
-                <a:sym typeface="Courier New"/>
-              </a:rPr>
-              <a:t>]+)</a:t>
-            </a:r>
-            <a:r>
-              <a:rPr lang="en-US" sz="3000" b="1" i="0" u="none" strike="noStrike" cap="none" dirty="0" smtClean="0">
-                <a:solidFill>
-                  <a:srgbClr val="FFFF00"/>
-                </a:solidFill>
-                <a:latin typeface="Courier New"/>
-                <a:ea typeface="Courier New"/>
-                <a:cs typeface="Courier New"/>
-                <a:sym typeface="Courier New"/>
-              </a:rPr>
-              <a:t>'</a:t>
-            </a:r>
-            <a:r>
-              <a:rPr lang="en-US" sz="3000" b="1" i="0" u="none" strike="noStrike" cap="none" dirty="0" smtClean="0">
-                <a:solidFill>
-                  <a:schemeClr val="lt1"/>
-                </a:solidFill>
-                <a:latin typeface="Courier New"/>
-                <a:ea typeface="Courier New"/>
-                <a:cs typeface="Courier New"/>
-                <a:sym typeface="Courier New"/>
-              </a:rPr>
-              <a:t>,</a:t>
-            </a:r>
-            <a:r>
-              <a:rPr lang="en-US" sz="3000" b="1" i="0" u="none" strike="noStrike" cap="none" dirty="0" err="1">
-                <a:solidFill>
-                  <a:schemeClr val="lt1"/>
-                </a:solidFill>
-                <a:latin typeface="Courier New"/>
-                <a:ea typeface="Courier New"/>
-                <a:cs typeface="Courier New"/>
-                <a:sym typeface="Courier New"/>
-              </a:rPr>
-              <a:t>lin</a:t>
-            </a:r>
-            <a:r>
-              <a:rPr lang="en-US" sz="3000" b="1" i="0" u="none" strike="noStrike" cap="none" dirty="0">
-                <a:solidFill>
-                  <a:schemeClr val="lt1"/>
-                </a:solidFill>
-                <a:latin typeface="Courier New"/>
-                <a:ea typeface="Courier New"/>
-                <a:cs typeface="Courier New"/>
-                <a:sym typeface="Courier New"/>
-              </a:rPr>
-              <a:t>)</a:t>
-            </a:r>
-          </a:p>
-          <a:p>
-            <a:pPr marL="0" marR="0" lvl="0" indent="0" algn="l" rtl="0">
-              <a:lnSpc>
-                <a:spcPct val="100000"/>
-              </a:lnSpc>
-              <a:spcBef>
-                <a:spcPts val="0"/>
-              </a:spcBef>
-              <a:spcAft>
-                <a:spcPts val="0"/>
-              </a:spcAft>
-              <a:buClr>
-                <a:schemeClr val="lt1"/>
-              </a:buClr>
-              <a:buSzPct val="25000"/>
-              <a:buFont typeface="Courier New"/>
-              <a:buNone/>
-            </a:pPr>
-            <a:r>
-              <a:rPr lang="en-US" sz="3000" b="1" i="0" u="none" strike="noStrike" cap="none" dirty="0" smtClean="0">
-                <a:solidFill>
-                  <a:schemeClr val="lt1"/>
-                </a:solidFill>
-                <a:latin typeface="Courier New"/>
-                <a:ea typeface="Courier New"/>
-                <a:cs typeface="Courier New"/>
-                <a:sym typeface="Courier New"/>
-              </a:rPr>
-              <a:t>print(y)</a:t>
-            </a:r>
-          </a:p>
-          <a:p>
-            <a:pPr marL="0" marR="0" lvl="0" indent="0" algn="l" rtl="0">
-              <a:lnSpc>
-                <a:spcPct val="100000"/>
-              </a:lnSpc>
-              <a:spcBef>
-                <a:spcPts val="0"/>
-              </a:spcBef>
-              <a:spcAft>
-                <a:spcPts val="0"/>
-              </a:spcAft>
-              <a:buClr>
-                <a:schemeClr val="lt1"/>
-              </a:buClr>
-              <a:buSzPct val="25000"/>
-              <a:buFont typeface="Courier New"/>
-              <a:buNone/>
-            </a:pPr>
-            <a:endParaRPr lang="en-US" sz="3000" b="1" i="0" u="none" strike="noStrike" cap="none" dirty="0">
-              <a:solidFill>
-                <a:schemeClr val="lt1"/>
-              </a:solidFill>
-              <a:latin typeface="Courier New"/>
-              <a:ea typeface="Courier New"/>
-              <a:cs typeface="Courier New"/>
-              <a:sym typeface="Courier New"/>
-            </a:endParaRPr>
-          </a:p>
-          <a:p>
-            <a:pPr marL="0" marR="0" lvl="0" indent="0" algn="l" rtl="0">
-              <a:lnSpc>
-                <a:spcPct val="100000"/>
-              </a:lnSpc>
-              <a:spcBef>
-                <a:spcPts val="0"/>
-              </a:spcBef>
-              <a:spcAft>
-                <a:spcPts val="0"/>
-              </a:spcAft>
-              <a:buClr>
-                <a:schemeClr val="lt1"/>
-              </a:buClr>
-              <a:buSzPct val="25000"/>
-              <a:buFont typeface="Courier New"/>
-              <a:buNone/>
-            </a:pPr>
-            <a:r>
-              <a:rPr lang="en-US" sz="3000" b="1" i="0" u="none" strike="noStrike" cap="none" dirty="0">
-                <a:solidFill>
-                  <a:schemeClr val="lt1"/>
-                </a:solidFill>
-                <a:latin typeface="Courier New"/>
-                <a:ea typeface="Courier New"/>
-                <a:cs typeface="Courier New"/>
-                <a:sym typeface="Courier New"/>
-              </a:rPr>
-              <a:t>['</a:t>
-            </a:r>
-            <a:r>
-              <a:rPr lang="en-US" sz="3000" b="1" i="0" u="none" strike="noStrike" cap="none" dirty="0" err="1">
-                <a:solidFill>
-                  <a:schemeClr val="lt1"/>
+              <a:buFont typeface="Arial"/>
+              <a:buNone/>
+            </a:pPr>
+            <a:r>
+              <a:rPr lang="en-US" sz="3000" b="1" i="0" u="none" strike="noStrike" cap="none">
+                <a:solidFill>
+                  <a:srgbClr val="FF7F00"/>
+                </a:solidFill>
+                <a:latin typeface="Courier New"/>
+                <a:ea typeface="Courier New"/>
+                <a:cs typeface="Courier New"/>
+                <a:sym typeface="Courier New"/>
+              </a:rPr>
+              <a:t>From stephen.marquard@</a:t>
+            </a:r>
+            <a:r>
+              <a:rPr lang="en-US" sz="3000" b="1" i="0" u="none" strike="noStrike" cap="none">
+                <a:solidFill>
+                  <a:srgbClr val="00FF00"/>
                 </a:solidFill>
                 <a:latin typeface="Courier New"/>
                 <a:ea typeface="Courier New"/>
@@ -23493,16 +23637,16 @@
               <a:t>uct.ac.za</a:t>
             </a:r>
             <a:r>
-              <a:rPr lang="en-US" sz="3000" b="1" i="0" u="none" strike="noStrike" cap="none" dirty="0">
-                <a:solidFill>
-                  <a:schemeClr val="lt1"/>
-                </a:solidFill>
-                <a:latin typeface="Courier New"/>
-                <a:ea typeface="Courier New"/>
-                <a:cs typeface="Courier New"/>
-                <a:sym typeface="Courier New"/>
-              </a:rPr>
-              <a:t>']</a:t>
+              <a:rPr lang="en-US" sz="3000" b="1" i="0" u="none" strike="noStrike" cap="none">
+                <a:solidFill>
+                  <a:srgbClr val="FF7F00"/>
+                </a:solidFill>
+                <a:latin typeface="Courier New"/>
+                <a:ea typeface="Courier New"/>
+                <a:cs typeface="Courier New"/>
+                <a:sym typeface="Courier New"/>
+              </a:rPr>
+              <a:t> Sat Jan  5 09:14:16 2008</a:t>
             </a:r>
           </a:p>
         </p:txBody>
@@ -23522,7 +23666,7 @@
 </p:sld>
 </file>
 
-<file path=ppt/slides/slide31.xml><?xml version="1.0" encoding="utf-8"?>
+<file path=ppt/slides/slide32.xml><?xml version="1.0" encoding="utf-8"?>
 <p:sld xmlns:a="http://schemas.openxmlformats.org/drawingml/2006/main" xmlns:r="http://schemas.openxmlformats.org/officeDocument/2006/relationships" xmlns:p="http://schemas.openxmlformats.org/presentationml/2006/main">
   <p:cSld>
     <p:spTree>
@@ -24491,7 +24635,7 @@
               <a:buNone/>
             </a:pPr>
             <a:r>
-              <a:rPr lang="en-US" sz="4000" b="1">
+              <a:rPr lang="en-US" sz="4000" b="1" dirty="0">
                 <a:solidFill>
                   <a:schemeClr val="lt1"/>
                 </a:solidFill>
@@ -24513,7 +24657,7 @@
 </p:sld>
 </file>
 
-<file path=ppt/slides/slide32.xml><?xml version="1.0" encoding="utf-8"?>
+<file path=ppt/slides/slide33.xml><?xml version="1.0" encoding="utf-8"?>
 <p:sld xmlns:a="http://schemas.openxmlformats.org/drawingml/2006/main" xmlns:r="http://schemas.openxmlformats.org/officeDocument/2006/relationships" xmlns:p="http://schemas.openxmlformats.org/presentationml/2006/main">
   <p:cSld>
     <p:spTree>
@@ -24612,7 +24756,7 @@
           </a:bodyPr>
           <a:lstStyle/>
           <a:p>
-            <a:pPr marL="1104900" marR="0" lvl="0" indent="-603377" algn="l" rtl="0">
+            <a:pPr marL="501523" marR="0" lvl="0" indent="0" algn="l" rtl="0">
               <a:lnSpc>
                 <a:spcPct val="100000"/>
               </a:lnSpc>
@@ -24626,8 +24770,7 @@
                 <a:schemeClr val="lt1"/>
               </a:buClr>
               <a:buSzPct val="100000"/>
-              <a:buFont typeface="Cabin"/>
-              <a:buChar char="•"/>
+              <a:buNone/>
             </a:pPr>
             <a:r>
               <a:rPr lang="en-US" sz="3600" u="none" strike="noStrike" cap="none" dirty="0">
@@ -25021,7 +25164,7 @@
               <a:buNone/>
             </a:pPr>
             <a:r>
-              <a:rPr lang="en-US" sz="4900" b="0" i="0" u="none" strike="noStrike" cap="none" dirty="0">
+              <a:rPr lang="en-US" sz="4900" b="1" i="0" u="none" strike="noStrike" cap="none" dirty="0">
                 <a:solidFill>
                   <a:srgbClr val="FFFF00"/>
                 </a:solidFill>
@@ -25033,7 +25176,7 @@
               <a:t>\$</a:t>
             </a:r>
             <a:r>
-              <a:rPr lang="en-US" sz="4900" b="0" i="0" u="none" strike="noStrike" cap="none" dirty="0">
+              <a:rPr lang="en-US" sz="4900" b="1" i="0" u="none" strike="noStrike" cap="none" dirty="0">
                 <a:solidFill>
                   <a:srgbClr val="00FF00"/>
                 </a:solidFill>
@@ -25045,7 +25188,7 @@
               <a:t>[0-9.]</a:t>
             </a:r>
             <a:r>
-              <a:rPr lang="en-US" sz="4900" b="0" i="0" u="none" strike="noStrike" cap="none" dirty="0">
+              <a:rPr lang="en-US" sz="4900" b="1" i="0" u="none" strike="noStrike" cap="none" dirty="0">
                 <a:solidFill>
                   <a:srgbClr val="FF7F00"/>
                 </a:solidFill>
@@ -25342,7 +25485,7 @@
 </p:sld>
 </file>
 
-<file path=ppt/slides/slide33.xml><?xml version="1.0" encoding="utf-8"?>
+<file path=ppt/slides/slide34.xml><?xml version="1.0" encoding="utf-8"?>
 <p:sld xmlns:a="http://schemas.openxmlformats.org/drawingml/2006/main" xmlns:r="http://schemas.openxmlformats.org/officeDocument/2006/relationships" xmlns:p="http://schemas.openxmlformats.org/presentationml/2006/main">
   <p:cSld>
     <p:spTree>
@@ -25427,6 +25570,10 @@
           </p:nvPr>
         </p:nvSpPr>
         <p:spPr>
+          <a:xfrm>
+            <a:off x="1155700" y="2603500"/>
+            <a:ext cx="13932000" cy="4352053"/>
+          </a:xfrm>
           <a:prstGeom prst="rect">
             <a:avLst/>
           </a:prstGeom>
@@ -25512,7 +25659,7 @@
 </p:sld>
 </file>
 
-<file path=ppt/slides/slide34.xml><?xml version="1.0" encoding="utf-8"?>
+<file path=ppt/slides/slide35.xml><?xml version="1.0" encoding="utf-8"?>
 <p:sld xmlns:a="http://schemas.openxmlformats.org/drawingml/2006/main" xmlns:r="http://schemas.openxmlformats.org/officeDocument/2006/relationships" xmlns:p="http://schemas.openxmlformats.org/presentationml/2006/main">
   <p:cSld>
     <p:spTree>
@@ -25905,8 +26052,53 @@
                 <a:cs typeface="Arial Regular" charset="0"/>
                 <a:sym typeface="Cabin"/>
               </a:rPr>
-              <a:t>Really smart "Find" or "Search"</a:t>
-            </a:r>
+              <a:t>Really smart </a:t>
+            </a:r>
+            <a:r>
+              <a:rPr lang="en-US" sz="3800" u="none" strike="noStrike" cap="none" smtClean="0">
+                <a:solidFill>
+                  <a:srgbClr val="FFD966"/>
+                </a:solidFill>
+                <a:latin typeface="Arial Regular" charset="0"/>
+                <a:ea typeface="Arial Regular" charset="0"/>
+                <a:cs typeface="Arial Regular" charset="0"/>
+                <a:sym typeface="Cabin"/>
+              </a:rPr>
+              <a:t>“Find” </a:t>
+            </a:r>
+            <a:r>
+              <a:rPr lang="en-US" sz="3800" u="none" strike="noStrike" cap="none">
+                <a:solidFill>
+                  <a:srgbClr val="FFD966"/>
+                </a:solidFill>
+                <a:latin typeface="Arial Regular" charset="0"/>
+                <a:ea typeface="Arial Regular" charset="0"/>
+                <a:cs typeface="Arial Regular" charset="0"/>
+                <a:sym typeface="Cabin"/>
+              </a:rPr>
+              <a:t>or </a:t>
+            </a:r>
+            <a:r>
+              <a:rPr lang="en-US" sz="3800" u="none" strike="noStrike" cap="none" smtClean="0">
+                <a:solidFill>
+                  <a:srgbClr val="FFD966"/>
+                </a:solidFill>
+                <a:latin typeface="Arial Regular" charset="0"/>
+                <a:ea typeface="Arial Regular" charset="0"/>
+                <a:cs typeface="Arial Regular" charset="0"/>
+                <a:sym typeface="Cabin"/>
+              </a:rPr>
+              <a:t>“Search”</a:t>
+            </a:r>
+            <a:endParaRPr lang="en-US" sz="3800" u="none" strike="noStrike" cap="none">
+              <a:solidFill>
+                <a:srgbClr val="FFD966"/>
+              </a:solidFill>
+              <a:latin typeface="Arial Regular" charset="0"/>
+              <a:ea typeface="Arial Regular" charset="0"/>
+              <a:cs typeface="Arial Regular" charset="0"/>
+              <a:sym typeface="Cabin"/>
+            </a:endParaRPr>
           </a:p>
         </p:txBody>
       </p:sp>
@@ -26056,6 +26248,10 @@
           </p:nvPr>
         </p:nvSpPr>
         <p:spPr>
+          <a:xfrm>
+            <a:off x="1155700" y="2603500"/>
+            <a:ext cx="13932000" cy="5283767"/>
+          </a:xfrm>
           <a:prstGeom prst="rect">
             <a:avLst/>
           </a:prstGeom>
@@ -27679,32 +27875,53 @@
                 <a:cs typeface="Arial Regular" charset="0"/>
                 <a:sym typeface="Cabin"/>
               </a:rPr>
-              <a:t>Before you can use regular expressions in your program, you must import the library using "</a:t>
-            </a:r>
-            <a:r>
-              <a:rPr lang="en-US" sz="3600" u="none" strike="noStrike" cap="none">
-                <a:solidFill>
-                  <a:srgbClr val="00FF00"/>
+              <a:t>Before you can use regular expressions in your program, you must import the library using </a:t>
+            </a:r>
+            <a:r>
+              <a:rPr lang="en-US" sz="3600" u="none" strike="noStrike" cap="none" smtClean="0">
+                <a:solidFill>
+                  <a:schemeClr val="lt1"/>
                 </a:solidFill>
                 <a:latin typeface="Arial Regular" charset="0"/>
                 <a:ea typeface="Arial Regular" charset="0"/>
                 <a:cs typeface="Arial Regular" charset="0"/>
                 <a:sym typeface="Cabin"/>
               </a:rPr>
-              <a:t>import re</a:t>
-            </a:r>
-            <a:r>
-              <a:rPr lang="en-US" sz="3600" u="none" strike="noStrike" cap="none">
-                <a:solidFill>
-                  <a:schemeClr val="lt1"/>
+              <a:t>“</a:t>
+            </a:r>
+            <a:r>
+              <a:rPr lang="en-US" sz="3600" u="none" strike="noStrike" cap="none" smtClean="0">
+                <a:solidFill>
+                  <a:srgbClr val="00FF00"/>
                 </a:solidFill>
                 <a:latin typeface="Arial Regular" charset="0"/>
                 <a:ea typeface="Arial Regular" charset="0"/>
                 <a:cs typeface="Arial Regular" charset="0"/>
                 <a:sym typeface="Cabin"/>
               </a:rPr>
-              <a:t>"</a:t>
-            </a:r>
+              <a:t>import re</a:t>
+            </a:r>
+            <a:r>
+              <a:rPr lang="en-US" sz="3600" u="none" strike="noStrike" cap="none" smtClean="0">
+                <a:solidFill>
+                  <a:schemeClr val="lt1"/>
+                </a:solidFill>
+                <a:latin typeface="Arial Regular" charset="0"/>
+                <a:ea typeface="Arial Regular" charset="0"/>
+                <a:cs typeface="Arial Regular" charset="0"/>
+                <a:sym typeface="Cabin"/>
+              </a:rPr>
+              <a:t>”</a:t>
+            </a:r>
+            <a:endParaRPr lang="en-US" sz="3600" u="none" strike="noStrike" cap="none">
+              <a:solidFill>
+                <a:schemeClr val="lt1"/>
+              </a:solidFill>
+              <a:latin typeface="Arial Regular" charset="0"/>
+              <a:ea typeface="Arial Regular" charset="0"/>
+              <a:cs typeface="Arial Regular" charset="0"/>
+              <a:sym typeface="Cabin"/>
+            </a:endParaRPr>
           </a:p>
           <a:p>
             <a:pPr marL="749300" marR="0" lvl="0" indent="-371094" algn="l" rtl="0">
@@ -27758,19 +27975,19 @@
                 <a:cs typeface="Arial Regular" charset="0"/>
                 <a:sym typeface="Cabin"/>
               </a:rPr>
-              <a:t> to see if a string matches a regular expression,  similar to using the </a:t>
-            </a:r>
-            <a:r>
-              <a:rPr lang="en-US" sz="3600" u="none" strike="noStrike" cap="none">
-                <a:solidFill>
-                  <a:srgbClr val="FF00FF"/>
+              <a:t> to see if a string matches a regular expression</a:t>
+            </a:r>
+            <a:r>
+              <a:rPr lang="en-US" sz="3600" u="none" strike="noStrike" cap="none" smtClean="0">
+                <a:solidFill>
+                  <a:schemeClr val="lt1"/>
                 </a:solidFill>
                 <a:latin typeface="Arial Regular" charset="0"/>
                 <a:ea typeface="Arial Regular" charset="0"/>
                 <a:cs typeface="Arial Regular" charset="0"/>
                 <a:sym typeface="Cabin"/>
               </a:rPr>
-              <a:t>find() </a:t>
+              <a:t>, </a:t>
             </a:r>
             <a:r>
               <a:rPr lang="en-US" sz="3600" u="none" strike="noStrike" cap="none">
@@ -27782,6 +27999,30 @@
                 <a:cs typeface="Arial Regular" charset="0"/>
                 <a:sym typeface="Cabin"/>
               </a:rPr>
+              <a:t>similar to using the </a:t>
+            </a:r>
+            <a:r>
+              <a:rPr lang="en-US" sz="3600" u="none" strike="noStrike" cap="none">
+                <a:solidFill>
+                  <a:srgbClr val="FF00FF"/>
+                </a:solidFill>
+                <a:latin typeface="Arial Regular" charset="0"/>
+                <a:ea typeface="Arial Regular" charset="0"/>
+                <a:cs typeface="Arial Regular" charset="0"/>
+                <a:sym typeface="Cabin"/>
+              </a:rPr>
+              <a:t>find() </a:t>
+            </a:r>
+            <a:r>
+              <a:rPr lang="en-US" sz="3600" u="none" strike="noStrike" cap="none">
+                <a:solidFill>
+                  <a:schemeClr val="lt1"/>
+                </a:solidFill>
+                <a:latin typeface="Arial Regular" charset="0"/>
+                <a:ea typeface="Arial Regular" charset="0"/>
+                <a:cs typeface="Arial Regular" charset="0"/>
+                <a:sym typeface="Cabin"/>
+              </a:rPr>
               <a:t>method for strings</a:t>
             </a:r>
           </a:p>
@@ -27837,19 +28078,19 @@
                 <a:cs typeface="Arial Regular" charset="0"/>
                 <a:sym typeface="Cabin"/>
               </a:rPr>
-              <a:t> extract portions of a string that match your regular expression similar to a combination of </a:t>
-            </a:r>
-            <a:r>
-              <a:rPr lang="en-US" sz="3600" u="none" strike="noStrike" cap="none">
-                <a:solidFill>
-                  <a:srgbClr val="FF00FF"/>
+              <a:t> </a:t>
+            </a:r>
+            <a:r>
+              <a:rPr lang="en-US" sz="3600" u="none" strike="noStrike" cap="none" smtClean="0">
+                <a:solidFill>
+                  <a:schemeClr val="lt1"/>
                 </a:solidFill>
                 <a:latin typeface="Arial Regular" charset="0"/>
                 <a:ea typeface="Arial Regular" charset="0"/>
                 <a:cs typeface="Arial Regular" charset="0"/>
                 <a:sym typeface="Cabin"/>
               </a:rPr>
-              <a:t>find()</a:t>
+              <a:t>to extract </a:t>
             </a:r>
             <a:r>
               <a:rPr lang="en-US" sz="3600" u="none" strike="noStrike" cap="none">
@@ -27861,7 +28102,67 @@
                 <a:cs typeface="Arial Regular" charset="0"/>
                 <a:sym typeface="Cabin"/>
               </a:rPr>
-              <a:t> and slicing:       </a:t>
+              <a:t>portions of a string that match your regular </a:t>
+            </a:r>
+            <a:r>
+              <a:rPr lang="en-US" sz="3600" u="none" strike="noStrike" cap="none" smtClean="0">
+                <a:solidFill>
+                  <a:schemeClr val="lt1"/>
+                </a:solidFill>
+                <a:latin typeface="Arial Regular" charset="0"/>
+                <a:ea typeface="Arial Regular" charset="0"/>
+                <a:cs typeface="Arial Regular" charset="0"/>
+                <a:sym typeface="Cabin"/>
+              </a:rPr>
+              <a:t>expression, </a:t>
+            </a:r>
+            <a:r>
+              <a:rPr lang="en-US" sz="3600" u="none" strike="noStrike" cap="none">
+                <a:solidFill>
+                  <a:schemeClr val="lt1"/>
+                </a:solidFill>
+                <a:latin typeface="Arial Regular" charset="0"/>
+                <a:ea typeface="Arial Regular" charset="0"/>
+                <a:cs typeface="Arial Regular" charset="0"/>
+                <a:sym typeface="Cabin"/>
+              </a:rPr>
+              <a:t>similar to a combination of </a:t>
+            </a:r>
+            <a:r>
+              <a:rPr lang="en-US" sz="3600" u="none" strike="noStrike" cap="none">
+                <a:solidFill>
+                  <a:srgbClr val="FF00FF"/>
+                </a:solidFill>
+                <a:latin typeface="Arial Regular" charset="0"/>
+                <a:ea typeface="Arial Regular" charset="0"/>
+                <a:cs typeface="Arial Regular" charset="0"/>
+                <a:sym typeface="Cabin"/>
+              </a:rPr>
+              <a:t>find()</a:t>
+            </a:r>
+            <a:r>
+              <a:rPr lang="en-US" sz="3600" u="none" strike="noStrike" cap="none">
+                <a:solidFill>
+                  <a:schemeClr val="lt1"/>
+                </a:solidFill>
+                <a:latin typeface="Arial Regular" charset="0"/>
+                <a:ea typeface="Arial Regular" charset="0"/>
+                <a:cs typeface="Arial Regular" charset="0"/>
+                <a:sym typeface="Cabin"/>
+              </a:rPr>
+              <a:t> and slicing: </a:t>
+            </a:r>
+            <a:r>
+              <a:rPr lang="en-US" sz="3600" u="none" strike="noStrike" cap="none" smtClean="0">
+                <a:solidFill>
+                  <a:schemeClr val="lt1"/>
+                </a:solidFill>
+                <a:latin typeface="Arial Regular" charset="0"/>
+                <a:ea typeface="Arial Regular" charset="0"/>
+                <a:cs typeface="Arial Regular" charset="0"/>
+                <a:sym typeface="Cabin"/>
+              </a:rPr>
+              <a:t> </a:t>
             </a:r>
             <a:r>
               <a:rPr lang="en-US" sz="3600" u="none" strike="noStrike" cap="none">

--- a/lectures3/Pythonlearn-11-Regex.pptx
+++ b/lectures3/Pythonlearn-11-Regex.pptx
@@ -15639,7 +15639,7 @@
               <a:t>&gt;&gt;&gt; </a:t>
             </a:r>
             <a:r>
-              <a:rPr lang="en-US" sz="2800" b="1" i="0" u="none" strike="noStrike" cap="none" dirty="0">
+              <a:rPr lang="en-US" sz="2800" b="1" i="0" u="none" strike="noStrike" cap="none" dirty="0" smtClean="0">
                 <a:solidFill>
                   <a:srgbClr val="FFFF00"/>
                 </a:solidFill>
@@ -15648,31 +15648,7 @@
                 <a:cs typeface="Courier New"/>
                 <a:sym typeface="Courier New"/>
               </a:rPr>
-              <a:t>print</a:t>
-            </a:r>
-            <a:r>
-              <a:rPr lang="en-US" sz="2800" b="1" i="0" u="none" strike="noStrike" cap="none" dirty="0">
-                <a:solidFill>
-                  <a:schemeClr val="lt1"/>
-                </a:solidFill>
-                <a:latin typeface="Courier New"/>
-                <a:ea typeface="Courier New"/>
-                <a:cs typeface="Courier New"/>
-                <a:sym typeface="Courier New"/>
-              </a:rPr>
-              <a:t> </a:t>
-            </a:r>
-            <a:r>
-              <a:rPr lang="en-US" sz="2800" b="1" i="0" u="none" strike="noStrike" cap="none" dirty="0" smtClean="0">
-                <a:solidFill>
-                  <a:srgbClr val="FFFF00"/>
-                </a:solidFill>
-                <a:latin typeface="Courier New"/>
-                <a:ea typeface="Courier New"/>
-                <a:cs typeface="Courier New"/>
-                <a:sym typeface="Courier New"/>
-              </a:rPr>
-              <a:t>(</a:t>
+              <a:t>print(</a:t>
             </a:r>
             <a:r>
               <a:rPr lang="en-US" sz="2800" b="1" i="0" u="none" strike="noStrike" cap="none" dirty="0" err="1" smtClean="0">
@@ -15909,7 +15885,7 @@
               <a:t>&gt;&gt;&gt; </a:t>
             </a:r>
             <a:r>
-              <a:rPr lang="en-US" sz="2800" b="1" i="0" u="none" strike="noStrike" cap="none" dirty="0">
+              <a:rPr lang="en-US" sz="2800" b="1" i="0" u="none" strike="noStrike" cap="none" dirty="0" smtClean="0">
                 <a:solidFill>
                   <a:srgbClr val="FFFF00"/>
                 </a:solidFill>
@@ -15918,31 +15894,7 @@
                 <a:cs typeface="Courier New"/>
                 <a:sym typeface="Courier New"/>
               </a:rPr>
-              <a:t>print</a:t>
-            </a:r>
-            <a:r>
-              <a:rPr lang="en-US" sz="2800" b="1" i="0" u="none" strike="noStrike" cap="none" dirty="0">
-                <a:solidFill>
-                  <a:schemeClr val="lt1"/>
-                </a:solidFill>
-                <a:latin typeface="Courier New"/>
-                <a:ea typeface="Courier New"/>
-                <a:cs typeface="Courier New"/>
-                <a:sym typeface="Courier New"/>
-              </a:rPr>
-              <a:t> </a:t>
-            </a:r>
-            <a:r>
-              <a:rPr lang="en-US" sz="2800" b="1" i="0" u="none" strike="noStrike" cap="none" dirty="0" smtClean="0">
-                <a:solidFill>
-                  <a:srgbClr val="FFFF00"/>
-                </a:solidFill>
-                <a:latin typeface="Courier New"/>
-                <a:ea typeface="Courier New"/>
-                <a:cs typeface="Courier New"/>
-                <a:sym typeface="Courier New"/>
-              </a:rPr>
-              <a:t>(</a:t>
+              <a:t>print(</a:t>
             </a:r>
             <a:r>
               <a:rPr lang="en-US" sz="2800" b="1" i="0" u="none" strike="noStrike" cap="none" dirty="0" err="1" smtClean="0">
@@ -16179,7 +16131,7 @@
               <a:buNone/>
             </a:pPr>
             <a:r>
-              <a:rPr lang="en-US" sz="2800" b="1" i="0" u="none" strike="noStrike" cap="none" dirty="0">
+              <a:rPr lang="en-US" sz="2800" b="1" i="0" u="none" strike="noStrike" cap="none">
                 <a:solidFill>
                   <a:schemeClr val="lt1"/>
                 </a:solidFill>
@@ -16191,7 +16143,7 @@
               <a:t>&gt;&gt;&gt; </a:t>
             </a:r>
             <a:r>
-              <a:rPr lang="en-US" sz="2800" b="1" i="0" u="none" strike="noStrike" cap="none" dirty="0">
+              <a:rPr lang="en-US" sz="2800" b="1" i="0" u="none" strike="noStrike" cap="none" smtClean="0">
                 <a:solidFill>
                   <a:srgbClr val="FFFF00"/>
                 </a:solidFill>
@@ -16200,34 +16152,10 @@
                 <a:cs typeface="Courier New"/>
                 <a:sym typeface="Courier New"/>
               </a:rPr>
-              <a:t>print</a:t>
-            </a:r>
-            <a:r>
-              <a:rPr lang="en-US" sz="2800" b="1" i="0" u="none" strike="noStrike" cap="none" dirty="0">
-                <a:solidFill>
-                  <a:schemeClr val="lt1"/>
-                </a:solidFill>
-                <a:latin typeface="Courier New"/>
-                <a:ea typeface="Courier New"/>
-                <a:cs typeface="Courier New"/>
-                <a:sym typeface="Courier New"/>
-              </a:rPr>
-              <a:t> </a:t>
-            </a:r>
-            <a:r>
-              <a:rPr lang="en-US" sz="2800" b="1" i="0" u="none" strike="noStrike" cap="none" dirty="0" smtClean="0">
-                <a:solidFill>
-                  <a:srgbClr val="FFFF00"/>
-                </a:solidFill>
-                <a:latin typeface="Courier New"/>
-                <a:ea typeface="Courier New"/>
-                <a:cs typeface="Courier New"/>
-                <a:sym typeface="Courier New"/>
-              </a:rPr>
-              <a:t>(</a:t>
-            </a:r>
-            <a:r>
-              <a:rPr lang="en-US" sz="2800" b="1" i="0" u="none" strike="noStrike" cap="none" dirty="0" smtClean="0">
+              <a:t>print(</a:t>
+            </a:r>
+            <a:r>
+              <a:rPr lang="en-US" sz="2800" b="1" i="0" u="none" strike="noStrike" cap="none" smtClean="0">
                 <a:solidFill>
                   <a:srgbClr val="00FF00"/>
                 </a:solidFill>

--- a/lectures3/Pythonlearn-11-Regex.pptx
+++ b/lectures3/Pythonlearn-11-Regex.pptx
@@ -18,17 +18,17 @@
     <p:sldId id="263" r:id="rId9"/>
     <p:sldId id="264" r:id="rId10"/>
     <p:sldId id="265" r:id="rId11"/>
-    <p:sldId id="266" r:id="rId12"/>
-    <p:sldId id="267" r:id="rId13"/>
-    <p:sldId id="268" r:id="rId14"/>
-    <p:sldId id="269" r:id="rId15"/>
+    <p:sldId id="267" r:id="rId12"/>
+    <p:sldId id="268" r:id="rId13"/>
+    <p:sldId id="269" r:id="rId14"/>
+    <p:sldId id="291" r:id="rId15"/>
     <p:sldId id="270" r:id="rId16"/>
     <p:sldId id="271" r:id="rId17"/>
     <p:sldId id="272" r:id="rId18"/>
     <p:sldId id="273" r:id="rId19"/>
-    <p:sldId id="290" r:id="rId20"/>
-    <p:sldId id="274" r:id="rId21"/>
-    <p:sldId id="275" r:id="rId22"/>
+    <p:sldId id="274" r:id="rId20"/>
+    <p:sldId id="275" r:id="rId21"/>
+    <p:sldId id="292" r:id="rId22"/>
     <p:sldId id="276" r:id="rId23"/>
     <p:sldId id="277" r:id="rId24"/>
     <p:sldId id="278" r:id="rId25"/>
@@ -787,116 +787,6 @@
   <p:cSld>
     <p:spTree>
       <p:nvGrpSpPr>
-        <p:cNvPr id="1" name="Shape 269"/>
-        <p:cNvGrpSpPr/>
-        <p:nvPr/>
-      </p:nvGrpSpPr>
-      <p:grpSpPr>
-        <a:xfrm>
-          <a:off x="0" y="0"/>
-          <a:ext cx="0" cy="0"/>
-          <a:chOff x="0" y="0"/>
-          <a:chExt cx="0" cy="0"/>
-        </a:xfrm>
-      </p:grpSpPr>
-      <p:sp>
-        <p:nvSpPr>
-          <p:cNvPr id="270" name="Shape 270"/>
-          <p:cNvSpPr txBox="1">
-            <a:spLocks noGrp="1"/>
-          </p:cNvSpPr>
-          <p:nvPr>
-            <p:ph type="body" idx="1"/>
-          </p:nvPr>
-        </p:nvSpPr>
-        <p:spPr>
-          <a:xfrm>
-            <a:off x="685800" y="4343400"/>
-            <a:ext cx="5486399" cy="4114800"/>
-          </a:xfrm>
-          <a:prstGeom prst="rect">
-            <a:avLst/>
-          </a:prstGeom>
-          <a:noFill/>
-          <a:ln>
-            <a:noFill/>
-          </a:ln>
-        </p:spPr>
-        <p:txBody>
-          <a:bodyPr lIns="91425" tIns="91425" rIns="91425" bIns="91425" anchor="ctr" anchorCtr="0">
-            <a:noAutofit/>
-          </a:bodyPr>
-          <a:lstStyle/>
-          <a:p>
-            <a:pPr lvl="0">
-              <a:spcBef>
-                <a:spcPts val="0"/>
-              </a:spcBef>
-              <a:buNone/>
-            </a:pPr>
-            <a:endParaRPr/>
-          </a:p>
-        </p:txBody>
-      </p:sp>
-      <p:sp>
-        <p:nvSpPr>
-          <p:cNvPr id="271" name="Shape 271"/>
-          <p:cNvSpPr>
-            <a:spLocks noGrp="1" noRot="1" noChangeAspect="1"/>
-          </p:cNvSpPr>
-          <p:nvPr>
-            <p:ph type="sldImg" idx="2"/>
-          </p:nvPr>
-        </p:nvSpPr>
-        <p:spPr>
-          <a:xfrm>
-            <a:off x="381000" y="685800"/>
-            <a:ext cx="6096000" cy="3429000"/>
-          </a:xfrm>
-          <a:custGeom>
-            <a:avLst/>
-            <a:gdLst/>
-            <a:ahLst/>
-            <a:cxnLst/>
-            <a:rect l="0" t="0" r="0" b="0"/>
-            <a:pathLst>
-              <a:path w="120000" h="120000" extrusionOk="0">
-                <a:moveTo>
-                  <a:pt x="0" y="0"/>
-                </a:moveTo>
-                <a:lnTo>
-                  <a:pt x="120000" y="0"/>
-                </a:lnTo>
-                <a:lnTo>
-                  <a:pt x="120000" y="120000"/>
-                </a:lnTo>
-                <a:lnTo>
-                  <a:pt x="0" y="120000"/>
-                </a:lnTo>
-                <a:close/>
-              </a:path>
-            </a:pathLst>
-          </a:custGeom>
-        </p:spPr>
-      </p:sp>
-    </p:spTree>
-    <p:extLst>
-      <p:ext uri="{BB962C8B-B14F-4D97-AF65-F5344CB8AC3E}">
-        <p14:creationId xmlns:p14="http://schemas.microsoft.com/office/powerpoint/2010/main" val="1977678127"/>
-      </p:ext>
-    </p:extLst>
-  </p:cSld>
-  <p:clrMapOvr>
-    <a:masterClrMapping/>
-  </p:clrMapOvr>
-</p:notes>
-</file>
-
-<file path=ppt/notesSlides/notesSlide12.xml><?xml version="1.0" encoding="utf-8"?>
-<p:notes xmlns:a="http://schemas.openxmlformats.org/drawingml/2006/main" xmlns:r="http://schemas.openxmlformats.org/officeDocument/2006/relationships" xmlns:p="http://schemas.openxmlformats.org/presentationml/2006/main" showMasterSp="0" showMasterPhAnim="0">
-  <p:cSld>
-    <p:spTree>
-      <p:nvGrpSpPr>
         <p:cNvPr id="1" name="Shape 277"/>
         <p:cNvGrpSpPr/>
         <p:nvPr/>
@@ -1002,7 +892,7 @@
 </p:notes>
 </file>
 
-<file path=ppt/notesSlides/notesSlide13.xml><?xml version="1.0" encoding="utf-8"?>
+<file path=ppt/notesSlides/notesSlide12.xml><?xml version="1.0" encoding="utf-8"?>
 <p:notes xmlns:a="http://schemas.openxmlformats.org/drawingml/2006/main" xmlns:r="http://schemas.openxmlformats.org/officeDocument/2006/relationships" xmlns:p="http://schemas.openxmlformats.org/presentationml/2006/main" showMasterSp="0" showMasterPhAnim="0">
   <p:cSld>
     <p:spTree>
@@ -1112,7 +1002,7 @@
 </p:notes>
 </file>
 
-<file path=ppt/notesSlides/notesSlide14.xml><?xml version="1.0" encoding="utf-8"?>
+<file path=ppt/notesSlides/notesSlide13.xml><?xml version="1.0" encoding="utf-8"?>
 <p:notes xmlns:a="http://schemas.openxmlformats.org/drawingml/2006/main" xmlns:r="http://schemas.openxmlformats.org/officeDocument/2006/relationships" xmlns:p="http://schemas.openxmlformats.org/presentationml/2006/main" showMasterSp="0" showMasterPhAnim="0">
   <p:cSld>
     <p:spTree>
@@ -1222,7 +1112,7 @@
 </p:notes>
 </file>
 
-<file path=ppt/notesSlides/notesSlide15.xml><?xml version="1.0" encoding="utf-8"?>
+<file path=ppt/notesSlides/notesSlide14.xml><?xml version="1.0" encoding="utf-8"?>
 <p:notes xmlns:a="http://schemas.openxmlformats.org/drawingml/2006/main" xmlns:r="http://schemas.openxmlformats.org/officeDocument/2006/relationships" xmlns:p="http://schemas.openxmlformats.org/presentationml/2006/main" showMasterSp="0" showMasterPhAnim="0">
   <p:cSld>
     <p:spTree>
@@ -1332,7 +1222,7 @@
 </p:notes>
 </file>
 
-<file path=ppt/notesSlides/notesSlide16.xml><?xml version="1.0" encoding="utf-8"?>
+<file path=ppt/notesSlides/notesSlide15.xml><?xml version="1.0" encoding="utf-8"?>
 <p:notes xmlns:a="http://schemas.openxmlformats.org/drawingml/2006/main" xmlns:r="http://schemas.openxmlformats.org/officeDocument/2006/relationships" xmlns:p="http://schemas.openxmlformats.org/presentationml/2006/main" showMasterSp="0" showMasterPhAnim="0">
   <p:cSld>
     <p:spTree>
@@ -1442,7 +1332,7 @@
 </p:notes>
 </file>
 
-<file path=ppt/notesSlides/notesSlide17.xml><?xml version="1.0" encoding="utf-8"?>
+<file path=ppt/notesSlides/notesSlide16.xml><?xml version="1.0" encoding="utf-8"?>
 <p:notes xmlns:a="http://schemas.openxmlformats.org/drawingml/2006/main" xmlns:r="http://schemas.openxmlformats.org/officeDocument/2006/relationships" xmlns:p="http://schemas.openxmlformats.org/presentationml/2006/main" showMasterSp="0" showMasterPhAnim="0">
   <p:cSld>
     <p:spTree>
@@ -1552,7 +1442,7 @@
 </p:notes>
 </file>
 
-<file path=ppt/notesSlides/notesSlide18.xml><?xml version="1.0" encoding="utf-8"?>
+<file path=ppt/notesSlides/notesSlide17.xml><?xml version="1.0" encoding="utf-8"?>
 <p:notes xmlns:a="http://schemas.openxmlformats.org/drawingml/2006/main" xmlns:r="http://schemas.openxmlformats.org/officeDocument/2006/relationships" xmlns:p="http://schemas.openxmlformats.org/presentationml/2006/main" showMasterSp="0" showMasterPhAnim="0">
   <p:cSld>
     <p:spTree>
@@ -1662,7 +1552,7 @@
 </p:notes>
 </file>
 
-<file path=ppt/notesSlides/notesSlide19.xml><?xml version="1.0" encoding="utf-8"?>
+<file path=ppt/notesSlides/notesSlide18.xml><?xml version="1.0" encoding="utf-8"?>
 <p:notes xmlns:a="http://schemas.openxmlformats.org/drawingml/2006/main" xmlns:r="http://schemas.openxmlformats.org/officeDocument/2006/relationships" xmlns:p="http://schemas.openxmlformats.org/presentationml/2006/main" showMasterSp="0" showMasterPhAnim="0">
   <p:cSld>
     <p:spTree>
@@ -1763,6 +1653,116 @@
     <p:extLst>
       <p:ext uri="{BB962C8B-B14F-4D97-AF65-F5344CB8AC3E}">
         <p14:creationId xmlns:p14="http://schemas.microsoft.com/office/powerpoint/2010/main" val="1594554559"/>
+      </p:ext>
+    </p:extLst>
+  </p:cSld>
+  <p:clrMapOvr>
+    <a:masterClrMapping/>
+  </p:clrMapOvr>
+</p:notes>
+</file>
+
+<file path=ppt/notesSlides/notesSlide19.xml><?xml version="1.0" encoding="utf-8"?>
+<p:notes xmlns:a="http://schemas.openxmlformats.org/drawingml/2006/main" xmlns:r="http://schemas.openxmlformats.org/officeDocument/2006/relationships" xmlns:p="http://schemas.openxmlformats.org/presentationml/2006/main" showMasterSp="0" showMasterPhAnim="0">
+  <p:cSld>
+    <p:spTree>
+      <p:nvGrpSpPr>
+        <p:cNvPr id="1" name="Shape 377"/>
+        <p:cNvGrpSpPr/>
+        <p:nvPr/>
+      </p:nvGrpSpPr>
+      <p:grpSpPr>
+        <a:xfrm>
+          <a:off x="0" y="0"/>
+          <a:ext cx="0" cy="0"/>
+          <a:chOff x="0" y="0"/>
+          <a:chExt cx="0" cy="0"/>
+        </a:xfrm>
+      </p:grpSpPr>
+      <p:sp>
+        <p:nvSpPr>
+          <p:cNvPr id="378" name="Shape 378"/>
+          <p:cNvSpPr txBox="1">
+            <a:spLocks noGrp="1"/>
+          </p:cNvSpPr>
+          <p:nvPr>
+            <p:ph type="body" idx="1"/>
+          </p:nvPr>
+        </p:nvSpPr>
+        <p:spPr>
+          <a:xfrm>
+            <a:off x="685800" y="4343400"/>
+            <a:ext cx="5486399" cy="4114800"/>
+          </a:xfrm>
+          <a:prstGeom prst="rect">
+            <a:avLst/>
+          </a:prstGeom>
+          <a:noFill/>
+          <a:ln>
+            <a:noFill/>
+          </a:ln>
+        </p:spPr>
+        <p:txBody>
+          <a:bodyPr lIns="91425" tIns="91425" rIns="91425" bIns="91425" anchor="ctr" anchorCtr="0">
+            <a:noAutofit/>
+          </a:bodyPr>
+          <a:lstStyle/>
+          <a:p>
+            <a:pPr lvl="0">
+              <a:spcBef>
+                <a:spcPts val="0"/>
+              </a:spcBef>
+              <a:buNone/>
+            </a:pPr>
+            <a:endParaRPr/>
+          </a:p>
+        </p:txBody>
+      </p:sp>
+      <p:sp>
+        <p:nvSpPr>
+          <p:cNvPr id="379" name="Shape 379"/>
+          <p:cNvSpPr>
+            <a:spLocks noGrp="1" noRot="1" noChangeAspect="1"/>
+          </p:cNvSpPr>
+          <p:nvPr>
+            <p:ph type="sldImg" idx="2"/>
+          </p:nvPr>
+        </p:nvSpPr>
+        <p:spPr>
+          <a:xfrm>
+            <a:off x="381000" y="685800"/>
+            <a:ext cx="6096000" cy="3429000"/>
+          </a:xfrm>
+          <a:custGeom>
+            <a:avLst/>
+            <a:gdLst/>
+            <a:ahLst/>
+            <a:cxnLst/>
+            <a:rect l="0" t="0" r="0" b="0"/>
+            <a:pathLst>
+              <a:path w="120000" h="120000" extrusionOk="0">
+                <a:moveTo>
+                  <a:pt x="0" y="0"/>
+                </a:moveTo>
+                <a:lnTo>
+                  <a:pt x="120000" y="0"/>
+                </a:lnTo>
+                <a:lnTo>
+                  <a:pt x="120000" y="120000"/>
+                </a:lnTo>
+                <a:lnTo>
+                  <a:pt x="0" y="120000"/>
+                </a:lnTo>
+                <a:close/>
+              </a:path>
+            </a:pathLst>
+          </a:custGeom>
+        </p:spPr>
+      </p:sp>
+    </p:spTree>
+    <p:extLst>
+      <p:ext uri="{BB962C8B-B14F-4D97-AF65-F5344CB8AC3E}">
+        <p14:creationId xmlns:p14="http://schemas.microsoft.com/office/powerpoint/2010/main" val="1230042200"/>
       </p:ext>
     </p:extLst>
   </p:cSld>
@@ -1887,116 +1887,6 @@
   <p:cSld>
     <p:spTree>
       <p:nvGrpSpPr>
-        <p:cNvPr id="1" name="Shape 377"/>
-        <p:cNvGrpSpPr/>
-        <p:nvPr/>
-      </p:nvGrpSpPr>
-      <p:grpSpPr>
-        <a:xfrm>
-          <a:off x="0" y="0"/>
-          <a:ext cx="0" cy="0"/>
-          <a:chOff x="0" y="0"/>
-          <a:chExt cx="0" cy="0"/>
-        </a:xfrm>
-      </p:grpSpPr>
-      <p:sp>
-        <p:nvSpPr>
-          <p:cNvPr id="378" name="Shape 378"/>
-          <p:cNvSpPr txBox="1">
-            <a:spLocks noGrp="1"/>
-          </p:cNvSpPr>
-          <p:nvPr>
-            <p:ph type="body" idx="1"/>
-          </p:nvPr>
-        </p:nvSpPr>
-        <p:spPr>
-          <a:xfrm>
-            <a:off x="685800" y="4343400"/>
-            <a:ext cx="5486399" cy="4114800"/>
-          </a:xfrm>
-          <a:prstGeom prst="rect">
-            <a:avLst/>
-          </a:prstGeom>
-          <a:noFill/>
-          <a:ln>
-            <a:noFill/>
-          </a:ln>
-        </p:spPr>
-        <p:txBody>
-          <a:bodyPr lIns="91425" tIns="91425" rIns="91425" bIns="91425" anchor="ctr" anchorCtr="0">
-            <a:noAutofit/>
-          </a:bodyPr>
-          <a:lstStyle/>
-          <a:p>
-            <a:pPr lvl="0">
-              <a:spcBef>
-                <a:spcPts val="0"/>
-              </a:spcBef>
-              <a:buNone/>
-            </a:pPr>
-            <a:endParaRPr/>
-          </a:p>
-        </p:txBody>
-      </p:sp>
-      <p:sp>
-        <p:nvSpPr>
-          <p:cNvPr id="379" name="Shape 379"/>
-          <p:cNvSpPr>
-            <a:spLocks noGrp="1" noRot="1" noChangeAspect="1"/>
-          </p:cNvSpPr>
-          <p:nvPr>
-            <p:ph type="sldImg" idx="2"/>
-          </p:nvPr>
-        </p:nvSpPr>
-        <p:spPr>
-          <a:xfrm>
-            <a:off x="381000" y="685800"/>
-            <a:ext cx="6096000" cy="3429000"/>
-          </a:xfrm>
-          <a:custGeom>
-            <a:avLst/>
-            <a:gdLst/>
-            <a:ahLst/>
-            <a:cxnLst/>
-            <a:rect l="0" t="0" r="0" b="0"/>
-            <a:pathLst>
-              <a:path w="120000" h="120000" extrusionOk="0">
-                <a:moveTo>
-                  <a:pt x="0" y="0"/>
-                </a:moveTo>
-                <a:lnTo>
-                  <a:pt x="120000" y="0"/>
-                </a:lnTo>
-                <a:lnTo>
-                  <a:pt x="120000" y="120000"/>
-                </a:lnTo>
-                <a:lnTo>
-                  <a:pt x="0" y="120000"/>
-                </a:lnTo>
-                <a:close/>
-              </a:path>
-            </a:pathLst>
-          </a:custGeom>
-        </p:spPr>
-      </p:sp>
-    </p:spTree>
-    <p:extLst>
-      <p:ext uri="{BB962C8B-B14F-4D97-AF65-F5344CB8AC3E}">
-        <p14:creationId xmlns:p14="http://schemas.microsoft.com/office/powerpoint/2010/main" val="1230042200"/>
-      </p:ext>
-    </p:extLst>
-  </p:cSld>
-  <p:clrMapOvr>
-    <a:masterClrMapping/>
-  </p:clrMapOvr>
-</p:notes>
-</file>
-
-<file path=ppt/notesSlides/notesSlide21.xml><?xml version="1.0" encoding="utf-8"?>
-<p:notes xmlns:a="http://schemas.openxmlformats.org/drawingml/2006/main" xmlns:r="http://schemas.openxmlformats.org/officeDocument/2006/relationships" xmlns:p="http://schemas.openxmlformats.org/presentationml/2006/main" showMasterSp="0" showMasterPhAnim="0">
-  <p:cSld>
-    <p:spTree>
-      <p:nvGrpSpPr>
         <p:cNvPr id="1" name="Shape 388"/>
         <p:cNvGrpSpPr/>
         <p:nvPr/>
@@ -2102,7 +1992,7 @@
 </p:notes>
 </file>
 
-<file path=ppt/notesSlides/notesSlide22.xml><?xml version="1.0" encoding="utf-8"?>
+<file path=ppt/notesSlides/notesSlide21.xml><?xml version="1.0" encoding="utf-8"?>
 <p:notes xmlns:a="http://schemas.openxmlformats.org/drawingml/2006/main" xmlns:r="http://schemas.openxmlformats.org/officeDocument/2006/relationships" xmlns:p="http://schemas.openxmlformats.org/presentationml/2006/main" showMasterSp="0" showMasterPhAnim="0">
   <p:cSld>
     <p:spTree>
@@ -2212,7 +2102,7 @@
 </p:notes>
 </file>
 
-<file path=ppt/notesSlides/notesSlide23.xml><?xml version="1.0" encoding="utf-8"?>
+<file path=ppt/notesSlides/notesSlide22.xml><?xml version="1.0" encoding="utf-8"?>
 <p:notes xmlns:a="http://schemas.openxmlformats.org/drawingml/2006/main" xmlns:r="http://schemas.openxmlformats.org/officeDocument/2006/relationships" xmlns:p="http://schemas.openxmlformats.org/presentationml/2006/main" showMasterSp="0" showMasterPhAnim="0">
   <p:cSld>
     <p:spTree>
@@ -2322,7 +2212,7 @@
 </p:notes>
 </file>
 
-<file path=ppt/notesSlides/notesSlide24.xml><?xml version="1.0" encoding="utf-8"?>
+<file path=ppt/notesSlides/notesSlide23.xml><?xml version="1.0" encoding="utf-8"?>
 <p:notes xmlns:a="http://schemas.openxmlformats.org/drawingml/2006/main" xmlns:r="http://schemas.openxmlformats.org/officeDocument/2006/relationships" xmlns:p="http://schemas.openxmlformats.org/presentationml/2006/main" showMasterSp="0" showMasterPhAnim="0">
   <p:cSld>
     <p:spTree>
@@ -2432,7 +2322,7 @@
 </p:notes>
 </file>
 
-<file path=ppt/notesSlides/notesSlide25.xml><?xml version="1.0" encoding="utf-8"?>
+<file path=ppt/notesSlides/notesSlide24.xml><?xml version="1.0" encoding="utf-8"?>
 <p:notes xmlns:a="http://schemas.openxmlformats.org/drawingml/2006/main" xmlns:r="http://schemas.openxmlformats.org/officeDocument/2006/relationships" xmlns:p="http://schemas.openxmlformats.org/presentationml/2006/main" showMasterSp="0" showMasterPhAnim="0">
   <p:cSld>
     <p:spTree>
@@ -2542,7 +2432,7 @@
 </p:notes>
 </file>
 
-<file path=ppt/notesSlides/notesSlide26.xml><?xml version="1.0" encoding="utf-8"?>
+<file path=ppt/notesSlides/notesSlide25.xml><?xml version="1.0" encoding="utf-8"?>
 <p:notes xmlns:a="http://schemas.openxmlformats.org/drawingml/2006/main" xmlns:r="http://schemas.openxmlformats.org/officeDocument/2006/relationships" xmlns:p="http://schemas.openxmlformats.org/presentationml/2006/main" showMasterSp="0" showMasterPhAnim="0">
   <p:cSld>
     <p:spTree>
@@ -2652,7 +2542,7 @@
 </p:notes>
 </file>
 
-<file path=ppt/notesSlides/notesSlide27.xml><?xml version="1.0" encoding="utf-8"?>
+<file path=ppt/notesSlides/notesSlide26.xml><?xml version="1.0" encoding="utf-8"?>
 <p:notes xmlns:a="http://schemas.openxmlformats.org/drawingml/2006/main" xmlns:r="http://schemas.openxmlformats.org/officeDocument/2006/relationships" xmlns:p="http://schemas.openxmlformats.org/presentationml/2006/main" showMasterSp="0" showMasterPhAnim="0">
   <p:cSld>
     <p:spTree>
@@ -2762,7 +2652,7 @@
 </p:notes>
 </file>
 
-<file path=ppt/notesSlides/notesSlide28.xml><?xml version="1.0" encoding="utf-8"?>
+<file path=ppt/notesSlides/notesSlide27.xml><?xml version="1.0" encoding="utf-8"?>
 <p:notes xmlns:a="http://schemas.openxmlformats.org/drawingml/2006/main" xmlns:r="http://schemas.openxmlformats.org/officeDocument/2006/relationships" xmlns:p="http://schemas.openxmlformats.org/presentationml/2006/main" showMasterSp="0" showMasterPhAnim="0">
   <p:cSld>
     <p:spTree>
@@ -2872,7 +2762,7 @@
 </p:notes>
 </file>
 
-<file path=ppt/notesSlides/notesSlide29.xml><?xml version="1.0" encoding="utf-8"?>
+<file path=ppt/notesSlides/notesSlide28.xml><?xml version="1.0" encoding="utf-8"?>
 <p:notes xmlns:a="http://schemas.openxmlformats.org/drawingml/2006/main" xmlns:r="http://schemas.openxmlformats.org/officeDocument/2006/relationships" xmlns:p="http://schemas.openxmlformats.org/presentationml/2006/main" showMasterSp="0" showMasterPhAnim="0">
   <p:cSld>
     <p:spTree>
@@ -2973,6 +2863,116 @@
     <p:extLst>
       <p:ext uri="{BB962C8B-B14F-4D97-AF65-F5344CB8AC3E}">
         <p14:creationId xmlns:p14="http://schemas.microsoft.com/office/powerpoint/2010/main" val="1046596085"/>
+      </p:ext>
+    </p:extLst>
+  </p:cSld>
+  <p:clrMapOvr>
+    <a:masterClrMapping/>
+  </p:clrMapOvr>
+</p:notes>
+</file>
+
+<file path=ppt/notesSlides/notesSlide29.xml><?xml version="1.0" encoding="utf-8"?>
+<p:notes xmlns:a="http://schemas.openxmlformats.org/drawingml/2006/main" xmlns:r="http://schemas.openxmlformats.org/officeDocument/2006/relationships" xmlns:p="http://schemas.openxmlformats.org/presentationml/2006/main" showMasterSp="0" showMasterPhAnim="0">
+  <p:cSld>
+    <p:spTree>
+      <p:nvGrpSpPr>
+        <p:cNvPr id="1" name="Shape 490"/>
+        <p:cNvGrpSpPr/>
+        <p:nvPr/>
+      </p:nvGrpSpPr>
+      <p:grpSpPr>
+        <a:xfrm>
+          <a:off x="0" y="0"/>
+          <a:ext cx="0" cy="0"/>
+          <a:chOff x="0" y="0"/>
+          <a:chExt cx="0" cy="0"/>
+        </a:xfrm>
+      </p:grpSpPr>
+      <p:sp>
+        <p:nvSpPr>
+          <p:cNvPr id="491" name="Shape 491"/>
+          <p:cNvSpPr txBox="1">
+            <a:spLocks noGrp="1"/>
+          </p:cNvSpPr>
+          <p:nvPr>
+            <p:ph type="body" idx="1"/>
+          </p:nvPr>
+        </p:nvSpPr>
+        <p:spPr>
+          <a:xfrm>
+            <a:off x="685800" y="4343400"/>
+            <a:ext cx="5486399" cy="4114800"/>
+          </a:xfrm>
+          <a:prstGeom prst="rect">
+            <a:avLst/>
+          </a:prstGeom>
+          <a:noFill/>
+          <a:ln>
+            <a:noFill/>
+          </a:ln>
+        </p:spPr>
+        <p:txBody>
+          <a:bodyPr lIns="91425" tIns="91425" rIns="91425" bIns="91425" anchor="ctr" anchorCtr="0">
+            <a:noAutofit/>
+          </a:bodyPr>
+          <a:lstStyle/>
+          <a:p>
+            <a:pPr lvl="0">
+              <a:spcBef>
+                <a:spcPts val="0"/>
+              </a:spcBef>
+              <a:buNone/>
+            </a:pPr>
+            <a:endParaRPr/>
+          </a:p>
+        </p:txBody>
+      </p:sp>
+      <p:sp>
+        <p:nvSpPr>
+          <p:cNvPr id="492" name="Shape 492"/>
+          <p:cNvSpPr>
+            <a:spLocks noGrp="1" noRot="1" noChangeAspect="1"/>
+          </p:cNvSpPr>
+          <p:nvPr>
+            <p:ph type="sldImg" idx="2"/>
+          </p:nvPr>
+        </p:nvSpPr>
+        <p:spPr>
+          <a:xfrm>
+            <a:off x="381000" y="685800"/>
+            <a:ext cx="6096000" cy="3429000"/>
+          </a:xfrm>
+          <a:custGeom>
+            <a:avLst/>
+            <a:gdLst/>
+            <a:ahLst/>
+            <a:cxnLst/>
+            <a:rect l="0" t="0" r="0" b="0"/>
+            <a:pathLst>
+              <a:path w="120000" h="120000" extrusionOk="0">
+                <a:moveTo>
+                  <a:pt x="0" y="0"/>
+                </a:moveTo>
+                <a:lnTo>
+                  <a:pt x="120000" y="0"/>
+                </a:lnTo>
+                <a:lnTo>
+                  <a:pt x="120000" y="120000"/>
+                </a:lnTo>
+                <a:lnTo>
+                  <a:pt x="0" y="120000"/>
+                </a:lnTo>
+                <a:close/>
+              </a:path>
+            </a:pathLst>
+          </a:custGeom>
+        </p:spPr>
+      </p:sp>
+    </p:spTree>
+    <p:extLst>
+      <p:ext uri="{BB962C8B-B14F-4D97-AF65-F5344CB8AC3E}">
+        <p14:creationId xmlns:p14="http://schemas.microsoft.com/office/powerpoint/2010/main" val="101848018"/>
       </p:ext>
     </p:extLst>
   </p:cSld>
@@ -3097,116 +3097,6 @@
   <p:cSld>
     <p:spTree>
       <p:nvGrpSpPr>
-        <p:cNvPr id="1" name="Shape 490"/>
-        <p:cNvGrpSpPr/>
-        <p:nvPr/>
-      </p:nvGrpSpPr>
-      <p:grpSpPr>
-        <a:xfrm>
-          <a:off x="0" y="0"/>
-          <a:ext cx="0" cy="0"/>
-          <a:chOff x="0" y="0"/>
-          <a:chExt cx="0" cy="0"/>
-        </a:xfrm>
-      </p:grpSpPr>
-      <p:sp>
-        <p:nvSpPr>
-          <p:cNvPr id="491" name="Shape 491"/>
-          <p:cNvSpPr txBox="1">
-            <a:spLocks noGrp="1"/>
-          </p:cNvSpPr>
-          <p:nvPr>
-            <p:ph type="body" idx="1"/>
-          </p:nvPr>
-        </p:nvSpPr>
-        <p:spPr>
-          <a:xfrm>
-            <a:off x="685800" y="4343400"/>
-            <a:ext cx="5486399" cy="4114800"/>
-          </a:xfrm>
-          <a:prstGeom prst="rect">
-            <a:avLst/>
-          </a:prstGeom>
-          <a:noFill/>
-          <a:ln>
-            <a:noFill/>
-          </a:ln>
-        </p:spPr>
-        <p:txBody>
-          <a:bodyPr lIns="91425" tIns="91425" rIns="91425" bIns="91425" anchor="ctr" anchorCtr="0">
-            <a:noAutofit/>
-          </a:bodyPr>
-          <a:lstStyle/>
-          <a:p>
-            <a:pPr lvl="0">
-              <a:spcBef>
-                <a:spcPts val="0"/>
-              </a:spcBef>
-              <a:buNone/>
-            </a:pPr>
-            <a:endParaRPr/>
-          </a:p>
-        </p:txBody>
-      </p:sp>
-      <p:sp>
-        <p:nvSpPr>
-          <p:cNvPr id="492" name="Shape 492"/>
-          <p:cNvSpPr>
-            <a:spLocks noGrp="1" noRot="1" noChangeAspect="1"/>
-          </p:cNvSpPr>
-          <p:nvPr>
-            <p:ph type="sldImg" idx="2"/>
-          </p:nvPr>
-        </p:nvSpPr>
-        <p:spPr>
-          <a:xfrm>
-            <a:off x="381000" y="685800"/>
-            <a:ext cx="6096000" cy="3429000"/>
-          </a:xfrm>
-          <a:custGeom>
-            <a:avLst/>
-            <a:gdLst/>
-            <a:ahLst/>
-            <a:cxnLst/>
-            <a:rect l="0" t="0" r="0" b="0"/>
-            <a:pathLst>
-              <a:path w="120000" h="120000" extrusionOk="0">
-                <a:moveTo>
-                  <a:pt x="0" y="0"/>
-                </a:moveTo>
-                <a:lnTo>
-                  <a:pt x="120000" y="0"/>
-                </a:lnTo>
-                <a:lnTo>
-                  <a:pt x="120000" y="120000"/>
-                </a:lnTo>
-                <a:lnTo>
-                  <a:pt x="0" y="120000"/>
-                </a:lnTo>
-                <a:close/>
-              </a:path>
-            </a:pathLst>
-          </a:custGeom>
-        </p:spPr>
-      </p:sp>
-    </p:spTree>
-    <p:extLst>
-      <p:ext uri="{BB962C8B-B14F-4D97-AF65-F5344CB8AC3E}">
-        <p14:creationId xmlns:p14="http://schemas.microsoft.com/office/powerpoint/2010/main" val="101848018"/>
-      </p:ext>
-    </p:extLst>
-  </p:cSld>
-  <p:clrMapOvr>
-    <a:masterClrMapping/>
-  </p:clrMapOvr>
-</p:notes>
-</file>
-
-<file path=ppt/notesSlides/notesSlide31.xml><?xml version="1.0" encoding="utf-8"?>
-<p:notes xmlns:a="http://schemas.openxmlformats.org/drawingml/2006/main" xmlns:r="http://schemas.openxmlformats.org/officeDocument/2006/relationships" xmlns:p="http://schemas.openxmlformats.org/presentationml/2006/main" showMasterSp="0" showMasterPhAnim="0">
-  <p:cSld>
-    <p:spTree>
-      <p:nvGrpSpPr>
         <p:cNvPr id="1" name="Shape 500"/>
         <p:cNvGrpSpPr/>
         <p:nvPr/>
@@ -3312,7 +3202,7 @@
 </p:notes>
 </file>
 
-<file path=ppt/notesSlides/notesSlide32.xml><?xml version="1.0" encoding="utf-8"?>
+<file path=ppt/notesSlides/notesSlide31.xml><?xml version="1.0" encoding="utf-8"?>
 <p:notes xmlns:a="http://schemas.openxmlformats.org/drawingml/2006/main" xmlns:r="http://schemas.openxmlformats.org/officeDocument/2006/relationships" xmlns:p="http://schemas.openxmlformats.org/presentationml/2006/main" showMasterSp="0" showMasterPhAnim="0">
   <p:cSld>
     <p:spTree>
@@ -3422,7 +3312,7 @@
 </p:notes>
 </file>
 
-<file path=ppt/notesSlides/notesSlide33.xml><?xml version="1.0" encoding="utf-8"?>
+<file path=ppt/notesSlides/notesSlide32.xml><?xml version="1.0" encoding="utf-8"?>
 <p:notes xmlns:a="http://schemas.openxmlformats.org/drawingml/2006/main" xmlns:r="http://schemas.openxmlformats.org/officeDocument/2006/relationships" xmlns:p="http://schemas.openxmlformats.org/presentationml/2006/main" showMasterSp="0" showMasterPhAnim="0">
   <p:cSld>
     <p:spTree>
@@ -3532,7 +3422,7 @@
 </p:notes>
 </file>
 
-<file path=ppt/notesSlides/notesSlide34.xml><?xml version="1.0" encoding="utf-8"?>
+<file path=ppt/notesSlides/notesSlide33.xml><?xml version="1.0" encoding="utf-8"?>
 <p:notes xmlns:a="http://schemas.openxmlformats.org/drawingml/2006/main" xmlns:r="http://schemas.openxmlformats.org/officeDocument/2006/relationships" xmlns:p="http://schemas.openxmlformats.org/presentationml/2006/main" showMasterSp="0" showMasterPhAnim="0">
   <p:cSld>
     <p:spTree>
@@ -7168,562 +7058,6 @@
   <p:cSld>
     <p:spTree>
       <p:nvGrpSpPr>
-        <p:cNvPr id="1" name="Shape 272"/>
-        <p:cNvGrpSpPr/>
-        <p:nvPr/>
-      </p:nvGrpSpPr>
-      <p:grpSpPr>
-        <a:xfrm>
-          <a:off x="0" y="0"/>
-          <a:ext cx="0" cy="0"/>
-          <a:chOff x="0" y="0"/>
-          <a:chExt cx="0" cy="0"/>
-        </a:xfrm>
-      </p:grpSpPr>
-      <p:sp>
-        <p:nvSpPr>
-          <p:cNvPr id="273" name="Shape 273"/>
-          <p:cNvSpPr txBox="1">
-            <a:spLocks noGrp="1"/>
-          </p:cNvSpPr>
-          <p:nvPr>
-            <p:ph type="title"/>
-          </p:nvPr>
-        </p:nvSpPr>
-        <p:spPr>
-          <a:prstGeom prst="rect">
-            <a:avLst/>
-          </a:prstGeom>
-          <a:noFill/>
-          <a:ln>
-            <a:noFill/>
-          </a:ln>
-        </p:spPr>
-        <p:txBody>
-          <a:bodyPr lIns="38100" tIns="38100" rIns="38100" bIns="38100" anchor="ctr" anchorCtr="0">
-            <a:noAutofit/>
-          </a:bodyPr>
-          <a:lstStyle/>
-          <a:p>
-            <a:pPr marL="0" marR="0" lvl="0" indent="0" algn="ctr" rtl="0">
-              <a:lnSpc>
-                <a:spcPct val="100000"/>
-              </a:lnSpc>
-              <a:spcBef>
-                <a:spcPts val="0"/>
-              </a:spcBef>
-              <a:spcAft>
-                <a:spcPts val="0"/>
-              </a:spcAft>
-              <a:buClr>
-                <a:srgbClr val="00FF00"/>
-              </a:buClr>
-              <a:buSzPct val="25000"/>
-              <a:buFont typeface="Cabin"/>
-              <a:buNone/>
-            </a:pPr>
-            <a:r>
-              <a:rPr lang="en-US" sz="7600" u="none" strike="noStrike" cap="none">
-                <a:solidFill>
-                  <a:srgbClr val="FFD966"/>
-                </a:solidFill>
-                <a:latin typeface="Arial Regular" charset="0"/>
-                <a:ea typeface="Arial Regular" charset="0"/>
-                <a:cs typeface="Arial Regular" charset="0"/>
-                <a:sym typeface="Cabin"/>
-              </a:rPr>
-              <a:t>Wild-Card Characters</a:t>
-            </a:r>
-          </a:p>
-        </p:txBody>
-      </p:sp>
-      <p:sp>
-        <p:nvSpPr>
-          <p:cNvPr id="274" name="Shape 274"/>
-          <p:cNvSpPr txBox="1">
-            <a:spLocks noGrp="1"/>
-          </p:cNvSpPr>
-          <p:nvPr>
-            <p:ph type="body" idx="1"/>
-          </p:nvPr>
-        </p:nvSpPr>
-        <p:spPr>
-          <a:xfrm>
-            <a:off x="1155700" y="2603500"/>
-            <a:ext cx="13932000" cy="2154237"/>
-          </a:xfrm>
-          <a:prstGeom prst="rect">
-            <a:avLst/>
-          </a:prstGeom>
-          <a:noFill/>
-          <a:ln>
-            <a:noFill/>
-          </a:ln>
-        </p:spPr>
-        <p:txBody>
-          <a:bodyPr lIns="38100" tIns="38100" rIns="38100" bIns="38100" anchor="ctr" anchorCtr="0">
-            <a:noAutofit/>
-          </a:bodyPr>
-          <a:lstStyle/>
-          <a:p>
-            <a:pPr marL="749300" marR="0" lvl="0" indent="-371094" algn="l" rtl="0">
-              <a:lnSpc>
-                <a:spcPct val="100000"/>
-              </a:lnSpc>
-              <a:spcBef>
-                <a:spcPts val="0"/>
-              </a:spcBef>
-              <a:spcAft>
-                <a:spcPts val="0"/>
-              </a:spcAft>
-              <a:buClr>
-                <a:schemeClr val="lt1"/>
-              </a:buClr>
-              <a:buSzPct val="100000"/>
-              <a:buFont typeface="Cabin"/>
-              <a:buChar char="•"/>
-            </a:pPr>
-            <a:r>
-              <a:rPr lang="en-US" sz="3600" u="none" strike="noStrike" cap="none" dirty="0">
-                <a:solidFill>
-                  <a:schemeClr val="lt1"/>
-                </a:solidFill>
-                <a:latin typeface="Arial Regular" charset="0"/>
-                <a:ea typeface="Arial Regular" charset="0"/>
-                <a:cs typeface="Arial Regular" charset="0"/>
-                <a:sym typeface="Cabin"/>
-              </a:rPr>
-              <a:t>The </a:t>
-            </a:r>
-            <a:r>
-              <a:rPr lang="en-US" sz="3600" u="none" strike="noStrike" cap="none" dirty="0">
-                <a:solidFill>
-                  <a:srgbClr val="00FF00"/>
-                </a:solidFill>
-                <a:latin typeface="Arial Regular" charset="0"/>
-                <a:ea typeface="Arial Regular" charset="0"/>
-                <a:cs typeface="Arial Regular" charset="0"/>
-                <a:sym typeface="Cabin"/>
-              </a:rPr>
-              <a:t>dot</a:t>
-            </a:r>
-            <a:r>
-              <a:rPr lang="en-US" sz="3600" u="none" strike="noStrike" cap="none" dirty="0">
-                <a:solidFill>
-                  <a:schemeClr val="lt1"/>
-                </a:solidFill>
-                <a:latin typeface="Arial Regular" charset="0"/>
-                <a:ea typeface="Arial Regular" charset="0"/>
-                <a:cs typeface="Arial Regular" charset="0"/>
-                <a:sym typeface="Cabin"/>
-              </a:rPr>
-              <a:t> character matches any character</a:t>
-            </a:r>
-          </a:p>
-          <a:p>
-            <a:pPr marL="749300" marR="0" lvl="0" indent="-371094" algn="l" rtl="0">
-              <a:lnSpc>
-                <a:spcPct val="100000"/>
-              </a:lnSpc>
-              <a:spcBef>
-                <a:spcPts val="3500"/>
-              </a:spcBef>
-              <a:spcAft>
-                <a:spcPts val="0"/>
-              </a:spcAft>
-              <a:buClr>
-                <a:schemeClr val="lt1"/>
-              </a:buClr>
-              <a:buSzPct val="100000"/>
-              <a:buFont typeface="Cabin"/>
-              <a:buChar char="•"/>
-            </a:pPr>
-            <a:r>
-              <a:rPr lang="en-US" sz="3600" u="none" strike="noStrike" cap="none" dirty="0">
-                <a:solidFill>
-                  <a:schemeClr val="lt1"/>
-                </a:solidFill>
-                <a:latin typeface="Arial Regular" charset="0"/>
-                <a:ea typeface="Arial Regular" charset="0"/>
-                <a:cs typeface="Arial Regular" charset="0"/>
-                <a:sym typeface="Cabin"/>
-              </a:rPr>
-              <a:t>If you add the </a:t>
-            </a:r>
-            <a:r>
-              <a:rPr lang="en-US" sz="3600" u="none" strike="noStrike" cap="none" dirty="0">
-                <a:solidFill>
-                  <a:srgbClr val="FF9900"/>
-                </a:solidFill>
-                <a:latin typeface="Arial Regular" charset="0"/>
-                <a:ea typeface="Arial Regular" charset="0"/>
-                <a:cs typeface="Arial Regular" charset="0"/>
-                <a:sym typeface="Cabin"/>
-              </a:rPr>
-              <a:t>asterisk</a:t>
-            </a:r>
-            <a:r>
-              <a:rPr lang="en-US" sz="3600" u="none" strike="noStrike" cap="none" dirty="0">
-                <a:solidFill>
-                  <a:schemeClr val="lt1"/>
-                </a:solidFill>
-                <a:latin typeface="Arial Regular" charset="0"/>
-                <a:ea typeface="Arial Regular" charset="0"/>
-                <a:cs typeface="Arial Regular" charset="0"/>
-                <a:sym typeface="Cabin"/>
-              </a:rPr>
-              <a:t> character, the character is </a:t>
-            </a:r>
-            <a:r>
-              <a:rPr lang="en-US" sz="3600" dirty="0">
-                <a:solidFill>
-                  <a:schemeClr val="lt1"/>
-                </a:solidFill>
-                <a:latin typeface="Arial Regular" charset="0"/>
-                <a:ea typeface="Arial Regular" charset="0"/>
-                <a:cs typeface="Arial Regular" charset="0"/>
-                <a:sym typeface="Cabin"/>
-              </a:rPr>
-              <a:t>“</a:t>
-            </a:r>
-            <a:r>
-              <a:rPr lang="en-US" sz="3600" u="none" strike="noStrike" cap="none" dirty="0">
-                <a:solidFill>
-                  <a:schemeClr val="lt1"/>
-                </a:solidFill>
-                <a:latin typeface="Arial Regular" charset="0"/>
-                <a:ea typeface="Arial Regular" charset="0"/>
-                <a:cs typeface="Arial Regular" charset="0"/>
-                <a:sym typeface="Cabin"/>
-              </a:rPr>
-              <a:t>any number of times</a:t>
-            </a:r>
-            <a:r>
-              <a:rPr lang="en-US" sz="3600" dirty="0">
-                <a:solidFill>
-                  <a:schemeClr val="lt1"/>
-                </a:solidFill>
-                <a:latin typeface="Arial Regular" charset="0"/>
-                <a:ea typeface="Arial Regular" charset="0"/>
-                <a:cs typeface="Arial Regular" charset="0"/>
-                <a:sym typeface="Cabin"/>
-              </a:rPr>
-              <a:t>”</a:t>
-            </a:r>
-          </a:p>
-        </p:txBody>
-      </p:sp>
-      <p:sp>
-        <p:nvSpPr>
-          <p:cNvPr id="275" name="Shape 275"/>
-          <p:cNvSpPr txBox="1"/>
-          <p:nvPr/>
-        </p:nvSpPr>
-        <p:spPr>
-          <a:xfrm>
-            <a:off x="1869740" y="5426075"/>
-            <a:ext cx="9739500" cy="2216099"/>
-          </a:xfrm>
-          <a:prstGeom prst="rect">
-            <a:avLst/>
-          </a:prstGeom>
-          <a:noFill/>
-          <a:ln>
-            <a:noFill/>
-          </a:ln>
-        </p:spPr>
-        <p:txBody>
-          <a:bodyPr lIns="0" tIns="0" rIns="0" bIns="0" anchor="ctr" anchorCtr="0">
-            <a:noAutofit/>
-          </a:bodyPr>
-          <a:lstStyle/>
-          <a:p>
-            <a:pPr marL="0" marR="0" lvl="0" indent="0" algn="l" rtl="0">
-              <a:lnSpc>
-                <a:spcPct val="100000"/>
-              </a:lnSpc>
-              <a:spcBef>
-                <a:spcPts val="0"/>
-              </a:spcBef>
-              <a:spcAft>
-                <a:spcPts val="0"/>
-              </a:spcAft>
-              <a:buClr>
-                <a:srgbClr val="FFFF00"/>
-              </a:buClr>
-              <a:buSzPct val="25000"/>
-              <a:buFont typeface="Cabin"/>
-              <a:buNone/>
-            </a:pPr>
-            <a:r>
-              <a:rPr lang="en-US" sz="3000" b="1" i="0" u="none" strike="noStrike" cap="none" dirty="0">
-                <a:solidFill>
-                  <a:srgbClr val="FFFF00"/>
-                </a:solidFill>
-                <a:latin typeface="Courier New"/>
-                <a:ea typeface="Courier New"/>
-                <a:cs typeface="Courier New"/>
-                <a:sym typeface="Courier New"/>
-              </a:rPr>
-              <a:t>X-Sieve:</a:t>
-            </a:r>
-            <a:r>
-              <a:rPr lang="en-US" sz="3000" b="1" i="0" u="none" strike="noStrike" cap="none" dirty="0">
-                <a:solidFill>
-                  <a:schemeClr val="lt1"/>
-                </a:solidFill>
-                <a:latin typeface="Courier New"/>
-                <a:ea typeface="Courier New"/>
-                <a:cs typeface="Courier New"/>
-                <a:sym typeface="Courier New"/>
-              </a:rPr>
-              <a:t> CMU Sieve 2.3</a:t>
-            </a:r>
-          </a:p>
-          <a:p>
-            <a:pPr marL="0" marR="0" lvl="0" indent="0" algn="l" rtl="0">
-              <a:lnSpc>
-                <a:spcPct val="100000"/>
-              </a:lnSpc>
-              <a:spcBef>
-                <a:spcPts val="0"/>
-              </a:spcBef>
-              <a:spcAft>
-                <a:spcPts val="0"/>
-              </a:spcAft>
-              <a:buClr>
-                <a:srgbClr val="FFFF00"/>
-              </a:buClr>
-              <a:buSzPct val="25000"/>
-              <a:buFont typeface="Cabin"/>
-              <a:buNone/>
-            </a:pPr>
-            <a:r>
-              <a:rPr lang="en-US" sz="3000" b="1" i="0" u="none" strike="noStrike" cap="none" dirty="0">
-                <a:solidFill>
-                  <a:srgbClr val="FFFF00"/>
-                </a:solidFill>
-                <a:latin typeface="Courier New"/>
-                <a:ea typeface="Courier New"/>
-                <a:cs typeface="Courier New"/>
-                <a:sym typeface="Courier New"/>
-              </a:rPr>
-              <a:t>X-DSPAM-Result:</a:t>
-            </a:r>
-            <a:r>
-              <a:rPr lang="en-US" sz="3000" b="1" i="0" u="none" strike="noStrike" cap="none" dirty="0">
-                <a:solidFill>
-                  <a:schemeClr val="lt1"/>
-                </a:solidFill>
-                <a:latin typeface="Courier New"/>
-                <a:ea typeface="Courier New"/>
-                <a:cs typeface="Courier New"/>
-                <a:sym typeface="Courier New"/>
-              </a:rPr>
-              <a:t> Innocent</a:t>
-            </a:r>
-          </a:p>
-          <a:p>
-            <a:pPr marL="0" marR="0" lvl="0" indent="0" algn="l" rtl="0">
-              <a:lnSpc>
-                <a:spcPct val="100000"/>
-              </a:lnSpc>
-              <a:spcBef>
-                <a:spcPts val="0"/>
-              </a:spcBef>
-              <a:spcAft>
-                <a:spcPts val="0"/>
-              </a:spcAft>
-              <a:buClr>
-                <a:srgbClr val="FFFF00"/>
-              </a:buClr>
-              <a:buSzPct val="25000"/>
-              <a:buFont typeface="Cabin"/>
-              <a:buNone/>
-            </a:pPr>
-            <a:r>
-              <a:rPr lang="en-US" sz="3000" b="1" i="0" u="none" strike="noStrike" cap="none" dirty="0">
-                <a:solidFill>
-                  <a:srgbClr val="FFFF00"/>
-                </a:solidFill>
-                <a:latin typeface="Courier New"/>
-                <a:ea typeface="Courier New"/>
-                <a:cs typeface="Courier New"/>
-                <a:sym typeface="Courier New"/>
-              </a:rPr>
-              <a:t>X-DSPAM-Confidence: </a:t>
-            </a:r>
-            <a:r>
-              <a:rPr lang="en-US" sz="3000" b="1" i="0" u="none" strike="noStrike" cap="none" dirty="0">
-                <a:solidFill>
-                  <a:schemeClr val="lt1"/>
-                </a:solidFill>
-                <a:latin typeface="Courier New"/>
-                <a:ea typeface="Courier New"/>
-                <a:cs typeface="Courier New"/>
-                <a:sym typeface="Courier New"/>
-              </a:rPr>
-              <a:t>0.8475</a:t>
-            </a:r>
-          </a:p>
-          <a:p>
-            <a:pPr marL="0" marR="0" lvl="0" indent="0" algn="l" rtl="0">
-              <a:lnSpc>
-                <a:spcPct val="100000"/>
-              </a:lnSpc>
-              <a:spcBef>
-                <a:spcPts val="0"/>
-              </a:spcBef>
-              <a:spcAft>
-                <a:spcPts val="0"/>
-              </a:spcAft>
-              <a:buClr>
-                <a:srgbClr val="FFFF00"/>
-              </a:buClr>
-              <a:buSzPct val="25000"/>
-              <a:buFont typeface="Cabin"/>
-              <a:buNone/>
-            </a:pPr>
-            <a:r>
-              <a:rPr lang="en-US" sz="3000" b="1" i="0" u="none" strike="noStrike" cap="none" dirty="0">
-                <a:solidFill>
-                  <a:srgbClr val="FFFF00"/>
-                </a:solidFill>
-                <a:latin typeface="Courier New"/>
-                <a:ea typeface="Courier New"/>
-                <a:cs typeface="Courier New"/>
-                <a:sym typeface="Courier New"/>
-              </a:rPr>
-              <a:t>X-Content-Type-Message-Body: </a:t>
-            </a:r>
-            <a:r>
-              <a:rPr lang="en-US" sz="3000" b="1" i="0" u="none" strike="noStrike" cap="none" dirty="0">
-                <a:solidFill>
-                  <a:schemeClr val="lt1"/>
-                </a:solidFill>
-                <a:latin typeface="Courier New"/>
-                <a:ea typeface="Courier New"/>
-                <a:cs typeface="Courier New"/>
-                <a:sym typeface="Courier New"/>
-              </a:rPr>
-              <a:t>text/plain</a:t>
-            </a:r>
-          </a:p>
-        </p:txBody>
-      </p:sp>
-      <p:sp>
-        <p:nvSpPr>
-          <p:cNvPr id="276" name="Shape 276"/>
-          <p:cNvSpPr txBox="1"/>
-          <p:nvPr/>
-        </p:nvSpPr>
-        <p:spPr>
-          <a:xfrm>
-            <a:off x="12074525" y="6286500"/>
-            <a:ext cx="2469000" cy="978000"/>
-          </a:xfrm>
-          <a:prstGeom prst="rect">
-            <a:avLst/>
-          </a:prstGeom>
-          <a:noFill/>
-          <a:ln>
-            <a:noFill/>
-          </a:ln>
-        </p:spPr>
-        <p:txBody>
-          <a:bodyPr lIns="0" tIns="0" rIns="0" bIns="0" anchor="ctr" anchorCtr="0">
-            <a:noAutofit/>
-          </a:bodyPr>
-          <a:lstStyle/>
-          <a:p>
-            <a:pPr marL="0" marR="0" lvl="0" indent="0" algn="ctr" rtl="0">
-              <a:lnSpc>
-                <a:spcPct val="100000"/>
-              </a:lnSpc>
-              <a:spcBef>
-                <a:spcPts val="0"/>
-              </a:spcBef>
-              <a:spcAft>
-                <a:spcPts val="0"/>
-              </a:spcAft>
-              <a:buClr>
-                <a:srgbClr val="FFFF00"/>
-              </a:buClr>
-              <a:buSzPct val="25000"/>
-              <a:buFont typeface="Cabin"/>
-              <a:buNone/>
-            </a:pPr>
-            <a:r>
-              <a:rPr lang="en-US" sz="6000" i="0" u="none" strike="noStrike" cap="none">
-                <a:solidFill>
-                  <a:srgbClr val="FFFF00"/>
-                </a:solidFill>
-                <a:latin typeface="Courier New"/>
-                <a:ea typeface="Courier New"/>
-                <a:cs typeface="Courier New"/>
-                <a:sym typeface="Courier New"/>
-              </a:rPr>
-              <a:t>^X</a:t>
-            </a:r>
-            <a:r>
-              <a:rPr lang="en-US" sz="6000" i="0" u="none" strike="noStrike" cap="none">
-                <a:solidFill>
-                  <a:srgbClr val="00FF00"/>
-                </a:solidFill>
-                <a:latin typeface="Courier New"/>
-                <a:ea typeface="Courier New"/>
-                <a:cs typeface="Courier New"/>
-                <a:sym typeface="Courier New"/>
-              </a:rPr>
-              <a:t>.</a:t>
-            </a:r>
-            <a:r>
-              <a:rPr lang="en-US" sz="6000" i="0" u="none" strike="noStrike" cap="none">
-                <a:solidFill>
-                  <a:srgbClr val="FF9900"/>
-                </a:solidFill>
-                <a:latin typeface="Courier New"/>
-                <a:ea typeface="Courier New"/>
-                <a:cs typeface="Courier New"/>
-                <a:sym typeface="Courier New"/>
-              </a:rPr>
-              <a:t>*</a:t>
-            </a:r>
-            <a:r>
-              <a:rPr lang="en-US" sz="6000" i="0" u="none" strike="noStrike" cap="none">
-                <a:solidFill>
-                  <a:srgbClr val="FFFF00"/>
-                </a:solidFill>
-                <a:latin typeface="Courier New"/>
-                <a:ea typeface="Courier New"/>
-                <a:cs typeface="Courier New"/>
-                <a:sym typeface="Courier New"/>
-              </a:rPr>
-              <a:t>:</a:t>
-            </a:r>
-          </a:p>
-        </p:txBody>
-      </p:sp>
-    </p:spTree>
-  </p:cSld>
-  <p:clrMapOvr>
-    <a:masterClrMapping/>
-  </p:clrMapOvr>
-  <p:timing>
-    <p:tnLst>
-      <p:par>
-        <p:cTn id="1" dur="indefinite" restart="never" nodeType="tmRoot"/>
-      </p:par>
-    </p:tnLst>
-  </p:timing>
-</p:sld>
-</file>
-
-<file path=ppt/slides/slide12.xml><?xml version="1.0" encoding="utf-8"?>
-<p:sld xmlns:a="http://schemas.openxmlformats.org/drawingml/2006/main" xmlns:r="http://schemas.openxmlformats.org/officeDocument/2006/relationships" xmlns:p="http://schemas.openxmlformats.org/presentationml/2006/main">
-  <p:cSld>
-    <p:spTree>
-      <p:nvGrpSpPr>
         <p:cNvPr id="1" name="Shape 280"/>
         <p:cNvGrpSpPr/>
         <p:nvPr/>
@@ -8634,7 +7968,7 @@
 </p:sld>
 </file>
 
-<file path=ppt/slides/slide13.xml><?xml version="1.0" encoding="utf-8"?>
+<file path=ppt/slides/slide12.xml><?xml version="1.0" encoding="utf-8"?>
 <p:sld xmlns:a="http://schemas.openxmlformats.org/drawingml/2006/main" xmlns:r="http://schemas.openxmlformats.org/officeDocument/2006/relationships" xmlns:p="http://schemas.openxmlformats.org/presentationml/2006/main">
   <p:cSld>
     <p:spTree>
@@ -8999,7 +8333,19 @@
                 <a:cs typeface="Courier New"/>
                 <a:sym typeface="Courier New"/>
               </a:rPr>
-              <a:t>X-</a:t>
+              <a:t>X</a:t>
+            </a:r>
+            <a:r>
+              <a:rPr lang="en-US" sz="3000" b="1" i="0" u="none" strike="noStrike" cap="none" dirty="0">
+                <a:solidFill>
+                  <a:srgbClr val="00FA00"/>
+                </a:solidFill>
+                <a:latin typeface="Courier New"/>
+                <a:ea typeface="Courier New"/>
+                <a:cs typeface="Courier New"/>
+                <a:sym typeface="Courier New"/>
+              </a:rPr>
+              <a:t>-</a:t>
             </a:r>
             <a:r>
               <a:rPr lang="en-US" sz="3000" b="1" i="0" u="none" strike="noStrike" cap="none" dirty="0">
@@ -9411,7 +8757,7 @@
 </p:sld>
 </file>
 
-<file path=ppt/slides/slide14.xml><?xml version="1.0" encoding="utf-8"?>
+<file path=ppt/slides/slide13.xml><?xml version="1.0" encoding="utf-8"?>
 <p:sld xmlns:a="http://schemas.openxmlformats.org/drawingml/2006/main" xmlns:r="http://schemas.openxmlformats.org/officeDocument/2006/relationships" xmlns:p="http://schemas.openxmlformats.org/presentationml/2006/main">
   <p:cSld>
     <p:spTree>
@@ -10152,6 +9498,63 @@
 </p:sld>
 </file>
 
+<file path=ppt/slides/slide14.xml><?xml version="1.0" encoding="utf-8"?>
+<p:sld xmlns:a="http://schemas.openxmlformats.org/drawingml/2006/main" xmlns:r="http://schemas.openxmlformats.org/officeDocument/2006/relationships" xmlns:p="http://schemas.openxmlformats.org/presentationml/2006/main">
+  <p:cSld>
+    <p:spTree>
+      <p:nvGrpSpPr>
+        <p:cNvPr id="1" name=""/>
+        <p:cNvGrpSpPr/>
+        <p:nvPr/>
+      </p:nvGrpSpPr>
+      <p:grpSpPr>
+        <a:xfrm>
+          <a:off x="0" y="0"/>
+          <a:ext cx="0" cy="0"/>
+          <a:chOff x="0" y="0"/>
+          <a:chExt cx="0" cy="0"/>
+        </a:xfrm>
+      </p:grpSpPr>
+      <p:sp>
+        <p:nvSpPr>
+          <p:cNvPr id="2" name="Title 1"/>
+          <p:cNvSpPr>
+            <a:spLocks noGrp="1"/>
+          </p:cNvSpPr>
+          <p:nvPr>
+            <p:ph type="title"/>
+          </p:nvPr>
+        </p:nvSpPr>
+        <p:spPr/>
+        <p:txBody>
+          <a:bodyPr/>
+          <a:lstStyle/>
+          <a:p>
+            <a:r>
+              <a:rPr lang="en-US" dirty="0" smtClean="0"/>
+              <a:t>From Matching to Extracting</a:t>
+            </a:r>
+            <a:r>
+              <a:rPr lang="is-IS" dirty="0" smtClean="0"/>
+              <a:t>…</a:t>
+            </a:r>
+            <a:endParaRPr lang="en-US" dirty="0"/>
+          </a:p>
+        </p:txBody>
+      </p:sp>
+    </p:spTree>
+    <p:extLst>
+      <p:ext uri="{BB962C8B-B14F-4D97-AF65-F5344CB8AC3E}">
+        <p14:creationId xmlns:p14="http://schemas.microsoft.com/office/powerpoint/2010/main" val="936423228"/>
+      </p:ext>
+    </p:extLst>
+  </p:cSld>
+  <p:clrMapOvr>
+    <a:masterClrMapping/>
+  </p:clrMapOvr>
+</p:sld>
+</file>
+
 <file path=ppt/slides/slide15.xml><?xml version="1.0" encoding="utf-8"?>
 <p:sld xmlns:a="http://schemas.openxmlformats.org/drawingml/2006/main" xmlns:r="http://schemas.openxmlformats.org/officeDocument/2006/relationships" xmlns:p="http://schemas.openxmlformats.org/presentationml/2006/main">
   <p:cSld>
@@ -13213,391 +12616,6 @@
   <p:cSld>
     <p:spTree>
       <p:nvGrpSpPr>
-        <p:cNvPr id="1" name=""/>
-        <p:cNvGrpSpPr/>
-        <p:nvPr/>
-      </p:nvGrpSpPr>
-      <p:grpSpPr>
-        <a:xfrm>
-          <a:off x="0" y="0"/>
-          <a:ext cx="0" cy="0"/>
-          <a:chOff x="0" y="0"/>
-          <a:chExt cx="0" cy="0"/>
-        </a:xfrm>
-      </p:grpSpPr>
-      <p:sp>
-        <p:nvSpPr>
-          <p:cNvPr id="2" name="Title 1"/>
-          <p:cNvSpPr>
-            <a:spLocks noGrp="1"/>
-          </p:cNvSpPr>
-          <p:nvPr>
-            <p:ph type="title"/>
-          </p:nvPr>
-        </p:nvSpPr>
-        <p:spPr/>
-        <p:txBody>
-          <a:bodyPr/>
-          <a:lstStyle/>
-          <a:p>
-            <a:r>
-              <a:rPr lang="en-US" dirty="0" smtClean="0"/>
-              <a:t>Advanced </a:t>
-            </a:r>
-            <a:r>
-              <a:rPr lang="en-US" err="1" smtClean="0"/>
-              <a:t>RegEx</a:t>
-            </a:r>
-            <a:r>
-              <a:rPr lang="is-IS" smtClean="0"/>
-              <a:t>…</a:t>
-            </a:r>
-            <a:endParaRPr lang="en-US"/>
-          </a:p>
-        </p:txBody>
-      </p:sp>
-    </p:spTree>
-    <p:extLst>
-      <p:ext uri="{BB962C8B-B14F-4D97-AF65-F5344CB8AC3E}">
-        <p14:creationId xmlns:p14="http://schemas.microsoft.com/office/powerpoint/2010/main" val="445251890"/>
-      </p:ext>
-    </p:extLst>
-  </p:cSld>
-  <p:clrMapOvr>
-    <a:masterClrMapping/>
-  </p:clrMapOvr>
-</p:sld>
-</file>
-
-<file path=ppt/slides/slide2.xml><?xml version="1.0" encoding="utf-8"?>
-<p:sld xmlns:a="http://schemas.openxmlformats.org/drawingml/2006/main" xmlns:r="http://schemas.openxmlformats.org/officeDocument/2006/relationships" xmlns:p="http://schemas.openxmlformats.org/presentationml/2006/main">
-  <p:cSld>
-    <p:spTree>
-      <p:nvGrpSpPr>
-        <p:cNvPr id="1" name="Shape 212"/>
-        <p:cNvGrpSpPr/>
-        <p:nvPr/>
-      </p:nvGrpSpPr>
-      <p:grpSpPr>
-        <a:xfrm>
-          <a:off x="0" y="0"/>
-          <a:ext cx="0" cy="0"/>
-          <a:chOff x="0" y="0"/>
-          <a:chExt cx="0" cy="0"/>
-        </a:xfrm>
-      </p:grpSpPr>
-      <p:sp>
-        <p:nvSpPr>
-          <p:cNvPr id="213" name="Shape 213"/>
-          <p:cNvSpPr txBox="1">
-            <a:spLocks noGrp="1"/>
-          </p:cNvSpPr>
-          <p:nvPr>
-            <p:ph type="title"/>
-          </p:nvPr>
-        </p:nvSpPr>
-        <p:spPr>
-          <a:prstGeom prst="rect">
-            <a:avLst/>
-          </a:prstGeom>
-          <a:noFill/>
-          <a:ln>
-            <a:noFill/>
-          </a:ln>
-        </p:spPr>
-        <p:txBody>
-          <a:bodyPr lIns="50800" tIns="50800" rIns="50800" bIns="50800" anchor="ctr" anchorCtr="0">
-            <a:noAutofit/>
-          </a:bodyPr>
-          <a:lstStyle/>
-          <a:p>
-            <a:pPr marL="0" marR="0" lvl="0" indent="0" algn="ctr" rtl="0">
-              <a:lnSpc>
-                <a:spcPct val="100000"/>
-              </a:lnSpc>
-              <a:spcBef>
-                <a:spcPts val="0"/>
-              </a:spcBef>
-              <a:spcAft>
-                <a:spcPts val="0"/>
-              </a:spcAft>
-              <a:buClr>
-                <a:srgbClr val="00FF00"/>
-              </a:buClr>
-              <a:buSzPct val="25000"/>
-              <a:buFont typeface="Cabin"/>
-              <a:buNone/>
-            </a:pPr>
-            <a:r>
-              <a:rPr lang="en-US" sz="7800" u="none" strike="noStrike" cap="none">
-                <a:solidFill>
-                  <a:srgbClr val="FFD966"/>
-                </a:solidFill>
-                <a:latin typeface="Arial Regular" charset="0"/>
-                <a:ea typeface="Arial Regular" charset="0"/>
-                <a:cs typeface="Arial Regular" charset="0"/>
-                <a:sym typeface="Cabin"/>
-              </a:rPr>
-              <a:t>Regular Expressions</a:t>
-            </a:r>
-          </a:p>
-        </p:txBody>
-      </p:sp>
-      <p:sp>
-        <p:nvSpPr>
-          <p:cNvPr id="214" name="Shape 214"/>
-          <p:cNvSpPr txBox="1"/>
-          <p:nvPr/>
-        </p:nvSpPr>
-        <p:spPr>
-          <a:xfrm>
-            <a:off x="2417650" y="7304649"/>
-            <a:ext cx="11408100" cy="660300"/>
-          </a:xfrm>
-          <a:prstGeom prst="rect">
-            <a:avLst/>
-          </a:prstGeom>
-          <a:noFill/>
-          <a:ln>
-            <a:noFill/>
-          </a:ln>
-        </p:spPr>
-        <p:txBody>
-          <a:bodyPr lIns="0" tIns="0" rIns="0" bIns="0" anchor="ctr" anchorCtr="0">
-            <a:noAutofit/>
-          </a:bodyPr>
-          <a:lstStyle/>
-          <a:p>
-            <a:pPr marL="0" marR="0" lvl="0" indent="0" algn="ctr" rtl="0">
-              <a:lnSpc>
-                <a:spcPct val="100000"/>
-              </a:lnSpc>
-              <a:spcBef>
-                <a:spcPts val="0"/>
-              </a:spcBef>
-              <a:spcAft>
-                <a:spcPts val="0"/>
-              </a:spcAft>
-              <a:buClr>
-                <a:srgbClr val="FFFF00"/>
-              </a:buClr>
-              <a:buSzPct val="25000"/>
-              <a:buFont typeface="Cabin"/>
-              <a:buNone/>
-            </a:pPr>
-            <a:r>
-              <a:rPr lang="en-US" sz="3000" u="sng" strike="noStrike" cap="none">
-                <a:solidFill>
-                  <a:srgbClr val="FFFF00"/>
-                </a:solidFill>
-                <a:latin typeface="Arial Regular" charset="0"/>
-                <a:ea typeface="Arial Regular" charset="0"/>
-                <a:cs typeface="Arial Regular" charset="0"/>
-                <a:sym typeface="Cabin"/>
-                <a:hlinkClick r:id="rId3"/>
-              </a:rPr>
-              <a:t>http://en.wikipedia.org/wiki/Regular_expression</a:t>
-            </a:r>
-          </a:p>
-        </p:txBody>
-      </p:sp>
-      <p:sp>
-        <p:nvSpPr>
-          <p:cNvPr id="215" name="Shape 215"/>
-          <p:cNvSpPr txBox="1"/>
-          <p:nvPr/>
-        </p:nvSpPr>
-        <p:spPr>
-          <a:xfrm>
-            <a:off x="2806700" y="2946400"/>
-            <a:ext cx="10642499" cy="4281899"/>
-          </a:xfrm>
-          <a:prstGeom prst="rect">
-            <a:avLst/>
-          </a:prstGeom>
-          <a:noFill/>
-          <a:ln>
-            <a:noFill/>
-          </a:ln>
-        </p:spPr>
-        <p:txBody>
-          <a:bodyPr lIns="0" tIns="0" rIns="0" bIns="0" anchor="ctr" anchorCtr="0">
-            <a:noAutofit/>
-          </a:bodyPr>
-          <a:lstStyle/>
-          <a:p>
-            <a:pPr marL="0" marR="0" lvl="0" indent="0" algn="ctr" rtl="0">
-              <a:lnSpc>
-                <a:spcPct val="100000"/>
-              </a:lnSpc>
-              <a:spcBef>
-                <a:spcPts val="0"/>
-              </a:spcBef>
-              <a:spcAft>
-                <a:spcPts val="0"/>
-              </a:spcAft>
-              <a:buClr>
-                <a:schemeClr val="lt1"/>
-              </a:buClr>
-              <a:buSzPct val="25000"/>
-              <a:buFont typeface="Cabin"/>
-              <a:buNone/>
-            </a:pPr>
-            <a:r>
-              <a:rPr lang="en-US" sz="3600" u="none" strike="noStrike" cap="none">
-                <a:solidFill>
-                  <a:schemeClr val="lt1"/>
-                </a:solidFill>
-                <a:latin typeface="Arial Regular" charset="0"/>
-                <a:ea typeface="Arial Regular" charset="0"/>
-                <a:cs typeface="Arial Regular" charset="0"/>
-                <a:sym typeface="Cabin"/>
-              </a:rPr>
-              <a:t>In computing, a regular expression, also referred to as </a:t>
-            </a:r>
-            <a:r>
-              <a:rPr lang="en-US" sz="3600">
-                <a:solidFill>
-                  <a:schemeClr val="lt1"/>
-                </a:solidFill>
-                <a:latin typeface="Arial Regular" charset="0"/>
-                <a:ea typeface="Arial Regular" charset="0"/>
-                <a:cs typeface="Arial Regular" charset="0"/>
-                <a:sym typeface="Cabin"/>
-              </a:rPr>
-              <a:t>“</a:t>
-            </a:r>
-            <a:r>
-              <a:rPr lang="en-US" sz="3600" u="none" strike="noStrike" cap="none">
-                <a:solidFill>
-                  <a:schemeClr val="lt1"/>
-                </a:solidFill>
-                <a:latin typeface="Arial Regular" charset="0"/>
-                <a:ea typeface="Arial Regular" charset="0"/>
-                <a:cs typeface="Arial Regular" charset="0"/>
-                <a:sym typeface="Cabin"/>
-              </a:rPr>
-              <a:t>regex</a:t>
-            </a:r>
-            <a:r>
-              <a:rPr lang="en-US" sz="3600">
-                <a:solidFill>
-                  <a:schemeClr val="lt1"/>
-                </a:solidFill>
-                <a:latin typeface="Arial Regular" charset="0"/>
-                <a:ea typeface="Arial Regular" charset="0"/>
-                <a:cs typeface="Arial Regular" charset="0"/>
-                <a:sym typeface="Cabin"/>
-              </a:rPr>
-              <a:t>”</a:t>
-            </a:r>
-            <a:r>
-              <a:rPr lang="en-US" sz="3600" u="none" strike="noStrike" cap="none">
-                <a:solidFill>
-                  <a:schemeClr val="lt1"/>
-                </a:solidFill>
-                <a:latin typeface="Arial Regular" charset="0"/>
-                <a:ea typeface="Arial Regular" charset="0"/>
-                <a:cs typeface="Arial Regular" charset="0"/>
-                <a:sym typeface="Cabin"/>
-              </a:rPr>
-              <a:t> or </a:t>
-            </a:r>
-            <a:r>
-              <a:rPr lang="en-US" sz="3600">
-                <a:solidFill>
-                  <a:schemeClr val="lt1"/>
-                </a:solidFill>
-                <a:latin typeface="Arial Regular" charset="0"/>
-                <a:ea typeface="Arial Regular" charset="0"/>
-                <a:cs typeface="Arial Regular" charset="0"/>
-                <a:sym typeface="Cabin"/>
-              </a:rPr>
-              <a:t>“</a:t>
-            </a:r>
-            <a:r>
-              <a:rPr lang="en-US" sz="3600" u="none" strike="noStrike" cap="none">
-                <a:solidFill>
-                  <a:schemeClr val="lt1"/>
-                </a:solidFill>
-                <a:latin typeface="Arial Regular" charset="0"/>
-                <a:ea typeface="Arial Regular" charset="0"/>
-                <a:cs typeface="Arial Regular" charset="0"/>
-                <a:sym typeface="Cabin"/>
-              </a:rPr>
-              <a:t>regexp</a:t>
-            </a:r>
-            <a:r>
-              <a:rPr lang="en-US" sz="3600">
-                <a:solidFill>
-                  <a:schemeClr val="lt1"/>
-                </a:solidFill>
-                <a:latin typeface="Arial Regular" charset="0"/>
-                <a:ea typeface="Arial Regular" charset="0"/>
-                <a:cs typeface="Arial Regular" charset="0"/>
-                <a:sym typeface="Cabin"/>
-              </a:rPr>
-              <a:t>”</a:t>
-            </a:r>
-            <a:r>
-              <a:rPr lang="en-US" sz="3600" u="none" strike="noStrike" cap="none">
-                <a:solidFill>
-                  <a:schemeClr val="lt1"/>
-                </a:solidFill>
-                <a:latin typeface="Arial Regular" charset="0"/>
-                <a:ea typeface="Arial Regular" charset="0"/>
-                <a:cs typeface="Arial Regular" charset="0"/>
-                <a:sym typeface="Cabin"/>
-              </a:rPr>
-              <a:t>, provides a concise and flexible means for matching strings of text, such as particular characters, words, or patterns of characters. A regular expression is written in a formal language </a:t>
-            </a:r>
-            <a:r>
-              <a:rPr lang="en-US" sz="3600" strike="noStrike" cap="none">
-                <a:solidFill>
-                  <a:schemeClr val="lt1"/>
-                </a:solidFill>
-                <a:latin typeface="Arial Regular" charset="0"/>
-                <a:ea typeface="Arial Regular" charset="0"/>
-                <a:cs typeface="Arial Regular" charset="0"/>
-                <a:sym typeface="Cabin"/>
-              </a:rPr>
-              <a:t>that can be int</a:t>
-            </a:r>
-            <a:r>
-              <a:rPr lang="en-US" sz="3600" u="none" strike="noStrike" cap="none">
-                <a:solidFill>
-                  <a:schemeClr val="lt1"/>
-                </a:solidFill>
-                <a:latin typeface="Arial Regular" charset="0"/>
-                <a:ea typeface="Arial Regular" charset="0"/>
-                <a:cs typeface="Arial Regular" charset="0"/>
-                <a:sym typeface="Cabin"/>
-              </a:rPr>
-              <a:t>erpreted by a regular expression processor.</a:t>
-            </a:r>
-          </a:p>
-        </p:txBody>
-      </p:sp>
-    </p:spTree>
-  </p:cSld>
-  <p:clrMapOvr>
-    <a:masterClrMapping/>
-  </p:clrMapOvr>
-  <p:timing>
-    <p:tnLst>
-      <p:par>
-        <p:cTn id="1" dur="indefinite" restart="never" nodeType="tmRoot"/>
-      </p:par>
-    </p:tnLst>
-  </p:timing>
-</p:sld>
-</file>
-
-<file path=ppt/slides/slide20.xml><?xml version="1.0" encoding="utf-8"?>
-<p:sld xmlns:a="http://schemas.openxmlformats.org/drawingml/2006/main" xmlns:r="http://schemas.openxmlformats.org/officeDocument/2006/relationships" xmlns:p="http://schemas.openxmlformats.org/presentationml/2006/main">
-  <p:cSld>
-    <p:spTree>
-      <p:nvGrpSpPr>
         <p:cNvPr id="1" name="Shape 368"/>
         <p:cNvGrpSpPr/>
         <p:nvPr/>
@@ -14351,7 +13369,331 @@
 </p:sld>
 </file>
 
-<file path=ppt/slides/slide21.xml><?xml version="1.0" encoding="utf-8"?>
+<file path=ppt/slides/slide2.xml><?xml version="1.0" encoding="utf-8"?>
+<p:sld xmlns:a="http://schemas.openxmlformats.org/drawingml/2006/main" xmlns:r="http://schemas.openxmlformats.org/officeDocument/2006/relationships" xmlns:p="http://schemas.openxmlformats.org/presentationml/2006/main">
+  <p:cSld>
+    <p:spTree>
+      <p:nvGrpSpPr>
+        <p:cNvPr id="1" name="Shape 212"/>
+        <p:cNvGrpSpPr/>
+        <p:nvPr/>
+      </p:nvGrpSpPr>
+      <p:grpSpPr>
+        <a:xfrm>
+          <a:off x="0" y="0"/>
+          <a:ext cx="0" cy="0"/>
+          <a:chOff x="0" y="0"/>
+          <a:chExt cx="0" cy="0"/>
+        </a:xfrm>
+      </p:grpSpPr>
+      <p:sp>
+        <p:nvSpPr>
+          <p:cNvPr id="213" name="Shape 213"/>
+          <p:cNvSpPr txBox="1">
+            <a:spLocks noGrp="1"/>
+          </p:cNvSpPr>
+          <p:nvPr>
+            <p:ph type="title"/>
+          </p:nvPr>
+        </p:nvSpPr>
+        <p:spPr>
+          <a:prstGeom prst="rect">
+            <a:avLst/>
+          </a:prstGeom>
+          <a:noFill/>
+          <a:ln>
+            <a:noFill/>
+          </a:ln>
+        </p:spPr>
+        <p:txBody>
+          <a:bodyPr lIns="50800" tIns="50800" rIns="50800" bIns="50800" anchor="ctr" anchorCtr="0">
+            <a:noAutofit/>
+          </a:bodyPr>
+          <a:lstStyle/>
+          <a:p>
+            <a:pPr marL="0" marR="0" lvl="0" indent="0" algn="ctr" rtl="0">
+              <a:lnSpc>
+                <a:spcPct val="100000"/>
+              </a:lnSpc>
+              <a:spcBef>
+                <a:spcPts val="0"/>
+              </a:spcBef>
+              <a:spcAft>
+                <a:spcPts val="0"/>
+              </a:spcAft>
+              <a:buClr>
+                <a:srgbClr val="00FF00"/>
+              </a:buClr>
+              <a:buSzPct val="25000"/>
+              <a:buFont typeface="Cabin"/>
+              <a:buNone/>
+            </a:pPr>
+            <a:r>
+              <a:rPr lang="en-US" sz="7800" u="none" strike="noStrike" cap="none">
+                <a:solidFill>
+                  <a:srgbClr val="FFD966"/>
+                </a:solidFill>
+                <a:latin typeface="Arial Regular" charset="0"/>
+                <a:ea typeface="Arial Regular" charset="0"/>
+                <a:cs typeface="Arial Regular" charset="0"/>
+                <a:sym typeface="Cabin"/>
+              </a:rPr>
+              <a:t>Regular Expressions</a:t>
+            </a:r>
+          </a:p>
+        </p:txBody>
+      </p:sp>
+      <p:sp>
+        <p:nvSpPr>
+          <p:cNvPr id="214" name="Shape 214"/>
+          <p:cNvSpPr txBox="1"/>
+          <p:nvPr/>
+        </p:nvSpPr>
+        <p:spPr>
+          <a:xfrm>
+            <a:off x="2417650" y="7304649"/>
+            <a:ext cx="11408100" cy="660300"/>
+          </a:xfrm>
+          <a:prstGeom prst="rect">
+            <a:avLst/>
+          </a:prstGeom>
+          <a:noFill/>
+          <a:ln>
+            <a:noFill/>
+          </a:ln>
+        </p:spPr>
+        <p:txBody>
+          <a:bodyPr lIns="0" tIns="0" rIns="0" bIns="0" anchor="ctr" anchorCtr="0">
+            <a:noAutofit/>
+          </a:bodyPr>
+          <a:lstStyle/>
+          <a:p>
+            <a:pPr marL="0" marR="0" lvl="0" indent="0" algn="ctr" rtl="0">
+              <a:lnSpc>
+                <a:spcPct val="100000"/>
+              </a:lnSpc>
+              <a:spcBef>
+                <a:spcPts val="0"/>
+              </a:spcBef>
+              <a:spcAft>
+                <a:spcPts val="0"/>
+              </a:spcAft>
+              <a:buClr>
+                <a:srgbClr val="FFFF00"/>
+              </a:buClr>
+              <a:buSzPct val="25000"/>
+              <a:buFont typeface="Cabin"/>
+              <a:buNone/>
+            </a:pPr>
+            <a:r>
+              <a:rPr lang="en-US" sz="3000" u="sng" strike="noStrike" cap="none">
+                <a:solidFill>
+                  <a:srgbClr val="FFFF00"/>
+                </a:solidFill>
+                <a:latin typeface="Arial Regular" charset="0"/>
+                <a:ea typeface="Arial Regular" charset="0"/>
+                <a:cs typeface="Arial Regular" charset="0"/>
+                <a:sym typeface="Cabin"/>
+                <a:hlinkClick r:id="rId3"/>
+              </a:rPr>
+              <a:t>http://en.wikipedia.org/wiki/Regular_expression</a:t>
+            </a:r>
+          </a:p>
+        </p:txBody>
+      </p:sp>
+      <p:sp>
+        <p:nvSpPr>
+          <p:cNvPr id="215" name="Shape 215"/>
+          <p:cNvSpPr txBox="1"/>
+          <p:nvPr/>
+        </p:nvSpPr>
+        <p:spPr>
+          <a:xfrm>
+            <a:off x="2806700" y="2946400"/>
+            <a:ext cx="10642499" cy="4281899"/>
+          </a:xfrm>
+          <a:prstGeom prst="rect">
+            <a:avLst/>
+          </a:prstGeom>
+          <a:noFill/>
+          <a:ln>
+            <a:noFill/>
+          </a:ln>
+        </p:spPr>
+        <p:txBody>
+          <a:bodyPr lIns="0" tIns="0" rIns="0" bIns="0" anchor="ctr" anchorCtr="0">
+            <a:noAutofit/>
+          </a:bodyPr>
+          <a:lstStyle/>
+          <a:p>
+            <a:pPr marL="0" marR="0" lvl="0" indent="0" algn="ctr" rtl="0">
+              <a:lnSpc>
+                <a:spcPct val="100000"/>
+              </a:lnSpc>
+              <a:spcBef>
+                <a:spcPts val="0"/>
+              </a:spcBef>
+              <a:spcAft>
+                <a:spcPts val="0"/>
+              </a:spcAft>
+              <a:buClr>
+                <a:schemeClr val="lt1"/>
+              </a:buClr>
+              <a:buSzPct val="25000"/>
+              <a:buFont typeface="Cabin"/>
+              <a:buNone/>
+            </a:pPr>
+            <a:r>
+              <a:rPr lang="en-US" sz="3600" u="none" strike="noStrike" cap="none">
+                <a:solidFill>
+                  <a:schemeClr val="lt1"/>
+                </a:solidFill>
+                <a:latin typeface="Arial Regular" charset="0"/>
+                <a:ea typeface="Arial Regular" charset="0"/>
+                <a:cs typeface="Arial Regular" charset="0"/>
+                <a:sym typeface="Cabin"/>
+              </a:rPr>
+              <a:t>In computing, a regular expression, also referred to as </a:t>
+            </a:r>
+            <a:r>
+              <a:rPr lang="en-US" sz="3600">
+                <a:solidFill>
+                  <a:schemeClr val="lt1"/>
+                </a:solidFill>
+                <a:latin typeface="Arial Regular" charset="0"/>
+                <a:ea typeface="Arial Regular" charset="0"/>
+                <a:cs typeface="Arial Regular" charset="0"/>
+                <a:sym typeface="Cabin"/>
+              </a:rPr>
+              <a:t>“</a:t>
+            </a:r>
+            <a:r>
+              <a:rPr lang="en-US" sz="3600" u="none" strike="noStrike" cap="none">
+                <a:solidFill>
+                  <a:schemeClr val="lt1"/>
+                </a:solidFill>
+                <a:latin typeface="Arial Regular" charset="0"/>
+                <a:ea typeface="Arial Regular" charset="0"/>
+                <a:cs typeface="Arial Regular" charset="0"/>
+                <a:sym typeface="Cabin"/>
+              </a:rPr>
+              <a:t>regex</a:t>
+            </a:r>
+            <a:r>
+              <a:rPr lang="en-US" sz="3600">
+                <a:solidFill>
+                  <a:schemeClr val="lt1"/>
+                </a:solidFill>
+                <a:latin typeface="Arial Regular" charset="0"/>
+                <a:ea typeface="Arial Regular" charset="0"/>
+                <a:cs typeface="Arial Regular" charset="0"/>
+                <a:sym typeface="Cabin"/>
+              </a:rPr>
+              <a:t>”</a:t>
+            </a:r>
+            <a:r>
+              <a:rPr lang="en-US" sz="3600" u="none" strike="noStrike" cap="none">
+                <a:solidFill>
+                  <a:schemeClr val="lt1"/>
+                </a:solidFill>
+                <a:latin typeface="Arial Regular" charset="0"/>
+                <a:ea typeface="Arial Regular" charset="0"/>
+                <a:cs typeface="Arial Regular" charset="0"/>
+                <a:sym typeface="Cabin"/>
+              </a:rPr>
+              <a:t> or </a:t>
+            </a:r>
+            <a:r>
+              <a:rPr lang="en-US" sz="3600">
+                <a:solidFill>
+                  <a:schemeClr val="lt1"/>
+                </a:solidFill>
+                <a:latin typeface="Arial Regular" charset="0"/>
+                <a:ea typeface="Arial Regular" charset="0"/>
+                <a:cs typeface="Arial Regular" charset="0"/>
+                <a:sym typeface="Cabin"/>
+              </a:rPr>
+              <a:t>“</a:t>
+            </a:r>
+            <a:r>
+              <a:rPr lang="en-US" sz="3600" u="none" strike="noStrike" cap="none">
+                <a:solidFill>
+                  <a:schemeClr val="lt1"/>
+                </a:solidFill>
+                <a:latin typeface="Arial Regular" charset="0"/>
+                <a:ea typeface="Arial Regular" charset="0"/>
+                <a:cs typeface="Arial Regular" charset="0"/>
+                <a:sym typeface="Cabin"/>
+              </a:rPr>
+              <a:t>regexp</a:t>
+            </a:r>
+            <a:r>
+              <a:rPr lang="en-US" sz="3600">
+                <a:solidFill>
+                  <a:schemeClr val="lt1"/>
+                </a:solidFill>
+                <a:latin typeface="Arial Regular" charset="0"/>
+                <a:ea typeface="Arial Regular" charset="0"/>
+                <a:cs typeface="Arial Regular" charset="0"/>
+                <a:sym typeface="Cabin"/>
+              </a:rPr>
+              <a:t>”</a:t>
+            </a:r>
+            <a:r>
+              <a:rPr lang="en-US" sz="3600" u="none" strike="noStrike" cap="none">
+                <a:solidFill>
+                  <a:schemeClr val="lt1"/>
+                </a:solidFill>
+                <a:latin typeface="Arial Regular" charset="0"/>
+                <a:ea typeface="Arial Regular" charset="0"/>
+                <a:cs typeface="Arial Regular" charset="0"/>
+                <a:sym typeface="Cabin"/>
+              </a:rPr>
+              <a:t>, provides a concise and flexible means for matching strings of text, such as particular characters, words, or patterns of characters. A regular expression is written in a formal language </a:t>
+            </a:r>
+            <a:r>
+              <a:rPr lang="en-US" sz="3600" strike="noStrike" cap="none">
+                <a:solidFill>
+                  <a:schemeClr val="lt1"/>
+                </a:solidFill>
+                <a:latin typeface="Arial Regular" charset="0"/>
+                <a:ea typeface="Arial Regular" charset="0"/>
+                <a:cs typeface="Arial Regular" charset="0"/>
+                <a:sym typeface="Cabin"/>
+              </a:rPr>
+              <a:t>that can be int</a:t>
+            </a:r>
+            <a:r>
+              <a:rPr lang="en-US" sz="3600" u="none" strike="noStrike" cap="none">
+                <a:solidFill>
+                  <a:schemeClr val="lt1"/>
+                </a:solidFill>
+                <a:latin typeface="Arial Regular" charset="0"/>
+                <a:ea typeface="Arial Regular" charset="0"/>
+                <a:cs typeface="Arial Regular" charset="0"/>
+                <a:sym typeface="Cabin"/>
+              </a:rPr>
+              <a:t>erpreted by a regular expression processor.</a:t>
+            </a:r>
+          </a:p>
+        </p:txBody>
+      </p:sp>
+    </p:spTree>
+  </p:cSld>
+  <p:clrMapOvr>
+    <a:masterClrMapping/>
+  </p:clrMapOvr>
+  <p:timing>
+    <p:tnLst>
+      <p:par>
+        <p:cTn id="1" dur="indefinite" restart="never" nodeType="tmRoot"/>
+      </p:par>
+    </p:tnLst>
+  </p:timing>
+</p:sld>
+</file>
+
+<file path=ppt/slides/slide20.xml><?xml version="1.0" encoding="utf-8"?>
 <p:sld xmlns:a="http://schemas.openxmlformats.org/drawingml/2006/main" xmlns:r="http://schemas.openxmlformats.org/officeDocument/2006/relationships" xmlns:p="http://schemas.openxmlformats.org/presentationml/2006/main">
   <p:cSld>
     <p:spTree>
@@ -15358,6 +14700,63 @@
       </p:par>
     </p:tnLst>
   </p:timing>
+</p:sld>
+</file>
+
+<file path=ppt/slides/slide21.xml><?xml version="1.0" encoding="utf-8"?>
+<p:sld xmlns:a="http://schemas.openxmlformats.org/drawingml/2006/main" xmlns:r="http://schemas.openxmlformats.org/officeDocument/2006/relationships" xmlns:p="http://schemas.openxmlformats.org/presentationml/2006/main">
+  <p:cSld>
+    <p:spTree>
+      <p:nvGrpSpPr>
+        <p:cNvPr id="1" name=""/>
+        <p:cNvGrpSpPr/>
+        <p:nvPr/>
+      </p:nvGrpSpPr>
+      <p:grpSpPr>
+        <a:xfrm>
+          <a:off x="0" y="0"/>
+          <a:ext cx="0" cy="0"/>
+          <a:chOff x="0" y="0"/>
+          <a:chExt cx="0" cy="0"/>
+        </a:xfrm>
+      </p:grpSpPr>
+      <p:sp>
+        <p:nvSpPr>
+          <p:cNvPr id="2" name="Title 1"/>
+          <p:cNvSpPr>
+            <a:spLocks noGrp="1"/>
+          </p:cNvSpPr>
+          <p:nvPr>
+            <p:ph type="title"/>
+          </p:nvPr>
+        </p:nvSpPr>
+        <p:spPr/>
+        <p:txBody>
+          <a:bodyPr/>
+          <a:lstStyle/>
+          <a:p>
+            <a:r>
+              <a:rPr lang="en-US" dirty="0" smtClean="0"/>
+              <a:t>String Parsing Examples</a:t>
+            </a:r>
+            <a:r>
+              <a:rPr lang="is-IS" dirty="0" smtClean="0"/>
+              <a:t>…</a:t>
+            </a:r>
+            <a:endParaRPr lang="en-US" dirty="0"/>
+          </a:p>
+        </p:txBody>
+      </p:sp>
+    </p:spTree>
+    <p:extLst>
+      <p:ext uri="{BB962C8B-B14F-4D97-AF65-F5344CB8AC3E}">
+        <p14:creationId xmlns:p14="http://schemas.microsoft.com/office/powerpoint/2010/main" val="1499679729"/>
+      </p:ext>
+    </p:extLst>
+  </p:cSld>
+  <p:clrMapOvr>
+    <a:masterClrMapping/>
+  </p:clrMapOvr>
 </p:sld>
 </file>
 

--- a/lectures3/Pythonlearn-11-Regex.pptx
+++ b/lectures3/Pythonlearn-11-Regex.pptx
@@ -249,7 +249,7 @@
   </p:defaultTextStyle>
   <p:extLst>
     <p:ext uri="{EFAFB233-063F-42B5-8137-9DF3F51BA10A}">
-      <p15:sldGuideLst xmlns:p15="http://schemas.microsoft.com/office/powerpoint/2012/main" xmlns="">
+      <p15:sldGuideLst xmlns:p15="http://schemas.microsoft.com/office/powerpoint/2012/main">
         <p15:guide id="1" orient="horz" pos="2880">
           <p15:clr>
             <a:srgbClr val="A4A3A4"/>
@@ -6213,7 +6213,7 @@
   <p:timing>
     <p:tnLst>
       <p:par>
-        <p:cTn xmlns:p14="http://schemas.microsoft.com/office/powerpoint/2010/main" id="1" dur="indefinite" restart="never" nodeType="tmRoot"/>
+        <p:cTn id="1" dur="indefinite" restart="never" nodeType="tmRoot"/>
       </p:par>
     </p:tnLst>
   </p:timing>
@@ -7049,7 +7049,7 @@
   <p:timing>
     <p:tnLst>
       <p:par>
-        <p:cTn xmlns:p14="http://schemas.microsoft.com/office/powerpoint/2010/main" id="1" dur="indefinite" restart="never" nodeType="tmRoot"/>
+        <p:cTn id="1" dur="indefinite" restart="never" nodeType="tmRoot"/>
       </p:par>
     </p:tnLst>
   </p:timing>
@@ -7964,7 +7964,7 @@
   <p:timing>
     <p:tnLst>
       <p:par>
-        <p:cTn xmlns:p14="http://schemas.microsoft.com/office/powerpoint/2010/main" id="1" dur="indefinite" restart="never" nodeType="tmRoot"/>
+        <p:cTn id="1" dur="indefinite" restart="never" nodeType="tmRoot"/>
       </p:par>
     </p:tnLst>
   </p:timing>
@@ -8384,8 +8384,96 @@
                 <a:cs typeface="Courier"/>
                 <a:sym typeface="Courier New"/>
               </a:rPr>
-              <a:t>two weeks</a:t>
-            </a:r>
+              <a:t>two </a:t>
+            </a:r>
+            <a:r>
+              <a:rPr lang="en-US" sz="3000" i="0" u="none" strike="noStrike" cap="none" dirty="0" smtClean="0">
+                <a:solidFill>
+                  <a:schemeClr val="lt1"/>
+                </a:solidFill>
+                <a:latin typeface="Courier"/>
+                <a:ea typeface="Courier New"/>
+                <a:cs typeface="Courier"/>
+                <a:sym typeface="Courier New"/>
+              </a:rPr>
+              <a:t>weeks</a:t>
+            </a:r>
+          </a:p>
+          <a:p>
+            <a:pPr marL="0" marR="0" lvl="0" indent="0" algn="l" rtl="0">
+              <a:lnSpc>
+                <a:spcPct val="100000"/>
+              </a:lnSpc>
+              <a:spcBef>
+                <a:spcPts val="0"/>
+              </a:spcBef>
+              <a:spcAft>
+                <a:spcPts val="0"/>
+              </a:spcAft>
+              <a:buClr>
+                <a:srgbClr val="FFFF00"/>
+              </a:buClr>
+              <a:buSzPct val="25000"/>
+              <a:buFont typeface="Cabin"/>
+              <a:buNone/>
+            </a:pPr>
+            <a:r>
+              <a:rPr lang="en-US" sz="3000" dirty="0" smtClean="0">
+                <a:solidFill>
+                  <a:srgbClr val="FFFF00"/>
+                </a:solidFill>
+                <a:latin typeface="Courier"/>
+                <a:ea typeface="Courier New"/>
+                <a:cs typeface="Courier"/>
+                <a:sym typeface="Courier New"/>
+              </a:rPr>
+              <a:t>X</a:t>
+            </a:r>
+            <a:r>
+              <a:rPr lang="en-US" sz="3000" dirty="0" smtClean="0">
+                <a:solidFill>
+                  <a:srgbClr val="00FA00"/>
+                </a:solidFill>
+                <a:latin typeface="Courier"/>
+                <a:ea typeface="Courier New"/>
+                <a:cs typeface="Courier"/>
+                <a:sym typeface="Courier New"/>
+              </a:rPr>
+              <a:t>-</a:t>
+            </a:r>
+            <a:r>
+              <a:rPr lang="en-US" sz="3000" dirty="0" smtClean="0">
+                <a:solidFill>
+                  <a:srgbClr val="FFFF00"/>
+                </a:solidFill>
+                <a:latin typeface="Courier"/>
+                <a:ea typeface="Courier New"/>
+                <a:cs typeface="Courier"/>
+                <a:sym typeface="Courier New"/>
+              </a:rPr>
+              <a:t>: </a:t>
+            </a:r>
+            <a:r>
+              <a:rPr lang="en-US" sz="3000" dirty="0" smtClean="0">
+                <a:solidFill>
+                  <a:schemeClr val="lt1"/>
+                </a:solidFill>
+                <a:latin typeface="Courier"/>
+                <a:ea typeface="Courier New"/>
+                <a:cs typeface="Courier"/>
+                <a:sym typeface="Courier New"/>
+              </a:rPr>
+              <a:t>Very short</a:t>
+            </a:r>
+            <a:endParaRPr lang="en-US" sz="3000" i="0" u="none" strike="noStrike" cap="none" dirty="0">
+              <a:solidFill>
+                <a:schemeClr val="lt1"/>
+              </a:solidFill>
+              <a:latin typeface="Courier"/>
+              <a:ea typeface="Courier New"/>
+              <a:cs typeface="Courier"/>
+              <a:sym typeface="Courier New"/>
+            </a:endParaRPr>
           </a:p>
         </p:txBody>
       </p:sp>
@@ -8753,7 +8841,7 @@
   <p:timing>
     <p:tnLst>
       <p:par>
-        <p:cTn xmlns:p14="http://schemas.microsoft.com/office/powerpoint/2010/main" id="1" dur="indefinite" restart="never" nodeType="tmRoot"/>
+        <p:cTn id="1" dur="indefinite" restart="never" nodeType="tmRoot"/>
       </p:par>
     </p:tnLst>
   </p:timing>
@@ -8947,8 +9035,8 @@
         </p:nvSpPr>
         <p:spPr>
           <a:xfrm>
-            <a:off x="1247775" y="5463296"/>
-            <a:ext cx="8781600" cy="2184300"/>
+            <a:off x="1247775" y="4654550"/>
+            <a:ext cx="8781600" cy="2993046"/>
           </a:xfrm>
           <a:prstGeom prst="rect">
             <a:avLst/>
@@ -9085,7 +9173,7 @@
               <a:t>: </a:t>
             </a:r>
             <a:r>
-              <a:rPr lang="en-US" sz="3000" i="0" u="none" strike="noStrike" cap="none" dirty="0">
+              <a:rPr lang="en-US" sz="3000" i="0" u="none" strike="noStrike" cap="none" dirty="0" smtClean="0">
                 <a:solidFill>
                   <a:schemeClr val="lt1"/>
                 </a:solidFill>
@@ -9109,23 +9197,87 @@
                 <a:spcPts val="0"/>
               </a:spcAft>
               <a:buClr>
-                <a:schemeClr val="lt1"/>
+                <a:srgbClr val="FFFF00"/>
               </a:buClr>
               <a:buSzPct val="25000"/>
               <a:buFont typeface="Cabin"/>
               <a:buNone/>
             </a:pPr>
             <a:r>
+              <a:rPr lang="en-US" sz="3000" dirty="0" smtClean="0">
+                <a:solidFill>
+                  <a:srgbClr val="FFFF00"/>
+                </a:solidFill>
+                <a:latin typeface="Courier"/>
+                <a:ea typeface="Courier New"/>
+                <a:cs typeface="Courier"/>
+                <a:sym typeface="Courier New"/>
+              </a:rPr>
+              <a:t>X-</a:t>
+            </a:r>
+            <a:r>
+              <a:rPr lang="en-US" sz="3000" dirty="0" smtClean="0">
+                <a:solidFill>
+                  <a:schemeClr val="lt1"/>
+                </a:solidFill>
+                <a:latin typeface="Courier"/>
+                <a:ea typeface="Courier New"/>
+                <a:cs typeface="Courier"/>
+                <a:sym typeface="Courier New"/>
+              </a:rPr>
+              <a:t>: Very Short</a:t>
+            </a:r>
+            <a:endParaRPr lang="en-US" sz="3000" i="0" u="none" strike="noStrike" cap="none" dirty="0">
+              <a:solidFill>
+                <a:schemeClr val="lt1"/>
+              </a:solidFill>
+              <a:latin typeface="Courier"/>
+              <a:ea typeface="Courier New"/>
+              <a:cs typeface="Courier"/>
+              <a:sym typeface="Courier New"/>
+            </a:endParaRPr>
+          </a:p>
+          <a:p>
+            <a:pPr marL="0" marR="0" lvl="0" indent="0" algn="l" rtl="0">
+              <a:lnSpc>
+                <a:spcPct val="100000"/>
+              </a:lnSpc>
+              <a:spcBef>
+                <a:spcPts val="0"/>
+              </a:spcBef>
+              <a:spcAft>
+                <a:spcPts val="0"/>
+              </a:spcAft>
+              <a:buClr>
+                <a:schemeClr val="lt1"/>
+              </a:buClr>
+              <a:buSzPct val="25000"/>
+              <a:buFont typeface="Cabin"/>
+              <a:buNone/>
+            </a:pPr>
+            <a:r>
               <a:rPr lang="en-US" sz="3000" i="0" u="none" strike="noStrike" cap="none" dirty="0">
                 <a:solidFill>
-                  <a:schemeClr val="lt1"/>
-                </a:solidFill>
-                <a:latin typeface="Courier"/>
-                <a:ea typeface="Courier New"/>
-                <a:cs typeface="Courier"/>
-                <a:sym typeface="Courier New"/>
-              </a:rPr>
-              <a:t>X-Plane is behind schedule: two weeks</a:t>
+                  <a:srgbClr val="FFFF00"/>
+                </a:solidFill>
+                <a:latin typeface="Courier"/>
+                <a:ea typeface="Courier New"/>
+                <a:cs typeface="Courier"/>
+                <a:sym typeface="Courier New"/>
+              </a:rPr>
+              <a:t>X-</a:t>
+            </a:r>
+            <a:r>
+              <a:rPr lang="en-US" sz="3000" i="0" u="none" strike="noStrike" cap="none" dirty="0">
+                <a:solidFill>
+                  <a:schemeClr val="lt1"/>
+                </a:solidFill>
+                <a:latin typeface="Courier"/>
+                <a:ea typeface="Courier New"/>
+                <a:cs typeface="Courier"/>
+                <a:sym typeface="Courier New"/>
+              </a:rPr>
+              <a:t>Plane is behind schedule: two weeks</a:t>
             </a:r>
           </a:p>
         </p:txBody>
@@ -9173,7 +9325,7 @@
               <a:buNone/>
             </a:pPr>
             <a:r>
-              <a:rPr lang="en-US" sz="6000" b="0" i="0" u="none" strike="noStrike" cap="none">
+              <a:rPr lang="en-US" sz="6000" b="0" i="0" u="none" strike="noStrike" cap="none" dirty="0">
                 <a:solidFill>
                   <a:srgbClr val="FF00FF"/>
                 </a:solidFill>
@@ -9185,7 +9337,7 @@
               <a:t>^</a:t>
             </a:r>
             <a:r>
-              <a:rPr lang="en-US" sz="6000" b="0" i="0" u="none" strike="noStrike" cap="none">
+              <a:rPr lang="en-US" sz="6000" b="0" i="0" u="none" strike="noStrike" cap="none" dirty="0">
                 <a:solidFill>
                   <a:srgbClr val="FFFF00"/>
                 </a:solidFill>
@@ -9197,7 +9349,7 @@
               <a:t>X-</a:t>
             </a:r>
             <a:r>
-              <a:rPr lang="en-US" sz="6000" b="0" i="0" u="none" strike="noStrike" cap="none">
+              <a:rPr lang="en-US" sz="6000" b="0" i="0" u="none" strike="noStrike" cap="none" dirty="0">
                 <a:solidFill>
                   <a:srgbClr val="00FF00"/>
                 </a:solidFill>
@@ -9209,7 +9361,7 @@
               <a:t>\S</a:t>
             </a:r>
             <a:r>
-              <a:rPr lang="en-US" sz="6000" b="0" i="0" u="none" strike="noStrike" cap="none">
+              <a:rPr lang="en-US" sz="6000" b="0" i="0" u="none" strike="noStrike" cap="none" dirty="0">
                 <a:solidFill>
                   <a:srgbClr val="FF7F00"/>
                 </a:solidFill>
@@ -9221,7 +9373,7 @@
               <a:t>+</a:t>
             </a:r>
             <a:r>
-              <a:rPr lang="en-US" sz="6000" b="0" i="0" u="none" strike="noStrike" cap="none">
+              <a:rPr lang="en-US" sz="6000" b="0" i="0" u="none" strike="noStrike" cap="none" dirty="0">
                 <a:solidFill>
                   <a:srgbClr val="FFFF00"/>
                 </a:solidFill>
@@ -9494,7 +9646,7 @@
   <p:timing>
     <p:tnLst>
       <p:par>
-        <p:cTn xmlns:p14="http://schemas.microsoft.com/office/powerpoint/2010/main" id="1" dur="indefinite" restart="never" nodeType="tmRoot"/>
+        <p:cTn id="1" dur="indefinite" restart="never" nodeType="tmRoot"/>
       </p:par>
     </p:tnLst>
   </p:timing>
@@ -10129,7 +10281,7 @@
   <p:timing>
     <p:tnLst>
       <p:par>
-        <p:cTn xmlns:p14="http://schemas.microsoft.com/office/powerpoint/2010/main" id="1" dur="indefinite" restart="never" nodeType="tmRoot"/>
+        <p:cTn id="1" dur="indefinite" restart="never" nodeType="tmRoot"/>
       </p:par>
     </p:tnLst>
   </p:timing>
@@ -10735,7 +10887,7 @@
   <p:timing>
     <p:tnLst>
       <p:par>
-        <p:cTn xmlns:p14="http://schemas.microsoft.com/office/powerpoint/2010/main" id="1" dur="indefinite" restart="never" nodeType="tmRoot"/>
+        <p:cTn id="1" dur="indefinite" restart="never" nodeType="tmRoot"/>
       </p:par>
     </p:tnLst>
   </p:timing>
@@ -11701,7 +11853,7 @@
   <p:timing>
     <p:tnLst>
       <p:par>
-        <p:cTn xmlns:p14="http://schemas.microsoft.com/office/powerpoint/2010/main" id="1" dur="indefinite" restart="never" nodeType="tmRoot"/>
+        <p:cTn id="1" dur="indefinite" restart="never" nodeType="tmRoot"/>
       </p:par>
     </p:tnLst>
   </p:timing>
@@ -12554,7 +12706,7 @@
   <p:timing>
     <p:tnLst>
       <p:par>
-        <p:cTn xmlns:p14="http://schemas.microsoft.com/office/powerpoint/2010/main" id="1" dur="indefinite" restart="never" nodeType="tmRoot"/>
+        <p:cTn id="1" dur="indefinite" restart="never" nodeType="tmRoot"/>
       </p:par>
     </p:tnLst>
   </p:timing>
@@ -13312,7 +13464,7 @@
   <p:timing>
     <p:tnLst>
       <p:par>
-        <p:cTn xmlns:p14="http://schemas.microsoft.com/office/powerpoint/2010/main" id="1" dur="indefinite" restart="never" nodeType="tmRoot"/>
+        <p:cTn id="1" dur="indefinite" restart="never" nodeType="tmRoot"/>
       </p:par>
     </p:tnLst>
   </p:timing>
@@ -14322,7 +14474,7 @@
   <p:timing>
     <p:tnLst>
       <p:par>
-        <p:cTn xmlns:p14="http://schemas.microsoft.com/office/powerpoint/2010/main" id="1" dur="indefinite" restart="never" nodeType="tmRoot"/>
+        <p:cTn id="1" dur="indefinite" restart="never" nodeType="tmRoot"/>
       </p:par>
     </p:tnLst>
   </p:timing>
@@ -14646,7 +14798,7 @@
   <p:timing>
     <p:tnLst>
       <p:par>
-        <p:cTn xmlns:p14="http://schemas.microsoft.com/office/powerpoint/2010/main" id="1" dur="indefinite" restart="never" nodeType="tmRoot"/>
+        <p:cTn id="1" dur="indefinite" restart="never" nodeType="tmRoot"/>
       </p:par>
     </p:tnLst>
   </p:timing>
@@ -15941,7 +16093,7 @@
   <p:timing>
     <p:tnLst>
       <p:par>
-        <p:cTn xmlns:p14="http://schemas.microsoft.com/office/powerpoint/2010/main" id="1" dur="indefinite" restart="never" nodeType="tmRoot"/>
+        <p:cTn id="1" dur="indefinite" restart="never" nodeType="tmRoot"/>
       </p:par>
     </p:tnLst>
   </p:timing>
@@ -16630,7 +16782,7 @@
   <p:timing>
     <p:tnLst>
       <p:par>
-        <p:cTn xmlns:p14="http://schemas.microsoft.com/office/powerpoint/2010/main" id="1" dur="indefinite" restart="never" nodeType="tmRoot"/>
+        <p:cTn id="1" dur="indefinite" restart="never" nodeType="tmRoot"/>
       </p:par>
     </p:tnLst>
   </p:timing>
@@ -17333,7 +17485,7 @@
   <p:timing>
     <p:tnLst>
       <p:par>
-        <p:cTn xmlns:p14="http://schemas.microsoft.com/office/powerpoint/2010/main" id="1" dur="indefinite" restart="never" nodeType="tmRoot"/>
+        <p:cTn id="1" dur="indefinite" restart="never" nodeType="tmRoot"/>
       </p:par>
     </p:tnLst>
   </p:timing>
@@ -18129,7 +18281,7 @@
   <p:timing>
     <p:tnLst>
       <p:par>
-        <p:cTn xmlns:p14="http://schemas.microsoft.com/office/powerpoint/2010/main" id="1" dur="indefinite" restart="never" nodeType="tmRoot"/>
+        <p:cTn id="1" dur="indefinite" restart="never" nodeType="tmRoot"/>
       </p:par>
     </p:tnLst>
   </p:timing>
@@ -18866,7 +19018,7 @@
   <p:timing>
     <p:tnLst>
       <p:par>
-        <p:cTn xmlns:p14="http://schemas.microsoft.com/office/powerpoint/2010/main" id="1" dur="indefinite" restart="never" nodeType="tmRoot"/>
+        <p:cTn id="1" dur="indefinite" restart="never" nodeType="tmRoot"/>
       </p:par>
     </p:tnLst>
   </p:timing>
@@ -19615,7 +19767,7 @@
   <p:timing>
     <p:tnLst>
       <p:par>
-        <p:cTn xmlns:p14="http://schemas.microsoft.com/office/powerpoint/2010/main" id="1" dur="indefinite" restart="never" nodeType="tmRoot"/>
+        <p:cTn id="1" dur="indefinite" restart="never" nodeType="tmRoot"/>
       </p:par>
     </p:tnLst>
   </p:timing>
@@ -20388,7 +20540,7 @@
   <p:timing>
     <p:tnLst>
       <p:par>
-        <p:cTn xmlns:p14="http://schemas.microsoft.com/office/powerpoint/2010/main" id="1" dur="indefinite" restart="never" nodeType="tmRoot"/>
+        <p:cTn id="1" dur="indefinite" restart="never" nodeType="tmRoot"/>
       </p:par>
     </p:tnLst>
   </p:timing>
@@ -21087,7 +21239,7 @@
   <p:timing>
     <p:tnLst>
       <p:par>
-        <p:cTn xmlns:p14="http://schemas.microsoft.com/office/powerpoint/2010/main" id="1" dur="indefinite" restart="never" nodeType="tmRoot"/>
+        <p:cTn id="1" dur="indefinite" restart="never" nodeType="tmRoot"/>
       </p:par>
     </p:tnLst>
   </p:timing>
@@ -21952,7 +22104,7 @@
   <p:timing>
     <p:tnLst>
       <p:par>
-        <p:cTn xmlns:p14="http://schemas.microsoft.com/office/powerpoint/2010/main" id="1" dur="indefinite" restart="never" nodeType="tmRoot"/>
+        <p:cTn id="1" dur="indefinite" restart="never" nodeType="tmRoot"/>
       </p:par>
     </p:tnLst>
   </p:timing>
@@ -22204,7 +22356,7 @@
   <p:timing>
     <p:tnLst>
       <p:par>
-        <p:cTn xmlns:p14="http://schemas.microsoft.com/office/powerpoint/2010/main" id="1" dur="indefinite" restart="never" nodeType="tmRoot"/>
+        <p:cTn id="1" dur="indefinite" restart="never" nodeType="tmRoot"/>
       </p:par>
     </p:tnLst>
   </p:timing>
@@ -22936,7 +23088,7 @@
   <p:timing>
     <p:tnLst>
       <p:par>
-        <p:cTn xmlns:p14="http://schemas.microsoft.com/office/powerpoint/2010/main" id="1" dur="indefinite" restart="never" nodeType="tmRoot"/>
+        <p:cTn id="1" dur="indefinite" restart="never" nodeType="tmRoot"/>
       </p:par>
     </p:tnLst>
   </p:timing>
@@ -25437,7 +25589,7 @@
   <p:timing>
     <p:tnLst>
       <p:par>
-        <p:cTn xmlns:p14="http://schemas.microsoft.com/office/powerpoint/2010/main" id="1" dur="indefinite" restart="never" nodeType="tmRoot"/>
+        <p:cTn id="1" dur="indefinite" restart="never" nodeType="tmRoot"/>
       </p:par>
     </p:tnLst>
   </p:timing>
@@ -25807,7 +25959,7 @@
   <p:timing>
     <p:tnLst>
       <p:par>
-        <p:cTn xmlns:p14="http://schemas.microsoft.com/office/powerpoint/2010/main" id="1" dur="indefinite" restart="never" nodeType="tmRoot"/>
+        <p:cTn id="1" dur="indefinite" restart="never" nodeType="tmRoot"/>
       </p:par>
     </p:tnLst>
   </p:timing>
@@ -25937,7 +26089,7 @@
   <p:timing>
     <p:tnLst>
       <p:par>
-        <p:cTn xmlns:p14="http://schemas.microsoft.com/office/powerpoint/2010/main" id="1" dur="indefinite" restart="never" nodeType="tmRoot"/>
+        <p:cTn id="1" dur="indefinite" restart="never" nodeType="tmRoot"/>
       </p:par>
     </p:tnLst>
   </p:timing>
@@ -27023,7 +27175,7 @@
   <p:timing>
     <p:tnLst>
       <p:par>
-        <p:cTn xmlns:p14="http://schemas.microsoft.com/office/powerpoint/2010/main" id="1" dur="indefinite" restart="never" nodeType="tmRoot"/>
+        <p:cTn id="1" dur="indefinite" restart="never" nodeType="tmRoot"/>
       </p:par>
     </p:tnLst>
   </p:timing>
@@ -27480,7 +27632,7 @@
   <p:timing>
     <p:tnLst>
       <p:par>
-        <p:cTn xmlns:p14="http://schemas.microsoft.com/office/powerpoint/2010/main" id="1" dur="indefinite" restart="never" nodeType="tmRoot"/>
+        <p:cTn id="1" dur="indefinite" restart="never" nodeType="tmRoot"/>
       </p:par>
     </p:tnLst>
   </p:timing>
@@ -28231,7 +28383,7 @@
   <p:timing>
     <p:tnLst>
       <p:par>
-        <p:cTn xmlns:p14="http://schemas.microsoft.com/office/powerpoint/2010/main" id="1" dur="indefinite" restart="never" nodeType="tmRoot"/>
+        <p:cTn id="1" dur="indefinite" restart="never" nodeType="tmRoot"/>
       </p:par>
     </p:tnLst>
   </p:timing>
